--- a/android/binder/binder.pptx
+++ b/android/binder/binder.pptx
@@ -19,6 +19,8 @@
     <p:sldId id="273" r:id="rId13"/>
     <p:sldId id="274" r:id="rId14"/>
     <p:sldId id="275" r:id="rId15"/>
+    <p:sldId id="276" r:id="rId16"/>
+    <p:sldId id="277" r:id="rId17"/>
   </p:sldIdLst>
   <p:sldSz cx="12192000" cy="6858000"/>
   <p:notesSz cx="6858000" cy="9144000"/>
@@ -272,7 +274,7 @@
           <a:p>
             <a:fld id="{94500C62-1B3F-4E84-BF94-3D5FB933429A}" type="datetimeFigureOut">
               <a:rPr lang="zh-CN" altLang="en-US" smtClean="0"/>
-              <a:t>2022/4/6</a:t>
+              <a:t>2022/4/7</a:t>
             </a:fld>
             <a:endParaRPr lang="zh-CN" altLang="en-US"/>
           </a:p>
@@ -470,7 +472,7 @@
           <a:p>
             <a:fld id="{94500C62-1B3F-4E84-BF94-3D5FB933429A}" type="datetimeFigureOut">
               <a:rPr lang="zh-CN" altLang="en-US" smtClean="0"/>
-              <a:t>2022/4/6</a:t>
+              <a:t>2022/4/7</a:t>
             </a:fld>
             <a:endParaRPr lang="zh-CN" altLang="en-US"/>
           </a:p>
@@ -678,7 +680,7 @@
           <a:p>
             <a:fld id="{94500C62-1B3F-4E84-BF94-3D5FB933429A}" type="datetimeFigureOut">
               <a:rPr lang="zh-CN" altLang="en-US" smtClean="0"/>
-              <a:t>2022/4/6</a:t>
+              <a:t>2022/4/7</a:t>
             </a:fld>
             <a:endParaRPr lang="zh-CN" altLang="en-US"/>
           </a:p>
@@ -876,7 +878,7 @@
           <a:p>
             <a:fld id="{94500C62-1B3F-4E84-BF94-3D5FB933429A}" type="datetimeFigureOut">
               <a:rPr lang="zh-CN" altLang="en-US" smtClean="0"/>
-              <a:t>2022/4/6</a:t>
+              <a:t>2022/4/7</a:t>
             </a:fld>
             <a:endParaRPr lang="zh-CN" altLang="en-US"/>
           </a:p>
@@ -1151,7 +1153,7 @@
           <a:p>
             <a:fld id="{94500C62-1B3F-4E84-BF94-3D5FB933429A}" type="datetimeFigureOut">
               <a:rPr lang="zh-CN" altLang="en-US" smtClean="0"/>
-              <a:t>2022/4/6</a:t>
+              <a:t>2022/4/7</a:t>
             </a:fld>
             <a:endParaRPr lang="zh-CN" altLang="en-US"/>
           </a:p>
@@ -1416,7 +1418,7 @@
           <a:p>
             <a:fld id="{94500C62-1B3F-4E84-BF94-3D5FB933429A}" type="datetimeFigureOut">
               <a:rPr lang="zh-CN" altLang="en-US" smtClean="0"/>
-              <a:t>2022/4/6</a:t>
+              <a:t>2022/4/7</a:t>
             </a:fld>
             <a:endParaRPr lang="zh-CN" altLang="en-US"/>
           </a:p>
@@ -1828,7 +1830,7 @@
           <a:p>
             <a:fld id="{94500C62-1B3F-4E84-BF94-3D5FB933429A}" type="datetimeFigureOut">
               <a:rPr lang="zh-CN" altLang="en-US" smtClean="0"/>
-              <a:t>2022/4/6</a:t>
+              <a:t>2022/4/7</a:t>
             </a:fld>
             <a:endParaRPr lang="zh-CN" altLang="en-US"/>
           </a:p>
@@ -1969,7 +1971,7 @@
           <a:p>
             <a:fld id="{94500C62-1B3F-4E84-BF94-3D5FB933429A}" type="datetimeFigureOut">
               <a:rPr lang="zh-CN" altLang="en-US" smtClean="0"/>
-              <a:t>2022/4/6</a:t>
+              <a:t>2022/4/7</a:t>
             </a:fld>
             <a:endParaRPr lang="zh-CN" altLang="en-US"/>
           </a:p>
@@ -2082,7 +2084,7 @@
           <a:p>
             <a:fld id="{94500C62-1B3F-4E84-BF94-3D5FB933429A}" type="datetimeFigureOut">
               <a:rPr lang="zh-CN" altLang="en-US" smtClean="0"/>
-              <a:t>2022/4/6</a:t>
+              <a:t>2022/4/7</a:t>
             </a:fld>
             <a:endParaRPr lang="zh-CN" altLang="en-US"/>
           </a:p>
@@ -2393,7 +2395,7 @@
           <a:p>
             <a:fld id="{94500C62-1B3F-4E84-BF94-3D5FB933429A}" type="datetimeFigureOut">
               <a:rPr lang="zh-CN" altLang="en-US" smtClean="0"/>
-              <a:t>2022/4/6</a:t>
+              <a:t>2022/4/7</a:t>
             </a:fld>
             <a:endParaRPr lang="zh-CN" altLang="en-US"/>
           </a:p>
@@ -2681,7 +2683,7 @@
           <a:p>
             <a:fld id="{94500C62-1B3F-4E84-BF94-3D5FB933429A}" type="datetimeFigureOut">
               <a:rPr lang="zh-CN" altLang="en-US" smtClean="0"/>
-              <a:t>2022/4/6</a:t>
+              <a:t>2022/4/7</a:t>
             </a:fld>
             <a:endParaRPr lang="zh-CN" altLang="en-US"/>
           </a:p>
@@ -2922,7 +2924,7 @@
           <a:p>
             <a:fld id="{94500C62-1B3F-4E84-BF94-3D5FB933429A}" type="datetimeFigureOut">
               <a:rPr lang="zh-CN" altLang="en-US" smtClean="0"/>
-              <a:t>2022/4/6</a:t>
+              <a:t>2022/4/7</a:t>
             </a:fld>
             <a:endParaRPr lang="zh-CN" altLang="en-US"/>
           </a:p>
@@ -11302,6 +11304,2716 @@
     <p:extLst>
       <p:ext uri="{BB962C8B-B14F-4D97-AF65-F5344CB8AC3E}">
         <p14:creationId xmlns:p14="http://schemas.microsoft.com/office/powerpoint/2010/main" val="3493785486"/>
+      </p:ext>
+    </p:extLst>
+  </p:cSld>
+  <p:clrMapOvr>
+    <a:masterClrMapping/>
+  </p:clrMapOvr>
+</p:sld>
+</file>
+
+<file path=ppt/slides/slide15.xml><?xml version="1.0" encoding="utf-8"?>
+<p:sld xmlns:a="http://schemas.openxmlformats.org/drawingml/2006/main" xmlns:r="http://schemas.openxmlformats.org/officeDocument/2006/relationships" xmlns:p="http://schemas.openxmlformats.org/presentationml/2006/main">
+  <p:cSld>
+    <p:spTree>
+      <p:nvGrpSpPr>
+        <p:cNvPr id="1" name=""/>
+        <p:cNvGrpSpPr/>
+        <p:nvPr/>
+      </p:nvGrpSpPr>
+      <p:grpSpPr>
+        <a:xfrm>
+          <a:off x="0" y="0"/>
+          <a:ext cx="0" cy="0"/>
+          <a:chOff x="0" y="0"/>
+          <a:chExt cx="0" cy="0"/>
+        </a:xfrm>
+      </p:grpSpPr>
+      <p:sp>
+        <p:nvSpPr>
+          <p:cNvPr id="13" name="矩形 12">
+            <a:extLst>
+              <a:ext uri="{FF2B5EF4-FFF2-40B4-BE49-F238E27FC236}">
+                <a16:creationId xmlns:a16="http://schemas.microsoft.com/office/drawing/2014/main" id="{B54BDD02-4C32-4C19-AFD3-285F517F80E6}"/>
+              </a:ext>
+            </a:extLst>
+          </p:cNvPr>
+          <p:cNvSpPr/>
+          <p:nvPr/>
+        </p:nvSpPr>
+        <p:spPr>
+          <a:xfrm>
+            <a:off x="354287" y="959803"/>
+            <a:ext cx="4883085" cy="1115440"/>
+          </a:xfrm>
+          <a:prstGeom prst="rect">
+            <a:avLst/>
+          </a:prstGeom>
+        </p:spPr>
+        <p:style>
+          <a:lnRef idx="2">
+            <a:schemeClr val="accent1">
+              <a:shade val="50000"/>
+            </a:schemeClr>
+          </a:lnRef>
+          <a:fillRef idx="1">
+            <a:schemeClr val="accent1"/>
+          </a:fillRef>
+          <a:effectRef idx="0">
+            <a:schemeClr val="accent1"/>
+          </a:effectRef>
+          <a:fontRef idx="minor">
+            <a:schemeClr val="lt1"/>
+          </a:fontRef>
+        </p:style>
+        <p:txBody>
+          <a:bodyPr rtlCol="0" anchor="ctr"/>
+          <a:lstStyle/>
+          <a:p>
+            <a:pPr algn="ctr"/>
+            <a:r>
+              <a:rPr lang="en-US" altLang="zh-CN"/>
+              <a:t>P</a:t>
+            </a:r>
+            <a:endParaRPr lang="zh-CN" altLang="en-US"/>
+          </a:p>
+        </p:txBody>
+      </p:sp>
+      <p:sp>
+        <p:nvSpPr>
+          <p:cNvPr id="6" name="文本框 5">
+            <a:extLst>
+              <a:ext uri="{FF2B5EF4-FFF2-40B4-BE49-F238E27FC236}">
+                <a16:creationId xmlns:a16="http://schemas.microsoft.com/office/drawing/2014/main" id="{6E0CC639-B628-4383-B62B-1DA0784C09EC}"/>
+              </a:ext>
+            </a:extLst>
+          </p:cNvPr>
+          <p:cNvSpPr txBox="1"/>
+          <p:nvPr/>
+        </p:nvSpPr>
+        <p:spPr>
+          <a:xfrm>
+            <a:off x="207390" y="194299"/>
+            <a:ext cx="3516198" cy="707886"/>
+          </a:xfrm>
+          <a:prstGeom prst="rect">
+            <a:avLst/>
+          </a:prstGeom>
+          <a:noFill/>
+        </p:spPr>
+        <p:txBody>
+          <a:bodyPr wrap="square">
+            <a:spAutoFit/>
+          </a:bodyPr>
+          <a:lstStyle/>
+          <a:p>
+            <a:r>
+              <a:rPr lang="zh-CN" altLang="en-US" sz="1000"/>
+              <a:t>Parcel data = Parcel.obtain();</a:t>
+            </a:r>
+          </a:p>
+          <a:p>
+            <a:r>
+              <a:rPr lang="zh-CN" altLang="en-US" sz="1000"/>
+              <a:t>data.writeInterfaceToken(IServiceManager.descriptor);</a:t>
+            </a:r>
+          </a:p>
+          <a:p>
+            <a:r>
+              <a:rPr lang="zh-CN" altLang="en-US" sz="1000"/>
+              <a:t>data.writeString(name);</a:t>
+            </a:r>
+          </a:p>
+          <a:p>
+            <a:r>
+              <a:rPr lang="zh-CN" altLang="en-US" sz="1000"/>
+              <a:t>data.writeStrongBinder(service);</a:t>
+            </a:r>
+          </a:p>
+        </p:txBody>
+      </p:sp>
+      <p:sp>
+        <p:nvSpPr>
+          <p:cNvPr id="7" name="矩形 6">
+            <a:extLst>
+              <a:ext uri="{FF2B5EF4-FFF2-40B4-BE49-F238E27FC236}">
+                <a16:creationId xmlns:a16="http://schemas.microsoft.com/office/drawing/2014/main" id="{AD914511-0A97-4D19-98D4-95167B00C257}"/>
+              </a:ext>
+            </a:extLst>
+          </p:cNvPr>
+          <p:cNvSpPr/>
+          <p:nvPr/>
+        </p:nvSpPr>
+        <p:spPr>
+          <a:xfrm>
+            <a:off x="495691" y="1345341"/>
+            <a:ext cx="1016208" cy="601975"/>
+          </a:xfrm>
+          <a:prstGeom prst="rect">
+            <a:avLst/>
+          </a:prstGeom>
+        </p:spPr>
+        <p:style>
+          <a:lnRef idx="2">
+            <a:schemeClr val="accent1">
+              <a:shade val="50000"/>
+            </a:schemeClr>
+          </a:lnRef>
+          <a:fillRef idx="1">
+            <a:schemeClr val="accent1"/>
+          </a:fillRef>
+          <a:effectRef idx="0">
+            <a:schemeClr val="accent1"/>
+          </a:effectRef>
+          <a:fontRef idx="minor">
+            <a:schemeClr val="lt1"/>
+          </a:fontRef>
+        </p:style>
+        <p:txBody>
+          <a:bodyPr rtlCol="0" anchor="ctr"/>
+          <a:lstStyle/>
+          <a:p>
+            <a:pPr algn="ctr"/>
+            <a:r>
+              <a:rPr lang="zh-CN" altLang="en-US" sz="800"/>
+              <a:t>StrictModePolicy | STRICT_MODE_PENALTY_GATHER</a:t>
+            </a:r>
+          </a:p>
+        </p:txBody>
+      </p:sp>
+      <p:sp>
+        <p:nvSpPr>
+          <p:cNvPr id="8" name="矩形 7">
+            <a:extLst>
+              <a:ext uri="{FF2B5EF4-FFF2-40B4-BE49-F238E27FC236}">
+                <a16:creationId xmlns:a16="http://schemas.microsoft.com/office/drawing/2014/main" id="{DD166DBB-B8AC-4623-ACA7-C64821EF570D}"/>
+              </a:ext>
+            </a:extLst>
+          </p:cNvPr>
+          <p:cNvSpPr/>
+          <p:nvPr/>
+        </p:nvSpPr>
+        <p:spPr>
+          <a:xfrm>
+            <a:off x="1511898" y="1345340"/>
+            <a:ext cx="896649" cy="601975"/>
+          </a:xfrm>
+          <a:prstGeom prst="rect">
+            <a:avLst/>
+          </a:prstGeom>
+        </p:spPr>
+        <p:style>
+          <a:lnRef idx="2">
+            <a:schemeClr val="accent1">
+              <a:shade val="50000"/>
+            </a:schemeClr>
+          </a:lnRef>
+          <a:fillRef idx="1">
+            <a:schemeClr val="accent1"/>
+          </a:fillRef>
+          <a:effectRef idx="0">
+            <a:schemeClr val="accent1"/>
+          </a:effectRef>
+          <a:fontRef idx="minor">
+            <a:schemeClr val="lt1"/>
+          </a:fontRef>
+        </p:style>
+        <p:txBody>
+          <a:bodyPr rtlCol="0" anchor="ctr"/>
+          <a:lstStyle/>
+          <a:p>
+            <a:pPr algn="ctr"/>
+            <a:r>
+              <a:rPr lang="en-US" altLang="zh-CN" sz="800"/>
+              <a:t>android.os.IServiceManager</a:t>
+            </a:r>
+          </a:p>
+          <a:p>
+            <a:pPr algn="ctr"/>
+            <a:r>
+              <a:rPr lang="zh-CN" altLang="en-US" sz="800"/>
+              <a:t>字串大小</a:t>
+            </a:r>
+          </a:p>
+        </p:txBody>
+      </p:sp>
+      <p:sp>
+        <p:nvSpPr>
+          <p:cNvPr id="9" name="矩形 8">
+            <a:extLst>
+              <a:ext uri="{FF2B5EF4-FFF2-40B4-BE49-F238E27FC236}">
+                <a16:creationId xmlns:a16="http://schemas.microsoft.com/office/drawing/2014/main" id="{41CE801E-F16D-455F-889C-39C0EE0953BA}"/>
+              </a:ext>
+            </a:extLst>
+          </p:cNvPr>
+          <p:cNvSpPr/>
+          <p:nvPr/>
+        </p:nvSpPr>
+        <p:spPr>
+          <a:xfrm>
+            <a:off x="2405404" y="1345338"/>
+            <a:ext cx="780852" cy="601975"/>
+          </a:xfrm>
+          <a:prstGeom prst="rect">
+            <a:avLst/>
+          </a:prstGeom>
+        </p:spPr>
+        <p:style>
+          <a:lnRef idx="2">
+            <a:schemeClr val="accent1">
+              <a:shade val="50000"/>
+            </a:schemeClr>
+          </a:lnRef>
+          <a:fillRef idx="1">
+            <a:schemeClr val="accent1"/>
+          </a:fillRef>
+          <a:effectRef idx="0">
+            <a:schemeClr val="accent1"/>
+          </a:effectRef>
+          <a:fontRef idx="minor">
+            <a:schemeClr val="lt1"/>
+          </a:fontRef>
+        </p:style>
+        <p:txBody>
+          <a:bodyPr rtlCol="0" anchor="ctr"/>
+          <a:lstStyle/>
+          <a:p>
+            <a:pPr algn="ctr"/>
+            <a:r>
+              <a:rPr lang="en-US" altLang="zh-CN" sz="800"/>
+              <a:t>android</a:t>
+            </a:r>
+            <a:r>
+              <a:rPr lang="en-US" altLang="zh-CN" sz="1000"/>
+              <a:t>.os.IServiceManager</a:t>
+            </a:r>
+            <a:endParaRPr lang="zh-CN" altLang="en-US" sz="1000"/>
+          </a:p>
+        </p:txBody>
+      </p:sp>
+      <p:sp>
+        <p:nvSpPr>
+          <p:cNvPr id="10" name="矩形 9">
+            <a:extLst>
+              <a:ext uri="{FF2B5EF4-FFF2-40B4-BE49-F238E27FC236}">
+                <a16:creationId xmlns:a16="http://schemas.microsoft.com/office/drawing/2014/main" id="{4B5B42CF-8C16-4A2C-B552-C00276D50987}"/>
+              </a:ext>
+            </a:extLst>
+          </p:cNvPr>
+          <p:cNvSpPr/>
+          <p:nvPr/>
+        </p:nvSpPr>
+        <p:spPr>
+          <a:xfrm>
+            <a:off x="3186256" y="1345338"/>
+            <a:ext cx="433637" cy="601975"/>
+          </a:xfrm>
+          <a:prstGeom prst="rect">
+            <a:avLst/>
+          </a:prstGeom>
+        </p:spPr>
+        <p:style>
+          <a:lnRef idx="2">
+            <a:schemeClr val="accent1">
+              <a:shade val="50000"/>
+            </a:schemeClr>
+          </a:lnRef>
+          <a:fillRef idx="1">
+            <a:schemeClr val="accent1"/>
+          </a:fillRef>
+          <a:effectRef idx="0">
+            <a:schemeClr val="accent1"/>
+          </a:effectRef>
+          <a:fontRef idx="minor">
+            <a:schemeClr val="lt1"/>
+          </a:fontRef>
+        </p:style>
+        <p:txBody>
+          <a:bodyPr rtlCol="0" anchor="ctr"/>
+          <a:lstStyle/>
+          <a:p>
+            <a:pPr algn="ctr"/>
+            <a:r>
+              <a:rPr lang="en-US" altLang="zh-CN" sz="800"/>
+              <a:t>Wif </a:t>
+            </a:r>
+            <a:r>
+              <a:rPr lang="zh-CN" altLang="en-US" sz="800"/>
+              <a:t>字串大小</a:t>
+            </a:r>
+          </a:p>
+        </p:txBody>
+      </p:sp>
+      <p:sp>
+        <p:nvSpPr>
+          <p:cNvPr id="11" name="矩形 10">
+            <a:extLst>
+              <a:ext uri="{FF2B5EF4-FFF2-40B4-BE49-F238E27FC236}">
+                <a16:creationId xmlns:a16="http://schemas.microsoft.com/office/drawing/2014/main" id="{B2485C22-D9F6-42A4-9AF2-33246DE700BC}"/>
+              </a:ext>
+            </a:extLst>
+          </p:cNvPr>
+          <p:cNvSpPr/>
+          <p:nvPr/>
+        </p:nvSpPr>
+        <p:spPr>
+          <a:xfrm>
+            <a:off x="3619893" y="1345337"/>
+            <a:ext cx="459868" cy="601975"/>
+          </a:xfrm>
+          <a:prstGeom prst="rect">
+            <a:avLst/>
+          </a:prstGeom>
+        </p:spPr>
+        <p:style>
+          <a:lnRef idx="2">
+            <a:schemeClr val="accent1">
+              <a:shade val="50000"/>
+            </a:schemeClr>
+          </a:lnRef>
+          <a:fillRef idx="1">
+            <a:schemeClr val="accent1"/>
+          </a:fillRef>
+          <a:effectRef idx="0">
+            <a:schemeClr val="accent1"/>
+          </a:effectRef>
+          <a:fontRef idx="minor">
+            <a:schemeClr val="lt1"/>
+          </a:fontRef>
+        </p:style>
+        <p:txBody>
+          <a:bodyPr rtlCol="0" anchor="ctr"/>
+          <a:lstStyle/>
+          <a:p>
+            <a:pPr algn="ctr"/>
+            <a:r>
+              <a:rPr lang="en-US" altLang="zh-CN" sz="900"/>
+              <a:t>wifi</a:t>
+            </a:r>
+            <a:endParaRPr lang="zh-CN" altLang="en-US" sz="900"/>
+          </a:p>
+        </p:txBody>
+      </p:sp>
+      <p:sp>
+        <p:nvSpPr>
+          <p:cNvPr id="12" name="矩形 11">
+            <a:extLst>
+              <a:ext uri="{FF2B5EF4-FFF2-40B4-BE49-F238E27FC236}">
+                <a16:creationId xmlns:a16="http://schemas.microsoft.com/office/drawing/2014/main" id="{6BE477A2-7250-4495-9BC2-A652447D39D6}"/>
+              </a:ext>
+            </a:extLst>
+          </p:cNvPr>
+          <p:cNvSpPr/>
+          <p:nvPr/>
+        </p:nvSpPr>
+        <p:spPr>
+          <a:xfrm>
+            <a:off x="4079761" y="1345336"/>
+            <a:ext cx="1016208" cy="601975"/>
+          </a:xfrm>
+          <a:prstGeom prst="rect">
+            <a:avLst/>
+          </a:prstGeom>
+        </p:spPr>
+        <p:style>
+          <a:lnRef idx="2">
+            <a:schemeClr val="accent1">
+              <a:shade val="50000"/>
+            </a:schemeClr>
+          </a:lnRef>
+          <a:fillRef idx="1">
+            <a:schemeClr val="accent1"/>
+          </a:fillRef>
+          <a:effectRef idx="0">
+            <a:schemeClr val="accent1"/>
+          </a:effectRef>
+          <a:fontRef idx="minor">
+            <a:schemeClr val="lt1"/>
+          </a:fontRef>
+        </p:style>
+        <p:txBody>
+          <a:bodyPr rtlCol="0" anchor="ctr"/>
+          <a:lstStyle/>
+          <a:p>
+            <a:pPr algn="ctr"/>
+            <a:r>
+              <a:rPr lang="en-US" altLang="zh-CN" sz="800"/>
+              <a:t>flat_binder_object</a:t>
+            </a:r>
+            <a:endParaRPr lang="zh-CN" altLang="en-US" sz="800"/>
+          </a:p>
+        </p:txBody>
+      </p:sp>
+      <p:sp>
+        <p:nvSpPr>
+          <p:cNvPr id="14" name="矩形 13">
+            <a:extLst>
+              <a:ext uri="{FF2B5EF4-FFF2-40B4-BE49-F238E27FC236}">
+                <a16:creationId xmlns:a16="http://schemas.microsoft.com/office/drawing/2014/main" id="{B66CA065-993E-44D2-93BC-06D527ECD0BB}"/>
+              </a:ext>
+            </a:extLst>
+          </p:cNvPr>
+          <p:cNvSpPr/>
+          <p:nvPr/>
+        </p:nvSpPr>
+        <p:spPr>
+          <a:xfrm>
+            <a:off x="1000257" y="2708221"/>
+            <a:ext cx="3203068" cy="857839"/>
+          </a:xfrm>
+          <a:prstGeom prst="rect">
+            <a:avLst/>
+          </a:prstGeom>
+        </p:spPr>
+        <p:style>
+          <a:lnRef idx="2">
+            <a:schemeClr val="accent1">
+              <a:shade val="50000"/>
+            </a:schemeClr>
+          </a:lnRef>
+          <a:fillRef idx="1">
+            <a:schemeClr val="accent1"/>
+          </a:fillRef>
+          <a:effectRef idx="0">
+            <a:schemeClr val="accent1"/>
+          </a:effectRef>
+          <a:fontRef idx="minor">
+            <a:schemeClr val="lt1"/>
+          </a:fontRef>
+        </p:style>
+        <p:txBody>
+          <a:bodyPr rtlCol="0" anchor="ctr"/>
+          <a:lstStyle/>
+          <a:p>
+            <a:pPr algn="ctr"/>
+            <a:r>
+              <a:rPr lang="en-US" altLang="zh-CN"/>
+              <a:t>binder_transaction_data</a:t>
+            </a:r>
+            <a:endParaRPr lang="zh-CN" altLang="en-US"/>
+          </a:p>
+        </p:txBody>
+      </p:sp>
+      <p:sp>
+        <p:nvSpPr>
+          <p:cNvPr id="15" name="矩形 14">
+            <a:extLst>
+              <a:ext uri="{FF2B5EF4-FFF2-40B4-BE49-F238E27FC236}">
+                <a16:creationId xmlns:a16="http://schemas.microsoft.com/office/drawing/2014/main" id="{1F01C817-3D3B-4668-8932-8F08BFE254EB}"/>
+              </a:ext>
+            </a:extLst>
+          </p:cNvPr>
+          <p:cNvSpPr/>
+          <p:nvPr/>
+        </p:nvSpPr>
+        <p:spPr>
+          <a:xfrm>
+            <a:off x="6964362" y="133702"/>
+            <a:ext cx="1857081" cy="421849"/>
+          </a:xfrm>
+          <a:prstGeom prst="rect">
+            <a:avLst/>
+          </a:prstGeom>
+        </p:spPr>
+        <p:style>
+          <a:lnRef idx="2">
+            <a:schemeClr val="accent1">
+              <a:shade val="50000"/>
+            </a:schemeClr>
+          </a:lnRef>
+          <a:fillRef idx="1">
+            <a:schemeClr val="accent1"/>
+          </a:fillRef>
+          <a:effectRef idx="0">
+            <a:schemeClr val="accent1"/>
+          </a:effectRef>
+          <a:fontRef idx="minor">
+            <a:schemeClr val="lt1"/>
+          </a:fontRef>
+        </p:style>
+        <p:txBody>
+          <a:bodyPr rtlCol="0" anchor="ctr"/>
+          <a:lstStyle/>
+          <a:p>
+            <a:pPr algn="ctr"/>
+            <a:r>
+              <a:rPr lang="en-US" altLang="zh-CN" sz="1100"/>
+              <a:t>target.handle</a:t>
+            </a:r>
+            <a:endParaRPr lang="zh-CN" altLang="en-US" sz="1100"/>
+          </a:p>
+        </p:txBody>
+      </p:sp>
+      <p:sp>
+        <p:nvSpPr>
+          <p:cNvPr id="16" name="矩形 15">
+            <a:extLst>
+              <a:ext uri="{FF2B5EF4-FFF2-40B4-BE49-F238E27FC236}">
+                <a16:creationId xmlns:a16="http://schemas.microsoft.com/office/drawing/2014/main" id="{725C55BF-5AA3-4F35-8705-0805629405B5}"/>
+              </a:ext>
+            </a:extLst>
+          </p:cNvPr>
+          <p:cNvSpPr/>
+          <p:nvPr/>
+        </p:nvSpPr>
+        <p:spPr>
+          <a:xfrm>
+            <a:off x="8821443" y="133701"/>
+            <a:ext cx="3201133" cy="421849"/>
+          </a:xfrm>
+          <a:prstGeom prst="rect">
+            <a:avLst/>
+          </a:prstGeom>
+        </p:spPr>
+        <p:style>
+          <a:lnRef idx="2">
+            <a:schemeClr val="accent1">
+              <a:shade val="50000"/>
+            </a:schemeClr>
+          </a:lnRef>
+          <a:fillRef idx="1">
+            <a:schemeClr val="accent1"/>
+          </a:fillRef>
+          <a:effectRef idx="0">
+            <a:schemeClr val="accent1"/>
+          </a:effectRef>
+          <a:fontRef idx="minor">
+            <a:schemeClr val="lt1"/>
+          </a:fontRef>
+        </p:style>
+        <p:txBody>
+          <a:bodyPr rtlCol="0" anchor="ctr"/>
+          <a:lstStyle/>
+          <a:p>
+            <a:r>
+              <a:rPr lang="en-US" altLang="zh-CN" sz="1100"/>
+              <a:t>0</a:t>
+            </a:r>
+            <a:endParaRPr lang="zh-CN" altLang="en-US" sz="1100"/>
+          </a:p>
+        </p:txBody>
+      </p:sp>
+      <p:sp>
+        <p:nvSpPr>
+          <p:cNvPr id="17" name="矩形 16">
+            <a:extLst>
+              <a:ext uri="{FF2B5EF4-FFF2-40B4-BE49-F238E27FC236}">
+                <a16:creationId xmlns:a16="http://schemas.microsoft.com/office/drawing/2014/main" id="{0F187DF3-8809-442D-BFC7-D6CFECC3360E}"/>
+              </a:ext>
+            </a:extLst>
+          </p:cNvPr>
+          <p:cNvSpPr/>
+          <p:nvPr/>
+        </p:nvSpPr>
+        <p:spPr>
+          <a:xfrm>
+            <a:off x="6964361" y="555550"/>
+            <a:ext cx="1857081" cy="421849"/>
+          </a:xfrm>
+          <a:prstGeom prst="rect">
+            <a:avLst/>
+          </a:prstGeom>
+        </p:spPr>
+        <p:style>
+          <a:lnRef idx="2">
+            <a:schemeClr val="accent1">
+              <a:shade val="50000"/>
+            </a:schemeClr>
+          </a:lnRef>
+          <a:fillRef idx="1">
+            <a:schemeClr val="accent1"/>
+          </a:fillRef>
+          <a:effectRef idx="0">
+            <a:schemeClr val="accent1"/>
+          </a:effectRef>
+          <a:fontRef idx="minor">
+            <a:schemeClr val="lt1"/>
+          </a:fontRef>
+        </p:style>
+        <p:txBody>
+          <a:bodyPr rtlCol="0" anchor="ctr"/>
+          <a:lstStyle/>
+          <a:p>
+            <a:pPr algn="ctr"/>
+            <a:r>
+              <a:rPr lang="en-US" altLang="zh-CN" sz="1100"/>
+              <a:t>code</a:t>
+            </a:r>
+            <a:endParaRPr lang="zh-CN" altLang="en-US" sz="1100"/>
+          </a:p>
+        </p:txBody>
+      </p:sp>
+      <p:sp>
+        <p:nvSpPr>
+          <p:cNvPr id="18" name="矩形 17">
+            <a:extLst>
+              <a:ext uri="{FF2B5EF4-FFF2-40B4-BE49-F238E27FC236}">
+                <a16:creationId xmlns:a16="http://schemas.microsoft.com/office/drawing/2014/main" id="{EF21749C-B6C9-4951-A8E4-2FE6E7BF9A80}"/>
+              </a:ext>
+            </a:extLst>
+          </p:cNvPr>
+          <p:cNvSpPr/>
+          <p:nvPr/>
+        </p:nvSpPr>
+        <p:spPr>
+          <a:xfrm>
+            <a:off x="8821443" y="555549"/>
+            <a:ext cx="3201134" cy="421849"/>
+          </a:xfrm>
+          <a:prstGeom prst="rect">
+            <a:avLst/>
+          </a:prstGeom>
+        </p:spPr>
+        <p:style>
+          <a:lnRef idx="2">
+            <a:schemeClr val="accent1">
+              <a:shade val="50000"/>
+            </a:schemeClr>
+          </a:lnRef>
+          <a:fillRef idx="1">
+            <a:schemeClr val="accent1"/>
+          </a:fillRef>
+          <a:effectRef idx="0">
+            <a:schemeClr val="accent1"/>
+          </a:effectRef>
+          <a:fontRef idx="minor">
+            <a:schemeClr val="lt1"/>
+          </a:fontRef>
+        </p:style>
+        <p:txBody>
+          <a:bodyPr rtlCol="0" anchor="ctr"/>
+          <a:lstStyle/>
+          <a:p>
+            <a:r>
+              <a:rPr lang="zh-CN" altLang="en-US" sz="1100"/>
+              <a:t>ADD_SERVICE_TRANSACTION</a:t>
+            </a:r>
+          </a:p>
+        </p:txBody>
+      </p:sp>
+      <p:sp>
+        <p:nvSpPr>
+          <p:cNvPr id="19" name="矩形 18">
+            <a:extLst>
+              <a:ext uri="{FF2B5EF4-FFF2-40B4-BE49-F238E27FC236}">
+                <a16:creationId xmlns:a16="http://schemas.microsoft.com/office/drawing/2014/main" id="{6A0FB6DC-24F0-4789-8CBB-31FCFB0339DC}"/>
+              </a:ext>
+            </a:extLst>
+          </p:cNvPr>
+          <p:cNvSpPr/>
+          <p:nvPr/>
+        </p:nvSpPr>
+        <p:spPr>
+          <a:xfrm>
+            <a:off x="6964360" y="964436"/>
+            <a:ext cx="1857081" cy="421849"/>
+          </a:xfrm>
+          <a:prstGeom prst="rect">
+            <a:avLst/>
+          </a:prstGeom>
+        </p:spPr>
+        <p:style>
+          <a:lnRef idx="2">
+            <a:schemeClr val="accent1">
+              <a:shade val="50000"/>
+            </a:schemeClr>
+          </a:lnRef>
+          <a:fillRef idx="1">
+            <a:schemeClr val="accent1"/>
+          </a:fillRef>
+          <a:effectRef idx="0">
+            <a:schemeClr val="accent1"/>
+          </a:effectRef>
+          <a:fontRef idx="minor">
+            <a:schemeClr val="lt1"/>
+          </a:fontRef>
+        </p:style>
+        <p:txBody>
+          <a:bodyPr rtlCol="0" anchor="ctr"/>
+          <a:lstStyle/>
+          <a:p>
+            <a:pPr algn="ctr"/>
+            <a:r>
+              <a:rPr lang="en-US" altLang="zh-CN" sz="1100"/>
+              <a:t>flags</a:t>
+            </a:r>
+            <a:endParaRPr lang="zh-CN" altLang="en-US" sz="1100"/>
+          </a:p>
+        </p:txBody>
+      </p:sp>
+      <p:sp>
+        <p:nvSpPr>
+          <p:cNvPr id="20" name="矩形 19">
+            <a:extLst>
+              <a:ext uri="{FF2B5EF4-FFF2-40B4-BE49-F238E27FC236}">
+                <a16:creationId xmlns:a16="http://schemas.microsoft.com/office/drawing/2014/main" id="{6B0AC240-686A-4D4B-9702-8269055D9DAA}"/>
+              </a:ext>
+            </a:extLst>
+          </p:cNvPr>
+          <p:cNvSpPr/>
+          <p:nvPr/>
+        </p:nvSpPr>
+        <p:spPr>
+          <a:xfrm>
+            <a:off x="6964359" y="1373321"/>
+            <a:ext cx="1857081" cy="1113572"/>
+          </a:xfrm>
+          <a:prstGeom prst="rect">
+            <a:avLst/>
+          </a:prstGeom>
+        </p:spPr>
+        <p:style>
+          <a:lnRef idx="2">
+            <a:schemeClr val="accent1">
+              <a:shade val="50000"/>
+            </a:schemeClr>
+          </a:lnRef>
+          <a:fillRef idx="1">
+            <a:schemeClr val="accent1"/>
+          </a:fillRef>
+          <a:effectRef idx="0">
+            <a:schemeClr val="accent1"/>
+          </a:effectRef>
+          <a:fontRef idx="minor">
+            <a:schemeClr val="lt1"/>
+          </a:fontRef>
+        </p:style>
+        <p:txBody>
+          <a:bodyPr rtlCol="0" anchor="ctr"/>
+          <a:lstStyle/>
+          <a:p>
+            <a:pPr algn="ctr"/>
+            <a:r>
+              <a:rPr lang="en-US" altLang="zh-CN" sz="1100"/>
+              <a:t>data_size</a:t>
+            </a:r>
+            <a:endParaRPr lang="zh-CN" altLang="en-US" sz="1100"/>
+          </a:p>
+        </p:txBody>
+      </p:sp>
+      <p:sp>
+        <p:nvSpPr>
+          <p:cNvPr id="21" name="矩形 20">
+            <a:extLst>
+              <a:ext uri="{FF2B5EF4-FFF2-40B4-BE49-F238E27FC236}">
+                <a16:creationId xmlns:a16="http://schemas.microsoft.com/office/drawing/2014/main" id="{CEC43C48-8BAA-4B9A-A883-F20EC3D59D46}"/>
+              </a:ext>
+            </a:extLst>
+          </p:cNvPr>
+          <p:cNvSpPr/>
+          <p:nvPr/>
+        </p:nvSpPr>
+        <p:spPr>
+          <a:xfrm>
+            <a:off x="6964358" y="2473938"/>
+            <a:ext cx="1857081" cy="1285875"/>
+          </a:xfrm>
+          <a:prstGeom prst="rect">
+            <a:avLst/>
+          </a:prstGeom>
+        </p:spPr>
+        <p:style>
+          <a:lnRef idx="2">
+            <a:schemeClr val="accent1">
+              <a:shade val="50000"/>
+            </a:schemeClr>
+          </a:lnRef>
+          <a:fillRef idx="1">
+            <a:schemeClr val="accent1"/>
+          </a:fillRef>
+          <a:effectRef idx="0">
+            <a:schemeClr val="accent1"/>
+          </a:effectRef>
+          <a:fontRef idx="minor">
+            <a:schemeClr val="lt1"/>
+          </a:fontRef>
+        </p:style>
+        <p:txBody>
+          <a:bodyPr rtlCol="0" anchor="ctr"/>
+          <a:lstStyle/>
+          <a:p>
+            <a:pPr algn="ctr"/>
+            <a:r>
+              <a:rPr lang="en-US" altLang="zh-CN" sz="1100"/>
+              <a:t>data.ptr.buffer</a:t>
+            </a:r>
+            <a:endParaRPr lang="zh-CN" altLang="en-US" sz="1100"/>
+          </a:p>
+        </p:txBody>
+      </p:sp>
+      <p:sp>
+        <p:nvSpPr>
+          <p:cNvPr id="22" name="矩形 21">
+            <a:extLst>
+              <a:ext uri="{FF2B5EF4-FFF2-40B4-BE49-F238E27FC236}">
+                <a16:creationId xmlns:a16="http://schemas.microsoft.com/office/drawing/2014/main" id="{B49D9ED3-E219-44E9-94EC-4BFA0DAD6289}"/>
+              </a:ext>
+            </a:extLst>
+          </p:cNvPr>
+          <p:cNvSpPr/>
+          <p:nvPr/>
+        </p:nvSpPr>
+        <p:spPr>
+          <a:xfrm>
+            <a:off x="6964359" y="3747446"/>
+            <a:ext cx="1857081" cy="421849"/>
+          </a:xfrm>
+          <a:prstGeom prst="rect">
+            <a:avLst/>
+          </a:prstGeom>
+        </p:spPr>
+        <p:style>
+          <a:lnRef idx="2">
+            <a:schemeClr val="accent1">
+              <a:shade val="50000"/>
+            </a:schemeClr>
+          </a:lnRef>
+          <a:fillRef idx="1">
+            <a:schemeClr val="accent1"/>
+          </a:fillRef>
+          <a:effectRef idx="0">
+            <a:schemeClr val="accent1"/>
+          </a:effectRef>
+          <a:fontRef idx="minor">
+            <a:schemeClr val="lt1"/>
+          </a:fontRef>
+        </p:style>
+        <p:txBody>
+          <a:bodyPr rtlCol="0" anchor="ctr"/>
+          <a:lstStyle/>
+          <a:p>
+            <a:pPr algn="ctr"/>
+            <a:r>
+              <a:rPr lang="en-US" altLang="zh-CN" sz="1100"/>
+              <a:t>offsets_size</a:t>
+            </a:r>
+            <a:endParaRPr lang="zh-CN" altLang="en-US" sz="1100"/>
+          </a:p>
+        </p:txBody>
+      </p:sp>
+      <p:sp>
+        <p:nvSpPr>
+          <p:cNvPr id="23" name="矩形 22">
+            <a:extLst>
+              <a:ext uri="{FF2B5EF4-FFF2-40B4-BE49-F238E27FC236}">
+                <a16:creationId xmlns:a16="http://schemas.microsoft.com/office/drawing/2014/main" id="{BB42EDF2-6712-4F80-BA8F-6C839E4252BD}"/>
+              </a:ext>
+            </a:extLst>
+          </p:cNvPr>
+          <p:cNvSpPr/>
+          <p:nvPr/>
+        </p:nvSpPr>
+        <p:spPr>
+          <a:xfrm>
+            <a:off x="6964358" y="4169883"/>
+            <a:ext cx="1857081" cy="895225"/>
+          </a:xfrm>
+          <a:prstGeom prst="rect">
+            <a:avLst/>
+          </a:prstGeom>
+        </p:spPr>
+        <p:style>
+          <a:lnRef idx="2">
+            <a:schemeClr val="accent1">
+              <a:shade val="50000"/>
+            </a:schemeClr>
+          </a:lnRef>
+          <a:fillRef idx="1">
+            <a:schemeClr val="accent1"/>
+          </a:fillRef>
+          <a:effectRef idx="0">
+            <a:schemeClr val="accent1"/>
+          </a:effectRef>
+          <a:fontRef idx="minor">
+            <a:schemeClr val="lt1"/>
+          </a:fontRef>
+        </p:style>
+        <p:txBody>
+          <a:bodyPr rtlCol="0" anchor="ctr"/>
+          <a:lstStyle/>
+          <a:p>
+            <a:pPr algn="ctr"/>
+            <a:r>
+              <a:rPr lang="en-US" altLang="zh-CN" sz="1100"/>
+              <a:t>data.ptr.offsets</a:t>
+            </a:r>
+            <a:endParaRPr lang="zh-CN" altLang="en-US" sz="1100"/>
+          </a:p>
+        </p:txBody>
+      </p:sp>
+      <p:sp>
+        <p:nvSpPr>
+          <p:cNvPr id="24" name="矩形 23">
+            <a:extLst>
+              <a:ext uri="{FF2B5EF4-FFF2-40B4-BE49-F238E27FC236}">
+                <a16:creationId xmlns:a16="http://schemas.microsoft.com/office/drawing/2014/main" id="{FE1A5419-7E54-46CE-9908-619E5CBED67F}"/>
+              </a:ext>
+            </a:extLst>
+          </p:cNvPr>
+          <p:cNvSpPr/>
+          <p:nvPr/>
+        </p:nvSpPr>
+        <p:spPr>
+          <a:xfrm>
+            <a:off x="8821437" y="959802"/>
+            <a:ext cx="3201133" cy="412931"/>
+          </a:xfrm>
+          <a:prstGeom prst="rect">
+            <a:avLst/>
+          </a:prstGeom>
+        </p:spPr>
+        <p:style>
+          <a:lnRef idx="2">
+            <a:schemeClr val="accent1">
+              <a:shade val="50000"/>
+            </a:schemeClr>
+          </a:lnRef>
+          <a:fillRef idx="1">
+            <a:schemeClr val="accent1"/>
+          </a:fillRef>
+          <a:effectRef idx="0">
+            <a:schemeClr val="accent1"/>
+          </a:effectRef>
+          <a:fontRef idx="minor">
+            <a:schemeClr val="lt1"/>
+          </a:fontRef>
+        </p:style>
+        <p:txBody>
+          <a:bodyPr rtlCol="0" anchor="ctr"/>
+          <a:lstStyle/>
+          <a:p>
+            <a:r>
+              <a:rPr lang="en-US" altLang="zh-CN" sz="1100"/>
+              <a:t>TF_ACCEPT_FDS</a:t>
+            </a:r>
+            <a:endParaRPr lang="zh-CN" altLang="en-US" sz="1100"/>
+          </a:p>
+        </p:txBody>
+      </p:sp>
+      <p:sp>
+        <p:nvSpPr>
+          <p:cNvPr id="25" name="矩形 24">
+            <a:extLst>
+              <a:ext uri="{FF2B5EF4-FFF2-40B4-BE49-F238E27FC236}">
+                <a16:creationId xmlns:a16="http://schemas.microsoft.com/office/drawing/2014/main" id="{4051633B-E491-4739-BB94-C64A4F20B87A}"/>
+              </a:ext>
+            </a:extLst>
+          </p:cNvPr>
+          <p:cNvSpPr/>
+          <p:nvPr/>
+        </p:nvSpPr>
+        <p:spPr>
+          <a:xfrm>
+            <a:off x="8821437" y="1373022"/>
+            <a:ext cx="3201134" cy="1113285"/>
+          </a:xfrm>
+          <a:prstGeom prst="rect">
+            <a:avLst/>
+          </a:prstGeom>
+        </p:spPr>
+        <p:style>
+          <a:lnRef idx="2">
+            <a:schemeClr val="accent1">
+              <a:shade val="50000"/>
+            </a:schemeClr>
+          </a:lnRef>
+          <a:fillRef idx="1">
+            <a:schemeClr val="accent1"/>
+          </a:fillRef>
+          <a:effectRef idx="0">
+            <a:schemeClr val="accent1"/>
+          </a:effectRef>
+          <a:fontRef idx="minor">
+            <a:schemeClr val="lt1"/>
+          </a:fontRef>
+        </p:style>
+        <p:txBody>
+          <a:bodyPr rtlCol="0" anchor="ctr"/>
+          <a:lstStyle/>
+          <a:p>
+            <a:endParaRPr lang="en-US" altLang="zh-CN" sz="1100"/>
+          </a:p>
+          <a:p>
+            <a:r>
+              <a:rPr lang="en-US" altLang="zh-CN" sz="1100"/>
+              <a:t>sizeof(inte32_t)+</a:t>
+            </a:r>
+          </a:p>
+          <a:p>
+            <a:r>
+              <a:rPr lang="en-US" altLang="zh-CN" sz="1100"/>
+              <a:t>strlen(“android.net.wifi.IWifiManager”)+</a:t>
+            </a:r>
+          </a:p>
+          <a:p>
+            <a:r>
+              <a:rPr lang="en-US" altLang="zh-CN" sz="1100"/>
+              <a:t>sizeof(flat_binder_object)+</a:t>
+            </a:r>
+          </a:p>
+          <a:p>
+            <a:r>
+              <a:rPr lang="en-US" altLang="zh-CN" sz="1100"/>
+              <a:t>strlen(“wifi”)</a:t>
+            </a:r>
+          </a:p>
+          <a:p>
+            <a:endParaRPr lang="zh-CN" altLang="en-US" sz="1100"/>
+          </a:p>
+        </p:txBody>
+      </p:sp>
+      <p:sp>
+        <p:nvSpPr>
+          <p:cNvPr id="26" name="矩形 25">
+            <a:extLst>
+              <a:ext uri="{FF2B5EF4-FFF2-40B4-BE49-F238E27FC236}">
+                <a16:creationId xmlns:a16="http://schemas.microsoft.com/office/drawing/2014/main" id="{FBCA97DD-EDE8-4D3C-BC8B-B4C89E8799E2}"/>
+              </a:ext>
+            </a:extLst>
+          </p:cNvPr>
+          <p:cNvSpPr/>
+          <p:nvPr/>
+        </p:nvSpPr>
+        <p:spPr>
+          <a:xfrm>
+            <a:off x="8821437" y="2473343"/>
+            <a:ext cx="3201134" cy="1285875"/>
+          </a:xfrm>
+          <a:prstGeom prst="rect">
+            <a:avLst/>
+          </a:prstGeom>
+        </p:spPr>
+        <p:style>
+          <a:lnRef idx="2">
+            <a:schemeClr val="accent1">
+              <a:shade val="50000"/>
+            </a:schemeClr>
+          </a:lnRef>
+          <a:fillRef idx="1">
+            <a:schemeClr val="accent1"/>
+          </a:fillRef>
+          <a:effectRef idx="0">
+            <a:schemeClr val="accent1"/>
+          </a:effectRef>
+          <a:fontRef idx="minor">
+            <a:schemeClr val="lt1"/>
+          </a:fontRef>
+        </p:style>
+        <p:txBody>
+          <a:bodyPr rtlCol="0" anchor="ctr"/>
+          <a:lstStyle/>
+          <a:p>
+            <a:endParaRPr lang="en-US" altLang="zh-CN" sz="1100"/>
+          </a:p>
+          <a:p>
+            <a:r>
+              <a:rPr lang="zh-CN" altLang="en-US" sz="1100"/>
+              <a:t>StrictModePolicy</a:t>
+            </a:r>
+            <a:endParaRPr lang="en-US" altLang="zh-CN" sz="1100"/>
+          </a:p>
+          <a:p>
+            <a:r>
+              <a:rPr lang="en-US" altLang="zh-CN" sz="1100"/>
+              <a:t>“android.net.wifi.IWifiManager”</a:t>
+            </a:r>
+          </a:p>
+          <a:p>
+            <a:r>
+              <a:rPr lang="en-US" altLang="zh-CN" sz="1100"/>
+              <a:t>“wifi”</a:t>
+            </a:r>
+          </a:p>
+          <a:p>
+            <a:r>
+              <a:rPr lang="en-US" altLang="zh-CN" sz="1100"/>
+              <a:t>flat_binder_object</a:t>
+            </a:r>
+          </a:p>
+          <a:p>
+            <a:endParaRPr lang="zh-CN" altLang="en-US" sz="1100"/>
+          </a:p>
+        </p:txBody>
+      </p:sp>
+      <p:sp>
+        <p:nvSpPr>
+          <p:cNvPr id="27" name="矩形 26">
+            <a:extLst>
+              <a:ext uri="{FF2B5EF4-FFF2-40B4-BE49-F238E27FC236}">
+                <a16:creationId xmlns:a16="http://schemas.microsoft.com/office/drawing/2014/main" id="{62ABFBD7-A9F1-47A1-88A8-08A3AEF99CB2}"/>
+              </a:ext>
+            </a:extLst>
+          </p:cNvPr>
+          <p:cNvSpPr/>
+          <p:nvPr/>
+        </p:nvSpPr>
+        <p:spPr>
+          <a:xfrm>
+            <a:off x="8821437" y="3746261"/>
+            <a:ext cx="3201133" cy="421849"/>
+          </a:xfrm>
+          <a:prstGeom prst="rect">
+            <a:avLst/>
+          </a:prstGeom>
+        </p:spPr>
+        <p:style>
+          <a:lnRef idx="2">
+            <a:schemeClr val="accent1">
+              <a:shade val="50000"/>
+            </a:schemeClr>
+          </a:lnRef>
+          <a:fillRef idx="1">
+            <a:schemeClr val="accent1"/>
+          </a:fillRef>
+          <a:effectRef idx="0">
+            <a:schemeClr val="accent1"/>
+          </a:effectRef>
+          <a:fontRef idx="minor">
+            <a:schemeClr val="lt1"/>
+          </a:fontRef>
+        </p:style>
+        <p:txBody>
+          <a:bodyPr rtlCol="0" anchor="ctr"/>
+          <a:lstStyle/>
+          <a:p>
+            <a:r>
+              <a:rPr lang="en-US" altLang="zh-CN" sz="1100"/>
+              <a:t>binder</a:t>
+            </a:r>
+            <a:r>
+              <a:rPr lang="zh-CN" altLang="en-US" sz="1100"/>
+              <a:t>数量 </a:t>
+            </a:r>
+            <a:r>
+              <a:rPr lang="en-US" altLang="zh-CN" sz="1100"/>
+              <a:t>* sizeof(size_t)</a:t>
+            </a:r>
+            <a:endParaRPr lang="zh-CN" altLang="en-US" sz="1100"/>
+          </a:p>
+        </p:txBody>
+      </p:sp>
+      <p:sp>
+        <p:nvSpPr>
+          <p:cNvPr id="28" name="矩形 27">
+            <a:extLst>
+              <a:ext uri="{FF2B5EF4-FFF2-40B4-BE49-F238E27FC236}">
+                <a16:creationId xmlns:a16="http://schemas.microsoft.com/office/drawing/2014/main" id="{BEA4DA20-C6C4-43C2-909D-EA7D7DD4CE3A}"/>
+              </a:ext>
+            </a:extLst>
+          </p:cNvPr>
+          <p:cNvSpPr/>
+          <p:nvPr/>
+        </p:nvSpPr>
+        <p:spPr>
+          <a:xfrm>
+            <a:off x="8821437" y="4166916"/>
+            <a:ext cx="3201133" cy="898192"/>
+          </a:xfrm>
+          <a:prstGeom prst="rect">
+            <a:avLst/>
+          </a:prstGeom>
+        </p:spPr>
+        <p:style>
+          <a:lnRef idx="2">
+            <a:schemeClr val="accent1">
+              <a:shade val="50000"/>
+            </a:schemeClr>
+          </a:lnRef>
+          <a:fillRef idx="1">
+            <a:schemeClr val="accent1"/>
+          </a:fillRef>
+          <a:effectRef idx="0">
+            <a:schemeClr val="accent1"/>
+          </a:effectRef>
+          <a:fontRef idx="minor">
+            <a:schemeClr val="lt1"/>
+          </a:fontRef>
+        </p:style>
+        <p:txBody>
+          <a:bodyPr rtlCol="0" anchor="ctr"/>
+          <a:lstStyle/>
+          <a:p>
+            <a:endParaRPr lang="en-US" altLang="zh-CN" sz="1100"/>
+          </a:p>
+          <a:p>
+            <a:r>
+              <a:rPr lang="en-US" altLang="zh-CN" sz="1100"/>
+              <a:t>sizeof(inte32_t)+</a:t>
+            </a:r>
+          </a:p>
+          <a:p>
+            <a:r>
+              <a:rPr lang="en-US" altLang="zh-CN" sz="1100"/>
+              <a:t>strlen(“android.net.wifi.IWifiManager”)+</a:t>
+            </a:r>
+          </a:p>
+          <a:p>
+            <a:r>
+              <a:rPr lang="en-US" altLang="zh-CN" sz="1100"/>
+              <a:t>strlen(“wifi”)</a:t>
+            </a:r>
+          </a:p>
+          <a:p>
+            <a:endParaRPr lang="zh-CN" altLang="en-US" sz="1100"/>
+          </a:p>
+        </p:txBody>
+      </p:sp>
+      <p:sp>
+        <p:nvSpPr>
+          <p:cNvPr id="30" name="矩形 29">
+            <a:extLst>
+              <a:ext uri="{FF2B5EF4-FFF2-40B4-BE49-F238E27FC236}">
+                <a16:creationId xmlns:a16="http://schemas.microsoft.com/office/drawing/2014/main" id="{5F9595B1-4BEC-473F-876F-960DAB1B5802}"/>
+              </a:ext>
+            </a:extLst>
+          </p:cNvPr>
+          <p:cNvSpPr/>
+          <p:nvPr/>
+        </p:nvSpPr>
+        <p:spPr>
+          <a:xfrm>
+            <a:off x="933093" y="4207269"/>
+            <a:ext cx="3203068" cy="857839"/>
+          </a:xfrm>
+          <a:prstGeom prst="rect">
+            <a:avLst/>
+          </a:prstGeom>
+        </p:spPr>
+        <p:style>
+          <a:lnRef idx="2">
+            <a:schemeClr val="accent1">
+              <a:shade val="50000"/>
+            </a:schemeClr>
+          </a:lnRef>
+          <a:fillRef idx="1">
+            <a:schemeClr val="accent1"/>
+          </a:fillRef>
+          <a:effectRef idx="0">
+            <a:schemeClr val="accent1"/>
+          </a:effectRef>
+          <a:fontRef idx="minor">
+            <a:schemeClr val="lt1"/>
+          </a:fontRef>
+        </p:style>
+        <p:txBody>
+          <a:bodyPr rtlCol="0" anchor="ctr"/>
+          <a:lstStyle/>
+          <a:p>
+            <a:pPr algn="ctr"/>
+            <a:r>
+              <a:rPr lang="en-US" altLang="zh-CN"/>
+              <a:t>mOut</a:t>
+            </a:r>
+            <a:endParaRPr lang="zh-CN" altLang="en-US"/>
+          </a:p>
+        </p:txBody>
+      </p:sp>
+      <p:sp>
+        <p:nvSpPr>
+          <p:cNvPr id="31" name="矩形 30">
+            <a:extLst>
+              <a:ext uri="{FF2B5EF4-FFF2-40B4-BE49-F238E27FC236}">
+                <a16:creationId xmlns:a16="http://schemas.microsoft.com/office/drawing/2014/main" id="{8A66D5A1-4464-49B5-9277-AB69251C5382}"/>
+              </a:ext>
+            </a:extLst>
+          </p:cNvPr>
+          <p:cNvSpPr/>
+          <p:nvPr/>
+        </p:nvSpPr>
+        <p:spPr>
+          <a:xfrm>
+            <a:off x="6096000" y="5364164"/>
+            <a:ext cx="1932495" cy="367645"/>
+          </a:xfrm>
+          <a:prstGeom prst="rect">
+            <a:avLst/>
+          </a:prstGeom>
+        </p:spPr>
+        <p:style>
+          <a:lnRef idx="2">
+            <a:schemeClr val="accent1">
+              <a:shade val="50000"/>
+            </a:schemeClr>
+          </a:lnRef>
+          <a:fillRef idx="1">
+            <a:schemeClr val="accent1"/>
+          </a:fillRef>
+          <a:effectRef idx="0">
+            <a:schemeClr val="accent1"/>
+          </a:effectRef>
+          <a:fontRef idx="minor">
+            <a:schemeClr val="lt1"/>
+          </a:fontRef>
+        </p:style>
+        <p:txBody>
+          <a:bodyPr rtlCol="0" anchor="ctr"/>
+          <a:lstStyle/>
+          <a:p>
+            <a:pPr algn="ctr"/>
+            <a:r>
+              <a:rPr lang="en-US" altLang="zh-CN" sz="1200"/>
+              <a:t>BC_TRANSACTION</a:t>
+            </a:r>
+            <a:endParaRPr lang="zh-CN" altLang="en-US" sz="1200"/>
+          </a:p>
+        </p:txBody>
+      </p:sp>
+      <p:sp>
+        <p:nvSpPr>
+          <p:cNvPr id="32" name="矩形 31">
+            <a:extLst>
+              <a:ext uri="{FF2B5EF4-FFF2-40B4-BE49-F238E27FC236}">
+                <a16:creationId xmlns:a16="http://schemas.microsoft.com/office/drawing/2014/main" id="{4855F7C3-7738-49C4-B484-EBF61047C354}"/>
+              </a:ext>
+            </a:extLst>
+          </p:cNvPr>
+          <p:cNvSpPr/>
+          <p:nvPr/>
+        </p:nvSpPr>
+        <p:spPr>
+          <a:xfrm>
+            <a:off x="8028495" y="5364164"/>
+            <a:ext cx="3874417" cy="367645"/>
+          </a:xfrm>
+          <a:prstGeom prst="rect">
+            <a:avLst/>
+          </a:prstGeom>
+        </p:spPr>
+        <p:style>
+          <a:lnRef idx="2">
+            <a:schemeClr val="accent1">
+              <a:shade val="50000"/>
+            </a:schemeClr>
+          </a:lnRef>
+          <a:fillRef idx="1">
+            <a:schemeClr val="accent1"/>
+          </a:fillRef>
+          <a:effectRef idx="0">
+            <a:schemeClr val="accent1"/>
+          </a:effectRef>
+          <a:fontRef idx="minor">
+            <a:schemeClr val="lt1"/>
+          </a:fontRef>
+        </p:style>
+        <p:txBody>
+          <a:bodyPr rtlCol="0" anchor="ctr"/>
+          <a:lstStyle/>
+          <a:p>
+            <a:pPr algn="ctr"/>
+            <a:r>
+              <a:rPr lang="en-US" altLang="zh-CN" sz="1400"/>
+              <a:t>binder_transaction_data</a:t>
+            </a:r>
+            <a:endParaRPr lang="zh-CN" altLang="en-US" sz="1400"/>
+          </a:p>
+        </p:txBody>
+      </p:sp>
+      <p:cxnSp>
+        <p:nvCxnSpPr>
+          <p:cNvPr id="35" name="直接箭头连接符 34">
+            <a:extLst>
+              <a:ext uri="{FF2B5EF4-FFF2-40B4-BE49-F238E27FC236}">
+                <a16:creationId xmlns:a16="http://schemas.microsoft.com/office/drawing/2014/main" id="{E14A103A-1B48-40F2-A885-A751F1F332D3}"/>
+              </a:ext>
+            </a:extLst>
+          </p:cNvPr>
+          <p:cNvCxnSpPr>
+            <a:cxnSpLocks/>
+          </p:cNvCxnSpPr>
+          <p:nvPr/>
+        </p:nvCxnSpPr>
+        <p:spPr>
+          <a:xfrm>
+            <a:off x="4314874" y="4636188"/>
+            <a:ext cx="1678365" cy="727976"/>
+          </a:xfrm>
+          <a:prstGeom prst="straightConnector1">
+            <a:avLst/>
+          </a:prstGeom>
+          <a:ln>
+            <a:tailEnd type="triangle"/>
+          </a:ln>
+        </p:spPr>
+        <p:style>
+          <a:lnRef idx="1">
+            <a:schemeClr val="accent1"/>
+          </a:lnRef>
+          <a:fillRef idx="0">
+            <a:schemeClr val="accent1"/>
+          </a:fillRef>
+          <a:effectRef idx="0">
+            <a:schemeClr val="accent1"/>
+          </a:effectRef>
+          <a:fontRef idx="minor">
+            <a:schemeClr val="tx1"/>
+          </a:fontRef>
+        </p:style>
+      </p:cxnSp>
+      <p:cxnSp>
+        <p:nvCxnSpPr>
+          <p:cNvPr id="36" name="直接箭头连接符 35">
+            <a:extLst>
+              <a:ext uri="{FF2B5EF4-FFF2-40B4-BE49-F238E27FC236}">
+                <a16:creationId xmlns:a16="http://schemas.microsoft.com/office/drawing/2014/main" id="{4C6BDF17-FFBD-4B6B-8B7D-266738D991B0}"/>
+              </a:ext>
+            </a:extLst>
+          </p:cNvPr>
+          <p:cNvCxnSpPr>
+            <a:cxnSpLocks/>
+          </p:cNvCxnSpPr>
+          <p:nvPr/>
+        </p:nvCxnSpPr>
+        <p:spPr>
+          <a:xfrm flipV="1">
+            <a:off x="4313105" y="2440923"/>
+            <a:ext cx="2541473" cy="780068"/>
+          </a:xfrm>
+          <a:prstGeom prst="straightConnector1">
+            <a:avLst/>
+          </a:prstGeom>
+          <a:ln>
+            <a:tailEnd type="triangle"/>
+          </a:ln>
+        </p:spPr>
+        <p:style>
+          <a:lnRef idx="1">
+            <a:schemeClr val="accent1"/>
+          </a:lnRef>
+          <a:fillRef idx="0">
+            <a:schemeClr val="accent1"/>
+          </a:fillRef>
+          <a:effectRef idx="0">
+            <a:schemeClr val="accent1"/>
+          </a:effectRef>
+          <a:fontRef idx="minor">
+            <a:schemeClr val="tx1"/>
+          </a:fontRef>
+        </p:style>
+      </p:cxnSp>
+      <p:sp>
+        <p:nvSpPr>
+          <p:cNvPr id="38" name="矩形 37">
+            <a:extLst>
+              <a:ext uri="{FF2B5EF4-FFF2-40B4-BE49-F238E27FC236}">
+                <a16:creationId xmlns:a16="http://schemas.microsoft.com/office/drawing/2014/main" id="{71380592-DF6A-4374-85D9-123EF40E83BF}"/>
+              </a:ext>
+            </a:extLst>
+          </p:cNvPr>
+          <p:cNvSpPr/>
+          <p:nvPr/>
+        </p:nvSpPr>
+        <p:spPr>
+          <a:xfrm>
+            <a:off x="1000257" y="5731809"/>
+            <a:ext cx="3203068" cy="857839"/>
+          </a:xfrm>
+          <a:prstGeom prst="rect">
+            <a:avLst/>
+          </a:prstGeom>
+        </p:spPr>
+        <p:style>
+          <a:lnRef idx="2">
+            <a:schemeClr val="accent1">
+              <a:shade val="50000"/>
+            </a:schemeClr>
+          </a:lnRef>
+          <a:fillRef idx="1">
+            <a:schemeClr val="accent1"/>
+          </a:fillRef>
+          <a:effectRef idx="0">
+            <a:schemeClr val="accent1"/>
+          </a:effectRef>
+          <a:fontRef idx="minor">
+            <a:schemeClr val="lt1"/>
+          </a:fontRef>
+        </p:style>
+        <p:txBody>
+          <a:bodyPr rtlCol="0" anchor="ctr"/>
+          <a:lstStyle/>
+          <a:p>
+            <a:pPr algn="ctr"/>
+            <a:r>
+              <a:rPr lang="en-US" altLang="zh-CN"/>
+              <a:t>binder_write_read</a:t>
+            </a:r>
+            <a:endParaRPr lang="zh-CN" altLang="en-US"/>
+          </a:p>
+        </p:txBody>
+      </p:sp>
+      <p:sp>
+        <p:nvSpPr>
+          <p:cNvPr id="39" name="箭头: 下 38">
+            <a:extLst>
+              <a:ext uri="{FF2B5EF4-FFF2-40B4-BE49-F238E27FC236}">
+                <a16:creationId xmlns:a16="http://schemas.microsoft.com/office/drawing/2014/main" id="{9F11C95D-AF82-49AC-A63D-EE88EF378BBE}"/>
+              </a:ext>
+            </a:extLst>
+          </p:cNvPr>
+          <p:cNvSpPr/>
+          <p:nvPr/>
+        </p:nvSpPr>
+        <p:spPr>
+          <a:xfrm>
+            <a:off x="2405397" y="5259124"/>
+            <a:ext cx="258460" cy="367645"/>
+          </a:xfrm>
+          <a:prstGeom prst="downArrow">
+            <a:avLst/>
+          </a:prstGeom>
+        </p:spPr>
+        <p:style>
+          <a:lnRef idx="2">
+            <a:schemeClr val="accent1">
+              <a:shade val="50000"/>
+            </a:schemeClr>
+          </a:lnRef>
+          <a:fillRef idx="1">
+            <a:schemeClr val="accent1"/>
+          </a:fillRef>
+          <a:effectRef idx="0">
+            <a:schemeClr val="accent1"/>
+          </a:effectRef>
+          <a:fontRef idx="minor">
+            <a:schemeClr val="lt1"/>
+          </a:fontRef>
+        </p:style>
+        <p:txBody>
+          <a:bodyPr rtlCol="0" anchor="ctr"/>
+          <a:lstStyle/>
+          <a:p>
+            <a:pPr algn="ctr"/>
+            <a:endParaRPr lang="zh-CN" altLang="en-US"/>
+          </a:p>
+        </p:txBody>
+      </p:sp>
+      <p:sp>
+        <p:nvSpPr>
+          <p:cNvPr id="40" name="箭头: 下 39">
+            <a:extLst>
+              <a:ext uri="{FF2B5EF4-FFF2-40B4-BE49-F238E27FC236}">
+                <a16:creationId xmlns:a16="http://schemas.microsoft.com/office/drawing/2014/main" id="{FA4A40FC-70FC-4FB4-BE98-27FD3E0D82D8}"/>
+              </a:ext>
+            </a:extLst>
+          </p:cNvPr>
+          <p:cNvSpPr/>
+          <p:nvPr/>
+        </p:nvSpPr>
+        <p:spPr>
+          <a:xfrm>
+            <a:off x="2374364" y="3699999"/>
+            <a:ext cx="258460" cy="367645"/>
+          </a:xfrm>
+          <a:prstGeom prst="downArrow">
+            <a:avLst/>
+          </a:prstGeom>
+        </p:spPr>
+        <p:style>
+          <a:lnRef idx="2">
+            <a:schemeClr val="accent1">
+              <a:shade val="50000"/>
+            </a:schemeClr>
+          </a:lnRef>
+          <a:fillRef idx="1">
+            <a:schemeClr val="accent1"/>
+          </a:fillRef>
+          <a:effectRef idx="0">
+            <a:schemeClr val="accent1"/>
+          </a:effectRef>
+          <a:fontRef idx="minor">
+            <a:schemeClr val="lt1"/>
+          </a:fontRef>
+        </p:style>
+        <p:txBody>
+          <a:bodyPr rtlCol="0" anchor="ctr"/>
+          <a:lstStyle/>
+          <a:p>
+            <a:pPr algn="ctr"/>
+            <a:endParaRPr lang="zh-CN" altLang="en-US"/>
+          </a:p>
+        </p:txBody>
+      </p:sp>
+      <p:sp>
+        <p:nvSpPr>
+          <p:cNvPr id="41" name="箭头: 下 40">
+            <a:extLst>
+              <a:ext uri="{FF2B5EF4-FFF2-40B4-BE49-F238E27FC236}">
+                <a16:creationId xmlns:a16="http://schemas.microsoft.com/office/drawing/2014/main" id="{0507A109-D7A8-43EF-A872-36927653EFF5}"/>
+              </a:ext>
+            </a:extLst>
+          </p:cNvPr>
+          <p:cNvSpPr/>
+          <p:nvPr/>
+        </p:nvSpPr>
+        <p:spPr>
+          <a:xfrm>
+            <a:off x="2374364" y="2206637"/>
+            <a:ext cx="258460" cy="367645"/>
+          </a:xfrm>
+          <a:prstGeom prst="downArrow">
+            <a:avLst/>
+          </a:prstGeom>
+        </p:spPr>
+        <p:style>
+          <a:lnRef idx="2">
+            <a:schemeClr val="accent1">
+              <a:shade val="50000"/>
+            </a:schemeClr>
+          </a:lnRef>
+          <a:fillRef idx="1">
+            <a:schemeClr val="accent1"/>
+          </a:fillRef>
+          <a:effectRef idx="0">
+            <a:schemeClr val="accent1"/>
+          </a:effectRef>
+          <a:fontRef idx="minor">
+            <a:schemeClr val="lt1"/>
+          </a:fontRef>
+        </p:style>
+        <p:txBody>
+          <a:bodyPr rtlCol="0" anchor="ctr"/>
+          <a:lstStyle/>
+          <a:p>
+            <a:pPr algn="ctr"/>
+            <a:endParaRPr lang="zh-CN" altLang="en-US"/>
+          </a:p>
+        </p:txBody>
+      </p:sp>
+      <p:sp>
+        <p:nvSpPr>
+          <p:cNvPr id="43" name="文本框 42">
+            <a:extLst>
+              <a:ext uri="{FF2B5EF4-FFF2-40B4-BE49-F238E27FC236}">
+                <a16:creationId xmlns:a16="http://schemas.microsoft.com/office/drawing/2014/main" id="{1CCE4A8E-E68A-41F6-99AD-AA5ADF027FCA}"/>
+              </a:ext>
+            </a:extLst>
+          </p:cNvPr>
+          <p:cNvSpPr txBox="1"/>
+          <p:nvPr/>
+        </p:nvSpPr>
+        <p:spPr>
+          <a:xfrm>
+            <a:off x="2144936" y="933082"/>
+            <a:ext cx="779381" cy="369332"/>
+          </a:xfrm>
+          <a:prstGeom prst="rect">
+            <a:avLst/>
+          </a:prstGeom>
+          <a:noFill/>
+        </p:spPr>
+        <p:txBody>
+          <a:bodyPr wrap="none" rtlCol="0">
+            <a:spAutoFit/>
+          </a:bodyPr>
+          <a:lstStyle/>
+          <a:p>
+            <a:r>
+              <a:rPr lang="en-US" altLang="zh-CN"/>
+              <a:t>Parcel</a:t>
+            </a:r>
+            <a:endParaRPr lang="zh-CN" altLang="en-US"/>
+          </a:p>
+        </p:txBody>
+      </p:sp>
+      <p:sp>
+        <p:nvSpPr>
+          <p:cNvPr id="44" name="矩形 43">
+            <a:extLst>
+              <a:ext uri="{FF2B5EF4-FFF2-40B4-BE49-F238E27FC236}">
+                <a16:creationId xmlns:a16="http://schemas.microsoft.com/office/drawing/2014/main" id="{0CCFE051-85EF-40AC-B217-EA2726F849F1}"/>
+              </a:ext>
+            </a:extLst>
+          </p:cNvPr>
+          <p:cNvSpPr/>
+          <p:nvPr/>
+        </p:nvSpPr>
+        <p:spPr>
+          <a:xfrm>
+            <a:off x="5237372" y="5893564"/>
+            <a:ext cx="4298623" cy="667280"/>
+          </a:xfrm>
+          <a:prstGeom prst="rect">
+            <a:avLst/>
+          </a:prstGeom>
+        </p:spPr>
+        <p:style>
+          <a:lnRef idx="2">
+            <a:schemeClr val="accent1">
+              <a:shade val="50000"/>
+            </a:schemeClr>
+          </a:lnRef>
+          <a:fillRef idx="1">
+            <a:schemeClr val="accent1"/>
+          </a:fillRef>
+          <a:effectRef idx="0">
+            <a:schemeClr val="accent1"/>
+          </a:effectRef>
+          <a:fontRef idx="minor">
+            <a:schemeClr val="lt1"/>
+          </a:fontRef>
+        </p:style>
+        <p:txBody>
+          <a:bodyPr rtlCol="0" anchor="ctr"/>
+          <a:lstStyle/>
+          <a:p>
+            <a:pPr algn="ctr"/>
+            <a:r>
+              <a:rPr lang="en-US" altLang="zh-CN"/>
+              <a:t>Binder</a:t>
+            </a:r>
+            <a:r>
+              <a:rPr lang="zh-CN" altLang="en-US"/>
+              <a:t>驱动</a:t>
+            </a:r>
+          </a:p>
+        </p:txBody>
+      </p:sp>
+      <p:sp>
+        <p:nvSpPr>
+          <p:cNvPr id="45" name="箭头: 下 44">
+            <a:extLst>
+              <a:ext uri="{FF2B5EF4-FFF2-40B4-BE49-F238E27FC236}">
+                <a16:creationId xmlns:a16="http://schemas.microsoft.com/office/drawing/2014/main" id="{585700EC-01BB-49E9-8332-0C7D3C3709EE}"/>
+              </a:ext>
+            </a:extLst>
+          </p:cNvPr>
+          <p:cNvSpPr/>
+          <p:nvPr/>
+        </p:nvSpPr>
+        <p:spPr>
+          <a:xfrm rot="16200000">
+            <a:off x="4652788" y="6043381"/>
+            <a:ext cx="258460" cy="367645"/>
+          </a:xfrm>
+          <a:prstGeom prst="downArrow">
+            <a:avLst/>
+          </a:prstGeom>
+        </p:spPr>
+        <p:style>
+          <a:lnRef idx="2">
+            <a:schemeClr val="accent1">
+              <a:shade val="50000"/>
+            </a:schemeClr>
+          </a:lnRef>
+          <a:fillRef idx="1">
+            <a:schemeClr val="accent1"/>
+          </a:fillRef>
+          <a:effectRef idx="0">
+            <a:schemeClr val="accent1"/>
+          </a:effectRef>
+          <a:fontRef idx="minor">
+            <a:schemeClr val="lt1"/>
+          </a:fontRef>
+        </p:style>
+        <p:txBody>
+          <a:bodyPr rtlCol="0" anchor="ctr"/>
+          <a:lstStyle/>
+          <a:p>
+            <a:pPr algn="ctr"/>
+            <a:endParaRPr lang="zh-CN" altLang="en-US"/>
+          </a:p>
+        </p:txBody>
+      </p:sp>
+    </p:spTree>
+    <p:extLst>
+      <p:ext uri="{BB962C8B-B14F-4D97-AF65-F5344CB8AC3E}">
+        <p14:creationId xmlns:p14="http://schemas.microsoft.com/office/powerpoint/2010/main" val="2955190293"/>
+      </p:ext>
+    </p:extLst>
+  </p:cSld>
+  <p:clrMapOvr>
+    <a:masterClrMapping/>
+  </p:clrMapOvr>
+</p:sld>
+</file>
+
+<file path=ppt/slides/slide16.xml><?xml version="1.0" encoding="utf-8"?>
+<p:sld xmlns:a="http://schemas.openxmlformats.org/drawingml/2006/main" xmlns:r="http://schemas.openxmlformats.org/officeDocument/2006/relationships" xmlns:p="http://schemas.openxmlformats.org/presentationml/2006/main">
+  <p:cSld>
+    <p:spTree>
+      <p:nvGrpSpPr>
+        <p:cNvPr id="1" name=""/>
+        <p:cNvGrpSpPr/>
+        <p:nvPr/>
+      </p:nvGrpSpPr>
+      <p:grpSpPr>
+        <a:xfrm>
+          <a:off x="0" y="0"/>
+          <a:ext cx="0" cy="0"/>
+          <a:chOff x="0" y="0"/>
+          <a:chExt cx="0" cy="0"/>
+        </a:xfrm>
+      </p:grpSpPr>
+      <p:sp>
+        <p:nvSpPr>
+          <p:cNvPr id="3" name="矩形 2">
+            <a:extLst>
+              <a:ext uri="{FF2B5EF4-FFF2-40B4-BE49-F238E27FC236}">
+                <a16:creationId xmlns:a16="http://schemas.microsoft.com/office/drawing/2014/main" id="{B9759B5A-EEE3-4FCF-B3E3-DD23853181C1}"/>
+              </a:ext>
+            </a:extLst>
+          </p:cNvPr>
+          <p:cNvSpPr/>
+          <p:nvPr/>
+        </p:nvSpPr>
+        <p:spPr>
+          <a:xfrm>
+            <a:off x="80909" y="30326"/>
+            <a:ext cx="5863472" cy="5635183"/>
+          </a:xfrm>
+          <a:prstGeom prst="rect">
+            <a:avLst/>
+          </a:prstGeom>
+        </p:spPr>
+        <p:style>
+          <a:lnRef idx="2">
+            <a:schemeClr val="accent1">
+              <a:shade val="50000"/>
+            </a:schemeClr>
+          </a:lnRef>
+          <a:fillRef idx="1">
+            <a:schemeClr val="accent1"/>
+          </a:fillRef>
+          <a:effectRef idx="0">
+            <a:schemeClr val="accent1"/>
+          </a:effectRef>
+          <a:fontRef idx="minor">
+            <a:schemeClr val="lt1"/>
+          </a:fontRef>
+        </p:style>
+        <p:txBody>
+          <a:bodyPr rtlCol="0" anchor="ctr"/>
+          <a:lstStyle/>
+          <a:p>
+            <a:pPr algn="ctr"/>
+            <a:endParaRPr lang="zh-CN" altLang="en-US"/>
+          </a:p>
+        </p:txBody>
+      </p:sp>
+      <p:sp>
+        <p:nvSpPr>
+          <p:cNvPr id="13" name="矩形 12">
+            <a:extLst>
+              <a:ext uri="{FF2B5EF4-FFF2-40B4-BE49-F238E27FC236}">
+                <a16:creationId xmlns:a16="http://schemas.microsoft.com/office/drawing/2014/main" id="{B54BDD02-4C32-4C19-AFD3-285F517F80E6}"/>
+              </a:ext>
+            </a:extLst>
+          </p:cNvPr>
+          <p:cNvSpPr/>
+          <p:nvPr/>
+        </p:nvSpPr>
+        <p:spPr>
+          <a:xfrm>
+            <a:off x="571103" y="130244"/>
+            <a:ext cx="4883085" cy="1115440"/>
+          </a:xfrm>
+          <a:prstGeom prst="rect">
+            <a:avLst/>
+          </a:prstGeom>
+        </p:spPr>
+        <p:style>
+          <a:lnRef idx="2">
+            <a:schemeClr val="accent1">
+              <a:shade val="50000"/>
+            </a:schemeClr>
+          </a:lnRef>
+          <a:fillRef idx="1">
+            <a:schemeClr val="accent1"/>
+          </a:fillRef>
+          <a:effectRef idx="0">
+            <a:schemeClr val="accent1"/>
+          </a:effectRef>
+          <a:fontRef idx="minor">
+            <a:schemeClr val="lt1"/>
+          </a:fontRef>
+        </p:style>
+        <p:txBody>
+          <a:bodyPr rtlCol="0" anchor="ctr"/>
+          <a:lstStyle/>
+          <a:p>
+            <a:pPr algn="ctr"/>
+            <a:r>
+              <a:rPr lang="en-US" altLang="zh-CN"/>
+              <a:t>P</a:t>
+            </a:r>
+            <a:endParaRPr lang="zh-CN" altLang="en-US"/>
+          </a:p>
+        </p:txBody>
+      </p:sp>
+      <p:sp>
+        <p:nvSpPr>
+          <p:cNvPr id="7" name="矩形 6">
+            <a:extLst>
+              <a:ext uri="{FF2B5EF4-FFF2-40B4-BE49-F238E27FC236}">
+                <a16:creationId xmlns:a16="http://schemas.microsoft.com/office/drawing/2014/main" id="{AD914511-0A97-4D19-98D4-95167B00C257}"/>
+              </a:ext>
+            </a:extLst>
+          </p:cNvPr>
+          <p:cNvSpPr/>
+          <p:nvPr/>
+        </p:nvSpPr>
+        <p:spPr>
+          <a:xfrm>
+            <a:off x="712507" y="515782"/>
+            <a:ext cx="1016208" cy="601975"/>
+          </a:xfrm>
+          <a:prstGeom prst="rect">
+            <a:avLst/>
+          </a:prstGeom>
+        </p:spPr>
+        <p:style>
+          <a:lnRef idx="2">
+            <a:schemeClr val="accent1">
+              <a:shade val="50000"/>
+            </a:schemeClr>
+          </a:lnRef>
+          <a:fillRef idx="1">
+            <a:schemeClr val="accent1"/>
+          </a:fillRef>
+          <a:effectRef idx="0">
+            <a:schemeClr val="accent1"/>
+          </a:effectRef>
+          <a:fontRef idx="minor">
+            <a:schemeClr val="lt1"/>
+          </a:fontRef>
+        </p:style>
+        <p:txBody>
+          <a:bodyPr rtlCol="0" anchor="ctr"/>
+          <a:lstStyle/>
+          <a:p>
+            <a:pPr algn="ctr"/>
+            <a:r>
+              <a:rPr lang="zh-CN" altLang="en-US" sz="800"/>
+              <a:t>StrictModePolicy | STRICT_MODE_PENALTY_GATHER</a:t>
+            </a:r>
+          </a:p>
+        </p:txBody>
+      </p:sp>
+      <p:sp>
+        <p:nvSpPr>
+          <p:cNvPr id="8" name="矩形 7">
+            <a:extLst>
+              <a:ext uri="{FF2B5EF4-FFF2-40B4-BE49-F238E27FC236}">
+                <a16:creationId xmlns:a16="http://schemas.microsoft.com/office/drawing/2014/main" id="{DD166DBB-B8AC-4623-ACA7-C64821EF570D}"/>
+              </a:ext>
+            </a:extLst>
+          </p:cNvPr>
+          <p:cNvSpPr/>
+          <p:nvPr/>
+        </p:nvSpPr>
+        <p:spPr>
+          <a:xfrm>
+            <a:off x="1728714" y="515781"/>
+            <a:ext cx="896649" cy="601975"/>
+          </a:xfrm>
+          <a:prstGeom prst="rect">
+            <a:avLst/>
+          </a:prstGeom>
+        </p:spPr>
+        <p:style>
+          <a:lnRef idx="2">
+            <a:schemeClr val="accent1">
+              <a:shade val="50000"/>
+            </a:schemeClr>
+          </a:lnRef>
+          <a:fillRef idx="1">
+            <a:schemeClr val="accent1"/>
+          </a:fillRef>
+          <a:effectRef idx="0">
+            <a:schemeClr val="accent1"/>
+          </a:effectRef>
+          <a:fontRef idx="minor">
+            <a:schemeClr val="lt1"/>
+          </a:fontRef>
+        </p:style>
+        <p:txBody>
+          <a:bodyPr rtlCol="0" anchor="ctr"/>
+          <a:lstStyle/>
+          <a:p>
+            <a:pPr algn="ctr"/>
+            <a:r>
+              <a:rPr lang="en-US" altLang="zh-CN" sz="800"/>
+              <a:t>android.os.IServiceManager</a:t>
+            </a:r>
+          </a:p>
+          <a:p>
+            <a:pPr algn="ctr"/>
+            <a:r>
+              <a:rPr lang="zh-CN" altLang="en-US" sz="800"/>
+              <a:t>字串大小</a:t>
+            </a:r>
+          </a:p>
+        </p:txBody>
+      </p:sp>
+      <p:sp>
+        <p:nvSpPr>
+          <p:cNvPr id="9" name="矩形 8">
+            <a:extLst>
+              <a:ext uri="{FF2B5EF4-FFF2-40B4-BE49-F238E27FC236}">
+                <a16:creationId xmlns:a16="http://schemas.microsoft.com/office/drawing/2014/main" id="{41CE801E-F16D-455F-889C-39C0EE0953BA}"/>
+              </a:ext>
+            </a:extLst>
+          </p:cNvPr>
+          <p:cNvSpPr/>
+          <p:nvPr/>
+        </p:nvSpPr>
+        <p:spPr>
+          <a:xfrm>
+            <a:off x="2622220" y="515779"/>
+            <a:ext cx="780852" cy="601975"/>
+          </a:xfrm>
+          <a:prstGeom prst="rect">
+            <a:avLst/>
+          </a:prstGeom>
+        </p:spPr>
+        <p:style>
+          <a:lnRef idx="2">
+            <a:schemeClr val="accent1">
+              <a:shade val="50000"/>
+            </a:schemeClr>
+          </a:lnRef>
+          <a:fillRef idx="1">
+            <a:schemeClr val="accent1"/>
+          </a:fillRef>
+          <a:effectRef idx="0">
+            <a:schemeClr val="accent1"/>
+          </a:effectRef>
+          <a:fontRef idx="minor">
+            <a:schemeClr val="lt1"/>
+          </a:fontRef>
+        </p:style>
+        <p:txBody>
+          <a:bodyPr rtlCol="0" anchor="ctr"/>
+          <a:lstStyle/>
+          <a:p>
+            <a:pPr algn="ctr"/>
+            <a:r>
+              <a:rPr lang="en-US" altLang="zh-CN" sz="800"/>
+              <a:t>android</a:t>
+            </a:r>
+            <a:r>
+              <a:rPr lang="en-US" altLang="zh-CN" sz="1000"/>
+              <a:t>.os.IServiceManager</a:t>
+            </a:r>
+            <a:endParaRPr lang="zh-CN" altLang="en-US" sz="1000"/>
+          </a:p>
+        </p:txBody>
+      </p:sp>
+      <p:sp>
+        <p:nvSpPr>
+          <p:cNvPr id="10" name="矩形 9">
+            <a:extLst>
+              <a:ext uri="{FF2B5EF4-FFF2-40B4-BE49-F238E27FC236}">
+                <a16:creationId xmlns:a16="http://schemas.microsoft.com/office/drawing/2014/main" id="{4B5B42CF-8C16-4A2C-B552-C00276D50987}"/>
+              </a:ext>
+            </a:extLst>
+          </p:cNvPr>
+          <p:cNvSpPr/>
+          <p:nvPr/>
+        </p:nvSpPr>
+        <p:spPr>
+          <a:xfrm>
+            <a:off x="3403072" y="515779"/>
+            <a:ext cx="433637" cy="601975"/>
+          </a:xfrm>
+          <a:prstGeom prst="rect">
+            <a:avLst/>
+          </a:prstGeom>
+        </p:spPr>
+        <p:style>
+          <a:lnRef idx="2">
+            <a:schemeClr val="accent1">
+              <a:shade val="50000"/>
+            </a:schemeClr>
+          </a:lnRef>
+          <a:fillRef idx="1">
+            <a:schemeClr val="accent1"/>
+          </a:fillRef>
+          <a:effectRef idx="0">
+            <a:schemeClr val="accent1"/>
+          </a:effectRef>
+          <a:fontRef idx="minor">
+            <a:schemeClr val="lt1"/>
+          </a:fontRef>
+        </p:style>
+        <p:txBody>
+          <a:bodyPr rtlCol="0" anchor="ctr"/>
+          <a:lstStyle/>
+          <a:p>
+            <a:pPr algn="ctr"/>
+            <a:r>
+              <a:rPr lang="en-US" altLang="zh-CN" sz="800"/>
+              <a:t>Wif </a:t>
+            </a:r>
+            <a:r>
+              <a:rPr lang="zh-CN" altLang="en-US" sz="800"/>
+              <a:t>字串大小</a:t>
+            </a:r>
+          </a:p>
+        </p:txBody>
+      </p:sp>
+      <p:sp>
+        <p:nvSpPr>
+          <p:cNvPr id="11" name="矩形 10">
+            <a:extLst>
+              <a:ext uri="{FF2B5EF4-FFF2-40B4-BE49-F238E27FC236}">
+                <a16:creationId xmlns:a16="http://schemas.microsoft.com/office/drawing/2014/main" id="{B2485C22-D9F6-42A4-9AF2-33246DE700BC}"/>
+              </a:ext>
+            </a:extLst>
+          </p:cNvPr>
+          <p:cNvSpPr/>
+          <p:nvPr/>
+        </p:nvSpPr>
+        <p:spPr>
+          <a:xfrm>
+            <a:off x="3836709" y="515778"/>
+            <a:ext cx="459868" cy="601975"/>
+          </a:xfrm>
+          <a:prstGeom prst="rect">
+            <a:avLst/>
+          </a:prstGeom>
+        </p:spPr>
+        <p:style>
+          <a:lnRef idx="2">
+            <a:schemeClr val="accent1">
+              <a:shade val="50000"/>
+            </a:schemeClr>
+          </a:lnRef>
+          <a:fillRef idx="1">
+            <a:schemeClr val="accent1"/>
+          </a:fillRef>
+          <a:effectRef idx="0">
+            <a:schemeClr val="accent1"/>
+          </a:effectRef>
+          <a:fontRef idx="minor">
+            <a:schemeClr val="lt1"/>
+          </a:fontRef>
+        </p:style>
+        <p:txBody>
+          <a:bodyPr rtlCol="0" anchor="ctr"/>
+          <a:lstStyle/>
+          <a:p>
+            <a:pPr algn="ctr"/>
+            <a:r>
+              <a:rPr lang="en-US" altLang="zh-CN" sz="900"/>
+              <a:t>wifi</a:t>
+            </a:r>
+            <a:endParaRPr lang="zh-CN" altLang="en-US" sz="900"/>
+          </a:p>
+        </p:txBody>
+      </p:sp>
+      <p:sp>
+        <p:nvSpPr>
+          <p:cNvPr id="12" name="矩形 11">
+            <a:extLst>
+              <a:ext uri="{FF2B5EF4-FFF2-40B4-BE49-F238E27FC236}">
+                <a16:creationId xmlns:a16="http://schemas.microsoft.com/office/drawing/2014/main" id="{6BE477A2-7250-4495-9BC2-A652447D39D6}"/>
+              </a:ext>
+            </a:extLst>
+          </p:cNvPr>
+          <p:cNvSpPr/>
+          <p:nvPr/>
+        </p:nvSpPr>
+        <p:spPr>
+          <a:xfrm>
+            <a:off x="4296577" y="515777"/>
+            <a:ext cx="1016208" cy="601975"/>
+          </a:xfrm>
+          <a:prstGeom prst="rect">
+            <a:avLst/>
+          </a:prstGeom>
+        </p:spPr>
+        <p:style>
+          <a:lnRef idx="2">
+            <a:schemeClr val="accent1">
+              <a:shade val="50000"/>
+            </a:schemeClr>
+          </a:lnRef>
+          <a:fillRef idx="1">
+            <a:schemeClr val="accent1"/>
+          </a:fillRef>
+          <a:effectRef idx="0">
+            <a:schemeClr val="accent1"/>
+          </a:effectRef>
+          <a:fontRef idx="minor">
+            <a:schemeClr val="lt1"/>
+          </a:fontRef>
+        </p:style>
+        <p:txBody>
+          <a:bodyPr rtlCol="0" anchor="ctr"/>
+          <a:lstStyle/>
+          <a:p>
+            <a:pPr algn="ctr"/>
+            <a:r>
+              <a:rPr lang="en-US" altLang="zh-CN" sz="800"/>
+              <a:t>flat_binder_object</a:t>
+            </a:r>
+            <a:endParaRPr lang="zh-CN" altLang="en-US" sz="800"/>
+          </a:p>
+        </p:txBody>
+      </p:sp>
+      <p:sp>
+        <p:nvSpPr>
+          <p:cNvPr id="14" name="矩形 13">
+            <a:extLst>
+              <a:ext uri="{FF2B5EF4-FFF2-40B4-BE49-F238E27FC236}">
+                <a16:creationId xmlns:a16="http://schemas.microsoft.com/office/drawing/2014/main" id="{B66CA065-993E-44D2-93BC-06D527ECD0BB}"/>
+              </a:ext>
+            </a:extLst>
+          </p:cNvPr>
+          <p:cNvSpPr/>
+          <p:nvPr/>
+        </p:nvSpPr>
+        <p:spPr>
+          <a:xfrm>
+            <a:off x="1217073" y="1784453"/>
+            <a:ext cx="3203068" cy="857839"/>
+          </a:xfrm>
+          <a:prstGeom prst="rect">
+            <a:avLst/>
+          </a:prstGeom>
+        </p:spPr>
+        <p:style>
+          <a:lnRef idx="2">
+            <a:schemeClr val="accent1">
+              <a:shade val="50000"/>
+            </a:schemeClr>
+          </a:lnRef>
+          <a:fillRef idx="1">
+            <a:schemeClr val="accent1"/>
+          </a:fillRef>
+          <a:effectRef idx="0">
+            <a:schemeClr val="accent1"/>
+          </a:effectRef>
+          <a:fontRef idx="minor">
+            <a:schemeClr val="lt1"/>
+          </a:fontRef>
+        </p:style>
+        <p:txBody>
+          <a:bodyPr rtlCol="0" anchor="ctr"/>
+          <a:lstStyle/>
+          <a:p>
+            <a:pPr algn="ctr"/>
+            <a:r>
+              <a:rPr lang="en-US" altLang="zh-CN"/>
+              <a:t>binder_transaction_data</a:t>
+            </a:r>
+            <a:endParaRPr lang="zh-CN" altLang="en-US"/>
+          </a:p>
+        </p:txBody>
+      </p:sp>
+      <p:sp>
+        <p:nvSpPr>
+          <p:cNvPr id="30" name="矩形 29">
+            <a:extLst>
+              <a:ext uri="{FF2B5EF4-FFF2-40B4-BE49-F238E27FC236}">
+                <a16:creationId xmlns:a16="http://schemas.microsoft.com/office/drawing/2014/main" id="{5F9595B1-4BEC-473F-876F-960DAB1B5802}"/>
+              </a:ext>
+            </a:extLst>
+          </p:cNvPr>
+          <p:cNvSpPr/>
+          <p:nvPr/>
+        </p:nvSpPr>
+        <p:spPr>
+          <a:xfrm>
+            <a:off x="1149908" y="3168470"/>
+            <a:ext cx="3203068" cy="857839"/>
+          </a:xfrm>
+          <a:prstGeom prst="rect">
+            <a:avLst/>
+          </a:prstGeom>
+        </p:spPr>
+        <p:style>
+          <a:lnRef idx="2">
+            <a:schemeClr val="accent1">
+              <a:shade val="50000"/>
+            </a:schemeClr>
+          </a:lnRef>
+          <a:fillRef idx="1">
+            <a:schemeClr val="accent1"/>
+          </a:fillRef>
+          <a:effectRef idx="0">
+            <a:schemeClr val="accent1"/>
+          </a:effectRef>
+          <a:fontRef idx="minor">
+            <a:schemeClr val="lt1"/>
+          </a:fontRef>
+        </p:style>
+        <p:txBody>
+          <a:bodyPr rtlCol="0" anchor="ctr"/>
+          <a:lstStyle/>
+          <a:p>
+            <a:pPr algn="ctr"/>
+            <a:r>
+              <a:rPr lang="en-US" altLang="zh-CN"/>
+              <a:t>mOut</a:t>
+            </a:r>
+            <a:endParaRPr lang="zh-CN" altLang="en-US"/>
+          </a:p>
+        </p:txBody>
+      </p:sp>
+      <p:sp>
+        <p:nvSpPr>
+          <p:cNvPr id="38" name="矩形 37">
+            <a:extLst>
+              <a:ext uri="{FF2B5EF4-FFF2-40B4-BE49-F238E27FC236}">
+                <a16:creationId xmlns:a16="http://schemas.microsoft.com/office/drawing/2014/main" id="{71380592-DF6A-4374-85D9-123EF40E83BF}"/>
+              </a:ext>
+            </a:extLst>
+          </p:cNvPr>
+          <p:cNvSpPr/>
+          <p:nvPr/>
+        </p:nvSpPr>
+        <p:spPr>
+          <a:xfrm>
+            <a:off x="1181373" y="4495582"/>
+            <a:ext cx="3203068" cy="857839"/>
+          </a:xfrm>
+          <a:prstGeom prst="rect">
+            <a:avLst/>
+          </a:prstGeom>
+        </p:spPr>
+        <p:style>
+          <a:lnRef idx="2">
+            <a:schemeClr val="accent1">
+              <a:shade val="50000"/>
+            </a:schemeClr>
+          </a:lnRef>
+          <a:fillRef idx="1">
+            <a:schemeClr val="accent1"/>
+          </a:fillRef>
+          <a:effectRef idx="0">
+            <a:schemeClr val="accent1"/>
+          </a:effectRef>
+          <a:fontRef idx="minor">
+            <a:schemeClr val="lt1"/>
+          </a:fontRef>
+        </p:style>
+        <p:txBody>
+          <a:bodyPr rtlCol="0" anchor="ctr"/>
+          <a:lstStyle/>
+          <a:p>
+            <a:pPr algn="ctr"/>
+            <a:r>
+              <a:rPr lang="en-US" altLang="zh-CN"/>
+              <a:t>binder_write_read</a:t>
+            </a:r>
+            <a:endParaRPr lang="zh-CN" altLang="en-US"/>
+          </a:p>
+        </p:txBody>
+      </p:sp>
+      <p:sp>
+        <p:nvSpPr>
+          <p:cNvPr id="39" name="箭头: 下 38">
+            <a:extLst>
+              <a:ext uri="{FF2B5EF4-FFF2-40B4-BE49-F238E27FC236}">
+                <a16:creationId xmlns:a16="http://schemas.microsoft.com/office/drawing/2014/main" id="{9F11C95D-AF82-49AC-A63D-EE88EF378BBE}"/>
+              </a:ext>
+            </a:extLst>
+          </p:cNvPr>
+          <p:cNvSpPr/>
+          <p:nvPr/>
+        </p:nvSpPr>
+        <p:spPr>
+          <a:xfrm>
+            <a:off x="2627710" y="4077123"/>
+            <a:ext cx="258460" cy="367645"/>
+          </a:xfrm>
+          <a:prstGeom prst="downArrow">
+            <a:avLst/>
+          </a:prstGeom>
+        </p:spPr>
+        <p:style>
+          <a:lnRef idx="2">
+            <a:schemeClr val="accent1">
+              <a:shade val="50000"/>
+            </a:schemeClr>
+          </a:lnRef>
+          <a:fillRef idx="1">
+            <a:schemeClr val="accent1"/>
+          </a:fillRef>
+          <a:effectRef idx="0">
+            <a:schemeClr val="accent1"/>
+          </a:effectRef>
+          <a:fontRef idx="minor">
+            <a:schemeClr val="lt1"/>
+          </a:fontRef>
+        </p:style>
+        <p:txBody>
+          <a:bodyPr rtlCol="0" anchor="ctr"/>
+          <a:lstStyle/>
+          <a:p>
+            <a:pPr algn="ctr"/>
+            <a:endParaRPr lang="zh-CN" altLang="en-US"/>
+          </a:p>
+        </p:txBody>
+      </p:sp>
+      <p:sp>
+        <p:nvSpPr>
+          <p:cNvPr id="40" name="箭头: 下 39">
+            <a:extLst>
+              <a:ext uri="{FF2B5EF4-FFF2-40B4-BE49-F238E27FC236}">
+                <a16:creationId xmlns:a16="http://schemas.microsoft.com/office/drawing/2014/main" id="{FA4A40FC-70FC-4FB4-BE98-27FD3E0D82D8}"/>
+              </a:ext>
+            </a:extLst>
+          </p:cNvPr>
+          <p:cNvSpPr/>
+          <p:nvPr/>
+        </p:nvSpPr>
+        <p:spPr>
+          <a:xfrm>
+            <a:off x="2599422" y="2711009"/>
+            <a:ext cx="258460" cy="367645"/>
+          </a:xfrm>
+          <a:prstGeom prst="downArrow">
+            <a:avLst/>
+          </a:prstGeom>
+        </p:spPr>
+        <p:style>
+          <a:lnRef idx="2">
+            <a:schemeClr val="accent1">
+              <a:shade val="50000"/>
+            </a:schemeClr>
+          </a:lnRef>
+          <a:fillRef idx="1">
+            <a:schemeClr val="accent1"/>
+          </a:fillRef>
+          <a:effectRef idx="0">
+            <a:schemeClr val="accent1"/>
+          </a:effectRef>
+          <a:fontRef idx="minor">
+            <a:schemeClr val="lt1"/>
+          </a:fontRef>
+        </p:style>
+        <p:txBody>
+          <a:bodyPr rtlCol="0" anchor="ctr"/>
+          <a:lstStyle/>
+          <a:p>
+            <a:pPr algn="ctr"/>
+            <a:endParaRPr lang="zh-CN" altLang="en-US"/>
+          </a:p>
+        </p:txBody>
+      </p:sp>
+      <p:sp>
+        <p:nvSpPr>
+          <p:cNvPr id="41" name="箭头: 下 40">
+            <a:extLst>
+              <a:ext uri="{FF2B5EF4-FFF2-40B4-BE49-F238E27FC236}">
+                <a16:creationId xmlns:a16="http://schemas.microsoft.com/office/drawing/2014/main" id="{0507A109-D7A8-43EF-A872-36927653EFF5}"/>
+              </a:ext>
+            </a:extLst>
+          </p:cNvPr>
+          <p:cNvSpPr/>
+          <p:nvPr/>
+        </p:nvSpPr>
+        <p:spPr>
+          <a:xfrm>
+            <a:off x="2591180" y="1377078"/>
+            <a:ext cx="258460" cy="367645"/>
+          </a:xfrm>
+          <a:prstGeom prst="downArrow">
+            <a:avLst/>
+          </a:prstGeom>
+        </p:spPr>
+        <p:style>
+          <a:lnRef idx="2">
+            <a:schemeClr val="accent1">
+              <a:shade val="50000"/>
+            </a:schemeClr>
+          </a:lnRef>
+          <a:fillRef idx="1">
+            <a:schemeClr val="accent1"/>
+          </a:fillRef>
+          <a:effectRef idx="0">
+            <a:schemeClr val="accent1"/>
+          </a:effectRef>
+          <a:fontRef idx="minor">
+            <a:schemeClr val="lt1"/>
+          </a:fontRef>
+        </p:style>
+        <p:txBody>
+          <a:bodyPr rtlCol="0" anchor="ctr"/>
+          <a:lstStyle/>
+          <a:p>
+            <a:pPr algn="ctr"/>
+            <a:endParaRPr lang="zh-CN" altLang="en-US"/>
+          </a:p>
+        </p:txBody>
+      </p:sp>
+      <p:sp>
+        <p:nvSpPr>
+          <p:cNvPr id="43" name="文本框 42">
+            <a:extLst>
+              <a:ext uri="{FF2B5EF4-FFF2-40B4-BE49-F238E27FC236}">
+                <a16:creationId xmlns:a16="http://schemas.microsoft.com/office/drawing/2014/main" id="{1CCE4A8E-E68A-41F6-99AD-AA5ADF027FCA}"/>
+              </a:ext>
+            </a:extLst>
+          </p:cNvPr>
+          <p:cNvSpPr txBox="1"/>
+          <p:nvPr/>
+        </p:nvSpPr>
+        <p:spPr>
+          <a:xfrm>
+            <a:off x="2361752" y="103523"/>
+            <a:ext cx="779381" cy="369332"/>
+          </a:xfrm>
+          <a:prstGeom prst="rect">
+            <a:avLst/>
+          </a:prstGeom>
+          <a:noFill/>
+        </p:spPr>
+        <p:txBody>
+          <a:bodyPr wrap="none" rtlCol="0">
+            <a:spAutoFit/>
+          </a:bodyPr>
+          <a:lstStyle/>
+          <a:p>
+            <a:r>
+              <a:rPr lang="en-US" altLang="zh-CN"/>
+              <a:t>Parcel</a:t>
+            </a:r>
+            <a:endParaRPr lang="zh-CN" altLang="en-US"/>
+          </a:p>
+        </p:txBody>
+      </p:sp>
+      <p:sp>
+        <p:nvSpPr>
+          <p:cNvPr id="37" name="矩形 36">
+            <a:extLst>
+              <a:ext uri="{FF2B5EF4-FFF2-40B4-BE49-F238E27FC236}">
+                <a16:creationId xmlns:a16="http://schemas.microsoft.com/office/drawing/2014/main" id="{5702CB67-E163-4835-82FD-28F5B93C612A}"/>
+              </a:ext>
+            </a:extLst>
+          </p:cNvPr>
+          <p:cNvSpPr/>
+          <p:nvPr/>
+        </p:nvSpPr>
+        <p:spPr>
+          <a:xfrm>
+            <a:off x="712508" y="5822694"/>
+            <a:ext cx="10335706" cy="857839"/>
+          </a:xfrm>
+          <a:prstGeom prst="rect">
+            <a:avLst/>
+          </a:prstGeom>
+        </p:spPr>
+        <p:style>
+          <a:lnRef idx="2">
+            <a:schemeClr val="accent1">
+              <a:shade val="50000"/>
+            </a:schemeClr>
+          </a:lnRef>
+          <a:fillRef idx="1">
+            <a:schemeClr val="accent1"/>
+          </a:fillRef>
+          <a:effectRef idx="0">
+            <a:schemeClr val="accent1"/>
+          </a:effectRef>
+          <a:fontRef idx="minor">
+            <a:schemeClr val="lt1"/>
+          </a:fontRef>
+        </p:style>
+        <p:txBody>
+          <a:bodyPr rtlCol="0" anchor="ctr"/>
+          <a:lstStyle/>
+          <a:p>
+            <a:pPr algn="ctr"/>
+            <a:r>
+              <a:rPr lang="en-US" altLang="zh-CN"/>
+              <a:t>binder</a:t>
+            </a:r>
+            <a:r>
+              <a:rPr lang="zh-CN" altLang="en-US"/>
+              <a:t>驱动</a:t>
+            </a:r>
+          </a:p>
+        </p:txBody>
+      </p:sp>
+      <p:sp>
+        <p:nvSpPr>
+          <p:cNvPr id="42" name="箭头: 下 41">
+            <a:extLst>
+              <a:ext uri="{FF2B5EF4-FFF2-40B4-BE49-F238E27FC236}">
+                <a16:creationId xmlns:a16="http://schemas.microsoft.com/office/drawing/2014/main" id="{44637BE0-1BFB-49BD-BB2D-DAD5390402A8}"/>
+              </a:ext>
+            </a:extLst>
+          </p:cNvPr>
+          <p:cNvSpPr/>
+          <p:nvPr/>
+        </p:nvSpPr>
+        <p:spPr>
+          <a:xfrm>
+            <a:off x="2622212" y="5404235"/>
+            <a:ext cx="258460" cy="367645"/>
+          </a:xfrm>
+          <a:prstGeom prst="downArrow">
+            <a:avLst/>
+          </a:prstGeom>
+        </p:spPr>
+        <p:style>
+          <a:lnRef idx="2">
+            <a:schemeClr val="accent1">
+              <a:shade val="50000"/>
+            </a:schemeClr>
+          </a:lnRef>
+          <a:fillRef idx="1">
+            <a:schemeClr val="accent1"/>
+          </a:fillRef>
+          <a:effectRef idx="0">
+            <a:schemeClr val="accent1"/>
+          </a:effectRef>
+          <a:fontRef idx="minor">
+            <a:schemeClr val="lt1"/>
+          </a:fontRef>
+        </p:style>
+        <p:txBody>
+          <a:bodyPr rtlCol="0" anchor="ctr"/>
+          <a:lstStyle/>
+          <a:p>
+            <a:pPr algn="ctr"/>
+            <a:endParaRPr lang="zh-CN" altLang="en-US"/>
+          </a:p>
+        </p:txBody>
+      </p:sp>
+      <p:sp>
+        <p:nvSpPr>
+          <p:cNvPr id="4" name="文本框 3">
+            <a:extLst>
+              <a:ext uri="{FF2B5EF4-FFF2-40B4-BE49-F238E27FC236}">
+                <a16:creationId xmlns:a16="http://schemas.microsoft.com/office/drawing/2014/main" id="{0D460598-E16E-4282-AA62-0350998B9112}"/>
+              </a:ext>
+            </a:extLst>
+          </p:cNvPr>
+          <p:cNvSpPr txBox="1"/>
+          <p:nvPr/>
+        </p:nvSpPr>
+        <p:spPr>
+          <a:xfrm>
+            <a:off x="254524" y="2294666"/>
+            <a:ext cx="45719" cy="1200329"/>
+          </a:xfrm>
+          <a:prstGeom prst="rect">
+            <a:avLst/>
+          </a:prstGeom>
+          <a:noFill/>
+        </p:spPr>
+        <p:txBody>
+          <a:bodyPr wrap="square" rtlCol="0">
+            <a:spAutoFit/>
+          </a:bodyPr>
+          <a:lstStyle/>
+          <a:p>
+            <a:r>
+              <a:rPr lang="zh-CN" altLang="en-US"/>
+              <a:t>用户空间</a:t>
+            </a:r>
+          </a:p>
+        </p:txBody>
+      </p:sp>
+    </p:spTree>
+    <p:extLst>
+      <p:ext uri="{BB962C8B-B14F-4D97-AF65-F5344CB8AC3E}">
+        <p14:creationId xmlns:p14="http://schemas.microsoft.com/office/powerpoint/2010/main" val="1663508041"/>
       </p:ext>
     </p:extLst>
   </p:cSld>
@@ -14225,7 +16937,7 @@
           <a:p>
             <a:r>
               <a:rPr lang="en-US" altLang="zh-CN" sz="1400"/>
-              <a:t>strlen(“android.os.IServiceManager”)+</a:t>
+              <a:t>strlen(“android.net.wifi.IWifiManager”)+</a:t>
             </a:r>
           </a:p>
           <a:p>
@@ -14237,7 +16949,7 @@
           <a:p>
             <a:r>
               <a:rPr lang="en-US" altLang="zh-CN" sz="1400"/>
-              <a:t>strlen(“media.player”)</a:t>
+              <a:t>strlen(“wifi”)</a:t>
             </a:r>
           </a:p>
           <a:p>
@@ -14298,13 +17010,13 @@
           <a:p>
             <a:r>
               <a:rPr lang="en-US" altLang="zh-CN" sz="1400"/>
-              <a:t>“android.os.IServiceManager”</a:t>
+              <a:t>“android.net.wifi.IWifiManager”</a:t>
             </a:r>
           </a:p>
           <a:p>
             <a:r>
               <a:rPr lang="en-US" altLang="zh-CN" sz="1400"/>
-              <a:t>“media.player”</a:t>
+              <a:t>“wifi”</a:t>
             </a:r>
           </a:p>
           <a:p>
@@ -14427,13 +17139,13 @@
           <a:p>
             <a:r>
               <a:rPr lang="en-US" altLang="zh-CN" sz="1400"/>
-              <a:t>strlen(“android.os.IServiceManager”)+</a:t>
+              <a:t>strlen(“android.net.wifi.IWifiManager”)+</a:t>
             </a:r>
           </a:p>
           <a:p>
             <a:r>
               <a:rPr lang="en-US" altLang="zh-CN" sz="1400"/>
-              <a:t>strlen(“media.player”)</a:t>
+              <a:t>strlen(“wifi”)</a:t>
             </a:r>
           </a:p>
           <a:p>
@@ -14785,7 +17497,7 @@
             <a:pPr algn="ctr"/>
             <a:r>
               <a:rPr lang="en-US" altLang="zh-CN" sz="1200"/>
-              <a:t>MediaPlayerService-&gt;getWeakRefs()</a:t>
+              <a:t>wifiService&gt;getWeakRefs()</a:t>
             </a:r>
             <a:endParaRPr lang="zh-CN" altLang="en-US" sz="1200"/>
           </a:p>
@@ -14835,7 +17547,7 @@
             <a:pPr algn="ctr"/>
             <a:r>
               <a:rPr lang="en-US" altLang="zh-CN" sz="1200"/>
-              <a:t>MediaPlayerService</a:t>
+              <a:t>wifiService</a:t>
             </a:r>
             <a:endParaRPr lang="zh-CN" altLang="en-US" sz="1200"/>
           </a:p>

--- a/android/binder/binder.pptx
+++ b/android/binder/binder.pptx
@@ -21,6 +21,8 @@
     <p:sldId id="275" r:id="rId15"/>
     <p:sldId id="276" r:id="rId16"/>
     <p:sldId id="277" r:id="rId17"/>
+    <p:sldId id="278" r:id="rId18"/>
+    <p:sldId id="279" r:id="rId19"/>
   </p:sldIdLst>
   <p:sldSz cx="12192000" cy="6858000"/>
   <p:notesSz cx="6858000" cy="9144000"/>
@@ -274,7 +276,7 @@
           <a:p>
             <a:fld id="{94500C62-1B3F-4E84-BF94-3D5FB933429A}" type="datetimeFigureOut">
               <a:rPr lang="zh-CN" altLang="en-US" smtClean="0"/>
-              <a:t>2022/4/7</a:t>
+              <a:t>2022/4/8</a:t>
             </a:fld>
             <a:endParaRPr lang="zh-CN" altLang="en-US"/>
           </a:p>
@@ -472,7 +474,7 @@
           <a:p>
             <a:fld id="{94500C62-1B3F-4E84-BF94-3D5FB933429A}" type="datetimeFigureOut">
               <a:rPr lang="zh-CN" altLang="en-US" smtClean="0"/>
-              <a:t>2022/4/7</a:t>
+              <a:t>2022/4/8</a:t>
             </a:fld>
             <a:endParaRPr lang="zh-CN" altLang="en-US"/>
           </a:p>
@@ -680,7 +682,7 @@
           <a:p>
             <a:fld id="{94500C62-1B3F-4E84-BF94-3D5FB933429A}" type="datetimeFigureOut">
               <a:rPr lang="zh-CN" altLang="en-US" smtClean="0"/>
-              <a:t>2022/4/7</a:t>
+              <a:t>2022/4/8</a:t>
             </a:fld>
             <a:endParaRPr lang="zh-CN" altLang="en-US"/>
           </a:p>
@@ -878,7 +880,7 @@
           <a:p>
             <a:fld id="{94500C62-1B3F-4E84-BF94-3D5FB933429A}" type="datetimeFigureOut">
               <a:rPr lang="zh-CN" altLang="en-US" smtClean="0"/>
-              <a:t>2022/4/7</a:t>
+              <a:t>2022/4/8</a:t>
             </a:fld>
             <a:endParaRPr lang="zh-CN" altLang="en-US"/>
           </a:p>
@@ -1153,7 +1155,7 @@
           <a:p>
             <a:fld id="{94500C62-1B3F-4E84-BF94-3D5FB933429A}" type="datetimeFigureOut">
               <a:rPr lang="zh-CN" altLang="en-US" smtClean="0"/>
-              <a:t>2022/4/7</a:t>
+              <a:t>2022/4/8</a:t>
             </a:fld>
             <a:endParaRPr lang="zh-CN" altLang="en-US"/>
           </a:p>
@@ -1418,7 +1420,7 @@
           <a:p>
             <a:fld id="{94500C62-1B3F-4E84-BF94-3D5FB933429A}" type="datetimeFigureOut">
               <a:rPr lang="zh-CN" altLang="en-US" smtClean="0"/>
-              <a:t>2022/4/7</a:t>
+              <a:t>2022/4/8</a:t>
             </a:fld>
             <a:endParaRPr lang="zh-CN" altLang="en-US"/>
           </a:p>
@@ -1830,7 +1832,7 @@
           <a:p>
             <a:fld id="{94500C62-1B3F-4E84-BF94-3D5FB933429A}" type="datetimeFigureOut">
               <a:rPr lang="zh-CN" altLang="en-US" smtClean="0"/>
-              <a:t>2022/4/7</a:t>
+              <a:t>2022/4/8</a:t>
             </a:fld>
             <a:endParaRPr lang="zh-CN" altLang="en-US"/>
           </a:p>
@@ -1971,7 +1973,7 @@
           <a:p>
             <a:fld id="{94500C62-1B3F-4E84-BF94-3D5FB933429A}" type="datetimeFigureOut">
               <a:rPr lang="zh-CN" altLang="en-US" smtClean="0"/>
-              <a:t>2022/4/7</a:t>
+              <a:t>2022/4/8</a:t>
             </a:fld>
             <a:endParaRPr lang="zh-CN" altLang="en-US"/>
           </a:p>
@@ -2084,7 +2086,7 @@
           <a:p>
             <a:fld id="{94500C62-1B3F-4E84-BF94-3D5FB933429A}" type="datetimeFigureOut">
               <a:rPr lang="zh-CN" altLang="en-US" smtClean="0"/>
-              <a:t>2022/4/7</a:t>
+              <a:t>2022/4/8</a:t>
             </a:fld>
             <a:endParaRPr lang="zh-CN" altLang="en-US"/>
           </a:p>
@@ -2395,7 +2397,7 @@
           <a:p>
             <a:fld id="{94500C62-1B3F-4E84-BF94-3D5FB933429A}" type="datetimeFigureOut">
               <a:rPr lang="zh-CN" altLang="en-US" smtClean="0"/>
-              <a:t>2022/4/7</a:t>
+              <a:t>2022/4/8</a:t>
             </a:fld>
             <a:endParaRPr lang="zh-CN" altLang="en-US"/>
           </a:p>
@@ -2683,7 +2685,7 @@
           <a:p>
             <a:fld id="{94500C62-1B3F-4E84-BF94-3D5FB933429A}" type="datetimeFigureOut">
               <a:rPr lang="zh-CN" altLang="en-US" smtClean="0"/>
-              <a:t>2022/4/7</a:t>
+              <a:t>2022/4/8</a:t>
             </a:fld>
             <a:endParaRPr lang="zh-CN" altLang="en-US"/>
           </a:p>
@@ -2924,7 +2926,7 @@
           <a:p>
             <a:fld id="{94500C62-1B3F-4E84-BF94-3D5FB933429A}" type="datetimeFigureOut">
               <a:rPr lang="zh-CN" altLang="en-US" smtClean="0"/>
-              <a:t>2022/4/7</a:t>
+              <a:t>2022/4/8</a:t>
             </a:fld>
             <a:endParaRPr lang="zh-CN" altLang="en-US"/>
           </a:p>
@@ -11300,6 +11302,161 @@
           </a:p>
         </p:txBody>
       </p:sp>
+      <p:sp>
+        <p:nvSpPr>
+          <p:cNvPr id="27" name="矩形 26">
+            <a:extLst>
+              <a:ext uri="{FF2B5EF4-FFF2-40B4-BE49-F238E27FC236}">
+                <a16:creationId xmlns:a16="http://schemas.microsoft.com/office/drawing/2014/main" id="{10FB322C-0CC9-4512-BFCA-79FD3B2AE444}"/>
+              </a:ext>
+            </a:extLst>
+          </p:cNvPr>
+          <p:cNvSpPr/>
+          <p:nvPr/>
+        </p:nvSpPr>
+        <p:spPr>
+          <a:xfrm>
+            <a:off x="614456" y="2325725"/>
+            <a:ext cx="2045480" cy="601975"/>
+          </a:xfrm>
+          <a:prstGeom prst="rect">
+            <a:avLst/>
+          </a:prstGeom>
+        </p:spPr>
+        <p:style>
+          <a:lnRef idx="2">
+            <a:schemeClr val="accent1">
+              <a:shade val="50000"/>
+            </a:schemeClr>
+          </a:lnRef>
+          <a:fillRef idx="1">
+            <a:schemeClr val="accent1"/>
+          </a:fillRef>
+          <a:effectRef idx="0">
+            <a:schemeClr val="accent1"/>
+          </a:effectRef>
+          <a:fontRef idx="minor">
+            <a:schemeClr val="lt1"/>
+          </a:fontRef>
+        </p:style>
+        <p:txBody>
+          <a:bodyPr rtlCol="0" anchor="ctr"/>
+          <a:lstStyle/>
+          <a:p>
+            <a:pPr algn="ctr"/>
+            <a:r>
+              <a:rPr lang="zh-CN" altLang="en-US" sz="1000"/>
+              <a:t>StrictModePolicy | STRICT_MODE_PENALTY_GATHER</a:t>
+            </a:r>
+          </a:p>
+        </p:txBody>
+      </p:sp>
+      <p:sp>
+        <p:nvSpPr>
+          <p:cNvPr id="28" name="矩形 27">
+            <a:extLst>
+              <a:ext uri="{FF2B5EF4-FFF2-40B4-BE49-F238E27FC236}">
+                <a16:creationId xmlns:a16="http://schemas.microsoft.com/office/drawing/2014/main" id="{450CD963-B29A-44BB-A5DA-871AEC6E637C}"/>
+              </a:ext>
+            </a:extLst>
+          </p:cNvPr>
+          <p:cNvSpPr/>
+          <p:nvPr/>
+        </p:nvSpPr>
+        <p:spPr>
+          <a:xfrm>
+            <a:off x="2659935" y="2325724"/>
+            <a:ext cx="1796909" cy="601975"/>
+          </a:xfrm>
+          <a:prstGeom prst="rect">
+            <a:avLst/>
+          </a:prstGeom>
+        </p:spPr>
+        <p:style>
+          <a:lnRef idx="2">
+            <a:schemeClr val="accent1">
+              <a:shade val="50000"/>
+            </a:schemeClr>
+          </a:lnRef>
+          <a:fillRef idx="1">
+            <a:schemeClr val="accent1"/>
+          </a:fillRef>
+          <a:effectRef idx="0">
+            <a:schemeClr val="accent1"/>
+          </a:effectRef>
+          <a:fontRef idx="minor">
+            <a:schemeClr val="lt1"/>
+          </a:fontRef>
+        </p:style>
+        <p:txBody>
+          <a:bodyPr rtlCol="0" anchor="ctr"/>
+          <a:lstStyle/>
+          <a:p>
+            <a:pPr algn="ctr"/>
+            <a:r>
+              <a:rPr lang="en-US" altLang="zh-CN" sz="1000"/>
+              <a:t>android.os.IServiceManager</a:t>
+            </a:r>
+          </a:p>
+          <a:p>
+            <a:pPr algn="ctr"/>
+            <a:r>
+              <a:rPr lang="zh-CN" altLang="en-US" sz="1000"/>
+              <a:t>字串大小</a:t>
+            </a:r>
+          </a:p>
+        </p:txBody>
+      </p:sp>
+      <p:sp>
+        <p:nvSpPr>
+          <p:cNvPr id="29" name="矩形 28">
+            <a:extLst>
+              <a:ext uri="{FF2B5EF4-FFF2-40B4-BE49-F238E27FC236}">
+                <a16:creationId xmlns:a16="http://schemas.microsoft.com/office/drawing/2014/main" id="{A18BA8D1-0F77-4CC6-AD90-8834B94C49EA}"/>
+              </a:ext>
+            </a:extLst>
+          </p:cNvPr>
+          <p:cNvSpPr/>
+          <p:nvPr/>
+        </p:nvSpPr>
+        <p:spPr>
+          <a:xfrm>
+            <a:off x="4456529" y="2325723"/>
+            <a:ext cx="1796909" cy="601975"/>
+          </a:xfrm>
+          <a:prstGeom prst="rect">
+            <a:avLst/>
+          </a:prstGeom>
+        </p:spPr>
+        <p:style>
+          <a:lnRef idx="2">
+            <a:schemeClr val="accent1">
+              <a:shade val="50000"/>
+            </a:schemeClr>
+          </a:lnRef>
+          <a:fillRef idx="1">
+            <a:schemeClr val="accent1"/>
+          </a:fillRef>
+          <a:effectRef idx="0">
+            <a:schemeClr val="accent1"/>
+          </a:effectRef>
+          <a:fontRef idx="minor">
+            <a:schemeClr val="lt1"/>
+          </a:fontRef>
+        </p:style>
+        <p:txBody>
+          <a:bodyPr rtlCol="0" anchor="ctr"/>
+          <a:lstStyle/>
+          <a:p>
+            <a:pPr algn="ctr"/>
+            <a:r>
+              <a:rPr lang="en-US" altLang="zh-CN" sz="1000"/>
+              <a:t>android.os.IServiceManager</a:t>
+            </a:r>
+            <a:endParaRPr lang="zh-CN" altLang="en-US" sz="1000"/>
+          </a:p>
+        </p:txBody>
+      </p:sp>
     </p:spTree>
     <p:extLst>
       <p:ext uri="{BB962C8B-B14F-4D97-AF65-F5344CB8AC3E}">
@@ -12343,19 +12500,31 @@
           <a:p>
             <a:r>
               <a:rPr lang="en-US" altLang="zh-CN" sz="1100"/>
+              <a:t>sizeof(inte32_t)+</a:t>
+            </a:r>
+          </a:p>
+          <a:p>
+            <a:r>
+              <a:rPr lang="en-US" altLang="zh-CN" sz="1100"/>
               <a:t>strlen(“android.net.wifi.IWifiManager”)+</a:t>
             </a:r>
           </a:p>
           <a:p>
             <a:r>
               <a:rPr lang="en-US" altLang="zh-CN" sz="1100"/>
-              <a:t>sizeof(flat_binder_object)+</a:t>
+              <a:t>sizeof(inte32_t)+</a:t>
             </a:r>
           </a:p>
           <a:p>
             <a:r>
               <a:rPr lang="en-US" altLang="zh-CN" sz="1100"/>
-              <a:t>strlen(“wifi”)</a:t>
+              <a:t>strlen(“wifi”)+</a:t>
+            </a:r>
+          </a:p>
+          <a:p>
+            <a:r>
+              <a:rPr lang="en-US" altLang="zh-CN" sz="1100"/>
+              <a:t>sizeof(flat_binder_object)</a:t>
             </a:r>
           </a:p>
           <a:p>
@@ -12408,28 +12577,22 @@
           </a:p>
           <a:p>
             <a:r>
+              <a:rPr lang="en-US" altLang="zh-CN" sz="1100"/>
+              <a:t>Parcel</a:t>
+            </a:r>
+            <a:r>
               <a:rPr lang="zh-CN" altLang="en-US" sz="1100"/>
-              <a:t>StrictModePolicy</a:t>
+              <a:t>对象的</a:t>
+            </a:r>
+            <a:r>
+              <a:rPr lang="en-US" altLang="zh-CN" sz="1100"/>
+              <a:t>mData</a:t>
+            </a:r>
+            <a:r>
+              <a:rPr lang="zh-CN" altLang="en-US" sz="1100"/>
+              <a:t>地址</a:t>
             </a:r>
             <a:endParaRPr lang="en-US" altLang="zh-CN" sz="1100"/>
-          </a:p>
-          <a:p>
-            <a:r>
-              <a:rPr lang="en-US" altLang="zh-CN" sz="1100"/>
-              <a:t>“android.net.wifi.IWifiManager”</a:t>
-            </a:r>
-          </a:p>
-          <a:p>
-            <a:r>
-              <a:rPr lang="en-US" altLang="zh-CN" sz="1100"/>
-              <a:t>“wifi”</a:t>
-            </a:r>
-          </a:p>
-          <a:p>
-            <a:r>
-              <a:rPr lang="en-US" altLang="zh-CN" sz="1100"/>
-              <a:t>flat_binder_object</a:t>
-            </a:r>
           </a:p>
           <a:p>
             <a:endParaRPr lang="zh-CN" altLang="en-US" sz="1100"/>
@@ -12539,23 +12702,20 @@
           <a:p>
             <a:r>
               <a:rPr lang="en-US" altLang="zh-CN" sz="1100"/>
-              <a:t>sizeof(inte32_t)+</a:t>
-            </a:r>
-          </a:p>
-          <a:p>
+              <a:t>Parcel</a:t>
+            </a:r>
+            <a:r>
+              <a:rPr lang="zh-CN" altLang="en-US" sz="1100"/>
+              <a:t>对象的</a:t>
+            </a:r>
             <a:r>
               <a:rPr lang="en-US" altLang="zh-CN" sz="1100"/>
-              <a:t>strlen(“android.net.wifi.IWifiManager”)+</a:t>
-            </a:r>
-          </a:p>
-          <a:p>
-            <a:r>
-              <a:rPr lang="en-US" altLang="zh-CN" sz="1100"/>
-              <a:t>strlen(“wifi”)</a:t>
-            </a:r>
-          </a:p>
-          <a:p>
-            <a:endParaRPr lang="zh-CN" altLang="en-US" sz="1100"/>
+              <a:t>mObjects</a:t>
+            </a:r>
+            <a:r>
+              <a:rPr lang="zh-CN" altLang="en-US" sz="1100"/>
+              <a:t>地址</a:t>
+            </a:r>
           </a:p>
         </p:txBody>
       </p:sp>
@@ -14014,6 +14174,1523 @@
     <p:extLst>
       <p:ext uri="{BB962C8B-B14F-4D97-AF65-F5344CB8AC3E}">
         <p14:creationId xmlns:p14="http://schemas.microsoft.com/office/powerpoint/2010/main" val="1663508041"/>
+      </p:ext>
+    </p:extLst>
+  </p:cSld>
+  <p:clrMapOvr>
+    <a:masterClrMapping/>
+  </p:clrMapOvr>
+</p:sld>
+</file>
+
+<file path=ppt/slides/slide17.xml><?xml version="1.0" encoding="utf-8"?>
+<p:sld xmlns:a="http://schemas.openxmlformats.org/drawingml/2006/main" xmlns:r="http://schemas.openxmlformats.org/officeDocument/2006/relationships" xmlns:p="http://schemas.openxmlformats.org/presentationml/2006/main">
+  <p:cSld>
+    <p:spTree>
+      <p:nvGrpSpPr>
+        <p:cNvPr id="1" name=""/>
+        <p:cNvGrpSpPr/>
+        <p:nvPr/>
+      </p:nvGrpSpPr>
+      <p:grpSpPr>
+        <a:xfrm>
+          <a:off x="0" y="0"/>
+          <a:ext cx="0" cy="0"/>
+          <a:chOff x="0" y="0"/>
+          <a:chExt cx="0" cy="0"/>
+        </a:xfrm>
+      </p:grpSpPr>
+      <p:grpSp>
+        <p:nvGrpSpPr>
+          <p:cNvPr id="9" name="组合 8">
+            <a:extLst>
+              <a:ext uri="{FF2B5EF4-FFF2-40B4-BE49-F238E27FC236}">
+                <a16:creationId xmlns:a16="http://schemas.microsoft.com/office/drawing/2014/main" id="{CB790E4E-7817-4E81-B75F-5C90CDB1C5F1}"/>
+              </a:ext>
+            </a:extLst>
+          </p:cNvPr>
+          <p:cNvGrpSpPr/>
+          <p:nvPr/>
+        </p:nvGrpSpPr>
+        <p:grpSpPr>
+          <a:xfrm>
+            <a:off x="1792807" y="581763"/>
+            <a:ext cx="8216426" cy="601978"/>
+            <a:chOff x="614456" y="2325722"/>
+            <a:chExt cx="8216426" cy="601978"/>
+          </a:xfrm>
+        </p:grpSpPr>
+        <p:sp>
+          <p:nvSpPr>
+            <p:cNvPr id="4" name="矩形 3">
+              <a:extLst>
+                <a:ext uri="{FF2B5EF4-FFF2-40B4-BE49-F238E27FC236}">
+                  <a16:creationId xmlns:a16="http://schemas.microsoft.com/office/drawing/2014/main" id="{D9798E9B-EEFD-489A-8174-B6DEF66374AC}"/>
+                </a:ext>
+              </a:extLst>
+            </p:cNvPr>
+            <p:cNvSpPr/>
+            <p:nvPr/>
+          </p:nvSpPr>
+          <p:spPr>
+            <a:xfrm>
+              <a:off x="6253437" y="2325723"/>
+              <a:ext cx="1796594" cy="601975"/>
+            </a:xfrm>
+            <a:prstGeom prst="rect">
+              <a:avLst/>
+            </a:prstGeom>
+          </p:spPr>
+          <p:style>
+            <a:lnRef idx="2">
+              <a:schemeClr val="accent1">
+                <a:shade val="50000"/>
+              </a:schemeClr>
+            </a:lnRef>
+            <a:fillRef idx="1">
+              <a:schemeClr val="accent1"/>
+            </a:fillRef>
+            <a:effectRef idx="0">
+              <a:schemeClr val="accent1"/>
+            </a:effectRef>
+            <a:fontRef idx="minor">
+              <a:schemeClr val="lt1"/>
+            </a:fontRef>
+          </p:style>
+          <p:txBody>
+            <a:bodyPr rtlCol="0" anchor="ctr"/>
+            <a:lstStyle/>
+            <a:p>
+              <a:pPr algn="ctr"/>
+              <a:r>
+                <a:rPr lang="en-US" altLang="zh-CN" sz="1000"/>
+                <a:t>Wif </a:t>
+              </a:r>
+              <a:r>
+                <a:rPr lang="zh-CN" altLang="en-US" sz="1000"/>
+                <a:t>字串大小</a:t>
+              </a:r>
+            </a:p>
+          </p:txBody>
+        </p:sp>
+        <p:sp>
+          <p:nvSpPr>
+            <p:cNvPr id="5" name="矩形 4">
+              <a:extLst>
+                <a:ext uri="{FF2B5EF4-FFF2-40B4-BE49-F238E27FC236}">
+                  <a16:creationId xmlns:a16="http://schemas.microsoft.com/office/drawing/2014/main" id="{F08DA3FD-E038-4B33-89D2-55BCFFF3F332}"/>
+                </a:ext>
+              </a:extLst>
+            </p:cNvPr>
+            <p:cNvSpPr/>
+            <p:nvPr/>
+          </p:nvSpPr>
+          <p:spPr>
+            <a:xfrm>
+              <a:off x="8050031" y="2325722"/>
+              <a:ext cx="780851" cy="601975"/>
+            </a:xfrm>
+            <a:prstGeom prst="rect">
+              <a:avLst/>
+            </a:prstGeom>
+          </p:spPr>
+          <p:style>
+            <a:lnRef idx="2">
+              <a:schemeClr val="accent1">
+                <a:shade val="50000"/>
+              </a:schemeClr>
+            </a:lnRef>
+            <a:fillRef idx="1">
+              <a:schemeClr val="accent1"/>
+            </a:fillRef>
+            <a:effectRef idx="0">
+              <a:schemeClr val="accent1"/>
+            </a:effectRef>
+            <a:fontRef idx="minor">
+              <a:schemeClr val="lt1"/>
+            </a:fontRef>
+          </p:style>
+          <p:txBody>
+            <a:bodyPr rtlCol="0" anchor="ctr"/>
+            <a:lstStyle/>
+            <a:p>
+              <a:pPr algn="ctr"/>
+              <a:r>
+                <a:rPr lang="en-US" altLang="zh-CN" sz="1000"/>
+                <a:t>wifi</a:t>
+              </a:r>
+              <a:endParaRPr lang="zh-CN" altLang="en-US" sz="1000"/>
+            </a:p>
+          </p:txBody>
+        </p:sp>
+        <p:sp>
+          <p:nvSpPr>
+            <p:cNvPr id="6" name="矩形 5">
+              <a:extLst>
+                <a:ext uri="{FF2B5EF4-FFF2-40B4-BE49-F238E27FC236}">
+                  <a16:creationId xmlns:a16="http://schemas.microsoft.com/office/drawing/2014/main" id="{3B2E2ED7-8F4C-40AB-B636-1A08A1108061}"/>
+                </a:ext>
+              </a:extLst>
+            </p:cNvPr>
+            <p:cNvSpPr/>
+            <p:nvPr/>
+          </p:nvSpPr>
+          <p:spPr>
+            <a:xfrm>
+              <a:off x="614456" y="2325725"/>
+              <a:ext cx="2045480" cy="601975"/>
+            </a:xfrm>
+            <a:prstGeom prst="rect">
+              <a:avLst/>
+            </a:prstGeom>
+          </p:spPr>
+          <p:style>
+            <a:lnRef idx="2">
+              <a:schemeClr val="accent1">
+                <a:shade val="50000"/>
+              </a:schemeClr>
+            </a:lnRef>
+            <a:fillRef idx="1">
+              <a:schemeClr val="accent1"/>
+            </a:fillRef>
+            <a:effectRef idx="0">
+              <a:schemeClr val="accent1"/>
+            </a:effectRef>
+            <a:fontRef idx="minor">
+              <a:schemeClr val="lt1"/>
+            </a:fontRef>
+          </p:style>
+          <p:txBody>
+            <a:bodyPr rtlCol="0" anchor="ctr"/>
+            <a:lstStyle/>
+            <a:p>
+              <a:pPr algn="ctr"/>
+              <a:r>
+                <a:rPr lang="zh-CN" altLang="en-US" sz="1000"/>
+                <a:t>StrictModePolicy | STRICT_MODE_PENALTY_GATHER</a:t>
+              </a:r>
+            </a:p>
+          </p:txBody>
+        </p:sp>
+        <p:sp>
+          <p:nvSpPr>
+            <p:cNvPr id="7" name="矩形 6">
+              <a:extLst>
+                <a:ext uri="{FF2B5EF4-FFF2-40B4-BE49-F238E27FC236}">
+                  <a16:creationId xmlns:a16="http://schemas.microsoft.com/office/drawing/2014/main" id="{33E80D62-DE01-41A3-991D-647A835DD293}"/>
+                </a:ext>
+              </a:extLst>
+            </p:cNvPr>
+            <p:cNvSpPr/>
+            <p:nvPr/>
+          </p:nvSpPr>
+          <p:spPr>
+            <a:xfrm>
+              <a:off x="2659935" y="2325724"/>
+              <a:ext cx="1796909" cy="601975"/>
+            </a:xfrm>
+            <a:prstGeom prst="rect">
+              <a:avLst/>
+            </a:prstGeom>
+          </p:spPr>
+          <p:style>
+            <a:lnRef idx="2">
+              <a:schemeClr val="accent1">
+                <a:shade val="50000"/>
+              </a:schemeClr>
+            </a:lnRef>
+            <a:fillRef idx="1">
+              <a:schemeClr val="accent1"/>
+            </a:fillRef>
+            <a:effectRef idx="0">
+              <a:schemeClr val="accent1"/>
+            </a:effectRef>
+            <a:fontRef idx="minor">
+              <a:schemeClr val="lt1"/>
+            </a:fontRef>
+          </p:style>
+          <p:txBody>
+            <a:bodyPr rtlCol="0" anchor="ctr"/>
+            <a:lstStyle/>
+            <a:p>
+              <a:pPr algn="ctr"/>
+              <a:r>
+                <a:rPr lang="en-US" altLang="zh-CN" sz="1000"/>
+                <a:t>android.os.IServiceManager</a:t>
+              </a:r>
+            </a:p>
+            <a:p>
+              <a:pPr algn="ctr"/>
+              <a:r>
+                <a:rPr lang="zh-CN" altLang="en-US" sz="1000"/>
+                <a:t>字串大小</a:t>
+              </a:r>
+            </a:p>
+          </p:txBody>
+        </p:sp>
+        <p:sp>
+          <p:nvSpPr>
+            <p:cNvPr id="8" name="矩形 7">
+              <a:extLst>
+                <a:ext uri="{FF2B5EF4-FFF2-40B4-BE49-F238E27FC236}">
+                  <a16:creationId xmlns:a16="http://schemas.microsoft.com/office/drawing/2014/main" id="{E1063D99-2A73-4DD3-9B11-E0F3A8DD67B5}"/>
+                </a:ext>
+              </a:extLst>
+            </p:cNvPr>
+            <p:cNvSpPr/>
+            <p:nvPr/>
+          </p:nvSpPr>
+          <p:spPr>
+            <a:xfrm>
+              <a:off x="4456529" y="2325723"/>
+              <a:ext cx="1796909" cy="601975"/>
+            </a:xfrm>
+            <a:prstGeom prst="rect">
+              <a:avLst/>
+            </a:prstGeom>
+          </p:spPr>
+          <p:style>
+            <a:lnRef idx="2">
+              <a:schemeClr val="accent1">
+                <a:shade val="50000"/>
+              </a:schemeClr>
+            </a:lnRef>
+            <a:fillRef idx="1">
+              <a:schemeClr val="accent1"/>
+            </a:fillRef>
+            <a:effectRef idx="0">
+              <a:schemeClr val="accent1"/>
+            </a:effectRef>
+            <a:fontRef idx="minor">
+              <a:schemeClr val="lt1"/>
+            </a:fontRef>
+          </p:style>
+          <p:txBody>
+            <a:bodyPr rtlCol="0" anchor="ctr"/>
+            <a:lstStyle/>
+            <a:p>
+              <a:pPr algn="ctr"/>
+              <a:r>
+                <a:rPr lang="en-US" altLang="zh-CN" sz="1000"/>
+                <a:t>android.os.IServiceManager</a:t>
+              </a:r>
+              <a:endParaRPr lang="zh-CN" altLang="en-US" sz="1000"/>
+            </a:p>
+          </p:txBody>
+        </p:sp>
+      </p:grpSp>
+      <p:sp>
+        <p:nvSpPr>
+          <p:cNvPr id="10" name="矩形 9">
+            <a:extLst>
+              <a:ext uri="{FF2B5EF4-FFF2-40B4-BE49-F238E27FC236}">
+                <a16:creationId xmlns:a16="http://schemas.microsoft.com/office/drawing/2014/main" id="{473E7374-1FB9-4CB2-977C-0F63F7C35171}"/>
+              </a:ext>
+            </a:extLst>
+          </p:cNvPr>
+          <p:cNvSpPr/>
+          <p:nvPr/>
+        </p:nvSpPr>
+        <p:spPr>
+          <a:xfrm>
+            <a:off x="2654495" y="3485561"/>
+            <a:ext cx="1857081" cy="421849"/>
+          </a:xfrm>
+          <a:prstGeom prst="rect">
+            <a:avLst/>
+          </a:prstGeom>
+        </p:spPr>
+        <p:style>
+          <a:lnRef idx="2">
+            <a:schemeClr val="accent1">
+              <a:shade val="50000"/>
+            </a:schemeClr>
+          </a:lnRef>
+          <a:fillRef idx="1">
+            <a:schemeClr val="accent1"/>
+          </a:fillRef>
+          <a:effectRef idx="0">
+            <a:schemeClr val="accent1"/>
+          </a:effectRef>
+          <a:fontRef idx="minor">
+            <a:schemeClr val="lt1"/>
+          </a:fontRef>
+        </p:style>
+        <p:txBody>
+          <a:bodyPr rtlCol="0" anchor="ctr"/>
+          <a:lstStyle/>
+          <a:p>
+            <a:pPr algn="ctr"/>
+            <a:r>
+              <a:rPr lang="en-US" altLang="zh-CN" sz="1100"/>
+              <a:t>code</a:t>
+            </a:r>
+            <a:endParaRPr lang="zh-CN" altLang="en-US" sz="1100"/>
+          </a:p>
+        </p:txBody>
+      </p:sp>
+      <p:sp>
+        <p:nvSpPr>
+          <p:cNvPr id="11" name="矩形 10">
+            <a:extLst>
+              <a:ext uri="{FF2B5EF4-FFF2-40B4-BE49-F238E27FC236}">
+                <a16:creationId xmlns:a16="http://schemas.microsoft.com/office/drawing/2014/main" id="{E3F3390A-C792-4E0A-B211-CAB8BB2551C0}"/>
+              </a:ext>
+            </a:extLst>
+          </p:cNvPr>
+          <p:cNvSpPr/>
+          <p:nvPr/>
+        </p:nvSpPr>
+        <p:spPr>
+          <a:xfrm>
+            <a:off x="4511577" y="3485560"/>
+            <a:ext cx="3201134" cy="421849"/>
+          </a:xfrm>
+          <a:prstGeom prst="rect">
+            <a:avLst/>
+          </a:prstGeom>
+        </p:spPr>
+        <p:style>
+          <a:lnRef idx="2">
+            <a:schemeClr val="accent1">
+              <a:shade val="50000"/>
+            </a:schemeClr>
+          </a:lnRef>
+          <a:fillRef idx="1">
+            <a:schemeClr val="accent1"/>
+          </a:fillRef>
+          <a:effectRef idx="0">
+            <a:schemeClr val="accent1"/>
+          </a:effectRef>
+          <a:fontRef idx="minor">
+            <a:schemeClr val="lt1"/>
+          </a:fontRef>
+        </p:style>
+        <p:txBody>
+          <a:bodyPr rtlCol="0" anchor="ctr"/>
+          <a:lstStyle/>
+          <a:p>
+            <a:r>
+              <a:rPr lang="en-US" altLang="zh-CN" sz="1100"/>
+              <a:t>GET_SERVICE_TRANSACTION</a:t>
+            </a:r>
+            <a:endParaRPr lang="zh-CN" altLang="en-US" sz="1100"/>
+          </a:p>
+        </p:txBody>
+      </p:sp>
+      <p:sp>
+        <p:nvSpPr>
+          <p:cNvPr id="12" name="矩形 11">
+            <a:extLst>
+              <a:ext uri="{FF2B5EF4-FFF2-40B4-BE49-F238E27FC236}">
+                <a16:creationId xmlns:a16="http://schemas.microsoft.com/office/drawing/2014/main" id="{2492978C-5242-4463-8EF0-E55E6811D416}"/>
+              </a:ext>
+            </a:extLst>
+          </p:cNvPr>
+          <p:cNvSpPr/>
+          <p:nvPr/>
+        </p:nvSpPr>
+        <p:spPr>
+          <a:xfrm>
+            <a:off x="2654494" y="3894447"/>
+            <a:ext cx="1857081" cy="421849"/>
+          </a:xfrm>
+          <a:prstGeom prst="rect">
+            <a:avLst/>
+          </a:prstGeom>
+        </p:spPr>
+        <p:style>
+          <a:lnRef idx="2">
+            <a:schemeClr val="accent1">
+              <a:shade val="50000"/>
+            </a:schemeClr>
+          </a:lnRef>
+          <a:fillRef idx="1">
+            <a:schemeClr val="accent1"/>
+          </a:fillRef>
+          <a:effectRef idx="0">
+            <a:schemeClr val="accent1"/>
+          </a:effectRef>
+          <a:fontRef idx="minor">
+            <a:schemeClr val="lt1"/>
+          </a:fontRef>
+        </p:style>
+        <p:txBody>
+          <a:bodyPr rtlCol="0" anchor="ctr"/>
+          <a:lstStyle/>
+          <a:p>
+            <a:pPr algn="ctr"/>
+            <a:r>
+              <a:rPr lang="en-US" altLang="zh-CN" sz="1100"/>
+              <a:t>flags</a:t>
+            </a:r>
+            <a:endParaRPr lang="zh-CN" altLang="en-US" sz="1100"/>
+          </a:p>
+        </p:txBody>
+      </p:sp>
+      <p:sp>
+        <p:nvSpPr>
+          <p:cNvPr id="13" name="矩形 12">
+            <a:extLst>
+              <a:ext uri="{FF2B5EF4-FFF2-40B4-BE49-F238E27FC236}">
+                <a16:creationId xmlns:a16="http://schemas.microsoft.com/office/drawing/2014/main" id="{080B5D6D-1910-4BE0-908C-1B8051B0538C}"/>
+              </a:ext>
+            </a:extLst>
+          </p:cNvPr>
+          <p:cNvSpPr/>
+          <p:nvPr/>
+        </p:nvSpPr>
+        <p:spPr>
+          <a:xfrm>
+            <a:off x="2654493" y="4303332"/>
+            <a:ext cx="1857081" cy="1113572"/>
+          </a:xfrm>
+          <a:prstGeom prst="rect">
+            <a:avLst/>
+          </a:prstGeom>
+        </p:spPr>
+        <p:style>
+          <a:lnRef idx="2">
+            <a:schemeClr val="accent1">
+              <a:shade val="50000"/>
+            </a:schemeClr>
+          </a:lnRef>
+          <a:fillRef idx="1">
+            <a:schemeClr val="accent1"/>
+          </a:fillRef>
+          <a:effectRef idx="0">
+            <a:schemeClr val="accent1"/>
+          </a:effectRef>
+          <a:fontRef idx="minor">
+            <a:schemeClr val="lt1"/>
+          </a:fontRef>
+        </p:style>
+        <p:txBody>
+          <a:bodyPr rtlCol="0" anchor="ctr"/>
+          <a:lstStyle/>
+          <a:p>
+            <a:pPr algn="ctr"/>
+            <a:r>
+              <a:rPr lang="en-US" altLang="zh-CN" sz="1100"/>
+              <a:t>data_size</a:t>
+            </a:r>
+            <a:endParaRPr lang="zh-CN" altLang="en-US" sz="1100"/>
+          </a:p>
+        </p:txBody>
+      </p:sp>
+      <p:sp>
+        <p:nvSpPr>
+          <p:cNvPr id="14" name="矩形 13">
+            <a:extLst>
+              <a:ext uri="{FF2B5EF4-FFF2-40B4-BE49-F238E27FC236}">
+                <a16:creationId xmlns:a16="http://schemas.microsoft.com/office/drawing/2014/main" id="{09624AC0-FF36-444E-81DB-CF5690647D50}"/>
+              </a:ext>
+            </a:extLst>
+          </p:cNvPr>
+          <p:cNvSpPr/>
+          <p:nvPr/>
+        </p:nvSpPr>
+        <p:spPr>
+          <a:xfrm>
+            <a:off x="2654492" y="5403949"/>
+            <a:ext cx="1857081" cy="439613"/>
+          </a:xfrm>
+          <a:prstGeom prst="rect">
+            <a:avLst/>
+          </a:prstGeom>
+        </p:spPr>
+        <p:style>
+          <a:lnRef idx="2">
+            <a:schemeClr val="accent1">
+              <a:shade val="50000"/>
+            </a:schemeClr>
+          </a:lnRef>
+          <a:fillRef idx="1">
+            <a:schemeClr val="accent1"/>
+          </a:fillRef>
+          <a:effectRef idx="0">
+            <a:schemeClr val="accent1"/>
+          </a:effectRef>
+          <a:fontRef idx="minor">
+            <a:schemeClr val="lt1"/>
+          </a:fontRef>
+        </p:style>
+        <p:txBody>
+          <a:bodyPr rtlCol="0" anchor="ctr"/>
+          <a:lstStyle/>
+          <a:p>
+            <a:pPr algn="ctr"/>
+            <a:r>
+              <a:rPr lang="en-US" altLang="zh-CN" sz="1100"/>
+              <a:t>data.ptr.buffer</a:t>
+            </a:r>
+            <a:endParaRPr lang="zh-CN" altLang="en-US" sz="1100"/>
+          </a:p>
+        </p:txBody>
+      </p:sp>
+      <p:sp>
+        <p:nvSpPr>
+          <p:cNvPr id="15" name="矩形 14">
+            <a:extLst>
+              <a:ext uri="{FF2B5EF4-FFF2-40B4-BE49-F238E27FC236}">
+                <a16:creationId xmlns:a16="http://schemas.microsoft.com/office/drawing/2014/main" id="{FAACC7A7-6E17-4241-A30E-2F67B94204DD}"/>
+              </a:ext>
+            </a:extLst>
+          </p:cNvPr>
+          <p:cNvSpPr/>
+          <p:nvPr/>
+        </p:nvSpPr>
+        <p:spPr>
+          <a:xfrm>
+            <a:off x="2654499" y="5850643"/>
+            <a:ext cx="1857081" cy="421849"/>
+          </a:xfrm>
+          <a:prstGeom prst="rect">
+            <a:avLst/>
+          </a:prstGeom>
+        </p:spPr>
+        <p:style>
+          <a:lnRef idx="2">
+            <a:schemeClr val="accent1">
+              <a:shade val="50000"/>
+            </a:schemeClr>
+          </a:lnRef>
+          <a:fillRef idx="1">
+            <a:schemeClr val="accent1"/>
+          </a:fillRef>
+          <a:effectRef idx="0">
+            <a:schemeClr val="accent1"/>
+          </a:effectRef>
+          <a:fontRef idx="minor">
+            <a:schemeClr val="lt1"/>
+          </a:fontRef>
+        </p:style>
+        <p:txBody>
+          <a:bodyPr rtlCol="0" anchor="ctr"/>
+          <a:lstStyle/>
+          <a:p>
+            <a:pPr algn="ctr"/>
+            <a:r>
+              <a:rPr lang="en-US" altLang="zh-CN" sz="1100"/>
+              <a:t>offsets_size</a:t>
+            </a:r>
+            <a:endParaRPr lang="zh-CN" altLang="en-US" sz="1100"/>
+          </a:p>
+        </p:txBody>
+      </p:sp>
+      <p:sp>
+        <p:nvSpPr>
+          <p:cNvPr id="16" name="矩形 15">
+            <a:extLst>
+              <a:ext uri="{FF2B5EF4-FFF2-40B4-BE49-F238E27FC236}">
+                <a16:creationId xmlns:a16="http://schemas.microsoft.com/office/drawing/2014/main" id="{860F9479-76D7-4729-934F-E34665F71571}"/>
+              </a:ext>
+            </a:extLst>
+          </p:cNvPr>
+          <p:cNvSpPr/>
+          <p:nvPr/>
+        </p:nvSpPr>
+        <p:spPr>
+          <a:xfrm>
+            <a:off x="2654498" y="6273080"/>
+            <a:ext cx="1857081" cy="421849"/>
+          </a:xfrm>
+          <a:prstGeom prst="rect">
+            <a:avLst/>
+          </a:prstGeom>
+        </p:spPr>
+        <p:style>
+          <a:lnRef idx="2">
+            <a:schemeClr val="accent1">
+              <a:shade val="50000"/>
+            </a:schemeClr>
+          </a:lnRef>
+          <a:fillRef idx="1">
+            <a:schemeClr val="accent1"/>
+          </a:fillRef>
+          <a:effectRef idx="0">
+            <a:schemeClr val="accent1"/>
+          </a:effectRef>
+          <a:fontRef idx="minor">
+            <a:schemeClr val="lt1"/>
+          </a:fontRef>
+        </p:style>
+        <p:txBody>
+          <a:bodyPr rtlCol="0" anchor="ctr"/>
+          <a:lstStyle/>
+          <a:p>
+            <a:pPr algn="ctr"/>
+            <a:r>
+              <a:rPr lang="en-US" altLang="zh-CN" sz="1100"/>
+              <a:t>data.ptr.offsets</a:t>
+            </a:r>
+            <a:endParaRPr lang="zh-CN" altLang="en-US" sz="1100"/>
+          </a:p>
+        </p:txBody>
+      </p:sp>
+      <p:sp>
+        <p:nvSpPr>
+          <p:cNvPr id="17" name="矩形 16">
+            <a:extLst>
+              <a:ext uri="{FF2B5EF4-FFF2-40B4-BE49-F238E27FC236}">
+                <a16:creationId xmlns:a16="http://schemas.microsoft.com/office/drawing/2014/main" id="{DD86B255-62C7-4B7D-9EC4-C780DB74811E}"/>
+              </a:ext>
+            </a:extLst>
+          </p:cNvPr>
+          <p:cNvSpPr/>
+          <p:nvPr/>
+        </p:nvSpPr>
+        <p:spPr>
+          <a:xfrm>
+            <a:off x="4511571" y="3889813"/>
+            <a:ext cx="3201133" cy="412931"/>
+          </a:xfrm>
+          <a:prstGeom prst="rect">
+            <a:avLst/>
+          </a:prstGeom>
+        </p:spPr>
+        <p:style>
+          <a:lnRef idx="2">
+            <a:schemeClr val="accent1">
+              <a:shade val="50000"/>
+            </a:schemeClr>
+          </a:lnRef>
+          <a:fillRef idx="1">
+            <a:schemeClr val="accent1"/>
+          </a:fillRef>
+          <a:effectRef idx="0">
+            <a:schemeClr val="accent1"/>
+          </a:effectRef>
+          <a:fontRef idx="minor">
+            <a:schemeClr val="lt1"/>
+          </a:fontRef>
+        </p:style>
+        <p:txBody>
+          <a:bodyPr rtlCol="0" anchor="ctr"/>
+          <a:lstStyle/>
+          <a:p>
+            <a:r>
+              <a:rPr lang="en-US" altLang="zh-CN" sz="1100"/>
+              <a:t>TF_ACCEPT_FDS</a:t>
+            </a:r>
+            <a:endParaRPr lang="zh-CN" altLang="en-US" sz="1100"/>
+          </a:p>
+        </p:txBody>
+      </p:sp>
+      <p:sp>
+        <p:nvSpPr>
+          <p:cNvPr id="18" name="矩形 17">
+            <a:extLst>
+              <a:ext uri="{FF2B5EF4-FFF2-40B4-BE49-F238E27FC236}">
+                <a16:creationId xmlns:a16="http://schemas.microsoft.com/office/drawing/2014/main" id="{8F9BB768-75C8-4312-B351-5008F533562B}"/>
+              </a:ext>
+            </a:extLst>
+          </p:cNvPr>
+          <p:cNvSpPr/>
+          <p:nvPr/>
+        </p:nvSpPr>
+        <p:spPr>
+          <a:xfrm>
+            <a:off x="4511571" y="4303033"/>
+            <a:ext cx="3201134" cy="1113285"/>
+          </a:xfrm>
+          <a:prstGeom prst="rect">
+            <a:avLst/>
+          </a:prstGeom>
+        </p:spPr>
+        <p:style>
+          <a:lnRef idx="2">
+            <a:schemeClr val="accent1">
+              <a:shade val="50000"/>
+            </a:schemeClr>
+          </a:lnRef>
+          <a:fillRef idx="1">
+            <a:schemeClr val="accent1"/>
+          </a:fillRef>
+          <a:effectRef idx="0">
+            <a:schemeClr val="accent1"/>
+          </a:effectRef>
+          <a:fontRef idx="minor">
+            <a:schemeClr val="lt1"/>
+          </a:fontRef>
+        </p:style>
+        <p:txBody>
+          <a:bodyPr rtlCol="0" anchor="ctr"/>
+          <a:lstStyle/>
+          <a:p>
+            <a:r>
+              <a:rPr lang="en-US" altLang="zh-CN" sz="1100"/>
+              <a:t>sizeof(inte32_t)+</a:t>
+            </a:r>
+          </a:p>
+          <a:p>
+            <a:r>
+              <a:rPr lang="en-US" altLang="zh-CN" sz="1100"/>
+              <a:t>sizeof(inte32_t)+</a:t>
+            </a:r>
+          </a:p>
+          <a:p>
+            <a:r>
+              <a:rPr lang="en-US" altLang="zh-CN" sz="1100"/>
+              <a:t>strlen(“android.net.wifi.IWifiManager”)+</a:t>
+            </a:r>
+          </a:p>
+          <a:p>
+            <a:r>
+              <a:rPr lang="en-US" altLang="zh-CN" sz="1100"/>
+              <a:t>sizeof(inte32_t)+</a:t>
+            </a:r>
+          </a:p>
+          <a:p>
+            <a:r>
+              <a:rPr lang="en-US" altLang="zh-CN" sz="1100"/>
+              <a:t>strlen(“wifi”)</a:t>
+            </a:r>
+          </a:p>
+        </p:txBody>
+      </p:sp>
+      <p:sp>
+        <p:nvSpPr>
+          <p:cNvPr id="19" name="矩形 18">
+            <a:extLst>
+              <a:ext uri="{FF2B5EF4-FFF2-40B4-BE49-F238E27FC236}">
+                <a16:creationId xmlns:a16="http://schemas.microsoft.com/office/drawing/2014/main" id="{2C93E837-41F6-49C2-9FC4-6B987860523F}"/>
+              </a:ext>
+            </a:extLst>
+          </p:cNvPr>
+          <p:cNvSpPr/>
+          <p:nvPr/>
+        </p:nvSpPr>
+        <p:spPr>
+          <a:xfrm>
+            <a:off x="4511571" y="5403354"/>
+            <a:ext cx="3201134" cy="439613"/>
+          </a:xfrm>
+          <a:prstGeom prst="rect">
+            <a:avLst/>
+          </a:prstGeom>
+        </p:spPr>
+        <p:style>
+          <a:lnRef idx="2">
+            <a:schemeClr val="accent1">
+              <a:shade val="50000"/>
+            </a:schemeClr>
+          </a:lnRef>
+          <a:fillRef idx="1">
+            <a:schemeClr val="accent1"/>
+          </a:fillRef>
+          <a:effectRef idx="0">
+            <a:schemeClr val="accent1"/>
+          </a:effectRef>
+          <a:fontRef idx="minor">
+            <a:schemeClr val="lt1"/>
+          </a:fontRef>
+        </p:style>
+        <p:txBody>
+          <a:bodyPr rtlCol="0" anchor="ctr"/>
+          <a:lstStyle/>
+          <a:p>
+            <a:endParaRPr lang="en-US" altLang="zh-CN" sz="1100"/>
+          </a:p>
+          <a:p>
+            <a:r>
+              <a:rPr lang="en-US" altLang="zh-CN" sz="1100"/>
+              <a:t>Parcel</a:t>
+            </a:r>
+            <a:r>
+              <a:rPr lang="zh-CN" altLang="en-US" sz="1100"/>
+              <a:t>对象的</a:t>
+            </a:r>
+            <a:r>
+              <a:rPr lang="en-US" altLang="zh-CN" sz="1100"/>
+              <a:t>mData</a:t>
+            </a:r>
+            <a:r>
+              <a:rPr lang="zh-CN" altLang="en-US" sz="1100"/>
+              <a:t>地址</a:t>
+            </a:r>
+            <a:endParaRPr lang="en-US" altLang="zh-CN" sz="1100"/>
+          </a:p>
+          <a:p>
+            <a:endParaRPr lang="zh-CN" altLang="en-US" sz="1100"/>
+          </a:p>
+        </p:txBody>
+      </p:sp>
+      <p:sp>
+        <p:nvSpPr>
+          <p:cNvPr id="20" name="矩形 19">
+            <a:extLst>
+              <a:ext uri="{FF2B5EF4-FFF2-40B4-BE49-F238E27FC236}">
+                <a16:creationId xmlns:a16="http://schemas.microsoft.com/office/drawing/2014/main" id="{AA2D0C08-3D6D-454E-A4BE-97CF4045F8B5}"/>
+              </a:ext>
+            </a:extLst>
+          </p:cNvPr>
+          <p:cNvSpPr/>
+          <p:nvPr/>
+        </p:nvSpPr>
+        <p:spPr>
+          <a:xfrm>
+            <a:off x="4511570" y="5840588"/>
+            <a:ext cx="3201133" cy="421849"/>
+          </a:xfrm>
+          <a:prstGeom prst="rect">
+            <a:avLst/>
+          </a:prstGeom>
+        </p:spPr>
+        <p:style>
+          <a:lnRef idx="2">
+            <a:schemeClr val="accent1">
+              <a:shade val="50000"/>
+            </a:schemeClr>
+          </a:lnRef>
+          <a:fillRef idx="1">
+            <a:schemeClr val="accent1"/>
+          </a:fillRef>
+          <a:effectRef idx="0">
+            <a:schemeClr val="accent1"/>
+          </a:effectRef>
+          <a:fontRef idx="minor">
+            <a:schemeClr val="lt1"/>
+          </a:fontRef>
+        </p:style>
+        <p:txBody>
+          <a:bodyPr rtlCol="0" anchor="ctr"/>
+          <a:lstStyle/>
+          <a:p>
+            <a:r>
+              <a:rPr lang="en-US" altLang="zh-CN" sz="1100"/>
+              <a:t>0</a:t>
+            </a:r>
+            <a:endParaRPr lang="zh-CN" altLang="en-US" sz="1100"/>
+          </a:p>
+        </p:txBody>
+      </p:sp>
+      <p:sp>
+        <p:nvSpPr>
+          <p:cNvPr id="21" name="矩形 20">
+            <a:extLst>
+              <a:ext uri="{FF2B5EF4-FFF2-40B4-BE49-F238E27FC236}">
+                <a16:creationId xmlns:a16="http://schemas.microsoft.com/office/drawing/2014/main" id="{EBE95348-DE27-434A-8C3B-CC4C0BD34D74}"/>
+              </a:ext>
+            </a:extLst>
+          </p:cNvPr>
+          <p:cNvSpPr/>
+          <p:nvPr/>
+        </p:nvSpPr>
+        <p:spPr>
+          <a:xfrm>
+            <a:off x="4511570" y="6262437"/>
+            <a:ext cx="3201133" cy="423247"/>
+          </a:xfrm>
+          <a:prstGeom prst="rect">
+            <a:avLst/>
+          </a:prstGeom>
+        </p:spPr>
+        <p:style>
+          <a:lnRef idx="2">
+            <a:schemeClr val="accent1">
+              <a:shade val="50000"/>
+            </a:schemeClr>
+          </a:lnRef>
+          <a:fillRef idx="1">
+            <a:schemeClr val="accent1"/>
+          </a:fillRef>
+          <a:effectRef idx="0">
+            <a:schemeClr val="accent1"/>
+          </a:effectRef>
+          <a:fontRef idx="minor">
+            <a:schemeClr val="lt1"/>
+          </a:fontRef>
+        </p:style>
+        <p:txBody>
+          <a:bodyPr rtlCol="0" anchor="ctr"/>
+          <a:lstStyle/>
+          <a:p>
+            <a:endParaRPr lang="en-US" altLang="zh-CN" sz="1100"/>
+          </a:p>
+          <a:p>
+            <a:r>
+              <a:rPr lang="en-US" altLang="zh-CN" sz="1100"/>
+              <a:t>0</a:t>
+            </a:r>
+            <a:endParaRPr lang="zh-CN" altLang="en-US" sz="1100"/>
+          </a:p>
+        </p:txBody>
+      </p:sp>
+      <p:sp>
+        <p:nvSpPr>
+          <p:cNvPr id="23" name="文本框 22">
+            <a:extLst>
+              <a:ext uri="{FF2B5EF4-FFF2-40B4-BE49-F238E27FC236}">
+                <a16:creationId xmlns:a16="http://schemas.microsoft.com/office/drawing/2014/main" id="{C148765B-CA8C-430D-9830-D5DB61ABBDC1}"/>
+              </a:ext>
+            </a:extLst>
+          </p:cNvPr>
+          <p:cNvSpPr txBox="1"/>
+          <p:nvPr/>
+        </p:nvSpPr>
+        <p:spPr>
+          <a:xfrm>
+            <a:off x="828313" y="698084"/>
+            <a:ext cx="896793" cy="369332"/>
+          </a:xfrm>
+          <a:prstGeom prst="rect">
+            <a:avLst/>
+          </a:prstGeom>
+          <a:noFill/>
+        </p:spPr>
+        <p:txBody>
+          <a:bodyPr wrap="square">
+            <a:spAutoFit/>
+          </a:bodyPr>
+          <a:lstStyle/>
+          <a:p>
+            <a:r>
+              <a:rPr lang="en-US" altLang="zh-CN" sz="1800"/>
+              <a:t>mData</a:t>
+            </a:r>
+            <a:endParaRPr lang="zh-CN" altLang="en-US"/>
+          </a:p>
+        </p:txBody>
+      </p:sp>
+      <p:sp>
+        <p:nvSpPr>
+          <p:cNvPr id="24" name="矩形 23">
+            <a:extLst>
+              <a:ext uri="{FF2B5EF4-FFF2-40B4-BE49-F238E27FC236}">
+                <a16:creationId xmlns:a16="http://schemas.microsoft.com/office/drawing/2014/main" id="{630C5848-4792-4E08-8C43-2746E5F2E54B}"/>
+              </a:ext>
+            </a:extLst>
+          </p:cNvPr>
+          <p:cNvSpPr/>
+          <p:nvPr/>
+        </p:nvSpPr>
+        <p:spPr>
+          <a:xfrm>
+            <a:off x="1905791" y="2175673"/>
+            <a:ext cx="1932495" cy="367645"/>
+          </a:xfrm>
+          <a:prstGeom prst="rect">
+            <a:avLst/>
+          </a:prstGeom>
+        </p:spPr>
+        <p:style>
+          <a:lnRef idx="2">
+            <a:schemeClr val="accent1">
+              <a:shade val="50000"/>
+            </a:schemeClr>
+          </a:lnRef>
+          <a:fillRef idx="1">
+            <a:schemeClr val="accent1"/>
+          </a:fillRef>
+          <a:effectRef idx="0">
+            <a:schemeClr val="accent1"/>
+          </a:effectRef>
+          <a:fontRef idx="minor">
+            <a:schemeClr val="lt1"/>
+          </a:fontRef>
+        </p:style>
+        <p:txBody>
+          <a:bodyPr rtlCol="0" anchor="ctr"/>
+          <a:lstStyle/>
+          <a:p>
+            <a:pPr algn="ctr"/>
+            <a:r>
+              <a:rPr lang="en-US" altLang="zh-CN" sz="1200"/>
+              <a:t>BC_TRANSACTION</a:t>
+            </a:r>
+            <a:endParaRPr lang="zh-CN" altLang="en-US" sz="1200"/>
+          </a:p>
+        </p:txBody>
+      </p:sp>
+      <p:sp>
+        <p:nvSpPr>
+          <p:cNvPr id="25" name="矩形 24">
+            <a:extLst>
+              <a:ext uri="{FF2B5EF4-FFF2-40B4-BE49-F238E27FC236}">
+                <a16:creationId xmlns:a16="http://schemas.microsoft.com/office/drawing/2014/main" id="{98BF6380-1DF4-4726-A78F-27A7C10D2F44}"/>
+              </a:ext>
+            </a:extLst>
+          </p:cNvPr>
+          <p:cNvSpPr/>
+          <p:nvPr/>
+        </p:nvSpPr>
+        <p:spPr>
+          <a:xfrm>
+            <a:off x="3838286" y="2175673"/>
+            <a:ext cx="3874417" cy="367645"/>
+          </a:xfrm>
+          <a:prstGeom prst="rect">
+            <a:avLst/>
+          </a:prstGeom>
+        </p:spPr>
+        <p:style>
+          <a:lnRef idx="2">
+            <a:schemeClr val="accent1">
+              <a:shade val="50000"/>
+            </a:schemeClr>
+          </a:lnRef>
+          <a:fillRef idx="1">
+            <a:schemeClr val="accent1"/>
+          </a:fillRef>
+          <a:effectRef idx="0">
+            <a:schemeClr val="accent1"/>
+          </a:effectRef>
+          <a:fontRef idx="minor">
+            <a:schemeClr val="lt1"/>
+          </a:fontRef>
+        </p:style>
+        <p:txBody>
+          <a:bodyPr rtlCol="0" anchor="ctr"/>
+          <a:lstStyle/>
+          <a:p>
+            <a:pPr algn="ctr"/>
+            <a:r>
+              <a:rPr lang="en-US" altLang="zh-CN" sz="1400"/>
+              <a:t>binder_transaction_data</a:t>
+            </a:r>
+            <a:endParaRPr lang="zh-CN" altLang="en-US" sz="1400"/>
+          </a:p>
+        </p:txBody>
+      </p:sp>
+      <p:sp>
+        <p:nvSpPr>
+          <p:cNvPr id="26" name="文本框 25">
+            <a:extLst>
+              <a:ext uri="{FF2B5EF4-FFF2-40B4-BE49-F238E27FC236}">
+                <a16:creationId xmlns:a16="http://schemas.microsoft.com/office/drawing/2014/main" id="{6B3389B7-E3E9-4ED7-A262-74D5F4F733CA}"/>
+              </a:ext>
+            </a:extLst>
+          </p:cNvPr>
+          <p:cNvSpPr txBox="1"/>
+          <p:nvPr/>
+        </p:nvSpPr>
+        <p:spPr>
+          <a:xfrm>
+            <a:off x="740600" y="2173986"/>
+            <a:ext cx="896793" cy="369332"/>
+          </a:xfrm>
+          <a:prstGeom prst="rect">
+            <a:avLst/>
+          </a:prstGeom>
+          <a:noFill/>
+        </p:spPr>
+        <p:txBody>
+          <a:bodyPr wrap="square">
+            <a:spAutoFit/>
+          </a:bodyPr>
+          <a:lstStyle/>
+          <a:p>
+            <a:r>
+              <a:rPr lang="en-US" altLang="zh-CN" sz="1800"/>
+              <a:t>mOut</a:t>
+            </a:r>
+            <a:endParaRPr lang="zh-CN" altLang="en-US"/>
+          </a:p>
+        </p:txBody>
+      </p:sp>
+      <p:cxnSp>
+        <p:nvCxnSpPr>
+          <p:cNvPr id="28" name="直接连接符 27">
+            <a:extLst>
+              <a:ext uri="{FF2B5EF4-FFF2-40B4-BE49-F238E27FC236}">
+                <a16:creationId xmlns:a16="http://schemas.microsoft.com/office/drawing/2014/main" id="{58AE2010-C76D-4780-8B7D-947E0D9C7468}"/>
+              </a:ext>
+            </a:extLst>
+          </p:cNvPr>
+          <p:cNvCxnSpPr/>
+          <p:nvPr/>
+        </p:nvCxnSpPr>
+        <p:spPr>
+          <a:xfrm flipH="1">
+            <a:off x="2654492" y="2543318"/>
+            <a:ext cx="1183794" cy="942242"/>
+          </a:xfrm>
+          <a:prstGeom prst="line">
+            <a:avLst/>
+          </a:prstGeom>
+        </p:spPr>
+        <p:style>
+          <a:lnRef idx="1">
+            <a:schemeClr val="accent1"/>
+          </a:lnRef>
+          <a:fillRef idx="0">
+            <a:schemeClr val="accent1"/>
+          </a:fillRef>
+          <a:effectRef idx="0">
+            <a:schemeClr val="accent1"/>
+          </a:effectRef>
+          <a:fontRef idx="minor">
+            <a:schemeClr val="tx1"/>
+          </a:fontRef>
+        </p:style>
+      </p:cxnSp>
+      <p:cxnSp>
+        <p:nvCxnSpPr>
+          <p:cNvPr id="29" name="直接连接符 28">
+            <a:extLst>
+              <a:ext uri="{FF2B5EF4-FFF2-40B4-BE49-F238E27FC236}">
+                <a16:creationId xmlns:a16="http://schemas.microsoft.com/office/drawing/2014/main" id="{92ACA46A-F71F-4186-AE95-6B6FCC240A8C}"/>
+              </a:ext>
+            </a:extLst>
+          </p:cNvPr>
+          <p:cNvCxnSpPr>
+            <a:cxnSpLocks/>
+          </p:cNvCxnSpPr>
+          <p:nvPr/>
+        </p:nvCxnSpPr>
+        <p:spPr>
+          <a:xfrm>
+            <a:off x="7712703" y="2550399"/>
+            <a:ext cx="0" cy="912765"/>
+          </a:xfrm>
+          <a:prstGeom prst="line">
+            <a:avLst/>
+          </a:prstGeom>
+        </p:spPr>
+        <p:style>
+          <a:lnRef idx="1">
+            <a:schemeClr val="accent1"/>
+          </a:lnRef>
+          <a:fillRef idx="0">
+            <a:schemeClr val="accent1"/>
+          </a:fillRef>
+          <a:effectRef idx="0">
+            <a:schemeClr val="accent1"/>
+          </a:effectRef>
+          <a:fontRef idx="minor">
+            <a:schemeClr val="tx1"/>
+          </a:fontRef>
+        </p:style>
+      </p:cxnSp>
+    </p:spTree>
+    <p:extLst>
+      <p:ext uri="{BB962C8B-B14F-4D97-AF65-F5344CB8AC3E}">
+        <p14:creationId xmlns:p14="http://schemas.microsoft.com/office/powerpoint/2010/main" val="3036138030"/>
+      </p:ext>
+    </p:extLst>
+  </p:cSld>
+  <p:clrMapOvr>
+    <a:masterClrMapping/>
+  </p:clrMapOvr>
+</p:sld>
+</file>
+
+<file path=ppt/slides/slide18.xml><?xml version="1.0" encoding="utf-8"?>
+<p:sld xmlns:a="http://schemas.openxmlformats.org/drawingml/2006/main" xmlns:r="http://schemas.openxmlformats.org/officeDocument/2006/relationships" xmlns:p="http://schemas.openxmlformats.org/presentationml/2006/main">
+  <p:cSld>
+    <p:spTree>
+      <p:nvGrpSpPr>
+        <p:cNvPr id="1" name=""/>
+        <p:cNvGrpSpPr/>
+        <p:nvPr/>
+      </p:nvGrpSpPr>
+      <p:grpSpPr>
+        <a:xfrm>
+          <a:off x="0" y="0"/>
+          <a:ext cx="0" cy="0"/>
+          <a:chOff x="0" y="0"/>
+          <a:chExt cx="0" cy="0"/>
+        </a:xfrm>
+      </p:grpSpPr>
+      <p:sp>
+        <p:nvSpPr>
+          <p:cNvPr id="4" name="矩形 3">
+            <a:extLst>
+              <a:ext uri="{FF2B5EF4-FFF2-40B4-BE49-F238E27FC236}">
+                <a16:creationId xmlns:a16="http://schemas.microsoft.com/office/drawing/2014/main" id="{60E9B3C8-6BD8-4393-94A3-9A6D463ED412}"/>
+              </a:ext>
+            </a:extLst>
+          </p:cNvPr>
+          <p:cNvSpPr/>
+          <p:nvPr/>
+        </p:nvSpPr>
+        <p:spPr>
+          <a:xfrm>
+            <a:off x="845271" y="942680"/>
+            <a:ext cx="1945064" cy="546755"/>
+          </a:xfrm>
+          <a:prstGeom prst="rect">
+            <a:avLst/>
+          </a:prstGeom>
+        </p:spPr>
+        <p:style>
+          <a:lnRef idx="2">
+            <a:schemeClr val="accent1">
+              <a:shade val="50000"/>
+            </a:schemeClr>
+          </a:lnRef>
+          <a:fillRef idx="1">
+            <a:schemeClr val="accent1"/>
+          </a:fillRef>
+          <a:effectRef idx="0">
+            <a:schemeClr val="accent1"/>
+          </a:effectRef>
+          <a:fontRef idx="minor">
+            <a:schemeClr val="lt1"/>
+          </a:fontRef>
+        </p:style>
+        <p:txBody>
+          <a:bodyPr rtlCol="0" anchor="ctr"/>
+          <a:lstStyle/>
+          <a:p>
+            <a:pPr algn="ctr"/>
+            <a:endParaRPr lang="zh-CN" altLang="en-US"/>
+          </a:p>
+        </p:txBody>
+      </p:sp>
+      <p:sp>
+        <p:nvSpPr>
+          <p:cNvPr id="5" name="矩形 4">
+            <a:extLst>
+              <a:ext uri="{FF2B5EF4-FFF2-40B4-BE49-F238E27FC236}">
+                <a16:creationId xmlns:a16="http://schemas.microsoft.com/office/drawing/2014/main" id="{863DBB06-DB28-49C1-A834-6BE2761A5612}"/>
+              </a:ext>
+            </a:extLst>
+          </p:cNvPr>
+          <p:cNvSpPr/>
+          <p:nvPr/>
+        </p:nvSpPr>
+        <p:spPr>
+          <a:xfrm>
+            <a:off x="2790335" y="2433686"/>
+            <a:ext cx="1640263" cy="546755"/>
+          </a:xfrm>
+          <a:prstGeom prst="rect">
+            <a:avLst/>
+          </a:prstGeom>
+        </p:spPr>
+        <p:style>
+          <a:lnRef idx="2">
+            <a:schemeClr val="accent1">
+              <a:shade val="50000"/>
+            </a:schemeClr>
+          </a:lnRef>
+          <a:fillRef idx="1">
+            <a:schemeClr val="accent1"/>
+          </a:fillRef>
+          <a:effectRef idx="0">
+            <a:schemeClr val="accent1"/>
+          </a:effectRef>
+          <a:fontRef idx="minor">
+            <a:schemeClr val="lt1"/>
+          </a:fontRef>
+        </p:style>
+        <p:txBody>
+          <a:bodyPr rtlCol="0" anchor="ctr"/>
+          <a:lstStyle/>
+          <a:p>
+            <a:pPr algn="ctr"/>
+            <a:endParaRPr lang="zh-CN" altLang="en-US"/>
+          </a:p>
+        </p:txBody>
+      </p:sp>
+      <p:sp>
+        <p:nvSpPr>
+          <p:cNvPr id="6" name="矩形 5">
+            <a:extLst>
+              <a:ext uri="{FF2B5EF4-FFF2-40B4-BE49-F238E27FC236}">
+                <a16:creationId xmlns:a16="http://schemas.microsoft.com/office/drawing/2014/main" id="{EC4DA6C3-B347-432F-B7DD-84238EA79F06}"/>
+              </a:ext>
+            </a:extLst>
+          </p:cNvPr>
+          <p:cNvSpPr/>
+          <p:nvPr/>
+        </p:nvSpPr>
+        <p:spPr>
+          <a:xfrm>
+            <a:off x="4430599" y="3924692"/>
+            <a:ext cx="1665402" cy="546755"/>
+          </a:xfrm>
+          <a:prstGeom prst="rect">
+            <a:avLst/>
+          </a:prstGeom>
+        </p:spPr>
+        <p:style>
+          <a:lnRef idx="2">
+            <a:schemeClr val="accent1">
+              <a:shade val="50000"/>
+            </a:schemeClr>
+          </a:lnRef>
+          <a:fillRef idx="1">
+            <a:schemeClr val="accent1"/>
+          </a:fillRef>
+          <a:effectRef idx="0">
+            <a:schemeClr val="accent1"/>
+          </a:effectRef>
+          <a:fontRef idx="minor">
+            <a:schemeClr val="lt1"/>
+          </a:fontRef>
+        </p:style>
+        <p:txBody>
+          <a:bodyPr rtlCol="0" anchor="ctr"/>
+          <a:lstStyle/>
+          <a:p>
+            <a:pPr algn="ctr"/>
+            <a:endParaRPr lang="zh-CN" altLang="en-US"/>
+          </a:p>
+        </p:txBody>
+      </p:sp>
+      <p:sp>
+        <p:nvSpPr>
+          <p:cNvPr id="7" name="文本框 6">
+            <a:extLst>
+              <a:ext uri="{FF2B5EF4-FFF2-40B4-BE49-F238E27FC236}">
+                <a16:creationId xmlns:a16="http://schemas.microsoft.com/office/drawing/2014/main" id="{F2249986-08A6-4DA2-8C91-AA2F95A2A793}"/>
+              </a:ext>
+            </a:extLst>
+          </p:cNvPr>
+          <p:cNvSpPr txBox="1"/>
+          <p:nvPr/>
+        </p:nvSpPr>
+        <p:spPr>
+          <a:xfrm>
+            <a:off x="51463" y="1031391"/>
+            <a:ext cx="793807" cy="369332"/>
+          </a:xfrm>
+          <a:prstGeom prst="rect">
+            <a:avLst/>
+          </a:prstGeom>
+          <a:noFill/>
+        </p:spPr>
+        <p:txBody>
+          <a:bodyPr wrap="none" rtlCol="0">
+            <a:spAutoFit/>
+          </a:bodyPr>
+          <a:lstStyle/>
+          <a:p>
+            <a:r>
+              <a:rPr lang="en-US" altLang="zh-CN"/>
+              <a:t>A</a:t>
+            </a:r>
+            <a:r>
+              <a:rPr lang="zh-CN" altLang="en-US"/>
+              <a:t>线程</a:t>
+            </a:r>
+          </a:p>
+        </p:txBody>
+      </p:sp>
+      <p:sp>
+        <p:nvSpPr>
+          <p:cNvPr id="8" name="文本框 7">
+            <a:extLst>
+              <a:ext uri="{FF2B5EF4-FFF2-40B4-BE49-F238E27FC236}">
+                <a16:creationId xmlns:a16="http://schemas.microsoft.com/office/drawing/2014/main" id="{32201ADD-D0DA-4FD1-920C-7426DA0F2B99}"/>
+              </a:ext>
+            </a:extLst>
+          </p:cNvPr>
+          <p:cNvSpPr txBox="1"/>
+          <p:nvPr/>
+        </p:nvSpPr>
+        <p:spPr>
+          <a:xfrm>
+            <a:off x="51463" y="2515747"/>
+            <a:ext cx="774571" cy="369332"/>
+          </a:xfrm>
+          <a:prstGeom prst="rect">
+            <a:avLst/>
+          </a:prstGeom>
+          <a:noFill/>
+        </p:spPr>
+        <p:txBody>
+          <a:bodyPr wrap="none" rtlCol="0">
+            <a:spAutoFit/>
+          </a:bodyPr>
+          <a:lstStyle/>
+          <a:p>
+            <a:r>
+              <a:rPr lang="en-US" altLang="zh-CN"/>
+              <a:t>B</a:t>
+            </a:r>
+            <a:r>
+              <a:rPr lang="zh-CN" altLang="en-US"/>
+              <a:t>线程</a:t>
+            </a:r>
+          </a:p>
+        </p:txBody>
+      </p:sp>
+      <p:sp>
+        <p:nvSpPr>
+          <p:cNvPr id="9" name="文本框 8">
+            <a:extLst>
+              <a:ext uri="{FF2B5EF4-FFF2-40B4-BE49-F238E27FC236}">
+                <a16:creationId xmlns:a16="http://schemas.microsoft.com/office/drawing/2014/main" id="{404D12CC-5693-4294-8820-A651983F8127}"/>
+              </a:ext>
+            </a:extLst>
+          </p:cNvPr>
+          <p:cNvSpPr txBox="1"/>
+          <p:nvPr/>
+        </p:nvSpPr>
+        <p:spPr>
+          <a:xfrm>
+            <a:off x="76601" y="4000103"/>
+            <a:ext cx="788999" cy="369332"/>
+          </a:xfrm>
+          <a:prstGeom prst="rect">
+            <a:avLst/>
+          </a:prstGeom>
+          <a:noFill/>
+        </p:spPr>
+        <p:txBody>
+          <a:bodyPr wrap="none" rtlCol="0">
+            <a:spAutoFit/>
+          </a:bodyPr>
+          <a:lstStyle/>
+          <a:p>
+            <a:r>
+              <a:rPr lang="en-US" altLang="zh-CN"/>
+              <a:t>C</a:t>
+            </a:r>
+            <a:r>
+              <a:rPr lang="zh-CN" altLang="en-US"/>
+              <a:t>线程</a:t>
+            </a:r>
+          </a:p>
+        </p:txBody>
+      </p:sp>
+      <p:cxnSp>
+        <p:nvCxnSpPr>
+          <p:cNvPr id="13" name="直接箭头连接符 12">
+            <a:extLst>
+              <a:ext uri="{FF2B5EF4-FFF2-40B4-BE49-F238E27FC236}">
+                <a16:creationId xmlns:a16="http://schemas.microsoft.com/office/drawing/2014/main" id="{65EA64E6-184B-4898-9A92-DC4AE42A11D8}"/>
+              </a:ext>
+            </a:extLst>
+          </p:cNvPr>
+          <p:cNvCxnSpPr/>
+          <p:nvPr/>
+        </p:nvCxnSpPr>
+        <p:spPr>
+          <a:xfrm>
+            <a:off x="2790335" y="1555423"/>
+            <a:ext cx="0" cy="801278"/>
+          </a:xfrm>
+          <a:prstGeom prst="straightConnector1">
+            <a:avLst/>
+          </a:prstGeom>
+          <a:ln>
+            <a:tailEnd type="triangle"/>
+          </a:ln>
+        </p:spPr>
+        <p:style>
+          <a:lnRef idx="1">
+            <a:schemeClr val="accent1"/>
+          </a:lnRef>
+          <a:fillRef idx="0">
+            <a:schemeClr val="accent1"/>
+          </a:fillRef>
+          <a:effectRef idx="0">
+            <a:schemeClr val="accent1"/>
+          </a:effectRef>
+          <a:fontRef idx="minor">
+            <a:schemeClr val="tx1"/>
+          </a:fontRef>
+        </p:style>
+      </p:cxnSp>
+    </p:spTree>
+    <p:extLst>
+      <p:ext uri="{BB962C8B-B14F-4D97-AF65-F5344CB8AC3E}">
+        <p14:creationId xmlns:p14="http://schemas.microsoft.com/office/powerpoint/2010/main" val="2773572338"/>
       </p:ext>
     </p:extLst>
   </p:cSld>
@@ -21082,10 +22759,10 @@
       </p:grpSpPr>
       <p:sp>
         <p:nvSpPr>
-          <p:cNvPr id="24" name="矩形 23">
-            <a:extLst>
-              <a:ext uri="{FF2B5EF4-FFF2-40B4-BE49-F238E27FC236}">
-                <a16:creationId xmlns:a16="http://schemas.microsoft.com/office/drawing/2014/main" id="{3AF3787C-05BC-4EAF-8B64-EE42153C2F29}"/>
+          <p:cNvPr id="39" name="矩形: 圆角 38">
+            <a:extLst>
+              <a:ext uri="{FF2B5EF4-FFF2-40B4-BE49-F238E27FC236}">
+                <a16:creationId xmlns:a16="http://schemas.microsoft.com/office/drawing/2014/main" id="{26E14A1A-B655-4427-8B99-F07E20A9222F}"/>
               </a:ext>
             </a:extLst>
           </p:cNvPr>
@@ -21094,10 +22771,10 @@
         </p:nvSpPr>
         <p:spPr>
           <a:xfrm>
-            <a:off x="741680" y="4012010"/>
-            <a:ext cx="2733040" cy="1788160"/>
-          </a:xfrm>
-          <a:prstGeom prst="rect">
+            <a:off x="311085" y="1093509"/>
+            <a:ext cx="11642103" cy="5533534"/>
+          </a:xfrm>
+          <a:prstGeom prst="roundRect">
             <a:avLst/>
           </a:prstGeom>
         </p:spPr>
@@ -21128,10 +22805,10 @@
       </p:sp>
       <p:sp>
         <p:nvSpPr>
-          <p:cNvPr id="4" name="矩形 3">
-            <a:extLst>
-              <a:ext uri="{FF2B5EF4-FFF2-40B4-BE49-F238E27FC236}">
-                <a16:creationId xmlns:a16="http://schemas.microsoft.com/office/drawing/2014/main" id="{FD676D28-2811-4111-9624-5E3F07E635E2}"/>
+          <p:cNvPr id="24" name="矩形 23">
+            <a:extLst>
+              <a:ext uri="{FF2B5EF4-FFF2-40B4-BE49-F238E27FC236}">
+                <a16:creationId xmlns:a16="http://schemas.microsoft.com/office/drawing/2014/main" id="{3AF3787C-05BC-4EAF-8B64-EE42153C2F29}"/>
               </a:ext>
             </a:extLst>
           </p:cNvPr>
@@ -21140,8 +22817,8 @@
         </p:nvSpPr>
         <p:spPr>
           <a:xfrm>
-            <a:off x="924560" y="1960880"/>
-            <a:ext cx="9743440" cy="1788160"/>
+            <a:off x="7531283" y="1568690"/>
+            <a:ext cx="3952868" cy="2189441"/>
           </a:xfrm>
           <a:prstGeom prst="rect">
             <a:avLst/>
@@ -21174,80 +22851,10 @@
       </p:sp>
       <p:sp>
         <p:nvSpPr>
-          <p:cNvPr id="6" name="文本框 5">
-            <a:extLst>
-              <a:ext uri="{FF2B5EF4-FFF2-40B4-BE49-F238E27FC236}">
-                <a16:creationId xmlns:a16="http://schemas.microsoft.com/office/drawing/2014/main" id="{BEE20466-6A0E-4E50-BBDD-207A6CB97FD8}"/>
-              </a:ext>
-            </a:extLst>
-          </p:cNvPr>
-          <p:cNvSpPr txBox="1"/>
-          <p:nvPr/>
-        </p:nvSpPr>
-        <p:spPr>
-          <a:xfrm>
-            <a:off x="5151120" y="3801348"/>
-            <a:ext cx="1503680" cy="369332"/>
-          </a:xfrm>
-          <a:prstGeom prst="rect">
-            <a:avLst/>
-          </a:prstGeom>
-          <a:noFill/>
-        </p:spPr>
-        <p:txBody>
-          <a:bodyPr wrap="square">
-            <a:spAutoFit/>
-          </a:bodyPr>
-          <a:lstStyle/>
-          <a:p>
-            <a:r>
-              <a:rPr lang="zh-CN" altLang="en-US"/>
-              <a:t>ProcessState</a:t>
-            </a:r>
-          </a:p>
-        </p:txBody>
-      </p:sp>
-      <p:sp>
-        <p:nvSpPr>
-          <p:cNvPr id="8" name="文本框 7">
-            <a:extLst>
-              <a:ext uri="{FF2B5EF4-FFF2-40B4-BE49-F238E27FC236}">
-                <a16:creationId xmlns:a16="http://schemas.microsoft.com/office/drawing/2014/main" id="{B09369D1-C0B4-4152-945D-6C13C24D6167}"/>
-              </a:ext>
-            </a:extLst>
-          </p:cNvPr>
-          <p:cNvSpPr txBox="1"/>
-          <p:nvPr/>
-        </p:nvSpPr>
-        <p:spPr>
-          <a:xfrm>
-            <a:off x="4693920" y="3142734"/>
-            <a:ext cx="2204720" cy="369332"/>
-          </a:xfrm>
-          <a:prstGeom prst="rect">
-            <a:avLst/>
-          </a:prstGeom>
-          <a:noFill/>
-        </p:spPr>
-        <p:txBody>
-          <a:bodyPr wrap="square">
-            <a:spAutoFit/>
-          </a:bodyPr>
-          <a:lstStyle/>
-          <a:p>
-            <a:r>
-              <a:rPr lang="zh-CN" altLang="en-US"/>
-              <a:t>mHandleToObject</a:t>
-            </a:r>
-          </a:p>
-        </p:txBody>
-      </p:sp>
-      <p:sp>
-        <p:nvSpPr>
-          <p:cNvPr id="9" name="矩形 8">
-            <a:extLst>
-              <a:ext uri="{FF2B5EF4-FFF2-40B4-BE49-F238E27FC236}">
-                <a16:creationId xmlns:a16="http://schemas.microsoft.com/office/drawing/2014/main" id="{A882D2E5-CEB7-4EF8-A96C-1FD6D4E51871}"/>
+          <p:cNvPr id="4" name="矩形 3">
+            <a:extLst>
+              <a:ext uri="{FF2B5EF4-FFF2-40B4-BE49-F238E27FC236}">
+                <a16:creationId xmlns:a16="http://schemas.microsoft.com/office/drawing/2014/main" id="{FD676D28-2811-4111-9624-5E3F07E635E2}"/>
               </a:ext>
             </a:extLst>
           </p:cNvPr>
@@ -21256,8 +22863,8 @@
         </p:nvSpPr>
         <p:spPr>
           <a:xfrm>
-            <a:off x="1656080" y="2346960"/>
-            <a:ext cx="1818640" cy="558800"/>
+            <a:off x="924560" y="1960879"/>
+            <a:ext cx="3213807" cy="3400223"/>
           </a:xfrm>
           <a:prstGeom prst="rect">
             <a:avLst/>
@@ -21284,20 +22891,86 @@
           <a:lstStyle/>
           <a:p>
             <a:pPr algn="ctr"/>
-            <a:r>
-              <a:rPr lang="en-US" altLang="zh-CN"/>
-              <a:t>handle_entry</a:t>
-            </a:r>
             <a:endParaRPr lang="zh-CN" altLang="en-US"/>
           </a:p>
         </p:txBody>
       </p:sp>
       <p:sp>
         <p:nvSpPr>
-          <p:cNvPr id="12" name="矩形 11">
-            <a:extLst>
-              <a:ext uri="{FF2B5EF4-FFF2-40B4-BE49-F238E27FC236}">
-                <a16:creationId xmlns:a16="http://schemas.microsoft.com/office/drawing/2014/main" id="{E7F99ECD-CF6D-4AFC-AEE9-C010289B9090}"/>
+          <p:cNvPr id="6" name="文本框 5">
+            <a:extLst>
+              <a:ext uri="{FF2B5EF4-FFF2-40B4-BE49-F238E27FC236}">
+                <a16:creationId xmlns:a16="http://schemas.microsoft.com/office/drawing/2014/main" id="{BEE20466-6A0E-4E50-BBDD-207A6CB97FD8}"/>
+              </a:ext>
+            </a:extLst>
+          </p:cNvPr>
+          <p:cNvSpPr txBox="1"/>
+          <p:nvPr/>
+        </p:nvSpPr>
+        <p:spPr>
+          <a:xfrm>
+            <a:off x="1813560" y="5562516"/>
+            <a:ext cx="1503680" cy="369332"/>
+          </a:xfrm>
+          <a:prstGeom prst="rect">
+            <a:avLst/>
+          </a:prstGeom>
+          <a:noFill/>
+        </p:spPr>
+        <p:txBody>
+          <a:bodyPr wrap="square">
+            <a:spAutoFit/>
+          </a:bodyPr>
+          <a:lstStyle/>
+          <a:p>
+            <a:r>
+              <a:rPr lang="zh-CN" altLang="en-US"/>
+              <a:t>ProcessState</a:t>
+            </a:r>
+          </a:p>
+        </p:txBody>
+      </p:sp>
+      <p:sp>
+        <p:nvSpPr>
+          <p:cNvPr id="8" name="文本框 7">
+            <a:extLst>
+              <a:ext uri="{FF2B5EF4-FFF2-40B4-BE49-F238E27FC236}">
+                <a16:creationId xmlns:a16="http://schemas.microsoft.com/office/drawing/2014/main" id="{B09369D1-C0B4-4152-945D-6C13C24D6167}"/>
+              </a:ext>
+            </a:extLst>
+          </p:cNvPr>
+          <p:cNvSpPr txBox="1"/>
+          <p:nvPr/>
+        </p:nvSpPr>
+        <p:spPr>
+          <a:xfrm>
+            <a:off x="1463040" y="1491139"/>
+            <a:ext cx="2204720" cy="369332"/>
+          </a:xfrm>
+          <a:prstGeom prst="rect">
+            <a:avLst/>
+          </a:prstGeom>
+          <a:noFill/>
+        </p:spPr>
+        <p:txBody>
+          <a:bodyPr wrap="square">
+            <a:spAutoFit/>
+          </a:bodyPr>
+          <a:lstStyle/>
+          <a:p>
+            <a:r>
+              <a:rPr lang="zh-CN" altLang="en-US"/>
+              <a:t>mHandleToObject</a:t>
+            </a:r>
+          </a:p>
+        </p:txBody>
+      </p:sp>
+      <p:sp>
+        <p:nvSpPr>
+          <p:cNvPr id="9" name="矩形 8">
+            <a:extLst>
+              <a:ext uri="{FF2B5EF4-FFF2-40B4-BE49-F238E27FC236}">
+                <a16:creationId xmlns:a16="http://schemas.microsoft.com/office/drawing/2014/main" id="{A882D2E5-CEB7-4EF8-A96C-1FD6D4E51871}"/>
               </a:ext>
             </a:extLst>
           </p:cNvPr>
@@ -21306,8 +22979,8 @@
         </p:nvSpPr>
         <p:spPr>
           <a:xfrm>
-            <a:off x="3477259" y="2346960"/>
-            <a:ext cx="1818640" cy="558800"/>
+            <a:off x="1656080" y="2346959"/>
+            <a:ext cx="1818640" cy="1225799"/>
           </a:xfrm>
           <a:prstGeom prst="rect">
             <a:avLst/>
@@ -21334,73 +23007,16 @@
           <a:lstStyle/>
           <a:p>
             <a:pPr algn="ctr"/>
-            <a:r>
-              <a:rPr lang="en-US" altLang="zh-CN" sz="2800"/>
-              <a:t>…</a:t>
-            </a:r>
-            <a:endParaRPr lang="zh-CN" altLang="en-US" sz="2800"/>
-          </a:p>
-        </p:txBody>
-      </p:sp>
-      <p:sp>
-        <p:nvSpPr>
-          <p:cNvPr id="14" name="文本框 13">
-            <a:extLst>
-              <a:ext uri="{FF2B5EF4-FFF2-40B4-BE49-F238E27FC236}">
-                <a16:creationId xmlns:a16="http://schemas.microsoft.com/office/drawing/2014/main" id="{BA61AA49-3412-42B2-9B87-90AE309E0785}"/>
-              </a:ext>
-            </a:extLst>
-          </p:cNvPr>
-          <p:cNvSpPr txBox="1"/>
-          <p:nvPr/>
-        </p:nvSpPr>
-        <p:spPr>
-          <a:xfrm>
-            <a:off x="7914640" y="384631"/>
-            <a:ext cx="3423920" cy="1077218"/>
-          </a:xfrm>
-          <a:prstGeom prst="rect">
-            <a:avLst/>
-          </a:prstGeom>
-          <a:noFill/>
-        </p:spPr>
-        <p:txBody>
-          <a:bodyPr wrap="square">
-            <a:spAutoFit/>
-          </a:bodyPr>
-          <a:lstStyle/>
-          <a:p>
-            <a:r>
-              <a:rPr lang="zh-CN" altLang="en-US" sz="1600"/>
-              <a:t>struct handle_entry {</a:t>
-            </a:r>
-          </a:p>
-          <a:p>
-            <a:r>
-              <a:rPr lang="zh-CN" altLang="en-US" sz="1600"/>
-              <a:t>    IBinder* binder;</a:t>
-            </a:r>
-          </a:p>
-          <a:p>
-            <a:r>
-              <a:rPr lang="zh-CN" altLang="en-US" sz="1600"/>
-              <a:t>    RefBase::weakref_type* refs;</a:t>
-            </a:r>
-          </a:p>
-          <a:p>
-            <a:r>
-              <a:rPr lang="zh-CN" altLang="en-US" sz="1600"/>
-              <a:t>};</a:t>
-            </a:r>
-          </a:p>
-        </p:txBody>
-      </p:sp>
-      <p:sp>
-        <p:nvSpPr>
-          <p:cNvPr id="17" name="矩形 16">
-            <a:extLst>
-              <a:ext uri="{FF2B5EF4-FFF2-40B4-BE49-F238E27FC236}">
-                <a16:creationId xmlns:a16="http://schemas.microsoft.com/office/drawing/2014/main" id="{2ED28A46-A071-4846-B3DC-C7D81ACDB21A}"/>
+            <a:endParaRPr lang="zh-CN" altLang="en-US"/>
+          </a:p>
+        </p:txBody>
+      </p:sp>
+      <p:sp>
+        <p:nvSpPr>
+          <p:cNvPr id="12" name="矩形 11">
+            <a:extLst>
+              <a:ext uri="{FF2B5EF4-FFF2-40B4-BE49-F238E27FC236}">
+                <a16:creationId xmlns:a16="http://schemas.microsoft.com/office/drawing/2014/main" id="{E7F99ECD-CF6D-4AFC-AEE9-C010289B9090}"/>
               </a:ext>
             </a:extLst>
           </p:cNvPr>
@@ -21409,8 +23025,8 @@
         </p:nvSpPr>
         <p:spPr>
           <a:xfrm>
-            <a:off x="1082040" y="4248071"/>
-            <a:ext cx="2001520" cy="660400"/>
+            <a:off x="1656080" y="3572758"/>
+            <a:ext cx="1818640" cy="1225798"/>
           </a:xfrm>
           <a:prstGeom prst="rect">
             <a:avLst/>
@@ -21438,18 +23054,72 @@
           <a:p>
             <a:pPr algn="ctr"/>
             <a:r>
-              <a:rPr lang="zh-CN" altLang="en-US"/>
-              <a:t>BpBinder</a:t>
-            </a:r>
-          </a:p>
-        </p:txBody>
-      </p:sp>
-      <p:sp>
-        <p:nvSpPr>
-          <p:cNvPr id="19" name="矩形 18">
-            <a:extLst>
-              <a:ext uri="{FF2B5EF4-FFF2-40B4-BE49-F238E27FC236}">
-                <a16:creationId xmlns:a16="http://schemas.microsoft.com/office/drawing/2014/main" id="{D811FCCC-5665-4C81-BA7D-F00DC8B44285}"/>
+              <a:rPr lang="en-US" altLang="zh-CN" sz="2800"/>
+              <a:t>…</a:t>
+            </a:r>
+            <a:endParaRPr lang="zh-CN" altLang="en-US" sz="2800"/>
+          </a:p>
+        </p:txBody>
+      </p:sp>
+      <p:sp>
+        <p:nvSpPr>
+          <p:cNvPr id="14" name="文本框 13">
+            <a:extLst>
+              <a:ext uri="{FF2B5EF4-FFF2-40B4-BE49-F238E27FC236}">
+                <a16:creationId xmlns:a16="http://schemas.microsoft.com/office/drawing/2014/main" id="{BA61AA49-3412-42B2-9B87-90AE309E0785}"/>
+              </a:ext>
+            </a:extLst>
+          </p:cNvPr>
+          <p:cNvSpPr txBox="1"/>
+          <p:nvPr/>
+        </p:nvSpPr>
+        <p:spPr>
+          <a:xfrm>
+            <a:off x="7789578" y="57754"/>
+            <a:ext cx="3423920" cy="1077218"/>
+          </a:xfrm>
+          <a:prstGeom prst="rect">
+            <a:avLst/>
+          </a:prstGeom>
+          <a:noFill/>
+        </p:spPr>
+        <p:txBody>
+          <a:bodyPr wrap="square">
+            <a:spAutoFit/>
+          </a:bodyPr>
+          <a:lstStyle/>
+          <a:p>
+            <a:r>
+              <a:rPr lang="zh-CN" altLang="en-US" sz="1600"/>
+              <a:t>struct handle_entry {</a:t>
+            </a:r>
+          </a:p>
+          <a:p>
+            <a:r>
+              <a:rPr lang="zh-CN" altLang="en-US" sz="1600"/>
+              <a:t>    IBinder* binder;</a:t>
+            </a:r>
+          </a:p>
+          <a:p>
+            <a:r>
+              <a:rPr lang="zh-CN" altLang="en-US" sz="1600"/>
+              <a:t>    RefBase::weakref_type* refs;</a:t>
+            </a:r>
+          </a:p>
+          <a:p>
+            <a:r>
+              <a:rPr lang="zh-CN" altLang="en-US" sz="1600"/>
+              <a:t>};</a:t>
+            </a:r>
+          </a:p>
+        </p:txBody>
+      </p:sp>
+      <p:sp>
+        <p:nvSpPr>
+          <p:cNvPr id="17" name="矩形 16">
+            <a:extLst>
+              <a:ext uri="{FF2B5EF4-FFF2-40B4-BE49-F238E27FC236}">
+                <a16:creationId xmlns:a16="http://schemas.microsoft.com/office/drawing/2014/main" id="{2ED28A46-A071-4846-B3DC-C7D81ACDB21A}"/>
               </a:ext>
             </a:extLst>
           </p:cNvPr>
@@ -21458,8 +23128,8 @@
         </p:nvSpPr>
         <p:spPr>
           <a:xfrm>
-            <a:off x="3667761" y="4245690"/>
-            <a:ext cx="2001520" cy="660400"/>
+            <a:off x="7965911" y="1969591"/>
+            <a:ext cx="3141168" cy="1637711"/>
           </a:xfrm>
           <a:prstGeom prst="rect">
             <a:avLst/>
@@ -21487,10 +23157,9 @@
           <a:p>
             <a:pPr algn="ctr"/>
             <a:r>
-              <a:rPr lang="en-US" altLang="zh-CN"/>
-              <a:t>…</a:t>
-            </a:r>
-            <a:endParaRPr lang="zh-CN" altLang="en-US"/>
+              <a:rPr lang="zh-CN" altLang="en-US"/>
+              <a:t>BpBinder</a:t>
+            </a:r>
           </a:p>
         </p:txBody>
       </p:sp>
@@ -21505,17 +23174,19 @@
           </p:cNvPr>
           <p:cNvCxnSpPr>
             <a:cxnSpLocks/>
-            <a:endCxn id="17" idx="0"/>
+            <a:stCxn id="3" idx="3"/>
           </p:cNvCxnSpPr>
           <p:nvPr/>
         </p:nvCxnSpPr>
         <p:spPr>
-          <a:xfrm rot="5400000">
-            <a:off x="1636436" y="3352127"/>
-            <a:ext cx="1342309" cy="449579"/>
+          <a:xfrm>
+            <a:off x="3106498" y="2762747"/>
+            <a:ext cx="4808142" cy="12700"/>
           </a:xfrm>
           <a:prstGeom prst="bentConnector3">
-            <a:avLst/>
+            <a:avLst>
+              <a:gd name="adj1" fmla="val 50000"/>
+            </a:avLst>
           </a:prstGeom>
           <a:ln>
             <a:tailEnd type="triangle"/>
@@ -21550,7 +23221,7 @@
         </p:nvSpPr>
         <p:spPr>
           <a:xfrm>
-            <a:off x="970280" y="5165766"/>
+            <a:off x="8479855" y="3940003"/>
             <a:ext cx="2113280" cy="369332"/>
           </a:xfrm>
           <a:prstGeom prst="rect">
@@ -21567,6 +23238,357 @@
             <a:r>
               <a:rPr lang="zh-CN" altLang="en-US"/>
               <a:t>BpServiceManager</a:t>
+            </a:r>
+          </a:p>
+        </p:txBody>
+      </p:sp>
+      <p:sp>
+        <p:nvSpPr>
+          <p:cNvPr id="15" name="文本框 14">
+            <a:extLst>
+              <a:ext uri="{FF2B5EF4-FFF2-40B4-BE49-F238E27FC236}">
+                <a16:creationId xmlns:a16="http://schemas.microsoft.com/office/drawing/2014/main" id="{86B43CF8-7012-4D97-86D2-462871C4BF9B}"/>
+              </a:ext>
+            </a:extLst>
+          </p:cNvPr>
+          <p:cNvSpPr txBox="1"/>
+          <p:nvPr/>
+        </p:nvSpPr>
+        <p:spPr>
+          <a:xfrm>
+            <a:off x="978502" y="384631"/>
+            <a:ext cx="3848022" cy="338554"/>
+          </a:xfrm>
+          <a:prstGeom prst="rect">
+            <a:avLst/>
+          </a:prstGeom>
+          <a:noFill/>
+        </p:spPr>
+        <p:txBody>
+          <a:bodyPr wrap="square">
+            <a:spAutoFit/>
+          </a:bodyPr>
+          <a:lstStyle/>
+          <a:p>
+            <a:r>
+              <a:rPr lang="zh-CN" altLang="en-US" sz="1600"/>
+              <a:t>Vector&lt;handle_entry&gt;mHandleToObject;</a:t>
+            </a:r>
+          </a:p>
+        </p:txBody>
+      </p:sp>
+      <p:sp>
+        <p:nvSpPr>
+          <p:cNvPr id="3" name="矩形 2">
+            <a:extLst>
+              <a:ext uri="{FF2B5EF4-FFF2-40B4-BE49-F238E27FC236}">
+                <a16:creationId xmlns:a16="http://schemas.microsoft.com/office/drawing/2014/main" id="{7B2AE4A6-4D1B-4D19-91B8-B70716019FC4}"/>
+              </a:ext>
+            </a:extLst>
+          </p:cNvPr>
+          <p:cNvSpPr/>
+          <p:nvPr/>
+        </p:nvSpPr>
+        <p:spPr>
+          <a:xfrm>
+            <a:off x="1956428" y="2597647"/>
+            <a:ext cx="1150070" cy="330200"/>
+          </a:xfrm>
+          <a:prstGeom prst="rect">
+            <a:avLst/>
+          </a:prstGeom>
+        </p:spPr>
+        <p:style>
+          <a:lnRef idx="2">
+            <a:schemeClr val="accent1">
+              <a:shade val="50000"/>
+            </a:schemeClr>
+          </a:lnRef>
+          <a:fillRef idx="1">
+            <a:schemeClr val="accent1"/>
+          </a:fillRef>
+          <a:effectRef idx="0">
+            <a:schemeClr val="accent1"/>
+          </a:effectRef>
+          <a:fontRef idx="minor">
+            <a:schemeClr val="lt1"/>
+          </a:fontRef>
+        </p:style>
+        <p:txBody>
+          <a:bodyPr rtlCol="0" anchor="ctr"/>
+          <a:lstStyle/>
+          <a:p>
+            <a:pPr algn="ctr"/>
+            <a:r>
+              <a:rPr lang="zh-CN" altLang="en-US" sz="1800"/>
+              <a:t>binder</a:t>
+            </a:r>
+            <a:endParaRPr lang="zh-CN" altLang="en-US"/>
+          </a:p>
+        </p:txBody>
+      </p:sp>
+      <p:sp>
+        <p:nvSpPr>
+          <p:cNvPr id="16" name="矩形 15">
+            <a:extLst>
+              <a:ext uri="{FF2B5EF4-FFF2-40B4-BE49-F238E27FC236}">
+                <a16:creationId xmlns:a16="http://schemas.microsoft.com/office/drawing/2014/main" id="{FC2308F3-1E28-4AA6-9553-F83620425F43}"/>
+              </a:ext>
+            </a:extLst>
+          </p:cNvPr>
+          <p:cNvSpPr/>
+          <p:nvPr/>
+        </p:nvSpPr>
+        <p:spPr>
+          <a:xfrm>
+            <a:off x="1956428" y="2920102"/>
+            <a:ext cx="1150070" cy="330200"/>
+          </a:xfrm>
+          <a:prstGeom prst="rect">
+            <a:avLst/>
+          </a:prstGeom>
+        </p:spPr>
+        <p:style>
+          <a:lnRef idx="2">
+            <a:schemeClr val="accent1">
+              <a:shade val="50000"/>
+            </a:schemeClr>
+          </a:lnRef>
+          <a:fillRef idx="1">
+            <a:schemeClr val="accent1"/>
+          </a:fillRef>
+          <a:effectRef idx="0">
+            <a:schemeClr val="accent1"/>
+          </a:effectRef>
+          <a:fontRef idx="minor">
+            <a:schemeClr val="lt1"/>
+          </a:fontRef>
+        </p:style>
+        <p:txBody>
+          <a:bodyPr rtlCol="0" anchor="ctr"/>
+          <a:lstStyle/>
+          <a:p>
+            <a:pPr algn="ctr"/>
+            <a:r>
+              <a:rPr lang="zh-CN" altLang="en-US" sz="1800"/>
+              <a:t>refs</a:t>
+            </a:r>
+            <a:endParaRPr lang="zh-CN" altLang="en-US"/>
+          </a:p>
+        </p:txBody>
+      </p:sp>
+      <p:sp>
+        <p:nvSpPr>
+          <p:cNvPr id="20" name="矩形 19">
+            <a:extLst>
+              <a:ext uri="{FF2B5EF4-FFF2-40B4-BE49-F238E27FC236}">
+                <a16:creationId xmlns:a16="http://schemas.microsoft.com/office/drawing/2014/main" id="{8F6BB9DE-C815-4CFB-BB9A-589657176A29}"/>
+              </a:ext>
+            </a:extLst>
+          </p:cNvPr>
+          <p:cNvSpPr/>
+          <p:nvPr/>
+        </p:nvSpPr>
+        <p:spPr>
+          <a:xfrm>
+            <a:off x="8197391" y="3107682"/>
+            <a:ext cx="2620651" cy="322456"/>
+          </a:xfrm>
+          <a:prstGeom prst="rect">
+            <a:avLst/>
+          </a:prstGeom>
+        </p:spPr>
+        <p:style>
+          <a:lnRef idx="2">
+            <a:schemeClr val="accent1">
+              <a:shade val="50000"/>
+            </a:schemeClr>
+          </a:lnRef>
+          <a:fillRef idx="1">
+            <a:schemeClr val="accent1"/>
+          </a:fillRef>
+          <a:effectRef idx="0">
+            <a:schemeClr val="accent1"/>
+          </a:effectRef>
+          <a:fontRef idx="minor">
+            <a:schemeClr val="lt1"/>
+          </a:fontRef>
+        </p:style>
+        <p:txBody>
+          <a:bodyPr rtlCol="0" anchor="ctr"/>
+          <a:lstStyle/>
+          <a:p>
+            <a:pPr algn="ctr"/>
+            <a:r>
+              <a:rPr lang="en-US" altLang="zh-CN"/>
+              <a:t>weakref_impl mRefs</a:t>
+            </a:r>
+            <a:endParaRPr lang="zh-CN" altLang="en-US"/>
+          </a:p>
+        </p:txBody>
+      </p:sp>
+      <p:cxnSp>
+        <p:nvCxnSpPr>
+          <p:cNvPr id="29" name="连接符: 肘形 28">
+            <a:extLst>
+              <a:ext uri="{FF2B5EF4-FFF2-40B4-BE49-F238E27FC236}">
+                <a16:creationId xmlns:a16="http://schemas.microsoft.com/office/drawing/2014/main" id="{30C06852-D0A3-4FC6-9DF8-70E8E072EB2F}"/>
+              </a:ext>
+            </a:extLst>
+          </p:cNvPr>
+          <p:cNvCxnSpPr>
+            <a:cxnSpLocks/>
+            <a:stCxn id="16" idx="3"/>
+            <a:endCxn id="20" idx="1"/>
+          </p:cNvCxnSpPr>
+          <p:nvPr/>
+        </p:nvCxnSpPr>
+        <p:spPr>
+          <a:xfrm>
+            <a:off x="3106498" y="3085202"/>
+            <a:ext cx="5090893" cy="183708"/>
+          </a:xfrm>
+          <a:prstGeom prst="bentConnector3">
+            <a:avLst>
+              <a:gd name="adj1" fmla="val 50000"/>
+            </a:avLst>
+          </a:prstGeom>
+          <a:ln>
+            <a:tailEnd type="triangle"/>
+          </a:ln>
+        </p:spPr>
+        <p:style>
+          <a:lnRef idx="1">
+            <a:schemeClr val="accent1"/>
+          </a:lnRef>
+          <a:fillRef idx="0">
+            <a:schemeClr val="accent1"/>
+          </a:fillRef>
+          <a:effectRef idx="0">
+            <a:schemeClr val="accent1"/>
+          </a:effectRef>
+          <a:fontRef idx="minor">
+            <a:schemeClr val="tx1"/>
+          </a:fontRef>
+        </p:style>
+      </p:cxnSp>
+      <p:sp>
+        <p:nvSpPr>
+          <p:cNvPr id="31" name="文本框 30">
+            <a:extLst>
+              <a:ext uri="{FF2B5EF4-FFF2-40B4-BE49-F238E27FC236}">
+                <a16:creationId xmlns:a16="http://schemas.microsoft.com/office/drawing/2014/main" id="{5B5C554E-6FFB-40ED-B369-4E6CA2FC39B6}"/>
+              </a:ext>
+            </a:extLst>
+          </p:cNvPr>
+          <p:cNvSpPr txBox="1"/>
+          <p:nvPr/>
+        </p:nvSpPr>
+        <p:spPr>
+          <a:xfrm>
+            <a:off x="4226090" y="3388799"/>
+            <a:ext cx="3448380" cy="369332"/>
+          </a:xfrm>
+          <a:prstGeom prst="rect">
+            <a:avLst/>
+          </a:prstGeom>
+          <a:noFill/>
+        </p:spPr>
+        <p:txBody>
+          <a:bodyPr wrap="none" rtlCol="0">
+            <a:spAutoFit/>
+          </a:bodyPr>
+          <a:lstStyle/>
+          <a:p>
+            <a:r>
+              <a:rPr lang="zh-CN" altLang="en-US"/>
+              <a:t>指向</a:t>
+            </a:r>
+            <a:r>
+              <a:rPr lang="en-US" altLang="zh-CN"/>
+              <a:t>BpBinder</a:t>
+            </a:r>
+            <a:r>
+              <a:rPr lang="zh-CN" altLang="en-US"/>
+              <a:t>内部的弱引用地址</a:t>
+            </a:r>
+          </a:p>
+        </p:txBody>
+      </p:sp>
+      <p:sp>
+        <p:nvSpPr>
+          <p:cNvPr id="38" name="文本框 37">
+            <a:extLst>
+              <a:ext uri="{FF2B5EF4-FFF2-40B4-BE49-F238E27FC236}">
+                <a16:creationId xmlns:a16="http://schemas.microsoft.com/office/drawing/2014/main" id="{6921F5B2-CC5A-4A87-A79D-79B349FD77F1}"/>
+              </a:ext>
+            </a:extLst>
+          </p:cNvPr>
+          <p:cNvSpPr txBox="1"/>
+          <p:nvPr/>
+        </p:nvSpPr>
+        <p:spPr>
+          <a:xfrm>
+            <a:off x="4680594" y="2385795"/>
+            <a:ext cx="2467342" cy="369332"/>
+          </a:xfrm>
+          <a:prstGeom prst="rect">
+            <a:avLst/>
+          </a:prstGeom>
+          <a:noFill/>
+        </p:spPr>
+        <p:txBody>
+          <a:bodyPr wrap="none" rtlCol="0">
+            <a:spAutoFit/>
+          </a:bodyPr>
+          <a:lstStyle/>
+          <a:p>
+            <a:r>
+              <a:rPr lang="zh-CN" altLang="en-US"/>
+              <a:t>指向</a:t>
+            </a:r>
+            <a:r>
+              <a:rPr lang="en-US" altLang="zh-CN"/>
+              <a:t>BpBinder</a:t>
+            </a:r>
+            <a:r>
+              <a:rPr lang="zh-CN" altLang="en-US"/>
+              <a:t>对象地址</a:t>
+            </a:r>
+          </a:p>
+        </p:txBody>
+      </p:sp>
+      <p:sp>
+        <p:nvSpPr>
+          <p:cNvPr id="40" name="文本框 39">
+            <a:extLst>
+              <a:ext uri="{FF2B5EF4-FFF2-40B4-BE49-F238E27FC236}">
+                <a16:creationId xmlns:a16="http://schemas.microsoft.com/office/drawing/2014/main" id="{B9219791-FBF4-4D73-8800-14440EE390D2}"/>
+              </a:ext>
+            </a:extLst>
+          </p:cNvPr>
+          <p:cNvSpPr txBox="1"/>
+          <p:nvPr/>
+        </p:nvSpPr>
+        <p:spPr>
+          <a:xfrm>
+            <a:off x="5360267" y="6153659"/>
+            <a:ext cx="1107996" cy="369332"/>
+          </a:xfrm>
+          <a:prstGeom prst="rect">
+            <a:avLst/>
+          </a:prstGeom>
+          <a:noFill/>
+        </p:spPr>
+        <p:txBody>
+          <a:bodyPr wrap="none" rtlCol="0">
+            <a:spAutoFit/>
+          </a:bodyPr>
+          <a:lstStyle/>
+          <a:p>
+            <a:r>
+              <a:rPr lang="zh-CN" altLang="en-US"/>
+              <a:t>用户空间</a:t>
             </a:r>
           </a:p>
         </p:txBody>

--- a/android/binder/binder.pptx
+++ b/android/binder/binder.pptx
@@ -23,6 +23,9 @@
     <p:sldId id="277" r:id="rId17"/>
     <p:sldId id="278" r:id="rId18"/>
     <p:sldId id="279" r:id="rId19"/>
+    <p:sldId id="280" r:id="rId20"/>
+    <p:sldId id="281" r:id="rId21"/>
+    <p:sldId id="282" r:id="rId22"/>
   </p:sldIdLst>
   <p:sldSz cx="12192000" cy="6858000"/>
   <p:notesSz cx="6858000" cy="9144000"/>
@@ -276,7 +279,7 @@
           <a:p>
             <a:fld id="{94500C62-1B3F-4E84-BF94-3D5FB933429A}" type="datetimeFigureOut">
               <a:rPr lang="zh-CN" altLang="en-US" smtClean="0"/>
-              <a:t>2022/4/8</a:t>
+              <a:t>2022/4/18</a:t>
             </a:fld>
             <a:endParaRPr lang="zh-CN" altLang="en-US"/>
           </a:p>
@@ -474,7 +477,7 @@
           <a:p>
             <a:fld id="{94500C62-1B3F-4E84-BF94-3D5FB933429A}" type="datetimeFigureOut">
               <a:rPr lang="zh-CN" altLang="en-US" smtClean="0"/>
-              <a:t>2022/4/8</a:t>
+              <a:t>2022/4/18</a:t>
             </a:fld>
             <a:endParaRPr lang="zh-CN" altLang="en-US"/>
           </a:p>
@@ -682,7 +685,7 @@
           <a:p>
             <a:fld id="{94500C62-1B3F-4E84-BF94-3D5FB933429A}" type="datetimeFigureOut">
               <a:rPr lang="zh-CN" altLang="en-US" smtClean="0"/>
-              <a:t>2022/4/8</a:t>
+              <a:t>2022/4/18</a:t>
             </a:fld>
             <a:endParaRPr lang="zh-CN" altLang="en-US"/>
           </a:p>
@@ -880,7 +883,7 @@
           <a:p>
             <a:fld id="{94500C62-1B3F-4E84-BF94-3D5FB933429A}" type="datetimeFigureOut">
               <a:rPr lang="zh-CN" altLang="en-US" smtClean="0"/>
-              <a:t>2022/4/8</a:t>
+              <a:t>2022/4/18</a:t>
             </a:fld>
             <a:endParaRPr lang="zh-CN" altLang="en-US"/>
           </a:p>
@@ -1155,7 +1158,7 @@
           <a:p>
             <a:fld id="{94500C62-1B3F-4E84-BF94-3D5FB933429A}" type="datetimeFigureOut">
               <a:rPr lang="zh-CN" altLang="en-US" smtClean="0"/>
-              <a:t>2022/4/8</a:t>
+              <a:t>2022/4/18</a:t>
             </a:fld>
             <a:endParaRPr lang="zh-CN" altLang="en-US"/>
           </a:p>
@@ -1420,7 +1423,7 @@
           <a:p>
             <a:fld id="{94500C62-1B3F-4E84-BF94-3D5FB933429A}" type="datetimeFigureOut">
               <a:rPr lang="zh-CN" altLang="en-US" smtClean="0"/>
-              <a:t>2022/4/8</a:t>
+              <a:t>2022/4/18</a:t>
             </a:fld>
             <a:endParaRPr lang="zh-CN" altLang="en-US"/>
           </a:p>
@@ -1832,7 +1835,7 @@
           <a:p>
             <a:fld id="{94500C62-1B3F-4E84-BF94-3D5FB933429A}" type="datetimeFigureOut">
               <a:rPr lang="zh-CN" altLang="en-US" smtClean="0"/>
-              <a:t>2022/4/8</a:t>
+              <a:t>2022/4/18</a:t>
             </a:fld>
             <a:endParaRPr lang="zh-CN" altLang="en-US"/>
           </a:p>
@@ -1973,7 +1976,7 @@
           <a:p>
             <a:fld id="{94500C62-1B3F-4E84-BF94-3D5FB933429A}" type="datetimeFigureOut">
               <a:rPr lang="zh-CN" altLang="en-US" smtClean="0"/>
-              <a:t>2022/4/8</a:t>
+              <a:t>2022/4/18</a:t>
             </a:fld>
             <a:endParaRPr lang="zh-CN" altLang="en-US"/>
           </a:p>
@@ -2086,7 +2089,7 @@
           <a:p>
             <a:fld id="{94500C62-1B3F-4E84-BF94-3D5FB933429A}" type="datetimeFigureOut">
               <a:rPr lang="zh-CN" altLang="en-US" smtClean="0"/>
-              <a:t>2022/4/8</a:t>
+              <a:t>2022/4/18</a:t>
             </a:fld>
             <a:endParaRPr lang="zh-CN" altLang="en-US"/>
           </a:p>
@@ -2397,7 +2400,7 @@
           <a:p>
             <a:fld id="{94500C62-1B3F-4E84-BF94-3D5FB933429A}" type="datetimeFigureOut">
               <a:rPr lang="zh-CN" altLang="en-US" smtClean="0"/>
-              <a:t>2022/4/8</a:t>
+              <a:t>2022/4/18</a:t>
             </a:fld>
             <a:endParaRPr lang="zh-CN" altLang="en-US"/>
           </a:p>
@@ -2685,7 +2688,7 @@
           <a:p>
             <a:fld id="{94500C62-1B3F-4E84-BF94-3D5FB933429A}" type="datetimeFigureOut">
               <a:rPr lang="zh-CN" altLang="en-US" smtClean="0"/>
-              <a:t>2022/4/8</a:t>
+              <a:t>2022/4/18</a:t>
             </a:fld>
             <a:endParaRPr lang="zh-CN" altLang="en-US"/>
           </a:p>
@@ -2926,7 +2929,7 @@
           <a:p>
             <a:fld id="{94500C62-1B3F-4E84-BF94-3D5FB933429A}" type="datetimeFigureOut">
               <a:rPr lang="zh-CN" altLang="en-US" smtClean="0"/>
-              <a:t>2022/4/8</a:t>
+              <a:t>2022/4/18</a:t>
             </a:fld>
             <a:endParaRPr lang="zh-CN" altLang="en-US"/>
           </a:p>
@@ -15700,6 +15703,726 @@
 </p:sld>
 </file>
 
+<file path=ppt/slides/slide19.xml><?xml version="1.0" encoding="utf-8"?>
+<p:sld xmlns:a="http://schemas.openxmlformats.org/drawingml/2006/main" xmlns:r="http://schemas.openxmlformats.org/officeDocument/2006/relationships" xmlns:p="http://schemas.openxmlformats.org/presentationml/2006/main">
+  <p:cSld>
+    <p:spTree>
+      <p:nvGrpSpPr>
+        <p:cNvPr id="1" name=""/>
+        <p:cNvGrpSpPr/>
+        <p:nvPr/>
+      </p:nvGrpSpPr>
+      <p:grpSpPr>
+        <a:xfrm>
+          <a:off x="0" y="0"/>
+          <a:ext cx="0" cy="0"/>
+          <a:chOff x="0" y="0"/>
+          <a:chExt cx="0" cy="0"/>
+        </a:xfrm>
+      </p:grpSpPr>
+      <p:sp>
+        <p:nvSpPr>
+          <p:cNvPr id="4" name="矩形 3">
+            <a:extLst>
+              <a:ext uri="{FF2B5EF4-FFF2-40B4-BE49-F238E27FC236}">
+                <a16:creationId xmlns:a16="http://schemas.microsoft.com/office/drawing/2014/main" id="{6CE6FA6E-4B0E-4640-B5B7-73B04E6998E9}"/>
+              </a:ext>
+            </a:extLst>
+          </p:cNvPr>
+          <p:cNvSpPr/>
+          <p:nvPr/>
+        </p:nvSpPr>
+        <p:spPr>
+          <a:xfrm>
+            <a:off x="1545997" y="2505173"/>
+            <a:ext cx="707010" cy="923827"/>
+          </a:xfrm>
+          <a:prstGeom prst="rect">
+            <a:avLst/>
+          </a:prstGeom>
+        </p:spPr>
+        <p:style>
+          <a:lnRef idx="2">
+            <a:schemeClr val="accent1">
+              <a:shade val="50000"/>
+            </a:schemeClr>
+          </a:lnRef>
+          <a:fillRef idx="1">
+            <a:schemeClr val="accent1"/>
+          </a:fillRef>
+          <a:effectRef idx="0">
+            <a:schemeClr val="accent1"/>
+          </a:effectRef>
+          <a:fontRef idx="minor">
+            <a:schemeClr val="lt1"/>
+          </a:fontRef>
+        </p:style>
+        <p:txBody>
+          <a:bodyPr rtlCol="0" anchor="ctr"/>
+          <a:lstStyle/>
+          <a:p>
+            <a:pPr algn="ctr"/>
+            <a:r>
+              <a:rPr lang="en-US" altLang="zh-CN"/>
+              <a:t>dir</a:t>
+            </a:r>
+            <a:endParaRPr lang="zh-CN" altLang="en-US"/>
+          </a:p>
+        </p:txBody>
+      </p:sp>
+      <p:sp>
+        <p:nvSpPr>
+          <p:cNvPr id="5" name="矩形 4">
+            <a:extLst>
+              <a:ext uri="{FF2B5EF4-FFF2-40B4-BE49-F238E27FC236}">
+                <a16:creationId xmlns:a16="http://schemas.microsoft.com/office/drawing/2014/main" id="{EFBD6BA7-B232-4A4F-A622-6ADBC6540830}"/>
+              </a:ext>
+            </a:extLst>
+          </p:cNvPr>
+          <p:cNvSpPr/>
+          <p:nvPr/>
+        </p:nvSpPr>
+        <p:spPr>
+          <a:xfrm>
+            <a:off x="2253007" y="2505173"/>
+            <a:ext cx="3572758" cy="923827"/>
+          </a:xfrm>
+          <a:prstGeom prst="rect">
+            <a:avLst/>
+          </a:prstGeom>
+        </p:spPr>
+        <p:style>
+          <a:lnRef idx="2">
+            <a:schemeClr val="accent1">
+              <a:shade val="50000"/>
+            </a:schemeClr>
+          </a:lnRef>
+          <a:fillRef idx="1">
+            <a:schemeClr val="accent1"/>
+          </a:fillRef>
+          <a:effectRef idx="0">
+            <a:schemeClr val="accent1"/>
+          </a:effectRef>
+          <a:fontRef idx="minor">
+            <a:schemeClr val="lt1"/>
+          </a:fontRef>
+        </p:style>
+        <p:txBody>
+          <a:bodyPr rtlCol="0" anchor="ctr"/>
+          <a:lstStyle/>
+          <a:p>
+            <a:pPr algn="ctr"/>
+            <a:r>
+              <a:rPr lang="en-US" altLang="zh-CN"/>
+              <a:t>size</a:t>
+            </a:r>
+            <a:endParaRPr lang="zh-CN" altLang="en-US"/>
+          </a:p>
+        </p:txBody>
+      </p:sp>
+      <p:sp>
+        <p:nvSpPr>
+          <p:cNvPr id="6" name="矩形 5">
+            <a:extLst>
+              <a:ext uri="{FF2B5EF4-FFF2-40B4-BE49-F238E27FC236}">
+                <a16:creationId xmlns:a16="http://schemas.microsoft.com/office/drawing/2014/main" id="{765295AA-9AC0-4DE7-A39F-39CD17A2C00B}"/>
+              </a:ext>
+            </a:extLst>
+          </p:cNvPr>
+          <p:cNvSpPr/>
+          <p:nvPr/>
+        </p:nvSpPr>
+        <p:spPr>
+          <a:xfrm>
+            <a:off x="5825765" y="2505173"/>
+            <a:ext cx="2347274" cy="923827"/>
+          </a:xfrm>
+          <a:prstGeom prst="rect">
+            <a:avLst/>
+          </a:prstGeom>
+        </p:spPr>
+        <p:style>
+          <a:lnRef idx="2">
+            <a:schemeClr val="accent1">
+              <a:shade val="50000"/>
+            </a:schemeClr>
+          </a:lnRef>
+          <a:fillRef idx="1">
+            <a:schemeClr val="accent1"/>
+          </a:fillRef>
+          <a:effectRef idx="0">
+            <a:schemeClr val="accent1"/>
+          </a:effectRef>
+          <a:fontRef idx="minor">
+            <a:schemeClr val="lt1"/>
+          </a:fontRef>
+        </p:style>
+        <p:txBody>
+          <a:bodyPr rtlCol="0" anchor="ctr"/>
+          <a:lstStyle/>
+          <a:p>
+            <a:pPr algn="ctr"/>
+            <a:r>
+              <a:rPr lang="en-US" altLang="zh-CN"/>
+              <a:t>type</a:t>
+            </a:r>
+            <a:endParaRPr lang="zh-CN" altLang="en-US"/>
+          </a:p>
+        </p:txBody>
+      </p:sp>
+      <p:sp>
+        <p:nvSpPr>
+          <p:cNvPr id="7" name="矩形 6">
+            <a:extLst>
+              <a:ext uri="{FF2B5EF4-FFF2-40B4-BE49-F238E27FC236}">
+                <a16:creationId xmlns:a16="http://schemas.microsoft.com/office/drawing/2014/main" id="{3BF3FF56-5E10-4087-B148-D99E8305A6CF}"/>
+              </a:ext>
+            </a:extLst>
+          </p:cNvPr>
+          <p:cNvSpPr/>
+          <p:nvPr/>
+        </p:nvSpPr>
+        <p:spPr>
+          <a:xfrm>
+            <a:off x="8173039" y="2505172"/>
+            <a:ext cx="2347274" cy="923827"/>
+          </a:xfrm>
+          <a:prstGeom prst="rect">
+            <a:avLst/>
+          </a:prstGeom>
+        </p:spPr>
+        <p:style>
+          <a:lnRef idx="2">
+            <a:schemeClr val="accent1">
+              <a:shade val="50000"/>
+            </a:schemeClr>
+          </a:lnRef>
+          <a:fillRef idx="1">
+            <a:schemeClr val="accent1"/>
+          </a:fillRef>
+          <a:effectRef idx="0">
+            <a:schemeClr val="accent1"/>
+          </a:effectRef>
+          <a:fontRef idx="minor">
+            <a:schemeClr val="lt1"/>
+          </a:fontRef>
+        </p:style>
+        <p:txBody>
+          <a:bodyPr rtlCol="0" anchor="ctr"/>
+          <a:lstStyle/>
+          <a:p>
+            <a:pPr algn="ctr"/>
+            <a:r>
+              <a:rPr lang="en-US" altLang="zh-CN"/>
+              <a:t>nr</a:t>
+            </a:r>
+            <a:endParaRPr lang="zh-CN" altLang="en-US"/>
+          </a:p>
+        </p:txBody>
+      </p:sp>
+      <p:cxnSp>
+        <p:nvCxnSpPr>
+          <p:cNvPr id="9" name="直接连接符 8">
+            <a:extLst>
+              <a:ext uri="{FF2B5EF4-FFF2-40B4-BE49-F238E27FC236}">
+                <a16:creationId xmlns:a16="http://schemas.microsoft.com/office/drawing/2014/main" id="{67789B86-B18C-4688-9E7E-E50B9B568030}"/>
+              </a:ext>
+            </a:extLst>
+          </p:cNvPr>
+          <p:cNvCxnSpPr/>
+          <p:nvPr/>
+        </p:nvCxnSpPr>
+        <p:spPr>
+          <a:xfrm>
+            <a:off x="1545997" y="3506771"/>
+            <a:ext cx="0" cy="754145"/>
+          </a:xfrm>
+          <a:prstGeom prst="line">
+            <a:avLst/>
+          </a:prstGeom>
+        </p:spPr>
+        <p:style>
+          <a:lnRef idx="1">
+            <a:schemeClr val="accent1"/>
+          </a:lnRef>
+          <a:fillRef idx="0">
+            <a:schemeClr val="accent1"/>
+          </a:fillRef>
+          <a:effectRef idx="0">
+            <a:schemeClr val="accent1"/>
+          </a:effectRef>
+          <a:fontRef idx="minor">
+            <a:schemeClr val="tx1"/>
+          </a:fontRef>
+        </p:style>
+      </p:cxnSp>
+      <p:cxnSp>
+        <p:nvCxnSpPr>
+          <p:cNvPr id="10" name="直接连接符 9">
+            <a:extLst>
+              <a:ext uri="{FF2B5EF4-FFF2-40B4-BE49-F238E27FC236}">
+                <a16:creationId xmlns:a16="http://schemas.microsoft.com/office/drawing/2014/main" id="{F7C66803-6856-48C4-B24F-DB1D4D8C8F6E}"/>
+              </a:ext>
+            </a:extLst>
+          </p:cNvPr>
+          <p:cNvCxnSpPr/>
+          <p:nvPr/>
+        </p:nvCxnSpPr>
+        <p:spPr>
+          <a:xfrm>
+            <a:off x="2253007" y="3506771"/>
+            <a:ext cx="0" cy="754145"/>
+          </a:xfrm>
+          <a:prstGeom prst="line">
+            <a:avLst/>
+          </a:prstGeom>
+        </p:spPr>
+        <p:style>
+          <a:lnRef idx="1">
+            <a:schemeClr val="accent1"/>
+          </a:lnRef>
+          <a:fillRef idx="0">
+            <a:schemeClr val="accent1"/>
+          </a:fillRef>
+          <a:effectRef idx="0">
+            <a:schemeClr val="accent1"/>
+          </a:effectRef>
+          <a:fontRef idx="minor">
+            <a:schemeClr val="tx1"/>
+          </a:fontRef>
+        </p:style>
+      </p:cxnSp>
+      <p:cxnSp>
+        <p:nvCxnSpPr>
+          <p:cNvPr id="11" name="直接连接符 10">
+            <a:extLst>
+              <a:ext uri="{FF2B5EF4-FFF2-40B4-BE49-F238E27FC236}">
+                <a16:creationId xmlns:a16="http://schemas.microsoft.com/office/drawing/2014/main" id="{D40E2242-9807-464B-9666-2DBF49EE5868}"/>
+              </a:ext>
+            </a:extLst>
+          </p:cNvPr>
+          <p:cNvCxnSpPr/>
+          <p:nvPr/>
+        </p:nvCxnSpPr>
+        <p:spPr>
+          <a:xfrm>
+            <a:off x="5836764" y="3506771"/>
+            <a:ext cx="0" cy="754145"/>
+          </a:xfrm>
+          <a:prstGeom prst="line">
+            <a:avLst/>
+          </a:prstGeom>
+        </p:spPr>
+        <p:style>
+          <a:lnRef idx="1">
+            <a:schemeClr val="accent1"/>
+          </a:lnRef>
+          <a:fillRef idx="0">
+            <a:schemeClr val="accent1"/>
+          </a:fillRef>
+          <a:effectRef idx="0">
+            <a:schemeClr val="accent1"/>
+          </a:effectRef>
+          <a:fontRef idx="minor">
+            <a:schemeClr val="tx1"/>
+          </a:fontRef>
+        </p:style>
+      </p:cxnSp>
+      <p:cxnSp>
+        <p:nvCxnSpPr>
+          <p:cNvPr id="12" name="直接连接符 11">
+            <a:extLst>
+              <a:ext uri="{FF2B5EF4-FFF2-40B4-BE49-F238E27FC236}">
+                <a16:creationId xmlns:a16="http://schemas.microsoft.com/office/drawing/2014/main" id="{9D3D7FA8-B732-4FC7-A239-312BBBCDF70B}"/>
+              </a:ext>
+            </a:extLst>
+          </p:cNvPr>
+          <p:cNvCxnSpPr/>
+          <p:nvPr/>
+        </p:nvCxnSpPr>
+        <p:spPr>
+          <a:xfrm>
+            <a:off x="8174611" y="3506771"/>
+            <a:ext cx="0" cy="754145"/>
+          </a:xfrm>
+          <a:prstGeom prst="line">
+            <a:avLst/>
+          </a:prstGeom>
+        </p:spPr>
+        <p:style>
+          <a:lnRef idx="1">
+            <a:schemeClr val="accent1"/>
+          </a:lnRef>
+          <a:fillRef idx="0">
+            <a:schemeClr val="accent1"/>
+          </a:fillRef>
+          <a:effectRef idx="0">
+            <a:schemeClr val="accent1"/>
+          </a:effectRef>
+          <a:fontRef idx="minor">
+            <a:schemeClr val="tx1"/>
+          </a:fontRef>
+        </p:style>
+      </p:cxnSp>
+      <p:cxnSp>
+        <p:nvCxnSpPr>
+          <p:cNvPr id="13" name="直接连接符 12">
+            <a:extLst>
+              <a:ext uri="{FF2B5EF4-FFF2-40B4-BE49-F238E27FC236}">
+                <a16:creationId xmlns:a16="http://schemas.microsoft.com/office/drawing/2014/main" id="{62C2184C-570E-4CE8-9556-48AB68C361D9}"/>
+              </a:ext>
+            </a:extLst>
+          </p:cNvPr>
+          <p:cNvCxnSpPr/>
+          <p:nvPr/>
+        </p:nvCxnSpPr>
+        <p:spPr>
+          <a:xfrm>
+            <a:off x="10520313" y="3506771"/>
+            <a:ext cx="0" cy="754145"/>
+          </a:xfrm>
+          <a:prstGeom prst="line">
+            <a:avLst/>
+          </a:prstGeom>
+        </p:spPr>
+        <p:style>
+          <a:lnRef idx="1">
+            <a:schemeClr val="accent1"/>
+          </a:lnRef>
+          <a:fillRef idx="0">
+            <a:schemeClr val="accent1"/>
+          </a:fillRef>
+          <a:effectRef idx="0">
+            <a:schemeClr val="accent1"/>
+          </a:effectRef>
+          <a:fontRef idx="minor">
+            <a:schemeClr val="tx1"/>
+          </a:fontRef>
+        </p:style>
+      </p:cxnSp>
+      <p:cxnSp>
+        <p:nvCxnSpPr>
+          <p:cNvPr id="15" name="直接箭头连接符 14">
+            <a:extLst>
+              <a:ext uri="{FF2B5EF4-FFF2-40B4-BE49-F238E27FC236}">
+                <a16:creationId xmlns:a16="http://schemas.microsoft.com/office/drawing/2014/main" id="{4CDC7908-0CF0-4AF3-AA39-95AD2B4632F3}"/>
+              </a:ext>
+            </a:extLst>
+          </p:cNvPr>
+          <p:cNvCxnSpPr/>
+          <p:nvPr/>
+        </p:nvCxnSpPr>
+        <p:spPr>
+          <a:xfrm>
+            <a:off x="1545997" y="3883843"/>
+            <a:ext cx="707010" cy="0"/>
+          </a:xfrm>
+          <a:prstGeom prst="straightConnector1">
+            <a:avLst/>
+          </a:prstGeom>
+          <a:ln>
+            <a:headEnd type="triangle"/>
+            <a:tailEnd type="triangle"/>
+          </a:ln>
+        </p:spPr>
+        <p:style>
+          <a:lnRef idx="1">
+            <a:schemeClr val="accent1"/>
+          </a:lnRef>
+          <a:fillRef idx="0">
+            <a:schemeClr val="accent1"/>
+          </a:fillRef>
+          <a:effectRef idx="0">
+            <a:schemeClr val="accent1"/>
+          </a:effectRef>
+          <a:fontRef idx="minor">
+            <a:schemeClr val="tx1"/>
+          </a:fontRef>
+        </p:style>
+      </p:cxnSp>
+      <p:cxnSp>
+        <p:nvCxnSpPr>
+          <p:cNvPr id="16" name="直接箭头连接符 15">
+            <a:extLst>
+              <a:ext uri="{FF2B5EF4-FFF2-40B4-BE49-F238E27FC236}">
+                <a16:creationId xmlns:a16="http://schemas.microsoft.com/office/drawing/2014/main" id="{8CA2779E-05DA-422C-91D3-14F3CE2945FB}"/>
+              </a:ext>
+            </a:extLst>
+          </p:cNvPr>
+          <p:cNvCxnSpPr>
+            <a:cxnSpLocks/>
+          </p:cNvCxnSpPr>
+          <p:nvPr/>
+        </p:nvCxnSpPr>
+        <p:spPr>
+          <a:xfrm>
+            <a:off x="2253007" y="3885414"/>
+            <a:ext cx="3583757" cy="0"/>
+          </a:xfrm>
+          <a:prstGeom prst="straightConnector1">
+            <a:avLst/>
+          </a:prstGeom>
+          <a:ln>
+            <a:headEnd type="triangle"/>
+            <a:tailEnd type="triangle"/>
+          </a:ln>
+        </p:spPr>
+        <p:style>
+          <a:lnRef idx="1">
+            <a:schemeClr val="accent1"/>
+          </a:lnRef>
+          <a:fillRef idx="0">
+            <a:schemeClr val="accent1"/>
+          </a:fillRef>
+          <a:effectRef idx="0">
+            <a:schemeClr val="accent1"/>
+          </a:effectRef>
+          <a:fontRef idx="minor">
+            <a:schemeClr val="tx1"/>
+          </a:fontRef>
+        </p:style>
+      </p:cxnSp>
+      <p:cxnSp>
+        <p:nvCxnSpPr>
+          <p:cNvPr id="18" name="直接箭头连接符 17">
+            <a:extLst>
+              <a:ext uri="{FF2B5EF4-FFF2-40B4-BE49-F238E27FC236}">
+                <a16:creationId xmlns:a16="http://schemas.microsoft.com/office/drawing/2014/main" id="{47D975FA-5C29-453F-9D6C-95B6C6EE84F8}"/>
+              </a:ext>
+            </a:extLst>
+          </p:cNvPr>
+          <p:cNvCxnSpPr>
+            <a:cxnSpLocks/>
+          </p:cNvCxnSpPr>
+          <p:nvPr/>
+        </p:nvCxnSpPr>
+        <p:spPr>
+          <a:xfrm>
+            <a:off x="5836764" y="3883843"/>
+            <a:ext cx="2336275" cy="0"/>
+          </a:xfrm>
+          <a:prstGeom prst="straightConnector1">
+            <a:avLst/>
+          </a:prstGeom>
+          <a:ln>
+            <a:headEnd type="triangle"/>
+            <a:tailEnd type="triangle"/>
+          </a:ln>
+        </p:spPr>
+        <p:style>
+          <a:lnRef idx="1">
+            <a:schemeClr val="accent1"/>
+          </a:lnRef>
+          <a:fillRef idx="0">
+            <a:schemeClr val="accent1"/>
+          </a:fillRef>
+          <a:effectRef idx="0">
+            <a:schemeClr val="accent1"/>
+          </a:effectRef>
+          <a:fontRef idx="minor">
+            <a:schemeClr val="tx1"/>
+          </a:fontRef>
+        </p:style>
+      </p:cxnSp>
+      <p:cxnSp>
+        <p:nvCxnSpPr>
+          <p:cNvPr id="20" name="直接箭头连接符 19">
+            <a:extLst>
+              <a:ext uri="{FF2B5EF4-FFF2-40B4-BE49-F238E27FC236}">
+                <a16:creationId xmlns:a16="http://schemas.microsoft.com/office/drawing/2014/main" id="{F429D873-F6D7-4797-9676-9C1F19EDEEE6}"/>
+              </a:ext>
+            </a:extLst>
+          </p:cNvPr>
+          <p:cNvCxnSpPr>
+            <a:cxnSpLocks/>
+          </p:cNvCxnSpPr>
+          <p:nvPr/>
+        </p:nvCxnSpPr>
+        <p:spPr>
+          <a:xfrm>
+            <a:off x="8173039" y="3883843"/>
+            <a:ext cx="2336275" cy="0"/>
+          </a:xfrm>
+          <a:prstGeom prst="straightConnector1">
+            <a:avLst/>
+          </a:prstGeom>
+          <a:ln>
+            <a:headEnd type="triangle"/>
+            <a:tailEnd type="triangle"/>
+          </a:ln>
+        </p:spPr>
+        <p:style>
+          <a:lnRef idx="1">
+            <a:schemeClr val="accent1"/>
+          </a:lnRef>
+          <a:fillRef idx="0">
+            <a:schemeClr val="accent1"/>
+          </a:fillRef>
+          <a:effectRef idx="0">
+            <a:schemeClr val="accent1"/>
+          </a:effectRef>
+          <a:fontRef idx="minor">
+            <a:schemeClr val="tx1"/>
+          </a:fontRef>
+        </p:style>
+      </p:cxnSp>
+      <p:sp>
+        <p:nvSpPr>
+          <p:cNvPr id="21" name="文本框 20">
+            <a:extLst>
+              <a:ext uri="{FF2B5EF4-FFF2-40B4-BE49-F238E27FC236}">
+                <a16:creationId xmlns:a16="http://schemas.microsoft.com/office/drawing/2014/main" id="{14304FFF-4795-490E-A430-41CE19767192}"/>
+              </a:ext>
+            </a:extLst>
+          </p:cNvPr>
+          <p:cNvSpPr txBox="1"/>
+          <p:nvPr/>
+        </p:nvSpPr>
+        <p:spPr>
+          <a:xfrm>
+            <a:off x="1617213" y="3514511"/>
+            <a:ext cx="564578" cy="369332"/>
+          </a:xfrm>
+          <a:prstGeom prst="rect">
+            <a:avLst/>
+          </a:prstGeom>
+          <a:noFill/>
+        </p:spPr>
+        <p:txBody>
+          <a:bodyPr wrap="none" rtlCol="0">
+            <a:spAutoFit/>
+          </a:bodyPr>
+          <a:lstStyle/>
+          <a:p>
+            <a:r>
+              <a:rPr lang="en-US" altLang="zh-CN"/>
+              <a:t>2bit</a:t>
+            </a:r>
+            <a:endParaRPr lang="zh-CN" altLang="en-US"/>
+          </a:p>
+        </p:txBody>
+      </p:sp>
+      <p:sp>
+        <p:nvSpPr>
+          <p:cNvPr id="22" name="文本框 21">
+            <a:extLst>
+              <a:ext uri="{FF2B5EF4-FFF2-40B4-BE49-F238E27FC236}">
+                <a16:creationId xmlns:a16="http://schemas.microsoft.com/office/drawing/2014/main" id="{4264EE46-6843-497A-989F-507C7A8CE2D6}"/>
+              </a:ext>
+            </a:extLst>
+          </p:cNvPr>
+          <p:cNvSpPr txBox="1"/>
+          <p:nvPr/>
+        </p:nvSpPr>
+        <p:spPr>
+          <a:xfrm>
+            <a:off x="3696183" y="3523938"/>
+            <a:ext cx="686406" cy="369332"/>
+          </a:xfrm>
+          <a:prstGeom prst="rect">
+            <a:avLst/>
+          </a:prstGeom>
+          <a:noFill/>
+        </p:spPr>
+        <p:txBody>
+          <a:bodyPr wrap="none" rtlCol="0">
+            <a:spAutoFit/>
+          </a:bodyPr>
+          <a:lstStyle/>
+          <a:p>
+            <a:r>
+              <a:rPr lang="en-US" altLang="zh-CN"/>
+              <a:t>14bit</a:t>
+            </a:r>
+            <a:endParaRPr lang="zh-CN" altLang="en-US"/>
+          </a:p>
+        </p:txBody>
+      </p:sp>
+      <p:sp>
+        <p:nvSpPr>
+          <p:cNvPr id="23" name="文本框 22">
+            <a:extLst>
+              <a:ext uri="{FF2B5EF4-FFF2-40B4-BE49-F238E27FC236}">
+                <a16:creationId xmlns:a16="http://schemas.microsoft.com/office/drawing/2014/main" id="{9E2AB95F-CABD-47C5-8142-EAC313D62D95}"/>
+              </a:ext>
+            </a:extLst>
+          </p:cNvPr>
+          <p:cNvSpPr txBox="1"/>
+          <p:nvPr/>
+        </p:nvSpPr>
+        <p:spPr>
+          <a:xfrm>
+            <a:off x="6691794" y="3514511"/>
+            <a:ext cx="564578" cy="369332"/>
+          </a:xfrm>
+          <a:prstGeom prst="rect">
+            <a:avLst/>
+          </a:prstGeom>
+          <a:noFill/>
+        </p:spPr>
+        <p:txBody>
+          <a:bodyPr wrap="none" rtlCol="0">
+            <a:spAutoFit/>
+          </a:bodyPr>
+          <a:lstStyle/>
+          <a:p>
+            <a:r>
+              <a:rPr lang="en-US" altLang="zh-CN"/>
+              <a:t>8bit</a:t>
+            </a:r>
+            <a:endParaRPr lang="zh-CN" altLang="en-US"/>
+          </a:p>
+        </p:txBody>
+      </p:sp>
+      <p:sp>
+        <p:nvSpPr>
+          <p:cNvPr id="24" name="文本框 23">
+            <a:extLst>
+              <a:ext uri="{FF2B5EF4-FFF2-40B4-BE49-F238E27FC236}">
+                <a16:creationId xmlns:a16="http://schemas.microsoft.com/office/drawing/2014/main" id="{0381C9D0-596F-4AC3-ADBE-49CEE2096D2D}"/>
+              </a:ext>
+            </a:extLst>
+          </p:cNvPr>
+          <p:cNvSpPr txBox="1"/>
+          <p:nvPr/>
+        </p:nvSpPr>
+        <p:spPr>
+          <a:xfrm>
+            <a:off x="9066834" y="3506771"/>
+            <a:ext cx="564578" cy="369332"/>
+          </a:xfrm>
+          <a:prstGeom prst="rect">
+            <a:avLst/>
+          </a:prstGeom>
+          <a:noFill/>
+        </p:spPr>
+        <p:txBody>
+          <a:bodyPr wrap="none" rtlCol="0">
+            <a:spAutoFit/>
+          </a:bodyPr>
+          <a:lstStyle/>
+          <a:p>
+            <a:r>
+              <a:rPr lang="en-US" altLang="zh-CN"/>
+              <a:t>8bit</a:t>
+            </a:r>
+            <a:endParaRPr lang="zh-CN" altLang="en-US"/>
+          </a:p>
+        </p:txBody>
+      </p:sp>
+    </p:spTree>
+    <p:extLst>
+      <p:ext uri="{BB962C8B-B14F-4D97-AF65-F5344CB8AC3E}">
+        <p14:creationId xmlns:p14="http://schemas.microsoft.com/office/powerpoint/2010/main" val="3763818707"/>
+      </p:ext>
+    </p:extLst>
+  </p:cSld>
+  <p:clrMapOvr>
+    <a:masterClrMapping/>
+  </p:clrMapOvr>
+</p:sld>
+</file>
+
 <file path=ppt/slides/slide2.xml><?xml version="1.0" encoding="utf-8"?>
 <p:sld xmlns:a="http://schemas.openxmlformats.org/drawingml/2006/main" xmlns:r="http://schemas.openxmlformats.org/officeDocument/2006/relationships" xmlns:p="http://schemas.openxmlformats.org/presentationml/2006/main">
   <p:cSld>
@@ -16835,6 +17558,2294 @@
     <p:extLst>
       <p:ext uri="{BB962C8B-B14F-4D97-AF65-F5344CB8AC3E}">
         <p14:creationId xmlns:p14="http://schemas.microsoft.com/office/powerpoint/2010/main" val="3195061072"/>
+      </p:ext>
+    </p:extLst>
+  </p:cSld>
+  <p:clrMapOvr>
+    <a:masterClrMapping/>
+  </p:clrMapOvr>
+</p:sld>
+</file>
+
+<file path=ppt/slides/slide20.xml><?xml version="1.0" encoding="utf-8"?>
+<p:sld xmlns:a="http://schemas.openxmlformats.org/drawingml/2006/main" xmlns:r="http://schemas.openxmlformats.org/officeDocument/2006/relationships" xmlns:p="http://schemas.openxmlformats.org/presentationml/2006/main">
+  <p:cSld>
+    <p:spTree>
+      <p:nvGrpSpPr>
+        <p:cNvPr id="1" name=""/>
+        <p:cNvGrpSpPr/>
+        <p:nvPr/>
+      </p:nvGrpSpPr>
+      <p:grpSpPr>
+        <a:xfrm>
+          <a:off x="0" y="0"/>
+          <a:ext cx="0" cy="0"/>
+          <a:chOff x="0" y="0"/>
+          <a:chExt cx="0" cy="0"/>
+        </a:xfrm>
+      </p:grpSpPr>
+      <p:sp>
+        <p:nvSpPr>
+          <p:cNvPr id="4" name="矩形: 圆角 3">
+            <a:extLst>
+              <a:ext uri="{FF2B5EF4-FFF2-40B4-BE49-F238E27FC236}">
+                <a16:creationId xmlns:a16="http://schemas.microsoft.com/office/drawing/2014/main" id="{A974CFA0-B39A-47D4-BB60-17CCEE138EF1}"/>
+              </a:ext>
+            </a:extLst>
+          </p:cNvPr>
+          <p:cNvSpPr/>
+          <p:nvPr/>
+        </p:nvSpPr>
+        <p:spPr>
+          <a:xfrm>
+            <a:off x="895546" y="250927"/>
+            <a:ext cx="1998483" cy="1508288"/>
+          </a:xfrm>
+          <a:prstGeom prst="roundRect">
+            <a:avLst/>
+          </a:prstGeom>
+          <a:solidFill>
+            <a:srgbClr val="DD8EF2"/>
+          </a:solidFill>
+          <a:ln>
+            <a:noFill/>
+          </a:ln>
+        </p:spPr>
+        <p:style>
+          <a:lnRef idx="2">
+            <a:schemeClr val="accent1">
+              <a:shade val="50000"/>
+            </a:schemeClr>
+          </a:lnRef>
+          <a:fillRef idx="1">
+            <a:schemeClr val="accent1"/>
+          </a:fillRef>
+          <a:effectRef idx="0">
+            <a:schemeClr val="accent1"/>
+          </a:effectRef>
+          <a:fontRef idx="minor">
+            <a:schemeClr val="lt1"/>
+          </a:fontRef>
+        </p:style>
+        <p:txBody>
+          <a:bodyPr rtlCol="0" anchor="ctr"/>
+          <a:lstStyle/>
+          <a:p>
+            <a:pPr algn="ctr"/>
+            <a:endParaRPr lang="zh-CN" altLang="en-US"/>
+          </a:p>
+        </p:txBody>
+      </p:sp>
+      <p:sp>
+        <p:nvSpPr>
+          <p:cNvPr id="6" name="文本框 5">
+            <a:extLst>
+              <a:ext uri="{FF2B5EF4-FFF2-40B4-BE49-F238E27FC236}">
+                <a16:creationId xmlns:a16="http://schemas.microsoft.com/office/drawing/2014/main" id="{35CE28E3-4CC6-41AE-83D3-F4051FFF6759}"/>
+              </a:ext>
+            </a:extLst>
+          </p:cNvPr>
+          <p:cNvSpPr txBox="1"/>
+          <p:nvPr/>
+        </p:nvSpPr>
+        <p:spPr>
+          <a:xfrm>
+            <a:off x="1287937" y="547027"/>
+            <a:ext cx="1213700" cy="369332"/>
+          </a:xfrm>
+          <a:prstGeom prst="rect">
+            <a:avLst/>
+          </a:prstGeom>
+          <a:noFill/>
+        </p:spPr>
+        <p:txBody>
+          <a:bodyPr wrap="square">
+            <a:spAutoFit/>
+          </a:bodyPr>
+          <a:lstStyle/>
+          <a:p>
+            <a:r>
+              <a:rPr lang="zh-CN" altLang="en-US"/>
+              <a:t>hlist_head</a:t>
+            </a:r>
+          </a:p>
+        </p:txBody>
+      </p:sp>
+      <p:sp>
+        <p:nvSpPr>
+          <p:cNvPr id="7" name="矩形 6">
+            <a:extLst>
+              <a:ext uri="{FF2B5EF4-FFF2-40B4-BE49-F238E27FC236}">
+                <a16:creationId xmlns:a16="http://schemas.microsoft.com/office/drawing/2014/main" id="{CB8E818C-2BA2-4C9E-B782-B0311DDA70F7}"/>
+              </a:ext>
+            </a:extLst>
+          </p:cNvPr>
+          <p:cNvSpPr/>
+          <p:nvPr/>
+        </p:nvSpPr>
+        <p:spPr>
+          <a:xfrm>
+            <a:off x="1287937" y="1025860"/>
+            <a:ext cx="1213700" cy="518474"/>
+          </a:xfrm>
+          <a:prstGeom prst="rect">
+            <a:avLst/>
+          </a:prstGeom>
+          <a:solidFill>
+            <a:srgbClr val="C239E7"/>
+          </a:solidFill>
+          <a:ln>
+            <a:noFill/>
+          </a:ln>
+        </p:spPr>
+        <p:style>
+          <a:lnRef idx="2">
+            <a:schemeClr val="accent1">
+              <a:shade val="50000"/>
+            </a:schemeClr>
+          </a:lnRef>
+          <a:fillRef idx="1">
+            <a:schemeClr val="accent1"/>
+          </a:fillRef>
+          <a:effectRef idx="0">
+            <a:schemeClr val="accent1"/>
+          </a:effectRef>
+          <a:fontRef idx="minor">
+            <a:schemeClr val="lt1"/>
+          </a:fontRef>
+        </p:style>
+        <p:txBody>
+          <a:bodyPr rtlCol="0" anchor="ctr"/>
+          <a:lstStyle/>
+          <a:p>
+            <a:pPr algn="ctr"/>
+            <a:r>
+              <a:rPr lang="en-US" altLang="zh-CN"/>
+              <a:t>first</a:t>
+            </a:r>
+            <a:endParaRPr lang="zh-CN" altLang="en-US"/>
+          </a:p>
+        </p:txBody>
+      </p:sp>
+      <p:cxnSp>
+        <p:nvCxnSpPr>
+          <p:cNvPr id="9" name="直接箭头连接符 8">
+            <a:extLst>
+              <a:ext uri="{FF2B5EF4-FFF2-40B4-BE49-F238E27FC236}">
+                <a16:creationId xmlns:a16="http://schemas.microsoft.com/office/drawing/2014/main" id="{D7C4A096-7C03-454F-84EB-F52861D99C30}"/>
+              </a:ext>
+            </a:extLst>
+          </p:cNvPr>
+          <p:cNvCxnSpPr>
+            <a:cxnSpLocks/>
+            <a:stCxn id="7" idx="3"/>
+          </p:cNvCxnSpPr>
+          <p:nvPr/>
+        </p:nvCxnSpPr>
+        <p:spPr>
+          <a:xfrm>
+            <a:off x="2501637" y="1285097"/>
+            <a:ext cx="1052268" cy="0"/>
+          </a:xfrm>
+          <a:prstGeom prst="straightConnector1">
+            <a:avLst/>
+          </a:prstGeom>
+          <a:ln>
+            <a:solidFill>
+              <a:srgbClr val="BB23E5"/>
+            </a:solidFill>
+            <a:tailEnd type="triangle"/>
+          </a:ln>
+        </p:spPr>
+        <p:style>
+          <a:lnRef idx="1">
+            <a:schemeClr val="accent1"/>
+          </a:lnRef>
+          <a:fillRef idx="0">
+            <a:schemeClr val="accent1"/>
+          </a:fillRef>
+          <a:effectRef idx="0">
+            <a:schemeClr val="accent1"/>
+          </a:effectRef>
+          <a:fontRef idx="minor">
+            <a:schemeClr val="tx1"/>
+          </a:fontRef>
+        </p:style>
+      </p:cxnSp>
+      <p:sp>
+        <p:nvSpPr>
+          <p:cNvPr id="13" name="文本框 12">
+            <a:extLst>
+              <a:ext uri="{FF2B5EF4-FFF2-40B4-BE49-F238E27FC236}">
+                <a16:creationId xmlns:a16="http://schemas.microsoft.com/office/drawing/2014/main" id="{749FD5AB-95FD-4225-9E4A-70EE49A3904C}"/>
+              </a:ext>
+            </a:extLst>
+          </p:cNvPr>
+          <p:cNvSpPr txBox="1"/>
+          <p:nvPr/>
+        </p:nvSpPr>
+        <p:spPr>
+          <a:xfrm>
+            <a:off x="7317557" y="245842"/>
+            <a:ext cx="4805313" cy="1384995"/>
+          </a:xfrm>
+          <a:prstGeom prst="rect">
+            <a:avLst/>
+          </a:prstGeom>
+          <a:noFill/>
+        </p:spPr>
+        <p:txBody>
+          <a:bodyPr wrap="square">
+            <a:spAutoFit/>
+          </a:bodyPr>
+          <a:lstStyle/>
+          <a:p>
+            <a:r>
+              <a:rPr lang="zh-CN" altLang="en-US" sz="1200"/>
+              <a:t>struct hlist_head {</a:t>
+            </a:r>
+          </a:p>
+          <a:p>
+            <a:r>
+              <a:rPr lang="zh-CN" altLang="en-US" sz="1200"/>
+              <a:t>	struct hlist_node *first;</a:t>
+            </a:r>
+          </a:p>
+          <a:p>
+            <a:r>
+              <a:rPr lang="zh-CN" altLang="en-US" sz="1200"/>
+              <a:t>};</a:t>
+            </a:r>
+          </a:p>
+          <a:p>
+            <a:endParaRPr lang="zh-CN" altLang="en-US" sz="1200"/>
+          </a:p>
+          <a:p>
+            <a:r>
+              <a:rPr lang="zh-CN" altLang="en-US" sz="1200"/>
+              <a:t>struct hlist_node {</a:t>
+            </a:r>
+          </a:p>
+          <a:p>
+            <a:r>
+              <a:rPr lang="zh-CN" altLang="en-US" sz="1200"/>
+              <a:t>	struct hlist_node *next, **pprev;</a:t>
+            </a:r>
+          </a:p>
+          <a:p>
+            <a:r>
+              <a:rPr lang="zh-CN" altLang="en-US" sz="1200"/>
+              <a:t>};</a:t>
+            </a:r>
+          </a:p>
+        </p:txBody>
+      </p:sp>
+      <p:sp>
+        <p:nvSpPr>
+          <p:cNvPr id="14" name="矩形: 圆角 13">
+            <a:extLst>
+              <a:ext uri="{FF2B5EF4-FFF2-40B4-BE49-F238E27FC236}">
+                <a16:creationId xmlns:a16="http://schemas.microsoft.com/office/drawing/2014/main" id="{63852A17-46CB-4B99-A279-9C5DB9660941}"/>
+              </a:ext>
+            </a:extLst>
+          </p:cNvPr>
+          <p:cNvSpPr/>
+          <p:nvPr/>
+        </p:nvSpPr>
+        <p:spPr>
+          <a:xfrm>
+            <a:off x="895546" y="2443113"/>
+            <a:ext cx="1998483" cy="1833820"/>
+          </a:xfrm>
+          <a:prstGeom prst="roundRect">
+            <a:avLst/>
+          </a:prstGeom>
+          <a:solidFill>
+            <a:srgbClr val="DD8EF2"/>
+          </a:solidFill>
+          <a:ln>
+            <a:noFill/>
+          </a:ln>
+        </p:spPr>
+        <p:style>
+          <a:lnRef idx="2">
+            <a:schemeClr val="accent1">
+              <a:shade val="50000"/>
+            </a:schemeClr>
+          </a:lnRef>
+          <a:fillRef idx="1">
+            <a:schemeClr val="accent1"/>
+          </a:fillRef>
+          <a:effectRef idx="0">
+            <a:schemeClr val="accent1"/>
+          </a:effectRef>
+          <a:fontRef idx="minor">
+            <a:schemeClr val="lt1"/>
+          </a:fontRef>
+        </p:style>
+        <p:txBody>
+          <a:bodyPr rtlCol="0" anchor="ctr"/>
+          <a:lstStyle/>
+          <a:p>
+            <a:pPr algn="ctr"/>
+            <a:endParaRPr lang="zh-CN" altLang="en-US"/>
+          </a:p>
+        </p:txBody>
+      </p:sp>
+      <p:sp>
+        <p:nvSpPr>
+          <p:cNvPr id="15" name="文本框 14">
+            <a:extLst>
+              <a:ext uri="{FF2B5EF4-FFF2-40B4-BE49-F238E27FC236}">
+                <a16:creationId xmlns:a16="http://schemas.microsoft.com/office/drawing/2014/main" id="{B3D207D4-88F4-4BE8-9061-F19CBD417042}"/>
+              </a:ext>
+            </a:extLst>
+          </p:cNvPr>
+          <p:cNvSpPr txBox="1"/>
+          <p:nvPr/>
+        </p:nvSpPr>
+        <p:spPr>
+          <a:xfrm>
+            <a:off x="1287937" y="2739213"/>
+            <a:ext cx="1213700" cy="369332"/>
+          </a:xfrm>
+          <a:prstGeom prst="rect">
+            <a:avLst/>
+          </a:prstGeom>
+          <a:noFill/>
+        </p:spPr>
+        <p:txBody>
+          <a:bodyPr wrap="square">
+            <a:spAutoFit/>
+          </a:bodyPr>
+          <a:lstStyle/>
+          <a:p>
+            <a:r>
+              <a:rPr lang="zh-CN" altLang="en-US"/>
+              <a:t>hlist_head</a:t>
+            </a:r>
+          </a:p>
+        </p:txBody>
+      </p:sp>
+      <p:sp>
+        <p:nvSpPr>
+          <p:cNvPr id="16" name="矩形 15">
+            <a:extLst>
+              <a:ext uri="{FF2B5EF4-FFF2-40B4-BE49-F238E27FC236}">
+                <a16:creationId xmlns:a16="http://schemas.microsoft.com/office/drawing/2014/main" id="{D18A374E-D682-47C2-8CD0-C0F8C1D567F2}"/>
+              </a:ext>
+            </a:extLst>
+          </p:cNvPr>
+          <p:cNvSpPr/>
+          <p:nvPr/>
+        </p:nvSpPr>
+        <p:spPr>
+          <a:xfrm>
+            <a:off x="1287937" y="3218046"/>
+            <a:ext cx="1213700" cy="518474"/>
+          </a:xfrm>
+          <a:prstGeom prst="rect">
+            <a:avLst/>
+          </a:prstGeom>
+          <a:solidFill>
+            <a:srgbClr val="C239E7"/>
+          </a:solidFill>
+          <a:ln>
+            <a:noFill/>
+          </a:ln>
+        </p:spPr>
+        <p:style>
+          <a:lnRef idx="2">
+            <a:schemeClr val="accent1">
+              <a:shade val="50000"/>
+            </a:schemeClr>
+          </a:lnRef>
+          <a:fillRef idx="1">
+            <a:schemeClr val="accent1"/>
+          </a:fillRef>
+          <a:effectRef idx="0">
+            <a:schemeClr val="accent1"/>
+          </a:effectRef>
+          <a:fontRef idx="minor">
+            <a:schemeClr val="lt1"/>
+          </a:fontRef>
+        </p:style>
+        <p:txBody>
+          <a:bodyPr rtlCol="0" anchor="ctr"/>
+          <a:lstStyle/>
+          <a:p>
+            <a:pPr algn="ctr"/>
+            <a:r>
+              <a:rPr lang="en-US" altLang="zh-CN"/>
+              <a:t>first</a:t>
+            </a:r>
+            <a:endParaRPr lang="zh-CN" altLang="en-US"/>
+          </a:p>
+        </p:txBody>
+      </p:sp>
+      <p:cxnSp>
+        <p:nvCxnSpPr>
+          <p:cNvPr id="17" name="直接箭头连接符 16">
+            <a:extLst>
+              <a:ext uri="{FF2B5EF4-FFF2-40B4-BE49-F238E27FC236}">
+                <a16:creationId xmlns:a16="http://schemas.microsoft.com/office/drawing/2014/main" id="{43B0C505-CB15-4C68-9342-5657FE343C75}"/>
+              </a:ext>
+            </a:extLst>
+          </p:cNvPr>
+          <p:cNvCxnSpPr>
+            <a:cxnSpLocks/>
+            <a:stCxn id="16" idx="3"/>
+            <a:endCxn id="29" idx="1"/>
+          </p:cNvCxnSpPr>
+          <p:nvPr/>
+        </p:nvCxnSpPr>
+        <p:spPr>
+          <a:xfrm flipV="1">
+            <a:off x="2501637" y="3457587"/>
+            <a:ext cx="1645930" cy="19696"/>
+          </a:xfrm>
+          <a:prstGeom prst="straightConnector1">
+            <a:avLst/>
+          </a:prstGeom>
+          <a:ln>
+            <a:solidFill>
+              <a:srgbClr val="BB23E5"/>
+            </a:solidFill>
+            <a:tailEnd type="triangle"/>
+          </a:ln>
+        </p:spPr>
+        <p:style>
+          <a:lnRef idx="1">
+            <a:schemeClr val="accent1"/>
+          </a:lnRef>
+          <a:fillRef idx="0">
+            <a:schemeClr val="accent1"/>
+          </a:fillRef>
+          <a:effectRef idx="0">
+            <a:schemeClr val="accent1"/>
+          </a:effectRef>
+          <a:fontRef idx="minor">
+            <a:schemeClr val="tx1"/>
+          </a:fontRef>
+        </p:style>
+      </p:cxnSp>
+      <p:grpSp>
+        <p:nvGrpSpPr>
+          <p:cNvPr id="25" name="组合 24">
+            <a:extLst>
+              <a:ext uri="{FF2B5EF4-FFF2-40B4-BE49-F238E27FC236}">
+                <a16:creationId xmlns:a16="http://schemas.microsoft.com/office/drawing/2014/main" id="{94227F8D-58F1-4357-A81B-AAAFC162DEC0}"/>
+              </a:ext>
+            </a:extLst>
+          </p:cNvPr>
+          <p:cNvGrpSpPr/>
+          <p:nvPr/>
+        </p:nvGrpSpPr>
+        <p:grpSpPr>
+          <a:xfrm>
+            <a:off x="6551400" y="2638240"/>
+            <a:ext cx="1998483" cy="1638693"/>
+            <a:chOff x="4535863" y="2820184"/>
+            <a:chExt cx="1998483" cy="1638693"/>
+          </a:xfrm>
+        </p:grpSpPr>
+        <p:sp>
+          <p:nvSpPr>
+            <p:cNvPr id="19" name="矩形: 圆角 18">
+              <a:extLst>
+                <a:ext uri="{FF2B5EF4-FFF2-40B4-BE49-F238E27FC236}">
+                  <a16:creationId xmlns:a16="http://schemas.microsoft.com/office/drawing/2014/main" id="{BEDE745C-5095-429D-B95C-7394054F8D57}"/>
+                </a:ext>
+              </a:extLst>
+            </p:cNvPr>
+            <p:cNvSpPr/>
+            <p:nvPr/>
+          </p:nvSpPr>
+          <p:spPr>
+            <a:xfrm>
+              <a:off x="4535863" y="2820184"/>
+              <a:ext cx="1998483" cy="1638693"/>
+            </a:xfrm>
+            <a:prstGeom prst="roundRect">
+              <a:avLst/>
+            </a:prstGeom>
+            <a:solidFill>
+              <a:srgbClr val="DD8EF2"/>
+            </a:solidFill>
+            <a:ln>
+              <a:noFill/>
+            </a:ln>
+          </p:spPr>
+          <p:style>
+            <a:lnRef idx="2">
+              <a:schemeClr val="accent1">
+                <a:shade val="50000"/>
+              </a:schemeClr>
+            </a:lnRef>
+            <a:fillRef idx="1">
+              <a:schemeClr val="accent1"/>
+            </a:fillRef>
+            <a:effectRef idx="0">
+              <a:schemeClr val="accent1"/>
+            </a:effectRef>
+            <a:fontRef idx="minor">
+              <a:schemeClr val="lt1"/>
+            </a:fontRef>
+          </p:style>
+          <p:txBody>
+            <a:bodyPr rtlCol="0" anchor="ctr"/>
+            <a:lstStyle/>
+            <a:p>
+              <a:pPr algn="ctr"/>
+              <a:endParaRPr lang="zh-CN" altLang="en-US"/>
+            </a:p>
+          </p:txBody>
+        </p:sp>
+        <p:sp>
+          <p:nvSpPr>
+            <p:cNvPr id="21" name="文本框 20">
+              <a:extLst>
+                <a:ext uri="{FF2B5EF4-FFF2-40B4-BE49-F238E27FC236}">
+                  <a16:creationId xmlns:a16="http://schemas.microsoft.com/office/drawing/2014/main" id="{FAA120A7-E7A4-4827-8966-8E8DE117CB4E}"/>
+                </a:ext>
+              </a:extLst>
+            </p:cNvPr>
+            <p:cNvSpPr txBox="1"/>
+            <p:nvPr/>
+          </p:nvSpPr>
+          <p:spPr>
+            <a:xfrm>
+              <a:off x="4910188" y="2931619"/>
+              <a:ext cx="1185812" cy="369332"/>
+            </a:xfrm>
+            <a:prstGeom prst="rect">
+              <a:avLst/>
+            </a:prstGeom>
+            <a:noFill/>
+          </p:spPr>
+          <p:txBody>
+            <a:bodyPr wrap="square">
+              <a:spAutoFit/>
+            </a:bodyPr>
+            <a:lstStyle/>
+            <a:p>
+              <a:r>
+                <a:rPr lang="zh-CN" altLang="en-US"/>
+                <a:t>hlist_node</a:t>
+              </a:r>
+            </a:p>
+          </p:txBody>
+        </p:sp>
+        <p:sp>
+          <p:nvSpPr>
+            <p:cNvPr id="22" name="矩形 21">
+              <a:extLst>
+                <a:ext uri="{FF2B5EF4-FFF2-40B4-BE49-F238E27FC236}">
+                  <a16:creationId xmlns:a16="http://schemas.microsoft.com/office/drawing/2014/main" id="{C160B922-7697-43AE-95BF-EFC3539E30DD}"/>
+                </a:ext>
+              </a:extLst>
+            </p:cNvPr>
+            <p:cNvSpPr/>
+            <p:nvPr/>
+          </p:nvSpPr>
+          <p:spPr>
+            <a:xfrm>
+              <a:off x="4910188" y="3335881"/>
+              <a:ext cx="1213700" cy="369332"/>
+            </a:xfrm>
+            <a:prstGeom prst="rect">
+              <a:avLst/>
+            </a:prstGeom>
+            <a:solidFill>
+              <a:srgbClr val="C239E7"/>
+            </a:solidFill>
+            <a:ln>
+              <a:noFill/>
+            </a:ln>
+          </p:spPr>
+          <p:style>
+            <a:lnRef idx="2">
+              <a:schemeClr val="accent1">
+                <a:shade val="50000"/>
+              </a:schemeClr>
+            </a:lnRef>
+            <a:fillRef idx="1">
+              <a:schemeClr val="accent1"/>
+            </a:fillRef>
+            <a:effectRef idx="0">
+              <a:schemeClr val="accent1"/>
+            </a:effectRef>
+            <a:fontRef idx="minor">
+              <a:schemeClr val="lt1"/>
+            </a:fontRef>
+          </p:style>
+          <p:txBody>
+            <a:bodyPr rtlCol="0" anchor="ctr"/>
+            <a:lstStyle/>
+            <a:p>
+              <a:pPr algn="ctr"/>
+              <a:r>
+                <a:rPr lang="en-US" altLang="zh-CN"/>
+                <a:t>next</a:t>
+              </a:r>
+              <a:endParaRPr lang="zh-CN" altLang="en-US"/>
+            </a:p>
+          </p:txBody>
+        </p:sp>
+        <p:sp>
+          <p:nvSpPr>
+            <p:cNvPr id="24" name="矩形 23">
+              <a:extLst>
+                <a:ext uri="{FF2B5EF4-FFF2-40B4-BE49-F238E27FC236}">
+                  <a16:creationId xmlns:a16="http://schemas.microsoft.com/office/drawing/2014/main" id="{F62E0807-1BBC-43BD-B649-22F0F7893CB6}"/>
+                </a:ext>
+              </a:extLst>
+            </p:cNvPr>
+            <p:cNvSpPr/>
+            <p:nvPr/>
+          </p:nvSpPr>
+          <p:spPr>
+            <a:xfrm>
+              <a:off x="4910188" y="3864874"/>
+              <a:ext cx="1213700" cy="369332"/>
+            </a:xfrm>
+            <a:prstGeom prst="rect">
+              <a:avLst/>
+            </a:prstGeom>
+            <a:solidFill>
+              <a:srgbClr val="C239E7"/>
+            </a:solidFill>
+            <a:ln>
+              <a:noFill/>
+            </a:ln>
+          </p:spPr>
+          <p:style>
+            <a:lnRef idx="2">
+              <a:schemeClr val="accent1">
+                <a:shade val="50000"/>
+              </a:schemeClr>
+            </a:lnRef>
+            <a:fillRef idx="1">
+              <a:schemeClr val="accent1"/>
+            </a:fillRef>
+            <a:effectRef idx="0">
+              <a:schemeClr val="accent1"/>
+            </a:effectRef>
+            <a:fontRef idx="minor">
+              <a:schemeClr val="lt1"/>
+            </a:fontRef>
+          </p:style>
+          <p:txBody>
+            <a:bodyPr rtlCol="0" anchor="ctr"/>
+            <a:lstStyle/>
+            <a:p>
+              <a:pPr algn="ctr"/>
+              <a:r>
+                <a:rPr lang="en-US" altLang="zh-CN"/>
+                <a:t>pprev</a:t>
+              </a:r>
+              <a:endParaRPr lang="zh-CN" altLang="en-US"/>
+            </a:p>
+          </p:txBody>
+        </p:sp>
+      </p:grpSp>
+      <p:cxnSp>
+        <p:nvCxnSpPr>
+          <p:cNvPr id="26" name="直接箭头连接符 25">
+            <a:extLst>
+              <a:ext uri="{FF2B5EF4-FFF2-40B4-BE49-F238E27FC236}">
+                <a16:creationId xmlns:a16="http://schemas.microsoft.com/office/drawing/2014/main" id="{8655F940-E562-479D-9514-0A987F1B6FC9}"/>
+              </a:ext>
+            </a:extLst>
+          </p:cNvPr>
+          <p:cNvCxnSpPr>
+            <a:cxnSpLocks/>
+          </p:cNvCxnSpPr>
+          <p:nvPr/>
+        </p:nvCxnSpPr>
+        <p:spPr>
+          <a:xfrm>
+            <a:off x="8149339" y="3358299"/>
+            <a:ext cx="1141232" cy="0"/>
+          </a:xfrm>
+          <a:prstGeom prst="straightConnector1">
+            <a:avLst/>
+          </a:prstGeom>
+          <a:ln>
+            <a:solidFill>
+              <a:srgbClr val="BB23E5"/>
+            </a:solidFill>
+            <a:tailEnd type="triangle"/>
+          </a:ln>
+        </p:spPr>
+        <p:style>
+          <a:lnRef idx="1">
+            <a:schemeClr val="accent1"/>
+          </a:lnRef>
+          <a:fillRef idx="0">
+            <a:schemeClr val="accent1"/>
+          </a:fillRef>
+          <a:effectRef idx="0">
+            <a:schemeClr val="accent1"/>
+          </a:effectRef>
+          <a:fontRef idx="minor">
+            <a:schemeClr val="tx1"/>
+          </a:fontRef>
+        </p:style>
+      </p:cxnSp>
+      <p:sp>
+        <p:nvSpPr>
+          <p:cNvPr id="29" name="矩形 28">
+            <a:extLst>
+              <a:ext uri="{FF2B5EF4-FFF2-40B4-BE49-F238E27FC236}">
+                <a16:creationId xmlns:a16="http://schemas.microsoft.com/office/drawing/2014/main" id="{9DE31BA6-CE9C-4B52-A7D4-B3097F04816A}"/>
+              </a:ext>
+            </a:extLst>
+          </p:cNvPr>
+          <p:cNvSpPr/>
+          <p:nvPr/>
+        </p:nvSpPr>
+        <p:spPr>
+          <a:xfrm>
+            <a:off x="4147567" y="3198350"/>
+            <a:ext cx="1213700" cy="518474"/>
+          </a:xfrm>
+          <a:prstGeom prst="rect">
+            <a:avLst/>
+          </a:prstGeom>
+          <a:solidFill>
+            <a:srgbClr val="C239E7"/>
+          </a:solidFill>
+          <a:ln>
+            <a:noFill/>
+          </a:ln>
+        </p:spPr>
+        <p:style>
+          <a:lnRef idx="2">
+            <a:schemeClr val="accent1">
+              <a:shade val="50000"/>
+            </a:schemeClr>
+          </a:lnRef>
+          <a:fillRef idx="1">
+            <a:schemeClr val="accent1"/>
+          </a:fillRef>
+          <a:effectRef idx="0">
+            <a:schemeClr val="accent1"/>
+          </a:effectRef>
+          <a:fontRef idx="minor">
+            <a:schemeClr val="lt1"/>
+          </a:fontRef>
+        </p:style>
+        <p:txBody>
+          <a:bodyPr rtlCol="0" anchor="ctr"/>
+          <a:lstStyle/>
+          <a:p>
+            <a:pPr algn="ctr"/>
+            <a:r>
+              <a:rPr lang="en-US" altLang="zh-CN"/>
+              <a:t>0x02324</a:t>
+            </a:r>
+            <a:endParaRPr lang="zh-CN" altLang="en-US"/>
+          </a:p>
+        </p:txBody>
+      </p:sp>
+      <p:cxnSp>
+        <p:nvCxnSpPr>
+          <p:cNvPr id="30" name="直接箭头连接符 29">
+            <a:extLst>
+              <a:ext uri="{FF2B5EF4-FFF2-40B4-BE49-F238E27FC236}">
+                <a16:creationId xmlns:a16="http://schemas.microsoft.com/office/drawing/2014/main" id="{0C739708-45A5-46FA-8C79-129BC4AF4EE6}"/>
+              </a:ext>
+            </a:extLst>
+          </p:cNvPr>
+          <p:cNvCxnSpPr>
+            <a:cxnSpLocks/>
+            <a:stCxn id="29" idx="3"/>
+            <a:endCxn id="19" idx="1"/>
+          </p:cNvCxnSpPr>
+          <p:nvPr/>
+        </p:nvCxnSpPr>
+        <p:spPr>
+          <a:xfrm>
+            <a:off x="5361267" y="3457587"/>
+            <a:ext cx="1190133" cy="0"/>
+          </a:xfrm>
+          <a:prstGeom prst="straightConnector1">
+            <a:avLst/>
+          </a:prstGeom>
+          <a:ln>
+            <a:solidFill>
+              <a:srgbClr val="BB23E5"/>
+            </a:solidFill>
+            <a:tailEnd type="triangle"/>
+          </a:ln>
+        </p:spPr>
+        <p:style>
+          <a:lnRef idx="1">
+            <a:schemeClr val="accent1"/>
+          </a:lnRef>
+          <a:fillRef idx="0">
+            <a:schemeClr val="accent1"/>
+          </a:fillRef>
+          <a:effectRef idx="0">
+            <a:schemeClr val="accent1"/>
+          </a:effectRef>
+          <a:fontRef idx="minor">
+            <a:schemeClr val="tx1"/>
+          </a:fontRef>
+        </p:style>
+      </p:cxnSp>
+      <p:cxnSp>
+        <p:nvCxnSpPr>
+          <p:cNvPr id="58" name="连接符: 肘形 57">
+            <a:extLst>
+              <a:ext uri="{FF2B5EF4-FFF2-40B4-BE49-F238E27FC236}">
+                <a16:creationId xmlns:a16="http://schemas.microsoft.com/office/drawing/2014/main" id="{0606EE83-A943-4A8C-B711-FDBDD9116E96}"/>
+              </a:ext>
+            </a:extLst>
+          </p:cNvPr>
+          <p:cNvCxnSpPr>
+            <a:stCxn id="24" idx="2"/>
+            <a:endCxn id="16" idx="2"/>
+          </p:cNvCxnSpPr>
+          <p:nvPr/>
+        </p:nvCxnSpPr>
+        <p:spPr>
+          <a:xfrm rot="5400000" flipH="1">
+            <a:off x="4555810" y="1075497"/>
+            <a:ext cx="315742" cy="5637788"/>
+          </a:xfrm>
+          <a:prstGeom prst="bentConnector3">
+            <a:avLst>
+              <a:gd name="adj1" fmla="val -161969"/>
+            </a:avLst>
+          </a:prstGeom>
+          <a:ln>
+            <a:solidFill>
+              <a:srgbClr val="BB23E5"/>
+            </a:solidFill>
+            <a:tailEnd type="triangle"/>
+          </a:ln>
+        </p:spPr>
+        <p:style>
+          <a:lnRef idx="1">
+            <a:schemeClr val="accent1"/>
+          </a:lnRef>
+          <a:fillRef idx="0">
+            <a:schemeClr val="accent1"/>
+          </a:fillRef>
+          <a:effectRef idx="0">
+            <a:schemeClr val="accent1"/>
+          </a:effectRef>
+          <a:fontRef idx="minor">
+            <a:schemeClr val="tx1"/>
+          </a:fontRef>
+        </p:style>
+      </p:cxnSp>
+      <p:sp>
+        <p:nvSpPr>
+          <p:cNvPr id="61" name="文本框 60">
+            <a:extLst>
+              <a:ext uri="{FF2B5EF4-FFF2-40B4-BE49-F238E27FC236}">
+                <a16:creationId xmlns:a16="http://schemas.microsoft.com/office/drawing/2014/main" id="{3095EA03-033E-438C-8091-0F793CFEBF07}"/>
+              </a:ext>
+            </a:extLst>
+          </p:cNvPr>
+          <p:cNvSpPr txBox="1"/>
+          <p:nvPr/>
+        </p:nvSpPr>
+        <p:spPr>
+          <a:xfrm>
+            <a:off x="3661067" y="2522106"/>
+            <a:ext cx="2636037" cy="577081"/>
+          </a:xfrm>
+          <a:prstGeom prst="rect">
+            <a:avLst/>
+          </a:prstGeom>
+          <a:noFill/>
+        </p:spPr>
+        <p:txBody>
+          <a:bodyPr wrap="square" rtlCol="0">
+            <a:spAutoFit/>
+          </a:bodyPr>
+          <a:lstStyle/>
+          <a:p>
+            <a:r>
+              <a:rPr lang="en-US" altLang="zh-CN" sz="1050"/>
+              <a:t>first</a:t>
+            </a:r>
+            <a:r>
+              <a:rPr lang="zh-CN" altLang="en-US" sz="1050"/>
+              <a:t>是一个指针，里面的内容假设是</a:t>
+            </a:r>
+            <a:r>
+              <a:rPr lang="en-US" altLang="zh-CN" sz="1050"/>
+              <a:t>0x02324</a:t>
+            </a:r>
+            <a:r>
+              <a:rPr lang="zh-CN" altLang="en-US" sz="1050"/>
+              <a:t>这个地址，</a:t>
+            </a:r>
+            <a:endParaRPr lang="en-US" altLang="zh-CN" sz="1050"/>
+          </a:p>
+          <a:p>
+            <a:r>
+              <a:rPr lang="zh-CN" altLang="en-US" sz="1050"/>
+              <a:t>这个地址指向的就是下一个节点</a:t>
+            </a:r>
+          </a:p>
+        </p:txBody>
+      </p:sp>
+      <p:sp>
+        <p:nvSpPr>
+          <p:cNvPr id="70" name="文本框 69">
+            <a:extLst>
+              <a:ext uri="{FF2B5EF4-FFF2-40B4-BE49-F238E27FC236}">
+                <a16:creationId xmlns:a16="http://schemas.microsoft.com/office/drawing/2014/main" id="{21AD0CCD-DEA7-42D7-ABF6-57FEC17950F7}"/>
+              </a:ext>
+            </a:extLst>
+          </p:cNvPr>
+          <p:cNvSpPr txBox="1"/>
+          <p:nvPr/>
+        </p:nvSpPr>
+        <p:spPr>
+          <a:xfrm>
+            <a:off x="3553905" y="4052262"/>
+            <a:ext cx="2636037" cy="415498"/>
+          </a:xfrm>
+          <a:prstGeom prst="rect">
+            <a:avLst/>
+          </a:prstGeom>
+          <a:noFill/>
+        </p:spPr>
+        <p:txBody>
+          <a:bodyPr wrap="square" rtlCol="0">
+            <a:spAutoFit/>
+          </a:bodyPr>
+          <a:lstStyle/>
+          <a:p>
+            <a:r>
+              <a:rPr lang="en-US" altLang="zh-CN" sz="1050"/>
+              <a:t>pprev</a:t>
+            </a:r>
+            <a:r>
+              <a:rPr lang="zh-CN" altLang="en-US" sz="1050"/>
+              <a:t>是一个二级指针，里面存的值是存</a:t>
+            </a:r>
+            <a:r>
+              <a:rPr lang="en-US" altLang="zh-CN" sz="1050"/>
+              <a:t>0x02324</a:t>
+            </a:r>
+            <a:r>
+              <a:rPr lang="zh-CN" altLang="en-US" sz="1050"/>
+              <a:t>这个内容的</a:t>
+            </a:r>
+            <a:r>
+              <a:rPr lang="en-US" altLang="zh-CN" sz="1050"/>
+              <a:t>first</a:t>
+            </a:r>
+            <a:r>
+              <a:rPr lang="zh-CN" altLang="en-US" sz="1050"/>
+              <a:t>的地址，</a:t>
+            </a:r>
+          </a:p>
+        </p:txBody>
+      </p:sp>
+      <p:sp>
+        <p:nvSpPr>
+          <p:cNvPr id="71" name="矩形 70">
+            <a:extLst>
+              <a:ext uri="{FF2B5EF4-FFF2-40B4-BE49-F238E27FC236}">
+                <a16:creationId xmlns:a16="http://schemas.microsoft.com/office/drawing/2014/main" id="{6392BC54-B5C0-472C-B283-5A6829AA2216}"/>
+              </a:ext>
+            </a:extLst>
+          </p:cNvPr>
+          <p:cNvSpPr/>
+          <p:nvPr/>
+        </p:nvSpPr>
+        <p:spPr>
+          <a:xfrm>
+            <a:off x="9466639" y="3119007"/>
+            <a:ext cx="1213700" cy="518474"/>
+          </a:xfrm>
+          <a:prstGeom prst="rect">
+            <a:avLst/>
+          </a:prstGeom>
+          <a:solidFill>
+            <a:srgbClr val="C239E7"/>
+          </a:solidFill>
+          <a:ln>
+            <a:noFill/>
+          </a:ln>
+        </p:spPr>
+        <p:style>
+          <a:lnRef idx="2">
+            <a:schemeClr val="accent1">
+              <a:shade val="50000"/>
+            </a:schemeClr>
+          </a:lnRef>
+          <a:fillRef idx="1">
+            <a:schemeClr val="accent1"/>
+          </a:fillRef>
+          <a:effectRef idx="0">
+            <a:schemeClr val="accent1"/>
+          </a:effectRef>
+          <a:fontRef idx="minor">
+            <a:schemeClr val="lt1"/>
+          </a:fontRef>
+        </p:style>
+        <p:txBody>
+          <a:bodyPr rtlCol="0" anchor="ctr"/>
+          <a:lstStyle/>
+          <a:p>
+            <a:pPr algn="ctr"/>
+            <a:r>
+              <a:rPr lang="en-US" altLang="zh-CN"/>
+              <a:t>0</a:t>
+            </a:r>
+            <a:endParaRPr lang="zh-CN" altLang="en-US"/>
+          </a:p>
+        </p:txBody>
+      </p:sp>
+      <p:sp>
+        <p:nvSpPr>
+          <p:cNvPr id="72" name="矩形 71">
+            <a:extLst>
+              <a:ext uri="{FF2B5EF4-FFF2-40B4-BE49-F238E27FC236}">
+                <a16:creationId xmlns:a16="http://schemas.microsoft.com/office/drawing/2014/main" id="{4E70E3E1-D474-46F1-9FF7-D6DC8DC1C398}"/>
+              </a:ext>
+            </a:extLst>
+          </p:cNvPr>
+          <p:cNvSpPr/>
+          <p:nvPr/>
+        </p:nvSpPr>
+        <p:spPr>
+          <a:xfrm>
+            <a:off x="3661067" y="1025860"/>
+            <a:ext cx="1213700" cy="518474"/>
+          </a:xfrm>
+          <a:prstGeom prst="rect">
+            <a:avLst/>
+          </a:prstGeom>
+          <a:solidFill>
+            <a:srgbClr val="C239E7"/>
+          </a:solidFill>
+          <a:ln>
+            <a:noFill/>
+          </a:ln>
+        </p:spPr>
+        <p:style>
+          <a:lnRef idx="2">
+            <a:schemeClr val="accent1">
+              <a:shade val="50000"/>
+            </a:schemeClr>
+          </a:lnRef>
+          <a:fillRef idx="1">
+            <a:schemeClr val="accent1"/>
+          </a:fillRef>
+          <a:effectRef idx="0">
+            <a:schemeClr val="accent1"/>
+          </a:effectRef>
+          <a:fontRef idx="minor">
+            <a:schemeClr val="lt1"/>
+          </a:fontRef>
+        </p:style>
+        <p:txBody>
+          <a:bodyPr rtlCol="0" anchor="ctr"/>
+          <a:lstStyle/>
+          <a:p>
+            <a:pPr algn="ctr"/>
+            <a:r>
+              <a:rPr lang="en-US" altLang="zh-CN"/>
+              <a:t>0</a:t>
+            </a:r>
+            <a:endParaRPr lang="zh-CN" altLang="en-US"/>
+          </a:p>
+        </p:txBody>
+      </p:sp>
+    </p:spTree>
+    <p:extLst>
+      <p:ext uri="{BB962C8B-B14F-4D97-AF65-F5344CB8AC3E}">
+        <p14:creationId xmlns:p14="http://schemas.microsoft.com/office/powerpoint/2010/main" val="3534385263"/>
+      </p:ext>
+    </p:extLst>
+  </p:cSld>
+  <p:clrMapOvr>
+    <a:masterClrMapping/>
+  </p:clrMapOvr>
+</p:sld>
+</file>
+
+<file path=ppt/slides/slide21.xml><?xml version="1.0" encoding="utf-8"?>
+<p:sld xmlns:a="http://schemas.openxmlformats.org/drawingml/2006/main" xmlns:r="http://schemas.openxmlformats.org/officeDocument/2006/relationships" xmlns:p="http://schemas.openxmlformats.org/presentationml/2006/main">
+  <p:cSld>
+    <p:spTree>
+      <p:nvGrpSpPr>
+        <p:cNvPr id="1" name=""/>
+        <p:cNvGrpSpPr/>
+        <p:nvPr/>
+      </p:nvGrpSpPr>
+      <p:grpSpPr>
+        <a:xfrm>
+          <a:off x="0" y="0"/>
+          <a:ext cx="0" cy="0"/>
+          <a:chOff x="0" y="0"/>
+          <a:chExt cx="0" cy="0"/>
+        </a:xfrm>
+      </p:grpSpPr>
+      <p:sp>
+        <p:nvSpPr>
+          <p:cNvPr id="14" name="矩形: 圆角 13">
+            <a:extLst>
+              <a:ext uri="{FF2B5EF4-FFF2-40B4-BE49-F238E27FC236}">
+                <a16:creationId xmlns:a16="http://schemas.microsoft.com/office/drawing/2014/main" id="{63852A17-46CB-4B99-A279-9C5DB9660941}"/>
+              </a:ext>
+            </a:extLst>
+          </p:cNvPr>
+          <p:cNvSpPr/>
+          <p:nvPr/>
+        </p:nvSpPr>
+        <p:spPr>
+          <a:xfrm>
+            <a:off x="443060" y="3565267"/>
+            <a:ext cx="1998483" cy="1638694"/>
+          </a:xfrm>
+          <a:prstGeom prst="roundRect">
+            <a:avLst/>
+          </a:prstGeom>
+          <a:solidFill>
+            <a:srgbClr val="DD8EF2"/>
+          </a:solidFill>
+          <a:ln>
+            <a:noFill/>
+          </a:ln>
+        </p:spPr>
+        <p:style>
+          <a:lnRef idx="2">
+            <a:schemeClr val="accent1">
+              <a:shade val="50000"/>
+            </a:schemeClr>
+          </a:lnRef>
+          <a:fillRef idx="1">
+            <a:schemeClr val="accent1"/>
+          </a:fillRef>
+          <a:effectRef idx="0">
+            <a:schemeClr val="accent1"/>
+          </a:effectRef>
+          <a:fontRef idx="minor">
+            <a:schemeClr val="lt1"/>
+          </a:fontRef>
+        </p:style>
+        <p:txBody>
+          <a:bodyPr rtlCol="0" anchor="ctr"/>
+          <a:lstStyle/>
+          <a:p>
+            <a:pPr algn="ctr"/>
+            <a:endParaRPr lang="zh-CN" altLang="en-US"/>
+          </a:p>
+        </p:txBody>
+      </p:sp>
+      <p:sp>
+        <p:nvSpPr>
+          <p:cNvPr id="15" name="文本框 14">
+            <a:extLst>
+              <a:ext uri="{FF2B5EF4-FFF2-40B4-BE49-F238E27FC236}">
+                <a16:creationId xmlns:a16="http://schemas.microsoft.com/office/drawing/2014/main" id="{B3D207D4-88F4-4BE8-9061-F19CBD417042}"/>
+              </a:ext>
+            </a:extLst>
+          </p:cNvPr>
+          <p:cNvSpPr txBox="1"/>
+          <p:nvPr/>
+        </p:nvSpPr>
+        <p:spPr>
+          <a:xfrm>
+            <a:off x="835451" y="3776162"/>
+            <a:ext cx="1213700" cy="369332"/>
+          </a:xfrm>
+          <a:prstGeom prst="rect">
+            <a:avLst/>
+          </a:prstGeom>
+          <a:noFill/>
+        </p:spPr>
+        <p:txBody>
+          <a:bodyPr wrap="square">
+            <a:spAutoFit/>
+          </a:bodyPr>
+          <a:lstStyle/>
+          <a:p>
+            <a:r>
+              <a:rPr lang="zh-CN" altLang="en-US"/>
+              <a:t>hlist_head</a:t>
+            </a:r>
+          </a:p>
+        </p:txBody>
+      </p:sp>
+      <p:sp>
+        <p:nvSpPr>
+          <p:cNvPr id="16" name="矩形 15">
+            <a:extLst>
+              <a:ext uri="{FF2B5EF4-FFF2-40B4-BE49-F238E27FC236}">
+                <a16:creationId xmlns:a16="http://schemas.microsoft.com/office/drawing/2014/main" id="{D18A374E-D682-47C2-8CD0-C0F8C1D567F2}"/>
+              </a:ext>
+            </a:extLst>
+          </p:cNvPr>
+          <p:cNvSpPr/>
+          <p:nvPr/>
+        </p:nvSpPr>
+        <p:spPr>
+          <a:xfrm>
+            <a:off x="835451" y="4254995"/>
+            <a:ext cx="1213700" cy="518474"/>
+          </a:xfrm>
+          <a:prstGeom prst="rect">
+            <a:avLst/>
+          </a:prstGeom>
+          <a:solidFill>
+            <a:srgbClr val="C239E7"/>
+          </a:solidFill>
+          <a:ln>
+            <a:noFill/>
+          </a:ln>
+        </p:spPr>
+        <p:style>
+          <a:lnRef idx="2">
+            <a:schemeClr val="accent1">
+              <a:shade val="50000"/>
+            </a:schemeClr>
+          </a:lnRef>
+          <a:fillRef idx="1">
+            <a:schemeClr val="accent1"/>
+          </a:fillRef>
+          <a:effectRef idx="0">
+            <a:schemeClr val="accent1"/>
+          </a:effectRef>
+          <a:fontRef idx="minor">
+            <a:schemeClr val="lt1"/>
+          </a:fontRef>
+        </p:style>
+        <p:txBody>
+          <a:bodyPr rtlCol="0" anchor="ctr"/>
+          <a:lstStyle/>
+          <a:p>
+            <a:pPr algn="ctr"/>
+            <a:r>
+              <a:rPr lang="en-US" altLang="zh-CN"/>
+              <a:t>first</a:t>
+            </a:r>
+            <a:endParaRPr lang="zh-CN" altLang="en-US"/>
+          </a:p>
+        </p:txBody>
+      </p:sp>
+      <p:grpSp>
+        <p:nvGrpSpPr>
+          <p:cNvPr id="25" name="组合 24">
+            <a:extLst>
+              <a:ext uri="{FF2B5EF4-FFF2-40B4-BE49-F238E27FC236}">
+                <a16:creationId xmlns:a16="http://schemas.microsoft.com/office/drawing/2014/main" id="{94227F8D-58F1-4357-A81B-AAAFC162DEC0}"/>
+              </a:ext>
+            </a:extLst>
+          </p:cNvPr>
+          <p:cNvGrpSpPr/>
+          <p:nvPr/>
+        </p:nvGrpSpPr>
+        <p:grpSpPr>
+          <a:xfrm>
+            <a:off x="8878345" y="3446283"/>
+            <a:ext cx="1998483" cy="1638693"/>
+            <a:chOff x="4535863" y="2820184"/>
+            <a:chExt cx="1998483" cy="1638693"/>
+          </a:xfrm>
+        </p:grpSpPr>
+        <p:sp>
+          <p:nvSpPr>
+            <p:cNvPr id="19" name="矩形: 圆角 18">
+              <a:extLst>
+                <a:ext uri="{FF2B5EF4-FFF2-40B4-BE49-F238E27FC236}">
+                  <a16:creationId xmlns:a16="http://schemas.microsoft.com/office/drawing/2014/main" id="{BEDE745C-5095-429D-B95C-7394054F8D57}"/>
+                </a:ext>
+              </a:extLst>
+            </p:cNvPr>
+            <p:cNvSpPr/>
+            <p:nvPr/>
+          </p:nvSpPr>
+          <p:spPr>
+            <a:xfrm>
+              <a:off x="4535863" y="2820184"/>
+              <a:ext cx="1998483" cy="1638693"/>
+            </a:xfrm>
+            <a:prstGeom prst="roundRect">
+              <a:avLst/>
+            </a:prstGeom>
+            <a:solidFill>
+              <a:srgbClr val="DD8EF2"/>
+            </a:solidFill>
+            <a:ln>
+              <a:noFill/>
+            </a:ln>
+          </p:spPr>
+          <p:style>
+            <a:lnRef idx="2">
+              <a:schemeClr val="accent1">
+                <a:shade val="50000"/>
+              </a:schemeClr>
+            </a:lnRef>
+            <a:fillRef idx="1">
+              <a:schemeClr val="accent1"/>
+            </a:fillRef>
+            <a:effectRef idx="0">
+              <a:schemeClr val="accent1"/>
+            </a:effectRef>
+            <a:fontRef idx="minor">
+              <a:schemeClr val="lt1"/>
+            </a:fontRef>
+          </p:style>
+          <p:txBody>
+            <a:bodyPr rtlCol="0" anchor="ctr"/>
+            <a:lstStyle/>
+            <a:p>
+              <a:pPr algn="ctr"/>
+              <a:endParaRPr lang="zh-CN" altLang="en-US"/>
+            </a:p>
+          </p:txBody>
+        </p:sp>
+        <p:sp>
+          <p:nvSpPr>
+            <p:cNvPr id="21" name="文本框 20">
+              <a:extLst>
+                <a:ext uri="{FF2B5EF4-FFF2-40B4-BE49-F238E27FC236}">
+                  <a16:creationId xmlns:a16="http://schemas.microsoft.com/office/drawing/2014/main" id="{FAA120A7-E7A4-4827-8966-8E8DE117CB4E}"/>
+                </a:ext>
+              </a:extLst>
+            </p:cNvPr>
+            <p:cNvSpPr txBox="1"/>
+            <p:nvPr/>
+          </p:nvSpPr>
+          <p:spPr>
+            <a:xfrm>
+              <a:off x="4910188" y="2931619"/>
+              <a:ext cx="1185812" cy="369332"/>
+            </a:xfrm>
+            <a:prstGeom prst="rect">
+              <a:avLst/>
+            </a:prstGeom>
+            <a:noFill/>
+          </p:spPr>
+          <p:txBody>
+            <a:bodyPr wrap="square">
+              <a:spAutoFit/>
+            </a:bodyPr>
+            <a:lstStyle/>
+            <a:p>
+              <a:r>
+                <a:rPr lang="zh-CN" altLang="en-US"/>
+                <a:t>hlist_node</a:t>
+              </a:r>
+            </a:p>
+          </p:txBody>
+        </p:sp>
+        <p:sp>
+          <p:nvSpPr>
+            <p:cNvPr id="22" name="矩形 21">
+              <a:extLst>
+                <a:ext uri="{FF2B5EF4-FFF2-40B4-BE49-F238E27FC236}">
+                  <a16:creationId xmlns:a16="http://schemas.microsoft.com/office/drawing/2014/main" id="{C160B922-7697-43AE-95BF-EFC3539E30DD}"/>
+                </a:ext>
+              </a:extLst>
+            </p:cNvPr>
+            <p:cNvSpPr/>
+            <p:nvPr/>
+          </p:nvSpPr>
+          <p:spPr>
+            <a:xfrm>
+              <a:off x="4910188" y="3335881"/>
+              <a:ext cx="1213700" cy="369332"/>
+            </a:xfrm>
+            <a:prstGeom prst="rect">
+              <a:avLst/>
+            </a:prstGeom>
+            <a:solidFill>
+              <a:srgbClr val="C239E7"/>
+            </a:solidFill>
+            <a:ln>
+              <a:noFill/>
+            </a:ln>
+          </p:spPr>
+          <p:style>
+            <a:lnRef idx="2">
+              <a:schemeClr val="accent1">
+                <a:shade val="50000"/>
+              </a:schemeClr>
+            </a:lnRef>
+            <a:fillRef idx="1">
+              <a:schemeClr val="accent1"/>
+            </a:fillRef>
+            <a:effectRef idx="0">
+              <a:schemeClr val="accent1"/>
+            </a:effectRef>
+            <a:fontRef idx="minor">
+              <a:schemeClr val="lt1"/>
+            </a:fontRef>
+          </p:style>
+          <p:txBody>
+            <a:bodyPr rtlCol="0" anchor="ctr"/>
+            <a:lstStyle/>
+            <a:p>
+              <a:pPr algn="ctr"/>
+              <a:r>
+                <a:rPr lang="en-US" altLang="zh-CN"/>
+                <a:t>next</a:t>
+              </a:r>
+              <a:endParaRPr lang="zh-CN" altLang="en-US"/>
+            </a:p>
+          </p:txBody>
+        </p:sp>
+        <p:sp>
+          <p:nvSpPr>
+            <p:cNvPr id="24" name="矩形 23">
+              <a:extLst>
+                <a:ext uri="{FF2B5EF4-FFF2-40B4-BE49-F238E27FC236}">
+                  <a16:creationId xmlns:a16="http://schemas.microsoft.com/office/drawing/2014/main" id="{F62E0807-1BBC-43BD-B649-22F0F7893CB6}"/>
+                </a:ext>
+              </a:extLst>
+            </p:cNvPr>
+            <p:cNvSpPr/>
+            <p:nvPr/>
+          </p:nvSpPr>
+          <p:spPr>
+            <a:xfrm>
+              <a:off x="4910188" y="3864874"/>
+              <a:ext cx="1213700" cy="369332"/>
+            </a:xfrm>
+            <a:prstGeom prst="rect">
+              <a:avLst/>
+            </a:prstGeom>
+            <a:solidFill>
+              <a:srgbClr val="C239E7"/>
+            </a:solidFill>
+            <a:ln>
+              <a:noFill/>
+            </a:ln>
+          </p:spPr>
+          <p:style>
+            <a:lnRef idx="2">
+              <a:schemeClr val="accent1">
+                <a:shade val="50000"/>
+              </a:schemeClr>
+            </a:lnRef>
+            <a:fillRef idx="1">
+              <a:schemeClr val="accent1"/>
+            </a:fillRef>
+            <a:effectRef idx="0">
+              <a:schemeClr val="accent1"/>
+            </a:effectRef>
+            <a:fontRef idx="minor">
+              <a:schemeClr val="lt1"/>
+            </a:fontRef>
+          </p:style>
+          <p:txBody>
+            <a:bodyPr rtlCol="0" anchor="ctr"/>
+            <a:lstStyle/>
+            <a:p>
+              <a:pPr algn="ctr"/>
+              <a:r>
+                <a:rPr lang="en-US" altLang="zh-CN"/>
+                <a:t>pprev</a:t>
+              </a:r>
+              <a:endParaRPr lang="zh-CN" altLang="en-US"/>
+            </a:p>
+          </p:txBody>
+        </p:sp>
+      </p:grpSp>
+      <p:sp>
+        <p:nvSpPr>
+          <p:cNvPr id="29" name="矩形 28">
+            <a:extLst>
+              <a:ext uri="{FF2B5EF4-FFF2-40B4-BE49-F238E27FC236}">
+                <a16:creationId xmlns:a16="http://schemas.microsoft.com/office/drawing/2014/main" id="{9DE31BA6-CE9C-4B52-A7D4-B3097F04816A}"/>
+              </a:ext>
+            </a:extLst>
+          </p:cNvPr>
+          <p:cNvSpPr/>
+          <p:nvPr/>
+        </p:nvSpPr>
+        <p:spPr>
+          <a:xfrm>
+            <a:off x="6989450" y="1597237"/>
+            <a:ext cx="1213700" cy="518474"/>
+          </a:xfrm>
+          <a:prstGeom prst="rect">
+            <a:avLst/>
+          </a:prstGeom>
+          <a:solidFill>
+            <a:srgbClr val="C239E7"/>
+          </a:solidFill>
+          <a:ln>
+            <a:noFill/>
+          </a:ln>
+        </p:spPr>
+        <p:style>
+          <a:lnRef idx="2">
+            <a:schemeClr val="accent1">
+              <a:shade val="50000"/>
+            </a:schemeClr>
+          </a:lnRef>
+          <a:fillRef idx="1">
+            <a:schemeClr val="accent1"/>
+          </a:fillRef>
+          <a:effectRef idx="0">
+            <a:schemeClr val="accent1"/>
+          </a:effectRef>
+          <a:fontRef idx="minor">
+            <a:schemeClr val="lt1"/>
+          </a:fontRef>
+        </p:style>
+        <p:txBody>
+          <a:bodyPr rtlCol="0" anchor="ctr"/>
+          <a:lstStyle/>
+          <a:p>
+            <a:pPr algn="ctr"/>
+            <a:r>
+              <a:rPr lang="en-US" altLang="zh-CN"/>
+              <a:t>0x02324</a:t>
+            </a:r>
+            <a:endParaRPr lang="zh-CN" altLang="en-US"/>
+          </a:p>
+        </p:txBody>
+      </p:sp>
+      <p:grpSp>
+        <p:nvGrpSpPr>
+          <p:cNvPr id="27" name="组合 26">
+            <a:extLst>
+              <a:ext uri="{FF2B5EF4-FFF2-40B4-BE49-F238E27FC236}">
+                <a16:creationId xmlns:a16="http://schemas.microsoft.com/office/drawing/2014/main" id="{515CD657-9898-4FA7-A491-50E0735A8BF2}"/>
+              </a:ext>
+            </a:extLst>
+          </p:cNvPr>
+          <p:cNvGrpSpPr/>
+          <p:nvPr/>
+        </p:nvGrpSpPr>
+        <p:grpSpPr>
+          <a:xfrm>
+            <a:off x="4481267" y="3565267"/>
+            <a:ext cx="1998483" cy="1638693"/>
+            <a:chOff x="4535863" y="2820184"/>
+            <a:chExt cx="1998483" cy="1638693"/>
+          </a:xfrm>
+        </p:grpSpPr>
+        <p:sp>
+          <p:nvSpPr>
+            <p:cNvPr id="28" name="矩形: 圆角 27">
+              <a:extLst>
+                <a:ext uri="{FF2B5EF4-FFF2-40B4-BE49-F238E27FC236}">
+                  <a16:creationId xmlns:a16="http://schemas.microsoft.com/office/drawing/2014/main" id="{BD40EF2F-BBF9-4A9E-8AE3-EF0DD8CD2F46}"/>
+                </a:ext>
+              </a:extLst>
+            </p:cNvPr>
+            <p:cNvSpPr/>
+            <p:nvPr/>
+          </p:nvSpPr>
+          <p:spPr>
+            <a:xfrm>
+              <a:off x="4535863" y="2820184"/>
+              <a:ext cx="1998483" cy="1638693"/>
+            </a:xfrm>
+            <a:prstGeom prst="roundRect">
+              <a:avLst/>
+            </a:prstGeom>
+            <a:solidFill>
+              <a:srgbClr val="DD8EF2"/>
+            </a:solidFill>
+            <a:ln>
+              <a:noFill/>
+            </a:ln>
+          </p:spPr>
+          <p:style>
+            <a:lnRef idx="2">
+              <a:schemeClr val="accent1">
+                <a:shade val="50000"/>
+              </a:schemeClr>
+            </a:lnRef>
+            <a:fillRef idx="1">
+              <a:schemeClr val="accent1"/>
+            </a:fillRef>
+            <a:effectRef idx="0">
+              <a:schemeClr val="accent1"/>
+            </a:effectRef>
+            <a:fontRef idx="minor">
+              <a:schemeClr val="lt1"/>
+            </a:fontRef>
+          </p:style>
+          <p:txBody>
+            <a:bodyPr rtlCol="0" anchor="ctr"/>
+            <a:lstStyle/>
+            <a:p>
+              <a:pPr algn="ctr"/>
+              <a:endParaRPr lang="zh-CN" altLang="en-US"/>
+            </a:p>
+          </p:txBody>
+        </p:sp>
+        <p:sp>
+          <p:nvSpPr>
+            <p:cNvPr id="31" name="文本框 30">
+              <a:extLst>
+                <a:ext uri="{FF2B5EF4-FFF2-40B4-BE49-F238E27FC236}">
+                  <a16:creationId xmlns:a16="http://schemas.microsoft.com/office/drawing/2014/main" id="{091C7982-F138-49DA-A7CA-69E6D621D54F}"/>
+                </a:ext>
+              </a:extLst>
+            </p:cNvPr>
+            <p:cNvSpPr txBox="1"/>
+            <p:nvPr/>
+          </p:nvSpPr>
+          <p:spPr>
+            <a:xfrm>
+              <a:off x="4910188" y="2931619"/>
+              <a:ext cx="1185812" cy="369332"/>
+            </a:xfrm>
+            <a:prstGeom prst="rect">
+              <a:avLst/>
+            </a:prstGeom>
+            <a:noFill/>
+          </p:spPr>
+          <p:txBody>
+            <a:bodyPr wrap="square">
+              <a:spAutoFit/>
+            </a:bodyPr>
+            <a:lstStyle/>
+            <a:p>
+              <a:r>
+                <a:rPr lang="zh-CN" altLang="en-US"/>
+                <a:t>hlist_node</a:t>
+              </a:r>
+            </a:p>
+          </p:txBody>
+        </p:sp>
+        <p:sp>
+          <p:nvSpPr>
+            <p:cNvPr id="32" name="矩形 31">
+              <a:extLst>
+                <a:ext uri="{FF2B5EF4-FFF2-40B4-BE49-F238E27FC236}">
+                  <a16:creationId xmlns:a16="http://schemas.microsoft.com/office/drawing/2014/main" id="{6B22C1B1-630C-4455-AA93-E02F273BEE93}"/>
+                </a:ext>
+              </a:extLst>
+            </p:cNvPr>
+            <p:cNvSpPr/>
+            <p:nvPr/>
+          </p:nvSpPr>
+          <p:spPr>
+            <a:xfrm>
+              <a:off x="4910188" y="3335881"/>
+              <a:ext cx="1213700" cy="369332"/>
+            </a:xfrm>
+            <a:prstGeom prst="rect">
+              <a:avLst/>
+            </a:prstGeom>
+            <a:solidFill>
+              <a:srgbClr val="C239E7"/>
+            </a:solidFill>
+            <a:ln>
+              <a:noFill/>
+            </a:ln>
+          </p:spPr>
+          <p:style>
+            <a:lnRef idx="2">
+              <a:schemeClr val="accent1">
+                <a:shade val="50000"/>
+              </a:schemeClr>
+            </a:lnRef>
+            <a:fillRef idx="1">
+              <a:schemeClr val="accent1"/>
+            </a:fillRef>
+            <a:effectRef idx="0">
+              <a:schemeClr val="accent1"/>
+            </a:effectRef>
+            <a:fontRef idx="minor">
+              <a:schemeClr val="lt1"/>
+            </a:fontRef>
+          </p:style>
+          <p:txBody>
+            <a:bodyPr rtlCol="0" anchor="ctr"/>
+            <a:lstStyle/>
+            <a:p>
+              <a:pPr algn="ctr"/>
+              <a:r>
+                <a:rPr lang="en-US" altLang="zh-CN"/>
+                <a:t>next</a:t>
+              </a:r>
+              <a:endParaRPr lang="zh-CN" altLang="en-US"/>
+            </a:p>
+          </p:txBody>
+        </p:sp>
+        <p:sp>
+          <p:nvSpPr>
+            <p:cNvPr id="33" name="矩形 32">
+              <a:extLst>
+                <a:ext uri="{FF2B5EF4-FFF2-40B4-BE49-F238E27FC236}">
+                  <a16:creationId xmlns:a16="http://schemas.microsoft.com/office/drawing/2014/main" id="{B5B81B77-12EC-4B68-9A1F-CBC634314ED4}"/>
+                </a:ext>
+              </a:extLst>
+            </p:cNvPr>
+            <p:cNvSpPr/>
+            <p:nvPr/>
+          </p:nvSpPr>
+          <p:spPr>
+            <a:xfrm>
+              <a:off x="4910188" y="3864874"/>
+              <a:ext cx="1213700" cy="369332"/>
+            </a:xfrm>
+            <a:prstGeom prst="rect">
+              <a:avLst/>
+            </a:prstGeom>
+            <a:solidFill>
+              <a:srgbClr val="C239E7"/>
+            </a:solidFill>
+            <a:ln>
+              <a:noFill/>
+            </a:ln>
+          </p:spPr>
+          <p:style>
+            <a:lnRef idx="2">
+              <a:schemeClr val="accent1">
+                <a:shade val="50000"/>
+              </a:schemeClr>
+            </a:lnRef>
+            <a:fillRef idx="1">
+              <a:schemeClr val="accent1"/>
+            </a:fillRef>
+            <a:effectRef idx="0">
+              <a:schemeClr val="accent1"/>
+            </a:effectRef>
+            <a:fontRef idx="minor">
+              <a:schemeClr val="lt1"/>
+            </a:fontRef>
+          </p:style>
+          <p:txBody>
+            <a:bodyPr rtlCol="0" anchor="ctr"/>
+            <a:lstStyle/>
+            <a:p>
+              <a:pPr algn="ctr"/>
+              <a:r>
+                <a:rPr lang="en-US" altLang="zh-CN"/>
+                <a:t>pprev</a:t>
+              </a:r>
+              <a:endParaRPr lang="zh-CN" altLang="en-US"/>
+            </a:p>
+          </p:txBody>
+        </p:sp>
+      </p:grpSp>
+      <p:cxnSp>
+        <p:nvCxnSpPr>
+          <p:cNvPr id="58" name="连接符: 肘形 57">
+            <a:extLst>
+              <a:ext uri="{FF2B5EF4-FFF2-40B4-BE49-F238E27FC236}">
+                <a16:creationId xmlns:a16="http://schemas.microsoft.com/office/drawing/2014/main" id="{0606EE83-A943-4A8C-B711-FDBDD9116E96}"/>
+              </a:ext>
+            </a:extLst>
+          </p:cNvPr>
+          <p:cNvCxnSpPr>
+            <a:cxnSpLocks/>
+            <a:stCxn id="24" idx="2"/>
+            <a:endCxn id="32" idx="1"/>
+          </p:cNvCxnSpPr>
+          <p:nvPr/>
+        </p:nvCxnSpPr>
+        <p:spPr>
+          <a:xfrm rot="5400000" flipH="1">
+            <a:off x="7060218" y="2061004"/>
+            <a:ext cx="594675" cy="5003928"/>
+          </a:xfrm>
+          <a:prstGeom prst="bentConnector4">
+            <a:avLst>
+              <a:gd name="adj1" fmla="val 58257"/>
+              <a:gd name="adj2" fmla="val 104568"/>
+            </a:avLst>
+          </a:prstGeom>
+          <a:ln>
+            <a:solidFill>
+              <a:srgbClr val="BB23E5"/>
+            </a:solidFill>
+            <a:tailEnd type="triangle"/>
+          </a:ln>
+        </p:spPr>
+        <p:style>
+          <a:lnRef idx="1">
+            <a:schemeClr val="accent1"/>
+          </a:lnRef>
+          <a:fillRef idx="0">
+            <a:schemeClr val="accent1"/>
+          </a:fillRef>
+          <a:effectRef idx="0">
+            <a:schemeClr val="accent1"/>
+          </a:effectRef>
+          <a:fontRef idx="minor">
+            <a:schemeClr val="tx1"/>
+          </a:fontRef>
+        </p:style>
+      </p:cxnSp>
+      <p:cxnSp>
+        <p:nvCxnSpPr>
+          <p:cNvPr id="38" name="连接符: 肘形 37">
+            <a:extLst>
+              <a:ext uri="{FF2B5EF4-FFF2-40B4-BE49-F238E27FC236}">
+                <a16:creationId xmlns:a16="http://schemas.microsoft.com/office/drawing/2014/main" id="{5C99BE2C-85D4-4E57-9C9A-07C842D6F525}"/>
+              </a:ext>
+            </a:extLst>
+          </p:cNvPr>
+          <p:cNvCxnSpPr>
+            <a:cxnSpLocks/>
+            <a:stCxn id="29" idx="3"/>
+            <a:endCxn id="19" idx="0"/>
+          </p:cNvCxnSpPr>
+          <p:nvPr/>
+        </p:nvCxnSpPr>
+        <p:spPr>
+          <a:xfrm>
+            <a:off x="8203150" y="1856474"/>
+            <a:ext cx="1674437" cy="1589809"/>
+          </a:xfrm>
+          <a:prstGeom prst="bentConnector2">
+            <a:avLst/>
+          </a:prstGeom>
+          <a:ln>
+            <a:solidFill>
+              <a:srgbClr val="BB23E5"/>
+            </a:solidFill>
+            <a:tailEnd type="triangle"/>
+          </a:ln>
+        </p:spPr>
+        <p:style>
+          <a:lnRef idx="1">
+            <a:schemeClr val="accent1"/>
+          </a:lnRef>
+          <a:fillRef idx="0">
+            <a:schemeClr val="accent1"/>
+          </a:fillRef>
+          <a:effectRef idx="0">
+            <a:schemeClr val="accent1"/>
+          </a:effectRef>
+          <a:fontRef idx="minor">
+            <a:schemeClr val="tx1"/>
+          </a:fontRef>
+        </p:style>
+      </p:cxnSp>
+      <p:cxnSp>
+        <p:nvCxnSpPr>
+          <p:cNvPr id="42" name="连接符: 肘形 41">
+            <a:extLst>
+              <a:ext uri="{FF2B5EF4-FFF2-40B4-BE49-F238E27FC236}">
+                <a16:creationId xmlns:a16="http://schemas.microsoft.com/office/drawing/2014/main" id="{56746610-40E0-4104-92CC-48C8C5143B2C}"/>
+              </a:ext>
+            </a:extLst>
+          </p:cNvPr>
+          <p:cNvCxnSpPr>
+            <a:cxnSpLocks/>
+            <a:stCxn id="32" idx="3"/>
+            <a:endCxn id="29" idx="2"/>
+          </p:cNvCxnSpPr>
+          <p:nvPr/>
+        </p:nvCxnSpPr>
+        <p:spPr>
+          <a:xfrm flipV="1">
+            <a:off x="6069292" y="2115711"/>
+            <a:ext cx="1527008" cy="2149919"/>
+          </a:xfrm>
+          <a:prstGeom prst="bentConnector2">
+            <a:avLst/>
+          </a:prstGeom>
+          <a:ln>
+            <a:solidFill>
+              <a:srgbClr val="BB23E5"/>
+            </a:solidFill>
+            <a:tailEnd type="triangle"/>
+          </a:ln>
+        </p:spPr>
+        <p:style>
+          <a:lnRef idx="1">
+            <a:schemeClr val="accent1"/>
+          </a:lnRef>
+          <a:fillRef idx="0">
+            <a:schemeClr val="accent1"/>
+          </a:fillRef>
+          <a:effectRef idx="0">
+            <a:schemeClr val="accent1"/>
+          </a:effectRef>
+          <a:fontRef idx="minor">
+            <a:schemeClr val="tx1"/>
+          </a:fontRef>
+        </p:style>
+      </p:cxnSp>
+      <p:sp>
+        <p:nvSpPr>
+          <p:cNvPr id="51" name="矩形 50">
+            <a:extLst>
+              <a:ext uri="{FF2B5EF4-FFF2-40B4-BE49-F238E27FC236}">
+                <a16:creationId xmlns:a16="http://schemas.microsoft.com/office/drawing/2014/main" id="{52E7073F-9D13-4330-B16D-6080F02AB012}"/>
+              </a:ext>
+            </a:extLst>
+          </p:cNvPr>
+          <p:cNvSpPr/>
+          <p:nvPr/>
+        </p:nvSpPr>
+        <p:spPr>
+          <a:xfrm>
+            <a:off x="2791516" y="1597237"/>
+            <a:ext cx="1213700" cy="518474"/>
+          </a:xfrm>
+          <a:prstGeom prst="rect">
+            <a:avLst/>
+          </a:prstGeom>
+          <a:solidFill>
+            <a:srgbClr val="C239E7"/>
+          </a:solidFill>
+          <a:ln>
+            <a:noFill/>
+          </a:ln>
+        </p:spPr>
+        <p:style>
+          <a:lnRef idx="2">
+            <a:schemeClr val="accent1">
+              <a:shade val="50000"/>
+            </a:schemeClr>
+          </a:lnRef>
+          <a:fillRef idx="1">
+            <a:schemeClr val="accent1"/>
+          </a:fillRef>
+          <a:effectRef idx="0">
+            <a:schemeClr val="accent1"/>
+          </a:effectRef>
+          <a:fontRef idx="minor">
+            <a:schemeClr val="lt1"/>
+          </a:fontRef>
+        </p:style>
+        <p:txBody>
+          <a:bodyPr rtlCol="0" anchor="ctr"/>
+          <a:lstStyle/>
+          <a:p>
+            <a:pPr algn="ctr"/>
+            <a:r>
+              <a:rPr lang="en-US" altLang="zh-CN"/>
+              <a:t>0x02323</a:t>
+            </a:r>
+            <a:endParaRPr lang="zh-CN" altLang="en-US"/>
+          </a:p>
+        </p:txBody>
+      </p:sp>
+      <p:cxnSp>
+        <p:nvCxnSpPr>
+          <p:cNvPr id="52" name="连接符: 肘形 51">
+            <a:extLst>
+              <a:ext uri="{FF2B5EF4-FFF2-40B4-BE49-F238E27FC236}">
+                <a16:creationId xmlns:a16="http://schemas.microsoft.com/office/drawing/2014/main" id="{E2B31D29-FC5F-4735-AAD1-9F1E149738ED}"/>
+              </a:ext>
+            </a:extLst>
+          </p:cNvPr>
+          <p:cNvCxnSpPr>
+            <a:cxnSpLocks/>
+            <a:stCxn id="16" idx="3"/>
+            <a:endCxn id="51" idx="2"/>
+          </p:cNvCxnSpPr>
+          <p:nvPr/>
+        </p:nvCxnSpPr>
+        <p:spPr>
+          <a:xfrm flipV="1">
+            <a:off x="2049151" y="2115711"/>
+            <a:ext cx="1349215" cy="2398521"/>
+          </a:xfrm>
+          <a:prstGeom prst="bentConnector2">
+            <a:avLst/>
+          </a:prstGeom>
+          <a:ln>
+            <a:solidFill>
+              <a:srgbClr val="BB23E5"/>
+            </a:solidFill>
+            <a:tailEnd type="triangle"/>
+          </a:ln>
+        </p:spPr>
+        <p:style>
+          <a:lnRef idx="1">
+            <a:schemeClr val="accent1"/>
+          </a:lnRef>
+          <a:fillRef idx="0">
+            <a:schemeClr val="accent1"/>
+          </a:fillRef>
+          <a:effectRef idx="0">
+            <a:schemeClr val="accent1"/>
+          </a:effectRef>
+          <a:fontRef idx="minor">
+            <a:schemeClr val="tx1"/>
+          </a:fontRef>
+        </p:style>
+      </p:cxnSp>
+      <p:cxnSp>
+        <p:nvCxnSpPr>
+          <p:cNvPr id="55" name="连接符: 肘形 54">
+            <a:extLst>
+              <a:ext uri="{FF2B5EF4-FFF2-40B4-BE49-F238E27FC236}">
+                <a16:creationId xmlns:a16="http://schemas.microsoft.com/office/drawing/2014/main" id="{F2AD9C50-81CA-4473-95AC-39AABFC3C3AB}"/>
+              </a:ext>
+            </a:extLst>
+          </p:cNvPr>
+          <p:cNvCxnSpPr>
+            <a:cxnSpLocks/>
+            <a:stCxn id="51" idx="3"/>
+            <a:endCxn id="28" idx="0"/>
+          </p:cNvCxnSpPr>
+          <p:nvPr/>
+        </p:nvCxnSpPr>
+        <p:spPr>
+          <a:xfrm>
+            <a:off x="4005216" y="1856474"/>
+            <a:ext cx="1475293" cy="1708793"/>
+          </a:xfrm>
+          <a:prstGeom prst="bentConnector2">
+            <a:avLst/>
+          </a:prstGeom>
+          <a:ln>
+            <a:solidFill>
+              <a:srgbClr val="BB23E5"/>
+            </a:solidFill>
+            <a:tailEnd type="triangle"/>
+          </a:ln>
+        </p:spPr>
+        <p:style>
+          <a:lnRef idx="1">
+            <a:schemeClr val="accent1"/>
+          </a:lnRef>
+          <a:fillRef idx="0">
+            <a:schemeClr val="accent1"/>
+          </a:fillRef>
+          <a:effectRef idx="0">
+            <a:schemeClr val="accent1"/>
+          </a:effectRef>
+          <a:fontRef idx="minor">
+            <a:schemeClr val="tx1"/>
+          </a:fontRef>
+        </p:style>
+      </p:cxnSp>
+      <p:sp>
+        <p:nvSpPr>
+          <p:cNvPr id="65" name="文本框 64">
+            <a:extLst>
+              <a:ext uri="{FF2B5EF4-FFF2-40B4-BE49-F238E27FC236}">
+                <a16:creationId xmlns:a16="http://schemas.microsoft.com/office/drawing/2014/main" id="{0E4B0E14-24B7-41B5-9E86-C6E97D8386EF}"/>
+              </a:ext>
+            </a:extLst>
+          </p:cNvPr>
+          <p:cNvSpPr txBox="1"/>
+          <p:nvPr/>
+        </p:nvSpPr>
+        <p:spPr>
+          <a:xfrm>
+            <a:off x="2580068" y="1218824"/>
+            <a:ext cx="1901199" cy="338554"/>
+          </a:xfrm>
+          <a:prstGeom prst="rect">
+            <a:avLst/>
+          </a:prstGeom>
+          <a:noFill/>
+        </p:spPr>
+        <p:txBody>
+          <a:bodyPr wrap="square" rtlCol="0">
+            <a:spAutoFit/>
+          </a:bodyPr>
+          <a:lstStyle/>
+          <a:p>
+            <a:r>
+              <a:rPr lang="zh-CN" altLang="en-US" sz="1600"/>
+              <a:t>内存中存放的地址</a:t>
+            </a:r>
+          </a:p>
+        </p:txBody>
+      </p:sp>
+      <p:sp>
+        <p:nvSpPr>
+          <p:cNvPr id="66" name="文本框 65">
+            <a:extLst>
+              <a:ext uri="{FF2B5EF4-FFF2-40B4-BE49-F238E27FC236}">
+                <a16:creationId xmlns:a16="http://schemas.microsoft.com/office/drawing/2014/main" id="{7B99952D-17E0-40F1-A918-32B3B7087E9E}"/>
+              </a:ext>
+            </a:extLst>
+          </p:cNvPr>
+          <p:cNvSpPr txBox="1"/>
+          <p:nvPr/>
+        </p:nvSpPr>
+        <p:spPr>
+          <a:xfrm>
+            <a:off x="6645700" y="1212711"/>
+            <a:ext cx="1901199" cy="338554"/>
+          </a:xfrm>
+          <a:prstGeom prst="rect">
+            <a:avLst/>
+          </a:prstGeom>
+          <a:noFill/>
+        </p:spPr>
+        <p:txBody>
+          <a:bodyPr wrap="square" rtlCol="0">
+            <a:spAutoFit/>
+          </a:bodyPr>
+          <a:lstStyle/>
+          <a:p>
+            <a:r>
+              <a:rPr lang="zh-CN" altLang="en-US" sz="1600"/>
+              <a:t>内存中存放的地址</a:t>
+            </a:r>
+          </a:p>
+        </p:txBody>
+      </p:sp>
+      <p:sp>
+        <p:nvSpPr>
+          <p:cNvPr id="67" name="矩形 66">
+            <a:extLst>
+              <a:ext uri="{FF2B5EF4-FFF2-40B4-BE49-F238E27FC236}">
+                <a16:creationId xmlns:a16="http://schemas.microsoft.com/office/drawing/2014/main" id="{8E1A288E-0A0C-40F8-8195-D6B007B5E476}"/>
+              </a:ext>
+            </a:extLst>
+          </p:cNvPr>
+          <p:cNvSpPr/>
+          <p:nvPr/>
+        </p:nvSpPr>
+        <p:spPr>
+          <a:xfrm>
+            <a:off x="10498580" y="1598390"/>
+            <a:ext cx="1213700" cy="518474"/>
+          </a:xfrm>
+          <a:prstGeom prst="rect">
+            <a:avLst/>
+          </a:prstGeom>
+          <a:solidFill>
+            <a:srgbClr val="C239E7"/>
+          </a:solidFill>
+          <a:ln>
+            <a:noFill/>
+          </a:ln>
+        </p:spPr>
+        <p:style>
+          <a:lnRef idx="2">
+            <a:schemeClr val="accent1">
+              <a:shade val="50000"/>
+            </a:schemeClr>
+          </a:lnRef>
+          <a:fillRef idx="1">
+            <a:schemeClr val="accent1"/>
+          </a:fillRef>
+          <a:effectRef idx="0">
+            <a:schemeClr val="accent1"/>
+          </a:effectRef>
+          <a:fontRef idx="minor">
+            <a:schemeClr val="lt1"/>
+          </a:fontRef>
+        </p:style>
+        <p:txBody>
+          <a:bodyPr rtlCol="0" anchor="ctr"/>
+          <a:lstStyle/>
+          <a:p>
+            <a:pPr algn="ctr"/>
+            <a:r>
+              <a:rPr lang="en-US" altLang="zh-CN"/>
+              <a:t>0</a:t>
+            </a:r>
+            <a:endParaRPr lang="zh-CN" altLang="en-US"/>
+          </a:p>
+        </p:txBody>
+      </p:sp>
+      <p:cxnSp>
+        <p:nvCxnSpPr>
+          <p:cNvPr id="68" name="连接符: 肘形 67">
+            <a:extLst>
+              <a:ext uri="{FF2B5EF4-FFF2-40B4-BE49-F238E27FC236}">
+                <a16:creationId xmlns:a16="http://schemas.microsoft.com/office/drawing/2014/main" id="{14DEEB70-6A9B-4ADD-9B06-1BA6F65DC59A}"/>
+              </a:ext>
+            </a:extLst>
+          </p:cNvPr>
+          <p:cNvCxnSpPr>
+            <a:cxnSpLocks/>
+            <a:endCxn id="67" idx="2"/>
+          </p:cNvCxnSpPr>
+          <p:nvPr/>
+        </p:nvCxnSpPr>
+        <p:spPr>
+          <a:xfrm rot="5400000" flipH="1" flipV="1">
+            <a:off x="9926259" y="3067435"/>
+            <a:ext cx="2129742" cy="228600"/>
+          </a:xfrm>
+          <a:prstGeom prst="bentConnector3">
+            <a:avLst>
+              <a:gd name="adj1" fmla="val 868"/>
+            </a:avLst>
+          </a:prstGeom>
+          <a:ln>
+            <a:solidFill>
+              <a:srgbClr val="BB23E5"/>
+            </a:solidFill>
+            <a:tailEnd type="triangle"/>
+          </a:ln>
+        </p:spPr>
+        <p:style>
+          <a:lnRef idx="1">
+            <a:schemeClr val="accent1"/>
+          </a:lnRef>
+          <a:fillRef idx="0">
+            <a:schemeClr val="accent1"/>
+          </a:fillRef>
+          <a:effectRef idx="0">
+            <a:schemeClr val="accent1"/>
+          </a:effectRef>
+          <a:fontRef idx="minor">
+            <a:schemeClr val="tx1"/>
+          </a:fontRef>
+        </p:style>
+      </p:cxnSp>
+      <p:cxnSp>
+        <p:nvCxnSpPr>
+          <p:cNvPr id="76" name="连接符: 肘形 75">
+            <a:extLst>
+              <a:ext uri="{FF2B5EF4-FFF2-40B4-BE49-F238E27FC236}">
+                <a16:creationId xmlns:a16="http://schemas.microsoft.com/office/drawing/2014/main" id="{B6E62B62-1199-4516-8581-6D4454B57C46}"/>
+              </a:ext>
+            </a:extLst>
+          </p:cNvPr>
+          <p:cNvCxnSpPr>
+            <a:cxnSpLocks/>
+            <a:stCxn id="33" idx="2"/>
+            <a:endCxn id="16" idx="2"/>
+          </p:cNvCxnSpPr>
+          <p:nvPr/>
+        </p:nvCxnSpPr>
+        <p:spPr>
+          <a:xfrm rot="5400000" flipH="1">
+            <a:off x="3349462" y="2866309"/>
+            <a:ext cx="205820" cy="4020141"/>
+          </a:xfrm>
+          <a:prstGeom prst="bentConnector3">
+            <a:avLst>
+              <a:gd name="adj1" fmla="val -207251"/>
+            </a:avLst>
+          </a:prstGeom>
+          <a:ln>
+            <a:solidFill>
+              <a:srgbClr val="BB23E5"/>
+            </a:solidFill>
+            <a:tailEnd type="triangle"/>
+          </a:ln>
+        </p:spPr>
+        <p:style>
+          <a:lnRef idx="1">
+            <a:schemeClr val="accent1"/>
+          </a:lnRef>
+          <a:fillRef idx="0">
+            <a:schemeClr val="accent1"/>
+          </a:fillRef>
+          <a:effectRef idx="0">
+            <a:schemeClr val="accent1"/>
+          </a:effectRef>
+          <a:fontRef idx="minor">
+            <a:schemeClr val="tx1"/>
+          </a:fontRef>
+        </p:style>
+      </p:cxnSp>
+    </p:spTree>
+    <p:extLst>
+      <p:ext uri="{BB962C8B-B14F-4D97-AF65-F5344CB8AC3E}">
+        <p14:creationId xmlns:p14="http://schemas.microsoft.com/office/powerpoint/2010/main" val="2889423108"/>
       </p:ext>
     </p:extLst>
   </p:cSld>

--- a/android/binder/binder.pptx
+++ b/android/binder/binder.pptx
@@ -26,6 +26,8 @@
     <p:sldId id="280" r:id="rId20"/>
     <p:sldId id="281" r:id="rId21"/>
     <p:sldId id="282" r:id="rId22"/>
+    <p:sldId id="283" r:id="rId23"/>
+    <p:sldId id="284" r:id="rId24"/>
   </p:sldIdLst>
   <p:sldSz cx="12192000" cy="6858000"/>
   <p:notesSz cx="6858000" cy="9144000"/>
@@ -279,7 +281,7 @@
           <a:p>
             <a:fld id="{94500C62-1B3F-4E84-BF94-3D5FB933429A}" type="datetimeFigureOut">
               <a:rPr lang="zh-CN" altLang="en-US" smtClean="0"/>
-              <a:t>2022/4/18</a:t>
+              <a:t>2022/4/20</a:t>
             </a:fld>
             <a:endParaRPr lang="zh-CN" altLang="en-US"/>
           </a:p>
@@ -477,7 +479,7 @@
           <a:p>
             <a:fld id="{94500C62-1B3F-4E84-BF94-3D5FB933429A}" type="datetimeFigureOut">
               <a:rPr lang="zh-CN" altLang="en-US" smtClean="0"/>
-              <a:t>2022/4/18</a:t>
+              <a:t>2022/4/20</a:t>
             </a:fld>
             <a:endParaRPr lang="zh-CN" altLang="en-US"/>
           </a:p>
@@ -685,7 +687,7 @@
           <a:p>
             <a:fld id="{94500C62-1B3F-4E84-BF94-3D5FB933429A}" type="datetimeFigureOut">
               <a:rPr lang="zh-CN" altLang="en-US" smtClean="0"/>
-              <a:t>2022/4/18</a:t>
+              <a:t>2022/4/20</a:t>
             </a:fld>
             <a:endParaRPr lang="zh-CN" altLang="en-US"/>
           </a:p>
@@ -883,7 +885,7 @@
           <a:p>
             <a:fld id="{94500C62-1B3F-4E84-BF94-3D5FB933429A}" type="datetimeFigureOut">
               <a:rPr lang="zh-CN" altLang="en-US" smtClean="0"/>
-              <a:t>2022/4/18</a:t>
+              <a:t>2022/4/20</a:t>
             </a:fld>
             <a:endParaRPr lang="zh-CN" altLang="en-US"/>
           </a:p>
@@ -1158,7 +1160,7 @@
           <a:p>
             <a:fld id="{94500C62-1B3F-4E84-BF94-3D5FB933429A}" type="datetimeFigureOut">
               <a:rPr lang="zh-CN" altLang="en-US" smtClean="0"/>
-              <a:t>2022/4/18</a:t>
+              <a:t>2022/4/20</a:t>
             </a:fld>
             <a:endParaRPr lang="zh-CN" altLang="en-US"/>
           </a:p>
@@ -1423,7 +1425,7 @@
           <a:p>
             <a:fld id="{94500C62-1B3F-4E84-BF94-3D5FB933429A}" type="datetimeFigureOut">
               <a:rPr lang="zh-CN" altLang="en-US" smtClean="0"/>
-              <a:t>2022/4/18</a:t>
+              <a:t>2022/4/20</a:t>
             </a:fld>
             <a:endParaRPr lang="zh-CN" altLang="en-US"/>
           </a:p>
@@ -1835,7 +1837,7 @@
           <a:p>
             <a:fld id="{94500C62-1B3F-4E84-BF94-3D5FB933429A}" type="datetimeFigureOut">
               <a:rPr lang="zh-CN" altLang="en-US" smtClean="0"/>
-              <a:t>2022/4/18</a:t>
+              <a:t>2022/4/20</a:t>
             </a:fld>
             <a:endParaRPr lang="zh-CN" altLang="en-US"/>
           </a:p>
@@ -1976,7 +1978,7 @@
           <a:p>
             <a:fld id="{94500C62-1B3F-4E84-BF94-3D5FB933429A}" type="datetimeFigureOut">
               <a:rPr lang="zh-CN" altLang="en-US" smtClean="0"/>
-              <a:t>2022/4/18</a:t>
+              <a:t>2022/4/20</a:t>
             </a:fld>
             <a:endParaRPr lang="zh-CN" altLang="en-US"/>
           </a:p>
@@ -2089,7 +2091,7 @@
           <a:p>
             <a:fld id="{94500C62-1B3F-4E84-BF94-3D5FB933429A}" type="datetimeFigureOut">
               <a:rPr lang="zh-CN" altLang="en-US" smtClean="0"/>
-              <a:t>2022/4/18</a:t>
+              <a:t>2022/4/20</a:t>
             </a:fld>
             <a:endParaRPr lang="zh-CN" altLang="en-US"/>
           </a:p>
@@ -2400,7 +2402,7 @@
           <a:p>
             <a:fld id="{94500C62-1B3F-4E84-BF94-3D5FB933429A}" type="datetimeFigureOut">
               <a:rPr lang="zh-CN" altLang="en-US" smtClean="0"/>
-              <a:t>2022/4/18</a:t>
+              <a:t>2022/4/20</a:t>
             </a:fld>
             <a:endParaRPr lang="zh-CN" altLang="en-US"/>
           </a:p>
@@ -2688,7 +2690,7 @@
           <a:p>
             <a:fld id="{94500C62-1B3F-4E84-BF94-3D5FB933429A}" type="datetimeFigureOut">
               <a:rPr lang="zh-CN" altLang="en-US" smtClean="0"/>
-              <a:t>2022/4/18</a:t>
+              <a:t>2022/4/20</a:t>
             </a:fld>
             <a:endParaRPr lang="zh-CN" altLang="en-US"/>
           </a:p>
@@ -2929,7 +2931,7 @@
           <a:p>
             <a:fld id="{94500C62-1B3F-4E84-BF94-3D5FB933429A}" type="datetimeFigureOut">
               <a:rPr lang="zh-CN" altLang="en-US" smtClean="0"/>
-              <a:t>2022/4/18</a:t>
+              <a:t>2022/4/20</a:t>
             </a:fld>
             <a:endParaRPr lang="zh-CN" altLang="en-US"/>
           </a:p>
@@ -19343,27 +19345,27 @@
           </p:cNvPr>
           <p:cNvCxnSpPr>
             <a:cxnSpLocks/>
-            <a:stCxn id="24" idx="2"/>
             <a:endCxn id="32" idx="1"/>
           </p:cNvCxnSpPr>
           <p:nvPr/>
         </p:nvCxnSpPr>
         <p:spPr>
-          <a:xfrm rot="5400000" flipH="1">
-            <a:off x="7060218" y="2061004"/>
-            <a:ext cx="594675" cy="5003928"/>
-          </a:xfrm>
-          <a:prstGeom prst="bentConnector4">
+          <a:xfrm rot="10800000">
+            <a:off x="4855592" y="4265630"/>
+            <a:ext cx="4397078" cy="476660"/>
+          </a:xfrm>
+          <a:prstGeom prst="bentConnector3">
             <a:avLst>
-              <a:gd name="adj1" fmla="val 58257"/>
-              <a:gd name="adj2" fmla="val 104568"/>
+              <a:gd name="adj1" fmla="val 105199"/>
             </a:avLst>
           </a:prstGeom>
-          <a:ln>
+          <a:ln cap="flat" cmpd="dbl">
             <a:solidFill>
               <a:srgbClr val="BB23E5"/>
             </a:solidFill>
-            <a:tailEnd type="triangle"/>
+            <a:prstDash val="lgDash"/>
+            <a:headEnd w="lg" len="lg"/>
+            <a:tailEnd type="triangle" w="lg" len="lg"/>
           </a:ln>
         </p:spPr>
         <p:style>
@@ -19409,6 +19411,7 @@
             <a:solidFill>
               <a:srgbClr val="BB23E5"/>
             </a:solidFill>
+            <a:prstDash val="lgDash"/>
             <a:tailEnd type="triangle"/>
           </a:ln>
         </p:spPr>
@@ -19455,6 +19458,7 @@
             <a:solidFill>
               <a:srgbClr val="BB23E5"/>
             </a:solidFill>
+            <a:prstDash val="lgDash"/>
             <a:tailEnd type="triangle"/>
           </a:ln>
         </p:spPr>
@@ -19557,6 +19561,7 @@
             <a:solidFill>
               <a:srgbClr val="BB23E5"/>
             </a:solidFill>
+            <a:prstDash val="lgDash"/>
             <a:tailEnd type="triangle"/>
           </a:ln>
         </p:spPr>
@@ -19603,6 +19608,7 @@
             <a:solidFill>
               <a:srgbClr val="BB23E5"/>
             </a:solidFill>
+            <a:prstDash val="lgDash"/>
             <a:tailEnd type="triangle"/>
           </a:ln>
         </p:spPr>
@@ -19776,6 +19782,7 @@
             <a:solidFill>
               <a:srgbClr val="BB23E5"/>
             </a:solidFill>
+            <a:prstDash val="lgDash"/>
             <a:tailEnd type="triangle"/>
           </a:ln>
         </p:spPr>
@@ -19824,7 +19831,9 @@
             <a:solidFill>
               <a:srgbClr val="BB23E5"/>
             </a:solidFill>
-            <a:tailEnd type="triangle"/>
+            <a:prstDash val="lgDash"/>
+            <a:headEnd w="lg" len="lg"/>
+            <a:tailEnd type="triangle" w="lg" len="lg"/>
           </a:ln>
         </p:spPr>
         <p:style>
@@ -19846,6 +19855,4597 @@
     <p:extLst>
       <p:ext uri="{BB962C8B-B14F-4D97-AF65-F5344CB8AC3E}">
         <p14:creationId xmlns:p14="http://schemas.microsoft.com/office/powerpoint/2010/main" val="2889423108"/>
+      </p:ext>
+    </p:extLst>
+  </p:cSld>
+  <p:clrMapOvr>
+    <a:masterClrMapping/>
+  </p:clrMapOvr>
+</p:sld>
+</file>
+
+<file path=ppt/slides/slide22.xml><?xml version="1.0" encoding="utf-8"?>
+<p:sld xmlns:a="http://schemas.openxmlformats.org/drawingml/2006/main" xmlns:r="http://schemas.openxmlformats.org/officeDocument/2006/relationships" xmlns:p="http://schemas.openxmlformats.org/presentationml/2006/main">
+  <p:cSld>
+    <p:spTree>
+      <p:nvGrpSpPr>
+        <p:cNvPr id="1" name=""/>
+        <p:cNvGrpSpPr/>
+        <p:nvPr/>
+      </p:nvGrpSpPr>
+      <p:grpSpPr>
+        <a:xfrm>
+          <a:off x="0" y="0"/>
+          <a:ext cx="0" cy="0"/>
+          <a:chOff x="0" y="0"/>
+          <a:chExt cx="0" cy="0"/>
+        </a:xfrm>
+      </p:grpSpPr>
+      <p:grpSp>
+        <p:nvGrpSpPr>
+          <p:cNvPr id="40" name="组合 39">
+            <a:extLst>
+              <a:ext uri="{FF2B5EF4-FFF2-40B4-BE49-F238E27FC236}">
+                <a16:creationId xmlns:a16="http://schemas.microsoft.com/office/drawing/2014/main" id="{39C6F808-3108-42E9-AA8F-E8A0DDB3BB29}"/>
+              </a:ext>
+            </a:extLst>
+          </p:cNvPr>
+          <p:cNvGrpSpPr/>
+          <p:nvPr/>
+        </p:nvGrpSpPr>
+        <p:grpSpPr>
+          <a:xfrm>
+            <a:off x="1135928" y="447378"/>
+            <a:ext cx="1998483" cy="2022052"/>
+            <a:chOff x="169683" y="793421"/>
+            <a:chExt cx="1998483" cy="2022052"/>
+          </a:xfrm>
+        </p:grpSpPr>
+        <p:sp>
+          <p:nvSpPr>
+            <p:cNvPr id="6" name="矩形: 圆角 5">
+              <a:extLst>
+                <a:ext uri="{FF2B5EF4-FFF2-40B4-BE49-F238E27FC236}">
+                  <a16:creationId xmlns:a16="http://schemas.microsoft.com/office/drawing/2014/main" id="{F999BC42-C435-45E1-B37D-AB68BC76DBCD}"/>
+                </a:ext>
+              </a:extLst>
+            </p:cNvPr>
+            <p:cNvSpPr/>
+            <p:nvPr/>
+          </p:nvSpPr>
+          <p:spPr>
+            <a:xfrm>
+              <a:off x="169683" y="1176779"/>
+              <a:ext cx="1998483" cy="1638694"/>
+            </a:xfrm>
+            <a:prstGeom prst="roundRect">
+              <a:avLst/>
+            </a:prstGeom>
+            <a:solidFill>
+              <a:srgbClr val="DD8EF2"/>
+            </a:solidFill>
+            <a:ln>
+              <a:noFill/>
+            </a:ln>
+          </p:spPr>
+          <p:style>
+            <a:lnRef idx="2">
+              <a:schemeClr val="accent1">
+                <a:shade val="50000"/>
+              </a:schemeClr>
+            </a:lnRef>
+            <a:fillRef idx="1">
+              <a:schemeClr val="accent1"/>
+            </a:fillRef>
+            <a:effectRef idx="0">
+              <a:schemeClr val="accent1"/>
+            </a:effectRef>
+            <a:fontRef idx="minor">
+              <a:schemeClr val="lt1"/>
+            </a:fontRef>
+          </p:style>
+          <p:txBody>
+            <a:bodyPr rtlCol="0" anchor="ctr"/>
+            <a:lstStyle/>
+            <a:p>
+              <a:pPr algn="ctr"/>
+              <a:endParaRPr lang="zh-CN" altLang="en-US"/>
+            </a:p>
+          </p:txBody>
+        </p:sp>
+        <p:grpSp>
+          <p:nvGrpSpPr>
+            <p:cNvPr id="39" name="组合 38">
+              <a:extLst>
+                <a:ext uri="{FF2B5EF4-FFF2-40B4-BE49-F238E27FC236}">
+                  <a16:creationId xmlns:a16="http://schemas.microsoft.com/office/drawing/2014/main" id="{2A79F410-57EA-41C4-B2CE-B94C22B517AF}"/>
+                </a:ext>
+              </a:extLst>
+            </p:cNvPr>
+            <p:cNvGrpSpPr/>
+            <p:nvPr/>
+          </p:nvGrpSpPr>
+          <p:grpSpPr>
+            <a:xfrm>
+              <a:off x="430098" y="793421"/>
+              <a:ext cx="1477651" cy="1591560"/>
+              <a:chOff x="430098" y="793421"/>
+              <a:chExt cx="1477651" cy="1591560"/>
+            </a:xfrm>
+          </p:grpSpPr>
+          <p:sp>
+            <p:nvSpPr>
+              <p:cNvPr id="7" name="文本框 6">
+                <a:extLst>
+                  <a:ext uri="{FF2B5EF4-FFF2-40B4-BE49-F238E27FC236}">
+                    <a16:creationId xmlns:a16="http://schemas.microsoft.com/office/drawing/2014/main" id="{6B1DEF32-6C56-4BFF-A9FB-2E436BD13C94}"/>
+                  </a:ext>
+                </a:extLst>
+              </p:cNvPr>
+              <p:cNvSpPr txBox="1"/>
+              <p:nvPr/>
+            </p:nvSpPr>
+            <p:spPr>
+              <a:xfrm>
+                <a:off x="562074" y="1387674"/>
+                <a:ext cx="1213700" cy="369332"/>
+              </a:xfrm>
+              <a:prstGeom prst="rect">
+                <a:avLst/>
+              </a:prstGeom>
+              <a:noFill/>
+            </p:spPr>
+            <p:txBody>
+              <a:bodyPr wrap="square">
+                <a:spAutoFit/>
+              </a:bodyPr>
+              <a:lstStyle/>
+              <a:p>
+                <a:r>
+                  <a:rPr lang="zh-CN" altLang="en-US"/>
+                  <a:t>hlist_head</a:t>
+                </a:r>
+              </a:p>
+            </p:txBody>
+          </p:sp>
+          <p:sp>
+            <p:nvSpPr>
+              <p:cNvPr id="8" name="矩形 7">
+                <a:extLst>
+                  <a:ext uri="{FF2B5EF4-FFF2-40B4-BE49-F238E27FC236}">
+                    <a16:creationId xmlns:a16="http://schemas.microsoft.com/office/drawing/2014/main" id="{3AD51066-05EE-4D03-A977-909FDE3E52F3}"/>
+                  </a:ext>
+                </a:extLst>
+              </p:cNvPr>
+              <p:cNvSpPr/>
+              <p:nvPr/>
+            </p:nvSpPr>
+            <p:spPr>
+              <a:xfrm>
+                <a:off x="562074" y="1866507"/>
+                <a:ext cx="1213700" cy="518474"/>
+              </a:xfrm>
+              <a:prstGeom prst="rect">
+                <a:avLst/>
+              </a:prstGeom>
+              <a:solidFill>
+                <a:srgbClr val="C239E7"/>
+              </a:solidFill>
+              <a:ln>
+                <a:noFill/>
+              </a:ln>
+            </p:spPr>
+            <p:style>
+              <a:lnRef idx="2">
+                <a:schemeClr val="accent1">
+                  <a:shade val="50000"/>
+                </a:schemeClr>
+              </a:lnRef>
+              <a:fillRef idx="1">
+                <a:schemeClr val="accent1"/>
+              </a:fillRef>
+              <a:effectRef idx="0">
+                <a:schemeClr val="accent1"/>
+              </a:effectRef>
+              <a:fontRef idx="minor">
+                <a:schemeClr val="lt1"/>
+              </a:fontRef>
+            </p:style>
+            <p:txBody>
+              <a:bodyPr rtlCol="0" anchor="ctr"/>
+              <a:lstStyle/>
+              <a:p>
+                <a:pPr algn="ctr"/>
+                <a:r>
+                  <a:rPr lang="en-US" altLang="zh-CN"/>
+                  <a:t>first</a:t>
+                </a:r>
+                <a:endParaRPr lang="zh-CN" altLang="en-US"/>
+              </a:p>
+            </p:txBody>
+          </p:sp>
+          <p:sp>
+            <p:nvSpPr>
+              <p:cNvPr id="10" name="文本框 9">
+                <a:extLst>
+                  <a:ext uri="{FF2B5EF4-FFF2-40B4-BE49-F238E27FC236}">
+                    <a16:creationId xmlns:a16="http://schemas.microsoft.com/office/drawing/2014/main" id="{E99116A9-E852-4C0F-B298-DB81E89960FE}"/>
+                  </a:ext>
+                </a:extLst>
+              </p:cNvPr>
+              <p:cNvSpPr txBox="1"/>
+              <p:nvPr/>
+            </p:nvSpPr>
+            <p:spPr>
+              <a:xfrm>
+                <a:off x="430098" y="793421"/>
+                <a:ext cx="1477651" cy="369332"/>
+              </a:xfrm>
+              <a:prstGeom prst="rect">
+                <a:avLst/>
+              </a:prstGeom>
+              <a:noFill/>
+            </p:spPr>
+            <p:txBody>
+              <a:bodyPr wrap="square">
+                <a:spAutoFit/>
+              </a:bodyPr>
+              <a:lstStyle/>
+              <a:p>
+                <a:r>
+                  <a:rPr lang="zh-CN" altLang="en-US"/>
+                  <a:t>binder_procs</a:t>
+                </a:r>
+              </a:p>
+            </p:txBody>
+          </p:sp>
+        </p:grpSp>
+      </p:grpSp>
+      <p:sp>
+        <p:nvSpPr>
+          <p:cNvPr id="11" name="矩形 10">
+            <a:extLst>
+              <a:ext uri="{FF2B5EF4-FFF2-40B4-BE49-F238E27FC236}">
+                <a16:creationId xmlns:a16="http://schemas.microsoft.com/office/drawing/2014/main" id="{8F76A617-41E8-41F4-9640-40B3EF603371}"/>
+              </a:ext>
+            </a:extLst>
+          </p:cNvPr>
+          <p:cNvSpPr/>
+          <p:nvPr/>
+        </p:nvSpPr>
+        <p:spPr>
+          <a:xfrm>
+            <a:off x="4176073" y="496085"/>
+            <a:ext cx="2777765" cy="5865829"/>
+          </a:xfrm>
+          <a:prstGeom prst="rect">
+            <a:avLst/>
+          </a:prstGeom>
+          <a:solidFill>
+            <a:srgbClr val="8AF2AD"/>
+          </a:solidFill>
+          <a:ln>
+            <a:noFill/>
+          </a:ln>
+        </p:spPr>
+        <p:style>
+          <a:lnRef idx="2">
+            <a:schemeClr val="accent1">
+              <a:shade val="50000"/>
+            </a:schemeClr>
+          </a:lnRef>
+          <a:fillRef idx="1">
+            <a:schemeClr val="accent1"/>
+          </a:fillRef>
+          <a:effectRef idx="0">
+            <a:schemeClr val="accent1"/>
+          </a:effectRef>
+          <a:fontRef idx="minor">
+            <a:schemeClr val="lt1"/>
+          </a:fontRef>
+        </p:style>
+        <p:txBody>
+          <a:bodyPr rtlCol="0" anchor="ctr"/>
+          <a:lstStyle/>
+          <a:p>
+            <a:pPr algn="ctr"/>
+            <a:endParaRPr lang="zh-CN" altLang="en-US"/>
+          </a:p>
+        </p:txBody>
+      </p:sp>
+      <p:sp>
+        <p:nvSpPr>
+          <p:cNvPr id="12" name="文本框 11">
+            <a:extLst>
+              <a:ext uri="{FF2B5EF4-FFF2-40B4-BE49-F238E27FC236}">
+                <a16:creationId xmlns:a16="http://schemas.microsoft.com/office/drawing/2014/main" id="{67EF522E-F60F-4836-8B5F-ED16C40EE777}"/>
+              </a:ext>
+            </a:extLst>
+          </p:cNvPr>
+          <p:cNvSpPr txBox="1"/>
+          <p:nvPr/>
+        </p:nvSpPr>
+        <p:spPr>
+          <a:xfrm>
+            <a:off x="4880529" y="496086"/>
+            <a:ext cx="1368851" cy="369332"/>
+          </a:xfrm>
+          <a:prstGeom prst="rect">
+            <a:avLst/>
+          </a:prstGeom>
+          <a:noFill/>
+        </p:spPr>
+        <p:txBody>
+          <a:bodyPr wrap="square">
+            <a:spAutoFit/>
+          </a:bodyPr>
+          <a:lstStyle/>
+          <a:p>
+            <a:r>
+              <a:rPr lang="zh-CN" altLang="en-US"/>
+              <a:t>binder_proc</a:t>
+            </a:r>
+          </a:p>
+        </p:txBody>
+      </p:sp>
+      <p:grpSp>
+        <p:nvGrpSpPr>
+          <p:cNvPr id="14" name="组合 13">
+            <a:extLst>
+              <a:ext uri="{FF2B5EF4-FFF2-40B4-BE49-F238E27FC236}">
+                <a16:creationId xmlns:a16="http://schemas.microsoft.com/office/drawing/2014/main" id="{07C9F7F9-3C4E-4A68-8067-5D2ADE5152C5}"/>
+              </a:ext>
+            </a:extLst>
+          </p:cNvPr>
+          <p:cNvGrpSpPr/>
+          <p:nvPr/>
+        </p:nvGrpSpPr>
+        <p:grpSpPr>
+          <a:xfrm>
+            <a:off x="4565712" y="977638"/>
+            <a:ext cx="1998483" cy="1638693"/>
+            <a:chOff x="4535863" y="2820184"/>
+            <a:chExt cx="1998483" cy="1638693"/>
+          </a:xfrm>
+        </p:grpSpPr>
+        <p:sp>
+          <p:nvSpPr>
+            <p:cNvPr id="15" name="矩形: 圆角 14">
+              <a:extLst>
+                <a:ext uri="{FF2B5EF4-FFF2-40B4-BE49-F238E27FC236}">
+                  <a16:creationId xmlns:a16="http://schemas.microsoft.com/office/drawing/2014/main" id="{FC087A75-5D6B-40F6-BA63-F971FA86490E}"/>
+                </a:ext>
+              </a:extLst>
+            </p:cNvPr>
+            <p:cNvSpPr/>
+            <p:nvPr/>
+          </p:nvSpPr>
+          <p:spPr>
+            <a:xfrm>
+              <a:off x="4535863" y="2820184"/>
+              <a:ext cx="1998483" cy="1638693"/>
+            </a:xfrm>
+            <a:prstGeom prst="roundRect">
+              <a:avLst/>
+            </a:prstGeom>
+            <a:solidFill>
+              <a:srgbClr val="DD8EF2"/>
+            </a:solidFill>
+            <a:ln>
+              <a:noFill/>
+            </a:ln>
+          </p:spPr>
+          <p:style>
+            <a:lnRef idx="2">
+              <a:schemeClr val="accent1">
+                <a:shade val="50000"/>
+              </a:schemeClr>
+            </a:lnRef>
+            <a:fillRef idx="1">
+              <a:schemeClr val="accent1"/>
+            </a:fillRef>
+            <a:effectRef idx="0">
+              <a:schemeClr val="accent1"/>
+            </a:effectRef>
+            <a:fontRef idx="minor">
+              <a:schemeClr val="lt1"/>
+            </a:fontRef>
+          </p:style>
+          <p:txBody>
+            <a:bodyPr rtlCol="0" anchor="ctr"/>
+            <a:lstStyle/>
+            <a:p>
+              <a:pPr algn="ctr"/>
+              <a:endParaRPr lang="zh-CN" altLang="en-US"/>
+            </a:p>
+          </p:txBody>
+        </p:sp>
+        <p:sp>
+          <p:nvSpPr>
+            <p:cNvPr id="16" name="文本框 15">
+              <a:extLst>
+                <a:ext uri="{FF2B5EF4-FFF2-40B4-BE49-F238E27FC236}">
+                  <a16:creationId xmlns:a16="http://schemas.microsoft.com/office/drawing/2014/main" id="{D2DDA1A9-8190-4CE4-8C8E-E71C193A2EB4}"/>
+                </a:ext>
+              </a:extLst>
+            </p:cNvPr>
+            <p:cNvSpPr txBox="1"/>
+            <p:nvPr/>
+          </p:nvSpPr>
+          <p:spPr>
+            <a:xfrm>
+              <a:off x="4910188" y="2931619"/>
+              <a:ext cx="1185812" cy="369332"/>
+            </a:xfrm>
+            <a:prstGeom prst="rect">
+              <a:avLst/>
+            </a:prstGeom>
+            <a:noFill/>
+          </p:spPr>
+          <p:txBody>
+            <a:bodyPr wrap="square">
+              <a:spAutoFit/>
+            </a:bodyPr>
+            <a:lstStyle/>
+            <a:p>
+              <a:r>
+                <a:rPr lang="zh-CN" altLang="en-US"/>
+                <a:t>hlist_node</a:t>
+              </a:r>
+            </a:p>
+          </p:txBody>
+        </p:sp>
+        <p:sp>
+          <p:nvSpPr>
+            <p:cNvPr id="17" name="矩形 16">
+              <a:extLst>
+                <a:ext uri="{FF2B5EF4-FFF2-40B4-BE49-F238E27FC236}">
+                  <a16:creationId xmlns:a16="http://schemas.microsoft.com/office/drawing/2014/main" id="{DBAF9FCC-4D0D-49D4-B6A9-4EC68EE978D6}"/>
+                </a:ext>
+              </a:extLst>
+            </p:cNvPr>
+            <p:cNvSpPr/>
+            <p:nvPr/>
+          </p:nvSpPr>
+          <p:spPr>
+            <a:xfrm>
+              <a:off x="4910188" y="3335881"/>
+              <a:ext cx="1213700" cy="369332"/>
+            </a:xfrm>
+            <a:prstGeom prst="rect">
+              <a:avLst/>
+            </a:prstGeom>
+            <a:solidFill>
+              <a:srgbClr val="C239E7"/>
+            </a:solidFill>
+            <a:ln>
+              <a:noFill/>
+            </a:ln>
+          </p:spPr>
+          <p:style>
+            <a:lnRef idx="2">
+              <a:schemeClr val="accent1">
+                <a:shade val="50000"/>
+              </a:schemeClr>
+            </a:lnRef>
+            <a:fillRef idx="1">
+              <a:schemeClr val="accent1"/>
+            </a:fillRef>
+            <a:effectRef idx="0">
+              <a:schemeClr val="accent1"/>
+            </a:effectRef>
+            <a:fontRef idx="minor">
+              <a:schemeClr val="lt1"/>
+            </a:fontRef>
+          </p:style>
+          <p:txBody>
+            <a:bodyPr rtlCol="0" anchor="ctr"/>
+            <a:lstStyle/>
+            <a:p>
+              <a:pPr algn="ctr"/>
+              <a:r>
+                <a:rPr lang="en-US" altLang="zh-CN"/>
+                <a:t>next</a:t>
+              </a:r>
+              <a:endParaRPr lang="zh-CN" altLang="en-US"/>
+            </a:p>
+          </p:txBody>
+        </p:sp>
+        <p:sp>
+          <p:nvSpPr>
+            <p:cNvPr id="18" name="矩形 17">
+              <a:extLst>
+                <a:ext uri="{FF2B5EF4-FFF2-40B4-BE49-F238E27FC236}">
+                  <a16:creationId xmlns:a16="http://schemas.microsoft.com/office/drawing/2014/main" id="{DCBDD589-F7EC-47E2-A42B-74B774F0A150}"/>
+                </a:ext>
+              </a:extLst>
+            </p:cNvPr>
+            <p:cNvSpPr/>
+            <p:nvPr/>
+          </p:nvSpPr>
+          <p:spPr>
+            <a:xfrm>
+              <a:off x="4910188" y="3864874"/>
+              <a:ext cx="1213700" cy="369332"/>
+            </a:xfrm>
+            <a:prstGeom prst="rect">
+              <a:avLst/>
+            </a:prstGeom>
+            <a:solidFill>
+              <a:srgbClr val="C239E7"/>
+            </a:solidFill>
+            <a:ln>
+              <a:noFill/>
+            </a:ln>
+          </p:spPr>
+          <p:style>
+            <a:lnRef idx="2">
+              <a:schemeClr val="accent1">
+                <a:shade val="50000"/>
+              </a:schemeClr>
+            </a:lnRef>
+            <a:fillRef idx="1">
+              <a:schemeClr val="accent1"/>
+            </a:fillRef>
+            <a:effectRef idx="0">
+              <a:schemeClr val="accent1"/>
+            </a:effectRef>
+            <a:fontRef idx="minor">
+              <a:schemeClr val="lt1"/>
+            </a:fontRef>
+          </p:style>
+          <p:txBody>
+            <a:bodyPr rtlCol="0" anchor="ctr"/>
+            <a:lstStyle/>
+            <a:p>
+              <a:pPr algn="ctr"/>
+              <a:r>
+                <a:rPr lang="en-US" altLang="zh-CN"/>
+                <a:t>pprev</a:t>
+              </a:r>
+              <a:endParaRPr lang="zh-CN" altLang="en-US"/>
+            </a:p>
+          </p:txBody>
+        </p:sp>
+      </p:grpSp>
+      <p:sp>
+        <p:nvSpPr>
+          <p:cNvPr id="19" name="矩形 18">
+            <a:extLst>
+              <a:ext uri="{FF2B5EF4-FFF2-40B4-BE49-F238E27FC236}">
+                <a16:creationId xmlns:a16="http://schemas.microsoft.com/office/drawing/2014/main" id="{5A81C1C8-7A28-44AD-85DE-42FF270094A7}"/>
+              </a:ext>
+            </a:extLst>
+          </p:cNvPr>
+          <p:cNvSpPr/>
+          <p:nvPr/>
+        </p:nvSpPr>
+        <p:spPr>
+          <a:xfrm>
+            <a:off x="4565712" y="2846894"/>
+            <a:ext cx="1998483" cy="501978"/>
+          </a:xfrm>
+          <a:prstGeom prst="rect">
+            <a:avLst/>
+          </a:prstGeom>
+          <a:solidFill>
+            <a:srgbClr val="DD8EF2"/>
+          </a:solidFill>
+          <a:ln>
+            <a:noFill/>
+          </a:ln>
+        </p:spPr>
+        <p:style>
+          <a:lnRef idx="2">
+            <a:schemeClr val="accent1">
+              <a:shade val="50000"/>
+            </a:schemeClr>
+          </a:lnRef>
+          <a:fillRef idx="1">
+            <a:schemeClr val="accent1"/>
+          </a:fillRef>
+          <a:effectRef idx="0">
+            <a:schemeClr val="accent1"/>
+          </a:effectRef>
+          <a:fontRef idx="minor">
+            <a:schemeClr val="lt1"/>
+          </a:fontRef>
+        </p:style>
+        <p:txBody>
+          <a:bodyPr rtlCol="0" anchor="ctr"/>
+          <a:lstStyle/>
+          <a:p>
+            <a:pPr algn="ctr"/>
+            <a:r>
+              <a:rPr lang="en-US" altLang="zh-CN" sz="1400">
+                <a:solidFill>
+                  <a:schemeClr val="tx1"/>
+                </a:solidFill>
+              </a:rPr>
+              <a:t>rb_root threads</a:t>
+            </a:r>
+            <a:endParaRPr lang="zh-CN" altLang="en-US" sz="1400">
+              <a:solidFill>
+                <a:schemeClr val="tx1"/>
+              </a:solidFill>
+            </a:endParaRPr>
+          </a:p>
+        </p:txBody>
+      </p:sp>
+      <p:sp>
+        <p:nvSpPr>
+          <p:cNvPr id="20" name="矩形 19">
+            <a:extLst>
+              <a:ext uri="{FF2B5EF4-FFF2-40B4-BE49-F238E27FC236}">
+                <a16:creationId xmlns:a16="http://schemas.microsoft.com/office/drawing/2014/main" id="{65C23881-8F0A-419F-8F8B-8EF54D7FAE52}"/>
+              </a:ext>
+            </a:extLst>
+          </p:cNvPr>
+          <p:cNvSpPr/>
+          <p:nvPr/>
+        </p:nvSpPr>
+        <p:spPr>
+          <a:xfrm>
+            <a:off x="4565711" y="3511681"/>
+            <a:ext cx="1998483" cy="501978"/>
+          </a:xfrm>
+          <a:prstGeom prst="rect">
+            <a:avLst/>
+          </a:prstGeom>
+          <a:solidFill>
+            <a:srgbClr val="DD8EF2"/>
+          </a:solidFill>
+          <a:ln>
+            <a:noFill/>
+          </a:ln>
+        </p:spPr>
+        <p:style>
+          <a:lnRef idx="2">
+            <a:schemeClr val="accent1">
+              <a:shade val="50000"/>
+            </a:schemeClr>
+          </a:lnRef>
+          <a:fillRef idx="1">
+            <a:schemeClr val="accent1"/>
+          </a:fillRef>
+          <a:effectRef idx="0">
+            <a:schemeClr val="accent1"/>
+          </a:effectRef>
+          <a:fontRef idx="minor">
+            <a:schemeClr val="lt1"/>
+          </a:fontRef>
+        </p:style>
+        <p:txBody>
+          <a:bodyPr rtlCol="0" anchor="ctr"/>
+          <a:lstStyle/>
+          <a:p>
+            <a:pPr algn="ctr"/>
+            <a:r>
+              <a:rPr lang="en-US" altLang="zh-CN" sz="1400">
+                <a:solidFill>
+                  <a:schemeClr val="tx1"/>
+                </a:solidFill>
+              </a:rPr>
+              <a:t>rb_root nodes</a:t>
+            </a:r>
+            <a:endParaRPr lang="zh-CN" altLang="en-US" sz="1400">
+              <a:solidFill>
+                <a:schemeClr val="tx1"/>
+              </a:solidFill>
+            </a:endParaRPr>
+          </a:p>
+        </p:txBody>
+      </p:sp>
+      <p:sp>
+        <p:nvSpPr>
+          <p:cNvPr id="21" name="矩形 20">
+            <a:extLst>
+              <a:ext uri="{FF2B5EF4-FFF2-40B4-BE49-F238E27FC236}">
+                <a16:creationId xmlns:a16="http://schemas.microsoft.com/office/drawing/2014/main" id="{7A8DAB71-DC7D-4151-9EBF-1216E8A06D8D}"/>
+              </a:ext>
+            </a:extLst>
+          </p:cNvPr>
+          <p:cNvSpPr/>
+          <p:nvPr/>
+        </p:nvSpPr>
+        <p:spPr>
+          <a:xfrm>
+            <a:off x="4565711" y="4176468"/>
+            <a:ext cx="1998483" cy="501978"/>
+          </a:xfrm>
+          <a:prstGeom prst="rect">
+            <a:avLst/>
+          </a:prstGeom>
+          <a:solidFill>
+            <a:srgbClr val="DD8EF2"/>
+          </a:solidFill>
+          <a:ln>
+            <a:noFill/>
+          </a:ln>
+        </p:spPr>
+        <p:style>
+          <a:lnRef idx="2">
+            <a:schemeClr val="accent1">
+              <a:shade val="50000"/>
+            </a:schemeClr>
+          </a:lnRef>
+          <a:fillRef idx="1">
+            <a:schemeClr val="accent1"/>
+          </a:fillRef>
+          <a:effectRef idx="0">
+            <a:schemeClr val="accent1"/>
+          </a:effectRef>
+          <a:fontRef idx="minor">
+            <a:schemeClr val="lt1"/>
+          </a:fontRef>
+        </p:style>
+        <p:txBody>
+          <a:bodyPr rtlCol="0" anchor="ctr"/>
+          <a:lstStyle/>
+          <a:p>
+            <a:pPr algn="ctr"/>
+            <a:r>
+              <a:rPr lang="en-US" altLang="zh-CN" sz="1400">
+                <a:solidFill>
+                  <a:schemeClr val="tx1"/>
+                </a:solidFill>
+              </a:rPr>
+              <a:t>rb_root refs_by_desc</a:t>
+            </a:r>
+            <a:endParaRPr lang="zh-CN" altLang="en-US" sz="1400">
+              <a:solidFill>
+                <a:schemeClr val="tx1"/>
+              </a:solidFill>
+            </a:endParaRPr>
+          </a:p>
+        </p:txBody>
+      </p:sp>
+      <p:sp>
+        <p:nvSpPr>
+          <p:cNvPr id="22" name="矩形 21">
+            <a:extLst>
+              <a:ext uri="{FF2B5EF4-FFF2-40B4-BE49-F238E27FC236}">
+                <a16:creationId xmlns:a16="http://schemas.microsoft.com/office/drawing/2014/main" id="{CC3CED46-85DE-44CB-B9A1-1F07EC1BEE26}"/>
+              </a:ext>
+            </a:extLst>
+          </p:cNvPr>
+          <p:cNvSpPr/>
+          <p:nvPr/>
+        </p:nvSpPr>
+        <p:spPr>
+          <a:xfrm>
+            <a:off x="4565711" y="4841255"/>
+            <a:ext cx="1998483" cy="501978"/>
+          </a:xfrm>
+          <a:prstGeom prst="rect">
+            <a:avLst/>
+          </a:prstGeom>
+          <a:solidFill>
+            <a:srgbClr val="DD8EF2"/>
+          </a:solidFill>
+          <a:ln>
+            <a:noFill/>
+          </a:ln>
+        </p:spPr>
+        <p:style>
+          <a:lnRef idx="2">
+            <a:schemeClr val="accent1">
+              <a:shade val="50000"/>
+            </a:schemeClr>
+          </a:lnRef>
+          <a:fillRef idx="1">
+            <a:schemeClr val="accent1"/>
+          </a:fillRef>
+          <a:effectRef idx="0">
+            <a:schemeClr val="accent1"/>
+          </a:effectRef>
+          <a:fontRef idx="minor">
+            <a:schemeClr val="lt1"/>
+          </a:fontRef>
+        </p:style>
+        <p:txBody>
+          <a:bodyPr rtlCol="0" anchor="ctr"/>
+          <a:lstStyle/>
+          <a:p>
+            <a:pPr algn="ctr"/>
+            <a:r>
+              <a:rPr lang="en-US" altLang="zh-CN" sz="1400">
+                <a:solidFill>
+                  <a:schemeClr val="tx1"/>
+                </a:solidFill>
+              </a:rPr>
+              <a:t>rb_root refs_by_node</a:t>
+            </a:r>
+            <a:endParaRPr lang="zh-CN" altLang="en-US" sz="1400">
+              <a:solidFill>
+                <a:schemeClr val="tx1"/>
+              </a:solidFill>
+            </a:endParaRPr>
+          </a:p>
+        </p:txBody>
+      </p:sp>
+      <p:sp>
+        <p:nvSpPr>
+          <p:cNvPr id="23" name="矩形 22">
+            <a:extLst>
+              <a:ext uri="{FF2B5EF4-FFF2-40B4-BE49-F238E27FC236}">
+                <a16:creationId xmlns:a16="http://schemas.microsoft.com/office/drawing/2014/main" id="{BD22C556-77C2-4632-83A4-3E8AC88F1263}"/>
+              </a:ext>
+            </a:extLst>
+          </p:cNvPr>
+          <p:cNvSpPr/>
+          <p:nvPr/>
+        </p:nvSpPr>
+        <p:spPr>
+          <a:xfrm>
+            <a:off x="4565710" y="5506042"/>
+            <a:ext cx="1998483" cy="501978"/>
+          </a:xfrm>
+          <a:prstGeom prst="rect">
+            <a:avLst/>
+          </a:prstGeom>
+          <a:solidFill>
+            <a:srgbClr val="DD8EF2"/>
+          </a:solidFill>
+          <a:ln>
+            <a:noFill/>
+          </a:ln>
+        </p:spPr>
+        <p:style>
+          <a:lnRef idx="2">
+            <a:schemeClr val="accent1">
+              <a:shade val="50000"/>
+            </a:schemeClr>
+          </a:lnRef>
+          <a:fillRef idx="1">
+            <a:schemeClr val="accent1"/>
+          </a:fillRef>
+          <a:effectRef idx="0">
+            <a:schemeClr val="accent1"/>
+          </a:effectRef>
+          <a:fontRef idx="minor">
+            <a:schemeClr val="lt1"/>
+          </a:fontRef>
+        </p:style>
+        <p:txBody>
+          <a:bodyPr rtlCol="0" anchor="ctr"/>
+          <a:lstStyle/>
+          <a:p>
+            <a:pPr algn="ctr"/>
+            <a:r>
+              <a:rPr lang="en-US" altLang="zh-CN" sz="3200">
+                <a:solidFill>
+                  <a:schemeClr val="tx1"/>
+                </a:solidFill>
+              </a:rPr>
+              <a:t>…</a:t>
+            </a:r>
+            <a:endParaRPr lang="zh-CN" altLang="en-US" sz="3200">
+              <a:solidFill>
+                <a:schemeClr val="tx1"/>
+              </a:solidFill>
+            </a:endParaRPr>
+          </a:p>
+        </p:txBody>
+      </p:sp>
+      <p:sp>
+        <p:nvSpPr>
+          <p:cNvPr id="24" name="矩形 23">
+            <a:extLst>
+              <a:ext uri="{FF2B5EF4-FFF2-40B4-BE49-F238E27FC236}">
+                <a16:creationId xmlns:a16="http://schemas.microsoft.com/office/drawing/2014/main" id="{297B9EF1-0D4C-4ED2-8DFB-47E12E23BA9A}"/>
+              </a:ext>
+            </a:extLst>
+          </p:cNvPr>
+          <p:cNvSpPr/>
+          <p:nvPr/>
+        </p:nvSpPr>
+        <p:spPr>
+          <a:xfrm>
+            <a:off x="7995500" y="496084"/>
+            <a:ext cx="2777765" cy="5865829"/>
+          </a:xfrm>
+          <a:prstGeom prst="rect">
+            <a:avLst/>
+          </a:prstGeom>
+          <a:solidFill>
+            <a:srgbClr val="8AF2AD"/>
+          </a:solidFill>
+          <a:ln>
+            <a:noFill/>
+          </a:ln>
+        </p:spPr>
+        <p:style>
+          <a:lnRef idx="2">
+            <a:schemeClr val="accent1">
+              <a:shade val="50000"/>
+            </a:schemeClr>
+          </a:lnRef>
+          <a:fillRef idx="1">
+            <a:schemeClr val="accent1"/>
+          </a:fillRef>
+          <a:effectRef idx="0">
+            <a:schemeClr val="accent1"/>
+          </a:effectRef>
+          <a:fontRef idx="minor">
+            <a:schemeClr val="lt1"/>
+          </a:fontRef>
+        </p:style>
+        <p:txBody>
+          <a:bodyPr rtlCol="0" anchor="ctr"/>
+          <a:lstStyle/>
+          <a:p>
+            <a:pPr algn="ctr"/>
+            <a:endParaRPr lang="zh-CN" altLang="en-US"/>
+          </a:p>
+        </p:txBody>
+      </p:sp>
+      <p:sp>
+        <p:nvSpPr>
+          <p:cNvPr id="25" name="文本框 24">
+            <a:extLst>
+              <a:ext uri="{FF2B5EF4-FFF2-40B4-BE49-F238E27FC236}">
+                <a16:creationId xmlns:a16="http://schemas.microsoft.com/office/drawing/2014/main" id="{3EA32E27-78CC-4DA2-99DB-C70C32FEBEA0}"/>
+              </a:ext>
+            </a:extLst>
+          </p:cNvPr>
+          <p:cNvSpPr txBox="1"/>
+          <p:nvPr/>
+        </p:nvSpPr>
+        <p:spPr>
+          <a:xfrm>
+            <a:off x="8699956" y="496085"/>
+            <a:ext cx="1368851" cy="369332"/>
+          </a:xfrm>
+          <a:prstGeom prst="rect">
+            <a:avLst/>
+          </a:prstGeom>
+          <a:noFill/>
+        </p:spPr>
+        <p:txBody>
+          <a:bodyPr wrap="square">
+            <a:spAutoFit/>
+          </a:bodyPr>
+          <a:lstStyle/>
+          <a:p>
+            <a:r>
+              <a:rPr lang="zh-CN" altLang="en-US"/>
+              <a:t>binder_proc</a:t>
+            </a:r>
+          </a:p>
+        </p:txBody>
+      </p:sp>
+      <p:grpSp>
+        <p:nvGrpSpPr>
+          <p:cNvPr id="26" name="组合 25">
+            <a:extLst>
+              <a:ext uri="{FF2B5EF4-FFF2-40B4-BE49-F238E27FC236}">
+                <a16:creationId xmlns:a16="http://schemas.microsoft.com/office/drawing/2014/main" id="{66367FE1-328B-472E-986C-3578630C0183}"/>
+              </a:ext>
+            </a:extLst>
+          </p:cNvPr>
+          <p:cNvGrpSpPr/>
+          <p:nvPr/>
+        </p:nvGrpSpPr>
+        <p:grpSpPr>
+          <a:xfrm>
+            <a:off x="8385139" y="977637"/>
+            <a:ext cx="1998483" cy="1638693"/>
+            <a:chOff x="4535863" y="2820184"/>
+            <a:chExt cx="1998483" cy="1638693"/>
+          </a:xfrm>
+        </p:grpSpPr>
+        <p:sp>
+          <p:nvSpPr>
+            <p:cNvPr id="27" name="矩形: 圆角 26">
+              <a:extLst>
+                <a:ext uri="{FF2B5EF4-FFF2-40B4-BE49-F238E27FC236}">
+                  <a16:creationId xmlns:a16="http://schemas.microsoft.com/office/drawing/2014/main" id="{F6732E3D-38CC-494E-9650-8D09D552BA3F}"/>
+                </a:ext>
+              </a:extLst>
+            </p:cNvPr>
+            <p:cNvSpPr/>
+            <p:nvPr/>
+          </p:nvSpPr>
+          <p:spPr>
+            <a:xfrm>
+              <a:off x="4535863" y="2820184"/>
+              <a:ext cx="1998483" cy="1638693"/>
+            </a:xfrm>
+            <a:prstGeom prst="roundRect">
+              <a:avLst/>
+            </a:prstGeom>
+            <a:solidFill>
+              <a:srgbClr val="DD8EF2"/>
+            </a:solidFill>
+            <a:ln>
+              <a:noFill/>
+            </a:ln>
+          </p:spPr>
+          <p:style>
+            <a:lnRef idx="2">
+              <a:schemeClr val="accent1">
+                <a:shade val="50000"/>
+              </a:schemeClr>
+            </a:lnRef>
+            <a:fillRef idx="1">
+              <a:schemeClr val="accent1"/>
+            </a:fillRef>
+            <a:effectRef idx="0">
+              <a:schemeClr val="accent1"/>
+            </a:effectRef>
+            <a:fontRef idx="minor">
+              <a:schemeClr val="lt1"/>
+            </a:fontRef>
+          </p:style>
+          <p:txBody>
+            <a:bodyPr rtlCol="0" anchor="ctr"/>
+            <a:lstStyle/>
+            <a:p>
+              <a:pPr algn="ctr"/>
+              <a:endParaRPr lang="zh-CN" altLang="en-US"/>
+            </a:p>
+          </p:txBody>
+        </p:sp>
+        <p:sp>
+          <p:nvSpPr>
+            <p:cNvPr id="28" name="文本框 27">
+              <a:extLst>
+                <a:ext uri="{FF2B5EF4-FFF2-40B4-BE49-F238E27FC236}">
+                  <a16:creationId xmlns:a16="http://schemas.microsoft.com/office/drawing/2014/main" id="{92C5F3AB-DAFA-45FA-945C-FB952F2D0714}"/>
+                </a:ext>
+              </a:extLst>
+            </p:cNvPr>
+            <p:cNvSpPr txBox="1"/>
+            <p:nvPr/>
+          </p:nvSpPr>
+          <p:spPr>
+            <a:xfrm>
+              <a:off x="4910188" y="2931619"/>
+              <a:ext cx="1185812" cy="369332"/>
+            </a:xfrm>
+            <a:prstGeom prst="rect">
+              <a:avLst/>
+            </a:prstGeom>
+            <a:noFill/>
+          </p:spPr>
+          <p:txBody>
+            <a:bodyPr wrap="square">
+              <a:spAutoFit/>
+            </a:bodyPr>
+            <a:lstStyle/>
+            <a:p>
+              <a:r>
+                <a:rPr lang="zh-CN" altLang="en-US"/>
+                <a:t>hlist_node</a:t>
+              </a:r>
+            </a:p>
+          </p:txBody>
+        </p:sp>
+        <p:sp>
+          <p:nvSpPr>
+            <p:cNvPr id="29" name="矩形 28">
+              <a:extLst>
+                <a:ext uri="{FF2B5EF4-FFF2-40B4-BE49-F238E27FC236}">
+                  <a16:creationId xmlns:a16="http://schemas.microsoft.com/office/drawing/2014/main" id="{6EAC3C80-3377-4B77-BD02-0FDDBA1EBF84}"/>
+                </a:ext>
+              </a:extLst>
+            </p:cNvPr>
+            <p:cNvSpPr/>
+            <p:nvPr/>
+          </p:nvSpPr>
+          <p:spPr>
+            <a:xfrm>
+              <a:off x="4910188" y="3335881"/>
+              <a:ext cx="1213700" cy="369332"/>
+            </a:xfrm>
+            <a:prstGeom prst="rect">
+              <a:avLst/>
+            </a:prstGeom>
+            <a:solidFill>
+              <a:srgbClr val="C239E7"/>
+            </a:solidFill>
+            <a:ln>
+              <a:noFill/>
+            </a:ln>
+          </p:spPr>
+          <p:style>
+            <a:lnRef idx="2">
+              <a:schemeClr val="accent1">
+                <a:shade val="50000"/>
+              </a:schemeClr>
+            </a:lnRef>
+            <a:fillRef idx="1">
+              <a:schemeClr val="accent1"/>
+            </a:fillRef>
+            <a:effectRef idx="0">
+              <a:schemeClr val="accent1"/>
+            </a:effectRef>
+            <a:fontRef idx="minor">
+              <a:schemeClr val="lt1"/>
+            </a:fontRef>
+          </p:style>
+          <p:txBody>
+            <a:bodyPr rtlCol="0" anchor="ctr"/>
+            <a:lstStyle/>
+            <a:p>
+              <a:pPr algn="ctr"/>
+              <a:r>
+                <a:rPr lang="en-US" altLang="zh-CN"/>
+                <a:t>next</a:t>
+              </a:r>
+              <a:endParaRPr lang="zh-CN" altLang="en-US"/>
+            </a:p>
+          </p:txBody>
+        </p:sp>
+        <p:sp>
+          <p:nvSpPr>
+            <p:cNvPr id="30" name="矩形 29">
+              <a:extLst>
+                <a:ext uri="{FF2B5EF4-FFF2-40B4-BE49-F238E27FC236}">
+                  <a16:creationId xmlns:a16="http://schemas.microsoft.com/office/drawing/2014/main" id="{202FA0E9-78DD-4399-9FD1-03D1A58EDE2C}"/>
+                </a:ext>
+              </a:extLst>
+            </p:cNvPr>
+            <p:cNvSpPr/>
+            <p:nvPr/>
+          </p:nvSpPr>
+          <p:spPr>
+            <a:xfrm>
+              <a:off x="4910188" y="3864874"/>
+              <a:ext cx="1213700" cy="369332"/>
+            </a:xfrm>
+            <a:prstGeom prst="rect">
+              <a:avLst/>
+            </a:prstGeom>
+            <a:solidFill>
+              <a:srgbClr val="C239E7"/>
+            </a:solidFill>
+            <a:ln>
+              <a:noFill/>
+            </a:ln>
+          </p:spPr>
+          <p:style>
+            <a:lnRef idx="2">
+              <a:schemeClr val="accent1">
+                <a:shade val="50000"/>
+              </a:schemeClr>
+            </a:lnRef>
+            <a:fillRef idx="1">
+              <a:schemeClr val="accent1"/>
+            </a:fillRef>
+            <a:effectRef idx="0">
+              <a:schemeClr val="accent1"/>
+            </a:effectRef>
+            <a:fontRef idx="minor">
+              <a:schemeClr val="lt1"/>
+            </a:fontRef>
+          </p:style>
+          <p:txBody>
+            <a:bodyPr rtlCol="0" anchor="ctr"/>
+            <a:lstStyle/>
+            <a:p>
+              <a:pPr algn="ctr"/>
+              <a:r>
+                <a:rPr lang="en-US" altLang="zh-CN"/>
+                <a:t>pprev</a:t>
+              </a:r>
+              <a:endParaRPr lang="zh-CN" altLang="en-US"/>
+            </a:p>
+          </p:txBody>
+        </p:sp>
+      </p:grpSp>
+      <p:sp>
+        <p:nvSpPr>
+          <p:cNvPr id="31" name="矩形 30">
+            <a:extLst>
+              <a:ext uri="{FF2B5EF4-FFF2-40B4-BE49-F238E27FC236}">
+                <a16:creationId xmlns:a16="http://schemas.microsoft.com/office/drawing/2014/main" id="{25824A73-D3CC-4AE7-8DF0-2432EFBC1F70}"/>
+              </a:ext>
+            </a:extLst>
+          </p:cNvPr>
+          <p:cNvSpPr/>
+          <p:nvPr/>
+        </p:nvSpPr>
+        <p:spPr>
+          <a:xfrm>
+            <a:off x="8385139" y="2846893"/>
+            <a:ext cx="1998483" cy="501978"/>
+          </a:xfrm>
+          <a:prstGeom prst="rect">
+            <a:avLst/>
+          </a:prstGeom>
+          <a:solidFill>
+            <a:srgbClr val="DD8EF2"/>
+          </a:solidFill>
+          <a:ln>
+            <a:noFill/>
+          </a:ln>
+        </p:spPr>
+        <p:style>
+          <a:lnRef idx="2">
+            <a:schemeClr val="accent1">
+              <a:shade val="50000"/>
+            </a:schemeClr>
+          </a:lnRef>
+          <a:fillRef idx="1">
+            <a:schemeClr val="accent1"/>
+          </a:fillRef>
+          <a:effectRef idx="0">
+            <a:schemeClr val="accent1"/>
+          </a:effectRef>
+          <a:fontRef idx="minor">
+            <a:schemeClr val="lt1"/>
+          </a:fontRef>
+        </p:style>
+        <p:txBody>
+          <a:bodyPr rtlCol="0" anchor="ctr"/>
+          <a:lstStyle/>
+          <a:p>
+            <a:pPr algn="ctr"/>
+            <a:r>
+              <a:rPr lang="en-US" altLang="zh-CN" sz="1400">
+                <a:solidFill>
+                  <a:schemeClr val="tx1"/>
+                </a:solidFill>
+              </a:rPr>
+              <a:t>rb_root threads</a:t>
+            </a:r>
+            <a:endParaRPr lang="zh-CN" altLang="en-US" sz="1400">
+              <a:solidFill>
+                <a:schemeClr val="tx1"/>
+              </a:solidFill>
+            </a:endParaRPr>
+          </a:p>
+        </p:txBody>
+      </p:sp>
+      <p:sp>
+        <p:nvSpPr>
+          <p:cNvPr id="32" name="矩形 31">
+            <a:extLst>
+              <a:ext uri="{FF2B5EF4-FFF2-40B4-BE49-F238E27FC236}">
+                <a16:creationId xmlns:a16="http://schemas.microsoft.com/office/drawing/2014/main" id="{5D5E8DE2-C579-4C7A-A61D-5A87448B83A2}"/>
+              </a:ext>
+            </a:extLst>
+          </p:cNvPr>
+          <p:cNvSpPr/>
+          <p:nvPr/>
+        </p:nvSpPr>
+        <p:spPr>
+          <a:xfrm>
+            <a:off x="8385138" y="3511680"/>
+            <a:ext cx="1998483" cy="501978"/>
+          </a:xfrm>
+          <a:prstGeom prst="rect">
+            <a:avLst/>
+          </a:prstGeom>
+          <a:solidFill>
+            <a:srgbClr val="DD8EF2"/>
+          </a:solidFill>
+          <a:ln>
+            <a:noFill/>
+          </a:ln>
+        </p:spPr>
+        <p:style>
+          <a:lnRef idx="2">
+            <a:schemeClr val="accent1">
+              <a:shade val="50000"/>
+            </a:schemeClr>
+          </a:lnRef>
+          <a:fillRef idx="1">
+            <a:schemeClr val="accent1"/>
+          </a:fillRef>
+          <a:effectRef idx="0">
+            <a:schemeClr val="accent1"/>
+          </a:effectRef>
+          <a:fontRef idx="minor">
+            <a:schemeClr val="lt1"/>
+          </a:fontRef>
+        </p:style>
+        <p:txBody>
+          <a:bodyPr rtlCol="0" anchor="ctr"/>
+          <a:lstStyle/>
+          <a:p>
+            <a:pPr algn="ctr"/>
+            <a:r>
+              <a:rPr lang="en-US" altLang="zh-CN" sz="1400">
+                <a:solidFill>
+                  <a:schemeClr val="tx1"/>
+                </a:solidFill>
+              </a:rPr>
+              <a:t>rb_root nodes</a:t>
+            </a:r>
+            <a:endParaRPr lang="zh-CN" altLang="en-US" sz="1400">
+              <a:solidFill>
+                <a:schemeClr val="tx1"/>
+              </a:solidFill>
+            </a:endParaRPr>
+          </a:p>
+        </p:txBody>
+      </p:sp>
+      <p:sp>
+        <p:nvSpPr>
+          <p:cNvPr id="33" name="矩形 32">
+            <a:extLst>
+              <a:ext uri="{FF2B5EF4-FFF2-40B4-BE49-F238E27FC236}">
+                <a16:creationId xmlns:a16="http://schemas.microsoft.com/office/drawing/2014/main" id="{634D28C7-2DDA-48B9-9172-F90C25B7F0F1}"/>
+              </a:ext>
+            </a:extLst>
+          </p:cNvPr>
+          <p:cNvSpPr/>
+          <p:nvPr/>
+        </p:nvSpPr>
+        <p:spPr>
+          <a:xfrm>
+            <a:off x="8385138" y="4176467"/>
+            <a:ext cx="1998483" cy="501978"/>
+          </a:xfrm>
+          <a:prstGeom prst="rect">
+            <a:avLst/>
+          </a:prstGeom>
+          <a:solidFill>
+            <a:srgbClr val="DD8EF2"/>
+          </a:solidFill>
+          <a:ln>
+            <a:noFill/>
+          </a:ln>
+        </p:spPr>
+        <p:style>
+          <a:lnRef idx="2">
+            <a:schemeClr val="accent1">
+              <a:shade val="50000"/>
+            </a:schemeClr>
+          </a:lnRef>
+          <a:fillRef idx="1">
+            <a:schemeClr val="accent1"/>
+          </a:fillRef>
+          <a:effectRef idx="0">
+            <a:schemeClr val="accent1"/>
+          </a:effectRef>
+          <a:fontRef idx="minor">
+            <a:schemeClr val="lt1"/>
+          </a:fontRef>
+        </p:style>
+        <p:txBody>
+          <a:bodyPr rtlCol="0" anchor="ctr"/>
+          <a:lstStyle/>
+          <a:p>
+            <a:pPr algn="ctr"/>
+            <a:r>
+              <a:rPr lang="en-US" altLang="zh-CN" sz="1400">
+                <a:solidFill>
+                  <a:schemeClr val="tx1"/>
+                </a:solidFill>
+              </a:rPr>
+              <a:t>rb_root refs_by_desc</a:t>
+            </a:r>
+            <a:endParaRPr lang="zh-CN" altLang="en-US" sz="1400">
+              <a:solidFill>
+                <a:schemeClr val="tx1"/>
+              </a:solidFill>
+            </a:endParaRPr>
+          </a:p>
+        </p:txBody>
+      </p:sp>
+      <p:sp>
+        <p:nvSpPr>
+          <p:cNvPr id="34" name="矩形 33">
+            <a:extLst>
+              <a:ext uri="{FF2B5EF4-FFF2-40B4-BE49-F238E27FC236}">
+                <a16:creationId xmlns:a16="http://schemas.microsoft.com/office/drawing/2014/main" id="{0FC7444B-9807-4063-B845-B490A66C7D07}"/>
+              </a:ext>
+            </a:extLst>
+          </p:cNvPr>
+          <p:cNvSpPr/>
+          <p:nvPr/>
+        </p:nvSpPr>
+        <p:spPr>
+          <a:xfrm>
+            <a:off x="8385138" y="4841254"/>
+            <a:ext cx="1998483" cy="501978"/>
+          </a:xfrm>
+          <a:prstGeom prst="rect">
+            <a:avLst/>
+          </a:prstGeom>
+          <a:solidFill>
+            <a:srgbClr val="DD8EF2"/>
+          </a:solidFill>
+          <a:ln>
+            <a:noFill/>
+          </a:ln>
+        </p:spPr>
+        <p:style>
+          <a:lnRef idx="2">
+            <a:schemeClr val="accent1">
+              <a:shade val="50000"/>
+            </a:schemeClr>
+          </a:lnRef>
+          <a:fillRef idx="1">
+            <a:schemeClr val="accent1"/>
+          </a:fillRef>
+          <a:effectRef idx="0">
+            <a:schemeClr val="accent1"/>
+          </a:effectRef>
+          <a:fontRef idx="minor">
+            <a:schemeClr val="lt1"/>
+          </a:fontRef>
+        </p:style>
+        <p:txBody>
+          <a:bodyPr rtlCol="0" anchor="ctr"/>
+          <a:lstStyle/>
+          <a:p>
+            <a:pPr algn="ctr"/>
+            <a:r>
+              <a:rPr lang="en-US" altLang="zh-CN" sz="1400">
+                <a:solidFill>
+                  <a:schemeClr val="tx1"/>
+                </a:solidFill>
+              </a:rPr>
+              <a:t>rb_root refs_by_node</a:t>
+            </a:r>
+            <a:endParaRPr lang="zh-CN" altLang="en-US" sz="1400">
+              <a:solidFill>
+                <a:schemeClr val="tx1"/>
+              </a:solidFill>
+            </a:endParaRPr>
+          </a:p>
+        </p:txBody>
+      </p:sp>
+      <p:sp>
+        <p:nvSpPr>
+          <p:cNvPr id="35" name="矩形 34">
+            <a:extLst>
+              <a:ext uri="{FF2B5EF4-FFF2-40B4-BE49-F238E27FC236}">
+                <a16:creationId xmlns:a16="http://schemas.microsoft.com/office/drawing/2014/main" id="{366FD0F3-348C-43C5-B876-75BA9C020DAA}"/>
+              </a:ext>
+            </a:extLst>
+          </p:cNvPr>
+          <p:cNvSpPr/>
+          <p:nvPr/>
+        </p:nvSpPr>
+        <p:spPr>
+          <a:xfrm>
+            <a:off x="8385137" y="5506041"/>
+            <a:ext cx="1998483" cy="501978"/>
+          </a:xfrm>
+          <a:prstGeom prst="rect">
+            <a:avLst/>
+          </a:prstGeom>
+          <a:solidFill>
+            <a:srgbClr val="DD8EF2"/>
+          </a:solidFill>
+          <a:ln>
+            <a:noFill/>
+          </a:ln>
+        </p:spPr>
+        <p:style>
+          <a:lnRef idx="2">
+            <a:schemeClr val="accent1">
+              <a:shade val="50000"/>
+            </a:schemeClr>
+          </a:lnRef>
+          <a:fillRef idx="1">
+            <a:schemeClr val="accent1"/>
+          </a:fillRef>
+          <a:effectRef idx="0">
+            <a:schemeClr val="accent1"/>
+          </a:effectRef>
+          <a:fontRef idx="minor">
+            <a:schemeClr val="lt1"/>
+          </a:fontRef>
+        </p:style>
+        <p:txBody>
+          <a:bodyPr rtlCol="0" anchor="ctr"/>
+          <a:lstStyle/>
+          <a:p>
+            <a:pPr algn="ctr"/>
+            <a:r>
+              <a:rPr lang="en-US" altLang="zh-CN" sz="3200">
+                <a:solidFill>
+                  <a:schemeClr val="tx1"/>
+                </a:solidFill>
+              </a:rPr>
+              <a:t>…</a:t>
+            </a:r>
+            <a:endParaRPr lang="zh-CN" altLang="en-US" sz="3200">
+              <a:solidFill>
+                <a:schemeClr val="tx1"/>
+              </a:solidFill>
+            </a:endParaRPr>
+          </a:p>
+        </p:txBody>
+      </p:sp>
+      <p:cxnSp>
+        <p:nvCxnSpPr>
+          <p:cNvPr id="43" name="连接符: 肘形 42">
+            <a:extLst>
+              <a:ext uri="{FF2B5EF4-FFF2-40B4-BE49-F238E27FC236}">
+                <a16:creationId xmlns:a16="http://schemas.microsoft.com/office/drawing/2014/main" id="{5DED5B1C-0188-4F75-8208-F48AD93D3A07}"/>
+              </a:ext>
+            </a:extLst>
+          </p:cNvPr>
+          <p:cNvCxnSpPr>
+            <a:cxnSpLocks/>
+            <a:stCxn id="17" idx="3"/>
+          </p:cNvCxnSpPr>
+          <p:nvPr/>
+        </p:nvCxnSpPr>
+        <p:spPr>
+          <a:xfrm flipV="1">
+            <a:off x="6153737" y="1678000"/>
+            <a:ext cx="2231400" cy="1"/>
+          </a:xfrm>
+          <a:prstGeom prst="bentConnector3">
+            <a:avLst>
+              <a:gd name="adj1" fmla="val 50000"/>
+            </a:avLst>
+          </a:prstGeom>
+          <a:ln>
+            <a:solidFill>
+              <a:srgbClr val="7030A0"/>
+            </a:solidFill>
+            <a:prstDash val="solid"/>
+            <a:headEnd w="lg" len="lg"/>
+            <a:tailEnd type="triangle" w="lg" len="lg"/>
+          </a:ln>
+        </p:spPr>
+        <p:style>
+          <a:lnRef idx="1">
+            <a:schemeClr val="accent1"/>
+          </a:lnRef>
+          <a:fillRef idx="0">
+            <a:schemeClr val="accent1"/>
+          </a:fillRef>
+          <a:effectRef idx="0">
+            <a:schemeClr val="accent1"/>
+          </a:effectRef>
+          <a:fontRef idx="minor">
+            <a:schemeClr val="tx1"/>
+          </a:fontRef>
+        </p:style>
+      </p:cxnSp>
+      <p:cxnSp>
+        <p:nvCxnSpPr>
+          <p:cNvPr id="46" name="连接符: 肘形 45">
+            <a:extLst>
+              <a:ext uri="{FF2B5EF4-FFF2-40B4-BE49-F238E27FC236}">
+                <a16:creationId xmlns:a16="http://schemas.microsoft.com/office/drawing/2014/main" id="{BA4801A2-5FA5-4BB2-B6D9-A59B3DF94A72}"/>
+              </a:ext>
+            </a:extLst>
+          </p:cNvPr>
+          <p:cNvCxnSpPr>
+            <a:cxnSpLocks/>
+            <a:stCxn id="30" idx="1"/>
+          </p:cNvCxnSpPr>
+          <p:nvPr/>
+        </p:nvCxnSpPr>
+        <p:spPr>
+          <a:xfrm rot="10800000">
+            <a:off x="6189870" y="1798879"/>
+            <a:ext cx="2569594" cy="408115"/>
+          </a:xfrm>
+          <a:prstGeom prst="bentConnector3">
+            <a:avLst>
+              <a:gd name="adj1" fmla="val 50000"/>
+            </a:avLst>
+          </a:prstGeom>
+          <a:ln>
+            <a:solidFill>
+              <a:srgbClr val="7030A0"/>
+            </a:solidFill>
+            <a:prstDash val="solid"/>
+            <a:headEnd w="lg" len="lg"/>
+            <a:tailEnd type="triangle" w="lg" len="lg"/>
+          </a:ln>
+        </p:spPr>
+        <p:style>
+          <a:lnRef idx="1">
+            <a:schemeClr val="accent1"/>
+          </a:lnRef>
+          <a:fillRef idx="0">
+            <a:schemeClr val="accent1"/>
+          </a:fillRef>
+          <a:effectRef idx="0">
+            <a:schemeClr val="accent1"/>
+          </a:effectRef>
+          <a:fontRef idx="minor">
+            <a:schemeClr val="tx1"/>
+          </a:fontRef>
+        </p:style>
+      </p:cxnSp>
+      <p:cxnSp>
+        <p:nvCxnSpPr>
+          <p:cNvPr id="51" name="连接符: 肘形 50">
+            <a:extLst>
+              <a:ext uri="{FF2B5EF4-FFF2-40B4-BE49-F238E27FC236}">
+                <a16:creationId xmlns:a16="http://schemas.microsoft.com/office/drawing/2014/main" id="{8D4DF2DE-B754-4617-B408-25EF61DE78A7}"/>
+              </a:ext>
+            </a:extLst>
+          </p:cNvPr>
+          <p:cNvCxnSpPr>
+            <a:cxnSpLocks/>
+            <a:stCxn id="18" idx="1"/>
+          </p:cNvCxnSpPr>
+          <p:nvPr/>
+        </p:nvCxnSpPr>
+        <p:spPr>
+          <a:xfrm rot="10800000">
+            <a:off x="2742019" y="1939958"/>
+            <a:ext cx="2198018" cy="267036"/>
+          </a:xfrm>
+          <a:prstGeom prst="bentConnector3">
+            <a:avLst>
+              <a:gd name="adj1" fmla="val 50000"/>
+            </a:avLst>
+          </a:prstGeom>
+          <a:ln>
+            <a:solidFill>
+              <a:srgbClr val="7030A0"/>
+            </a:solidFill>
+            <a:prstDash val="solid"/>
+            <a:headEnd w="lg" len="lg"/>
+            <a:tailEnd type="triangle" w="lg" len="lg"/>
+          </a:ln>
+        </p:spPr>
+        <p:style>
+          <a:lnRef idx="1">
+            <a:schemeClr val="accent1"/>
+          </a:lnRef>
+          <a:fillRef idx="0">
+            <a:schemeClr val="accent1"/>
+          </a:fillRef>
+          <a:effectRef idx="0">
+            <a:schemeClr val="accent1"/>
+          </a:effectRef>
+          <a:fontRef idx="minor">
+            <a:schemeClr val="tx1"/>
+          </a:fontRef>
+        </p:style>
+      </p:cxnSp>
+      <p:cxnSp>
+        <p:nvCxnSpPr>
+          <p:cNvPr id="61" name="连接符: 肘形 60">
+            <a:extLst>
+              <a:ext uri="{FF2B5EF4-FFF2-40B4-BE49-F238E27FC236}">
+                <a16:creationId xmlns:a16="http://schemas.microsoft.com/office/drawing/2014/main" id="{453B184D-D953-4BAB-869C-C964BD549BBC}"/>
+              </a:ext>
+            </a:extLst>
+          </p:cNvPr>
+          <p:cNvCxnSpPr>
+            <a:cxnSpLocks/>
+          </p:cNvCxnSpPr>
+          <p:nvPr/>
+        </p:nvCxnSpPr>
+        <p:spPr>
+          <a:xfrm flipV="1">
+            <a:off x="2743005" y="1655215"/>
+            <a:ext cx="2231400" cy="1"/>
+          </a:xfrm>
+          <a:prstGeom prst="bentConnector3">
+            <a:avLst>
+              <a:gd name="adj1" fmla="val 50000"/>
+            </a:avLst>
+          </a:prstGeom>
+          <a:ln>
+            <a:solidFill>
+              <a:srgbClr val="7030A0"/>
+            </a:solidFill>
+            <a:prstDash val="solid"/>
+            <a:headEnd w="lg" len="lg"/>
+            <a:tailEnd type="triangle" w="lg" len="lg"/>
+          </a:ln>
+        </p:spPr>
+        <p:style>
+          <a:lnRef idx="1">
+            <a:schemeClr val="accent1"/>
+          </a:lnRef>
+          <a:fillRef idx="0">
+            <a:schemeClr val="accent1"/>
+          </a:fillRef>
+          <a:effectRef idx="0">
+            <a:schemeClr val="accent1"/>
+          </a:effectRef>
+          <a:fontRef idx="minor">
+            <a:schemeClr val="tx1"/>
+          </a:fontRef>
+        </p:style>
+      </p:cxnSp>
+    </p:spTree>
+    <p:extLst>
+      <p:ext uri="{BB962C8B-B14F-4D97-AF65-F5344CB8AC3E}">
+        <p14:creationId xmlns:p14="http://schemas.microsoft.com/office/powerpoint/2010/main" val="2569679973"/>
+      </p:ext>
+    </p:extLst>
+  </p:cSld>
+  <p:clrMapOvr>
+    <a:masterClrMapping/>
+  </p:clrMapOvr>
+</p:sld>
+</file>
+
+<file path=ppt/slides/slide23.xml><?xml version="1.0" encoding="utf-8"?>
+<p:sld xmlns:a="http://schemas.openxmlformats.org/drawingml/2006/main" xmlns:r="http://schemas.openxmlformats.org/officeDocument/2006/relationships" xmlns:p="http://schemas.openxmlformats.org/presentationml/2006/main">
+  <p:cSld>
+    <p:spTree>
+      <p:nvGrpSpPr>
+        <p:cNvPr id="1" name=""/>
+        <p:cNvGrpSpPr/>
+        <p:nvPr/>
+      </p:nvGrpSpPr>
+      <p:grpSpPr>
+        <a:xfrm>
+          <a:off x="0" y="0"/>
+          <a:ext cx="0" cy="0"/>
+          <a:chOff x="0" y="0"/>
+          <a:chExt cx="0" cy="0"/>
+        </a:xfrm>
+      </p:grpSpPr>
+      <p:sp>
+        <p:nvSpPr>
+          <p:cNvPr id="4" name="椭圆 3">
+            <a:extLst>
+              <a:ext uri="{FF2B5EF4-FFF2-40B4-BE49-F238E27FC236}">
+                <a16:creationId xmlns:a16="http://schemas.microsoft.com/office/drawing/2014/main" id="{18C87562-3CDF-4B49-935A-0AC87C6D2821}"/>
+              </a:ext>
+            </a:extLst>
+          </p:cNvPr>
+          <p:cNvSpPr/>
+          <p:nvPr/>
+        </p:nvSpPr>
+        <p:spPr>
+          <a:xfrm>
+            <a:off x="1857395" y="2211339"/>
+            <a:ext cx="287519" cy="287519"/>
+          </a:xfrm>
+          <a:prstGeom prst="ellipse">
+            <a:avLst/>
+          </a:prstGeom>
+          <a:solidFill>
+            <a:schemeClr val="accent2">
+              <a:lumMod val="60000"/>
+              <a:lumOff val="40000"/>
+            </a:schemeClr>
+          </a:solidFill>
+          <a:ln>
+            <a:noFill/>
+          </a:ln>
+        </p:spPr>
+        <p:style>
+          <a:lnRef idx="2">
+            <a:schemeClr val="accent1">
+              <a:shade val="50000"/>
+            </a:schemeClr>
+          </a:lnRef>
+          <a:fillRef idx="1">
+            <a:schemeClr val="accent1"/>
+          </a:fillRef>
+          <a:effectRef idx="0">
+            <a:schemeClr val="accent1"/>
+          </a:effectRef>
+          <a:fontRef idx="minor">
+            <a:schemeClr val="lt1"/>
+          </a:fontRef>
+        </p:style>
+        <p:txBody>
+          <a:bodyPr rtlCol="0" anchor="ctr"/>
+          <a:lstStyle/>
+          <a:p>
+            <a:pPr algn="ctr"/>
+            <a:endParaRPr lang="zh-CN" altLang="en-US"/>
+          </a:p>
+        </p:txBody>
+      </p:sp>
+      <p:cxnSp>
+        <p:nvCxnSpPr>
+          <p:cNvPr id="8" name="直接连接符 7">
+            <a:extLst>
+              <a:ext uri="{FF2B5EF4-FFF2-40B4-BE49-F238E27FC236}">
+                <a16:creationId xmlns:a16="http://schemas.microsoft.com/office/drawing/2014/main" id="{2AC96E93-3BEC-46FE-97A8-EA40406FF78E}"/>
+              </a:ext>
+            </a:extLst>
+          </p:cNvPr>
+          <p:cNvCxnSpPr>
+            <a:cxnSpLocks/>
+            <a:stCxn id="4" idx="3"/>
+            <a:endCxn id="19" idx="7"/>
+          </p:cNvCxnSpPr>
+          <p:nvPr/>
+        </p:nvCxnSpPr>
+        <p:spPr>
+          <a:xfrm flipH="1">
+            <a:off x="1733483" y="2456752"/>
+            <a:ext cx="166018" cy="278280"/>
+          </a:xfrm>
+          <a:prstGeom prst="line">
+            <a:avLst/>
+          </a:prstGeom>
+        </p:spPr>
+        <p:style>
+          <a:lnRef idx="1">
+            <a:schemeClr val="accent1"/>
+          </a:lnRef>
+          <a:fillRef idx="0">
+            <a:schemeClr val="accent1"/>
+          </a:fillRef>
+          <a:effectRef idx="0">
+            <a:schemeClr val="accent1"/>
+          </a:effectRef>
+          <a:fontRef idx="minor">
+            <a:schemeClr val="tx1"/>
+          </a:fontRef>
+        </p:style>
+      </p:cxnSp>
+      <p:cxnSp>
+        <p:nvCxnSpPr>
+          <p:cNvPr id="10" name="直接连接符 9">
+            <a:extLst>
+              <a:ext uri="{FF2B5EF4-FFF2-40B4-BE49-F238E27FC236}">
+                <a16:creationId xmlns:a16="http://schemas.microsoft.com/office/drawing/2014/main" id="{2A31859B-546A-4055-B358-13E69B055A49}"/>
+              </a:ext>
+            </a:extLst>
+          </p:cNvPr>
+          <p:cNvCxnSpPr>
+            <a:cxnSpLocks/>
+            <a:stCxn id="4" idx="5"/>
+            <a:endCxn id="22" idx="1"/>
+          </p:cNvCxnSpPr>
+          <p:nvPr/>
+        </p:nvCxnSpPr>
+        <p:spPr>
+          <a:xfrm>
+            <a:off x="2102808" y="2456752"/>
+            <a:ext cx="149561" cy="278280"/>
+          </a:xfrm>
+          <a:prstGeom prst="line">
+            <a:avLst/>
+          </a:prstGeom>
+        </p:spPr>
+        <p:style>
+          <a:lnRef idx="1">
+            <a:schemeClr val="accent1"/>
+          </a:lnRef>
+          <a:fillRef idx="0">
+            <a:schemeClr val="accent1"/>
+          </a:fillRef>
+          <a:effectRef idx="0">
+            <a:schemeClr val="accent1"/>
+          </a:effectRef>
+          <a:fontRef idx="minor">
+            <a:schemeClr val="tx1"/>
+          </a:fontRef>
+        </p:style>
+      </p:cxnSp>
+      <p:sp>
+        <p:nvSpPr>
+          <p:cNvPr id="19" name="椭圆 18">
+            <a:extLst>
+              <a:ext uri="{FF2B5EF4-FFF2-40B4-BE49-F238E27FC236}">
+                <a16:creationId xmlns:a16="http://schemas.microsoft.com/office/drawing/2014/main" id="{D4506B09-3DE5-4ED5-956E-77D467715C4C}"/>
+              </a:ext>
+            </a:extLst>
+          </p:cNvPr>
+          <p:cNvSpPr/>
+          <p:nvPr/>
+        </p:nvSpPr>
+        <p:spPr>
+          <a:xfrm>
+            <a:off x="1488070" y="2692926"/>
+            <a:ext cx="287519" cy="287519"/>
+          </a:xfrm>
+          <a:prstGeom prst="ellipse">
+            <a:avLst/>
+          </a:prstGeom>
+          <a:solidFill>
+            <a:schemeClr val="accent2">
+              <a:lumMod val="60000"/>
+              <a:lumOff val="40000"/>
+            </a:schemeClr>
+          </a:solidFill>
+          <a:ln>
+            <a:noFill/>
+          </a:ln>
+        </p:spPr>
+        <p:style>
+          <a:lnRef idx="2">
+            <a:schemeClr val="accent1">
+              <a:shade val="50000"/>
+            </a:schemeClr>
+          </a:lnRef>
+          <a:fillRef idx="1">
+            <a:schemeClr val="accent1"/>
+          </a:fillRef>
+          <a:effectRef idx="0">
+            <a:schemeClr val="accent1"/>
+          </a:effectRef>
+          <a:fontRef idx="minor">
+            <a:schemeClr val="lt1"/>
+          </a:fontRef>
+        </p:style>
+        <p:txBody>
+          <a:bodyPr rtlCol="0" anchor="ctr"/>
+          <a:lstStyle/>
+          <a:p>
+            <a:pPr algn="ctr"/>
+            <a:endParaRPr lang="zh-CN" altLang="en-US"/>
+          </a:p>
+        </p:txBody>
+      </p:sp>
+      <p:sp>
+        <p:nvSpPr>
+          <p:cNvPr id="22" name="椭圆 21">
+            <a:extLst>
+              <a:ext uri="{FF2B5EF4-FFF2-40B4-BE49-F238E27FC236}">
+                <a16:creationId xmlns:a16="http://schemas.microsoft.com/office/drawing/2014/main" id="{DE6E4BD8-CC24-4CC7-98CA-3954E7C5D828}"/>
+              </a:ext>
+            </a:extLst>
+          </p:cNvPr>
+          <p:cNvSpPr/>
+          <p:nvPr/>
+        </p:nvSpPr>
+        <p:spPr>
+          <a:xfrm>
+            <a:off x="2210263" y="2692926"/>
+            <a:ext cx="287519" cy="287519"/>
+          </a:xfrm>
+          <a:prstGeom prst="ellipse">
+            <a:avLst/>
+          </a:prstGeom>
+          <a:solidFill>
+            <a:schemeClr val="accent2">
+              <a:lumMod val="60000"/>
+              <a:lumOff val="40000"/>
+            </a:schemeClr>
+          </a:solidFill>
+          <a:ln>
+            <a:noFill/>
+          </a:ln>
+        </p:spPr>
+        <p:style>
+          <a:lnRef idx="2">
+            <a:schemeClr val="accent1">
+              <a:shade val="50000"/>
+            </a:schemeClr>
+          </a:lnRef>
+          <a:fillRef idx="1">
+            <a:schemeClr val="accent1"/>
+          </a:fillRef>
+          <a:effectRef idx="0">
+            <a:schemeClr val="accent1"/>
+          </a:effectRef>
+          <a:fontRef idx="minor">
+            <a:schemeClr val="lt1"/>
+          </a:fontRef>
+        </p:style>
+        <p:txBody>
+          <a:bodyPr rtlCol="0" anchor="ctr"/>
+          <a:lstStyle/>
+          <a:p>
+            <a:pPr algn="ctr"/>
+            <a:endParaRPr lang="zh-CN" altLang="en-US"/>
+          </a:p>
+        </p:txBody>
+      </p:sp>
+      <p:cxnSp>
+        <p:nvCxnSpPr>
+          <p:cNvPr id="30" name="直接连接符 29">
+            <a:extLst>
+              <a:ext uri="{FF2B5EF4-FFF2-40B4-BE49-F238E27FC236}">
+                <a16:creationId xmlns:a16="http://schemas.microsoft.com/office/drawing/2014/main" id="{F8B7B1FF-0C32-4325-8CC7-9044702D8916}"/>
+              </a:ext>
+            </a:extLst>
+          </p:cNvPr>
+          <p:cNvCxnSpPr>
+            <a:cxnSpLocks/>
+            <a:stCxn id="19" idx="3"/>
+            <a:endCxn id="32" idx="7"/>
+          </p:cNvCxnSpPr>
+          <p:nvPr/>
+        </p:nvCxnSpPr>
+        <p:spPr>
+          <a:xfrm flipH="1">
+            <a:off x="1355684" y="2938339"/>
+            <a:ext cx="174492" cy="370693"/>
+          </a:xfrm>
+          <a:prstGeom prst="line">
+            <a:avLst/>
+          </a:prstGeom>
+        </p:spPr>
+        <p:style>
+          <a:lnRef idx="1">
+            <a:schemeClr val="accent1"/>
+          </a:lnRef>
+          <a:fillRef idx="0">
+            <a:schemeClr val="accent1"/>
+          </a:fillRef>
+          <a:effectRef idx="0">
+            <a:schemeClr val="accent1"/>
+          </a:effectRef>
+          <a:fontRef idx="minor">
+            <a:schemeClr val="tx1"/>
+          </a:fontRef>
+        </p:style>
+      </p:cxnSp>
+      <p:cxnSp>
+        <p:nvCxnSpPr>
+          <p:cNvPr id="31" name="直接连接符 30">
+            <a:extLst>
+              <a:ext uri="{FF2B5EF4-FFF2-40B4-BE49-F238E27FC236}">
+                <a16:creationId xmlns:a16="http://schemas.microsoft.com/office/drawing/2014/main" id="{4E59C259-3297-4863-84C2-142CC2634FEB}"/>
+              </a:ext>
+            </a:extLst>
+          </p:cNvPr>
+          <p:cNvCxnSpPr>
+            <a:cxnSpLocks/>
+            <a:stCxn id="19" idx="5"/>
+            <a:endCxn id="33" idx="1"/>
+          </p:cNvCxnSpPr>
+          <p:nvPr/>
+        </p:nvCxnSpPr>
+        <p:spPr>
+          <a:xfrm>
+            <a:off x="1733483" y="2938339"/>
+            <a:ext cx="141087" cy="370694"/>
+          </a:xfrm>
+          <a:prstGeom prst="line">
+            <a:avLst/>
+          </a:prstGeom>
+        </p:spPr>
+        <p:style>
+          <a:lnRef idx="1">
+            <a:schemeClr val="accent1"/>
+          </a:lnRef>
+          <a:fillRef idx="0">
+            <a:schemeClr val="accent1"/>
+          </a:fillRef>
+          <a:effectRef idx="0">
+            <a:schemeClr val="accent1"/>
+          </a:effectRef>
+          <a:fontRef idx="minor">
+            <a:schemeClr val="tx1"/>
+          </a:fontRef>
+        </p:style>
+      </p:cxnSp>
+      <p:sp>
+        <p:nvSpPr>
+          <p:cNvPr id="32" name="椭圆 31">
+            <a:extLst>
+              <a:ext uri="{FF2B5EF4-FFF2-40B4-BE49-F238E27FC236}">
+                <a16:creationId xmlns:a16="http://schemas.microsoft.com/office/drawing/2014/main" id="{DC7FDFF0-0870-4F6A-8BAD-D61030B8069B}"/>
+              </a:ext>
+            </a:extLst>
+          </p:cNvPr>
+          <p:cNvSpPr/>
+          <p:nvPr/>
+        </p:nvSpPr>
+        <p:spPr>
+          <a:xfrm>
+            <a:off x="1110271" y="3266926"/>
+            <a:ext cx="287519" cy="287519"/>
+          </a:xfrm>
+          <a:prstGeom prst="ellipse">
+            <a:avLst/>
+          </a:prstGeom>
+          <a:solidFill>
+            <a:schemeClr val="accent2">
+              <a:lumMod val="60000"/>
+              <a:lumOff val="40000"/>
+            </a:schemeClr>
+          </a:solidFill>
+          <a:ln>
+            <a:noFill/>
+          </a:ln>
+        </p:spPr>
+        <p:style>
+          <a:lnRef idx="2">
+            <a:schemeClr val="accent1">
+              <a:shade val="50000"/>
+            </a:schemeClr>
+          </a:lnRef>
+          <a:fillRef idx="1">
+            <a:schemeClr val="accent1"/>
+          </a:fillRef>
+          <a:effectRef idx="0">
+            <a:schemeClr val="accent1"/>
+          </a:effectRef>
+          <a:fontRef idx="minor">
+            <a:schemeClr val="lt1"/>
+          </a:fontRef>
+        </p:style>
+        <p:txBody>
+          <a:bodyPr rtlCol="0" anchor="ctr"/>
+          <a:lstStyle/>
+          <a:p>
+            <a:pPr algn="ctr"/>
+            <a:endParaRPr lang="zh-CN" altLang="en-US"/>
+          </a:p>
+        </p:txBody>
+      </p:sp>
+      <p:sp>
+        <p:nvSpPr>
+          <p:cNvPr id="33" name="椭圆 32">
+            <a:extLst>
+              <a:ext uri="{FF2B5EF4-FFF2-40B4-BE49-F238E27FC236}">
+                <a16:creationId xmlns:a16="http://schemas.microsoft.com/office/drawing/2014/main" id="{C1E2995E-5228-4397-8E55-5463F08A3908}"/>
+              </a:ext>
+            </a:extLst>
+          </p:cNvPr>
+          <p:cNvSpPr/>
+          <p:nvPr/>
+        </p:nvSpPr>
+        <p:spPr>
+          <a:xfrm>
+            <a:off x="1832464" y="3266927"/>
+            <a:ext cx="287519" cy="287519"/>
+          </a:xfrm>
+          <a:prstGeom prst="ellipse">
+            <a:avLst/>
+          </a:prstGeom>
+          <a:solidFill>
+            <a:schemeClr val="accent2">
+              <a:lumMod val="60000"/>
+              <a:lumOff val="40000"/>
+            </a:schemeClr>
+          </a:solidFill>
+          <a:ln>
+            <a:noFill/>
+          </a:ln>
+        </p:spPr>
+        <p:style>
+          <a:lnRef idx="2">
+            <a:schemeClr val="accent1">
+              <a:shade val="50000"/>
+            </a:schemeClr>
+          </a:lnRef>
+          <a:fillRef idx="1">
+            <a:schemeClr val="accent1"/>
+          </a:fillRef>
+          <a:effectRef idx="0">
+            <a:schemeClr val="accent1"/>
+          </a:effectRef>
+          <a:fontRef idx="minor">
+            <a:schemeClr val="lt1"/>
+          </a:fontRef>
+        </p:style>
+        <p:txBody>
+          <a:bodyPr rtlCol="0" anchor="ctr"/>
+          <a:lstStyle/>
+          <a:p>
+            <a:pPr algn="ctr"/>
+            <a:endParaRPr lang="zh-CN" altLang="en-US"/>
+          </a:p>
+        </p:txBody>
+      </p:sp>
+      <p:sp>
+        <p:nvSpPr>
+          <p:cNvPr id="38" name="椭圆 37">
+            <a:extLst>
+              <a:ext uri="{FF2B5EF4-FFF2-40B4-BE49-F238E27FC236}">
+                <a16:creationId xmlns:a16="http://schemas.microsoft.com/office/drawing/2014/main" id="{012D653B-72B8-4BD2-9FF7-092141BD1ABB}"/>
+              </a:ext>
+            </a:extLst>
+          </p:cNvPr>
+          <p:cNvSpPr/>
+          <p:nvPr/>
+        </p:nvSpPr>
+        <p:spPr>
+          <a:xfrm>
+            <a:off x="3674543" y="2211339"/>
+            <a:ext cx="287519" cy="287519"/>
+          </a:xfrm>
+          <a:prstGeom prst="ellipse">
+            <a:avLst/>
+          </a:prstGeom>
+          <a:solidFill>
+            <a:srgbClr val="00B050"/>
+          </a:solidFill>
+          <a:ln>
+            <a:noFill/>
+          </a:ln>
+        </p:spPr>
+        <p:style>
+          <a:lnRef idx="2">
+            <a:schemeClr val="accent1">
+              <a:shade val="50000"/>
+            </a:schemeClr>
+          </a:lnRef>
+          <a:fillRef idx="1">
+            <a:schemeClr val="accent1"/>
+          </a:fillRef>
+          <a:effectRef idx="0">
+            <a:schemeClr val="accent1"/>
+          </a:effectRef>
+          <a:fontRef idx="minor">
+            <a:schemeClr val="lt1"/>
+          </a:fontRef>
+        </p:style>
+        <p:txBody>
+          <a:bodyPr rtlCol="0" anchor="ctr"/>
+          <a:lstStyle/>
+          <a:p>
+            <a:pPr algn="ctr"/>
+            <a:endParaRPr lang="zh-CN" altLang="en-US"/>
+          </a:p>
+        </p:txBody>
+      </p:sp>
+      <p:cxnSp>
+        <p:nvCxnSpPr>
+          <p:cNvPr id="39" name="直接连接符 38">
+            <a:extLst>
+              <a:ext uri="{FF2B5EF4-FFF2-40B4-BE49-F238E27FC236}">
+                <a16:creationId xmlns:a16="http://schemas.microsoft.com/office/drawing/2014/main" id="{29C6452C-7F7E-499D-AAB6-DB7955A37C5D}"/>
+              </a:ext>
+            </a:extLst>
+          </p:cNvPr>
+          <p:cNvCxnSpPr>
+            <a:cxnSpLocks/>
+            <a:stCxn id="38" idx="3"/>
+            <a:endCxn id="41" idx="7"/>
+          </p:cNvCxnSpPr>
+          <p:nvPr/>
+        </p:nvCxnSpPr>
+        <p:spPr>
+          <a:xfrm flipH="1">
+            <a:off x="3550631" y="2456752"/>
+            <a:ext cx="166018" cy="278280"/>
+          </a:xfrm>
+          <a:prstGeom prst="line">
+            <a:avLst/>
+          </a:prstGeom>
+        </p:spPr>
+        <p:style>
+          <a:lnRef idx="1">
+            <a:schemeClr val="accent1"/>
+          </a:lnRef>
+          <a:fillRef idx="0">
+            <a:schemeClr val="accent1"/>
+          </a:fillRef>
+          <a:effectRef idx="0">
+            <a:schemeClr val="accent1"/>
+          </a:effectRef>
+          <a:fontRef idx="minor">
+            <a:schemeClr val="tx1"/>
+          </a:fontRef>
+        </p:style>
+      </p:cxnSp>
+      <p:cxnSp>
+        <p:nvCxnSpPr>
+          <p:cNvPr id="40" name="直接连接符 39">
+            <a:extLst>
+              <a:ext uri="{FF2B5EF4-FFF2-40B4-BE49-F238E27FC236}">
+                <a16:creationId xmlns:a16="http://schemas.microsoft.com/office/drawing/2014/main" id="{A43A5CFE-2C55-4894-A77F-B1C6CBADB138}"/>
+              </a:ext>
+            </a:extLst>
+          </p:cNvPr>
+          <p:cNvCxnSpPr>
+            <a:cxnSpLocks/>
+            <a:stCxn id="38" idx="5"/>
+            <a:endCxn id="42" idx="1"/>
+          </p:cNvCxnSpPr>
+          <p:nvPr/>
+        </p:nvCxnSpPr>
+        <p:spPr>
+          <a:xfrm>
+            <a:off x="3919956" y="2456752"/>
+            <a:ext cx="149561" cy="278280"/>
+          </a:xfrm>
+          <a:prstGeom prst="line">
+            <a:avLst/>
+          </a:prstGeom>
+        </p:spPr>
+        <p:style>
+          <a:lnRef idx="1">
+            <a:schemeClr val="accent1"/>
+          </a:lnRef>
+          <a:fillRef idx="0">
+            <a:schemeClr val="accent1"/>
+          </a:fillRef>
+          <a:effectRef idx="0">
+            <a:schemeClr val="accent1"/>
+          </a:effectRef>
+          <a:fontRef idx="minor">
+            <a:schemeClr val="tx1"/>
+          </a:fontRef>
+        </p:style>
+      </p:cxnSp>
+      <p:sp>
+        <p:nvSpPr>
+          <p:cNvPr id="41" name="椭圆 40">
+            <a:extLst>
+              <a:ext uri="{FF2B5EF4-FFF2-40B4-BE49-F238E27FC236}">
+                <a16:creationId xmlns:a16="http://schemas.microsoft.com/office/drawing/2014/main" id="{310500DD-CFAF-41FE-8FD1-3B734C0915D4}"/>
+              </a:ext>
+            </a:extLst>
+          </p:cNvPr>
+          <p:cNvSpPr/>
+          <p:nvPr/>
+        </p:nvSpPr>
+        <p:spPr>
+          <a:xfrm>
+            <a:off x="3305218" y="2692926"/>
+            <a:ext cx="287519" cy="287519"/>
+          </a:xfrm>
+          <a:prstGeom prst="ellipse">
+            <a:avLst/>
+          </a:prstGeom>
+          <a:solidFill>
+            <a:srgbClr val="00B050"/>
+          </a:solidFill>
+          <a:ln>
+            <a:noFill/>
+          </a:ln>
+        </p:spPr>
+        <p:style>
+          <a:lnRef idx="2">
+            <a:schemeClr val="accent1">
+              <a:shade val="50000"/>
+            </a:schemeClr>
+          </a:lnRef>
+          <a:fillRef idx="1">
+            <a:schemeClr val="accent1"/>
+          </a:fillRef>
+          <a:effectRef idx="0">
+            <a:schemeClr val="accent1"/>
+          </a:effectRef>
+          <a:fontRef idx="minor">
+            <a:schemeClr val="lt1"/>
+          </a:fontRef>
+        </p:style>
+        <p:txBody>
+          <a:bodyPr rtlCol="0" anchor="ctr"/>
+          <a:lstStyle/>
+          <a:p>
+            <a:pPr algn="ctr"/>
+            <a:endParaRPr lang="zh-CN" altLang="en-US"/>
+          </a:p>
+        </p:txBody>
+      </p:sp>
+      <p:sp>
+        <p:nvSpPr>
+          <p:cNvPr id="42" name="椭圆 41">
+            <a:extLst>
+              <a:ext uri="{FF2B5EF4-FFF2-40B4-BE49-F238E27FC236}">
+                <a16:creationId xmlns:a16="http://schemas.microsoft.com/office/drawing/2014/main" id="{03696D69-7EB1-4944-BD0E-57F69CFF4A00}"/>
+              </a:ext>
+            </a:extLst>
+          </p:cNvPr>
+          <p:cNvSpPr/>
+          <p:nvPr/>
+        </p:nvSpPr>
+        <p:spPr>
+          <a:xfrm>
+            <a:off x="4027411" y="2692926"/>
+            <a:ext cx="287519" cy="287519"/>
+          </a:xfrm>
+          <a:prstGeom prst="ellipse">
+            <a:avLst/>
+          </a:prstGeom>
+          <a:solidFill>
+            <a:srgbClr val="00B050"/>
+          </a:solidFill>
+          <a:ln>
+            <a:noFill/>
+          </a:ln>
+        </p:spPr>
+        <p:style>
+          <a:lnRef idx="2">
+            <a:schemeClr val="accent1">
+              <a:shade val="50000"/>
+            </a:schemeClr>
+          </a:lnRef>
+          <a:fillRef idx="1">
+            <a:schemeClr val="accent1"/>
+          </a:fillRef>
+          <a:effectRef idx="0">
+            <a:schemeClr val="accent1"/>
+          </a:effectRef>
+          <a:fontRef idx="minor">
+            <a:schemeClr val="lt1"/>
+          </a:fontRef>
+        </p:style>
+        <p:txBody>
+          <a:bodyPr rtlCol="0" anchor="ctr"/>
+          <a:lstStyle/>
+          <a:p>
+            <a:pPr algn="ctr"/>
+            <a:endParaRPr lang="zh-CN" altLang="en-US"/>
+          </a:p>
+        </p:txBody>
+      </p:sp>
+      <p:cxnSp>
+        <p:nvCxnSpPr>
+          <p:cNvPr id="43" name="直接连接符 42">
+            <a:extLst>
+              <a:ext uri="{FF2B5EF4-FFF2-40B4-BE49-F238E27FC236}">
+                <a16:creationId xmlns:a16="http://schemas.microsoft.com/office/drawing/2014/main" id="{8B1567BC-5957-432A-A550-F754B25124FD}"/>
+              </a:ext>
+            </a:extLst>
+          </p:cNvPr>
+          <p:cNvCxnSpPr>
+            <a:cxnSpLocks/>
+            <a:stCxn id="41" idx="3"/>
+            <a:endCxn id="45" idx="7"/>
+          </p:cNvCxnSpPr>
+          <p:nvPr/>
+        </p:nvCxnSpPr>
+        <p:spPr>
+          <a:xfrm flipH="1">
+            <a:off x="3172832" y="2938339"/>
+            <a:ext cx="174492" cy="370693"/>
+          </a:xfrm>
+          <a:prstGeom prst="line">
+            <a:avLst/>
+          </a:prstGeom>
+        </p:spPr>
+        <p:style>
+          <a:lnRef idx="1">
+            <a:schemeClr val="accent1"/>
+          </a:lnRef>
+          <a:fillRef idx="0">
+            <a:schemeClr val="accent1"/>
+          </a:fillRef>
+          <a:effectRef idx="0">
+            <a:schemeClr val="accent1"/>
+          </a:effectRef>
+          <a:fontRef idx="minor">
+            <a:schemeClr val="tx1"/>
+          </a:fontRef>
+        </p:style>
+      </p:cxnSp>
+      <p:cxnSp>
+        <p:nvCxnSpPr>
+          <p:cNvPr id="44" name="直接连接符 43">
+            <a:extLst>
+              <a:ext uri="{FF2B5EF4-FFF2-40B4-BE49-F238E27FC236}">
+                <a16:creationId xmlns:a16="http://schemas.microsoft.com/office/drawing/2014/main" id="{117065D1-F4A0-4A72-8AC3-BC2F4736AD74}"/>
+              </a:ext>
+            </a:extLst>
+          </p:cNvPr>
+          <p:cNvCxnSpPr>
+            <a:cxnSpLocks/>
+            <a:stCxn id="41" idx="5"/>
+            <a:endCxn id="46" idx="1"/>
+          </p:cNvCxnSpPr>
+          <p:nvPr/>
+        </p:nvCxnSpPr>
+        <p:spPr>
+          <a:xfrm>
+            <a:off x="3550631" y="2938339"/>
+            <a:ext cx="141087" cy="370694"/>
+          </a:xfrm>
+          <a:prstGeom prst="line">
+            <a:avLst/>
+          </a:prstGeom>
+        </p:spPr>
+        <p:style>
+          <a:lnRef idx="1">
+            <a:schemeClr val="accent1"/>
+          </a:lnRef>
+          <a:fillRef idx="0">
+            <a:schemeClr val="accent1"/>
+          </a:fillRef>
+          <a:effectRef idx="0">
+            <a:schemeClr val="accent1"/>
+          </a:effectRef>
+          <a:fontRef idx="minor">
+            <a:schemeClr val="tx1"/>
+          </a:fontRef>
+        </p:style>
+      </p:cxnSp>
+      <p:sp>
+        <p:nvSpPr>
+          <p:cNvPr id="45" name="椭圆 44">
+            <a:extLst>
+              <a:ext uri="{FF2B5EF4-FFF2-40B4-BE49-F238E27FC236}">
+                <a16:creationId xmlns:a16="http://schemas.microsoft.com/office/drawing/2014/main" id="{EF029040-F2B0-48D0-AE55-65F15E24FEEC}"/>
+              </a:ext>
+            </a:extLst>
+          </p:cNvPr>
+          <p:cNvSpPr/>
+          <p:nvPr/>
+        </p:nvSpPr>
+        <p:spPr>
+          <a:xfrm>
+            <a:off x="2927419" y="3266926"/>
+            <a:ext cx="287519" cy="287519"/>
+          </a:xfrm>
+          <a:prstGeom prst="ellipse">
+            <a:avLst/>
+          </a:prstGeom>
+          <a:solidFill>
+            <a:srgbClr val="00B050"/>
+          </a:solidFill>
+          <a:ln>
+            <a:noFill/>
+          </a:ln>
+        </p:spPr>
+        <p:style>
+          <a:lnRef idx="2">
+            <a:schemeClr val="accent1">
+              <a:shade val="50000"/>
+            </a:schemeClr>
+          </a:lnRef>
+          <a:fillRef idx="1">
+            <a:schemeClr val="accent1"/>
+          </a:fillRef>
+          <a:effectRef idx="0">
+            <a:schemeClr val="accent1"/>
+          </a:effectRef>
+          <a:fontRef idx="minor">
+            <a:schemeClr val="lt1"/>
+          </a:fontRef>
+        </p:style>
+        <p:txBody>
+          <a:bodyPr rtlCol="0" anchor="ctr"/>
+          <a:lstStyle/>
+          <a:p>
+            <a:pPr algn="ctr"/>
+            <a:endParaRPr lang="zh-CN" altLang="en-US"/>
+          </a:p>
+        </p:txBody>
+      </p:sp>
+      <p:sp>
+        <p:nvSpPr>
+          <p:cNvPr id="46" name="椭圆 45">
+            <a:extLst>
+              <a:ext uri="{FF2B5EF4-FFF2-40B4-BE49-F238E27FC236}">
+                <a16:creationId xmlns:a16="http://schemas.microsoft.com/office/drawing/2014/main" id="{0091CE57-F8B2-4DE6-AEF5-2DBC651C02EA}"/>
+              </a:ext>
+            </a:extLst>
+          </p:cNvPr>
+          <p:cNvSpPr/>
+          <p:nvPr/>
+        </p:nvSpPr>
+        <p:spPr>
+          <a:xfrm>
+            <a:off x="3649612" y="3266927"/>
+            <a:ext cx="287519" cy="287519"/>
+          </a:xfrm>
+          <a:prstGeom prst="ellipse">
+            <a:avLst/>
+          </a:prstGeom>
+          <a:solidFill>
+            <a:srgbClr val="00B050"/>
+          </a:solidFill>
+          <a:ln>
+            <a:noFill/>
+          </a:ln>
+        </p:spPr>
+        <p:style>
+          <a:lnRef idx="2">
+            <a:schemeClr val="accent1">
+              <a:shade val="50000"/>
+            </a:schemeClr>
+          </a:lnRef>
+          <a:fillRef idx="1">
+            <a:schemeClr val="accent1"/>
+          </a:fillRef>
+          <a:effectRef idx="0">
+            <a:schemeClr val="accent1"/>
+          </a:effectRef>
+          <a:fontRef idx="minor">
+            <a:schemeClr val="lt1"/>
+          </a:fontRef>
+        </p:style>
+        <p:txBody>
+          <a:bodyPr rtlCol="0" anchor="ctr"/>
+          <a:lstStyle/>
+          <a:p>
+            <a:pPr algn="ctr"/>
+            <a:endParaRPr lang="zh-CN" altLang="en-US"/>
+          </a:p>
+        </p:txBody>
+      </p:sp>
+      <p:sp>
+        <p:nvSpPr>
+          <p:cNvPr id="47" name="椭圆 46">
+            <a:extLst>
+              <a:ext uri="{FF2B5EF4-FFF2-40B4-BE49-F238E27FC236}">
+                <a16:creationId xmlns:a16="http://schemas.microsoft.com/office/drawing/2014/main" id="{4454F40F-D701-4B0A-B2A2-7A4720F2F538}"/>
+              </a:ext>
+            </a:extLst>
+          </p:cNvPr>
+          <p:cNvSpPr/>
+          <p:nvPr/>
+        </p:nvSpPr>
+        <p:spPr>
+          <a:xfrm>
+            <a:off x="5359305" y="2198267"/>
+            <a:ext cx="287519" cy="287519"/>
+          </a:xfrm>
+          <a:prstGeom prst="ellipse">
+            <a:avLst/>
+          </a:prstGeom>
+          <a:solidFill>
+            <a:srgbClr val="FFC000"/>
+          </a:solidFill>
+          <a:ln>
+            <a:noFill/>
+          </a:ln>
+        </p:spPr>
+        <p:style>
+          <a:lnRef idx="2">
+            <a:schemeClr val="accent1">
+              <a:shade val="50000"/>
+            </a:schemeClr>
+          </a:lnRef>
+          <a:fillRef idx="1">
+            <a:schemeClr val="accent1"/>
+          </a:fillRef>
+          <a:effectRef idx="0">
+            <a:schemeClr val="accent1"/>
+          </a:effectRef>
+          <a:fontRef idx="minor">
+            <a:schemeClr val="lt1"/>
+          </a:fontRef>
+        </p:style>
+        <p:txBody>
+          <a:bodyPr rtlCol="0" anchor="ctr"/>
+          <a:lstStyle/>
+          <a:p>
+            <a:pPr algn="ctr"/>
+            <a:endParaRPr lang="zh-CN" altLang="en-US"/>
+          </a:p>
+        </p:txBody>
+      </p:sp>
+      <p:cxnSp>
+        <p:nvCxnSpPr>
+          <p:cNvPr id="48" name="直接连接符 47">
+            <a:extLst>
+              <a:ext uri="{FF2B5EF4-FFF2-40B4-BE49-F238E27FC236}">
+                <a16:creationId xmlns:a16="http://schemas.microsoft.com/office/drawing/2014/main" id="{4BB8AC65-26E1-4C5E-837B-57990744D921}"/>
+              </a:ext>
+            </a:extLst>
+          </p:cNvPr>
+          <p:cNvCxnSpPr>
+            <a:cxnSpLocks/>
+            <a:stCxn id="47" idx="3"/>
+            <a:endCxn id="50" idx="7"/>
+          </p:cNvCxnSpPr>
+          <p:nvPr/>
+        </p:nvCxnSpPr>
+        <p:spPr>
+          <a:xfrm flipH="1">
+            <a:off x="5235393" y="2443680"/>
+            <a:ext cx="166018" cy="278280"/>
+          </a:xfrm>
+          <a:prstGeom prst="line">
+            <a:avLst/>
+          </a:prstGeom>
+        </p:spPr>
+        <p:style>
+          <a:lnRef idx="1">
+            <a:schemeClr val="accent1"/>
+          </a:lnRef>
+          <a:fillRef idx="0">
+            <a:schemeClr val="accent1"/>
+          </a:fillRef>
+          <a:effectRef idx="0">
+            <a:schemeClr val="accent1"/>
+          </a:effectRef>
+          <a:fontRef idx="minor">
+            <a:schemeClr val="tx1"/>
+          </a:fontRef>
+        </p:style>
+      </p:cxnSp>
+      <p:cxnSp>
+        <p:nvCxnSpPr>
+          <p:cNvPr id="49" name="直接连接符 48">
+            <a:extLst>
+              <a:ext uri="{FF2B5EF4-FFF2-40B4-BE49-F238E27FC236}">
+                <a16:creationId xmlns:a16="http://schemas.microsoft.com/office/drawing/2014/main" id="{C6463736-407B-497A-B653-F6C3B0D375DB}"/>
+              </a:ext>
+            </a:extLst>
+          </p:cNvPr>
+          <p:cNvCxnSpPr>
+            <a:cxnSpLocks/>
+            <a:stCxn id="47" idx="5"/>
+            <a:endCxn id="51" idx="1"/>
+          </p:cNvCxnSpPr>
+          <p:nvPr/>
+        </p:nvCxnSpPr>
+        <p:spPr>
+          <a:xfrm>
+            <a:off x="5604718" y="2443680"/>
+            <a:ext cx="149561" cy="278280"/>
+          </a:xfrm>
+          <a:prstGeom prst="line">
+            <a:avLst/>
+          </a:prstGeom>
+        </p:spPr>
+        <p:style>
+          <a:lnRef idx="1">
+            <a:schemeClr val="accent1"/>
+          </a:lnRef>
+          <a:fillRef idx="0">
+            <a:schemeClr val="accent1"/>
+          </a:fillRef>
+          <a:effectRef idx="0">
+            <a:schemeClr val="accent1"/>
+          </a:effectRef>
+          <a:fontRef idx="minor">
+            <a:schemeClr val="tx1"/>
+          </a:fontRef>
+        </p:style>
+      </p:cxnSp>
+      <p:sp>
+        <p:nvSpPr>
+          <p:cNvPr id="50" name="椭圆 49">
+            <a:extLst>
+              <a:ext uri="{FF2B5EF4-FFF2-40B4-BE49-F238E27FC236}">
+                <a16:creationId xmlns:a16="http://schemas.microsoft.com/office/drawing/2014/main" id="{D7E447B0-E5C4-44D0-9534-19EBE2C1B3DF}"/>
+              </a:ext>
+            </a:extLst>
+          </p:cNvPr>
+          <p:cNvSpPr/>
+          <p:nvPr/>
+        </p:nvSpPr>
+        <p:spPr>
+          <a:xfrm>
+            <a:off x="4989980" y="2679854"/>
+            <a:ext cx="287519" cy="287519"/>
+          </a:xfrm>
+          <a:prstGeom prst="ellipse">
+            <a:avLst/>
+          </a:prstGeom>
+          <a:solidFill>
+            <a:srgbClr val="FFC000"/>
+          </a:solidFill>
+          <a:ln>
+            <a:noFill/>
+          </a:ln>
+        </p:spPr>
+        <p:style>
+          <a:lnRef idx="2">
+            <a:schemeClr val="accent1">
+              <a:shade val="50000"/>
+            </a:schemeClr>
+          </a:lnRef>
+          <a:fillRef idx="1">
+            <a:schemeClr val="accent1"/>
+          </a:fillRef>
+          <a:effectRef idx="0">
+            <a:schemeClr val="accent1"/>
+          </a:effectRef>
+          <a:fontRef idx="minor">
+            <a:schemeClr val="lt1"/>
+          </a:fontRef>
+        </p:style>
+        <p:txBody>
+          <a:bodyPr rtlCol="0" anchor="ctr"/>
+          <a:lstStyle/>
+          <a:p>
+            <a:pPr algn="ctr"/>
+            <a:endParaRPr lang="zh-CN" altLang="en-US"/>
+          </a:p>
+        </p:txBody>
+      </p:sp>
+      <p:sp>
+        <p:nvSpPr>
+          <p:cNvPr id="51" name="椭圆 50">
+            <a:extLst>
+              <a:ext uri="{FF2B5EF4-FFF2-40B4-BE49-F238E27FC236}">
+                <a16:creationId xmlns:a16="http://schemas.microsoft.com/office/drawing/2014/main" id="{F6FF0D35-1F74-462C-BCB8-36EC6B8D33E1}"/>
+              </a:ext>
+            </a:extLst>
+          </p:cNvPr>
+          <p:cNvSpPr/>
+          <p:nvPr/>
+        </p:nvSpPr>
+        <p:spPr>
+          <a:xfrm>
+            <a:off x="5712173" y="2679854"/>
+            <a:ext cx="287519" cy="287519"/>
+          </a:xfrm>
+          <a:prstGeom prst="ellipse">
+            <a:avLst/>
+          </a:prstGeom>
+          <a:solidFill>
+            <a:srgbClr val="FFC000"/>
+          </a:solidFill>
+          <a:ln>
+            <a:noFill/>
+          </a:ln>
+        </p:spPr>
+        <p:style>
+          <a:lnRef idx="2">
+            <a:schemeClr val="accent1">
+              <a:shade val="50000"/>
+            </a:schemeClr>
+          </a:lnRef>
+          <a:fillRef idx="1">
+            <a:schemeClr val="accent1"/>
+          </a:fillRef>
+          <a:effectRef idx="0">
+            <a:schemeClr val="accent1"/>
+          </a:effectRef>
+          <a:fontRef idx="minor">
+            <a:schemeClr val="lt1"/>
+          </a:fontRef>
+        </p:style>
+        <p:txBody>
+          <a:bodyPr rtlCol="0" anchor="ctr"/>
+          <a:lstStyle/>
+          <a:p>
+            <a:pPr algn="ctr"/>
+            <a:endParaRPr lang="zh-CN" altLang="en-US"/>
+          </a:p>
+        </p:txBody>
+      </p:sp>
+      <p:cxnSp>
+        <p:nvCxnSpPr>
+          <p:cNvPr id="52" name="直接连接符 51">
+            <a:extLst>
+              <a:ext uri="{FF2B5EF4-FFF2-40B4-BE49-F238E27FC236}">
+                <a16:creationId xmlns:a16="http://schemas.microsoft.com/office/drawing/2014/main" id="{4E98630C-BF63-4CFE-8BAE-127DA7341FD0}"/>
+              </a:ext>
+            </a:extLst>
+          </p:cNvPr>
+          <p:cNvCxnSpPr>
+            <a:cxnSpLocks/>
+            <a:stCxn id="50" idx="3"/>
+            <a:endCxn id="54" idx="7"/>
+          </p:cNvCxnSpPr>
+          <p:nvPr/>
+        </p:nvCxnSpPr>
+        <p:spPr>
+          <a:xfrm flipH="1">
+            <a:off x="4857594" y="2925267"/>
+            <a:ext cx="174492" cy="370693"/>
+          </a:xfrm>
+          <a:prstGeom prst="line">
+            <a:avLst/>
+          </a:prstGeom>
+        </p:spPr>
+        <p:style>
+          <a:lnRef idx="1">
+            <a:schemeClr val="accent1"/>
+          </a:lnRef>
+          <a:fillRef idx="0">
+            <a:schemeClr val="accent1"/>
+          </a:fillRef>
+          <a:effectRef idx="0">
+            <a:schemeClr val="accent1"/>
+          </a:effectRef>
+          <a:fontRef idx="minor">
+            <a:schemeClr val="tx1"/>
+          </a:fontRef>
+        </p:style>
+      </p:cxnSp>
+      <p:cxnSp>
+        <p:nvCxnSpPr>
+          <p:cNvPr id="53" name="直接连接符 52">
+            <a:extLst>
+              <a:ext uri="{FF2B5EF4-FFF2-40B4-BE49-F238E27FC236}">
+                <a16:creationId xmlns:a16="http://schemas.microsoft.com/office/drawing/2014/main" id="{25F01DE7-6950-4741-A234-9F829D6D057D}"/>
+              </a:ext>
+            </a:extLst>
+          </p:cNvPr>
+          <p:cNvCxnSpPr>
+            <a:cxnSpLocks/>
+            <a:stCxn id="50" idx="5"/>
+            <a:endCxn id="55" idx="1"/>
+          </p:cNvCxnSpPr>
+          <p:nvPr/>
+        </p:nvCxnSpPr>
+        <p:spPr>
+          <a:xfrm>
+            <a:off x="5235393" y="2925267"/>
+            <a:ext cx="141087" cy="370694"/>
+          </a:xfrm>
+          <a:prstGeom prst="line">
+            <a:avLst/>
+          </a:prstGeom>
+        </p:spPr>
+        <p:style>
+          <a:lnRef idx="1">
+            <a:schemeClr val="accent1"/>
+          </a:lnRef>
+          <a:fillRef idx="0">
+            <a:schemeClr val="accent1"/>
+          </a:fillRef>
+          <a:effectRef idx="0">
+            <a:schemeClr val="accent1"/>
+          </a:effectRef>
+          <a:fontRef idx="minor">
+            <a:schemeClr val="tx1"/>
+          </a:fontRef>
+        </p:style>
+      </p:cxnSp>
+      <p:sp>
+        <p:nvSpPr>
+          <p:cNvPr id="54" name="椭圆 53">
+            <a:extLst>
+              <a:ext uri="{FF2B5EF4-FFF2-40B4-BE49-F238E27FC236}">
+                <a16:creationId xmlns:a16="http://schemas.microsoft.com/office/drawing/2014/main" id="{99F249E5-0761-454E-AC8D-84D1756D8A3A}"/>
+              </a:ext>
+            </a:extLst>
+          </p:cNvPr>
+          <p:cNvSpPr/>
+          <p:nvPr/>
+        </p:nvSpPr>
+        <p:spPr>
+          <a:xfrm>
+            <a:off x="4612181" y="3253854"/>
+            <a:ext cx="287519" cy="287519"/>
+          </a:xfrm>
+          <a:prstGeom prst="ellipse">
+            <a:avLst/>
+          </a:prstGeom>
+          <a:solidFill>
+            <a:srgbClr val="FFC000"/>
+          </a:solidFill>
+          <a:ln>
+            <a:noFill/>
+          </a:ln>
+        </p:spPr>
+        <p:style>
+          <a:lnRef idx="2">
+            <a:schemeClr val="accent1">
+              <a:shade val="50000"/>
+            </a:schemeClr>
+          </a:lnRef>
+          <a:fillRef idx="1">
+            <a:schemeClr val="accent1"/>
+          </a:fillRef>
+          <a:effectRef idx="0">
+            <a:schemeClr val="accent1"/>
+          </a:effectRef>
+          <a:fontRef idx="minor">
+            <a:schemeClr val="lt1"/>
+          </a:fontRef>
+        </p:style>
+        <p:txBody>
+          <a:bodyPr rtlCol="0" anchor="ctr"/>
+          <a:lstStyle/>
+          <a:p>
+            <a:pPr algn="ctr"/>
+            <a:endParaRPr lang="zh-CN" altLang="en-US"/>
+          </a:p>
+        </p:txBody>
+      </p:sp>
+      <p:sp>
+        <p:nvSpPr>
+          <p:cNvPr id="55" name="椭圆 54">
+            <a:extLst>
+              <a:ext uri="{FF2B5EF4-FFF2-40B4-BE49-F238E27FC236}">
+                <a16:creationId xmlns:a16="http://schemas.microsoft.com/office/drawing/2014/main" id="{3267B85E-5CDD-4FD6-B09D-CF9D49A94140}"/>
+              </a:ext>
+            </a:extLst>
+          </p:cNvPr>
+          <p:cNvSpPr/>
+          <p:nvPr/>
+        </p:nvSpPr>
+        <p:spPr>
+          <a:xfrm>
+            <a:off x="5334374" y="3253855"/>
+            <a:ext cx="287519" cy="287519"/>
+          </a:xfrm>
+          <a:prstGeom prst="ellipse">
+            <a:avLst/>
+          </a:prstGeom>
+          <a:solidFill>
+            <a:srgbClr val="FFC000"/>
+          </a:solidFill>
+          <a:ln>
+            <a:noFill/>
+          </a:ln>
+        </p:spPr>
+        <p:style>
+          <a:lnRef idx="2">
+            <a:schemeClr val="accent1">
+              <a:shade val="50000"/>
+            </a:schemeClr>
+          </a:lnRef>
+          <a:fillRef idx="1">
+            <a:schemeClr val="accent1"/>
+          </a:fillRef>
+          <a:effectRef idx="0">
+            <a:schemeClr val="accent1"/>
+          </a:effectRef>
+          <a:fontRef idx="minor">
+            <a:schemeClr val="lt1"/>
+          </a:fontRef>
+        </p:style>
+        <p:txBody>
+          <a:bodyPr rtlCol="0" anchor="ctr"/>
+          <a:lstStyle/>
+          <a:p>
+            <a:pPr algn="ctr"/>
+            <a:endParaRPr lang="zh-CN" altLang="en-US"/>
+          </a:p>
+        </p:txBody>
+      </p:sp>
+      <p:sp>
+        <p:nvSpPr>
+          <p:cNvPr id="56" name="椭圆 55">
+            <a:extLst>
+              <a:ext uri="{FF2B5EF4-FFF2-40B4-BE49-F238E27FC236}">
+                <a16:creationId xmlns:a16="http://schemas.microsoft.com/office/drawing/2014/main" id="{4B6294F3-AFA9-44A9-91F3-FA56245809DE}"/>
+              </a:ext>
+            </a:extLst>
+          </p:cNvPr>
+          <p:cNvSpPr/>
+          <p:nvPr/>
+        </p:nvSpPr>
+        <p:spPr>
+          <a:xfrm>
+            <a:off x="7043419" y="2211339"/>
+            <a:ext cx="287519" cy="287519"/>
+          </a:xfrm>
+          <a:prstGeom prst="ellipse">
+            <a:avLst/>
+          </a:prstGeom>
+          <a:solidFill>
+            <a:srgbClr val="C1ED8B"/>
+          </a:solidFill>
+          <a:ln>
+            <a:noFill/>
+          </a:ln>
+        </p:spPr>
+        <p:style>
+          <a:lnRef idx="2">
+            <a:schemeClr val="accent1">
+              <a:shade val="50000"/>
+            </a:schemeClr>
+          </a:lnRef>
+          <a:fillRef idx="1">
+            <a:schemeClr val="accent1"/>
+          </a:fillRef>
+          <a:effectRef idx="0">
+            <a:schemeClr val="accent1"/>
+          </a:effectRef>
+          <a:fontRef idx="minor">
+            <a:schemeClr val="lt1"/>
+          </a:fontRef>
+        </p:style>
+        <p:txBody>
+          <a:bodyPr rtlCol="0" anchor="ctr"/>
+          <a:lstStyle/>
+          <a:p>
+            <a:pPr algn="ctr"/>
+            <a:endParaRPr lang="zh-CN" altLang="en-US"/>
+          </a:p>
+        </p:txBody>
+      </p:sp>
+      <p:cxnSp>
+        <p:nvCxnSpPr>
+          <p:cNvPr id="57" name="直接连接符 56">
+            <a:extLst>
+              <a:ext uri="{FF2B5EF4-FFF2-40B4-BE49-F238E27FC236}">
+                <a16:creationId xmlns:a16="http://schemas.microsoft.com/office/drawing/2014/main" id="{3F123837-D249-434B-9516-574A929714DD}"/>
+              </a:ext>
+            </a:extLst>
+          </p:cNvPr>
+          <p:cNvCxnSpPr>
+            <a:cxnSpLocks/>
+            <a:stCxn id="56" idx="3"/>
+            <a:endCxn id="59" idx="7"/>
+          </p:cNvCxnSpPr>
+          <p:nvPr/>
+        </p:nvCxnSpPr>
+        <p:spPr>
+          <a:xfrm flipH="1">
+            <a:off x="6919507" y="2456752"/>
+            <a:ext cx="166018" cy="278280"/>
+          </a:xfrm>
+          <a:prstGeom prst="line">
+            <a:avLst/>
+          </a:prstGeom>
+        </p:spPr>
+        <p:style>
+          <a:lnRef idx="1">
+            <a:schemeClr val="accent1"/>
+          </a:lnRef>
+          <a:fillRef idx="0">
+            <a:schemeClr val="accent1"/>
+          </a:fillRef>
+          <a:effectRef idx="0">
+            <a:schemeClr val="accent1"/>
+          </a:effectRef>
+          <a:fontRef idx="minor">
+            <a:schemeClr val="tx1"/>
+          </a:fontRef>
+        </p:style>
+      </p:cxnSp>
+      <p:cxnSp>
+        <p:nvCxnSpPr>
+          <p:cNvPr id="58" name="直接连接符 57">
+            <a:extLst>
+              <a:ext uri="{FF2B5EF4-FFF2-40B4-BE49-F238E27FC236}">
+                <a16:creationId xmlns:a16="http://schemas.microsoft.com/office/drawing/2014/main" id="{AD228F8E-BD1B-4AF7-8A40-AECBFFF36EE6}"/>
+              </a:ext>
+            </a:extLst>
+          </p:cNvPr>
+          <p:cNvCxnSpPr>
+            <a:cxnSpLocks/>
+            <a:stCxn id="56" idx="5"/>
+            <a:endCxn id="60" idx="1"/>
+          </p:cNvCxnSpPr>
+          <p:nvPr/>
+        </p:nvCxnSpPr>
+        <p:spPr>
+          <a:xfrm>
+            <a:off x="7288832" y="2456752"/>
+            <a:ext cx="149561" cy="278280"/>
+          </a:xfrm>
+          <a:prstGeom prst="line">
+            <a:avLst/>
+          </a:prstGeom>
+        </p:spPr>
+        <p:style>
+          <a:lnRef idx="1">
+            <a:schemeClr val="accent1"/>
+          </a:lnRef>
+          <a:fillRef idx="0">
+            <a:schemeClr val="accent1"/>
+          </a:fillRef>
+          <a:effectRef idx="0">
+            <a:schemeClr val="accent1"/>
+          </a:effectRef>
+          <a:fontRef idx="minor">
+            <a:schemeClr val="tx1"/>
+          </a:fontRef>
+        </p:style>
+      </p:cxnSp>
+      <p:sp>
+        <p:nvSpPr>
+          <p:cNvPr id="59" name="椭圆 58">
+            <a:extLst>
+              <a:ext uri="{FF2B5EF4-FFF2-40B4-BE49-F238E27FC236}">
+                <a16:creationId xmlns:a16="http://schemas.microsoft.com/office/drawing/2014/main" id="{693B53BF-4B30-407A-AD52-4D74CAC4251B}"/>
+              </a:ext>
+            </a:extLst>
+          </p:cNvPr>
+          <p:cNvSpPr/>
+          <p:nvPr/>
+        </p:nvSpPr>
+        <p:spPr>
+          <a:xfrm>
+            <a:off x="6674094" y="2692926"/>
+            <a:ext cx="287519" cy="287519"/>
+          </a:xfrm>
+          <a:prstGeom prst="ellipse">
+            <a:avLst/>
+          </a:prstGeom>
+          <a:solidFill>
+            <a:srgbClr val="C1ED8B"/>
+          </a:solidFill>
+          <a:ln>
+            <a:noFill/>
+          </a:ln>
+        </p:spPr>
+        <p:style>
+          <a:lnRef idx="2">
+            <a:schemeClr val="accent1">
+              <a:shade val="50000"/>
+            </a:schemeClr>
+          </a:lnRef>
+          <a:fillRef idx="1">
+            <a:schemeClr val="accent1"/>
+          </a:fillRef>
+          <a:effectRef idx="0">
+            <a:schemeClr val="accent1"/>
+          </a:effectRef>
+          <a:fontRef idx="minor">
+            <a:schemeClr val="lt1"/>
+          </a:fontRef>
+        </p:style>
+        <p:txBody>
+          <a:bodyPr rtlCol="0" anchor="ctr"/>
+          <a:lstStyle/>
+          <a:p>
+            <a:pPr algn="ctr"/>
+            <a:endParaRPr lang="zh-CN" altLang="en-US"/>
+          </a:p>
+        </p:txBody>
+      </p:sp>
+      <p:sp>
+        <p:nvSpPr>
+          <p:cNvPr id="60" name="椭圆 59">
+            <a:extLst>
+              <a:ext uri="{FF2B5EF4-FFF2-40B4-BE49-F238E27FC236}">
+                <a16:creationId xmlns:a16="http://schemas.microsoft.com/office/drawing/2014/main" id="{09BF4EB5-2A31-4BC5-9EBC-C62E9C958B9F}"/>
+              </a:ext>
+            </a:extLst>
+          </p:cNvPr>
+          <p:cNvSpPr/>
+          <p:nvPr/>
+        </p:nvSpPr>
+        <p:spPr>
+          <a:xfrm>
+            <a:off x="7396287" y="2692926"/>
+            <a:ext cx="287519" cy="287519"/>
+          </a:xfrm>
+          <a:prstGeom prst="ellipse">
+            <a:avLst/>
+          </a:prstGeom>
+          <a:solidFill>
+            <a:srgbClr val="C1ED8B"/>
+          </a:solidFill>
+          <a:ln>
+            <a:noFill/>
+          </a:ln>
+        </p:spPr>
+        <p:style>
+          <a:lnRef idx="2">
+            <a:schemeClr val="accent1">
+              <a:shade val="50000"/>
+            </a:schemeClr>
+          </a:lnRef>
+          <a:fillRef idx="1">
+            <a:schemeClr val="accent1"/>
+          </a:fillRef>
+          <a:effectRef idx="0">
+            <a:schemeClr val="accent1"/>
+          </a:effectRef>
+          <a:fontRef idx="minor">
+            <a:schemeClr val="lt1"/>
+          </a:fontRef>
+        </p:style>
+        <p:txBody>
+          <a:bodyPr rtlCol="0" anchor="ctr"/>
+          <a:lstStyle/>
+          <a:p>
+            <a:pPr algn="ctr"/>
+            <a:endParaRPr lang="zh-CN" altLang="en-US"/>
+          </a:p>
+        </p:txBody>
+      </p:sp>
+      <p:cxnSp>
+        <p:nvCxnSpPr>
+          <p:cNvPr id="61" name="直接连接符 60">
+            <a:extLst>
+              <a:ext uri="{FF2B5EF4-FFF2-40B4-BE49-F238E27FC236}">
+                <a16:creationId xmlns:a16="http://schemas.microsoft.com/office/drawing/2014/main" id="{C4C97041-E718-4DA0-AD21-657F127D04DE}"/>
+              </a:ext>
+            </a:extLst>
+          </p:cNvPr>
+          <p:cNvCxnSpPr>
+            <a:cxnSpLocks/>
+            <a:stCxn id="59" idx="3"/>
+            <a:endCxn id="63" idx="7"/>
+          </p:cNvCxnSpPr>
+          <p:nvPr/>
+        </p:nvCxnSpPr>
+        <p:spPr>
+          <a:xfrm flipH="1">
+            <a:off x="6541708" y="2938339"/>
+            <a:ext cx="174492" cy="370693"/>
+          </a:xfrm>
+          <a:prstGeom prst="line">
+            <a:avLst/>
+          </a:prstGeom>
+        </p:spPr>
+        <p:style>
+          <a:lnRef idx="1">
+            <a:schemeClr val="accent1"/>
+          </a:lnRef>
+          <a:fillRef idx="0">
+            <a:schemeClr val="accent1"/>
+          </a:fillRef>
+          <a:effectRef idx="0">
+            <a:schemeClr val="accent1"/>
+          </a:effectRef>
+          <a:fontRef idx="minor">
+            <a:schemeClr val="tx1"/>
+          </a:fontRef>
+        </p:style>
+      </p:cxnSp>
+      <p:cxnSp>
+        <p:nvCxnSpPr>
+          <p:cNvPr id="62" name="直接连接符 61">
+            <a:extLst>
+              <a:ext uri="{FF2B5EF4-FFF2-40B4-BE49-F238E27FC236}">
+                <a16:creationId xmlns:a16="http://schemas.microsoft.com/office/drawing/2014/main" id="{904E79F2-A155-44AD-B2A0-6871EECC32F1}"/>
+              </a:ext>
+            </a:extLst>
+          </p:cNvPr>
+          <p:cNvCxnSpPr>
+            <a:cxnSpLocks/>
+            <a:stCxn id="59" idx="5"/>
+            <a:endCxn id="64" idx="1"/>
+          </p:cNvCxnSpPr>
+          <p:nvPr/>
+        </p:nvCxnSpPr>
+        <p:spPr>
+          <a:xfrm>
+            <a:off x="6919507" y="2938339"/>
+            <a:ext cx="141087" cy="370694"/>
+          </a:xfrm>
+          <a:prstGeom prst="line">
+            <a:avLst/>
+          </a:prstGeom>
+        </p:spPr>
+        <p:style>
+          <a:lnRef idx="1">
+            <a:schemeClr val="accent1"/>
+          </a:lnRef>
+          <a:fillRef idx="0">
+            <a:schemeClr val="accent1"/>
+          </a:fillRef>
+          <a:effectRef idx="0">
+            <a:schemeClr val="accent1"/>
+          </a:effectRef>
+          <a:fontRef idx="minor">
+            <a:schemeClr val="tx1"/>
+          </a:fontRef>
+        </p:style>
+      </p:cxnSp>
+      <p:sp>
+        <p:nvSpPr>
+          <p:cNvPr id="63" name="椭圆 62">
+            <a:extLst>
+              <a:ext uri="{FF2B5EF4-FFF2-40B4-BE49-F238E27FC236}">
+                <a16:creationId xmlns:a16="http://schemas.microsoft.com/office/drawing/2014/main" id="{8AB4CE64-4F47-43BA-BDF7-1D5127C619AA}"/>
+              </a:ext>
+            </a:extLst>
+          </p:cNvPr>
+          <p:cNvSpPr/>
+          <p:nvPr/>
+        </p:nvSpPr>
+        <p:spPr>
+          <a:xfrm>
+            <a:off x="6296295" y="3266926"/>
+            <a:ext cx="287519" cy="287519"/>
+          </a:xfrm>
+          <a:prstGeom prst="ellipse">
+            <a:avLst/>
+          </a:prstGeom>
+          <a:solidFill>
+            <a:srgbClr val="C1ED8B"/>
+          </a:solidFill>
+          <a:ln>
+            <a:noFill/>
+          </a:ln>
+        </p:spPr>
+        <p:style>
+          <a:lnRef idx="2">
+            <a:schemeClr val="accent1">
+              <a:shade val="50000"/>
+            </a:schemeClr>
+          </a:lnRef>
+          <a:fillRef idx="1">
+            <a:schemeClr val="accent1"/>
+          </a:fillRef>
+          <a:effectRef idx="0">
+            <a:schemeClr val="accent1"/>
+          </a:effectRef>
+          <a:fontRef idx="minor">
+            <a:schemeClr val="lt1"/>
+          </a:fontRef>
+        </p:style>
+        <p:txBody>
+          <a:bodyPr rtlCol="0" anchor="ctr"/>
+          <a:lstStyle/>
+          <a:p>
+            <a:pPr algn="ctr"/>
+            <a:endParaRPr lang="zh-CN" altLang="en-US"/>
+          </a:p>
+        </p:txBody>
+      </p:sp>
+      <p:sp>
+        <p:nvSpPr>
+          <p:cNvPr id="64" name="椭圆 63">
+            <a:extLst>
+              <a:ext uri="{FF2B5EF4-FFF2-40B4-BE49-F238E27FC236}">
+                <a16:creationId xmlns:a16="http://schemas.microsoft.com/office/drawing/2014/main" id="{1947BF97-C4F2-457A-ABBA-559AB3FD5504}"/>
+              </a:ext>
+            </a:extLst>
+          </p:cNvPr>
+          <p:cNvSpPr/>
+          <p:nvPr/>
+        </p:nvSpPr>
+        <p:spPr>
+          <a:xfrm>
+            <a:off x="7018488" y="3266927"/>
+            <a:ext cx="287519" cy="287519"/>
+          </a:xfrm>
+          <a:prstGeom prst="ellipse">
+            <a:avLst/>
+          </a:prstGeom>
+          <a:solidFill>
+            <a:srgbClr val="C1ED8B"/>
+          </a:solidFill>
+          <a:ln>
+            <a:noFill/>
+          </a:ln>
+        </p:spPr>
+        <p:style>
+          <a:lnRef idx="2">
+            <a:schemeClr val="accent1">
+              <a:shade val="50000"/>
+            </a:schemeClr>
+          </a:lnRef>
+          <a:fillRef idx="1">
+            <a:schemeClr val="accent1"/>
+          </a:fillRef>
+          <a:effectRef idx="0">
+            <a:schemeClr val="accent1"/>
+          </a:effectRef>
+          <a:fontRef idx="minor">
+            <a:schemeClr val="lt1"/>
+          </a:fontRef>
+        </p:style>
+        <p:txBody>
+          <a:bodyPr rtlCol="0" anchor="ctr"/>
+          <a:lstStyle/>
+          <a:p>
+            <a:pPr algn="ctr"/>
+            <a:endParaRPr lang="zh-CN" altLang="en-US"/>
+          </a:p>
+        </p:txBody>
+      </p:sp>
+      <p:sp>
+        <p:nvSpPr>
+          <p:cNvPr id="65" name="椭圆 64">
+            <a:extLst>
+              <a:ext uri="{FF2B5EF4-FFF2-40B4-BE49-F238E27FC236}">
+                <a16:creationId xmlns:a16="http://schemas.microsoft.com/office/drawing/2014/main" id="{F08F1462-9054-474C-B258-9EA7002F8838}"/>
+              </a:ext>
+            </a:extLst>
+          </p:cNvPr>
+          <p:cNvSpPr/>
+          <p:nvPr/>
+        </p:nvSpPr>
+        <p:spPr>
+          <a:xfrm>
+            <a:off x="8573696" y="2213477"/>
+            <a:ext cx="287519" cy="287519"/>
+          </a:xfrm>
+          <a:prstGeom prst="ellipse">
+            <a:avLst/>
+          </a:prstGeom>
+          <a:solidFill>
+            <a:srgbClr val="0070C0"/>
+          </a:solidFill>
+          <a:ln>
+            <a:noFill/>
+          </a:ln>
+        </p:spPr>
+        <p:style>
+          <a:lnRef idx="2">
+            <a:schemeClr val="accent1">
+              <a:shade val="50000"/>
+            </a:schemeClr>
+          </a:lnRef>
+          <a:fillRef idx="1">
+            <a:schemeClr val="accent1"/>
+          </a:fillRef>
+          <a:effectRef idx="0">
+            <a:schemeClr val="accent1"/>
+          </a:effectRef>
+          <a:fontRef idx="minor">
+            <a:schemeClr val="lt1"/>
+          </a:fontRef>
+        </p:style>
+        <p:txBody>
+          <a:bodyPr rtlCol="0" anchor="ctr"/>
+          <a:lstStyle/>
+          <a:p>
+            <a:pPr algn="ctr"/>
+            <a:endParaRPr lang="zh-CN" altLang="en-US"/>
+          </a:p>
+        </p:txBody>
+      </p:sp>
+      <p:cxnSp>
+        <p:nvCxnSpPr>
+          <p:cNvPr id="66" name="直接连接符 65">
+            <a:extLst>
+              <a:ext uri="{FF2B5EF4-FFF2-40B4-BE49-F238E27FC236}">
+                <a16:creationId xmlns:a16="http://schemas.microsoft.com/office/drawing/2014/main" id="{2422AC89-B900-4D3E-A0E2-EA6484E341D9}"/>
+              </a:ext>
+            </a:extLst>
+          </p:cNvPr>
+          <p:cNvCxnSpPr>
+            <a:cxnSpLocks/>
+            <a:stCxn id="65" idx="3"/>
+            <a:endCxn id="68" idx="7"/>
+          </p:cNvCxnSpPr>
+          <p:nvPr/>
+        </p:nvCxnSpPr>
+        <p:spPr>
+          <a:xfrm flipH="1">
+            <a:off x="8449784" y="2458890"/>
+            <a:ext cx="166018" cy="278280"/>
+          </a:xfrm>
+          <a:prstGeom prst="line">
+            <a:avLst/>
+          </a:prstGeom>
+        </p:spPr>
+        <p:style>
+          <a:lnRef idx="1">
+            <a:schemeClr val="accent1"/>
+          </a:lnRef>
+          <a:fillRef idx="0">
+            <a:schemeClr val="accent1"/>
+          </a:fillRef>
+          <a:effectRef idx="0">
+            <a:schemeClr val="accent1"/>
+          </a:effectRef>
+          <a:fontRef idx="minor">
+            <a:schemeClr val="tx1"/>
+          </a:fontRef>
+        </p:style>
+      </p:cxnSp>
+      <p:cxnSp>
+        <p:nvCxnSpPr>
+          <p:cNvPr id="67" name="直接连接符 66">
+            <a:extLst>
+              <a:ext uri="{FF2B5EF4-FFF2-40B4-BE49-F238E27FC236}">
+                <a16:creationId xmlns:a16="http://schemas.microsoft.com/office/drawing/2014/main" id="{F55CC6E6-635D-4120-BDA2-D4398D5FAC8A}"/>
+              </a:ext>
+            </a:extLst>
+          </p:cNvPr>
+          <p:cNvCxnSpPr>
+            <a:cxnSpLocks/>
+            <a:stCxn id="65" idx="5"/>
+            <a:endCxn id="69" idx="1"/>
+          </p:cNvCxnSpPr>
+          <p:nvPr/>
+        </p:nvCxnSpPr>
+        <p:spPr>
+          <a:xfrm>
+            <a:off x="8819109" y="2458890"/>
+            <a:ext cx="149561" cy="278280"/>
+          </a:xfrm>
+          <a:prstGeom prst="line">
+            <a:avLst/>
+          </a:prstGeom>
+        </p:spPr>
+        <p:style>
+          <a:lnRef idx="1">
+            <a:schemeClr val="accent1"/>
+          </a:lnRef>
+          <a:fillRef idx="0">
+            <a:schemeClr val="accent1"/>
+          </a:fillRef>
+          <a:effectRef idx="0">
+            <a:schemeClr val="accent1"/>
+          </a:effectRef>
+          <a:fontRef idx="minor">
+            <a:schemeClr val="tx1"/>
+          </a:fontRef>
+        </p:style>
+      </p:cxnSp>
+      <p:sp>
+        <p:nvSpPr>
+          <p:cNvPr id="68" name="椭圆 67">
+            <a:extLst>
+              <a:ext uri="{FF2B5EF4-FFF2-40B4-BE49-F238E27FC236}">
+                <a16:creationId xmlns:a16="http://schemas.microsoft.com/office/drawing/2014/main" id="{876A0399-6668-4A49-9159-3356BCC60D1D}"/>
+              </a:ext>
+            </a:extLst>
+          </p:cNvPr>
+          <p:cNvSpPr/>
+          <p:nvPr/>
+        </p:nvSpPr>
+        <p:spPr>
+          <a:xfrm>
+            <a:off x="8204371" y="2695064"/>
+            <a:ext cx="287519" cy="287519"/>
+          </a:xfrm>
+          <a:prstGeom prst="ellipse">
+            <a:avLst/>
+          </a:prstGeom>
+          <a:solidFill>
+            <a:srgbClr val="0070C0"/>
+          </a:solidFill>
+          <a:ln>
+            <a:noFill/>
+          </a:ln>
+        </p:spPr>
+        <p:style>
+          <a:lnRef idx="2">
+            <a:schemeClr val="accent1">
+              <a:shade val="50000"/>
+            </a:schemeClr>
+          </a:lnRef>
+          <a:fillRef idx="1">
+            <a:schemeClr val="accent1"/>
+          </a:fillRef>
+          <a:effectRef idx="0">
+            <a:schemeClr val="accent1"/>
+          </a:effectRef>
+          <a:fontRef idx="minor">
+            <a:schemeClr val="lt1"/>
+          </a:fontRef>
+        </p:style>
+        <p:txBody>
+          <a:bodyPr rtlCol="0" anchor="ctr"/>
+          <a:lstStyle/>
+          <a:p>
+            <a:pPr algn="ctr"/>
+            <a:endParaRPr lang="zh-CN" altLang="en-US"/>
+          </a:p>
+        </p:txBody>
+      </p:sp>
+      <p:sp>
+        <p:nvSpPr>
+          <p:cNvPr id="69" name="椭圆 68">
+            <a:extLst>
+              <a:ext uri="{FF2B5EF4-FFF2-40B4-BE49-F238E27FC236}">
+                <a16:creationId xmlns:a16="http://schemas.microsoft.com/office/drawing/2014/main" id="{B9AD4757-7888-4AA9-9D47-ED35F738AAFF}"/>
+              </a:ext>
+            </a:extLst>
+          </p:cNvPr>
+          <p:cNvSpPr/>
+          <p:nvPr/>
+        </p:nvSpPr>
+        <p:spPr>
+          <a:xfrm>
+            <a:off x="8926564" y="2695064"/>
+            <a:ext cx="287519" cy="287519"/>
+          </a:xfrm>
+          <a:prstGeom prst="ellipse">
+            <a:avLst/>
+          </a:prstGeom>
+          <a:solidFill>
+            <a:srgbClr val="0070C0"/>
+          </a:solidFill>
+          <a:ln>
+            <a:noFill/>
+          </a:ln>
+        </p:spPr>
+        <p:style>
+          <a:lnRef idx="2">
+            <a:schemeClr val="accent1">
+              <a:shade val="50000"/>
+            </a:schemeClr>
+          </a:lnRef>
+          <a:fillRef idx="1">
+            <a:schemeClr val="accent1"/>
+          </a:fillRef>
+          <a:effectRef idx="0">
+            <a:schemeClr val="accent1"/>
+          </a:effectRef>
+          <a:fontRef idx="minor">
+            <a:schemeClr val="lt1"/>
+          </a:fontRef>
+        </p:style>
+        <p:txBody>
+          <a:bodyPr rtlCol="0" anchor="ctr"/>
+          <a:lstStyle/>
+          <a:p>
+            <a:pPr algn="ctr"/>
+            <a:endParaRPr lang="zh-CN" altLang="en-US"/>
+          </a:p>
+        </p:txBody>
+      </p:sp>
+      <p:cxnSp>
+        <p:nvCxnSpPr>
+          <p:cNvPr id="70" name="直接连接符 69">
+            <a:extLst>
+              <a:ext uri="{FF2B5EF4-FFF2-40B4-BE49-F238E27FC236}">
+                <a16:creationId xmlns:a16="http://schemas.microsoft.com/office/drawing/2014/main" id="{1EF5FF23-6498-455F-888F-8B2874975D63}"/>
+              </a:ext>
+            </a:extLst>
+          </p:cNvPr>
+          <p:cNvCxnSpPr>
+            <a:cxnSpLocks/>
+            <a:stCxn id="68" idx="3"/>
+            <a:endCxn id="72" idx="7"/>
+          </p:cNvCxnSpPr>
+          <p:nvPr/>
+        </p:nvCxnSpPr>
+        <p:spPr>
+          <a:xfrm flipH="1">
+            <a:off x="8071985" y="2940477"/>
+            <a:ext cx="174492" cy="370693"/>
+          </a:xfrm>
+          <a:prstGeom prst="line">
+            <a:avLst/>
+          </a:prstGeom>
+        </p:spPr>
+        <p:style>
+          <a:lnRef idx="1">
+            <a:schemeClr val="accent1"/>
+          </a:lnRef>
+          <a:fillRef idx="0">
+            <a:schemeClr val="accent1"/>
+          </a:fillRef>
+          <a:effectRef idx="0">
+            <a:schemeClr val="accent1"/>
+          </a:effectRef>
+          <a:fontRef idx="minor">
+            <a:schemeClr val="tx1"/>
+          </a:fontRef>
+        </p:style>
+      </p:cxnSp>
+      <p:cxnSp>
+        <p:nvCxnSpPr>
+          <p:cNvPr id="71" name="直接连接符 70">
+            <a:extLst>
+              <a:ext uri="{FF2B5EF4-FFF2-40B4-BE49-F238E27FC236}">
+                <a16:creationId xmlns:a16="http://schemas.microsoft.com/office/drawing/2014/main" id="{FD2E963C-9386-43DB-9198-0909041CBEB7}"/>
+              </a:ext>
+            </a:extLst>
+          </p:cNvPr>
+          <p:cNvCxnSpPr>
+            <a:cxnSpLocks/>
+            <a:stCxn id="68" idx="5"/>
+            <a:endCxn id="73" idx="1"/>
+          </p:cNvCxnSpPr>
+          <p:nvPr/>
+        </p:nvCxnSpPr>
+        <p:spPr>
+          <a:xfrm>
+            <a:off x="8449784" y="2940477"/>
+            <a:ext cx="141087" cy="370694"/>
+          </a:xfrm>
+          <a:prstGeom prst="line">
+            <a:avLst/>
+          </a:prstGeom>
+        </p:spPr>
+        <p:style>
+          <a:lnRef idx="1">
+            <a:schemeClr val="accent1"/>
+          </a:lnRef>
+          <a:fillRef idx="0">
+            <a:schemeClr val="accent1"/>
+          </a:fillRef>
+          <a:effectRef idx="0">
+            <a:schemeClr val="accent1"/>
+          </a:effectRef>
+          <a:fontRef idx="minor">
+            <a:schemeClr val="tx1"/>
+          </a:fontRef>
+        </p:style>
+      </p:cxnSp>
+      <p:sp>
+        <p:nvSpPr>
+          <p:cNvPr id="72" name="椭圆 71">
+            <a:extLst>
+              <a:ext uri="{FF2B5EF4-FFF2-40B4-BE49-F238E27FC236}">
+                <a16:creationId xmlns:a16="http://schemas.microsoft.com/office/drawing/2014/main" id="{BD82654E-AE2E-4E27-90DC-7F1FBAC9D8E7}"/>
+              </a:ext>
+            </a:extLst>
+          </p:cNvPr>
+          <p:cNvSpPr/>
+          <p:nvPr/>
+        </p:nvSpPr>
+        <p:spPr>
+          <a:xfrm>
+            <a:off x="7826572" y="3269064"/>
+            <a:ext cx="287519" cy="287519"/>
+          </a:xfrm>
+          <a:prstGeom prst="ellipse">
+            <a:avLst/>
+          </a:prstGeom>
+          <a:solidFill>
+            <a:srgbClr val="0070C0"/>
+          </a:solidFill>
+          <a:ln>
+            <a:noFill/>
+          </a:ln>
+        </p:spPr>
+        <p:style>
+          <a:lnRef idx="2">
+            <a:schemeClr val="accent1">
+              <a:shade val="50000"/>
+            </a:schemeClr>
+          </a:lnRef>
+          <a:fillRef idx="1">
+            <a:schemeClr val="accent1"/>
+          </a:fillRef>
+          <a:effectRef idx="0">
+            <a:schemeClr val="accent1"/>
+          </a:effectRef>
+          <a:fontRef idx="minor">
+            <a:schemeClr val="lt1"/>
+          </a:fontRef>
+        </p:style>
+        <p:txBody>
+          <a:bodyPr rtlCol="0" anchor="ctr"/>
+          <a:lstStyle/>
+          <a:p>
+            <a:pPr algn="ctr"/>
+            <a:endParaRPr lang="zh-CN" altLang="en-US"/>
+          </a:p>
+        </p:txBody>
+      </p:sp>
+      <p:sp>
+        <p:nvSpPr>
+          <p:cNvPr id="73" name="椭圆 72">
+            <a:extLst>
+              <a:ext uri="{FF2B5EF4-FFF2-40B4-BE49-F238E27FC236}">
+                <a16:creationId xmlns:a16="http://schemas.microsoft.com/office/drawing/2014/main" id="{741AD0C9-12C2-4C10-B65C-DA1A5048229F}"/>
+              </a:ext>
+            </a:extLst>
+          </p:cNvPr>
+          <p:cNvSpPr/>
+          <p:nvPr/>
+        </p:nvSpPr>
+        <p:spPr>
+          <a:xfrm>
+            <a:off x="8548765" y="3269065"/>
+            <a:ext cx="287519" cy="287519"/>
+          </a:xfrm>
+          <a:prstGeom prst="ellipse">
+            <a:avLst/>
+          </a:prstGeom>
+          <a:solidFill>
+            <a:srgbClr val="0070C0"/>
+          </a:solidFill>
+          <a:ln>
+            <a:noFill/>
+          </a:ln>
+        </p:spPr>
+        <p:style>
+          <a:lnRef idx="2">
+            <a:schemeClr val="accent1">
+              <a:shade val="50000"/>
+            </a:schemeClr>
+          </a:lnRef>
+          <a:fillRef idx="1">
+            <a:schemeClr val="accent1"/>
+          </a:fillRef>
+          <a:effectRef idx="0">
+            <a:schemeClr val="accent1"/>
+          </a:effectRef>
+          <a:fontRef idx="minor">
+            <a:schemeClr val="lt1"/>
+          </a:fontRef>
+        </p:style>
+        <p:txBody>
+          <a:bodyPr rtlCol="0" anchor="ctr"/>
+          <a:lstStyle/>
+          <a:p>
+            <a:pPr algn="ctr"/>
+            <a:endParaRPr lang="zh-CN" altLang="en-US"/>
+          </a:p>
+        </p:txBody>
+      </p:sp>
+      <p:sp>
+        <p:nvSpPr>
+          <p:cNvPr id="74" name="椭圆 73">
+            <a:extLst>
+              <a:ext uri="{FF2B5EF4-FFF2-40B4-BE49-F238E27FC236}">
+                <a16:creationId xmlns:a16="http://schemas.microsoft.com/office/drawing/2014/main" id="{912A5DD4-F930-4862-B7F6-130698B2B00F}"/>
+              </a:ext>
+            </a:extLst>
+          </p:cNvPr>
+          <p:cNvSpPr/>
+          <p:nvPr/>
+        </p:nvSpPr>
+        <p:spPr>
+          <a:xfrm>
+            <a:off x="10147775" y="2211339"/>
+            <a:ext cx="287519" cy="287519"/>
+          </a:xfrm>
+          <a:prstGeom prst="ellipse">
+            <a:avLst/>
+          </a:prstGeom>
+          <a:solidFill>
+            <a:srgbClr val="7030A0"/>
+          </a:solidFill>
+          <a:ln>
+            <a:noFill/>
+          </a:ln>
+        </p:spPr>
+        <p:style>
+          <a:lnRef idx="2">
+            <a:schemeClr val="accent1">
+              <a:shade val="50000"/>
+            </a:schemeClr>
+          </a:lnRef>
+          <a:fillRef idx="1">
+            <a:schemeClr val="accent1"/>
+          </a:fillRef>
+          <a:effectRef idx="0">
+            <a:schemeClr val="accent1"/>
+          </a:effectRef>
+          <a:fontRef idx="minor">
+            <a:schemeClr val="lt1"/>
+          </a:fontRef>
+        </p:style>
+        <p:txBody>
+          <a:bodyPr rtlCol="0" anchor="ctr"/>
+          <a:lstStyle/>
+          <a:p>
+            <a:pPr algn="ctr"/>
+            <a:endParaRPr lang="zh-CN" altLang="en-US"/>
+          </a:p>
+        </p:txBody>
+      </p:sp>
+      <p:cxnSp>
+        <p:nvCxnSpPr>
+          <p:cNvPr id="75" name="直接连接符 74">
+            <a:extLst>
+              <a:ext uri="{FF2B5EF4-FFF2-40B4-BE49-F238E27FC236}">
+                <a16:creationId xmlns:a16="http://schemas.microsoft.com/office/drawing/2014/main" id="{D2368890-CF20-42CB-A033-1601FBE35B44}"/>
+              </a:ext>
+            </a:extLst>
+          </p:cNvPr>
+          <p:cNvCxnSpPr>
+            <a:cxnSpLocks/>
+            <a:stCxn id="74" idx="3"/>
+            <a:endCxn id="77" idx="7"/>
+          </p:cNvCxnSpPr>
+          <p:nvPr/>
+        </p:nvCxnSpPr>
+        <p:spPr>
+          <a:xfrm flipH="1">
+            <a:off x="10023863" y="2456752"/>
+            <a:ext cx="166018" cy="278280"/>
+          </a:xfrm>
+          <a:prstGeom prst="line">
+            <a:avLst/>
+          </a:prstGeom>
+        </p:spPr>
+        <p:style>
+          <a:lnRef idx="1">
+            <a:schemeClr val="accent1"/>
+          </a:lnRef>
+          <a:fillRef idx="0">
+            <a:schemeClr val="accent1"/>
+          </a:fillRef>
+          <a:effectRef idx="0">
+            <a:schemeClr val="accent1"/>
+          </a:effectRef>
+          <a:fontRef idx="minor">
+            <a:schemeClr val="tx1"/>
+          </a:fontRef>
+        </p:style>
+      </p:cxnSp>
+      <p:cxnSp>
+        <p:nvCxnSpPr>
+          <p:cNvPr id="76" name="直接连接符 75">
+            <a:extLst>
+              <a:ext uri="{FF2B5EF4-FFF2-40B4-BE49-F238E27FC236}">
+                <a16:creationId xmlns:a16="http://schemas.microsoft.com/office/drawing/2014/main" id="{5E9CC4FA-2E17-4030-BFB7-5A07C05D120C}"/>
+              </a:ext>
+            </a:extLst>
+          </p:cNvPr>
+          <p:cNvCxnSpPr>
+            <a:cxnSpLocks/>
+            <a:stCxn id="74" idx="5"/>
+            <a:endCxn id="78" idx="1"/>
+          </p:cNvCxnSpPr>
+          <p:nvPr/>
+        </p:nvCxnSpPr>
+        <p:spPr>
+          <a:xfrm>
+            <a:off x="10393188" y="2456752"/>
+            <a:ext cx="149561" cy="278280"/>
+          </a:xfrm>
+          <a:prstGeom prst="line">
+            <a:avLst/>
+          </a:prstGeom>
+        </p:spPr>
+        <p:style>
+          <a:lnRef idx="1">
+            <a:schemeClr val="accent1"/>
+          </a:lnRef>
+          <a:fillRef idx="0">
+            <a:schemeClr val="accent1"/>
+          </a:fillRef>
+          <a:effectRef idx="0">
+            <a:schemeClr val="accent1"/>
+          </a:effectRef>
+          <a:fontRef idx="minor">
+            <a:schemeClr val="tx1"/>
+          </a:fontRef>
+        </p:style>
+      </p:cxnSp>
+      <p:sp>
+        <p:nvSpPr>
+          <p:cNvPr id="77" name="椭圆 76">
+            <a:extLst>
+              <a:ext uri="{FF2B5EF4-FFF2-40B4-BE49-F238E27FC236}">
+                <a16:creationId xmlns:a16="http://schemas.microsoft.com/office/drawing/2014/main" id="{79254988-05EB-4925-A275-E72CE8228479}"/>
+              </a:ext>
+            </a:extLst>
+          </p:cNvPr>
+          <p:cNvSpPr/>
+          <p:nvPr/>
+        </p:nvSpPr>
+        <p:spPr>
+          <a:xfrm>
+            <a:off x="9778450" y="2692926"/>
+            <a:ext cx="287519" cy="287519"/>
+          </a:xfrm>
+          <a:prstGeom prst="ellipse">
+            <a:avLst/>
+          </a:prstGeom>
+          <a:solidFill>
+            <a:srgbClr val="7030A0"/>
+          </a:solidFill>
+          <a:ln>
+            <a:noFill/>
+          </a:ln>
+        </p:spPr>
+        <p:style>
+          <a:lnRef idx="2">
+            <a:schemeClr val="accent1">
+              <a:shade val="50000"/>
+            </a:schemeClr>
+          </a:lnRef>
+          <a:fillRef idx="1">
+            <a:schemeClr val="accent1"/>
+          </a:fillRef>
+          <a:effectRef idx="0">
+            <a:schemeClr val="accent1"/>
+          </a:effectRef>
+          <a:fontRef idx="minor">
+            <a:schemeClr val="lt1"/>
+          </a:fontRef>
+        </p:style>
+        <p:txBody>
+          <a:bodyPr rtlCol="0" anchor="ctr"/>
+          <a:lstStyle/>
+          <a:p>
+            <a:pPr algn="ctr"/>
+            <a:endParaRPr lang="zh-CN" altLang="en-US"/>
+          </a:p>
+        </p:txBody>
+      </p:sp>
+      <p:sp>
+        <p:nvSpPr>
+          <p:cNvPr id="78" name="椭圆 77">
+            <a:extLst>
+              <a:ext uri="{FF2B5EF4-FFF2-40B4-BE49-F238E27FC236}">
+                <a16:creationId xmlns:a16="http://schemas.microsoft.com/office/drawing/2014/main" id="{8C667B0A-44E4-4C98-8273-A34E59581742}"/>
+              </a:ext>
+            </a:extLst>
+          </p:cNvPr>
+          <p:cNvSpPr/>
+          <p:nvPr/>
+        </p:nvSpPr>
+        <p:spPr>
+          <a:xfrm>
+            <a:off x="10500643" y="2692926"/>
+            <a:ext cx="287519" cy="287519"/>
+          </a:xfrm>
+          <a:prstGeom prst="ellipse">
+            <a:avLst/>
+          </a:prstGeom>
+          <a:solidFill>
+            <a:srgbClr val="7030A0"/>
+          </a:solidFill>
+          <a:ln>
+            <a:noFill/>
+          </a:ln>
+        </p:spPr>
+        <p:style>
+          <a:lnRef idx="2">
+            <a:schemeClr val="accent1">
+              <a:shade val="50000"/>
+            </a:schemeClr>
+          </a:lnRef>
+          <a:fillRef idx="1">
+            <a:schemeClr val="accent1"/>
+          </a:fillRef>
+          <a:effectRef idx="0">
+            <a:schemeClr val="accent1"/>
+          </a:effectRef>
+          <a:fontRef idx="minor">
+            <a:schemeClr val="lt1"/>
+          </a:fontRef>
+        </p:style>
+        <p:txBody>
+          <a:bodyPr rtlCol="0" anchor="ctr"/>
+          <a:lstStyle/>
+          <a:p>
+            <a:pPr algn="ctr"/>
+            <a:endParaRPr lang="zh-CN" altLang="en-US"/>
+          </a:p>
+        </p:txBody>
+      </p:sp>
+      <p:cxnSp>
+        <p:nvCxnSpPr>
+          <p:cNvPr id="79" name="直接连接符 78">
+            <a:extLst>
+              <a:ext uri="{FF2B5EF4-FFF2-40B4-BE49-F238E27FC236}">
+                <a16:creationId xmlns:a16="http://schemas.microsoft.com/office/drawing/2014/main" id="{30859326-8979-4931-963A-29799F89EC03}"/>
+              </a:ext>
+            </a:extLst>
+          </p:cNvPr>
+          <p:cNvCxnSpPr>
+            <a:cxnSpLocks/>
+            <a:stCxn id="77" idx="3"/>
+            <a:endCxn id="81" idx="7"/>
+          </p:cNvCxnSpPr>
+          <p:nvPr/>
+        </p:nvCxnSpPr>
+        <p:spPr>
+          <a:xfrm flipH="1">
+            <a:off x="9646064" y="2938339"/>
+            <a:ext cx="174492" cy="370693"/>
+          </a:xfrm>
+          <a:prstGeom prst="line">
+            <a:avLst/>
+          </a:prstGeom>
+        </p:spPr>
+        <p:style>
+          <a:lnRef idx="1">
+            <a:schemeClr val="accent1"/>
+          </a:lnRef>
+          <a:fillRef idx="0">
+            <a:schemeClr val="accent1"/>
+          </a:fillRef>
+          <a:effectRef idx="0">
+            <a:schemeClr val="accent1"/>
+          </a:effectRef>
+          <a:fontRef idx="minor">
+            <a:schemeClr val="tx1"/>
+          </a:fontRef>
+        </p:style>
+      </p:cxnSp>
+      <p:cxnSp>
+        <p:nvCxnSpPr>
+          <p:cNvPr id="80" name="直接连接符 79">
+            <a:extLst>
+              <a:ext uri="{FF2B5EF4-FFF2-40B4-BE49-F238E27FC236}">
+                <a16:creationId xmlns:a16="http://schemas.microsoft.com/office/drawing/2014/main" id="{A745E64D-82E8-44FA-9D9F-1B4507D331D4}"/>
+              </a:ext>
+            </a:extLst>
+          </p:cNvPr>
+          <p:cNvCxnSpPr>
+            <a:cxnSpLocks/>
+            <a:stCxn id="77" idx="5"/>
+            <a:endCxn id="82" idx="1"/>
+          </p:cNvCxnSpPr>
+          <p:nvPr/>
+        </p:nvCxnSpPr>
+        <p:spPr>
+          <a:xfrm>
+            <a:off x="10023863" y="2938339"/>
+            <a:ext cx="141087" cy="370694"/>
+          </a:xfrm>
+          <a:prstGeom prst="line">
+            <a:avLst/>
+          </a:prstGeom>
+        </p:spPr>
+        <p:style>
+          <a:lnRef idx="1">
+            <a:schemeClr val="accent1"/>
+          </a:lnRef>
+          <a:fillRef idx="0">
+            <a:schemeClr val="accent1"/>
+          </a:fillRef>
+          <a:effectRef idx="0">
+            <a:schemeClr val="accent1"/>
+          </a:effectRef>
+          <a:fontRef idx="minor">
+            <a:schemeClr val="tx1"/>
+          </a:fontRef>
+        </p:style>
+      </p:cxnSp>
+      <p:sp>
+        <p:nvSpPr>
+          <p:cNvPr id="81" name="椭圆 80">
+            <a:extLst>
+              <a:ext uri="{FF2B5EF4-FFF2-40B4-BE49-F238E27FC236}">
+                <a16:creationId xmlns:a16="http://schemas.microsoft.com/office/drawing/2014/main" id="{B0D2DC5E-29D6-49E5-B1DF-B2E0E23829D1}"/>
+              </a:ext>
+            </a:extLst>
+          </p:cNvPr>
+          <p:cNvSpPr/>
+          <p:nvPr/>
+        </p:nvSpPr>
+        <p:spPr>
+          <a:xfrm>
+            <a:off x="9400651" y="3266926"/>
+            <a:ext cx="287519" cy="287519"/>
+          </a:xfrm>
+          <a:prstGeom prst="ellipse">
+            <a:avLst/>
+          </a:prstGeom>
+          <a:solidFill>
+            <a:srgbClr val="7030A0"/>
+          </a:solidFill>
+          <a:ln>
+            <a:noFill/>
+          </a:ln>
+        </p:spPr>
+        <p:style>
+          <a:lnRef idx="2">
+            <a:schemeClr val="accent1">
+              <a:shade val="50000"/>
+            </a:schemeClr>
+          </a:lnRef>
+          <a:fillRef idx="1">
+            <a:schemeClr val="accent1"/>
+          </a:fillRef>
+          <a:effectRef idx="0">
+            <a:schemeClr val="accent1"/>
+          </a:effectRef>
+          <a:fontRef idx="minor">
+            <a:schemeClr val="lt1"/>
+          </a:fontRef>
+        </p:style>
+        <p:txBody>
+          <a:bodyPr rtlCol="0" anchor="ctr"/>
+          <a:lstStyle/>
+          <a:p>
+            <a:pPr algn="ctr"/>
+            <a:endParaRPr lang="zh-CN" altLang="en-US"/>
+          </a:p>
+        </p:txBody>
+      </p:sp>
+      <p:sp>
+        <p:nvSpPr>
+          <p:cNvPr id="82" name="椭圆 81">
+            <a:extLst>
+              <a:ext uri="{FF2B5EF4-FFF2-40B4-BE49-F238E27FC236}">
+                <a16:creationId xmlns:a16="http://schemas.microsoft.com/office/drawing/2014/main" id="{9CD4B9FD-6E93-424B-9D38-451CFCA3172C}"/>
+              </a:ext>
+            </a:extLst>
+          </p:cNvPr>
+          <p:cNvSpPr/>
+          <p:nvPr/>
+        </p:nvSpPr>
+        <p:spPr>
+          <a:xfrm>
+            <a:off x="10122844" y="3266927"/>
+            <a:ext cx="287519" cy="287519"/>
+          </a:xfrm>
+          <a:prstGeom prst="ellipse">
+            <a:avLst/>
+          </a:prstGeom>
+          <a:solidFill>
+            <a:srgbClr val="7030A0"/>
+          </a:solidFill>
+          <a:ln>
+            <a:noFill/>
+          </a:ln>
+        </p:spPr>
+        <p:style>
+          <a:lnRef idx="2">
+            <a:schemeClr val="accent1">
+              <a:shade val="50000"/>
+            </a:schemeClr>
+          </a:lnRef>
+          <a:fillRef idx="1">
+            <a:schemeClr val="accent1"/>
+          </a:fillRef>
+          <a:effectRef idx="0">
+            <a:schemeClr val="accent1"/>
+          </a:effectRef>
+          <a:fontRef idx="minor">
+            <a:schemeClr val="lt1"/>
+          </a:fontRef>
+        </p:style>
+        <p:txBody>
+          <a:bodyPr rtlCol="0" anchor="ctr"/>
+          <a:lstStyle/>
+          <a:p>
+            <a:pPr algn="ctr"/>
+            <a:endParaRPr lang="zh-CN" altLang="en-US"/>
+          </a:p>
+        </p:txBody>
+      </p:sp>
+      <p:sp>
+        <p:nvSpPr>
+          <p:cNvPr id="84" name="文本框 83">
+            <a:extLst>
+              <a:ext uri="{FF2B5EF4-FFF2-40B4-BE49-F238E27FC236}">
+                <a16:creationId xmlns:a16="http://schemas.microsoft.com/office/drawing/2014/main" id="{6E8EC39B-4DCD-4F8A-9D1D-1CB3798802C9}"/>
+              </a:ext>
+            </a:extLst>
+          </p:cNvPr>
+          <p:cNvSpPr txBox="1"/>
+          <p:nvPr/>
+        </p:nvSpPr>
+        <p:spPr>
+          <a:xfrm>
+            <a:off x="1316192" y="3901674"/>
+            <a:ext cx="1000599" cy="369332"/>
+          </a:xfrm>
+          <a:prstGeom prst="rect">
+            <a:avLst/>
+          </a:prstGeom>
+          <a:noFill/>
+        </p:spPr>
+        <p:txBody>
+          <a:bodyPr wrap="square">
+            <a:spAutoFit/>
+          </a:bodyPr>
+          <a:lstStyle/>
+          <a:p>
+            <a:r>
+              <a:rPr lang="zh-CN" altLang="en-US"/>
+              <a:t>threads</a:t>
+            </a:r>
+          </a:p>
+        </p:txBody>
+      </p:sp>
+      <p:sp>
+        <p:nvSpPr>
+          <p:cNvPr id="86" name="文本框 85">
+            <a:extLst>
+              <a:ext uri="{FF2B5EF4-FFF2-40B4-BE49-F238E27FC236}">
+                <a16:creationId xmlns:a16="http://schemas.microsoft.com/office/drawing/2014/main" id="{A4BE54A6-C3DD-476D-81F1-343C16ECAB1E}"/>
+              </a:ext>
+            </a:extLst>
+          </p:cNvPr>
+          <p:cNvSpPr txBox="1"/>
+          <p:nvPr/>
+        </p:nvSpPr>
+        <p:spPr>
+          <a:xfrm>
+            <a:off x="3172832" y="3901674"/>
+            <a:ext cx="854579" cy="369332"/>
+          </a:xfrm>
+          <a:prstGeom prst="rect">
+            <a:avLst/>
+          </a:prstGeom>
+          <a:noFill/>
+        </p:spPr>
+        <p:txBody>
+          <a:bodyPr wrap="square">
+            <a:spAutoFit/>
+          </a:bodyPr>
+          <a:lstStyle/>
+          <a:p>
+            <a:r>
+              <a:rPr lang="zh-CN" altLang="en-US"/>
+              <a:t>nodes</a:t>
+            </a:r>
+          </a:p>
+        </p:txBody>
+      </p:sp>
+      <p:sp>
+        <p:nvSpPr>
+          <p:cNvPr id="88" name="文本框 87">
+            <a:extLst>
+              <a:ext uri="{FF2B5EF4-FFF2-40B4-BE49-F238E27FC236}">
+                <a16:creationId xmlns:a16="http://schemas.microsoft.com/office/drawing/2014/main" id="{A13B512E-5C13-4CB2-8E9D-99DE5AEC7EC8}"/>
+              </a:ext>
+            </a:extLst>
+          </p:cNvPr>
+          <p:cNvSpPr txBox="1"/>
+          <p:nvPr/>
+        </p:nvSpPr>
+        <p:spPr>
+          <a:xfrm>
+            <a:off x="4488038" y="3939087"/>
+            <a:ext cx="1578922" cy="369332"/>
+          </a:xfrm>
+          <a:prstGeom prst="rect">
+            <a:avLst/>
+          </a:prstGeom>
+          <a:noFill/>
+        </p:spPr>
+        <p:txBody>
+          <a:bodyPr wrap="square">
+            <a:spAutoFit/>
+          </a:bodyPr>
+          <a:lstStyle/>
+          <a:p>
+            <a:r>
+              <a:rPr lang="zh-CN" altLang="en-US"/>
+              <a:t>refs_by_desc</a:t>
+            </a:r>
+          </a:p>
+        </p:txBody>
+      </p:sp>
+      <p:sp>
+        <p:nvSpPr>
+          <p:cNvPr id="90" name="文本框 89">
+            <a:extLst>
+              <a:ext uri="{FF2B5EF4-FFF2-40B4-BE49-F238E27FC236}">
+                <a16:creationId xmlns:a16="http://schemas.microsoft.com/office/drawing/2014/main" id="{84FBA38B-C76E-4670-BAA5-3ECA43A9AE26}"/>
+              </a:ext>
+            </a:extLst>
+          </p:cNvPr>
+          <p:cNvSpPr txBox="1"/>
+          <p:nvPr/>
+        </p:nvSpPr>
+        <p:spPr>
+          <a:xfrm>
+            <a:off x="6192127" y="3951865"/>
+            <a:ext cx="1578922" cy="369332"/>
+          </a:xfrm>
+          <a:prstGeom prst="rect">
+            <a:avLst/>
+          </a:prstGeom>
+          <a:noFill/>
+        </p:spPr>
+        <p:txBody>
+          <a:bodyPr wrap="square">
+            <a:spAutoFit/>
+          </a:bodyPr>
+          <a:lstStyle/>
+          <a:p>
+            <a:r>
+              <a:rPr lang="zh-CN" altLang="en-US"/>
+              <a:t>refs_by_node</a:t>
+            </a:r>
+          </a:p>
+        </p:txBody>
+      </p:sp>
+      <p:sp>
+        <p:nvSpPr>
+          <p:cNvPr id="92" name="文本框 91">
+            <a:extLst>
+              <a:ext uri="{FF2B5EF4-FFF2-40B4-BE49-F238E27FC236}">
+                <a16:creationId xmlns:a16="http://schemas.microsoft.com/office/drawing/2014/main" id="{D8936E09-836D-4E09-9944-B0791BED461E}"/>
+              </a:ext>
+            </a:extLst>
+          </p:cNvPr>
+          <p:cNvSpPr txBox="1"/>
+          <p:nvPr/>
+        </p:nvSpPr>
+        <p:spPr>
+          <a:xfrm>
+            <a:off x="7896216" y="3901674"/>
+            <a:ext cx="1389309" cy="369332"/>
+          </a:xfrm>
+          <a:prstGeom prst="rect">
+            <a:avLst/>
+          </a:prstGeom>
+          <a:noFill/>
+        </p:spPr>
+        <p:txBody>
+          <a:bodyPr wrap="square">
+            <a:spAutoFit/>
+          </a:bodyPr>
+          <a:lstStyle/>
+          <a:p>
+            <a:r>
+              <a:rPr lang="zh-CN" altLang="en-US"/>
+              <a:t>free_buffers</a:t>
+            </a:r>
+          </a:p>
+        </p:txBody>
+      </p:sp>
+      <p:sp>
+        <p:nvSpPr>
+          <p:cNvPr id="94" name="文本框 93">
+            <a:extLst>
+              <a:ext uri="{FF2B5EF4-FFF2-40B4-BE49-F238E27FC236}">
+                <a16:creationId xmlns:a16="http://schemas.microsoft.com/office/drawing/2014/main" id="{B02BF41A-1C41-4021-B097-4442633466D8}"/>
+              </a:ext>
+            </a:extLst>
+          </p:cNvPr>
+          <p:cNvSpPr txBox="1"/>
+          <p:nvPr/>
+        </p:nvSpPr>
+        <p:spPr>
+          <a:xfrm>
+            <a:off x="9322892" y="3901674"/>
+            <a:ext cx="1887421" cy="369332"/>
+          </a:xfrm>
+          <a:prstGeom prst="rect">
+            <a:avLst/>
+          </a:prstGeom>
+          <a:noFill/>
+        </p:spPr>
+        <p:txBody>
+          <a:bodyPr wrap="square">
+            <a:spAutoFit/>
+          </a:bodyPr>
+          <a:lstStyle/>
+          <a:p>
+            <a:r>
+              <a:rPr lang="zh-CN" altLang="en-US"/>
+              <a:t>allocated_buffers</a:t>
+            </a:r>
+          </a:p>
+        </p:txBody>
+      </p:sp>
+      <p:sp>
+        <p:nvSpPr>
+          <p:cNvPr id="95" name="右大括号 94">
+            <a:extLst>
+              <a:ext uri="{FF2B5EF4-FFF2-40B4-BE49-F238E27FC236}">
+                <a16:creationId xmlns:a16="http://schemas.microsoft.com/office/drawing/2014/main" id="{41DE6716-9741-4BEA-BA62-ACE18E8744DE}"/>
+              </a:ext>
+            </a:extLst>
+          </p:cNvPr>
+          <p:cNvSpPr/>
+          <p:nvPr/>
+        </p:nvSpPr>
+        <p:spPr>
+          <a:xfrm rot="16200000">
+            <a:off x="5961930" y="-3769724"/>
+            <a:ext cx="453535" cy="11057645"/>
+          </a:xfrm>
+          <a:prstGeom prst="rightBrace">
+            <a:avLst>
+              <a:gd name="adj1" fmla="val 8333"/>
+              <a:gd name="adj2" fmla="val 50096"/>
+            </a:avLst>
+          </a:prstGeom>
+        </p:spPr>
+        <p:style>
+          <a:lnRef idx="1">
+            <a:schemeClr val="accent1"/>
+          </a:lnRef>
+          <a:fillRef idx="0">
+            <a:schemeClr val="accent1"/>
+          </a:fillRef>
+          <a:effectRef idx="0">
+            <a:schemeClr val="accent1"/>
+          </a:effectRef>
+          <a:fontRef idx="minor">
+            <a:schemeClr val="tx1"/>
+          </a:fontRef>
+        </p:style>
+        <p:txBody>
+          <a:bodyPr rtlCol="0" anchor="ctr"/>
+          <a:lstStyle/>
+          <a:p>
+            <a:pPr algn="ctr"/>
+            <a:endParaRPr lang="zh-CN" altLang="en-US"/>
+          </a:p>
+        </p:txBody>
+      </p:sp>
+      <p:sp>
+        <p:nvSpPr>
+          <p:cNvPr id="97" name="文本框 96">
+            <a:extLst>
+              <a:ext uri="{FF2B5EF4-FFF2-40B4-BE49-F238E27FC236}">
+                <a16:creationId xmlns:a16="http://schemas.microsoft.com/office/drawing/2014/main" id="{CC635EB6-1580-49BE-888B-38D7B85266DA}"/>
+              </a:ext>
+            </a:extLst>
+          </p:cNvPr>
+          <p:cNvSpPr txBox="1"/>
+          <p:nvPr/>
+        </p:nvSpPr>
+        <p:spPr>
+          <a:xfrm>
+            <a:off x="5401411" y="1118759"/>
+            <a:ext cx="1438701" cy="369332"/>
+          </a:xfrm>
+          <a:prstGeom prst="rect">
+            <a:avLst/>
+          </a:prstGeom>
+          <a:noFill/>
+        </p:spPr>
+        <p:txBody>
+          <a:bodyPr wrap="square">
+            <a:spAutoFit/>
+          </a:bodyPr>
+          <a:lstStyle/>
+          <a:p>
+            <a:r>
+              <a:rPr lang="zh-CN" altLang="en-US"/>
+              <a:t>binder_proc</a:t>
+            </a:r>
+          </a:p>
+        </p:txBody>
+      </p:sp>
+      <p:sp>
+        <p:nvSpPr>
+          <p:cNvPr id="98" name="文本框 97">
+            <a:extLst>
+              <a:ext uri="{FF2B5EF4-FFF2-40B4-BE49-F238E27FC236}">
+                <a16:creationId xmlns:a16="http://schemas.microsoft.com/office/drawing/2014/main" id="{CB0596FD-8CF1-4A45-81F1-022AE02DB9D5}"/>
+              </a:ext>
+            </a:extLst>
+          </p:cNvPr>
+          <p:cNvSpPr txBox="1"/>
+          <p:nvPr/>
+        </p:nvSpPr>
+        <p:spPr>
+          <a:xfrm>
+            <a:off x="4314930" y="4835504"/>
+            <a:ext cx="3256580" cy="369332"/>
+          </a:xfrm>
+          <a:prstGeom prst="rect">
+            <a:avLst/>
+          </a:prstGeom>
+          <a:noFill/>
+        </p:spPr>
+        <p:txBody>
+          <a:bodyPr wrap="square">
+            <a:spAutoFit/>
+          </a:bodyPr>
+          <a:lstStyle/>
+          <a:p>
+            <a:r>
+              <a:rPr lang="zh-CN" altLang="en-US" b="1"/>
+              <a:t>binder_proc内部的几个红黑树</a:t>
+            </a:r>
+          </a:p>
+        </p:txBody>
+      </p:sp>
+    </p:spTree>
+    <p:extLst>
+      <p:ext uri="{BB962C8B-B14F-4D97-AF65-F5344CB8AC3E}">
+        <p14:creationId xmlns:p14="http://schemas.microsoft.com/office/powerpoint/2010/main" val="4281745223"/>
       </p:ext>
     </p:extLst>
   </p:cSld>

--- a/android/binder/binder.pptx
+++ b/android/binder/binder.pptx
@@ -28,6 +28,8 @@
     <p:sldId id="282" r:id="rId22"/>
     <p:sldId id="283" r:id="rId23"/>
     <p:sldId id="284" r:id="rId24"/>
+    <p:sldId id="285" r:id="rId25"/>
+    <p:sldId id="286" r:id="rId26"/>
   </p:sldIdLst>
   <p:sldSz cx="12192000" cy="6858000"/>
   <p:notesSz cx="6858000" cy="9144000"/>
@@ -281,7 +283,7 @@
           <a:p>
             <a:fld id="{94500C62-1B3F-4E84-BF94-3D5FB933429A}" type="datetimeFigureOut">
               <a:rPr lang="zh-CN" altLang="en-US" smtClean="0"/>
-              <a:t>2022/4/20</a:t>
+              <a:t>2022/4/24</a:t>
             </a:fld>
             <a:endParaRPr lang="zh-CN" altLang="en-US"/>
           </a:p>
@@ -479,7 +481,7 @@
           <a:p>
             <a:fld id="{94500C62-1B3F-4E84-BF94-3D5FB933429A}" type="datetimeFigureOut">
               <a:rPr lang="zh-CN" altLang="en-US" smtClean="0"/>
-              <a:t>2022/4/20</a:t>
+              <a:t>2022/4/24</a:t>
             </a:fld>
             <a:endParaRPr lang="zh-CN" altLang="en-US"/>
           </a:p>
@@ -687,7 +689,7 @@
           <a:p>
             <a:fld id="{94500C62-1B3F-4E84-BF94-3D5FB933429A}" type="datetimeFigureOut">
               <a:rPr lang="zh-CN" altLang="en-US" smtClean="0"/>
-              <a:t>2022/4/20</a:t>
+              <a:t>2022/4/24</a:t>
             </a:fld>
             <a:endParaRPr lang="zh-CN" altLang="en-US"/>
           </a:p>
@@ -885,7 +887,7 @@
           <a:p>
             <a:fld id="{94500C62-1B3F-4E84-BF94-3D5FB933429A}" type="datetimeFigureOut">
               <a:rPr lang="zh-CN" altLang="en-US" smtClean="0"/>
-              <a:t>2022/4/20</a:t>
+              <a:t>2022/4/24</a:t>
             </a:fld>
             <a:endParaRPr lang="zh-CN" altLang="en-US"/>
           </a:p>
@@ -1160,7 +1162,7 @@
           <a:p>
             <a:fld id="{94500C62-1B3F-4E84-BF94-3D5FB933429A}" type="datetimeFigureOut">
               <a:rPr lang="zh-CN" altLang="en-US" smtClean="0"/>
-              <a:t>2022/4/20</a:t>
+              <a:t>2022/4/24</a:t>
             </a:fld>
             <a:endParaRPr lang="zh-CN" altLang="en-US"/>
           </a:p>
@@ -1425,7 +1427,7 @@
           <a:p>
             <a:fld id="{94500C62-1B3F-4E84-BF94-3D5FB933429A}" type="datetimeFigureOut">
               <a:rPr lang="zh-CN" altLang="en-US" smtClean="0"/>
-              <a:t>2022/4/20</a:t>
+              <a:t>2022/4/24</a:t>
             </a:fld>
             <a:endParaRPr lang="zh-CN" altLang="en-US"/>
           </a:p>
@@ -1837,7 +1839,7 @@
           <a:p>
             <a:fld id="{94500C62-1B3F-4E84-BF94-3D5FB933429A}" type="datetimeFigureOut">
               <a:rPr lang="zh-CN" altLang="en-US" smtClean="0"/>
-              <a:t>2022/4/20</a:t>
+              <a:t>2022/4/24</a:t>
             </a:fld>
             <a:endParaRPr lang="zh-CN" altLang="en-US"/>
           </a:p>
@@ -1978,7 +1980,7 @@
           <a:p>
             <a:fld id="{94500C62-1B3F-4E84-BF94-3D5FB933429A}" type="datetimeFigureOut">
               <a:rPr lang="zh-CN" altLang="en-US" smtClean="0"/>
-              <a:t>2022/4/20</a:t>
+              <a:t>2022/4/24</a:t>
             </a:fld>
             <a:endParaRPr lang="zh-CN" altLang="en-US"/>
           </a:p>
@@ -2091,7 +2093,7 @@
           <a:p>
             <a:fld id="{94500C62-1B3F-4E84-BF94-3D5FB933429A}" type="datetimeFigureOut">
               <a:rPr lang="zh-CN" altLang="en-US" smtClean="0"/>
-              <a:t>2022/4/20</a:t>
+              <a:t>2022/4/24</a:t>
             </a:fld>
             <a:endParaRPr lang="zh-CN" altLang="en-US"/>
           </a:p>
@@ -2402,7 +2404,7 @@
           <a:p>
             <a:fld id="{94500C62-1B3F-4E84-BF94-3D5FB933429A}" type="datetimeFigureOut">
               <a:rPr lang="zh-CN" altLang="en-US" smtClean="0"/>
-              <a:t>2022/4/20</a:t>
+              <a:t>2022/4/24</a:t>
             </a:fld>
             <a:endParaRPr lang="zh-CN" altLang="en-US"/>
           </a:p>
@@ -2690,7 +2692,7 @@
           <a:p>
             <a:fld id="{94500C62-1B3F-4E84-BF94-3D5FB933429A}" type="datetimeFigureOut">
               <a:rPr lang="zh-CN" altLang="en-US" smtClean="0"/>
-              <a:t>2022/4/20</a:t>
+              <a:t>2022/4/24</a:t>
             </a:fld>
             <a:endParaRPr lang="zh-CN" altLang="en-US"/>
           </a:p>
@@ -2931,7 +2933,7 @@
           <a:p>
             <a:fld id="{94500C62-1B3F-4E84-BF94-3D5FB933429A}" type="datetimeFigureOut">
               <a:rPr lang="zh-CN" altLang="en-US" smtClean="0"/>
-              <a:t>2022/4/20</a:t>
+              <a:t>2022/4/24</a:t>
             </a:fld>
             <a:endParaRPr lang="zh-CN" altLang="en-US"/>
           </a:p>
@@ -24446,6 +24448,2029 @@
     <p:extLst>
       <p:ext uri="{BB962C8B-B14F-4D97-AF65-F5344CB8AC3E}">
         <p14:creationId xmlns:p14="http://schemas.microsoft.com/office/powerpoint/2010/main" val="4281745223"/>
+      </p:ext>
+    </p:extLst>
+  </p:cSld>
+  <p:clrMapOvr>
+    <a:masterClrMapping/>
+  </p:clrMapOvr>
+</p:sld>
+</file>
+
+<file path=ppt/slides/slide24.xml><?xml version="1.0" encoding="utf-8"?>
+<p:sld xmlns:a="http://schemas.openxmlformats.org/drawingml/2006/main" xmlns:r="http://schemas.openxmlformats.org/officeDocument/2006/relationships" xmlns:p="http://schemas.openxmlformats.org/presentationml/2006/main">
+  <p:cSld>
+    <p:spTree>
+      <p:nvGrpSpPr>
+        <p:cNvPr id="1" name=""/>
+        <p:cNvGrpSpPr/>
+        <p:nvPr/>
+      </p:nvGrpSpPr>
+      <p:grpSpPr>
+        <a:xfrm>
+          <a:off x="0" y="0"/>
+          <a:ext cx="0" cy="0"/>
+          <a:chOff x="0" y="0"/>
+          <a:chExt cx="0" cy="0"/>
+        </a:xfrm>
+      </p:grpSpPr>
+      <p:sp>
+        <p:nvSpPr>
+          <p:cNvPr id="4" name="矩形 3">
+            <a:extLst>
+              <a:ext uri="{FF2B5EF4-FFF2-40B4-BE49-F238E27FC236}">
+                <a16:creationId xmlns:a16="http://schemas.microsoft.com/office/drawing/2014/main" id="{717E1824-20EA-4E2A-87CE-694A636AC490}"/>
+              </a:ext>
+            </a:extLst>
+          </p:cNvPr>
+          <p:cNvSpPr/>
+          <p:nvPr/>
+        </p:nvSpPr>
+        <p:spPr>
+          <a:xfrm>
+            <a:off x="4055096" y="1074712"/>
+            <a:ext cx="2920739" cy="735291"/>
+          </a:xfrm>
+          <a:prstGeom prst="rect">
+            <a:avLst/>
+          </a:prstGeom>
+          <a:solidFill>
+            <a:srgbClr val="FFC000"/>
+          </a:solidFill>
+        </p:spPr>
+        <p:style>
+          <a:lnRef idx="2">
+            <a:schemeClr val="accent1">
+              <a:shade val="50000"/>
+            </a:schemeClr>
+          </a:lnRef>
+          <a:fillRef idx="1">
+            <a:schemeClr val="accent1"/>
+          </a:fillRef>
+          <a:effectRef idx="0">
+            <a:schemeClr val="accent1"/>
+          </a:effectRef>
+          <a:fontRef idx="minor">
+            <a:schemeClr val="lt1"/>
+          </a:fontRef>
+        </p:style>
+        <p:txBody>
+          <a:bodyPr rtlCol="0" anchor="ctr"/>
+          <a:lstStyle/>
+          <a:p>
+            <a:pPr algn="ctr"/>
+            <a:r>
+              <a:rPr lang="en-US" altLang="zh-CN"/>
+              <a:t>strcut binder_buffer </a:t>
+            </a:r>
+            <a:endParaRPr lang="zh-CN" altLang="en-US"/>
+          </a:p>
+        </p:txBody>
+      </p:sp>
+      <p:sp>
+        <p:nvSpPr>
+          <p:cNvPr id="5" name="矩形 4">
+            <a:extLst>
+              <a:ext uri="{FF2B5EF4-FFF2-40B4-BE49-F238E27FC236}">
+                <a16:creationId xmlns:a16="http://schemas.microsoft.com/office/drawing/2014/main" id="{B93A7964-1529-4793-B063-3F4B2C4751D9}"/>
+              </a:ext>
+            </a:extLst>
+          </p:cNvPr>
+          <p:cNvSpPr/>
+          <p:nvPr/>
+        </p:nvSpPr>
+        <p:spPr>
+          <a:xfrm>
+            <a:off x="8748074" y="1074711"/>
+            <a:ext cx="2675641" cy="735291"/>
+          </a:xfrm>
+          <a:prstGeom prst="rect">
+            <a:avLst/>
+          </a:prstGeom>
+          <a:solidFill>
+            <a:srgbClr val="DD8EF2"/>
+          </a:solidFill>
+        </p:spPr>
+        <p:style>
+          <a:lnRef idx="2">
+            <a:schemeClr val="accent1">
+              <a:shade val="50000"/>
+            </a:schemeClr>
+          </a:lnRef>
+          <a:fillRef idx="1">
+            <a:schemeClr val="accent1"/>
+          </a:fillRef>
+          <a:effectRef idx="0">
+            <a:schemeClr val="accent1"/>
+          </a:effectRef>
+          <a:fontRef idx="minor">
+            <a:schemeClr val="lt1"/>
+          </a:fontRef>
+        </p:style>
+        <p:txBody>
+          <a:bodyPr rtlCol="0" anchor="ctr"/>
+          <a:lstStyle/>
+          <a:p>
+            <a:pPr algn="ctr"/>
+            <a:r>
+              <a:rPr lang="en-US" altLang="zh-CN" sz="4400"/>
+              <a:t>…</a:t>
+            </a:r>
+            <a:endParaRPr lang="zh-CN" altLang="en-US" sz="4400"/>
+          </a:p>
+        </p:txBody>
+      </p:sp>
+      <p:sp>
+        <p:nvSpPr>
+          <p:cNvPr id="7" name="矩形 6">
+            <a:extLst>
+              <a:ext uri="{FF2B5EF4-FFF2-40B4-BE49-F238E27FC236}">
+                <a16:creationId xmlns:a16="http://schemas.microsoft.com/office/drawing/2014/main" id="{A4385385-F6B0-4BD0-9C1A-ABC072052F58}"/>
+              </a:ext>
+            </a:extLst>
+          </p:cNvPr>
+          <p:cNvSpPr/>
+          <p:nvPr/>
+        </p:nvSpPr>
+        <p:spPr>
+          <a:xfrm>
+            <a:off x="1038519" y="1074710"/>
+            <a:ext cx="3016577" cy="735291"/>
+          </a:xfrm>
+          <a:prstGeom prst="rect">
+            <a:avLst/>
+          </a:prstGeom>
+          <a:solidFill>
+            <a:srgbClr val="DD8EF2"/>
+          </a:solidFill>
+        </p:spPr>
+        <p:style>
+          <a:lnRef idx="2">
+            <a:schemeClr val="accent1">
+              <a:shade val="50000"/>
+            </a:schemeClr>
+          </a:lnRef>
+          <a:fillRef idx="1">
+            <a:schemeClr val="accent1"/>
+          </a:fillRef>
+          <a:effectRef idx="0">
+            <a:schemeClr val="accent1"/>
+          </a:effectRef>
+          <a:fontRef idx="minor">
+            <a:schemeClr val="lt1"/>
+          </a:fontRef>
+        </p:style>
+        <p:txBody>
+          <a:bodyPr rtlCol="0" anchor="ctr"/>
+          <a:lstStyle/>
+          <a:p>
+            <a:pPr algn="ctr"/>
+            <a:endParaRPr lang="zh-CN" altLang="en-US"/>
+          </a:p>
+        </p:txBody>
+      </p:sp>
+      <p:sp>
+        <p:nvSpPr>
+          <p:cNvPr id="8" name="文本框 7">
+            <a:extLst>
+              <a:ext uri="{FF2B5EF4-FFF2-40B4-BE49-F238E27FC236}">
+                <a16:creationId xmlns:a16="http://schemas.microsoft.com/office/drawing/2014/main" id="{9AF59025-3CCF-489C-8922-58445C7EF2BE}"/>
+              </a:ext>
+            </a:extLst>
+          </p:cNvPr>
+          <p:cNvSpPr txBox="1"/>
+          <p:nvPr/>
+        </p:nvSpPr>
+        <p:spPr>
+          <a:xfrm>
+            <a:off x="367646" y="2369339"/>
+            <a:ext cx="1494320" cy="369332"/>
+          </a:xfrm>
+          <a:prstGeom prst="rect">
+            <a:avLst/>
+          </a:prstGeom>
+          <a:noFill/>
+        </p:spPr>
+        <p:txBody>
+          <a:bodyPr wrap="none" rtlCol="0">
+            <a:spAutoFit/>
+          </a:bodyPr>
+          <a:lstStyle/>
+          <a:p>
+            <a:r>
+              <a:rPr lang="en-US" altLang="zh-CN"/>
+              <a:t>proc-&gt;buffer</a:t>
+            </a:r>
+            <a:endParaRPr lang="zh-CN" altLang="en-US"/>
+          </a:p>
+        </p:txBody>
+      </p:sp>
+      <p:cxnSp>
+        <p:nvCxnSpPr>
+          <p:cNvPr id="10" name="直接箭头连接符 9">
+            <a:extLst>
+              <a:ext uri="{FF2B5EF4-FFF2-40B4-BE49-F238E27FC236}">
+                <a16:creationId xmlns:a16="http://schemas.microsoft.com/office/drawing/2014/main" id="{4F0FB0D3-2444-4918-8BF1-4A986819D43C}"/>
+              </a:ext>
+            </a:extLst>
+          </p:cNvPr>
+          <p:cNvCxnSpPr>
+            <a:cxnSpLocks/>
+          </p:cNvCxnSpPr>
+          <p:nvPr/>
+        </p:nvCxnSpPr>
+        <p:spPr>
+          <a:xfrm flipV="1">
+            <a:off x="1038519" y="1899663"/>
+            <a:ext cx="0" cy="381624"/>
+          </a:xfrm>
+          <a:prstGeom prst="straightConnector1">
+            <a:avLst/>
+          </a:prstGeom>
+          <a:ln>
+            <a:tailEnd type="triangle"/>
+          </a:ln>
+        </p:spPr>
+        <p:style>
+          <a:lnRef idx="1">
+            <a:schemeClr val="accent1"/>
+          </a:lnRef>
+          <a:fillRef idx="0">
+            <a:schemeClr val="accent1"/>
+          </a:fillRef>
+          <a:effectRef idx="0">
+            <a:schemeClr val="accent1"/>
+          </a:effectRef>
+          <a:fontRef idx="minor">
+            <a:schemeClr val="tx1"/>
+          </a:fontRef>
+        </p:style>
+      </p:cxnSp>
+      <p:cxnSp>
+        <p:nvCxnSpPr>
+          <p:cNvPr id="13" name="直接箭头连接符 12">
+            <a:extLst>
+              <a:ext uri="{FF2B5EF4-FFF2-40B4-BE49-F238E27FC236}">
+                <a16:creationId xmlns:a16="http://schemas.microsoft.com/office/drawing/2014/main" id="{3EEF50F6-8295-46DB-B6D8-C9485EC22654}"/>
+              </a:ext>
+            </a:extLst>
+          </p:cNvPr>
+          <p:cNvCxnSpPr>
+            <a:cxnSpLocks/>
+          </p:cNvCxnSpPr>
+          <p:nvPr/>
+        </p:nvCxnSpPr>
+        <p:spPr>
+          <a:xfrm>
+            <a:off x="1038519" y="207390"/>
+            <a:ext cx="0" cy="751163"/>
+          </a:xfrm>
+          <a:prstGeom prst="straightConnector1">
+            <a:avLst/>
+          </a:prstGeom>
+          <a:ln>
+            <a:tailEnd type="triangle"/>
+          </a:ln>
+        </p:spPr>
+        <p:style>
+          <a:lnRef idx="1">
+            <a:schemeClr val="accent1"/>
+          </a:lnRef>
+          <a:fillRef idx="0">
+            <a:schemeClr val="accent1"/>
+          </a:fillRef>
+          <a:effectRef idx="0">
+            <a:schemeClr val="accent1"/>
+          </a:effectRef>
+          <a:fontRef idx="minor">
+            <a:schemeClr val="tx1"/>
+          </a:fontRef>
+        </p:style>
+      </p:cxnSp>
+      <p:cxnSp>
+        <p:nvCxnSpPr>
+          <p:cNvPr id="16" name="直接箭头连接符 15">
+            <a:extLst>
+              <a:ext uri="{FF2B5EF4-FFF2-40B4-BE49-F238E27FC236}">
+                <a16:creationId xmlns:a16="http://schemas.microsoft.com/office/drawing/2014/main" id="{3AE7435F-9673-42ED-A020-1C481539521D}"/>
+              </a:ext>
+            </a:extLst>
+          </p:cNvPr>
+          <p:cNvCxnSpPr>
+            <a:cxnSpLocks/>
+          </p:cNvCxnSpPr>
+          <p:nvPr/>
+        </p:nvCxnSpPr>
+        <p:spPr>
+          <a:xfrm>
+            <a:off x="11423715" y="207390"/>
+            <a:ext cx="0" cy="751163"/>
+          </a:xfrm>
+          <a:prstGeom prst="straightConnector1">
+            <a:avLst/>
+          </a:prstGeom>
+          <a:ln>
+            <a:tailEnd type="triangle"/>
+          </a:ln>
+        </p:spPr>
+        <p:style>
+          <a:lnRef idx="1">
+            <a:schemeClr val="accent1"/>
+          </a:lnRef>
+          <a:fillRef idx="0">
+            <a:schemeClr val="accent1"/>
+          </a:fillRef>
+          <a:effectRef idx="0">
+            <a:schemeClr val="accent1"/>
+          </a:effectRef>
+          <a:fontRef idx="minor">
+            <a:schemeClr val="tx1"/>
+          </a:fontRef>
+        </p:style>
+      </p:cxnSp>
+      <p:cxnSp>
+        <p:nvCxnSpPr>
+          <p:cNvPr id="18" name="直接箭头连接符 17">
+            <a:extLst>
+              <a:ext uri="{FF2B5EF4-FFF2-40B4-BE49-F238E27FC236}">
+                <a16:creationId xmlns:a16="http://schemas.microsoft.com/office/drawing/2014/main" id="{6B080C53-493D-4BCE-8D34-C07FD8651225}"/>
+              </a:ext>
+            </a:extLst>
+          </p:cNvPr>
+          <p:cNvCxnSpPr/>
+          <p:nvPr/>
+        </p:nvCxnSpPr>
+        <p:spPr>
+          <a:xfrm>
+            <a:off x="1038519" y="669303"/>
+            <a:ext cx="10385196" cy="0"/>
+          </a:xfrm>
+          <a:prstGeom prst="straightConnector1">
+            <a:avLst/>
+          </a:prstGeom>
+          <a:ln>
+            <a:headEnd type="triangle"/>
+            <a:tailEnd type="triangle"/>
+          </a:ln>
+        </p:spPr>
+        <p:style>
+          <a:lnRef idx="1">
+            <a:schemeClr val="accent1"/>
+          </a:lnRef>
+          <a:fillRef idx="0">
+            <a:schemeClr val="accent1"/>
+          </a:fillRef>
+          <a:effectRef idx="0">
+            <a:schemeClr val="accent1"/>
+          </a:effectRef>
+          <a:fontRef idx="minor">
+            <a:schemeClr val="tx1"/>
+          </a:fontRef>
+        </p:style>
+      </p:cxnSp>
+      <p:sp>
+        <p:nvSpPr>
+          <p:cNvPr id="19" name="文本框 18">
+            <a:extLst>
+              <a:ext uri="{FF2B5EF4-FFF2-40B4-BE49-F238E27FC236}">
+                <a16:creationId xmlns:a16="http://schemas.microsoft.com/office/drawing/2014/main" id="{700D572F-5FE5-48AB-814A-D90D2E1A4220}"/>
+              </a:ext>
+            </a:extLst>
+          </p:cNvPr>
+          <p:cNvSpPr txBox="1"/>
+          <p:nvPr/>
+        </p:nvSpPr>
+        <p:spPr>
+          <a:xfrm>
+            <a:off x="5250720" y="130321"/>
+            <a:ext cx="1960793" cy="369332"/>
+          </a:xfrm>
+          <a:prstGeom prst="rect">
+            <a:avLst/>
+          </a:prstGeom>
+          <a:noFill/>
+        </p:spPr>
+        <p:txBody>
+          <a:bodyPr wrap="none" rtlCol="0">
+            <a:spAutoFit/>
+          </a:bodyPr>
+          <a:lstStyle/>
+          <a:p>
+            <a:r>
+              <a:rPr lang="en-US" altLang="zh-CN"/>
+              <a:t>proc-&gt;buffer_size</a:t>
+            </a:r>
+            <a:endParaRPr lang="zh-CN" altLang="en-US"/>
+          </a:p>
+        </p:txBody>
+      </p:sp>
+      <p:sp>
+        <p:nvSpPr>
+          <p:cNvPr id="20" name="矩形 19">
+            <a:extLst>
+              <a:ext uri="{FF2B5EF4-FFF2-40B4-BE49-F238E27FC236}">
+                <a16:creationId xmlns:a16="http://schemas.microsoft.com/office/drawing/2014/main" id="{C84C0612-B8BB-4362-8624-89D08BD22445}"/>
+              </a:ext>
+            </a:extLst>
+          </p:cNvPr>
+          <p:cNvSpPr/>
+          <p:nvPr/>
+        </p:nvSpPr>
+        <p:spPr>
+          <a:xfrm>
+            <a:off x="6958551" y="1074710"/>
+            <a:ext cx="1789523" cy="735291"/>
+          </a:xfrm>
+          <a:prstGeom prst="rect">
+            <a:avLst/>
+          </a:prstGeom>
+          <a:solidFill>
+            <a:srgbClr val="FFC000"/>
+          </a:solidFill>
+        </p:spPr>
+        <p:style>
+          <a:lnRef idx="2">
+            <a:schemeClr val="accent1">
+              <a:shade val="50000"/>
+            </a:schemeClr>
+          </a:lnRef>
+          <a:fillRef idx="1">
+            <a:schemeClr val="accent1"/>
+          </a:fillRef>
+          <a:effectRef idx="0">
+            <a:schemeClr val="accent1"/>
+          </a:effectRef>
+          <a:fontRef idx="minor">
+            <a:schemeClr val="lt1"/>
+          </a:fontRef>
+        </p:style>
+        <p:txBody>
+          <a:bodyPr rtlCol="0" anchor="ctr"/>
+          <a:lstStyle/>
+          <a:p>
+            <a:pPr algn="ctr"/>
+            <a:endParaRPr lang="zh-CN" altLang="en-US"/>
+          </a:p>
+        </p:txBody>
+      </p:sp>
+      <p:sp>
+        <p:nvSpPr>
+          <p:cNvPr id="21" name="文本框 20">
+            <a:extLst>
+              <a:ext uri="{FF2B5EF4-FFF2-40B4-BE49-F238E27FC236}">
+                <a16:creationId xmlns:a16="http://schemas.microsoft.com/office/drawing/2014/main" id="{2A7AE249-5EA2-4D2F-90F7-E7F211792817}"/>
+              </a:ext>
+            </a:extLst>
+          </p:cNvPr>
+          <p:cNvSpPr txBox="1"/>
+          <p:nvPr/>
+        </p:nvSpPr>
+        <p:spPr>
+          <a:xfrm>
+            <a:off x="6191354" y="2215515"/>
+            <a:ext cx="1534394" cy="369332"/>
+          </a:xfrm>
+          <a:prstGeom prst="rect">
+            <a:avLst/>
+          </a:prstGeom>
+          <a:noFill/>
+        </p:spPr>
+        <p:txBody>
+          <a:bodyPr wrap="none" rtlCol="0">
+            <a:spAutoFit/>
+          </a:bodyPr>
+          <a:lstStyle/>
+          <a:p>
+            <a:r>
+              <a:rPr lang="en-US" altLang="zh-CN"/>
+              <a:t>buffer-&gt;data</a:t>
+            </a:r>
+            <a:endParaRPr lang="zh-CN" altLang="en-US"/>
+          </a:p>
+        </p:txBody>
+      </p:sp>
+      <p:cxnSp>
+        <p:nvCxnSpPr>
+          <p:cNvPr id="22" name="直接箭头连接符 21">
+            <a:extLst>
+              <a:ext uri="{FF2B5EF4-FFF2-40B4-BE49-F238E27FC236}">
+                <a16:creationId xmlns:a16="http://schemas.microsoft.com/office/drawing/2014/main" id="{09C7E026-0806-46C4-80A4-3C2FBCB2A299}"/>
+              </a:ext>
+            </a:extLst>
+          </p:cNvPr>
+          <p:cNvCxnSpPr>
+            <a:cxnSpLocks/>
+          </p:cNvCxnSpPr>
+          <p:nvPr/>
+        </p:nvCxnSpPr>
+        <p:spPr>
+          <a:xfrm flipV="1">
+            <a:off x="6958551" y="1899663"/>
+            <a:ext cx="0" cy="381624"/>
+          </a:xfrm>
+          <a:prstGeom prst="straightConnector1">
+            <a:avLst/>
+          </a:prstGeom>
+          <a:ln>
+            <a:tailEnd type="triangle"/>
+          </a:ln>
+        </p:spPr>
+        <p:style>
+          <a:lnRef idx="1">
+            <a:schemeClr val="accent1"/>
+          </a:lnRef>
+          <a:fillRef idx="0">
+            <a:schemeClr val="accent1"/>
+          </a:fillRef>
+          <a:effectRef idx="0">
+            <a:schemeClr val="accent1"/>
+          </a:effectRef>
+          <a:fontRef idx="minor">
+            <a:schemeClr val="tx1"/>
+          </a:fontRef>
+        </p:style>
+      </p:cxnSp>
+      <p:sp>
+        <p:nvSpPr>
+          <p:cNvPr id="23" name="矩形 22">
+            <a:extLst>
+              <a:ext uri="{FF2B5EF4-FFF2-40B4-BE49-F238E27FC236}">
+                <a16:creationId xmlns:a16="http://schemas.microsoft.com/office/drawing/2014/main" id="{2ED2A7DF-AE0E-412C-9E49-F8AC98C9ACF7}"/>
+              </a:ext>
+            </a:extLst>
+          </p:cNvPr>
+          <p:cNvSpPr/>
+          <p:nvPr/>
+        </p:nvSpPr>
+        <p:spPr>
+          <a:xfrm>
+            <a:off x="625310" y="3781811"/>
+            <a:ext cx="3016577" cy="735291"/>
+          </a:xfrm>
+          <a:prstGeom prst="rect">
+            <a:avLst/>
+          </a:prstGeom>
+          <a:solidFill>
+            <a:srgbClr val="FFC000"/>
+          </a:solidFill>
+        </p:spPr>
+        <p:style>
+          <a:lnRef idx="2">
+            <a:schemeClr val="accent1">
+              <a:shade val="50000"/>
+            </a:schemeClr>
+          </a:lnRef>
+          <a:fillRef idx="1">
+            <a:schemeClr val="accent1"/>
+          </a:fillRef>
+          <a:effectRef idx="0">
+            <a:schemeClr val="accent1"/>
+          </a:effectRef>
+          <a:fontRef idx="minor">
+            <a:schemeClr val="lt1"/>
+          </a:fontRef>
+        </p:style>
+        <p:txBody>
+          <a:bodyPr rtlCol="0" anchor="ctr"/>
+          <a:lstStyle/>
+          <a:p>
+            <a:pPr algn="ctr"/>
+            <a:r>
+              <a:rPr lang="en-US" altLang="zh-CN"/>
+              <a:t>strcut binder_buffer </a:t>
+            </a:r>
+            <a:endParaRPr lang="zh-CN" altLang="en-US"/>
+          </a:p>
+        </p:txBody>
+      </p:sp>
+      <p:sp>
+        <p:nvSpPr>
+          <p:cNvPr id="24" name="矩形 23">
+            <a:extLst>
+              <a:ext uri="{FF2B5EF4-FFF2-40B4-BE49-F238E27FC236}">
+                <a16:creationId xmlns:a16="http://schemas.microsoft.com/office/drawing/2014/main" id="{459DEF84-E3A2-4385-BE49-F2FB39C88216}"/>
+              </a:ext>
+            </a:extLst>
+          </p:cNvPr>
+          <p:cNvSpPr/>
+          <p:nvPr/>
+        </p:nvSpPr>
+        <p:spPr>
+          <a:xfrm>
+            <a:off x="3641887" y="3781810"/>
+            <a:ext cx="8235886" cy="735291"/>
+          </a:xfrm>
+          <a:prstGeom prst="rect">
+            <a:avLst/>
+          </a:prstGeom>
+          <a:solidFill>
+            <a:srgbClr val="FFC000"/>
+          </a:solidFill>
+        </p:spPr>
+        <p:style>
+          <a:lnRef idx="2">
+            <a:schemeClr val="accent1">
+              <a:shade val="50000"/>
+            </a:schemeClr>
+          </a:lnRef>
+          <a:fillRef idx="1">
+            <a:schemeClr val="accent1"/>
+          </a:fillRef>
+          <a:effectRef idx="0">
+            <a:schemeClr val="accent1"/>
+          </a:effectRef>
+          <a:fontRef idx="minor">
+            <a:schemeClr val="lt1"/>
+          </a:fontRef>
+        </p:style>
+        <p:txBody>
+          <a:bodyPr rtlCol="0" anchor="ctr"/>
+          <a:lstStyle/>
+          <a:p>
+            <a:pPr algn="ctr"/>
+            <a:endParaRPr lang="zh-CN" altLang="en-US"/>
+          </a:p>
+        </p:txBody>
+      </p:sp>
+      <p:cxnSp>
+        <p:nvCxnSpPr>
+          <p:cNvPr id="26" name="直接连接符 25">
+            <a:extLst>
+              <a:ext uri="{FF2B5EF4-FFF2-40B4-BE49-F238E27FC236}">
+                <a16:creationId xmlns:a16="http://schemas.microsoft.com/office/drawing/2014/main" id="{15EBDF08-D574-40B2-94E4-48AF29CBD31F}"/>
+              </a:ext>
+            </a:extLst>
+          </p:cNvPr>
+          <p:cNvCxnSpPr>
+            <a:cxnSpLocks/>
+          </p:cNvCxnSpPr>
+          <p:nvPr/>
+        </p:nvCxnSpPr>
+        <p:spPr>
+          <a:xfrm flipH="1">
+            <a:off x="658236" y="1866267"/>
+            <a:ext cx="3396860" cy="1847894"/>
+          </a:xfrm>
+          <a:prstGeom prst="line">
+            <a:avLst/>
+          </a:prstGeom>
+        </p:spPr>
+        <p:style>
+          <a:lnRef idx="1">
+            <a:schemeClr val="accent1"/>
+          </a:lnRef>
+          <a:fillRef idx="0">
+            <a:schemeClr val="accent1"/>
+          </a:fillRef>
+          <a:effectRef idx="0">
+            <a:schemeClr val="accent1"/>
+          </a:effectRef>
+          <a:fontRef idx="minor">
+            <a:schemeClr val="tx1"/>
+          </a:fontRef>
+        </p:style>
+      </p:cxnSp>
+      <p:cxnSp>
+        <p:nvCxnSpPr>
+          <p:cNvPr id="27" name="直接连接符 26">
+            <a:extLst>
+              <a:ext uri="{FF2B5EF4-FFF2-40B4-BE49-F238E27FC236}">
+                <a16:creationId xmlns:a16="http://schemas.microsoft.com/office/drawing/2014/main" id="{4D1713FD-FA02-42BE-996D-EA1AC651ED33}"/>
+              </a:ext>
+            </a:extLst>
+          </p:cNvPr>
+          <p:cNvCxnSpPr>
+            <a:cxnSpLocks/>
+          </p:cNvCxnSpPr>
+          <p:nvPr/>
+        </p:nvCxnSpPr>
+        <p:spPr>
+          <a:xfrm>
+            <a:off x="8748074" y="1831422"/>
+            <a:ext cx="3076280" cy="1882739"/>
+          </a:xfrm>
+          <a:prstGeom prst="line">
+            <a:avLst/>
+          </a:prstGeom>
+        </p:spPr>
+        <p:style>
+          <a:lnRef idx="1">
+            <a:schemeClr val="accent1"/>
+          </a:lnRef>
+          <a:fillRef idx="0">
+            <a:schemeClr val="accent1"/>
+          </a:fillRef>
+          <a:effectRef idx="0">
+            <a:schemeClr val="accent1"/>
+          </a:effectRef>
+          <a:fontRef idx="minor">
+            <a:schemeClr val="tx1"/>
+          </a:fontRef>
+        </p:style>
+      </p:cxnSp>
+      <p:sp>
+        <p:nvSpPr>
+          <p:cNvPr id="34" name="矩形 33">
+            <a:extLst>
+              <a:ext uri="{FF2B5EF4-FFF2-40B4-BE49-F238E27FC236}">
+                <a16:creationId xmlns:a16="http://schemas.microsoft.com/office/drawing/2014/main" id="{BF0E1C5C-804F-441A-BCC9-8B5B261FD67E}"/>
+              </a:ext>
+            </a:extLst>
+          </p:cNvPr>
+          <p:cNvSpPr/>
+          <p:nvPr/>
+        </p:nvSpPr>
+        <p:spPr>
+          <a:xfrm>
+            <a:off x="3641886" y="4978773"/>
+            <a:ext cx="2454114" cy="735291"/>
+          </a:xfrm>
+          <a:prstGeom prst="rect">
+            <a:avLst/>
+          </a:prstGeom>
+          <a:solidFill>
+            <a:schemeClr val="accent6">
+              <a:lumMod val="75000"/>
+            </a:schemeClr>
+          </a:solidFill>
+        </p:spPr>
+        <p:style>
+          <a:lnRef idx="2">
+            <a:schemeClr val="accent1">
+              <a:shade val="50000"/>
+            </a:schemeClr>
+          </a:lnRef>
+          <a:fillRef idx="1">
+            <a:schemeClr val="accent1"/>
+          </a:fillRef>
+          <a:effectRef idx="0">
+            <a:schemeClr val="accent1"/>
+          </a:effectRef>
+          <a:fontRef idx="minor">
+            <a:schemeClr val="lt1"/>
+          </a:fontRef>
+        </p:style>
+        <p:txBody>
+          <a:bodyPr rtlCol="0" anchor="ctr"/>
+          <a:lstStyle/>
+          <a:p>
+            <a:pPr algn="ctr"/>
+            <a:endParaRPr lang="zh-CN" altLang="en-US"/>
+          </a:p>
+        </p:txBody>
+      </p:sp>
+      <p:sp>
+        <p:nvSpPr>
+          <p:cNvPr id="35" name="矩形 34">
+            <a:extLst>
+              <a:ext uri="{FF2B5EF4-FFF2-40B4-BE49-F238E27FC236}">
+                <a16:creationId xmlns:a16="http://schemas.microsoft.com/office/drawing/2014/main" id="{3F76B122-957A-4F31-BEDB-E69E287A5F28}"/>
+              </a:ext>
+            </a:extLst>
+          </p:cNvPr>
+          <p:cNvSpPr/>
+          <p:nvPr/>
+        </p:nvSpPr>
+        <p:spPr>
+          <a:xfrm>
+            <a:off x="625309" y="4978773"/>
+            <a:ext cx="3016577" cy="735291"/>
+          </a:xfrm>
+          <a:prstGeom prst="rect">
+            <a:avLst/>
+          </a:prstGeom>
+          <a:solidFill>
+            <a:schemeClr val="accent6">
+              <a:lumMod val="75000"/>
+            </a:schemeClr>
+          </a:solidFill>
+        </p:spPr>
+        <p:style>
+          <a:lnRef idx="2">
+            <a:schemeClr val="accent1">
+              <a:shade val="50000"/>
+            </a:schemeClr>
+          </a:lnRef>
+          <a:fillRef idx="1">
+            <a:schemeClr val="accent1"/>
+          </a:fillRef>
+          <a:effectRef idx="0">
+            <a:schemeClr val="accent1"/>
+          </a:effectRef>
+          <a:fontRef idx="minor">
+            <a:schemeClr val="lt1"/>
+          </a:fontRef>
+        </p:style>
+        <p:txBody>
+          <a:bodyPr rtlCol="0" anchor="ctr"/>
+          <a:lstStyle/>
+          <a:p>
+            <a:pPr algn="ctr"/>
+            <a:r>
+              <a:rPr lang="en-US" altLang="zh-CN"/>
+              <a:t>strcut binder_buffer </a:t>
+            </a:r>
+            <a:endParaRPr lang="zh-CN" altLang="en-US"/>
+          </a:p>
+        </p:txBody>
+      </p:sp>
+      <p:sp>
+        <p:nvSpPr>
+          <p:cNvPr id="36" name="矩形 35">
+            <a:extLst>
+              <a:ext uri="{FF2B5EF4-FFF2-40B4-BE49-F238E27FC236}">
+                <a16:creationId xmlns:a16="http://schemas.microsoft.com/office/drawing/2014/main" id="{171178C8-B619-479D-AF11-92093F80ECA1}"/>
+              </a:ext>
+            </a:extLst>
+          </p:cNvPr>
+          <p:cNvSpPr/>
+          <p:nvPr/>
+        </p:nvSpPr>
+        <p:spPr>
+          <a:xfrm>
+            <a:off x="6096000" y="4978773"/>
+            <a:ext cx="3016577" cy="735291"/>
+          </a:xfrm>
+          <a:prstGeom prst="rect">
+            <a:avLst/>
+          </a:prstGeom>
+          <a:solidFill>
+            <a:schemeClr val="tx2">
+              <a:lumMod val="60000"/>
+              <a:lumOff val="40000"/>
+            </a:schemeClr>
+          </a:solidFill>
+        </p:spPr>
+        <p:style>
+          <a:lnRef idx="2">
+            <a:schemeClr val="accent1">
+              <a:shade val="50000"/>
+            </a:schemeClr>
+          </a:lnRef>
+          <a:fillRef idx="1">
+            <a:schemeClr val="accent1"/>
+          </a:fillRef>
+          <a:effectRef idx="0">
+            <a:schemeClr val="accent1"/>
+          </a:effectRef>
+          <a:fontRef idx="minor">
+            <a:schemeClr val="lt1"/>
+          </a:fontRef>
+        </p:style>
+        <p:txBody>
+          <a:bodyPr rtlCol="0" anchor="ctr"/>
+          <a:lstStyle/>
+          <a:p>
+            <a:pPr algn="ctr"/>
+            <a:r>
+              <a:rPr lang="en-US" altLang="zh-CN"/>
+              <a:t>strcut binder_buffer </a:t>
+            </a:r>
+            <a:endParaRPr lang="zh-CN" altLang="en-US"/>
+          </a:p>
+        </p:txBody>
+      </p:sp>
+      <p:sp>
+        <p:nvSpPr>
+          <p:cNvPr id="37" name="矩形 36">
+            <a:extLst>
+              <a:ext uri="{FF2B5EF4-FFF2-40B4-BE49-F238E27FC236}">
+                <a16:creationId xmlns:a16="http://schemas.microsoft.com/office/drawing/2014/main" id="{DF66F2E1-6601-4BF3-BAE3-054BF36248B8}"/>
+              </a:ext>
+            </a:extLst>
+          </p:cNvPr>
+          <p:cNvSpPr/>
+          <p:nvPr/>
+        </p:nvSpPr>
+        <p:spPr>
+          <a:xfrm>
+            <a:off x="9112577" y="4978773"/>
+            <a:ext cx="2765196" cy="735291"/>
+          </a:xfrm>
+          <a:prstGeom prst="rect">
+            <a:avLst/>
+          </a:prstGeom>
+          <a:solidFill>
+            <a:schemeClr val="tx2">
+              <a:lumMod val="60000"/>
+              <a:lumOff val="40000"/>
+            </a:schemeClr>
+          </a:solidFill>
+        </p:spPr>
+        <p:style>
+          <a:lnRef idx="2">
+            <a:schemeClr val="accent1">
+              <a:shade val="50000"/>
+            </a:schemeClr>
+          </a:lnRef>
+          <a:fillRef idx="1">
+            <a:schemeClr val="accent1"/>
+          </a:fillRef>
+          <a:effectRef idx="0">
+            <a:schemeClr val="accent1"/>
+          </a:effectRef>
+          <a:fontRef idx="minor">
+            <a:schemeClr val="lt1"/>
+          </a:fontRef>
+        </p:style>
+        <p:txBody>
+          <a:bodyPr rtlCol="0" anchor="ctr"/>
+          <a:lstStyle/>
+          <a:p>
+            <a:pPr algn="ctr"/>
+            <a:endParaRPr lang="zh-CN" altLang="en-US"/>
+          </a:p>
+        </p:txBody>
+      </p:sp>
+      <p:sp>
+        <p:nvSpPr>
+          <p:cNvPr id="38" name="左大括号 37">
+            <a:extLst>
+              <a:ext uri="{FF2B5EF4-FFF2-40B4-BE49-F238E27FC236}">
+                <a16:creationId xmlns:a16="http://schemas.microsoft.com/office/drawing/2014/main" id="{843CECFC-299C-4E47-8C6D-12CC3342D50E}"/>
+              </a:ext>
+            </a:extLst>
+          </p:cNvPr>
+          <p:cNvSpPr/>
+          <p:nvPr/>
+        </p:nvSpPr>
+        <p:spPr>
+          <a:xfrm rot="16200000">
+            <a:off x="3192452" y="3285149"/>
+            <a:ext cx="369332" cy="5437764"/>
+          </a:xfrm>
+          <a:prstGeom prst="leftBrace">
+            <a:avLst/>
+          </a:prstGeom>
+        </p:spPr>
+        <p:style>
+          <a:lnRef idx="1">
+            <a:schemeClr val="accent1"/>
+          </a:lnRef>
+          <a:fillRef idx="0">
+            <a:schemeClr val="accent1"/>
+          </a:fillRef>
+          <a:effectRef idx="0">
+            <a:schemeClr val="accent1"/>
+          </a:effectRef>
+          <a:fontRef idx="minor">
+            <a:schemeClr val="tx1"/>
+          </a:fontRef>
+        </p:style>
+        <p:txBody>
+          <a:bodyPr rtlCol="0" anchor="ctr"/>
+          <a:lstStyle/>
+          <a:p>
+            <a:pPr algn="ctr"/>
+            <a:endParaRPr lang="zh-CN" altLang="en-US"/>
+          </a:p>
+        </p:txBody>
+      </p:sp>
+      <p:sp>
+        <p:nvSpPr>
+          <p:cNvPr id="39" name="左大括号 38">
+            <a:extLst>
+              <a:ext uri="{FF2B5EF4-FFF2-40B4-BE49-F238E27FC236}">
+                <a16:creationId xmlns:a16="http://schemas.microsoft.com/office/drawing/2014/main" id="{2D911ADB-30F2-474C-9C8C-DBC2D456EE5F}"/>
+              </a:ext>
+            </a:extLst>
+          </p:cNvPr>
+          <p:cNvSpPr/>
+          <p:nvPr/>
+        </p:nvSpPr>
+        <p:spPr>
+          <a:xfrm rot="16200000">
+            <a:off x="8818684" y="3130786"/>
+            <a:ext cx="369332" cy="5748846"/>
+          </a:xfrm>
+          <a:prstGeom prst="leftBrace">
+            <a:avLst/>
+          </a:prstGeom>
+        </p:spPr>
+        <p:style>
+          <a:lnRef idx="1">
+            <a:schemeClr val="accent1"/>
+          </a:lnRef>
+          <a:fillRef idx="0">
+            <a:schemeClr val="accent1"/>
+          </a:fillRef>
+          <a:effectRef idx="0">
+            <a:schemeClr val="accent1"/>
+          </a:effectRef>
+          <a:fontRef idx="minor">
+            <a:schemeClr val="tx1"/>
+          </a:fontRef>
+        </p:style>
+        <p:txBody>
+          <a:bodyPr rtlCol="0" anchor="ctr"/>
+          <a:lstStyle/>
+          <a:p>
+            <a:pPr algn="ctr"/>
+            <a:endParaRPr lang="zh-CN" altLang="en-US"/>
+          </a:p>
+        </p:txBody>
+      </p:sp>
+      <p:sp>
+        <p:nvSpPr>
+          <p:cNvPr id="40" name="文本框 39">
+            <a:extLst>
+              <a:ext uri="{FF2B5EF4-FFF2-40B4-BE49-F238E27FC236}">
+                <a16:creationId xmlns:a16="http://schemas.microsoft.com/office/drawing/2014/main" id="{E96778DD-330B-4E7B-A45C-F2B7C3ED81A1}"/>
+              </a:ext>
+            </a:extLst>
+          </p:cNvPr>
+          <p:cNvSpPr txBox="1"/>
+          <p:nvPr/>
+        </p:nvSpPr>
+        <p:spPr>
+          <a:xfrm>
+            <a:off x="2754196" y="6188697"/>
+            <a:ext cx="1492716" cy="369332"/>
+          </a:xfrm>
+          <a:prstGeom prst="rect">
+            <a:avLst/>
+          </a:prstGeom>
+          <a:noFill/>
+        </p:spPr>
+        <p:txBody>
+          <a:bodyPr wrap="none" rtlCol="0">
+            <a:spAutoFit/>
+          </a:bodyPr>
+          <a:lstStyle/>
+          <a:p>
+            <a:r>
+              <a:rPr lang="zh-CN" altLang="en-US"/>
+              <a:t>申请的</a:t>
+            </a:r>
+            <a:r>
+              <a:rPr lang="en-US" altLang="zh-CN"/>
+              <a:t>buffer</a:t>
+            </a:r>
+            <a:endParaRPr lang="zh-CN" altLang="en-US"/>
+          </a:p>
+        </p:txBody>
+      </p:sp>
+      <p:sp>
+        <p:nvSpPr>
+          <p:cNvPr id="41" name="文本框 40">
+            <a:extLst>
+              <a:ext uri="{FF2B5EF4-FFF2-40B4-BE49-F238E27FC236}">
+                <a16:creationId xmlns:a16="http://schemas.microsoft.com/office/drawing/2014/main" id="{D5F8DF6B-9609-4463-A573-C1BD6A54FA31}"/>
+              </a:ext>
+            </a:extLst>
+          </p:cNvPr>
+          <p:cNvSpPr txBox="1"/>
+          <p:nvPr/>
+        </p:nvSpPr>
+        <p:spPr>
+          <a:xfrm>
+            <a:off x="6653187" y="6272788"/>
+            <a:ext cx="4469493" cy="369332"/>
+          </a:xfrm>
+          <a:prstGeom prst="rect">
+            <a:avLst/>
+          </a:prstGeom>
+          <a:noFill/>
+        </p:spPr>
+        <p:txBody>
+          <a:bodyPr wrap="none" rtlCol="0">
+            <a:spAutoFit/>
+          </a:bodyPr>
+          <a:lstStyle/>
+          <a:p>
+            <a:r>
+              <a:rPr lang="zh-CN" altLang="en-US"/>
+              <a:t>申请后剩下的空间足以给下一个</a:t>
+            </a:r>
+            <a:r>
+              <a:rPr lang="en-US" altLang="zh-CN"/>
+              <a:t>buffer</a:t>
+            </a:r>
+            <a:r>
+              <a:rPr lang="zh-CN" altLang="en-US"/>
+              <a:t>使用</a:t>
+            </a:r>
+          </a:p>
+        </p:txBody>
+      </p:sp>
+    </p:spTree>
+    <p:extLst>
+      <p:ext uri="{BB962C8B-B14F-4D97-AF65-F5344CB8AC3E}">
+        <p14:creationId xmlns:p14="http://schemas.microsoft.com/office/powerpoint/2010/main" val="2162978484"/>
+      </p:ext>
+    </p:extLst>
+  </p:cSld>
+  <p:clrMapOvr>
+    <a:masterClrMapping/>
+  </p:clrMapOvr>
+</p:sld>
+</file>
+
+<file path=ppt/slides/slide25.xml><?xml version="1.0" encoding="utf-8"?>
+<p:sld xmlns:a="http://schemas.openxmlformats.org/drawingml/2006/main" xmlns:r="http://schemas.openxmlformats.org/officeDocument/2006/relationships" xmlns:p="http://schemas.openxmlformats.org/presentationml/2006/main">
+  <p:cSld>
+    <p:spTree>
+      <p:nvGrpSpPr>
+        <p:cNvPr id="1" name=""/>
+        <p:cNvGrpSpPr/>
+        <p:nvPr/>
+      </p:nvGrpSpPr>
+      <p:grpSpPr>
+        <a:xfrm>
+          <a:off x="0" y="0"/>
+          <a:ext cx="0" cy="0"/>
+          <a:chOff x="0" y="0"/>
+          <a:chExt cx="0" cy="0"/>
+        </a:xfrm>
+      </p:grpSpPr>
+      <p:sp>
+        <p:nvSpPr>
+          <p:cNvPr id="4" name="矩形 3">
+            <a:extLst>
+              <a:ext uri="{FF2B5EF4-FFF2-40B4-BE49-F238E27FC236}">
+                <a16:creationId xmlns:a16="http://schemas.microsoft.com/office/drawing/2014/main" id="{717E1824-20EA-4E2A-87CE-694A636AC490}"/>
+              </a:ext>
+            </a:extLst>
+          </p:cNvPr>
+          <p:cNvSpPr/>
+          <p:nvPr/>
+        </p:nvSpPr>
+        <p:spPr>
+          <a:xfrm>
+            <a:off x="4055096" y="1074712"/>
+            <a:ext cx="2920739" cy="735291"/>
+          </a:xfrm>
+          <a:prstGeom prst="rect">
+            <a:avLst/>
+          </a:prstGeom>
+          <a:solidFill>
+            <a:srgbClr val="FFC000"/>
+          </a:solidFill>
+        </p:spPr>
+        <p:style>
+          <a:lnRef idx="2">
+            <a:schemeClr val="accent1">
+              <a:shade val="50000"/>
+            </a:schemeClr>
+          </a:lnRef>
+          <a:fillRef idx="1">
+            <a:schemeClr val="accent1"/>
+          </a:fillRef>
+          <a:effectRef idx="0">
+            <a:schemeClr val="accent1"/>
+          </a:effectRef>
+          <a:fontRef idx="minor">
+            <a:schemeClr val="lt1"/>
+          </a:fontRef>
+        </p:style>
+        <p:txBody>
+          <a:bodyPr rtlCol="0" anchor="ctr"/>
+          <a:lstStyle/>
+          <a:p>
+            <a:pPr algn="ctr"/>
+            <a:r>
+              <a:rPr lang="en-US" altLang="zh-CN"/>
+              <a:t>strcut binder_buffer </a:t>
+            </a:r>
+            <a:endParaRPr lang="zh-CN" altLang="en-US"/>
+          </a:p>
+        </p:txBody>
+      </p:sp>
+      <p:sp>
+        <p:nvSpPr>
+          <p:cNvPr id="5" name="矩形 4">
+            <a:extLst>
+              <a:ext uri="{FF2B5EF4-FFF2-40B4-BE49-F238E27FC236}">
+                <a16:creationId xmlns:a16="http://schemas.microsoft.com/office/drawing/2014/main" id="{B93A7964-1529-4793-B063-3F4B2C4751D9}"/>
+              </a:ext>
+            </a:extLst>
+          </p:cNvPr>
+          <p:cNvSpPr/>
+          <p:nvPr/>
+        </p:nvSpPr>
+        <p:spPr>
+          <a:xfrm>
+            <a:off x="8748074" y="1074711"/>
+            <a:ext cx="2675641" cy="735291"/>
+          </a:xfrm>
+          <a:prstGeom prst="rect">
+            <a:avLst/>
+          </a:prstGeom>
+          <a:solidFill>
+            <a:srgbClr val="DD8EF2"/>
+          </a:solidFill>
+        </p:spPr>
+        <p:style>
+          <a:lnRef idx="2">
+            <a:schemeClr val="accent1">
+              <a:shade val="50000"/>
+            </a:schemeClr>
+          </a:lnRef>
+          <a:fillRef idx="1">
+            <a:schemeClr val="accent1"/>
+          </a:fillRef>
+          <a:effectRef idx="0">
+            <a:schemeClr val="accent1"/>
+          </a:effectRef>
+          <a:fontRef idx="minor">
+            <a:schemeClr val="lt1"/>
+          </a:fontRef>
+        </p:style>
+        <p:txBody>
+          <a:bodyPr rtlCol="0" anchor="ctr"/>
+          <a:lstStyle/>
+          <a:p>
+            <a:pPr algn="ctr"/>
+            <a:r>
+              <a:rPr lang="en-US" altLang="zh-CN" sz="4400"/>
+              <a:t>…</a:t>
+            </a:r>
+            <a:endParaRPr lang="zh-CN" altLang="en-US" sz="4400"/>
+          </a:p>
+        </p:txBody>
+      </p:sp>
+      <p:sp>
+        <p:nvSpPr>
+          <p:cNvPr id="7" name="矩形 6">
+            <a:extLst>
+              <a:ext uri="{FF2B5EF4-FFF2-40B4-BE49-F238E27FC236}">
+                <a16:creationId xmlns:a16="http://schemas.microsoft.com/office/drawing/2014/main" id="{A4385385-F6B0-4BD0-9C1A-ABC072052F58}"/>
+              </a:ext>
+            </a:extLst>
+          </p:cNvPr>
+          <p:cNvSpPr/>
+          <p:nvPr/>
+        </p:nvSpPr>
+        <p:spPr>
+          <a:xfrm>
+            <a:off x="1038519" y="1074710"/>
+            <a:ext cx="3016577" cy="735291"/>
+          </a:xfrm>
+          <a:prstGeom prst="rect">
+            <a:avLst/>
+          </a:prstGeom>
+          <a:solidFill>
+            <a:srgbClr val="DD8EF2"/>
+          </a:solidFill>
+        </p:spPr>
+        <p:style>
+          <a:lnRef idx="2">
+            <a:schemeClr val="accent1">
+              <a:shade val="50000"/>
+            </a:schemeClr>
+          </a:lnRef>
+          <a:fillRef idx="1">
+            <a:schemeClr val="accent1"/>
+          </a:fillRef>
+          <a:effectRef idx="0">
+            <a:schemeClr val="accent1"/>
+          </a:effectRef>
+          <a:fontRef idx="minor">
+            <a:schemeClr val="lt1"/>
+          </a:fontRef>
+        </p:style>
+        <p:txBody>
+          <a:bodyPr rtlCol="0" anchor="ctr"/>
+          <a:lstStyle/>
+          <a:p>
+            <a:pPr algn="ctr"/>
+            <a:endParaRPr lang="zh-CN" altLang="en-US"/>
+          </a:p>
+        </p:txBody>
+      </p:sp>
+      <p:sp>
+        <p:nvSpPr>
+          <p:cNvPr id="8" name="文本框 7">
+            <a:extLst>
+              <a:ext uri="{FF2B5EF4-FFF2-40B4-BE49-F238E27FC236}">
+                <a16:creationId xmlns:a16="http://schemas.microsoft.com/office/drawing/2014/main" id="{9AF59025-3CCF-489C-8922-58445C7EF2BE}"/>
+              </a:ext>
+            </a:extLst>
+          </p:cNvPr>
+          <p:cNvSpPr txBox="1"/>
+          <p:nvPr/>
+        </p:nvSpPr>
+        <p:spPr>
+          <a:xfrm>
+            <a:off x="367646" y="2369339"/>
+            <a:ext cx="1494320" cy="369332"/>
+          </a:xfrm>
+          <a:prstGeom prst="rect">
+            <a:avLst/>
+          </a:prstGeom>
+          <a:noFill/>
+        </p:spPr>
+        <p:txBody>
+          <a:bodyPr wrap="none" rtlCol="0">
+            <a:spAutoFit/>
+          </a:bodyPr>
+          <a:lstStyle/>
+          <a:p>
+            <a:r>
+              <a:rPr lang="en-US" altLang="zh-CN"/>
+              <a:t>proc-&gt;buffer</a:t>
+            </a:r>
+            <a:endParaRPr lang="zh-CN" altLang="en-US"/>
+          </a:p>
+        </p:txBody>
+      </p:sp>
+      <p:cxnSp>
+        <p:nvCxnSpPr>
+          <p:cNvPr id="10" name="直接箭头连接符 9">
+            <a:extLst>
+              <a:ext uri="{FF2B5EF4-FFF2-40B4-BE49-F238E27FC236}">
+                <a16:creationId xmlns:a16="http://schemas.microsoft.com/office/drawing/2014/main" id="{4F0FB0D3-2444-4918-8BF1-4A986819D43C}"/>
+              </a:ext>
+            </a:extLst>
+          </p:cNvPr>
+          <p:cNvCxnSpPr>
+            <a:cxnSpLocks/>
+          </p:cNvCxnSpPr>
+          <p:nvPr/>
+        </p:nvCxnSpPr>
+        <p:spPr>
+          <a:xfrm flipV="1">
+            <a:off x="1038519" y="1899663"/>
+            <a:ext cx="0" cy="381624"/>
+          </a:xfrm>
+          <a:prstGeom prst="straightConnector1">
+            <a:avLst/>
+          </a:prstGeom>
+          <a:ln>
+            <a:tailEnd type="triangle"/>
+          </a:ln>
+        </p:spPr>
+        <p:style>
+          <a:lnRef idx="1">
+            <a:schemeClr val="accent1"/>
+          </a:lnRef>
+          <a:fillRef idx="0">
+            <a:schemeClr val="accent1"/>
+          </a:fillRef>
+          <a:effectRef idx="0">
+            <a:schemeClr val="accent1"/>
+          </a:effectRef>
+          <a:fontRef idx="minor">
+            <a:schemeClr val="tx1"/>
+          </a:fontRef>
+        </p:style>
+      </p:cxnSp>
+      <p:cxnSp>
+        <p:nvCxnSpPr>
+          <p:cNvPr id="13" name="直接箭头连接符 12">
+            <a:extLst>
+              <a:ext uri="{FF2B5EF4-FFF2-40B4-BE49-F238E27FC236}">
+                <a16:creationId xmlns:a16="http://schemas.microsoft.com/office/drawing/2014/main" id="{3EEF50F6-8295-46DB-B6D8-C9485EC22654}"/>
+              </a:ext>
+            </a:extLst>
+          </p:cNvPr>
+          <p:cNvCxnSpPr>
+            <a:cxnSpLocks/>
+          </p:cNvCxnSpPr>
+          <p:nvPr/>
+        </p:nvCxnSpPr>
+        <p:spPr>
+          <a:xfrm>
+            <a:off x="1038519" y="207390"/>
+            <a:ext cx="0" cy="751163"/>
+          </a:xfrm>
+          <a:prstGeom prst="straightConnector1">
+            <a:avLst/>
+          </a:prstGeom>
+          <a:ln>
+            <a:tailEnd type="triangle"/>
+          </a:ln>
+        </p:spPr>
+        <p:style>
+          <a:lnRef idx="1">
+            <a:schemeClr val="accent1"/>
+          </a:lnRef>
+          <a:fillRef idx="0">
+            <a:schemeClr val="accent1"/>
+          </a:fillRef>
+          <a:effectRef idx="0">
+            <a:schemeClr val="accent1"/>
+          </a:effectRef>
+          <a:fontRef idx="minor">
+            <a:schemeClr val="tx1"/>
+          </a:fontRef>
+        </p:style>
+      </p:cxnSp>
+      <p:cxnSp>
+        <p:nvCxnSpPr>
+          <p:cNvPr id="16" name="直接箭头连接符 15">
+            <a:extLst>
+              <a:ext uri="{FF2B5EF4-FFF2-40B4-BE49-F238E27FC236}">
+                <a16:creationId xmlns:a16="http://schemas.microsoft.com/office/drawing/2014/main" id="{3AE7435F-9673-42ED-A020-1C481539521D}"/>
+              </a:ext>
+            </a:extLst>
+          </p:cNvPr>
+          <p:cNvCxnSpPr>
+            <a:cxnSpLocks/>
+          </p:cNvCxnSpPr>
+          <p:nvPr/>
+        </p:nvCxnSpPr>
+        <p:spPr>
+          <a:xfrm>
+            <a:off x="11423715" y="207390"/>
+            <a:ext cx="0" cy="751163"/>
+          </a:xfrm>
+          <a:prstGeom prst="straightConnector1">
+            <a:avLst/>
+          </a:prstGeom>
+          <a:ln>
+            <a:tailEnd type="triangle"/>
+          </a:ln>
+        </p:spPr>
+        <p:style>
+          <a:lnRef idx="1">
+            <a:schemeClr val="accent1"/>
+          </a:lnRef>
+          <a:fillRef idx="0">
+            <a:schemeClr val="accent1"/>
+          </a:fillRef>
+          <a:effectRef idx="0">
+            <a:schemeClr val="accent1"/>
+          </a:effectRef>
+          <a:fontRef idx="minor">
+            <a:schemeClr val="tx1"/>
+          </a:fontRef>
+        </p:style>
+      </p:cxnSp>
+      <p:cxnSp>
+        <p:nvCxnSpPr>
+          <p:cNvPr id="18" name="直接箭头连接符 17">
+            <a:extLst>
+              <a:ext uri="{FF2B5EF4-FFF2-40B4-BE49-F238E27FC236}">
+                <a16:creationId xmlns:a16="http://schemas.microsoft.com/office/drawing/2014/main" id="{6B080C53-493D-4BCE-8D34-C07FD8651225}"/>
+              </a:ext>
+            </a:extLst>
+          </p:cNvPr>
+          <p:cNvCxnSpPr/>
+          <p:nvPr/>
+        </p:nvCxnSpPr>
+        <p:spPr>
+          <a:xfrm>
+            <a:off x="1038519" y="669303"/>
+            <a:ext cx="10385196" cy="0"/>
+          </a:xfrm>
+          <a:prstGeom prst="straightConnector1">
+            <a:avLst/>
+          </a:prstGeom>
+          <a:ln>
+            <a:headEnd type="triangle"/>
+            <a:tailEnd type="triangle"/>
+          </a:ln>
+        </p:spPr>
+        <p:style>
+          <a:lnRef idx="1">
+            <a:schemeClr val="accent1"/>
+          </a:lnRef>
+          <a:fillRef idx="0">
+            <a:schemeClr val="accent1"/>
+          </a:fillRef>
+          <a:effectRef idx="0">
+            <a:schemeClr val="accent1"/>
+          </a:effectRef>
+          <a:fontRef idx="minor">
+            <a:schemeClr val="tx1"/>
+          </a:fontRef>
+        </p:style>
+      </p:cxnSp>
+      <p:sp>
+        <p:nvSpPr>
+          <p:cNvPr id="19" name="文本框 18">
+            <a:extLst>
+              <a:ext uri="{FF2B5EF4-FFF2-40B4-BE49-F238E27FC236}">
+                <a16:creationId xmlns:a16="http://schemas.microsoft.com/office/drawing/2014/main" id="{700D572F-5FE5-48AB-814A-D90D2E1A4220}"/>
+              </a:ext>
+            </a:extLst>
+          </p:cNvPr>
+          <p:cNvSpPr txBox="1"/>
+          <p:nvPr/>
+        </p:nvSpPr>
+        <p:spPr>
+          <a:xfrm>
+            <a:off x="5250720" y="130321"/>
+            <a:ext cx="1960793" cy="369332"/>
+          </a:xfrm>
+          <a:prstGeom prst="rect">
+            <a:avLst/>
+          </a:prstGeom>
+          <a:noFill/>
+        </p:spPr>
+        <p:txBody>
+          <a:bodyPr wrap="none" rtlCol="0">
+            <a:spAutoFit/>
+          </a:bodyPr>
+          <a:lstStyle/>
+          <a:p>
+            <a:r>
+              <a:rPr lang="en-US" altLang="zh-CN"/>
+              <a:t>proc-&gt;buffer_size</a:t>
+            </a:r>
+            <a:endParaRPr lang="zh-CN" altLang="en-US"/>
+          </a:p>
+        </p:txBody>
+      </p:sp>
+      <p:sp>
+        <p:nvSpPr>
+          <p:cNvPr id="20" name="矩形 19">
+            <a:extLst>
+              <a:ext uri="{FF2B5EF4-FFF2-40B4-BE49-F238E27FC236}">
+                <a16:creationId xmlns:a16="http://schemas.microsoft.com/office/drawing/2014/main" id="{C84C0612-B8BB-4362-8624-89D08BD22445}"/>
+              </a:ext>
+            </a:extLst>
+          </p:cNvPr>
+          <p:cNvSpPr/>
+          <p:nvPr/>
+        </p:nvSpPr>
+        <p:spPr>
+          <a:xfrm>
+            <a:off x="6958551" y="1074710"/>
+            <a:ext cx="1789523" cy="735291"/>
+          </a:xfrm>
+          <a:prstGeom prst="rect">
+            <a:avLst/>
+          </a:prstGeom>
+          <a:solidFill>
+            <a:srgbClr val="FFC000"/>
+          </a:solidFill>
+        </p:spPr>
+        <p:style>
+          <a:lnRef idx="2">
+            <a:schemeClr val="accent1">
+              <a:shade val="50000"/>
+            </a:schemeClr>
+          </a:lnRef>
+          <a:fillRef idx="1">
+            <a:schemeClr val="accent1"/>
+          </a:fillRef>
+          <a:effectRef idx="0">
+            <a:schemeClr val="accent1"/>
+          </a:effectRef>
+          <a:fontRef idx="minor">
+            <a:schemeClr val="lt1"/>
+          </a:fontRef>
+        </p:style>
+        <p:txBody>
+          <a:bodyPr rtlCol="0" anchor="ctr"/>
+          <a:lstStyle/>
+          <a:p>
+            <a:pPr algn="ctr"/>
+            <a:endParaRPr lang="zh-CN" altLang="en-US"/>
+          </a:p>
+        </p:txBody>
+      </p:sp>
+      <p:sp>
+        <p:nvSpPr>
+          <p:cNvPr id="21" name="文本框 20">
+            <a:extLst>
+              <a:ext uri="{FF2B5EF4-FFF2-40B4-BE49-F238E27FC236}">
+                <a16:creationId xmlns:a16="http://schemas.microsoft.com/office/drawing/2014/main" id="{2A7AE249-5EA2-4D2F-90F7-E7F211792817}"/>
+              </a:ext>
+            </a:extLst>
+          </p:cNvPr>
+          <p:cNvSpPr txBox="1"/>
+          <p:nvPr/>
+        </p:nvSpPr>
+        <p:spPr>
+          <a:xfrm>
+            <a:off x="6191354" y="2215515"/>
+            <a:ext cx="1534394" cy="369332"/>
+          </a:xfrm>
+          <a:prstGeom prst="rect">
+            <a:avLst/>
+          </a:prstGeom>
+          <a:noFill/>
+        </p:spPr>
+        <p:txBody>
+          <a:bodyPr wrap="none" rtlCol="0">
+            <a:spAutoFit/>
+          </a:bodyPr>
+          <a:lstStyle/>
+          <a:p>
+            <a:r>
+              <a:rPr lang="en-US" altLang="zh-CN"/>
+              <a:t>buffer-&gt;data</a:t>
+            </a:r>
+            <a:endParaRPr lang="zh-CN" altLang="en-US"/>
+          </a:p>
+        </p:txBody>
+      </p:sp>
+      <p:cxnSp>
+        <p:nvCxnSpPr>
+          <p:cNvPr id="22" name="直接箭头连接符 21">
+            <a:extLst>
+              <a:ext uri="{FF2B5EF4-FFF2-40B4-BE49-F238E27FC236}">
+                <a16:creationId xmlns:a16="http://schemas.microsoft.com/office/drawing/2014/main" id="{09C7E026-0806-46C4-80A4-3C2FBCB2A299}"/>
+              </a:ext>
+            </a:extLst>
+          </p:cNvPr>
+          <p:cNvCxnSpPr>
+            <a:cxnSpLocks/>
+          </p:cNvCxnSpPr>
+          <p:nvPr/>
+        </p:nvCxnSpPr>
+        <p:spPr>
+          <a:xfrm flipV="1">
+            <a:off x="6958551" y="1899663"/>
+            <a:ext cx="0" cy="381624"/>
+          </a:xfrm>
+          <a:prstGeom prst="straightConnector1">
+            <a:avLst/>
+          </a:prstGeom>
+          <a:ln>
+            <a:tailEnd type="triangle"/>
+          </a:ln>
+        </p:spPr>
+        <p:style>
+          <a:lnRef idx="1">
+            <a:schemeClr val="accent1"/>
+          </a:lnRef>
+          <a:fillRef idx="0">
+            <a:schemeClr val="accent1"/>
+          </a:fillRef>
+          <a:effectRef idx="0">
+            <a:schemeClr val="accent1"/>
+          </a:effectRef>
+          <a:fontRef idx="minor">
+            <a:schemeClr val="tx1"/>
+          </a:fontRef>
+        </p:style>
+      </p:cxnSp>
+      <p:sp>
+        <p:nvSpPr>
+          <p:cNvPr id="23" name="矩形 22">
+            <a:extLst>
+              <a:ext uri="{FF2B5EF4-FFF2-40B4-BE49-F238E27FC236}">
+                <a16:creationId xmlns:a16="http://schemas.microsoft.com/office/drawing/2014/main" id="{2ED2A7DF-AE0E-412C-9E49-F8AC98C9ACF7}"/>
+              </a:ext>
+            </a:extLst>
+          </p:cNvPr>
+          <p:cNvSpPr/>
+          <p:nvPr/>
+        </p:nvSpPr>
+        <p:spPr>
+          <a:xfrm>
+            <a:off x="625310" y="3781811"/>
+            <a:ext cx="3016577" cy="735291"/>
+          </a:xfrm>
+          <a:prstGeom prst="rect">
+            <a:avLst/>
+          </a:prstGeom>
+          <a:solidFill>
+            <a:srgbClr val="FFC000"/>
+          </a:solidFill>
+        </p:spPr>
+        <p:style>
+          <a:lnRef idx="2">
+            <a:schemeClr val="accent1">
+              <a:shade val="50000"/>
+            </a:schemeClr>
+          </a:lnRef>
+          <a:fillRef idx="1">
+            <a:schemeClr val="accent1"/>
+          </a:fillRef>
+          <a:effectRef idx="0">
+            <a:schemeClr val="accent1"/>
+          </a:effectRef>
+          <a:fontRef idx="minor">
+            <a:schemeClr val="lt1"/>
+          </a:fontRef>
+        </p:style>
+        <p:txBody>
+          <a:bodyPr rtlCol="0" anchor="ctr"/>
+          <a:lstStyle/>
+          <a:p>
+            <a:pPr algn="ctr"/>
+            <a:r>
+              <a:rPr lang="en-US" altLang="zh-CN"/>
+              <a:t>strcut binder_buffer </a:t>
+            </a:r>
+            <a:endParaRPr lang="zh-CN" altLang="en-US"/>
+          </a:p>
+        </p:txBody>
+      </p:sp>
+      <p:sp>
+        <p:nvSpPr>
+          <p:cNvPr id="24" name="矩形 23">
+            <a:extLst>
+              <a:ext uri="{FF2B5EF4-FFF2-40B4-BE49-F238E27FC236}">
+                <a16:creationId xmlns:a16="http://schemas.microsoft.com/office/drawing/2014/main" id="{459DEF84-E3A2-4385-BE49-F2FB39C88216}"/>
+              </a:ext>
+            </a:extLst>
+          </p:cNvPr>
+          <p:cNvSpPr/>
+          <p:nvPr/>
+        </p:nvSpPr>
+        <p:spPr>
+          <a:xfrm>
+            <a:off x="3641887" y="3781810"/>
+            <a:ext cx="8235886" cy="735291"/>
+          </a:xfrm>
+          <a:prstGeom prst="rect">
+            <a:avLst/>
+          </a:prstGeom>
+          <a:solidFill>
+            <a:srgbClr val="FFC000"/>
+          </a:solidFill>
+        </p:spPr>
+        <p:style>
+          <a:lnRef idx="2">
+            <a:schemeClr val="accent1">
+              <a:shade val="50000"/>
+            </a:schemeClr>
+          </a:lnRef>
+          <a:fillRef idx="1">
+            <a:schemeClr val="accent1"/>
+          </a:fillRef>
+          <a:effectRef idx="0">
+            <a:schemeClr val="accent1"/>
+          </a:effectRef>
+          <a:fontRef idx="minor">
+            <a:schemeClr val="lt1"/>
+          </a:fontRef>
+        </p:style>
+        <p:txBody>
+          <a:bodyPr rtlCol="0" anchor="ctr"/>
+          <a:lstStyle/>
+          <a:p>
+            <a:pPr algn="ctr"/>
+            <a:endParaRPr lang="zh-CN" altLang="en-US"/>
+          </a:p>
+        </p:txBody>
+      </p:sp>
+      <p:cxnSp>
+        <p:nvCxnSpPr>
+          <p:cNvPr id="26" name="直接连接符 25">
+            <a:extLst>
+              <a:ext uri="{FF2B5EF4-FFF2-40B4-BE49-F238E27FC236}">
+                <a16:creationId xmlns:a16="http://schemas.microsoft.com/office/drawing/2014/main" id="{15EBDF08-D574-40B2-94E4-48AF29CBD31F}"/>
+              </a:ext>
+            </a:extLst>
+          </p:cNvPr>
+          <p:cNvCxnSpPr>
+            <a:cxnSpLocks/>
+          </p:cNvCxnSpPr>
+          <p:nvPr/>
+        </p:nvCxnSpPr>
+        <p:spPr>
+          <a:xfrm flipH="1">
+            <a:off x="658236" y="1866267"/>
+            <a:ext cx="3396860" cy="1847894"/>
+          </a:xfrm>
+          <a:prstGeom prst="line">
+            <a:avLst/>
+          </a:prstGeom>
+        </p:spPr>
+        <p:style>
+          <a:lnRef idx="1">
+            <a:schemeClr val="accent1"/>
+          </a:lnRef>
+          <a:fillRef idx="0">
+            <a:schemeClr val="accent1"/>
+          </a:fillRef>
+          <a:effectRef idx="0">
+            <a:schemeClr val="accent1"/>
+          </a:effectRef>
+          <a:fontRef idx="minor">
+            <a:schemeClr val="tx1"/>
+          </a:fontRef>
+        </p:style>
+      </p:cxnSp>
+      <p:cxnSp>
+        <p:nvCxnSpPr>
+          <p:cNvPr id="27" name="直接连接符 26">
+            <a:extLst>
+              <a:ext uri="{FF2B5EF4-FFF2-40B4-BE49-F238E27FC236}">
+                <a16:creationId xmlns:a16="http://schemas.microsoft.com/office/drawing/2014/main" id="{4D1713FD-FA02-42BE-996D-EA1AC651ED33}"/>
+              </a:ext>
+            </a:extLst>
+          </p:cNvPr>
+          <p:cNvCxnSpPr>
+            <a:cxnSpLocks/>
+          </p:cNvCxnSpPr>
+          <p:nvPr/>
+        </p:nvCxnSpPr>
+        <p:spPr>
+          <a:xfrm>
+            <a:off x="8748074" y="1831422"/>
+            <a:ext cx="3076280" cy="1882739"/>
+          </a:xfrm>
+          <a:prstGeom prst="line">
+            <a:avLst/>
+          </a:prstGeom>
+        </p:spPr>
+        <p:style>
+          <a:lnRef idx="1">
+            <a:schemeClr val="accent1"/>
+          </a:lnRef>
+          <a:fillRef idx="0">
+            <a:schemeClr val="accent1"/>
+          </a:fillRef>
+          <a:effectRef idx="0">
+            <a:schemeClr val="accent1"/>
+          </a:effectRef>
+          <a:fontRef idx="minor">
+            <a:schemeClr val="tx1"/>
+          </a:fontRef>
+        </p:style>
+      </p:cxnSp>
+      <p:sp>
+        <p:nvSpPr>
+          <p:cNvPr id="34" name="矩形 33">
+            <a:extLst>
+              <a:ext uri="{FF2B5EF4-FFF2-40B4-BE49-F238E27FC236}">
+                <a16:creationId xmlns:a16="http://schemas.microsoft.com/office/drawing/2014/main" id="{BF0E1C5C-804F-441A-BCC9-8B5B261FD67E}"/>
+              </a:ext>
+            </a:extLst>
+          </p:cNvPr>
+          <p:cNvSpPr/>
+          <p:nvPr/>
+        </p:nvSpPr>
+        <p:spPr>
+          <a:xfrm>
+            <a:off x="3641885" y="4978773"/>
+            <a:ext cx="7557157" cy="735291"/>
+          </a:xfrm>
+          <a:prstGeom prst="rect">
+            <a:avLst/>
+          </a:prstGeom>
+          <a:solidFill>
+            <a:schemeClr val="accent6">
+              <a:lumMod val="75000"/>
+            </a:schemeClr>
+          </a:solidFill>
+        </p:spPr>
+        <p:style>
+          <a:lnRef idx="2">
+            <a:schemeClr val="accent1">
+              <a:shade val="50000"/>
+            </a:schemeClr>
+          </a:lnRef>
+          <a:fillRef idx="1">
+            <a:schemeClr val="accent1"/>
+          </a:fillRef>
+          <a:effectRef idx="0">
+            <a:schemeClr val="accent1"/>
+          </a:effectRef>
+          <a:fontRef idx="minor">
+            <a:schemeClr val="lt1"/>
+          </a:fontRef>
+        </p:style>
+        <p:txBody>
+          <a:bodyPr rtlCol="0" anchor="ctr"/>
+          <a:lstStyle/>
+          <a:p>
+            <a:pPr algn="ctr"/>
+            <a:endParaRPr lang="zh-CN" altLang="en-US"/>
+          </a:p>
+        </p:txBody>
+      </p:sp>
+      <p:sp>
+        <p:nvSpPr>
+          <p:cNvPr id="35" name="矩形 34">
+            <a:extLst>
+              <a:ext uri="{FF2B5EF4-FFF2-40B4-BE49-F238E27FC236}">
+                <a16:creationId xmlns:a16="http://schemas.microsoft.com/office/drawing/2014/main" id="{3F76B122-957A-4F31-BEDB-E69E287A5F28}"/>
+              </a:ext>
+            </a:extLst>
+          </p:cNvPr>
+          <p:cNvSpPr/>
+          <p:nvPr/>
+        </p:nvSpPr>
+        <p:spPr>
+          <a:xfrm>
+            <a:off x="625309" y="4978773"/>
+            <a:ext cx="3016577" cy="735291"/>
+          </a:xfrm>
+          <a:prstGeom prst="rect">
+            <a:avLst/>
+          </a:prstGeom>
+          <a:solidFill>
+            <a:schemeClr val="accent6">
+              <a:lumMod val="75000"/>
+            </a:schemeClr>
+          </a:solidFill>
+        </p:spPr>
+        <p:style>
+          <a:lnRef idx="2">
+            <a:schemeClr val="accent1">
+              <a:shade val="50000"/>
+            </a:schemeClr>
+          </a:lnRef>
+          <a:fillRef idx="1">
+            <a:schemeClr val="accent1"/>
+          </a:fillRef>
+          <a:effectRef idx="0">
+            <a:schemeClr val="accent1"/>
+          </a:effectRef>
+          <a:fontRef idx="minor">
+            <a:schemeClr val="lt1"/>
+          </a:fontRef>
+        </p:style>
+        <p:txBody>
+          <a:bodyPr rtlCol="0" anchor="ctr"/>
+          <a:lstStyle/>
+          <a:p>
+            <a:pPr algn="ctr"/>
+            <a:r>
+              <a:rPr lang="en-US" altLang="zh-CN"/>
+              <a:t>strcut binder_buffer </a:t>
+            </a:r>
+            <a:endParaRPr lang="zh-CN" altLang="en-US"/>
+          </a:p>
+        </p:txBody>
+      </p:sp>
+      <p:sp>
+        <p:nvSpPr>
+          <p:cNvPr id="38" name="左大括号 37">
+            <a:extLst>
+              <a:ext uri="{FF2B5EF4-FFF2-40B4-BE49-F238E27FC236}">
+                <a16:creationId xmlns:a16="http://schemas.microsoft.com/office/drawing/2014/main" id="{843CECFC-299C-4E47-8C6D-12CC3342D50E}"/>
+              </a:ext>
+            </a:extLst>
+          </p:cNvPr>
+          <p:cNvSpPr/>
+          <p:nvPr/>
+        </p:nvSpPr>
+        <p:spPr>
+          <a:xfrm rot="16200000">
+            <a:off x="5743973" y="733628"/>
+            <a:ext cx="369332" cy="10540806"/>
+          </a:xfrm>
+          <a:prstGeom prst="leftBrace">
+            <a:avLst/>
+          </a:prstGeom>
+        </p:spPr>
+        <p:style>
+          <a:lnRef idx="1">
+            <a:schemeClr val="accent1"/>
+          </a:lnRef>
+          <a:fillRef idx="0">
+            <a:schemeClr val="accent1"/>
+          </a:fillRef>
+          <a:effectRef idx="0">
+            <a:schemeClr val="accent1"/>
+          </a:effectRef>
+          <a:fontRef idx="minor">
+            <a:schemeClr val="tx1"/>
+          </a:fontRef>
+        </p:style>
+        <p:txBody>
+          <a:bodyPr rtlCol="0" anchor="ctr"/>
+          <a:lstStyle/>
+          <a:p>
+            <a:pPr algn="ctr"/>
+            <a:endParaRPr lang="zh-CN" altLang="en-US"/>
+          </a:p>
+        </p:txBody>
+      </p:sp>
+      <p:sp>
+        <p:nvSpPr>
+          <p:cNvPr id="40" name="文本框 39">
+            <a:extLst>
+              <a:ext uri="{FF2B5EF4-FFF2-40B4-BE49-F238E27FC236}">
+                <a16:creationId xmlns:a16="http://schemas.microsoft.com/office/drawing/2014/main" id="{E96778DD-330B-4E7B-A45C-F2B7C3ED81A1}"/>
+              </a:ext>
+            </a:extLst>
+          </p:cNvPr>
+          <p:cNvSpPr txBox="1"/>
+          <p:nvPr/>
+        </p:nvSpPr>
+        <p:spPr>
+          <a:xfrm>
+            <a:off x="5182280" y="6270429"/>
+            <a:ext cx="1492716" cy="369332"/>
+          </a:xfrm>
+          <a:prstGeom prst="rect">
+            <a:avLst/>
+          </a:prstGeom>
+          <a:noFill/>
+        </p:spPr>
+        <p:txBody>
+          <a:bodyPr wrap="none" rtlCol="0">
+            <a:spAutoFit/>
+          </a:bodyPr>
+          <a:lstStyle/>
+          <a:p>
+            <a:r>
+              <a:rPr lang="zh-CN" altLang="en-US"/>
+              <a:t>申请的</a:t>
+            </a:r>
+            <a:r>
+              <a:rPr lang="en-US" altLang="zh-CN"/>
+              <a:t>buffer</a:t>
+            </a:r>
+            <a:endParaRPr lang="zh-CN" altLang="en-US"/>
+          </a:p>
+        </p:txBody>
+      </p:sp>
+    </p:spTree>
+    <p:extLst>
+      <p:ext uri="{BB962C8B-B14F-4D97-AF65-F5344CB8AC3E}">
+        <p14:creationId xmlns:p14="http://schemas.microsoft.com/office/powerpoint/2010/main" val="3160015784"/>
       </p:ext>
     </p:extLst>
   </p:cSld>

--- a/android/binder/binder.pptx
+++ b/android/binder/binder.pptx
@@ -4,6 +4,9 @@
   <p:sldMasterIdLst>
     <p:sldMasterId id="2147483648" r:id="rId1"/>
   </p:sldMasterIdLst>
+  <p:notesMasterIdLst>
+    <p:notesMasterId r:id="rId29"/>
+  </p:notesMasterIdLst>
   <p:sldIdLst>
     <p:sldId id="256" r:id="rId2"/>
     <p:sldId id="257" r:id="rId3"/>
@@ -30,6 +33,8 @@
     <p:sldId id="284" r:id="rId24"/>
     <p:sldId id="285" r:id="rId25"/>
     <p:sldId id="286" r:id="rId26"/>
+    <p:sldId id="287" r:id="rId27"/>
+    <p:sldId id="288" r:id="rId28"/>
   </p:sldIdLst>
   <p:sldSz cx="12192000" cy="6858000"/>
   <p:notesSz cx="6858000" cy="9144000"/>
@@ -136,6 +141,355 @@
 </p:presentation>
 </file>
 
+<file path=ppt/notesMasters/notesMaster1.xml><?xml version="1.0" encoding="utf-8"?>
+<p:notesMaster xmlns:a="http://schemas.openxmlformats.org/drawingml/2006/main" xmlns:r="http://schemas.openxmlformats.org/officeDocument/2006/relationships" xmlns:p="http://schemas.openxmlformats.org/presentationml/2006/main">
+  <p:cSld>
+    <p:bg>
+      <p:bgRef idx="1001">
+        <a:schemeClr val="bg1"/>
+      </p:bgRef>
+    </p:bg>
+    <p:spTree>
+      <p:nvGrpSpPr>
+        <p:cNvPr id="1" name=""/>
+        <p:cNvGrpSpPr/>
+        <p:nvPr/>
+      </p:nvGrpSpPr>
+      <p:grpSpPr>
+        <a:xfrm>
+          <a:off x="0" y="0"/>
+          <a:ext cx="0" cy="0"/>
+          <a:chOff x="0" y="0"/>
+          <a:chExt cx="0" cy="0"/>
+        </a:xfrm>
+      </p:grpSpPr>
+      <p:sp>
+        <p:nvSpPr>
+          <p:cNvPr id="2" name="页眉占位符 1"/>
+          <p:cNvSpPr>
+            <a:spLocks noGrp="1"/>
+          </p:cNvSpPr>
+          <p:nvPr>
+            <p:ph type="hdr" sz="quarter"/>
+          </p:nvPr>
+        </p:nvSpPr>
+        <p:spPr>
+          <a:xfrm>
+            <a:off x="0" y="0"/>
+            <a:ext cx="2971800" cy="458788"/>
+          </a:xfrm>
+          <a:prstGeom prst="rect">
+            <a:avLst/>
+          </a:prstGeom>
+        </p:spPr>
+        <p:txBody>
+          <a:bodyPr vert="horz" lIns="91440" tIns="45720" rIns="91440" bIns="45720" rtlCol="0"/>
+          <a:lstStyle>
+            <a:lvl1pPr algn="l">
+              <a:defRPr sz="1200"/>
+            </a:lvl1pPr>
+          </a:lstStyle>
+          <a:p>
+            <a:endParaRPr lang="zh-CN" altLang="en-US"/>
+          </a:p>
+        </p:txBody>
+      </p:sp>
+      <p:sp>
+        <p:nvSpPr>
+          <p:cNvPr id="3" name="日期占位符 2"/>
+          <p:cNvSpPr>
+            <a:spLocks noGrp="1"/>
+          </p:cNvSpPr>
+          <p:nvPr>
+            <p:ph type="dt" idx="1"/>
+          </p:nvPr>
+        </p:nvSpPr>
+        <p:spPr>
+          <a:xfrm>
+            <a:off x="3884613" y="0"/>
+            <a:ext cx="2971800" cy="458788"/>
+          </a:xfrm>
+          <a:prstGeom prst="rect">
+            <a:avLst/>
+          </a:prstGeom>
+        </p:spPr>
+        <p:txBody>
+          <a:bodyPr vert="horz" lIns="91440" tIns="45720" rIns="91440" bIns="45720" rtlCol="0"/>
+          <a:lstStyle>
+            <a:lvl1pPr algn="r">
+              <a:defRPr sz="1200"/>
+            </a:lvl1pPr>
+          </a:lstStyle>
+          <a:p>
+            <a:fld id="{A160B35D-958B-4D33-9D4A-C1889324031F}" type="datetimeFigureOut">
+              <a:rPr lang="zh-CN" altLang="en-US" smtClean="0"/>
+              <a:t>2022/4/25</a:t>
+            </a:fld>
+            <a:endParaRPr lang="zh-CN" altLang="en-US"/>
+          </a:p>
+        </p:txBody>
+      </p:sp>
+      <p:sp>
+        <p:nvSpPr>
+          <p:cNvPr id="4" name="幻灯片图像占位符 3"/>
+          <p:cNvSpPr>
+            <a:spLocks noGrp="1" noRot="1" noChangeAspect="1"/>
+          </p:cNvSpPr>
+          <p:nvPr>
+            <p:ph type="sldImg" idx="2"/>
+          </p:nvPr>
+        </p:nvSpPr>
+        <p:spPr>
+          <a:xfrm>
+            <a:off x="685800" y="1143000"/>
+            <a:ext cx="5486400" cy="3086100"/>
+          </a:xfrm>
+          <a:prstGeom prst="rect">
+            <a:avLst/>
+          </a:prstGeom>
+          <a:noFill/>
+          <a:ln w="12700">
+            <a:solidFill>
+              <a:prstClr val="black"/>
+            </a:solidFill>
+          </a:ln>
+        </p:spPr>
+        <p:txBody>
+          <a:bodyPr vert="horz" lIns="91440" tIns="45720" rIns="91440" bIns="45720" rtlCol="0" anchor="ctr"/>
+          <a:lstStyle/>
+          <a:p>
+            <a:endParaRPr lang="zh-CN" altLang="en-US"/>
+          </a:p>
+        </p:txBody>
+      </p:sp>
+      <p:sp>
+        <p:nvSpPr>
+          <p:cNvPr id="5" name="备注占位符 4"/>
+          <p:cNvSpPr>
+            <a:spLocks noGrp="1"/>
+          </p:cNvSpPr>
+          <p:nvPr>
+            <p:ph type="body" sz="quarter" idx="3"/>
+          </p:nvPr>
+        </p:nvSpPr>
+        <p:spPr>
+          <a:xfrm>
+            <a:off x="685800" y="4400550"/>
+            <a:ext cx="5486400" cy="3600450"/>
+          </a:xfrm>
+          <a:prstGeom prst="rect">
+            <a:avLst/>
+          </a:prstGeom>
+        </p:spPr>
+        <p:txBody>
+          <a:bodyPr vert="horz" lIns="91440" tIns="45720" rIns="91440" bIns="45720" rtlCol="0"/>
+          <a:lstStyle/>
+          <a:p>
+            <a:pPr lvl="0"/>
+            <a:r>
+              <a:rPr lang="zh-CN" altLang="en-US"/>
+              <a:t>单击此处编辑母版文本样式</a:t>
+            </a:r>
+          </a:p>
+          <a:p>
+            <a:pPr lvl="1"/>
+            <a:r>
+              <a:rPr lang="zh-CN" altLang="en-US"/>
+              <a:t>二级</a:t>
+            </a:r>
+          </a:p>
+          <a:p>
+            <a:pPr lvl="2"/>
+            <a:r>
+              <a:rPr lang="zh-CN" altLang="en-US"/>
+              <a:t>三级</a:t>
+            </a:r>
+          </a:p>
+          <a:p>
+            <a:pPr lvl="3"/>
+            <a:r>
+              <a:rPr lang="zh-CN" altLang="en-US"/>
+              <a:t>四级</a:t>
+            </a:r>
+          </a:p>
+          <a:p>
+            <a:pPr lvl="4"/>
+            <a:r>
+              <a:rPr lang="zh-CN" altLang="en-US"/>
+              <a:t>五级</a:t>
+            </a:r>
+          </a:p>
+        </p:txBody>
+      </p:sp>
+      <p:sp>
+        <p:nvSpPr>
+          <p:cNvPr id="6" name="页脚占位符 5"/>
+          <p:cNvSpPr>
+            <a:spLocks noGrp="1"/>
+          </p:cNvSpPr>
+          <p:nvPr>
+            <p:ph type="ftr" sz="quarter" idx="4"/>
+          </p:nvPr>
+        </p:nvSpPr>
+        <p:spPr>
+          <a:xfrm>
+            <a:off x="0" y="8685213"/>
+            <a:ext cx="2971800" cy="458787"/>
+          </a:xfrm>
+          <a:prstGeom prst="rect">
+            <a:avLst/>
+          </a:prstGeom>
+        </p:spPr>
+        <p:txBody>
+          <a:bodyPr vert="horz" lIns="91440" tIns="45720" rIns="91440" bIns="45720" rtlCol="0" anchor="b"/>
+          <a:lstStyle>
+            <a:lvl1pPr algn="l">
+              <a:defRPr sz="1200"/>
+            </a:lvl1pPr>
+          </a:lstStyle>
+          <a:p>
+            <a:endParaRPr lang="zh-CN" altLang="en-US"/>
+          </a:p>
+        </p:txBody>
+      </p:sp>
+      <p:sp>
+        <p:nvSpPr>
+          <p:cNvPr id="7" name="灯片编号占位符 6"/>
+          <p:cNvSpPr>
+            <a:spLocks noGrp="1"/>
+          </p:cNvSpPr>
+          <p:nvPr>
+            <p:ph type="sldNum" sz="quarter" idx="5"/>
+          </p:nvPr>
+        </p:nvSpPr>
+        <p:spPr>
+          <a:xfrm>
+            <a:off x="3884613" y="8685213"/>
+            <a:ext cx="2971800" cy="458787"/>
+          </a:xfrm>
+          <a:prstGeom prst="rect">
+            <a:avLst/>
+          </a:prstGeom>
+        </p:spPr>
+        <p:txBody>
+          <a:bodyPr vert="horz" lIns="91440" tIns="45720" rIns="91440" bIns="45720" rtlCol="0" anchor="b"/>
+          <a:lstStyle>
+            <a:lvl1pPr algn="r">
+              <a:defRPr sz="1200"/>
+            </a:lvl1pPr>
+          </a:lstStyle>
+          <a:p>
+            <a:fld id="{7A556329-CE86-49AB-B3DD-7A59418EB716}" type="slidenum">
+              <a:rPr lang="zh-CN" altLang="en-US" smtClean="0"/>
+              <a:t>‹#›</a:t>
+            </a:fld>
+            <a:endParaRPr lang="zh-CN" altLang="en-US"/>
+          </a:p>
+        </p:txBody>
+      </p:sp>
+    </p:spTree>
+    <p:extLst>
+      <p:ext uri="{BB962C8B-B14F-4D97-AF65-F5344CB8AC3E}">
+        <p14:creationId xmlns:p14="http://schemas.microsoft.com/office/powerpoint/2010/main" val="2608427712"/>
+      </p:ext>
+    </p:extLst>
+  </p:cSld>
+  <p:clrMap bg1="lt1" tx1="dk1" bg2="lt2" tx2="dk2" accent1="accent1" accent2="accent2" accent3="accent3" accent4="accent4" accent5="accent5" accent6="accent6" hlink="hlink" folHlink="folHlink"/>
+  <p:notesStyle>
+    <a:lvl1pPr marL="0" algn="l" defTabSz="914400" rtl="0" eaLnBrk="1" latinLnBrk="0" hangingPunct="1">
+      <a:defRPr sz="1200" kern="1200">
+        <a:solidFill>
+          <a:schemeClr val="tx1"/>
+        </a:solidFill>
+        <a:latin typeface="+mn-lt"/>
+        <a:ea typeface="+mn-ea"/>
+        <a:cs typeface="+mn-cs"/>
+      </a:defRPr>
+    </a:lvl1pPr>
+    <a:lvl2pPr marL="457200" algn="l" defTabSz="914400" rtl="0" eaLnBrk="1" latinLnBrk="0" hangingPunct="1">
+      <a:defRPr sz="1200" kern="1200">
+        <a:solidFill>
+          <a:schemeClr val="tx1"/>
+        </a:solidFill>
+        <a:latin typeface="+mn-lt"/>
+        <a:ea typeface="+mn-ea"/>
+        <a:cs typeface="+mn-cs"/>
+      </a:defRPr>
+    </a:lvl2pPr>
+    <a:lvl3pPr marL="914400" algn="l" defTabSz="914400" rtl="0" eaLnBrk="1" latinLnBrk="0" hangingPunct="1">
+      <a:defRPr sz="1200" kern="1200">
+        <a:solidFill>
+          <a:schemeClr val="tx1"/>
+        </a:solidFill>
+        <a:latin typeface="+mn-lt"/>
+        <a:ea typeface="+mn-ea"/>
+        <a:cs typeface="+mn-cs"/>
+      </a:defRPr>
+    </a:lvl3pPr>
+    <a:lvl4pPr marL="1371600" algn="l" defTabSz="914400" rtl="0" eaLnBrk="1" latinLnBrk="0" hangingPunct="1">
+      <a:defRPr sz="1200" kern="1200">
+        <a:solidFill>
+          <a:schemeClr val="tx1"/>
+        </a:solidFill>
+        <a:latin typeface="+mn-lt"/>
+        <a:ea typeface="+mn-ea"/>
+        <a:cs typeface="+mn-cs"/>
+      </a:defRPr>
+    </a:lvl4pPr>
+    <a:lvl5pPr marL="1828800" algn="l" defTabSz="914400" rtl="0" eaLnBrk="1" latinLnBrk="0" hangingPunct="1">
+      <a:defRPr sz="1200" kern="1200">
+        <a:solidFill>
+          <a:schemeClr val="tx1"/>
+        </a:solidFill>
+        <a:latin typeface="+mn-lt"/>
+        <a:ea typeface="+mn-ea"/>
+        <a:cs typeface="+mn-cs"/>
+      </a:defRPr>
+    </a:lvl5pPr>
+    <a:lvl6pPr marL="2286000" algn="l" defTabSz="914400" rtl="0" eaLnBrk="1" latinLnBrk="0" hangingPunct="1">
+      <a:defRPr sz="1200" kern="1200">
+        <a:solidFill>
+          <a:schemeClr val="tx1"/>
+        </a:solidFill>
+        <a:latin typeface="+mn-lt"/>
+        <a:ea typeface="+mn-ea"/>
+        <a:cs typeface="+mn-cs"/>
+      </a:defRPr>
+    </a:lvl6pPr>
+    <a:lvl7pPr marL="2743200" algn="l" defTabSz="914400" rtl="0" eaLnBrk="1" latinLnBrk="0" hangingPunct="1">
+      <a:defRPr sz="1200" kern="1200">
+        <a:solidFill>
+          <a:schemeClr val="tx1"/>
+        </a:solidFill>
+        <a:latin typeface="+mn-lt"/>
+        <a:ea typeface="+mn-ea"/>
+        <a:cs typeface="+mn-cs"/>
+      </a:defRPr>
+    </a:lvl7pPr>
+    <a:lvl8pPr marL="3200400" algn="l" defTabSz="914400" rtl="0" eaLnBrk="1" latinLnBrk="0" hangingPunct="1">
+      <a:defRPr sz="1200" kern="1200">
+        <a:solidFill>
+          <a:schemeClr val="tx1"/>
+        </a:solidFill>
+        <a:latin typeface="+mn-lt"/>
+        <a:ea typeface="+mn-ea"/>
+        <a:cs typeface="+mn-cs"/>
+      </a:defRPr>
+    </a:lvl8pPr>
+    <a:lvl9pPr marL="3657600" algn="l" defTabSz="914400" rtl="0" eaLnBrk="1" latinLnBrk="0" hangingPunct="1">
+      <a:defRPr sz="1200" kern="1200">
+        <a:solidFill>
+          <a:schemeClr val="tx1"/>
+        </a:solidFill>
+        <a:latin typeface="+mn-lt"/>
+        <a:ea typeface="+mn-ea"/>
+        <a:cs typeface="+mn-cs"/>
+      </a:defRPr>
+    </a:lvl9pPr>
+  </p:notesStyle>
+</p:notesMaster>
+</file>
+
 <file path=ppt/slideLayouts/slideLayout1.xml><?xml version="1.0" encoding="utf-8"?>
 <p:sldLayout xmlns:a="http://schemas.openxmlformats.org/drawingml/2006/main" xmlns:r="http://schemas.openxmlformats.org/officeDocument/2006/relationships" xmlns:p="http://schemas.openxmlformats.org/presentationml/2006/main" type="title" preserve="1">
   <p:cSld name="标题幻灯片">
@@ -283,7 +637,7 @@
           <a:p>
             <a:fld id="{94500C62-1B3F-4E84-BF94-3D5FB933429A}" type="datetimeFigureOut">
               <a:rPr lang="zh-CN" altLang="en-US" smtClean="0"/>
-              <a:t>2022/4/24</a:t>
+              <a:t>2022/4/25</a:t>
             </a:fld>
             <a:endParaRPr lang="zh-CN" altLang="en-US"/>
           </a:p>
@@ -481,7 +835,7 @@
           <a:p>
             <a:fld id="{94500C62-1B3F-4E84-BF94-3D5FB933429A}" type="datetimeFigureOut">
               <a:rPr lang="zh-CN" altLang="en-US" smtClean="0"/>
-              <a:t>2022/4/24</a:t>
+              <a:t>2022/4/25</a:t>
             </a:fld>
             <a:endParaRPr lang="zh-CN" altLang="en-US"/>
           </a:p>
@@ -689,7 +1043,7 @@
           <a:p>
             <a:fld id="{94500C62-1B3F-4E84-BF94-3D5FB933429A}" type="datetimeFigureOut">
               <a:rPr lang="zh-CN" altLang="en-US" smtClean="0"/>
-              <a:t>2022/4/24</a:t>
+              <a:t>2022/4/25</a:t>
             </a:fld>
             <a:endParaRPr lang="zh-CN" altLang="en-US"/>
           </a:p>
@@ -887,7 +1241,7 @@
           <a:p>
             <a:fld id="{94500C62-1B3F-4E84-BF94-3D5FB933429A}" type="datetimeFigureOut">
               <a:rPr lang="zh-CN" altLang="en-US" smtClean="0"/>
-              <a:t>2022/4/24</a:t>
+              <a:t>2022/4/25</a:t>
             </a:fld>
             <a:endParaRPr lang="zh-CN" altLang="en-US"/>
           </a:p>
@@ -1162,7 +1516,7 @@
           <a:p>
             <a:fld id="{94500C62-1B3F-4E84-BF94-3D5FB933429A}" type="datetimeFigureOut">
               <a:rPr lang="zh-CN" altLang="en-US" smtClean="0"/>
-              <a:t>2022/4/24</a:t>
+              <a:t>2022/4/25</a:t>
             </a:fld>
             <a:endParaRPr lang="zh-CN" altLang="en-US"/>
           </a:p>
@@ -1427,7 +1781,7 @@
           <a:p>
             <a:fld id="{94500C62-1B3F-4E84-BF94-3D5FB933429A}" type="datetimeFigureOut">
               <a:rPr lang="zh-CN" altLang="en-US" smtClean="0"/>
-              <a:t>2022/4/24</a:t>
+              <a:t>2022/4/25</a:t>
             </a:fld>
             <a:endParaRPr lang="zh-CN" altLang="en-US"/>
           </a:p>
@@ -1839,7 +2193,7 @@
           <a:p>
             <a:fld id="{94500C62-1B3F-4E84-BF94-3D5FB933429A}" type="datetimeFigureOut">
               <a:rPr lang="zh-CN" altLang="en-US" smtClean="0"/>
-              <a:t>2022/4/24</a:t>
+              <a:t>2022/4/25</a:t>
             </a:fld>
             <a:endParaRPr lang="zh-CN" altLang="en-US"/>
           </a:p>
@@ -1980,7 +2334,7 @@
           <a:p>
             <a:fld id="{94500C62-1B3F-4E84-BF94-3D5FB933429A}" type="datetimeFigureOut">
               <a:rPr lang="zh-CN" altLang="en-US" smtClean="0"/>
-              <a:t>2022/4/24</a:t>
+              <a:t>2022/4/25</a:t>
             </a:fld>
             <a:endParaRPr lang="zh-CN" altLang="en-US"/>
           </a:p>
@@ -2093,7 +2447,7 @@
           <a:p>
             <a:fld id="{94500C62-1B3F-4E84-BF94-3D5FB933429A}" type="datetimeFigureOut">
               <a:rPr lang="zh-CN" altLang="en-US" smtClean="0"/>
-              <a:t>2022/4/24</a:t>
+              <a:t>2022/4/25</a:t>
             </a:fld>
             <a:endParaRPr lang="zh-CN" altLang="en-US"/>
           </a:p>
@@ -2404,7 +2758,7 @@
           <a:p>
             <a:fld id="{94500C62-1B3F-4E84-BF94-3D5FB933429A}" type="datetimeFigureOut">
               <a:rPr lang="zh-CN" altLang="en-US" smtClean="0"/>
-              <a:t>2022/4/24</a:t>
+              <a:t>2022/4/25</a:t>
             </a:fld>
             <a:endParaRPr lang="zh-CN" altLang="en-US"/>
           </a:p>
@@ -2692,7 +3046,7 @@
           <a:p>
             <a:fld id="{94500C62-1B3F-4E84-BF94-3D5FB933429A}" type="datetimeFigureOut">
               <a:rPr lang="zh-CN" altLang="en-US" smtClean="0"/>
-              <a:t>2022/4/24</a:t>
+              <a:t>2022/4/25</a:t>
             </a:fld>
             <a:endParaRPr lang="zh-CN" altLang="en-US"/>
           </a:p>
@@ -2933,7 +3287,7 @@
           <a:p>
             <a:fld id="{94500C62-1B3F-4E84-BF94-3D5FB933429A}" type="datetimeFigureOut">
               <a:rPr lang="zh-CN" altLang="en-US" smtClean="0"/>
-              <a:t>2022/4/24</a:t>
+              <a:t>2022/4/25</a:t>
             </a:fld>
             <a:endParaRPr lang="zh-CN" altLang="en-US"/>
           </a:p>
@@ -26471,6 +26825,2666 @@
     <p:extLst>
       <p:ext uri="{BB962C8B-B14F-4D97-AF65-F5344CB8AC3E}">
         <p14:creationId xmlns:p14="http://schemas.microsoft.com/office/powerpoint/2010/main" val="3160015784"/>
+      </p:ext>
+    </p:extLst>
+  </p:cSld>
+  <p:clrMapOvr>
+    <a:masterClrMapping/>
+  </p:clrMapOvr>
+</p:sld>
+</file>
+
+<file path=ppt/slides/slide26.xml><?xml version="1.0" encoding="utf-8"?>
+<p:sld xmlns:a="http://schemas.openxmlformats.org/drawingml/2006/main" xmlns:r="http://schemas.openxmlformats.org/officeDocument/2006/relationships" xmlns:p="http://schemas.openxmlformats.org/presentationml/2006/main">
+  <p:cSld>
+    <p:spTree>
+      <p:nvGrpSpPr>
+        <p:cNvPr id="1" name=""/>
+        <p:cNvGrpSpPr/>
+        <p:nvPr/>
+      </p:nvGrpSpPr>
+      <p:grpSpPr>
+        <a:xfrm>
+          <a:off x="0" y="0"/>
+          <a:ext cx="0" cy="0"/>
+          <a:chOff x="0" y="0"/>
+          <a:chExt cx="0" cy="0"/>
+        </a:xfrm>
+      </p:grpSpPr>
+      <p:sp>
+        <p:nvSpPr>
+          <p:cNvPr id="4" name="矩形 3">
+            <a:extLst>
+              <a:ext uri="{FF2B5EF4-FFF2-40B4-BE49-F238E27FC236}">
+                <a16:creationId xmlns:a16="http://schemas.microsoft.com/office/drawing/2014/main" id="{BF1E9A8A-43FC-4BA7-AD49-2CADD7F7BEC3}"/>
+              </a:ext>
+            </a:extLst>
+          </p:cNvPr>
+          <p:cNvSpPr/>
+          <p:nvPr/>
+        </p:nvSpPr>
+        <p:spPr>
+          <a:xfrm>
+            <a:off x="3079423" y="527902"/>
+            <a:ext cx="3016577" cy="886119"/>
+          </a:xfrm>
+          <a:prstGeom prst="rect">
+            <a:avLst/>
+          </a:prstGeom>
+        </p:spPr>
+        <p:style>
+          <a:lnRef idx="2">
+            <a:schemeClr val="accent6">
+              <a:shade val="50000"/>
+            </a:schemeClr>
+          </a:lnRef>
+          <a:fillRef idx="1">
+            <a:schemeClr val="accent6"/>
+          </a:fillRef>
+          <a:effectRef idx="0">
+            <a:schemeClr val="accent6"/>
+          </a:effectRef>
+          <a:fontRef idx="minor">
+            <a:schemeClr val="lt1"/>
+          </a:fontRef>
+        </p:style>
+        <p:txBody>
+          <a:bodyPr rtlCol="0" anchor="ctr"/>
+          <a:lstStyle/>
+          <a:p>
+            <a:pPr algn="ctr"/>
+            <a:endParaRPr lang="zh-CN" altLang="en-US"/>
+          </a:p>
+        </p:txBody>
+      </p:sp>
+      <p:sp>
+        <p:nvSpPr>
+          <p:cNvPr id="5" name="矩形 4">
+            <a:extLst>
+              <a:ext uri="{FF2B5EF4-FFF2-40B4-BE49-F238E27FC236}">
+                <a16:creationId xmlns:a16="http://schemas.microsoft.com/office/drawing/2014/main" id="{3E802489-4409-416C-A5A0-0C785508B463}"/>
+              </a:ext>
+            </a:extLst>
+          </p:cNvPr>
+          <p:cNvSpPr/>
+          <p:nvPr/>
+        </p:nvSpPr>
+        <p:spPr>
+          <a:xfrm>
+            <a:off x="6096000" y="527901"/>
+            <a:ext cx="3016577" cy="886119"/>
+          </a:xfrm>
+          <a:prstGeom prst="rect">
+            <a:avLst/>
+          </a:prstGeom>
+        </p:spPr>
+        <p:style>
+          <a:lnRef idx="2">
+            <a:schemeClr val="accent6">
+              <a:shade val="50000"/>
+            </a:schemeClr>
+          </a:lnRef>
+          <a:fillRef idx="1">
+            <a:schemeClr val="accent6"/>
+          </a:fillRef>
+          <a:effectRef idx="0">
+            <a:schemeClr val="accent6"/>
+          </a:effectRef>
+          <a:fontRef idx="minor">
+            <a:schemeClr val="lt1"/>
+          </a:fontRef>
+        </p:style>
+        <p:txBody>
+          <a:bodyPr rtlCol="0" anchor="ctr"/>
+          <a:lstStyle/>
+          <a:p>
+            <a:pPr algn="ctr"/>
+            <a:endParaRPr lang="zh-CN" altLang="en-US"/>
+          </a:p>
+        </p:txBody>
+      </p:sp>
+      <p:sp>
+        <p:nvSpPr>
+          <p:cNvPr id="7" name="矩形: 圆角 6">
+            <a:extLst>
+              <a:ext uri="{FF2B5EF4-FFF2-40B4-BE49-F238E27FC236}">
+                <a16:creationId xmlns:a16="http://schemas.microsoft.com/office/drawing/2014/main" id="{2DB23960-2A92-4ABE-A87F-FB55237E1F9A}"/>
+              </a:ext>
+            </a:extLst>
+          </p:cNvPr>
+          <p:cNvSpPr/>
+          <p:nvPr/>
+        </p:nvSpPr>
+        <p:spPr>
+          <a:xfrm>
+            <a:off x="4092803" y="650448"/>
+            <a:ext cx="989816" cy="593889"/>
+          </a:xfrm>
+          <a:prstGeom prst="roundRect">
+            <a:avLst/>
+          </a:prstGeom>
+        </p:spPr>
+        <p:style>
+          <a:lnRef idx="2">
+            <a:schemeClr val="accent4">
+              <a:shade val="50000"/>
+            </a:schemeClr>
+          </a:lnRef>
+          <a:fillRef idx="1">
+            <a:schemeClr val="accent4"/>
+          </a:fillRef>
+          <a:effectRef idx="0">
+            <a:schemeClr val="accent4"/>
+          </a:effectRef>
+          <a:fontRef idx="minor">
+            <a:schemeClr val="lt1"/>
+          </a:fontRef>
+        </p:style>
+        <p:txBody>
+          <a:bodyPr rtlCol="0" anchor="ctr"/>
+          <a:lstStyle/>
+          <a:p>
+            <a:pPr algn="ctr"/>
+            <a:r>
+              <a:rPr lang="en-US" altLang="zh-CN"/>
+              <a:t>prev</a:t>
+            </a:r>
+            <a:endParaRPr lang="zh-CN" altLang="en-US"/>
+          </a:p>
+        </p:txBody>
+      </p:sp>
+      <p:sp>
+        <p:nvSpPr>
+          <p:cNvPr id="10" name="矩形 9">
+            <a:extLst>
+              <a:ext uri="{FF2B5EF4-FFF2-40B4-BE49-F238E27FC236}">
+                <a16:creationId xmlns:a16="http://schemas.microsoft.com/office/drawing/2014/main" id="{2353D926-D6B3-4D18-B115-2874BC315ADF}"/>
+              </a:ext>
+            </a:extLst>
+          </p:cNvPr>
+          <p:cNvSpPr/>
+          <p:nvPr/>
+        </p:nvSpPr>
+        <p:spPr>
+          <a:xfrm>
+            <a:off x="3079423" y="2009482"/>
+            <a:ext cx="3016577" cy="886119"/>
+          </a:xfrm>
+          <a:prstGeom prst="rect">
+            <a:avLst/>
+          </a:prstGeom>
+        </p:spPr>
+        <p:style>
+          <a:lnRef idx="2">
+            <a:schemeClr val="accent6">
+              <a:shade val="50000"/>
+            </a:schemeClr>
+          </a:lnRef>
+          <a:fillRef idx="1">
+            <a:schemeClr val="accent6"/>
+          </a:fillRef>
+          <a:effectRef idx="0">
+            <a:schemeClr val="accent6"/>
+          </a:effectRef>
+          <a:fontRef idx="minor">
+            <a:schemeClr val="lt1"/>
+          </a:fontRef>
+        </p:style>
+        <p:txBody>
+          <a:bodyPr rtlCol="0" anchor="ctr"/>
+          <a:lstStyle/>
+          <a:p>
+            <a:pPr algn="ctr"/>
+            <a:endParaRPr lang="zh-CN" altLang="en-US"/>
+          </a:p>
+        </p:txBody>
+      </p:sp>
+      <p:sp>
+        <p:nvSpPr>
+          <p:cNvPr id="11" name="矩形 10">
+            <a:extLst>
+              <a:ext uri="{FF2B5EF4-FFF2-40B4-BE49-F238E27FC236}">
+                <a16:creationId xmlns:a16="http://schemas.microsoft.com/office/drawing/2014/main" id="{FDF03E4A-06CE-40CD-8FDC-B671716921D1}"/>
+              </a:ext>
+            </a:extLst>
+          </p:cNvPr>
+          <p:cNvSpPr/>
+          <p:nvPr/>
+        </p:nvSpPr>
+        <p:spPr>
+          <a:xfrm>
+            <a:off x="6096000" y="2009481"/>
+            <a:ext cx="3016577" cy="886119"/>
+          </a:xfrm>
+          <a:prstGeom prst="rect">
+            <a:avLst/>
+          </a:prstGeom>
+        </p:spPr>
+        <p:style>
+          <a:lnRef idx="2">
+            <a:schemeClr val="accent6">
+              <a:shade val="50000"/>
+            </a:schemeClr>
+          </a:lnRef>
+          <a:fillRef idx="1">
+            <a:schemeClr val="accent6"/>
+          </a:fillRef>
+          <a:effectRef idx="0">
+            <a:schemeClr val="accent6"/>
+          </a:effectRef>
+          <a:fontRef idx="minor">
+            <a:schemeClr val="lt1"/>
+          </a:fontRef>
+        </p:style>
+        <p:txBody>
+          <a:bodyPr rtlCol="0" anchor="ctr"/>
+          <a:lstStyle/>
+          <a:p>
+            <a:pPr algn="ctr"/>
+            <a:endParaRPr lang="zh-CN" altLang="en-US"/>
+          </a:p>
+        </p:txBody>
+      </p:sp>
+      <p:sp>
+        <p:nvSpPr>
+          <p:cNvPr id="16" name="矩形 15">
+            <a:extLst>
+              <a:ext uri="{FF2B5EF4-FFF2-40B4-BE49-F238E27FC236}">
+                <a16:creationId xmlns:a16="http://schemas.microsoft.com/office/drawing/2014/main" id="{7C5DD753-7320-431B-9633-A7CBAB40A1DD}"/>
+              </a:ext>
+            </a:extLst>
+          </p:cNvPr>
+          <p:cNvSpPr/>
+          <p:nvPr/>
+        </p:nvSpPr>
+        <p:spPr>
+          <a:xfrm>
+            <a:off x="3079423" y="3491061"/>
+            <a:ext cx="3016577" cy="886119"/>
+          </a:xfrm>
+          <a:prstGeom prst="rect">
+            <a:avLst/>
+          </a:prstGeom>
+        </p:spPr>
+        <p:style>
+          <a:lnRef idx="2">
+            <a:schemeClr val="accent6">
+              <a:shade val="50000"/>
+            </a:schemeClr>
+          </a:lnRef>
+          <a:fillRef idx="1">
+            <a:schemeClr val="accent6"/>
+          </a:fillRef>
+          <a:effectRef idx="0">
+            <a:schemeClr val="accent6"/>
+          </a:effectRef>
+          <a:fontRef idx="minor">
+            <a:schemeClr val="lt1"/>
+          </a:fontRef>
+        </p:style>
+        <p:txBody>
+          <a:bodyPr rtlCol="0" anchor="ctr"/>
+          <a:lstStyle/>
+          <a:p>
+            <a:pPr algn="ctr"/>
+            <a:endParaRPr lang="zh-CN" altLang="en-US"/>
+          </a:p>
+        </p:txBody>
+      </p:sp>
+      <p:sp>
+        <p:nvSpPr>
+          <p:cNvPr id="17" name="矩形 16">
+            <a:extLst>
+              <a:ext uri="{FF2B5EF4-FFF2-40B4-BE49-F238E27FC236}">
+                <a16:creationId xmlns:a16="http://schemas.microsoft.com/office/drawing/2014/main" id="{B0C16325-636D-4916-88CF-939963A927D7}"/>
+              </a:ext>
+            </a:extLst>
+          </p:cNvPr>
+          <p:cNvSpPr/>
+          <p:nvPr/>
+        </p:nvSpPr>
+        <p:spPr>
+          <a:xfrm>
+            <a:off x="6096000" y="3491060"/>
+            <a:ext cx="3016577" cy="886119"/>
+          </a:xfrm>
+          <a:prstGeom prst="rect">
+            <a:avLst/>
+          </a:prstGeom>
+        </p:spPr>
+        <p:style>
+          <a:lnRef idx="2">
+            <a:schemeClr val="accent6">
+              <a:shade val="50000"/>
+            </a:schemeClr>
+          </a:lnRef>
+          <a:fillRef idx="1">
+            <a:schemeClr val="accent6"/>
+          </a:fillRef>
+          <a:effectRef idx="0">
+            <a:schemeClr val="accent6"/>
+          </a:effectRef>
+          <a:fontRef idx="minor">
+            <a:schemeClr val="lt1"/>
+          </a:fontRef>
+        </p:style>
+        <p:txBody>
+          <a:bodyPr rtlCol="0" anchor="ctr"/>
+          <a:lstStyle/>
+          <a:p>
+            <a:pPr algn="ctr"/>
+            <a:endParaRPr lang="zh-CN" altLang="en-US"/>
+          </a:p>
+        </p:txBody>
+      </p:sp>
+      <p:sp>
+        <p:nvSpPr>
+          <p:cNvPr id="22" name="矩形 21">
+            <a:extLst>
+              <a:ext uri="{FF2B5EF4-FFF2-40B4-BE49-F238E27FC236}">
+                <a16:creationId xmlns:a16="http://schemas.microsoft.com/office/drawing/2014/main" id="{0A04955A-B52A-44C6-9920-B9126912B5C8}"/>
+              </a:ext>
+            </a:extLst>
+          </p:cNvPr>
+          <p:cNvSpPr/>
+          <p:nvPr/>
+        </p:nvSpPr>
+        <p:spPr>
+          <a:xfrm>
+            <a:off x="3079423" y="4972639"/>
+            <a:ext cx="3016577" cy="886119"/>
+          </a:xfrm>
+          <a:prstGeom prst="rect">
+            <a:avLst/>
+          </a:prstGeom>
+        </p:spPr>
+        <p:style>
+          <a:lnRef idx="2">
+            <a:schemeClr val="accent6">
+              <a:shade val="50000"/>
+            </a:schemeClr>
+          </a:lnRef>
+          <a:fillRef idx="1">
+            <a:schemeClr val="accent6"/>
+          </a:fillRef>
+          <a:effectRef idx="0">
+            <a:schemeClr val="accent6"/>
+          </a:effectRef>
+          <a:fontRef idx="minor">
+            <a:schemeClr val="lt1"/>
+          </a:fontRef>
+        </p:style>
+        <p:txBody>
+          <a:bodyPr rtlCol="0" anchor="ctr"/>
+          <a:lstStyle/>
+          <a:p>
+            <a:pPr algn="ctr"/>
+            <a:endParaRPr lang="zh-CN" altLang="en-US"/>
+          </a:p>
+        </p:txBody>
+      </p:sp>
+      <p:sp>
+        <p:nvSpPr>
+          <p:cNvPr id="23" name="矩形 22">
+            <a:extLst>
+              <a:ext uri="{FF2B5EF4-FFF2-40B4-BE49-F238E27FC236}">
+                <a16:creationId xmlns:a16="http://schemas.microsoft.com/office/drawing/2014/main" id="{DFBE01CD-6850-4EFC-A691-E892959D5162}"/>
+              </a:ext>
+            </a:extLst>
+          </p:cNvPr>
+          <p:cNvSpPr/>
+          <p:nvPr/>
+        </p:nvSpPr>
+        <p:spPr>
+          <a:xfrm>
+            <a:off x="6096000" y="4972638"/>
+            <a:ext cx="3016577" cy="886119"/>
+          </a:xfrm>
+          <a:prstGeom prst="rect">
+            <a:avLst/>
+          </a:prstGeom>
+        </p:spPr>
+        <p:style>
+          <a:lnRef idx="2">
+            <a:schemeClr val="accent6">
+              <a:shade val="50000"/>
+            </a:schemeClr>
+          </a:lnRef>
+          <a:fillRef idx="1">
+            <a:schemeClr val="accent6"/>
+          </a:fillRef>
+          <a:effectRef idx="0">
+            <a:schemeClr val="accent6"/>
+          </a:effectRef>
+          <a:fontRef idx="minor">
+            <a:schemeClr val="lt1"/>
+          </a:fontRef>
+        </p:style>
+        <p:txBody>
+          <a:bodyPr rtlCol="0" anchor="ctr"/>
+          <a:lstStyle/>
+          <a:p>
+            <a:pPr algn="ctr"/>
+            <a:endParaRPr lang="zh-CN" altLang="en-US"/>
+          </a:p>
+        </p:txBody>
+      </p:sp>
+      <p:sp>
+        <p:nvSpPr>
+          <p:cNvPr id="26" name="矩形: 圆角 25">
+            <a:extLst>
+              <a:ext uri="{FF2B5EF4-FFF2-40B4-BE49-F238E27FC236}">
+                <a16:creationId xmlns:a16="http://schemas.microsoft.com/office/drawing/2014/main" id="{0CE8FAD2-40B9-4BD4-9E12-DD4705C98EAD}"/>
+              </a:ext>
+            </a:extLst>
+          </p:cNvPr>
+          <p:cNvSpPr/>
+          <p:nvPr/>
+        </p:nvSpPr>
+        <p:spPr>
+          <a:xfrm>
+            <a:off x="7109380" y="650447"/>
+            <a:ext cx="989816" cy="593889"/>
+          </a:xfrm>
+          <a:prstGeom prst="roundRect">
+            <a:avLst/>
+          </a:prstGeom>
+        </p:spPr>
+        <p:style>
+          <a:lnRef idx="2">
+            <a:schemeClr val="accent4">
+              <a:shade val="50000"/>
+            </a:schemeClr>
+          </a:lnRef>
+          <a:fillRef idx="1">
+            <a:schemeClr val="accent4"/>
+          </a:fillRef>
+          <a:effectRef idx="0">
+            <a:schemeClr val="accent4"/>
+          </a:effectRef>
+          <a:fontRef idx="minor">
+            <a:schemeClr val="lt1"/>
+          </a:fontRef>
+        </p:style>
+        <p:txBody>
+          <a:bodyPr rtlCol="0" anchor="ctr"/>
+          <a:lstStyle/>
+          <a:p>
+            <a:pPr algn="ctr"/>
+            <a:r>
+              <a:rPr lang="en-US" altLang="zh-CN"/>
+              <a:t>buffer</a:t>
+            </a:r>
+            <a:endParaRPr lang="zh-CN" altLang="en-US"/>
+          </a:p>
+        </p:txBody>
+      </p:sp>
+      <p:sp>
+        <p:nvSpPr>
+          <p:cNvPr id="27" name="矩形: 圆角 26">
+            <a:extLst>
+              <a:ext uri="{FF2B5EF4-FFF2-40B4-BE49-F238E27FC236}">
+                <a16:creationId xmlns:a16="http://schemas.microsoft.com/office/drawing/2014/main" id="{739659B5-CD6D-4639-A0BD-FE8A192499B6}"/>
+              </a:ext>
+            </a:extLst>
+          </p:cNvPr>
+          <p:cNvSpPr/>
+          <p:nvPr/>
+        </p:nvSpPr>
+        <p:spPr>
+          <a:xfrm>
+            <a:off x="5498968" y="2155595"/>
+            <a:ext cx="989816" cy="593889"/>
+          </a:xfrm>
+          <a:prstGeom prst="roundRect">
+            <a:avLst/>
+          </a:prstGeom>
+        </p:spPr>
+        <p:style>
+          <a:lnRef idx="2">
+            <a:schemeClr val="accent4">
+              <a:shade val="50000"/>
+            </a:schemeClr>
+          </a:lnRef>
+          <a:fillRef idx="1">
+            <a:schemeClr val="accent4"/>
+          </a:fillRef>
+          <a:effectRef idx="0">
+            <a:schemeClr val="accent4"/>
+          </a:effectRef>
+          <a:fontRef idx="minor">
+            <a:schemeClr val="lt1"/>
+          </a:fontRef>
+        </p:style>
+        <p:txBody>
+          <a:bodyPr rtlCol="0" anchor="ctr"/>
+          <a:lstStyle/>
+          <a:p>
+            <a:pPr algn="ctr"/>
+            <a:r>
+              <a:rPr lang="en-US" altLang="zh-CN"/>
+              <a:t>prev</a:t>
+            </a:r>
+            <a:endParaRPr lang="zh-CN" altLang="en-US"/>
+          </a:p>
+        </p:txBody>
+      </p:sp>
+      <p:sp>
+        <p:nvSpPr>
+          <p:cNvPr id="28" name="矩形: 圆角 27">
+            <a:extLst>
+              <a:ext uri="{FF2B5EF4-FFF2-40B4-BE49-F238E27FC236}">
+                <a16:creationId xmlns:a16="http://schemas.microsoft.com/office/drawing/2014/main" id="{413D2238-9C06-4057-9DC7-91DF935A8BC6}"/>
+              </a:ext>
+            </a:extLst>
+          </p:cNvPr>
+          <p:cNvSpPr/>
+          <p:nvPr/>
+        </p:nvSpPr>
+        <p:spPr>
+          <a:xfrm>
+            <a:off x="7085816" y="2155595"/>
+            <a:ext cx="989816" cy="593889"/>
+          </a:xfrm>
+          <a:prstGeom prst="roundRect">
+            <a:avLst/>
+          </a:prstGeom>
+        </p:spPr>
+        <p:style>
+          <a:lnRef idx="2">
+            <a:schemeClr val="accent4">
+              <a:shade val="50000"/>
+            </a:schemeClr>
+          </a:lnRef>
+          <a:fillRef idx="1">
+            <a:schemeClr val="accent4"/>
+          </a:fillRef>
+          <a:effectRef idx="0">
+            <a:schemeClr val="accent4"/>
+          </a:effectRef>
+          <a:fontRef idx="minor">
+            <a:schemeClr val="lt1"/>
+          </a:fontRef>
+        </p:style>
+        <p:txBody>
+          <a:bodyPr rtlCol="0" anchor="ctr"/>
+          <a:lstStyle/>
+          <a:p>
+            <a:pPr algn="ctr"/>
+            <a:r>
+              <a:rPr lang="en-US" altLang="zh-CN"/>
+              <a:t>buffer</a:t>
+            </a:r>
+            <a:endParaRPr lang="zh-CN" altLang="en-US"/>
+          </a:p>
+        </p:txBody>
+      </p:sp>
+      <p:sp>
+        <p:nvSpPr>
+          <p:cNvPr id="29" name="矩形: 圆角 28">
+            <a:extLst>
+              <a:ext uri="{FF2B5EF4-FFF2-40B4-BE49-F238E27FC236}">
+                <a16:creationId xmlns:a16="http://schemas.microsoft.com/office/drawing/2014/main" id="{19A61944-053A-4AD6-B11E-4421BFA8382E}"/>
+              </a:ext>
+            </a:extLst>
+          </p:cNvPr>
+          <p:cNvSpPr/>
+          <p:nvPr/>
+        </p:nvSpPr>
+        <p:spPr>
+          <a:xfrm>
+            <a:off x="4092803" y="3637174"/>
+            <a:ext cx="989816" cy="593889"/>
+          </a:xfrm>
+          <a:prstGeom prst="roundRect">
+            <a:avLst/>
+          </a:prstGeom>
+        </p:spPr>
+        <p:style>
+          <a:lnRef idx="2">
+            <a:schemeClr val="accent4">
+              <a:shade val="50000"/>
+            </a:schemeClr>
+          </a:lnRef>
+          <a:fillRef idx="1">
+            <a:schemeClr val="accent4"/>
+          </a:fillRef>
+          <a:effectRef idx="0">
+            <a:schemeClr val="accent4"/>
+          </a:effectRef>
+          <a:fontRef idx="minor">
+            <a:schemeClr val="lt1"/>
+          </a:fontRef>
+        </p:style>
+        <p:txBody>
+          <a:bodyPr rtlCol="0" anchor="ctr"/>
+          <a:lstStyle/>
+          <a:p>
+            <a:pPr algn="ctr"/>
+            <a:r>
+              <a:rPr lang="en-US" altLang="zh-CN"/>
+              <a:t>prev</a:t>
+            </a:r>
+            <a:endParaRPr lang="zh-CN" altLang="en-US"/>
+          </a:p>
+        </p:txBody>
+      </p:sp>
+      <p:sp>
+        <p:nvSpPr>
+          <p:cNvPr id="30" name="矩形: 圆角 29">
+            <a:extLst>
+              <a:ext uri="{FF2B5EF4-FFF2-40B4-BE49-F238E27FC236}">
+                <a16:creationId xmlns:a16="http://schemas.microsoft.com/office/drawing/2014/main" id="{DAC8A1A8-AA87-46E5-B088-6F1BBB6C5987}"/>
+              </a:ext>
+            </a:extLst>
+          </p:cNvPr>
+          <p:cNvSpPr/>
+          <p:nvPr/>
+        </p:nvSpPr>
+        <p:spPr>
+          <a:xfrm>
+            <a:off x="5612874" y="3637174"/>
+            <a:ext cx="989816" cy="593889"/>
+          </a:xfrm>
+          <a:prstGeom prst="roundRect">
+            <a:avLst/>
+          </a:prstGeom>
+        </p:spPr>
+        <p:style>
+          <a:lnRef idx="2">
+            <a:schemeClr val="accent4">
+              <a:shade val="50000"/>
+            </a:schemeClr>
+          </a:lnRef>
+          <a:fillRef idx="1">
+            <a:schemeClr val="accent4"/>
+          </a:fillRef>
+          <a:effectRef idx="0">
+            <a:schemeClr val="accent4"/>
+          </a:effectRef>
+          <a:fontRef idx="minor">
+            <a:schemeClr val="lt1"/>
+          </a:fontRef>
+        </p:style>
+        <p:txBody>
+          <a:bodyPr rtlCol="0" anchor="ctr"/>
+          <a:lstStyle/>
+          <a:p>
+            <a:pPr algn="ctr"/>
+            <a:r>
+              <a:rPr lang="en-US" altLang="zh-CN"/>
+              <a:t>buffer</a:t>
+            </a:r>
+            <a:endParaRPr lang="zh-CN" altLang="en-US"/>
+          </a:p>
+        </p:txBody>
+      </p:sp>
+      <p:sp>
+        <p:nvSpPr>
+          <p:cNvPr id="31" name="矩形: 圆角 30">
+            <a:extLst>
+              <a:ext uri="{FF2B5EF4-FFF2-40B4-BE49-F238E27FC236}">
+                <a16:creationId xmlns:a16="http://schemas.microsoft.com/office/drawing/2014/main" id="{4DF4E956-FA10-4B4C-B76D-6F87C1867104}"/>
+              </a:ext>
+            </a:extLst>
+          </p:cNvPr>
+          <p:cNvSpPr/>
+          <p:nvPr/>
+        </p:nvSpPr>
+        <p:spPr>
+          <a:xfrm>
+            <a:off x="3579039" y="5118751"/>
+            <a:ext cx="989816" cy="593889"/>
+          </a:xfrm>
+          <a:prstGeom prst="roundRect">
+            <a:avLst/>
+          </a:prstGeom>
+        </p:spPr>
+        <p:style>
+          <a:lnRef idx="2">
+            <a:schemeClr val="accent4">
+              <a:shade val="50000"/>
+            </a:schemeClr>
+          </a:lnRef>
+          <a:fillRef idx="1">
+            <a:schemeClr val="accent4"/>
+          </a:fillRef>
+          <a:effectRef idx="0">
+            <a:schemeClr val="accent4"/>
+          </a:effectRef>
+          <a:fontRef idx="minor">
+            <a:schemeClr val="lt1"/>
+          </a:fontRef>
+        </p:style>
+        <p:txBody>
+          <a:bodyPr rtlCol="0" anchor="ctr"/>
+          <a:lstStyle/>
+          <a:p>
+            <a:pPr algn="ctr"/>
+            <a:r>
+              <a:rPr lang="en-US" altLang="zh-CN"/>
+              <a:t>prev</a:t>
+            </a:r>
+            <a:endParaRPr lang="zh-CN" altLang="en-US"/>
+          </a:p>
+        </p:txBody>
+      </p:sp>
+      <p:sp>
+        <p:nvSpPr>
+          <p:cNvPr id="32" name="矩形: 圆角 31">
+            <a:extLst>
+              <a:ext uri="{FF2B5EF4-FFF2-40B4-BE49-F238E27FC236}">
+                <a16:creationId xmlns:a16="http://schemas.microsoft.com/office/drawing/2014/main" id="{71E87D3E-6C79-4191-84E4-16A9EFF3ACA8}"/>
+              </a:ext>
+            </a:extLst>
+          </p:cNvPr>
+          <p:cNvSpPr/>
+          <p:nvPr/>
+        </p:nvSpPr>
+        <p:spPr>
+          <a:xfrm>
+            <a:off x="4837519" y="5118751"/>
+            <a:ext cx="989816" cy="593889"/>
+          </a:xfrm>
+          <a:prstGeom prst="roundRect">
+            <a:avLst/>
+          </a:prstGeom>
+        </p:spPr>
+        <p:style>
+          <a:lnRef idx="2">
+            <a:schemeClr val="accent4">
+              <a:shade val="50000"/>
+            </a:schemeClr>
+          </a:lnRef>
+          <a:fillRef idx="1">
+            <a:schemeClr val="accent4"/>
+          </a:fillRef>
+          <a:effectRef idx="0">
+            <a:schemeClr val="accent4"/>
+          </a:effectRef>
+          <a:fontRef idx="minor">
+            <a:schemeClr val="lt1"/>
+          </a:fontRef>
+        </p:style>
+        <p:txBody>
+          <a:bodyPr rtlCol="0" anchor="ctr"/>
+          <a:lstStyle/>
+          <a:p>
+            <a:pPr algn="ctr"/>
+            <a:r>
+              <a:rPr lang="en-US" altLang="zh-CN"/>
+              <a:t>buffer</a:t>
+            </a:r>
+            <a:endParaRPr lang="zh-CN" altLang="en-US"/>
+          </a:p>
+        </p:txBody>
+      </p:sp>
+      <p:sp>
+        <p:nvSpPr>
+          <p:cNvPr id="33" name="文本框 32">
+            <a:extLst>
+              <a:ext uri="{FF2B5EF4-FFF2-40B4-BE49-F238E27FC236}">
+                <a16:creationId xmlns:a16="http://schemas.microsoft.com/office/drawing/2014/main" id="{E4A6A39E-7ECF-49C6-8669-DB8DABBCB950}"/>
+              </a:ext>
+            </a:extLst>
+          </p:cNvPr>
+          <p:cNvSpPr txBox="1"/>
+          <p:nvPr/>
+        </p:nvSpPr>
+        <p:spPr>
+          <a:xfrm>
+            <a:off x="4073947" y="1446790"/>
+            <a:ext cx="909223" cy="369332"/>
+          </a:xfrm>
+          <a:prstGeom prst="rect">
+            <a:avLst/>
+          </a:prstGeom>
+          <a:noFill/>
+        </p:spPr>
+        <p:txBody>
+          <a:bodyPr wrap="none" rtlCol="0">
+            <a:spAutoFit/>
+          </a:bodyPr>
+          <a:lstStyle/>
+          <a:p>
+            <a:r>
+              <a:rPr lang="en-US" altLang="zh-CN"/>
+              <a:t>N Page</a:t>
+            </a:r>
+            <a:endParaRPr lang="zh-CN" altLang="en-US"/>
+          </a:p>
+        </p:txBody>
+      </p:sp>
+      <p:sp>
+        <p:nvSpPr>
+          <p:cNvPr id="34" name="文本框 33">
+            <a:extLst>
+              <a:ext uri="{FF2B5EF4-FFF2-40B4-BE49-F238E27FC236}">
+                <a16:creationId xmlns:a16="http://schemas.microsoft.com/office/drawing/2014/main" id="{645EA2E5-734E-4B0A-AAA5-97839EE40D88}"/>
+              </a:ext>
+            </a:extLst>
+          </p:cNvPr>
+          <p:cNvSpPr txBox="1"/>
+          <p:nvPr/>
+        </p:nvSpPr>
+        <p:spPr>
+          <a:xfrm>
+            <a:off x="7085816" y="1456835"/>
+            <a:ext cx="1184940" cy="369332"/>
+          </a:xfrm>
+          <a:prstGeom prst="rect">
+            <a:avLst/>
+          </a:prstGeom>
+          <a:noFill/>
+        </p:spPr>
+        <p:txBody>
+          <a:bodyPr wrap="none" rtlCol="0">
+            <a:spAutoFit/>
+          </a:bodyPr>
+          <a:lstStyle/>
+          <a:p>
+            <a:r>
+              <a:rPr lang="en-US" altLang="zh-CN"/>
+              <a:t>N+1 Page</a:t>
+            </a:r>
+            <a:endParaRPr lang="zh-CN" altLang="en-US"/>
+          </a:p>
+        </p:txBody>
+      </p:sp>
+      <p:sp>
+        <p:nvSpPr>
+          <p:cNvPr id="35" name="文本框 34">
+            <a:extLst>
+              <a:ext uri="{FF2B5EF4-FFF2-40B4-BE49-F238E27FC236}">
+                <a16:creationId xmlns:a16="http://schemas.microsoft.com/office/drawing/2014/main" id="{6F11EEC3-368C-480A-9575-1FD6D4D2E5D6}"/>
+              </a:ext>
+            </a:extLst>
+          </p:cNvPr>
+          <p:cNvSpPr txBox="1"/>
+          <p:nvPr/>
+        </p:nvSpPr>
+        <p:spPr>
+          <a:xfrm>
+            <a:off x="4092803" y="2957430"/>
+            <a:ext cx="909223" cy="369332"/>
+          </a:xfrm>
+          <a:prstGeom prst="rect">
+            <a:avLst/>
+          </a:prstGeom>
+          <a:noFill/>
+        </p:spPr>
+        <p:txBody>
+          <a:bodyPr wrap="none" rtlCol="0">
+            <a:spAutoFit/>
+          </a:bodyPr>
+          <a:lstStyle/>
+          <a:p>
+            <a:r>
+              <a:rPr lang="en-US" altLang="zh-CN"/>
+              <a:t>N Page</a:t>
+            </a:r>
+            <a:endParaRPr lang="zh-CN" altLang="en-US"/>
+          </a:p>
+        </p:txBody>
+      </p:sp>
+      <p:sp>
+        <p:nvSpPr>
+          <p:cNvPr id="36" name="文本框 35">
+            <a:extLst>
+              <a:ext uri="{FF2B5EF4-FFF2-40B4-BE49-F238E27FC236}">
+                <a16:creationId xmlns:a16="http://schemas.microsoft.com/office/drawing/2014/main" id="{49AEAB53-DEFD-42A5-98CD-BFA65B05B2DA}"/>
+              </a:ext>
+            </a:extLst>
+          </p:cNvPr>
+          <p:cNvSpPr txBox="1"/>
+          <p:nvPr/>
+        </p:nvSpPr>
+        <p:spPr>
+          <a:xfrm>
+            <a:off x="4073946" y="4457189"/>
+            <a:ext cx="909223" cy="369332"/>
+          </a:xfrm>
+          <a:prstGeom prst="rect">
+            <a:avLst/>
+          </a:prstGeom>
+          <a:noFill/>
+        </p:spPr>
+        <p:txBody>
+          <a:bodyPr wrap="none" rtlCol="0">
+            <a:spAutoFit/>
+          </a:bodyPr>
+          <a:lstStyle/>
+          <a:p>
+            <a:r>
+              <a:rPr lang="en-US" altLang="zh-CN"/>
+              <a:t>N Page</a:t>
+            </a:r>
+            <a:endParaRPr lang="zh-CN" altLang="en-US"/>
+          </a:p>
+        </p:txBody>
+      </p:sp>
+      <p:sp>
+        <p:nvSpPr>
+          <p:cNvPr id="37" name="文本框 36">
+            <a:extLst>
+              <a:ext uri="{FF2B5EF4-FFF2-40B4-BE49-F238E27FC236}">
+                <a16:creationId xmlns:a16="http://schemas.microsoft.com/office/drawing/2014/main" id="{A7AE8A06-D1DE-452F-A2C6-E3CBAFB9296E}"/>
+              </a:ext>
+            </a:extLst>
+          </p:cNvPr>
+          <p:cNvSpPr txBox="1"/>
+          <p:nvPr/>
+        </p:nvSpPr>
+        <p:spPr>
+          <a:xfrm>
+            <a:off x="4073946" y="5873003"/>
+            <a:ext cx="909223" cy="369332"/>
+          </a:xfrm>
+          <a:prstGeom prst="rect">
+            <a:avLst/>
+          </a:prstGeom>
+          <a:noFill/>
+        </p:spPr>
+        <p:txBody>
+          <a:bodyPr wrap="none" rtlCol="0">
+            <a:spAutoFit/>
+          </a:bodyPr>
+          <a:lstStyle/>
+          <a:p>
+            <a:r>
+              <a:rPr lang="en-US" altLang="zh-CN"/>
+              <a:t>N Page</a:t>
+            </a:r>
+            <a:endParaRPr lang="zh-CN" altLang="en-US"/>
+          </a:p>
+        </p:txBody>
+      </p:sp>
+      <p:sp>
+        <p:nvSpPr>
+          <p:cNvPr id="38" name="文本框 37">
+            <a:extLst>
+              <a:ext uri="{FF2B5EF4-FFF2-40B4-BE49-F238E27FC236}">
+                <a16:creationId xmlns:a16="http://schemas.microsoft.com/office/drawing/2014/main" id="{DC9F35E9-6C6D-4E88-A4E4-D329CA7106DC}"/>
+              </a:ext>
+            </a:extLst>
+          </p:cNvPr>
+          <p:cNvSpPr txBox="1"/>
+          <p:nvPr/>
+        </p:nvSpPr>
+        <p:spPr>
+          <a:xfrm>
+            <a:off x="7011818" y="2943288"/>
+            <a:ext cx="1184940" cy="369332"/>
+          </a:xfrm>
+          <a:prstGeom prst="rect">
+            <a:avLst/>
+          </a:prstGeom>
+          <a:noFill/>
+        </p:spPr>
+        <p:txBody>
+          <a:bodyPr wrap="none" rtlCol="0">
+            <a:spAutoFit/>
+          </a:bodyPr>
+          <a:lstStyle/>
+          <a:p>
+            <a:r>
+              <a:rPr lang="en-US" altLang="zh-CN"/>
+              <a:t>N+1 Page</a:t>
+            </a:r>
+            <a:endParaRPr lang="zh-CN" altLang="en-US"/>
+          </a:p>
+        </p:txBody>
+      </p:sp>
+      <p:sp>
+        <p:nvSpPr>
+          <p:cNvPr id="39" name="文本框 38">
+            <a:extLst>
+              <a:ext uri="{FF2B5EF4-FFF2-40B4-BE49-F238E27FC236}">
+                <a16:creationId xmlns:a16="http://schemas.microsoft.com/office/drawing/2014/main" id="{CD8A2459-AA47-452B-ABCD-1E6F4077B330}"/>
+              </a:ext>
+            </a:extLst>
+          </p:cNvPr>
+          <p:cNvSpPr txBox="1"/>
+          <p:nvPr/>
+        </p:nvSpPr>
+        <p:spPr>
+          <a:xfrm>
+            <a:off x="7011818" y="4457189"/>
+            <a:ext cx="1184940" cy="369332"/>
+          </a:xfrm>
+          <a:prstGeom prst="rect">
+            <a:avLst/>
+          </a:prstGeom>
+          <a:noFill/>
+        </p:spPr>
+        <p:txBody>
+          <a:bodyPr wrap="none" rtlCol="0">
+            <a:spAutoFit/>
+          </a:bodyPr>
+          <a:lstStyle/>
+          <a:p>
+            <a:r>
+              <a:rPr lang="en-US" altLang="zh-CN"/>
+              <a:t>N+1 Page</a:t>
+            </a:r>
+            <a:endParaRPr lang="zh-CN" altLang="en-US"/>
+          </a:p>
+        </p:txBody>
+      </p:sp>
+      <p:sp>
+        <p:nvSpPr>
+          <p:cNvPr id="40" name="文本框 39">
+            <a:extLst>
+              <a:ext uri="{FF2B5EF4-FFF2-40B4-BE49-F238E27FC236}">
+                <a16:creationId xmlns:a16="http://schemas.microsoft.com/office/drawing/2014/main" id="{625B8B52-392B-45E7-B07E-EDFEF1076834}"/>
+              </a:ext>
+            </a:extLst>
+          </p:cNvPr>
+          <p:cNvSpPr txBox="1"/>
+          <p:nvPr/>
+        </p:nvSpPr>
+        <p:spPr>
+          <a:xfrm>
+            <a:off x="7046688" y="5872333"/>
+            <a:ext cx="1184940" cy="369332"/>
+          </a:xfrm>
+          <a:prstGeom prst="rect">
+            <a:avLst/>
+          </a:prstGeom>
+          <a:noFill/>
+        </p:spPr>
+        <p:txBody>
+          <a:bodyPr wrap="none" rtlCol="0">
+            <a:spAutoFit/>
+          </a:bodyPr>
+          <a:lstStyle/>
+          <a:p>
+            <a:r>
+              <a:rPr lang="en-US" altLang="zh-CN"/>
+              <a:t>N+1 Page</a:t>
+            </a:r>
+            <a:endParaRPr lang="zh-CN" altLang="en-US"/>
+          </a:p>
+        </p:txBody>
+      </p:sp>
+      <p:sp>
+        <p:nvSpPr>
+          <p:cNvPr id="41" name="矩形 40">
+            <a:extLst>
+              <a:ext uri="{FF2B5EF4-FFF2-40B4-BE49-F238E27FC236}">
+                <a16:creationId xmlns:a16="http://schemas.microsoft.com/office/drawing/2014/main" id="{090F9E07-D62E-4D81-902D-BBC1F6180877}"/>
+              </a:ext>
+            </a:extLst>
+          </p:cNvPr>
+          <p:cNvSpPr/>
+          <p:nvPr/>
+        </p:nvSpPr>
+        <p:spPr>
+          <a:xfrm>
+            <a:off x="1530030" y="485726"/>
+            <a:ext cx="550151" cy="923330"/>
+          </a:xfrm>
+          <a:prstGeom prst="rect">
+            <a:avLst/>
+          </a:prstGeom>
+          <a:noFill/>
+        </p:spPr>
+        <p:txBody>
+          <a:bodyPr wrap="none" lIns="91440" tIns="45720" rIns="91440" bIns="45720">
+            <a:spAutoFit/>
+          </a:bodyPr>
+          <a:lstStyle/>
+          <a:p>
+            <a:pPr algn="ctr"/>
+            <a:r>
+              <a:rPr lang="en-US" altLang="zh-CN" sz="5400" b="0" cap="none" spc="0">
+                <a:ln w="0"/>
+                <a:solidFill>
+                  <a:schemeClr val="accent1"/>
+                </a:solidFill>
+                <a:effectLst>
+                  <a:outerShdw blurRad="38100" dist="25400" dir="5400000" algn="ctr" rotWithShape="0">
+                    <a:srgbClr val="6E747A">
+                      <a:alpha val="43000"/>
+                    </a:srgbClr>
+                  </a:outerShdw>
+                </a:effectLst>
+              </a:rPr>
+              <a:t>1</a:t>
+            </a:r>
+            <a:endParaRPr lang="zh-CN" altLang="en-US" sz="5400" b="0" cap="none" spc="0">
+              <a:ln w="0"/>
+              <a:solidFill>
+                <a:schemeClr val="accent1"/>
+              </a:solidFill>
+              <a:effectLst>
+                <a:outerShdw blurRad="38100" dist="25400" dir="5400000" algn="ctr" rotWithShape="0">
+                  <a:srgbClr val="6E747A">
+                    <a:alpha val="43000"/>
+                  </a:srgbClr>
+                </a:outerShdw>
+              </a:effectLst>
+            </a:endParaRPr>
+          </a:p>
+        </p:txBody>
+      </p:sp>
+      <p:sp>
+        <p:nvSpPr>
+          <p:cNvPr id="42" name="矩形 41">
+            <a:extLst>
+              <a:ext uri="{FF2B5EF4-FFF2-40B4-BE49-F238E27FC236}">
+                <a16:creationId xmlns:a16="http://schemas.microsoft.com/office/drawing/2014/main" id="{D799ACE4-59FF-46DC-B3AD-45FADC14C2DB}"/>
+              </a:ext>
+            </a:extLst>
+          </p:cNvPr>
+          <p:cNvSpPr/>
+          <p:nvPr/>
+        </p:nvSpPr>
+        <p:spPr>
+          <a:xfrm>
+            <a:off x="1506466" y="1972267"/>
+            <a:ext cx="550151" cy="923330"/>
+          </a:xfrm>
+          <a:prstGeom prst="rect">
+            <a:avLst/>
+          </a:prstGeom>
+          <a:noFill/>
+        </p:spPr>
+        <p:txBody>
+          <a:bodyPr wrap="none" lIns="91440" tIns="45720" rIns="91440" bIns="45720">
+            <a:spAutoFit/>
+          </a:bodyPr>
+          <a:lstStyle/>
+          <a:p>
+            <a:pPr algn="ctr"/>
+            <a:r>
+              <a:rPr lang="en-US" altLang="zh-CN" sz="5400" b="0" cap="none" spc="0">
+                <a:ln w="0"/>
+                <a:solidFill>
+                  <a:schemeClr val="accent1"/>
+                </a:solidFill>
+                <a:effectLst>
+                  <a:outerShdw blurRad="38100" dist="25400" dir="5400000" algn="ctr" rotWithShape="0">
+                    <a:srgbClr val="6E747A">
+                      <a:alpha val="43000"/>
+                    </a:srgbClr>
+                  </a:outerShdw>
+                </a:effectLst>
+              </a:rPr>
+              <a:t>2</a:t>
+            </a:r>
+            <a:endParaRPr lang="zh-CN" altLang="en-US" sz="5400" b="0" cap="none" spc="0">
+              <a:ln w="0"/>
+              <a:solidFill>
+                <a:schemeClr val="accent1"/>
+              </a:solidFill>
+              <a:effectLst>
+                <a:outerShdw blurRad="38100" dist="25400" dir="5400000" algn="ctr" rotWithShape="0">
+                  <a:srgbClr val="6E747A">
+                    <a:alpha val="43000"/>
+                  </a:srgbClr>
+                </a:outerShdw>
+              </a:effectLst>
+            </a:endParaRPr>
+          </a:p>
+        </p:txBody>
+      </p:sp>
+      <p:sp>
+        <p:nvSpPr>
+          <p:cNvPr id="43" name="矩形 42">
+            <a:extLst>
+              <a:ext uri="{FF2B5EF4-FFF2-40B4-BE49-F238E27FC236}">
+                <a16:creationId xmlns:a16="http://schemas.microsoft.com/office/drawing/2014/main" id="{C4A46A63-8294-483E-A9A0-86C91D28A8B2}"/>
+              </a:ext>
+            </a:extLst>
+          </p:cNvPr>
+          <p:cNvSpPr/>
+          <p:nvPr/>
+        </p:nvSpPr>
+        <p:spPr>
+          <a:xfrm>
+            <a:off x="1501754" y="3436071"/>
+            <a:ext cx="550151" cy="923330"/>
+          </a:xfrm>
+          <a:prstGeom prst="rect">
+            <a:avLst/>
+          </a:prstGeom>
+          <a:noFill/>
+        </p:spPr>
+        <p:txBody>
+          <a:bodyPr wrap="none" lIns="91440" tIns="45720" rIns="91440" bIns="45720">
+            <a:spAutoFit/>
+          </a:bodyPr>
+          <a:lstStyle/>
+          <a:p>
+            <a:pPr algn="ctr"/>
+            <a:r>
+              <a:rPr lang="en-US" altLang="zh-CN" sz="5400" b="0" cap="none" spc="0">
+                <a:ln w="0"/>
+                <a:solidFill>
+                  <a:schemeClr val="accent1"/>
+                </a:solidFill>
+                <a:effectLst>
+                  <a:outerShdw blurRad="38100" dist="25400" dir="5400000" algn="ctr" rotWithShape="0">
+                    <a:srgbClr val="6E747A">
+                      <a:alpha val="43000"/>
+                    </a:srgbClr>
+                  </a:outerShdw>
+                </a:effectLst>
+              </a:rPr>
+              <a:t>3</a:t>
+            </a:r>
+            <a:endParaRPr lang="zh-CN" altLang="en-US" sz="5400" b="0" cap="none" spc="0">
+              <a:ln w="0"/>
+              <a:solidFill>
+                <a:schemeClr val="accent1"/>
+              </a:solidFill>
+              <a:effectLst>
+                <a:outerShdw blurRad="38100" dist="25400" dir="5400000" algn="ctr" rotWithShape="0">
+                  <a:srgbClr val="6E747A">
+                    <a:alpha val="43000"/>
+                  </a:srgbClr>
+                </a:outerShdw>
+              </a:effectLst>
+            </a:endParaRPr>
+          </a:p>
+        </p:txBody>
+      </p:sp>
+      <p:sp>
+        <p:nvSpPr>
+          <p:cNvPr id="44" name="矩形 43">
+            <a:extLst>
+              <a:ext uri="{FF2B5EF4-FFF2-40B4-BE49-F238E27FC236}">
+                <a16:creationId xmlns:a16="http://schemas.microsoft.com/office/drawing/2014/main" id="{C2C31F1E-C4C3-42C5-9D9B-686489D41E03}"/>
+              </a:ext>
+            </a:extLst>
+          </p:cNvPr>
+          <p:cNvSpPr/>
+          <p:nvPr/>
+        </p:nvSpPr>
+        <p:spPr>
+          <a:xfrm>
+            <a:off x="1490624" y="4935427"/>
+            <a:ext cx="550151" cy="923330"/>
+          </a:xfrm>
+          <a:prstGeom prst="rect">
+            <a:avLst/>
+          </a:prstGeom>
+          <a:noFill/>
+        </p:spPr>
+        <p:txBody>
+          <a:bodyPr wrap="none" lIns="91440" tIns="45720" rIns="91440" bIns="45720">
+            <a:spAutoFit/>
+          </a:bodyPr>
+          <a:lstStyle/>
+          <a:p>
+            <a:pPr algn="ctr"/>
+            <a:r>
+              <a:rPr lang="en-US" altLang="zh-CN" sz="5400" b="0" cap="none" spc="0">
+                <a:ln w="0"/>
+                <a:solidFill>
+                  <a:schemeClr val="accent1"/>
+                </a:solidFill>
+                <a:effectLst>
+                  <a:outerShdw blurRad="38100" dist="25400" dir="5400000" algn="ctr" rotWithShape="0">
+                    <a:srgbClr val="6E747A">
+                      <a:alpha val="43000"/>
+                    </a:srgbClr>
+                  </a:outerShdw>
+                </a:effectLst>
+              </a:rPr>
+              <a:t>4</a:t>
+            </a:r>
+            <a:endParaRPr lang="zh-CN" altLang="en-US" sz="5400" b="0" cap="none" spc="0">
+              <a:ln w="0"/>
+              <a:solidFill>
+                <a:schemeClr val="accent1"/>
+              </a:solidFill>
+              <a:effectLst>
+                <a:outerShdw blurRad="38100" dist="25400" dir="5400000" algn="ctr" rotWithShape="0">
+                  <a:srgbClr val="6E747A">
+                    <a:alpha val="43000"/>
+                  </a:srgbClr>
+                </a:outerShdw>
+              </a:effectLst>
+            </a:endParaRPr>
+          </a:p>
+        </p:txBody>
+      </p:sp>
+    </p:spTree>
+    <p:extLst>
+      <p:ext uri="{BB962C8B-B14F-4D97-AF65-F5344CB8AC3E}">
+        <p14:creationId xmlns:p14="http://schemas.microsoft.com/office/powerpoint/2010/main" val="4019223962"/>
+      </p:ext>
+    </p:extLst>
+  </p:cSld>
+  <p:clrMapOvr>
+    <a:masterClrMapping/>
+  </p:clrMapOvr>
+</p:sld>
+</file>
+
+<file path=ppt/slides/slide27.xml><?xml version="1.0" encoding="utf-8"?>
+<p:sld xmlns:a="http://schemas.openxmlformats.org/drawingml/2006/main" xmlns:r="http://schemas.openxmlformats.org/officeDocument/2006/relationships" xmlns:p="http://schemas.openxmlformats.org/presentationml/2006/main">
+  <p:cSld>
+    <p:spTree>
+      <p:nvGrpSpPr>
+        <p:cNvPr id="1" name=""/>
+        <p:cNvGrpSpPr/>
+        <p:nvPr/>
+      </p:nvGrpSpPr>
+      <p:grpSpPr>
+        <a:xfrm>
+          <a:off x="0" y="0"/>
+          <a:ext cx="0" cy="0"/>
+          <a:chOff x="0" y="0"/>
+          <a:chExt cx="0" cy="0"/>
+        </a:xfrm>
+      </p:grpSpPr>
+      <p:sp>
+        <p:nvSpPr>
+          <p:cNvPr id="4" name="矩形 3">
+            <a:extLst>
+              <a:ext uri="{FF2B5EF4-FFF2-40B4-BE49-F238E27FC236}">
+                <a16:creationId xmlns:a16="http://schemas.microsoft.com/office/drawing/2014/main" id="{BF1E9A8A-43FC-4BA7-AD49-2CADD7F7BEC3}"/>
+              </a:ext>
+            </a:extLst>
+          </p:cNvPr>
+          <p:cNvSpPr/>
+          <p:nvPr/>
+        </p:nvSpPr>
+        <p:spPr>
+          <a:xfrm>
+            <a:off x="3079423" y="527902"/>
+            <a:ext cx="3016577" cy="886119"/>
+          </a:xfrm>
+          <a:prstGeom prst="rect">
+            <a:avLst/>
+          </a:prstGeom>
+        </p:spPr>
+        <p:style>
+          <a:lnRef idx="2">
+            <a:schemeClr val="accent6">
+              <a:shade val="50000"/>
+            </a:schemeClr>
+          </a:lnRef>
+          <a:fillRef idx="1">
+            <a:schemeClr val="accent6"/>
+          </a:fillRef>
+          <a:effectRef idx="0">
+            <a:schemeClr val="accent6"/>
+          </a:effectRef>
+          <a:fontRef idx="minor">
+            <a:schemeClr val="lt1"/>
+          </a:fontRef>
+        </p:style>
+        <p:txBody>
+          <a:bodyPr rtlCol="0" anchor="ctr"/>
+          <a:lstStyle/>
+          <a:p>
+            <a:pPr algn="ctr"/>
+            <a:endParaRPr lang="zh-CN" altLang="en-US"/>
+          </a:p>
+        </p:txBody>
+      </p:sp>
+      <p:sp>
+        <p:nvSpPr>
+          <p:cNvPr id="5" name="矩形 4">
+            <a:extLst>
+              <a:ext uri="{FF2B5EF4-FFF2-40B4-BE49-F238E27FC236}">
+                <a16:creationId xmlns:a16="http://schemas.microsoft.com/office/drawing/2014/main" id="{3E802489-4409-416C-A5A0-0C785508B463}"/>
+              </a:ext>
+            </a:extLst>
+          </p:cNvPr>
+          <p:cNvSpPr/>
+          <p:nvPr/>
+        </p:nvSpPr>
+        <p:spPr>
+          <a:xfrm>
+            <a:off x="6096000" y="527901"/>
+            <a:ext cx="3016577" cy="886119"/>
+          </a:xfrm>
+          <a:prstGeom prst="rect">
+            <a:avLst/>
+          </a:prstGeom>
+        </p:spPr>
+        <p:style>
+          <a:lnRef idx="2">
+            <a:schemeClr val="accent6">
+              <a:shade val="50000"/>
+            </a:schemeClr>
+          </a:lnRef>
+          <a:fillRef idx="1">
+            <a:schemeClr val="accent6"/>
+          </a:fillRef>
+          <a:effectRef idx="0">
+            <a:schemeClr val="accent6"/>
+          </a:effectRef>
+          <a:fontRef idx="minor">
+            <a:schemeClr val="lt1"/>
+          </a:fontRef>
+        </p:style>
+        <p:txBody>
+          <a:bodyPr rtlCol="0" anchor="ctr"/>
+          <a:lstStyle/>
+          <a:p>
+            <a:pPr algn="ctr"/>
+            <a:endParaRPr lang="zh-CN" altLang="en-US"/>
+          </a:p>
+        </p:txBody>
+      </p:sp>
+      <p:sp>
+        <p:nvSpPr>
+          <p:cNvPr id="7" name="矩形: 圆角 6">
+            <a:extLst>
+              <a:ext uri="{FF2B5EF4-FFF2-40B4-BE49-F238E27FC236}">
+                <a16:creationId xmlns:a16="http://schemas.microsoft.com/office/drawing/2014/main" id="{2DB23960-2A92-4ABE-A87F-FB55237E1F9A}"/>
+              </a:ext>
+            </a:extLst>
+          </p:cNvPr>
+          <p:cNvSpPr/>
+          <p:nvPr/>
+        </p:nvSpPr>
+        <p:spPr>
+          <a:xfrm>
+            <a:off x="4092803" y="650448"/>
+            <a:ext cx="989816" cy="593889"/>
+          </a:xfrm>
+          <a:prstGeom prst="roundRect">
+            <a:avLst/>
+          </a:prstGeom>
+        </p:spPr>
+        <p:style>
+          <a:lnRef idx="2">
+            <a:schemeClr val="accent4">
+              <a:shade val="50000"/>
+            </a:schemeClr>
+          </a:lnRef>
+          <a:fillRef idx="1">
+            <a:schemeClr val="accent4"/>
+          </a:fillRef>
+          <a:effectRef idx="0">
+            <a:schemeClr val="accent4"/>
+          </a:effectRef>
+          <a:fontRef idx="minor">
+            <a:schemeClr val="lt1"/>
+          </a:fontRef>
+        </p:style>
+        <p:txBody>
+          <a:bodyPr rtlCol="0" anchor="ctr"/>
+          <a:lstStyle/>
+          <a:p>
+            <a:pPr algn="ctr"/>
+            <a:r>
+              <a:rPr lang="en-US" altLang="zh-CN"/>
+              <a:t>buffer</a:t>
+            </a:r>
+            <a:endParaRPr lang="zh-CN" altLang="en-US"/>
+          </a:p>
+        </p:txBody>
+      </p:sp>
+      <p:sp>
+        <p:nvSpPr>
+          <p:cNvPr id="10" name="矩形 9">
+            <a:extLst>
+              <a:ext uri="{FF2B5EF4-FFF2-40B4-BE49-F238E27FC236}">
+                <a16:creationId xmlns:a16="http://schemas.microsoft.com/office/drawing/2014/main" id="{2353D926-D6B3-4D18-B115-2874BC315ADF}"/>
+              </a:ext>
+            </a:extLst>
+          </p:cNvPr>
+          <p:cNvSpPr/>
+          <p:nvPr/>
+        </p:nvSpPr>
+        <p:spPr>
+          <a:xfrm>
+            <a:off x="3079423" y="2009482"/>
+            <a:ext cx="3016577" cy="886119"/>
+          </a:xfrm>
+          <a:prstGeom prst="rect">
+            <a:avLst/>
+          </a:prstGeom>
+        </p:spPr>
+        <p:style>
+          <a:lnRef idx="2">
+            <a:schemeClr val="accent6">
+              <a:shade val="50000"/>
+            </a:schemeClr>
+          </a:lnRef>
+          <a:fillRef idx="1">
+            <a:schemeClr val="accent6"/>
+          </a:fillRef>
+          <a:effectRef idx="0">
+            <a:schemeClr val="accent6"/>
+          </a:effectRef>
+          <a:fontRef idx="minor">
+            <a:schemeClr val="lt1"/>
+          </a:fontRef>
+        </p:style>
+        <p:txBody>
+          <a:bodyPr rtlCol="0" anchor="ctr"/>
+          <a:lstStyle/>
+          <a:p>
+            <a:pPr algn="ctr"/>
+            <a:endParaRPr lang="zh-CN" altLang="en-US"/>
+          </a:p>
+        </p:txBody>
+      </p:sp>
+      <p:sp>
+        <p:nvSpPr>
+          <p:cNvPr id="11" name="矩形 10">
+            <a:extLst>
+              <a:ext uri="{FF2B5EF4-FFF2-40B4-BE49-F238E27FC236}">
+                <a16:creationId xmlns:a16="http://schemas.microsoft.com/office/drawing/2014/main" id="{FDF03E4A-06CE-40CD-8FDC-B671716921D1}"/>
+              </a:ext>
+            </a:extLst>
+          </p:cNvPr>
+          <p:cNvSpPr/>
+          <p:nvPr/>
+        </p:nvSpPr>
+        <p:spPr>
+          <a:xfrm>
+            <a:off x="6096000" y="2009481"/>
+            <a:ext cx="3016577" cy="886119"/>
+          </a:xfrm>
+          <a:prstGeom prst="rect">
+            <a:avLst/>
+          </a:prstGeom>
+        </p:spPr>
+        <p:style>
+          <a:lnRef idx="2">
+            <a:schemeClr val="accent6">
+              <a:shade val="50000"/>
+            </a:schemeClr>
+          </a:lnRef>
+          <a:fillRef idx="1">
+            <a:schemeClr val="accent6"/>
+          </a:fillRef>
+          <a:effectRef idx="0">
+            <a:schemeClr val="accent6"/>
+          </a:effectRef>
+          <a:fontRef idx="minor">
+            <a:schemeClr val="lt1"/>
+          </a:fontRef>
+        </p:style>
+        <p:txBody>
+          <a:bodyPr rtlCol="0" anchor="ctr"/>
+          <a:lstStyle/>
+          <a:p>
+            <a:pPr algn="ctr"/>
+            <a:endParaRPr lang="zh-CN" altLang="en-US"/>
+          </a:p>
+        </p:txBody>
+      </p:sp>
+      <p:sp>
+        <p:nvSpPr>
+          <p:cNvPr id="16" name="矩形 15">
+            <a:extLst>
+              <a:ext uri="{FF2B5EF4-FFF2-40B4-BE49-F238E27FC236}">
+                <a16:creationId xmlns:a16="http://schemas.microsoft.com/office/drawing/2014/main" id="{7C5DD753-7320-431B-9633-A7CBAB40A1DD}"/>
+              </a:ext>
+            </a:extLst>
+          </p:cNvPr>
+          <p:cNvSpPr/>
+          <p:nvPr/>
+        </p:nvSpPr>
+        <p:spPr>
+          <a:xfrm>
+            <a:off x="3079423" y="3491061"/>
+            <a:ext cx="3016577" cy="886119"/>
+          </a:xfrm>
+          <a:prstGeom prst="rect">
+            <a:avLst/>
+          </a:prstGeom>
+        </p:spPr>
+        <p:style>
+          <a:lnRef idx="2">
+            <a:schemeClr val="accent6">
+              <a:shade val="50000"/>
+            </a:schemeClr>
+          </a:lnRef>
+          <a:fillRef idx="1">
+            <a:schemeClr val="accent6"/>
+          </a:fillRef>
+          <a:effectRef idx="0">
+            <a:schemeClr val="accent6"/>
+          </a:effectRef>
+          <a:fontRef idx="minor">
+            <a:schemeClr val="lt1"/>
+          </a:fontRef>
+        </p:style>
+        <p:txBody>
+          <a:bodyPr rtlCol="0" anchor="ctr"/>
+          <a:lstStyle/>
+          <a:p>
+            <a:pPr algn="ctr"/>
+            <a:endParaRPr lang="zh-CN" altLang="en-US"/>
+          </a:p>
+        </p:txBody>
+      </p:sp>
+      <p:sp>
+        <p:nvSpPr>
+          <p:cNvPr id="17" name="矩形 16">
+            <a:extLst>
+              <a:ext uri="{FF2B5EF4-FFF2-40B4-BE49-F238E27FC236}">
+                <a16:creationId xmlns:a16="http://schemas.microsoft.com/office/drawing/2014/main" id="{B0C16325-636D-4916-88CF-939963A927D7}"/>
+              </a:ext>
+            </a:extLst>
+          </p:cNvPr>
+          <p:cNvSpPr/>
+          <p:nvPr/>
+        </p:nvSpPr>
+        <p:spPr>
+          <a:xfrm>
+            <a:off x="6096000" y="3491060"/>
+            <a:ext cx="3016577" cy="886119"/>
+          </a:xfrm>
+          <a:prstGeom prst="rect">
+            <a:avLst/>
+          </a:prstGeom>
+        </p:spPr>
+        <p:style>
+          <a:lnRef idx="2">
+            <a:schemeClr val="accent6">
+              <a:shade val="50000"/>
+            </a:schemeClr>
+          </a:lnRef>
+          <a:fillRef idx="1">
+            <a:schemeClr val="accent6"/>
+          </a:fillRef>
+          <a:effectRef idx="0">
+            <a:schemeClr val="accent6"/>
+          </a:effectRef>
+          <a:fontRef idx="minor">
+            <a:schemeClr val="lt1"/>
+          </a:fontRef>
+        </p:style>
+        <p:txBody>
+          <a:bodyPr rtlCol="0" anchor="ctr"/>
+          <a:lstStyle/>
+          <a:p>
+            <a:pPr algn="ctr"/>
+            <a:endParaRPr lang="zh-CN" altLang="en-US"/>
+          </a:p>
+        </p:txBody>
+      </p:sp>
+      <p:sp>
+        <p:nvSpPr>
+          <p:cNvPr id="22" name="矩形 21">
+            <a:extLst>
+              <a:ext uri="{FF2B5EF4-FFF2-40B4-BE49-F238E27FC236}">
+                <a16:creationId xmlns:a16="http://schemas.microsoft.com/office/drawing/2014/main" id="{0A04955A-B52A-44C6-9920-B9126912B5C8}"/>
+              </a:ext>
+            </a:extLst>
+          </p:cNvPr>
+          <p:cNvSpPr/>
+          <p:nvPr/>
+        </p:nvSpPr>
+        <p:spPr>
+          <a:xfrm>
+            <a:off x="3079423" y="4972639"/>
+            <a:ext cx="3016577" cy="886119"/>
+          </a:xfrm>
+          <a:prstGeom prst="rect">
+            <a:avLst/>
+          </a:prstGeom>
+        </p:spPr>
+        <p:style>
+          <a:lnRef idx="2">
+            <a:schemeClr val="accent6">
+              <a:shade val="50000"/>
+            </a:schemeClr>
+          </a:lnRef>
+          <a:fillRef idx="1">
+            <a:schemeClr val="accent6"/>
+          </a:fillRef>
+          <a:effectRef idx="0">
+            <a:schemeClr val="accent6"/>
+          </a:effectRef>
+          <a:fontRef idx="minor">
+            <a:schemeClr val="lt1"/>
+          </a:fontRef>
+        </p:style>
+        <p:txBody>
+          <a:bodyPr rtlCol="0" anchor="ctr"/>
+          <a:lstStyle/>
+          <a:p>
+            <a:pPr algn="ctr"/>
+            <a:endParaRPr lang="zh-CN" altLang="en-US"/>
+          </a:p>
+        </p:txBody>
+      </p:sp>
+      <p:sp>
+        <p:nvSpPr>
+          <p:cNvPr id="23" name="矩形 22">
+            <a:extLst>
+              <a:ext uri="{FF2B5EF4-FFF2-40B4-BE49-F238E27FC236}">
+                <a16:creationId xmlns:a16="http://schemas.microsoft.com/office/drawing/2014/main" id="{DFBE01CD-6850-4EFC-A691-E892959D5162}"/>
+              </a:ext>
+            </a:extLst>
+          </p:cNvPr>
+          <p:cNvSpPr/>
+          <p:nvPr/>
+        </p:nvSpPr>
+        <p:spPr>
+          <a:xfrm>
+            <a:off x="6096000" y="4972638"/>
+            <a:ext cx="3016577" cy="886119"/>
+          </a:xfrm>
+          <a:prstGeom prst="rect">
+            <a:avLst/>
+          </a:prstGeom>
+        </p:spPr>
+        <p:style>
+          <a:lnRef idx="2">
+            <a:schemeClr val="accent6">
+              <a:shade val="50000"/>
+            </a:schemeClr>
+          </a:lnRef>
+          <a:fillRef idx="1">
+            <a:schemeClr val="accent6"/>
+          </a:fillRef>
+          <a:effectRef idx="0">
+            <a:schemeClr val="accent6"/>
+          </a:effectRef>
+          <a:fontRef idx="minor">
+            <a:schemeClr val="lt1"/>
+          </a:fontRef>
+        </p:style>
+        <p:txBody>
+          <a:bodyPr rtlCol="0" anchor="ctr"/>
+          <a:lstStyle/>
+          <a:p>
+            <a:pPr algn="ctr"/>
+            <a:endParaRPr lang="zh-CN" altLang="en-US"/>
+          </a:p>
+        </p:txBody>
+      </p:sp>
+      <p:sp>
+        <p:nvSpPr>
+          <p:cNvPr id="26" name="矩形: 圆角 25">
+            <a:extLst>
+              <a:ext uri="{FF2B5EF4-FFF2-40B4-BE49-F238E27FC236}">
+                <a16:creationId xmlns:a16="http://schemas.microsoft.com/office/drawing/2014/main" id="{0CE8FAD2-40B9-4BD4-9E12-DD4705C98EAD}"/>
+              </a:ext>
+            </a:extLst>
+          </p:cNvPr>
+          <p:cNvSpPr/>
+          <p:nvPr/>
+        </p:nvSpPr>
+        <p:spPr>
+          <a:xfrm>
+            <a:off x="7109380" y="650447"/>
+            <a:ext cx="989816" cy="593889"/>
+          </a:xfrm>
+          <a:prstGeom prst="roundRect">
+            <a:avLst/>
+          </a:prstGeom>
+        </p:spPr>
+        <p:style>
+          <a:lnRef idx="2">
+            <a:schemeClr val="accent4">
+              <a:shade val="50000"/>
+            </a:schemeClr>
+          </a:lnRef>
+          <a:fillRef idx="1">
+            <a:schemeClr val="accent4"/>
+          </a:fillRef>
+          <a:effectRef idx="0">
+            <a:schemeClr val="accent4"/>
+          </a:effectRef>
+          <a:fontRef idx="minor">
+            <a:schemeClr val="lt1"/>
+          </a:fontRef>
+        </p:style>
+        <p:txBody>
+          <a:bodyPr rtlCol="0" anchor="ctr"/>
+          <a:lstStyle/>
+          <a:p>
+            <a:pPr algn="ctr"/>
+            <a:r>
+              <a:rPr lang="en-US" altLang="zh-CN"/>
+              <a:t>next</a:t>
+            </a:r>
+            <a:endParaRPr lang="zh-CN" altLang="en-US"/>
+          </a:p>
+        </p:txBody>
+      </p:sp>
+      <p:sp>
+        <p:nvSpPr>
+          <p:cNvPr id="27" name="矩形: 圆角 26">
+            <a:extLst>
+              <a:ext uri="{FF2B5EF4-FFF2-40B4-BE49-F238E27FC236}">
+                <a16:creationId xmlns:a16="http://schemas.microsoft.com/office/drawing/2014/main" id="{739659B5-CD6D-4639-A0BD-FE8A192499B6}"/>
+              </a:ext>
+            </a:extLst>
+          </p:cNvPr>
+          <p:cNvSpPr/>
+          <p:nvPr/>
+        </p:nvSpPr>
+        <p:spPr>
+          <a:xfrm>
+            <a:off x="5498968" y="2155595"/>
+            <a:ext cx="989816" cy="593889"/>
+          </a:xfrm>
+          <a:prstGeom prst="roundRect">
+            <a:avLst/>
+          </a:prstGeom>
+        </p:spPr>
+        <p:style>
+          <a:lnRef idx="2">
+            <a:schemeClr val="accent4">
+              <a:shade val="50000"/>
+            </a:schemeClr>
+          </a:lnRef>
+          <a:fillRef idx="1">
+            <a:schemeClr val="accent4"/>
+          </a:fillRef>
+          <a:effectRef idx="0">
+            <a:schemeClr val="accent4"/>
+          </a:effectRef>
+          <a:fontRef idx="minor">
+            <a:schemeClr val="lt1"/>
+          </a:fontRef>
+        </p:style>
+        <p:txBody>
+          <a:bodyPr rtlCol="0" anchor="ctr"/>
+          <a:lstStyle/>
+          <a:p>
+            <a:pPr algn="ctr"/>
+            <a:r>
+              <a:rPr lang="en-US" altLang="zh-CN"/>
+              <a:t>buffer</a:t>
+            </a:r>
+            <a:endParaRPr lang="zh-CN" altLang="en-US"/>
+          </a:p>
+        </p:txBody>
+      </p:sp>
+      <p:sp>
+        <p:nvSpPr>
+          <p:cNvPr id="28" name="矩形: 圆角 27">
+            <a:extLst>
+              <a:ext uri="{FF2B5EF4-FFF2-40B4-BE49-F238E27FC236}">
+                <a16:creationId xmlns:a16="http://schemas.microsoft.com/office/drawing/2014/main" id="{413D2238-9C06-4057-9DC7-91DF935A8BC6}"/>
+              </a:ext>
+            </a:extLst>
+          </p:cNvPr>
+          <p:cNvSpPr/>
+          <p:nvPr/>
+        </p:nvSpPr>
+        <p:spPr>
+          <a:xfrm>
+            <a:off x="7085816" y="2155595"/>
+            <a:ext cx="989816" cy="593889"/>
+          </a:xfrm>
+          <a:prstGeom prst="roundRect">
+            <a:avLst/>
+          </a:prstGeom>
+        </p:spPr>
+        <p:style>
+          <a:lnRef idx="2">
+            <a:schemeClr val="accent4">
+              <a:shade val="50000"/>
+            </a:schemeClr>
+          </a:lnRef>
+          <a:fillRef idx="1">
+            <a:schemeClr val="accent4"/>
+          </a:fillRef>
+          <a:effectRef idx="0">
+            <a:schemeClr val="accent4"/>
+          </a:effectRef>
+          <a:fontRef idx="minor">
+            <a:schemeClr val="lt1"/>
+          </a:fontRef>
+        </p:style>
+        <p:txBody>
+          <a:bodyPr rtlCol="0" anchor="ctr"/>
+          <a:lstStyle/>
+          <a:p>
+            <a:pPr algn="ctr"/>
+            <a:r>
+              <a:rPr lang="en-US" altLang="zh-CN"/>
+              <a:t>next</a:t>
+            </a:r>
+            <a:endParaRPr lang="zh-CN" altLang="en-US"/>
+          </a:p>
+        </p:txBody>
+      </p:sp>
+      <p:sp>
+        <p:nvSpPr>
+          <p:cNvPr id="29" name="矩形: 圆角 28">
+            <a:extLst>
+              <a:ext uri="{FF2B5EF4-FFF2-40B4-BE49-F238E27FC236}">
+                <a16:creationId xmlns:a16="http://schemas.microsoft.com/office/drawing/2014/main" id="{19A61944-053A-4AD6-B11E-4421BFA8382E}"/>
+              </a:ext>
+            </a:extLst>
+          </p:cNvPr>
+          <p:cNvSpPr/>
+          <p:nvPr/>
+        </p:nvSpPr>
+        <p:spPr>
+          <a:xfrm>
+            <a:off x="4092803" y="3637174"/>
+            <a:ext cx="989816" cy="593889"/>
+          </a:xfrm>
+          <a:prstGeom prst="roundRect">
+            <a:avLst/>
+          </a:prstGeom>
+        </p:spPr>
+        <p:style>
+          <a:lnRef idx="2">
+            <a:schemeClr val="accent4">
+              <a:shade val="50000"/>
+            </a:schemeClr>
+          </a:lnRef>
+          <a:fillRef idx="1">
+            <a:schemeClr val="accent4"/>
+          </a:fillRef>
+          <a:effectRef idx="0">
+            <a:schemeClr val="accent4"/>
+          </a:effectRef>
+          <a:fontRef idx="minor">
+            <a:schemeClr val="lt1"/>
+          </a:fontRef>
+        </p:style>
+        <p:txBody>
+          <a:bodyPr rtlCol="0" anchor="ctr"/>
+          <a:lstStyle/>
+          <a:p>
+            <a:pPr algn="ctr"/>
+            <a:r>
+              <a:rPr lang="en-US" altLang="zh-CN"/>
+              <a:t>buffer</a:t>
+            </a:r>
+            <a:endParaRPr lang="zh-CN" altLang="en-US"/>
+          </a:p>
+        </p:txBody>
+      </p:sp>
+      <p:sp>
+        <p:nvSpPr>
+          <p:cNvPr id="30" name="矩形: 圆角 29">
+            <a:extLst>
+              <a:ext uri="{FF2B5EF4-FFF2-40B4-BE49-F238E27FC236}">
+                <a16:creationId xmlns:a16="http://schemas.microsoft.com/office/drawing/2014/main" id="{DAC8A1A8-AA87-46E5-B088-6F1BBB6C5987}"/>
+              </a:ext>
+            </a:extLst>
+          </p:cNvPr>
+          <p:cNvSpPr/>
+          <p:nvPr/>
+        </p:nvSpPr>
+        <p:spPr>
+          <a:xfrm>
+            <a:off x="5612874" y="3637174"/>
+            <a:ext cx="989816" cy="593889"/>
+          </a:xfrm>
+          <a:prstGeom prst="roundRect">
+            <a:avLst/>
+          </a:prstGeom>
+        </p:spPr>
+        <p:style>
+          <a:lnRef idx="2">
+            <a:schemeClr val="accent4">
+              <a:shade val="50000"/>
+            </a:schemeClr>
+          </a:lnRef>
+          <a:fillRef idx="1">
+            <a:schemeClr val="accent4"/>
+          </a:fillRef>
+          <a:effectRef idx="0">
+            <a:schemeClr val="accent4"/>
+          </a:effectRef>
+          <a:fontRef idx="minor">
+            <a:schemeClr val="lt1"/>
+          </a:fontRef>
+        </p:style>
+        <p:txBody>
+          <a:bodyPr rtlCol="0" anchor="ctr"/>
+          <a:lstStyle/>
+          <a:p>
+            <a:pPr algn="ctr"/>
+            <a:r>
+              <a:rPr lang="en-US" altLang="zh-CN"/>
+              <a:t>next</a:t>
+            </a:r>
+            <a:endParaRPr lang="zh-CN" altLang="en-US"/>
+          </a:p>
+        </p:txBody>
+      </p:sp>
+      <p:sp>
+        <p:nvSpPr>
+          <p:cNvPr id="31" name="矩形: 圆角 30">
+            <a:extLst>
+              <a:ext uri="{FF2B5EF4-FFF2-40B4-BE49-F238E27FC236}">
+                <a16:creationId xmlns:a16="http://schemas.microsoft.com/office/drawing/2014/main" id="{4DF4E956-FA10-4B4C-B76D-6F87C1867104}"/>
+              </a:ext>
+            </a:extLst>
+          </p:cNvPr>
+          <p:cNvSpPr/>
+          <p:nvPr/>
+        </p:nvSpPr>
+        <p:spPr>
+          <a:xfrm>
+            <a:off x="3579039" y="5118751"/>
+            <a:ext cx="989816" cy="593889"/>
+          </a:xfrm>
+          <a:prstGeom prst="roundRect">
+            <a:avLst/>
+          </a:prstGeom>
+        </p:spPr>
+        <p:style>
+          <a:lnRef idx="2">
+            <a:schemeClr val="accent4">
+              <a:shade val="50000"/>
+            </a:schemeClr>
+          </a:lnRef>
+          <a:fillRef idx="1">
+            <a:schemeClr val="accent4"/>
+          </a:fillRef>
+          <a:effectRef idx="0">
+            <a:schemeClr val="accent4"/>
+          </a:effectRef>
+          <a:fontRef idx="minor">
+            <a:schemeClr val="lt1"/>
+          </a:fontRef>
+        </p:style>
+        <p:txBody>
+          <a:bodyPr rtlCol="0" anchor="ctr"/>
+          <a:lstStyle/>
+          <a:p>
+            <a:pPr algn="ctr"/>
+            <a:r>
+              <a:rPr lang="en-US" altLang="zh-CN"/>
+              <a:t>buffer</a:t>
+            </a:r>
+            <a:endParaRPr lang="zh-CN" altLang="en-US"/>
+          </a:p>
+        </p:txBody>
+      </p:sp>
+      <p:sp>
+        <p:nvSpPr>
+          <p:cNvPr id="32" name="矩形: 圆角 31">
+            <a:extLst>
+              <a:ext uri="{FF2B5EF4-FFF2-40B4-BE49-F238E27FC236}">
+                <a16:creationId xmlns:a16="http://schemas.microsoft.com/office/drawing/2014/main" id="{71E87D3E-6C79-4191-84E4-16A9EFF3ACA8}"/>
+              </a:ext>
+            </a:extLst>
+          </p:cNvPr>
+          <p:cNvSpPr/>
+          <p:nvPr/>
+        </p:nvSpPr>
+        <p:spPr>
+          <a:xfrm>
+            <a:off x="4837519" y="5118751"/>
+            <a:ext cx="989816" cy="593889"/>
+          </a:xfrm>
+          <a:prstGeom prst="roundRect">
+            <a:avLst/>
+          </a:prstGeom>
+        </p:spPr>
+        <p:style>
+          <a:lnRef idx="2">
+            <a:schemeClr val="accent4">
+              <a:shade val="50000"/>
+            </a:schemeClr>
+          </a:lnRef>
+          <a:fillRef idx="1">
+            <a:schemeClr val="accent4"/>
+          </a:fillRef>
+          <a:effectRef idx="0">
+            <a:schemeClr val="accent4"/>
+          </a:effectRef>
+          <a:fontRef idx="minor">
+            <a:schemeClr val="lt1"/>
+          </a:fontRef>
+        </p:style>
+        <p:txBody>
+          <a:bodyPr rtlCol="0" anchor="ctr"/>
+          <a:lstStyle/>
+          <a:p>
+            <a:pPr algn="ctr"/>
+            <a:r>
+              <a:rPr lang="en-US" altLang="zh-CN"/>
+              <a:t>next</a:t>
+            </a:r>
+            <a:endParaRPr lang="zh-CN" altLang="en-US"/>
+          </a:p>
+        </p:txBody>
+      </p:sp>
+      <p:sp>
+        <p:nvSpPr>
+          <p:cNvPr id="33" name="文本框 32">
+            <a:extLst>
+              <a:ext uri="{FF2B5EF4-FFF2-40B4-BE49-F238E27FC236}">
+                <a16:creationId xmlns:a16="http://schemas.microsoft.com/office/drawing/2014/main" id="{E4A6A39E-7ECF-49C6-8669-DB8DABBCB950}"/>
+              </a:ext>
+            </a:extLst>
+          </p:cNvPr>
+          <p:cNvSpPr txBox="1"/>
+          <p:nvPr/>
+        </p:nvSpPr>
+        <p:spPr>
+          <a:xfrm>
+            <a:off x="4073947" y="1446790"/>
+            <a:ext cx="909223" cy="369332"/>
+          </a:xfrm>
+          <a:prstGeom prst="rect">
+            <a:avLst/>
+          </a:prstGeom>
+          <a:noFill/>
+        </p:spPr>
+        <p:txBody>
+          <a:bodyPr wrap="none" rtlCol="0">
+            <a:spAutoFit/>
+          </a:bodyPr>
+          <a:lstStyle/>
+          <a:p>
+            <a:r>
+              <a:rPr lang="en-US" altLang="zh-CN"/>
+              <a:t>N Page</a:t>
+            </a:r>
+            <a:endParaRPr lang="zh-CN" altLang="en-US"/>
+          </a:p>
+        </p:txBody>
+      </p:sp>
+      <p:sp>
+        <p:nvSpPr>
+          <p:cNvPr id="34" name="文本框 33">
+            <a:extLst>
+              <a:ext uri="{FF2B5EF4-FFF2-40B4-BE49-F238E27FC236}">
+                <a16:creationId xmlns:a16="http://schemas.microsoft.com/office/drawing/2014/main" id="{645EA2E5-734E-4B0A-AAA5-97839EE40D88}"/>
+              </a:ext>
+            </a:extLst>
+          </p:cNvPr>
+          <p:cNvSpPr txBox="1"/>
+          <p:nvPr/>
+        </p:nvSpPr>
+        <p:spPr>
+          <a:xfrm>
+            <a:off x="7085816" y="1456835"/>
+            <a:ext cx="1184940" cy="369332"/>
+          </a:xfrm>
+          <a:prstGeom prst="rect">
+            <a:avLst/>
+          </a:prstGeom>
+          <a:noFill/>
+        </p:spPr>
+        <p:txBody>
+          <a:bodyPr wrap="none" rtlCol="0">
+            <a:spAutoFit/>
+          </a:bodyPr>
+          <a:lstStyle/>
+          <a:p>
+            <a:r>
+              <a:rPr lang="en-US" altLang="zh-CN"/>
+              <a:t>N+1 Page</a:t>
+            </a:r>
+            <a:endParaRPr lang="zh-CN" altLang="en-US"/>
+          </a:p>
+        </p:txBody>
+      </p:sp>
+      <p:sp>
+        <p:nvSpPr>
+          <p:cNvPr id="35" name="文本框 34">
+            <a:extLst>
+              <a:ext uri="{FF2B5EF4-FFF2-40B4-BE49-F238E27FC236}">
+                <a16:creationId xmlns:a16="http://schemas.microsoft.com/office/drawing/2014/main" id="{6F11EEC3-368C-480A-9575-1FD6D4D2E5D6}"/>
+              </a:ext>
+            </a:extLst>
+          </p:cNvPr>
+          <p:cNvSpPr txBox="1"/>
+          <p:nvPr/>
+        </p:nvSpPr>
+        <p:spPr>
+          <a:xfrm>
+            <a:off x="4092803" y="2957430"/>
+            <a:ext cx="909223" cy="369332"/>
+          </a:xfrm>
+          <a:prstGeom prst="rect">
+            <a:avLst/>
+          </a:prstGeom>
+          <a:noFill/>
+        </p:spPr>
+        <p:txBody>
+          <a:bodyPr wrap="none" rtlCol="0">
+            <a:spAutoFit/>
+          </a:bodyPr>
+          <a:lstStyle/>
+          <a:p>
+            <a:r>
+              <a:rPr lang="en-US" altLang="zh-CN"/>
+              <a:t>N Page</a:t>
+            </a:r>
+            <a:endParaRPr lang="zh-CN" altLang="en-US"/>
+          </a:p>
+        </p:txBody>
+      </p:sp>
+      <p:sp>
+        <p:nvSpPr>
+          <p:cNvPr id="36" name="文本框 35">
+            <a:extLst>
+              <a:ext uri="{FF2B5EF4-FFF2-40B4-BE49-F238E27FC236}">
+                <a16:creationId xmlns:a16="http://schemas.microsoft.com/office/drawing/2014/main" id="{49AEAB53-DEFD-42A5-98CD-BFA65B05B2DA}"/>
+              </a:ext>
+            </a:extLst>
+          </p:cNvPr>
+          <p:cNvSpPr txBox="1"/>
+          <p:nvPr/>
+        </p:nvSpPr>
+        <p:spPr>
+          <a:xfrm>
+            <a:off x="4073946" y="4457189"/>
+            <a:ext cx="909223" cy="369332"/>
+          </a:xfrm>
+          <a:prstGeom prst="rect">
+            <a:avLst/>
+          </a:prstGeom>
+          <a:noFill/>
+        </p:spPr>
+        <p:txBody>
+          <a:bodyPr wrap="none" rtlCol="0">
+            <a:spAutoFit/>
+          </a:bodyPr>
+          <a:lstStyle/>
+          <a:p>
+            <a:r>
+              <a:rPr lang="en-US" altLang="zh-CN"/>
+              <a:t>N Page</a:t>
+            </a:r>
+            <a:endParaRPr lang="zh-CN" altLang="en-US"/>
+          </a:p>
+        </p:txBody>
+      </p:sp>
+      <p:sp>
+        <p:nvSpPr>
+          <p:cNvPr id="37" name="文本框 36">
+            <a:extLst>
+              <a:ext uri="{FF2B5EF4-FFF2-40B4-BE49-F238E27FC236}">
+                <a16:creationId xmlns:a16="http://schemas.microsoft.com/office/drawing/2014/main" id="{A7AE8A06-D1DE-452F-A2C6-E3CBAFB9296E}"/>
+              </a:ext>
+            </a:extLst>
+          </p:cNvPr>
+          <p:cNvSpPr txBox="1"/>
+          <p:nvPr/>
+        </p:nvSpPr>
+        <p:spPr>
+          <a:xfrm>
+            <a:off x="4073946" y="5873003"/>
+            <a:ext cx="909223" cy="369332"/>
+          </a:xfrm>
+          <a:prstGeom prst="rect">
+            <a:avLst/>
+          </a:prstGeom>
+          <a:noFill/>
+        </p:spPr>
+        <p:txBody>
+          <a:bodyPr wrap="none" rtlCol="0">
+            <a:spAutoFit/>
+          </a:bodyPr>
+          <a:lstStyle/>
+          <a:p>
+            <a:r>
+              <a:rPr lang="en-US" altLang="zh-CN"/>
+              <a:t>N Page</a:t>
+            </a:r>
+            <a:endParaRPr lang="zh-CN" altLang="en-US"/>
+          </a:p>
+        </p:txBody>
+      </p:sp>
+      <p:sp>
+        <p:nvSpPr>
+          <p:cNvPr id="38" name="文本框 37">
+            <a:extLst>
+              <a:ext uri="{FF2B5EF4-FFF2-40B4-BE49-F238E27FC236}">
+                <a16:creationId xmlns:a16="http://schemas.microsoft.com/office/drawing/2014/main" id="{DC9F35E9-6C6D-4E88-A4E4-D329CA7106DC}"/>
+              </a:ext>
+            </a:extLst>
+          </p:cNvPr>
+          <p:cNvSpPr txBox="1"/>
+          <p:nvPr/>
+        </p:nvSpPr>
+        <p:spPr>
+          <a:xfrm>
+            <a:off x="7011818" y="2943288"/>
+            <a:ext cx="1184940" cy="369332"/>
+          </a:xfrm>
+          <a:prstGeom prst="rect">
+            <a:avLst/>
+          </a:prstGeom>
+          <a:noFill/>
+        </p:spPr>
+        <p:txBody>
+          <a:bodyPr wrap="none" rtlCol="0">
+            <a:spAutoFit/>
+          </a:bodyPr>
+          <a:lstStyle/>
+          <a:p>
+            <a:r>
+              <a:rPr lang="en-US" altLang="zh-CN"/>
+              <a:t>N+1 Page</a:t>
+            </a:r>
+            <a:endParaRPr lang="zh-CN" altLang="en-US"/>
+          </a:p>
+        </p:txBody>
+      </p:sp>
+      <p:sp>
+        <p:nvSpPr>
+          <p:cNvPr id="39" name="文本框 38">
+            <a:extLst>
+              <a:ext uri="{FF2B5EF4-FFF2-40B4-BE49-F238E27FC236}">
+                <a16:creationId xmlns:a16="http://schemas.microsoft.com/office/drawing/2014/main" id="{CD8A2459-AA47-452B-ABCD-1E6F4077B330}"/>
+              </a:ext>
+            </a:extLst>
+          </p:cNvPr>
+          <p:cNvSpPr txBox="1"/>
+          <p:nvPr/>
+        </p:nvSpPr>
+        <p:spPr>
+          <a:xfrm>
+            <a:off x="7011818" y="4457189"/>
+            <a:ext cx="1184940" cy="369332"/>
+          </a:xfrm>
+          <a:prstGeom prst="rect">
+            <a:avLst/>
+          </a:prstGeom>
+          <a:noFill/>
+        </p:spPr>
+        <p:txBody>
+          <a:bodyPr wrap="none" rtlCol="0">
+            <a:spAutoFit/>
+          </a:bodyPr>
+          <a:lstStyle/>
+          <a:p>
+            <a:r>
+              <a:rPr lang="en-US" altLang="zh-CN"/>
+              <a:t>N+1 Page</a:t>
+            </a:r>
+            <a:endParaRPr lang="zh-CN" altLang="en-US"/>
+          </a:p>
+        </p:txBody>
+      </p:sp>
+      <p:sp>
+        <p:nvSpPr>
+          <p:cNvPr id="40" name="文本框 39">
+            <a:extLst>
+              <a:ext uri="{FF2B5EF4-FFF2-40B4-BE49-F238E27FC236}">
+                <a16:creationId xmlns:a16="http://schemas.microsoft.com/office/drawing/2014/main" id="{625B8B52-392B-45E7-B07E-EDFEF1076834}"/>
+              </a:ext>
+            </a:extLst>
+          </p:cNvPr>
+          <p:cNvSpPr txBox="1"/>
+          <p:nvPr/>
+        </p:nvSpPr>
+        <p:spPr>
+          <a:xfrm>
+            <a:off x="7046688" y="5872333"/>
+            <a:ext cx="1184940" cy="369332"/>
+          </a:xfrm>
+          <a:prstGeom prst="rect">
+            <a:avLst/>
+          </a:prstGeom>
+          <a:noFill/>
+        </p:spPr>
+        <p:txBody>
+          <a:bodyPr wrap="none" rtlCol="0">
+            <a:spAutoFit/>
+          </a:bodyPr>
+          <a:lstStyle/>
+          <a:p>
+            <a:r>
+              <a:rPr lang="en-US" altLang="zh-CN"/>
+              <a:t>N+1 Page</a:t>
+            </a:r>
+            <a:endParaRPr lang="zh-CN" altLang="en-US"/>
+          </a:p>
+        </p:txBody>
+      </p:sp>
+      <p:sp>
+        <p:nvSpPr>
+          <p:cNvPr id="41" name="矩形 40">
+            <a:extLst>
+              <a:ext uri="{FF2B5EF4-FFF2-40B4-BE49-F238E27FC236}">
+                <a16:creationId xmlns:a16="http://schemas.microsoft.com/office/drawing/2014/main" id="{090F9E07-D62E-4D81-902D-BBC1F6180877}"/>
+              </a:ext>
+            </a:extLst>
+          </p:cNvPr>
+          <p:cNvSpPr/>
+          <p:nvPr/>
+        </p:nvSpPr>
+        <p:spPr>
+          <a:xfrm>
+            <a:off x="1530030" y="485726"/>
+            <a:ext cx="550151" cy="923330"/>
+          </a:xfrm>
+          <a:prstGeom prst="rect">
+            <a:avLst/>
+          </a:prstGeom>
+          <a:noFill/>
+        </p:spPr>
+        <p:txBody>
+          <a:bodyPr wrap="none" lIns="91440" tIns="45720" rIns="91440" bIns="45720">
+            <a:spAutoFit/>
+          </a:bodyPr>
+          <a:lstStyle/>
+          <a:p>
+            <a:pPr algn="ctr"/>
+            <a:r>
+              <a:rPr lang="en-US" altLang="zh-CN" sz="5400" b="0" cap="none" spc="0">
+                <a:ln w="0"/>
+                <a:solidFill>
+                  <a:schemeClr val="accent1"/>
+                </a:solidFill>
+                <a:effectLst>
+                  <a:outerShdw blurRad="38100" dist="25400" dir="5400000" algn="ctr" rotWithShape="0">
+                    <a:srgbClr val="6E747A">
+                      <a:alpha val="43000"/>
+                    </a:srgbClr>
+                  </a:outerShdw>
+                </a:effectLst>
+              </a:rPr>
+              <a:t>1</a:t>
+            </a:r>
+            <a:endParaRPr lang="zh-CN" altLang="en-US" sz="5400" b="0" cap="none" spc="0">
+              <a:ln w="0"/>
+              <a:solidFill>
+                <a:schemeClr val="accent1"/>
+              </a:solidFill>
+              <a:effectLst>
+                <a:outerShdw blurRad="38100" dist="25400" dir="5400000" algn="ctr" rotWithShape="0">
+                  <a:srgbClr val="6E747A">
+                    <a:alpha val="43000"/>
+                  </a:srgbClr>
+                </a:outerShdw>
+              </a:effectLst>
+            </a:endParaRPr>
+          </a:p>
+        </p:txBody>
+      </p:sp>
+      <p:sp>
+        <p:nvSpPr>
+          <p:cNvPr id="42" name="矩形 41">
+            <a:extLst>
+              <a:ext uri="{FF2B5EF4-FFF2-40B4-BE49-F238E27FC236}">
+                <a16:creationId xmlns:a16="http://schemas.microsoft.com/office/drawing/2014/main" id="{D799ACE4-59FF-46DC-B3AD-45FADC14C2DB}"/>
+              </a:ext>
+            </a:extLst>
+          </p:cNvPr>
+          <p:cNvSpPr/>
+          <p:nvPr/>
+        </p:nvSpPr>
+        <p:spPr>
+          <a:xfrm>
+            <a:off x="1506466" y="1972267"/>
+            <a:ext cx="550151" cy="923330"/>
+          </a:xfrm>
+          <a:prstGeom prst="rect">
+            <a:avLst/>
+          </a:prstGeom>
+          <a:noFill/>
+        </p:spPr>
+        <p:txBody>
+          <a:bodyPr wrap="none" lIns="91440" tIns="45720" rIns="91440" bIns="45720">
+            <a:spAutoFit/>
+          </a:bodyPr>
+          <a:lstStyle/>
+          <a:p>
+            <a:pPr algn="ctr"/>
+            <a:r>
+              <a:rPr lang="en-US" altLang="zh-CN" sz="5400" b="0" cap="none" spc="0">
+                <a:ln w="0"/>
+                <a:solidFill>
+                  <a:schemeClr val="accent1"/>
+                </a:solidFill>
+                <a:effectLst>
+                  <a:outerShdw blurRad="38100" dist="25400" dir="5400000" algn="ctr" rotWithShape="0">
+                    <a:srgbClr val="6E747A">
+                      <a:alpha val="43000"/>
+                    </a:srgbClr>
+                  </a:outerShdw>
+                </a:effectLst>
+              </a:rPr>
+              <a:t>2</a:t>
+            </a:r>
+            <a:endParaRPr lang="zh-CN" altLang="en-US" sz="5400" b="0" cap="none" spc="0">
+              <a:ln w="0"/>
+              <a:solidFill>
+                <a:schemeClr val="accent1"/>
+              </a:solidFill>
+              <a:effectLst>
+                <a:outerShdw blurRad="38100" dist="25400" dir="5400000" algn="ctr" rotWithShape="0">
+                  <a:srgbClr val="6E747A">
+                    <a:alpha val="43000"/>
+                  </a:srgbClr>
+                </a:outerShdw>
+              </a:effectLst>
+            </a:endParaRPr>
+          </a:p>
+        </p:txBody>
+      </p:sp>
+      <p:sp>
+        <p:nvSpPr>
+          <p:cNvPr id="43" name="矩形 42">
+            <a:extLst>
+              <a:ext uri="{FF2B5EF4-FFF2-40B4-BE49-F238E27FC236}">
+                <a16:creationId xmlns:a16="http://schemas.microsoft.com/office/drawing/2014/main" id="{C4A46A63-8294-483E-A9A0-86C91D28A8B2}"/>
+              </a:ext>
+            </a:extLst>
+          </p:cNvPr>
+          <p:cNvSpPr/>
+          <p:nvPr/>
+        </p:nvSpPr>
+        <p:spPr>
+          <a:xfrm>
+            <a:off x="1501754" y="3436071"/>
+            <a:ext cx="550151" cy="923330"/>
+          </a:xfrm>
+          <a:prstGeom prst="rect">
+            <a:avLst/>
+          </a:prstGeom>
+          <a:noFill/>
+        </p:spPr>
+        <p:txBody>
+          <a:bodyPr wrap="none" lIns="91440" tIns="45720" rIns="91440" bIns="45720">
+            <a:spAutoFit/>
+          </a:bodyPr>
+          <a:lstStyle/>
+          <a:p>
+            <a:pPr algn="ctr"/>
+            <a:r>
+              <a:rPr lang="en-US" altLang="zh-CN" sz="5400" b="0" cap="none" spc="0">
+                <a:ln w="0"/>
+                <a:solidFill>
+                  <a:schemeClr val="accent1"/>
+                </a:solidFill>
+                <a:effectLst>
+                  <a:outerShdw blurRad="38100" dist="25400" dir="5400000" algn="ctr" rotWithShape="0">
+                    <a:srgbClr val="6E747A">
+                      <a:alpha val="43000"/>
+                    </a:srgbClr>
+                  </a:outerShdw>
+                </a:effectLst>
+              </a:rPr>
+              <a:t>3</a:t>
+            </a:r>
+            <a:endParaRPr lang="zh-CN" altLang="en-US" sz="5400" b="0" cap="none" spc="0">
+              <a:ln w="0"/>
+              <a:solidFill>
+                <a:schemeClr val="accent1"/>
+              </a:solidFill>
+              <a:effectLst>
+                <a:outerShdw blurRad="38100" dist="25400" dir="5400000" algn="ctr" rotWithShape="0">
+                  <a:srgbClr val="6E747A">
+                    <a:alpha val="43000"/>
+                  </a:srgbClr>
+                </a:outerShdw>
+              </a:effectLst>
+            </a:endParaRPr>
+          </a:p>
+        </p:txBody>
+      </p:sp>
+      <p:sp>
+        <p:nvSpPr>
+          <p:cNvPr id="44" name="矩形 43">
+            <a:extLst>
+              <a:ext uri="{FF2B5EF4-FFF2-40B4-BE49-F238E27FC236}">
+                <a16:creationId xmlns:a16="http://schemas.microsoft.com/office/drawing/2014/main" id="{C2C31F1E-C4C3-42C5-9D9B-686489D41E03}"/>
+              </a:ext>
+            </a:extLst>
+          </p:cNvPr>
+          <p:cNvSpPr/>
+          <p:nvPr/>
+        </p:nvSpPr>
+        <p:spPr>
+          <a:xfrm>
+            <a:off x="1490624" y="4935427"/>
+            <a:ext cx="550151" cy="923330"/>
+          </a:xfrm>
+          <a:prstGeom prst="rect">
+            <a:avLst/>
+          </a:prstGeom>
+          <a:noFill/>
+        </p:spPr>
+        <p:txBody>
+          <a:bodyPr wrap="none" lIns="91440" tIns="45720" rIns="91440" bIns="45720">
+            <a:spAutoFit/>
+          </a:bodyPr>
+          <a:lstStyle/>
+          <a:p>
+            <a:pPr algn="ctr"/>
+            <a:r>
+              <a:rPr lang="en-US" altLang="zh-CN" sz="5400" b="0" cap="none" spc="0">
+                <a:ln w="0"/>
+                <a:solidFill>
+                  <a:schemeClr val="accent1"/>
+                </a:solidFill>
+                <a:effectLst>
+                  <a:outerShdw blurRad="38100" dist="25400" dir="5400000" algn="ctr" rotWithShape="0">
+                    <a:srgbClr val="6E747A">
+                      <a:alpha val="43000"/>
+                    </a:srgbClr>
+                  </a:outerShdw>
+                </a:effectLst>
+              </a:rPr>
+              <a:t>4</a:t>
+            </a:r>
+            <a:endParaRPr lang="zh-CN" altLang="en-US" sz="5400" b="0" cap="none" spc="0">
+              <a:ln w="0"/>
+              <a:solidFill>
+                <a:schemeClr val="accent1"/>
+              </a:solidFill>
+              <a:effectLst>
+                <a:outerShdw blurRad="38100" dist="25400" dir="5400000" algn="ctr" rotWithShape="0">
+                  <a:srgbClr val="6E747A">
+                    <a:alpha val="43000"/>
+                  </a:srgbClr>
+                </a:outerShdw>
+              </a:effectLst>
+            </a:endParaRPr>
+          </a:p>
+        </p:txBody>
+      </p:sp>
+    </p:spTree>
+    <p:extLst>
+      <p:ext uri="{BB962C8B-B14F-4D97-AF65-F5344CB8AC3E}">
+        <p14:creationId xmlns:p14="http://schemas.microsoft.com/office/powerpoint/2010/main" val="3920996944"/>
       </p:ext>
     </p:extLst>
   </p:cSld>
@@ -34911,4 +37925,299 @@
     </a:ext>
   </a:extLst>
 </a:theme>
+</file>
+
+<file path=ppt/theme/theme2.xml><?xml version="1.0" encoding="utf-8"?>
+<a:theme xmlns:a="http://schemas.openxmlformats.org/drawingml/2006/main" name="Office 主题​​">
+  <a:themeElements>
+    <a:clrScheme name="Office">
+      <a:dk1>
+        <a:sysClr val="windowText" lastClr="000000"/>
+      </a:dk1>
+      <a:lt1>
+        <a:sysClr val="window" lastClr="FFFFFF"/>
+      </a:lt1>
+      <a:dk2>
+        <a:srgbClr val="44546A"/>
+      </a:dk2>
+      <a:lt2>
+        <a:srgbClr val="E7E6E6"/>
+      </a:lt2>
+      <a:accent1>
+        <a:srgbClr val="4472C4"/>
+      </a:accent1>
+      <a:accent2>
+        <a:srgbClr val="ED7D31"/>
+      </a:accent2>
+      <a:accent3>
+        <a:srgbClr val="A5A5A5"/>
+      </a:accent3>
+      <a:accent4>
+        <a:srgbClr val="FFC000"/>
+      </a:accent4>
+      <a:accent5>
+        <a:srgbClr val="5B9BD5"/>
+      </a:accent5>
+      <a:accent6>
+        <a:srgbClr val="70AD47"/>
+      </a:accent6>
+      <a:hlink>
+        <a:srgbClr val="0563C1"/>
+      </a:hlink>
+      <a:folHlink>
+        <a:srgbClr val="954F72"/>
+      </a:folHlink>
+    </a:clrScheme>
+    <a:fontScheme name="Office">
+      <a:majorFont>
+        <a:latin typeface="等线 Light" panose="020F0302020204030204"/>
+        <a:ea typeface=""/>
+        <a:cs typeface=""/>
+        <a:font script="Jpan" typeface="游ゴシック Light"/>
+        <a:font script="Hang" typeface="맑은 고딕"/>
+        <a:font script="Hans" typeface="等线 Light"/>
+        <a:font script="Hant" typeface="新細明體"/>
+        <a:font script="Arab" typeface="Times New Roman"/>
+        <a:font script="Hebr" typeface="Times New Roman"/>
+        <a:font script="Thai" typeface="Angsana New"/>
+        <a:font script="Ethi" typeface="Nyala"/>
+        <a:font script="Beng" typeface="Vrinda"/>
+        <a:font script="Gujr" typeface="Shruti"/>
+        <a:font script="Khmr" typeface="MoolBoran"/>
+        <a:font script="Knda" typeface="Tunga"/>
+        <a:font script="Guru" typeface="Raavi"/>
+        <a:font script="Cans" typeface="Euphemia"/>
+        <a:font script="Cher" typeface="Plantagenet Cherokee"/>
+        <a:font script="Yiii" typeface="Microsoft Yi Baiti"/>
+        <a:font script="Tibt" typeface="Microsoft Himalaya"/>
+        <a:font script="Thaa" typeface="MV Boli"/>
+        <a:font script="Deva" typeface="Mangal"/>
+        <a:font script="Telu" typeface="Gautami"/>
+        <a:font script="Taml" typeface="Latha"/>
+        <a:font script="Syrc" typeface="Estrangelo Edessa"/>
+        <a:font script="Orya" typeface="Kalinga"/>
+        <a:font script="Mlym" typeface="Kartika"/>
+        <a:font script="Laoo" typeface="DokChampa"/>
+        <a:font script="Sinh" typeface="Iskoola Pota"/>
+        <a:font script="Mong" typeface="Mongolian Baiti"/>
+        <a:font script="Viet" typeface="Times New Roman"/>
+        <a:font script="Uigh" typeface="Microsoft Uighur"/>
+        <a:font script="Geor" typeface="Sylfaen"/>
+        <a:font script="Armn" typeface="Arial"/>
+        <a:font script="Bugi" typeface="Leelawadee UI"/>
+        <a:font script="Bopo" typeface="Microsoft JhengHei"/>
+        <a:font script="Java" typeface="Javanese Text"/>
+        <a:font script="Lisu" typeface="Segoe UI"/>
+        <a:font script="Mymr" typeface="Myanmar Text"/>
+        <a:font script="Nkoo" typeface="Ebrima"/>
+        <a:font script="Olck" typeface="Nirmala UI"/>
+        <a:font script="Osma" typeface="Ebrima"/>
+        <a:font script="Phag" typeface="Phagspa"/>
+        <a:font script="Syrn" typeface="Estrangelo Edessa"/>
+        <a:font script="Syrj" typeface="Estrangelo Edessa"/>
+        <a:font script="Syre" typeface="Estrangelo Edessa"/>
+        <a:font script="Sora" typeface="Nirmala UI"/>
+        <a:font script="Tale" typeface="Microsoft Tai Le"/>
+        <a:font script="Talu" typeface="Microsoft New Tai Lue"/>
+        <a:font script="Tfng" typeface="Ebrima"/>
+      </a:majorFont>
+      <a:minorFont>
+        <a:latin typeface="等线" panose="020F0502020204030204"/>
+        <a:ea typeface=""/>
+        <a:cs typeface=""/>
+        <a:font script="Jpan" typeface="游ゴシック"/>
+        <a:font script="Hang" typeface="맑은 고딕"/>
+        <a:font script="Hans" typeface="等线"/>
+        <a:font script="Hant" typeface="新細明體"/>
+        <a:font script="Arab" typeface="Arial"/>
+        <a:font script="Hebr" typeface="Arial"/>
+        <a:font script="Thai" typeface="Cordia New"/>
+        <a:font script="Ethi" typeface="Nyala"/>
+        <a:font script="Beng" typeface="Vrinda"/>
+        <a:font script="Gujr" typeface="Shruti"/>
+        <a:font script="Khmr" typeface="DaunPenh"/>
+        <a:font script="Knda" typeface="Tunga"/>
+        <a:font script="Guru" typeface="Raavi"/>
+        <a:font script="Cans" typeface="Euphemia"/>
+        <a:font script="Cher" typeface="Plantagenet Cherokee"/>
+        <a:font script="Yiii" typeface="Microsoft Yi Baiti"/>
+        <a:font script="Tibt" typeface="Microsoft Himalaya"/>
+        <a:font script="Thaa" typeface="MV Boli"/>
+        <a:font script="Deva" typeface="Mangal"/>
+        <a:font script="Telu" typeface="Gautami"/>
+        <a:font script="Taml" typeface="Latha"/>
+        <a:font script="Syrc" typeface="Estrangelo Edessa"/>
+        <a:font script="Orya" typeface="Kalinga"/>
+        <a:font script="Mlym" typeface="Kartika"/>
+        <a:font script="Laoo" typeface="DokChampa"/>
+        <a:font script="Sinh" typeface="Iskoola Pota"/>
+        <a:font script="Mong" typeface="Mongolian Baiti"/>
+        <a:font script="Viet" typeface="Arial"/>
+        <a:font script="Uigh" typeface="Microsoft Uighur"/>
+        <a:font script="Geor" typeface="Sylfaen"/>
+        <a:font script="Armn" typeface="Arial"/>
+        <a:font script="Bugi" typeface="Leelawadee UI"/>
+        <a:font script="Bopo" typeface="Microsoft JhengHei"/>
+        <a:font script="Java" typeface="Javanese Text"/>
+        <a:font script="Lisu" typeface="Segoe UI"/>
+        <a:font script="Mymr" typeface="Myanmar Text"/>
+        <a:font script="Nkoo" typeface="Ebrima"/>
+        <a:font script="Olck" typeface="Nirmala UI"/>
+        <a:font script="Osma" typeface="Ebrima"/>
+        <a:font script="Phag" typeface="Phagspa"/>
+        <a:font script="Syrn" typeface="Estrangelo Edessa"/>
+        <a:font script="Syrj" typeface="Estrangelo Edessa"/>
+        <a:font script="Syre" typeface="Estrangelo Edessa"/>
+        <a:font script="Sora" typeface="Nirmala UI"/>
+        <a:font script="Tale" typeface="Microsoft Tai Le"/>
+        <a:font script="Talu" typeface="Microsoft New Tai Lue"/>
+        <a:font script="Tfng" typeface="Ebrima"/>
+      </a:minorFont>
+    </a:fontScheme>
+    <a:fmtScheme name="Office">
+      <a:fillStyleLst>
+        <a:solidFill>
+          <a:schemeClr val="phClr"/>
+        </a:solidFill>
+        <a:gradFill rotWithShape="1">
+          <a:gsLst>
+            <a:gs pos="0">
+              <a:schemeClr val="phClr">
+                <a:lumMod val="110000"/>
+                <a:satMod val="105000"/>
+                <a:tint val="67000"/>
+              </a:schemeClr>
+            </a:gs>
+            <a:gs pos="50000">
+              <a:schemeClr val="phClr">
+                <a:lumMod val="105000"/>
+                <a:satMod val="103000"/>
+                <a:tint val="73000"/>
+              </a:schemeClr>
+            </a:gs>
+            <a:gs pos="100000">
+              <a:schemeClr val="phClr">
+                <a:lumMod val="105000"/>
+                <a:satMod val="109000"/>
+                <a:tint val="81000"/>
+              </a:schemeClr>
+            </a:gs>
+          </a:gsLst>
+          <a:lin ang="5400000" scaled="0"/>
+        </a:gradFill>
+        <a:gradFill rotWithShape="1">
+          <a:gsLst>
+            <a:gs pos="0">
+              <a:schemeClr val="phClr">
+                <a:satMod val="103000"/>
+                <a:lumMod val="102000"/>
+                <a:tint val="94000"/>
+              </a:schemeClr>
+            </a:gs>
+            <a:gs pos="50000">
+              <a:schemeClr val="phClr">
+                <a:satMod val="110000"/>
+                <a:lumMod val="100000"/>
+                <a:shade val="100000"/>
+              </a:schemeClr>
+            </a:gs>
+            <a:gs pos="100000">
+              <a:schemeClr val="phClr">
+                <a:lumMod val="99000"/>
+                <a:satMod val="120000"/>
+                <a:shade val="78000"/>
+              </a:schemeClr>
+            </a:gs>
+          </a:gsLst>
+          <a:lin ang="5400000" scaled="0"/>
+        </a:gradFill>
+      </a:fillStyleLst>
+      <a:lnStyleLst>
+        <a:ln w="6350" cap="flat" cmpd="sng" algn="ctr">
+          <a:solidFill>
+            <a:schemeClr val="phClr"/>
+          </a:solidFill>
+          <a:prstDash val="solid"/>
+          <a:miter lim="800000"/>
+        </a:ln>
+        <a:ln w="12700" cap="flat" cmpd="sng" algn="ctr">
+          <a:solidFill>
+            <a:schemeClr val="phClr"/>
+          </a:solidFill>
+          <a:prstDash val="solid"/>
+          <a:miter lim="800000"/>
+        </a:ln>
+        <a:ln w="19050" cap="flat" cmpd="sng" algn="ctr">
+          <a:solidFill>
+            <a:schemeClr val="phClr"/>
+          </a:solidFill>
+          <a:prstDash val="solid"/>
+          <a:miter lim="800000"/>
+        </a:ln>
+      </a:lnStyleLst>
+      <a:effectStyleLst>
+        <a:effectStyle>
+          <a:effectLst/>
+        </a:effectStyle>
+        <a:effectStyle>
+          <a:effectLst/>
+        </a:effectStyle>
+        <a:effectStyle>
+          <a:effectLst>
+            <a:outerShdw blurRad="57150" dist="19050" dir="5400000" algn="ctr" rotWithShape="0">
+              <a:srgbClr val="000000">
+                <a:alpha val="63000"/>
+              </a:srgbClr>
+            </a:outerShdw>
+          </a:effectLst>
+        </a:effectStyle>
+      </a:effectStyleLst>
+      <a:bgFillStyleLst>
+        <a:solidFill>
+          <a:schemeClr val="phClr"/>
+        </a:solidFill>
+        <a:solidFill>
+          <a:schemeClr val="phClr">
+            <a:tint val="95000"/>
+            <a:satMod val="170000"/>
+          </a:schemeClr>
+        </a:solidFill>
+        <a:gradFill rotWithShape="1">
+          <a:gsLst>
+            <a:gs pos="0">
+              <a:schemeClr val="phClr">
+                <a:tint val="93000"/>
+                <a:satMod val="150000"/>
+                <a:shade val="98000"/>
+                <a:lumMod val="102000"/>
+              </a:schemeClr>
+            </a:gs>
+            <a:gs pos="50000">
+              <a:schemeClr val="phClr">
+                <a:tint val="98000"/>
+                <a:satMod val="130000"/>
+                <a:shade val="90000"/>
+                <a:lumMod val="103000"/>
+              </a:schemeClr>
+            </a:gs>
+            <a:gs pos="100000">
+              <a:schemeClr val="phClr">
+                <a:shade val="63000"/>
+                <a:satMod val="120000"/>
+              </a:schemeClr>
+            </a:gs>
+          </a:gsLst>
+          <a:lin ang="5400000" scaled="0"/>
+        </a:gradFill>
+      </a:bgFillStyleLst>
+    </a:fmtScheme>
+  </a:themeElements>
+  <a:objectDefaults/>
+  <a:extraClrSchemeLst/>
+  <a:extLst>
+    <a:ext uri="{05A4C25C-085E-4340-85A3-A5531E510DB2}">
+      <thm15:themeFamily xmlns:thm15="http://schemas.microsoft.com/office/thememl/2012/main" name="Office Theme" id="{62F939B6-93AF-4DB8-9C6B-D6C7DFDC589F}" vid="{4A3C46E8-61CC-4603-A589-7422A47A8E4A}"/>
+    </a:ext>
+  </a:extLst>
+</a:theme>
 </file>
--- a/android/binder/binder.pptx
+++ b/android/binder/binder.pptx
@@ -5,7 +5,7 @@
     <p:sldMasterId id="2147483648" r:id="rId1"/>
   </p:sldMasterIdLst>
   <p:notesMasterIdLst>
-    <p:notesMasterId r:id="rId29"/>
+    <p:notesMasterId r:id="rId30"/>
   </p:notesMasterIdLst>
   <p:sldIdLst>
     <p:sldId id="256" r:id="rId2"/>
@@ -35,6 +35,7 @@
     <p:sldId id="286" r:id="rId26"/>
     <p:sldId id="287" r:id="rId27"/>
     <p:sldId id="288" r:id="rId28"/>
+    <p:sldId id="289" r:id="rId29"/>
   </p:sldIdLst>
   <p:sldSz cx="12192000" cy="6858000"/>
   <p:notesSz cx="6858000" cy="9144000"/>
@@ -223,7 +224,7 @@
           <a:p>
             <a:fld id="{A160B35D-958B-4D33-9D4A-C1889324031F}" type="datetimeFigureOut">
               <a:rPr lang="zh-CN" altLang="en-US" smtClean="0"/>
-              <a:t>2022/4/25</a:t>
+              <a:t>2022/4/27</a:t>
             </a:fld>
             <a:endParaRPr lang="zh-CN" altLang="en-US"/>
           </a:p>
@@ -637,7 +638,7 @@
           <a:p>
             <a:fld id="{94500C62-1B3F-4E84-BF94-3D5FB933429A}" type="datetimeFigureOut">
               <a:rPr lang="zh-CN" altLang="en-US" smtClean="0"/>
-              <a:t>2022/4/25</a:t>
+              <a:t>2022/4/27</a:t>
             </a:fld>
             <a:endParaRPr lang="zh-CN" altLang="en-US"/>
           </a:p>
@@ -835,7 +836,7 @@
           <a:p>
             <a:fld id="{94500C62-1B3F-4E84-BF94-3D5FB933429A}" type="datetimeFigureOut">
               <a:rPr lang="zh-CN" altLang="en-US" smtClean="0"/>
-              <a:t>2022/4/25</a:t>
+              <a:t>2022/4/27</a:t>
             </a:fld>
             <a:endParaRPr lang="zh-CN" altLang="en-US"/>
           </a:p>
@@ -1043,7 +1044,7 @@
           <a:p>
             <a:fld id="{94500C62-1B3F-4E84-BF94-3D5FB933429A}" type="datetimeFigureOut">
               <a:rPr lang="zh-CN" altLang="en-US" smtClean="0"/>
-              <a:t>2022/4/25</a:t>
+              <a:t>2022/4/27</a:t>
             </a:fld>
             <a:endParaRPr lang="zh-CN" altLang="en-US"/>
           </a:p>
@@ -1241,7 +1242,7 @@
           <a:p>
             <a:fld id="{94500C62-1B3F-4E84-BF94-3D5FB933429A}" type="datetimeFigureOut">
               <a:rPr lang="zh-CN" altLang="en-US" smtClean="0"/>
-              <a:t>2022/4/25</a:t>
+              <a:t>2022/4/27</a:t>
             </a:fld>
             <a:endParaRPr lang="zh-CN" altLang="en-US"/>
           </a:p>
@@ -1516,7 +1517,7 @@
           <a:p>
             <a:fld id="{94500C62-1B3F-4E84-BF94-3D5FB933429A}" type="datetimeFigureOut">
               <a:rPr lang="zh-CN" altLang="en-US" smtClean="0"/>
-              <a:t>2022/4/25</a:t>
+              <a:t>2022/4/27</a:t>
             </a:fld>
             <a:endParaRPr lang="zh-CN" altLang="en-US"/>
           </a:p>
@@ -1781,7 +1782,7 @@
           <a:p>
             <a:fld id="{94500C62-1B3F-4E84-BF94-3D5FB933429A}" type="datetimeFigureOut">
               <a:rPr lang="zh-CN" altLang="en-US" smtClean="0"/>
-              <a:t>2022/4/25</a:t>
+              <a:t>2022/4/27</a:t>
             </a:fld>
             <a:endParaRPr lang="zh-CN" altLang="en-US"/>
           </a:p>
@@ -2193,7 +2194,7 @@
           <a:p>
             <a:fld id="{94500C62-1B3F-4E84-BF94-3D5FB933429A}" type="datetimeFigureOut">
               <a:rPr lang="zh-CN" altLang="en-US" smtClean="0"/>
-              <a:t>2022/4/25</a:t>
+              <a:t>2022/4/27</a:t>
             </a:fld>
             <a:endParaRPr lang="zh-CN" altLang="en-US"/>
           </a:p>
@@ -2334,7 +2335,7 @@
           <a:p>
             <a:fld id="{94500C62-1B3F-4E84-BF94-3D5FB933429A}" type="datetimeFigureOut">
               <a:rPr lang="zh-CN" altLang="en-US" smtClean="0"/>
-              <a:t>2022/4/25</a:t>
+              <a:t>2022/4/27</a:t>
             </a:fld>
             <a:endParaRPr lang="zh-CN" altLang="en-US"/>
           </a:p>
@@ -2447,7 +2448,7 @@
           <a:p>
             <a:fld id="{94500C62-1B3F-4E84-BF94-3D5FB933429A}" type="datetimeFigureOut">
               <a:rPr lang="zh-CN" altLang="en-US" smtClean="0"/>
-              <a:t>2022/4/25</a:t>
+              <a:t>2022/4/27</a:t>
             </a:fld>
             <a:endParaRPr lang="zh-CN" altLang="en-US"/>
           </a:p>
@@ -2758,7 +2759,7 @@
           <a:p>
             <a:fld id="{94500C62-1B3F-4E84-BF94-3D5FB933429A}" type="datetimeFigureOut">
               <a:rPr lang="zh-CN" altLang="en-US" smtClean="0"/>
-              <a:t>2022/4/25</a:t>
+              <a:t>2022/4/27</a:t>
             </a:fld>
             <a:endParaRPr lang="zh-CN" altLang="en-US"/>
           </a:p>
@@ -3046,7 +3047,7 @@
           <a:p>
             <a:fld id="{94500C62-1B3F-4E84-BF94-3D5FB933429A}" type="datetimeFigureOut">
               <a:rPr lang="zh-CN" altLang="en-US" smtClean="0"/>
-              <a:t>2022/4/25</a:t>
+              <a:t>2022/4/27</a:t>
             </a:fld>
             <a:endParaRPr lang="zh-CN" altLang="en-US"/>
           </a:p>
@@ -3287,7 +3288,7 @@
           <a:p>
             <a:fld id="{94500C62-1B3F-4E84-BF94-3D5FB933429A}" type="datetimeFigureOut">
               <a:rPr lang="zh-CN" altLang="en-US" smtClean="0"/>
-              <a:t>2022/4/25</a:t>
+              <a:t>2022/4/27</a:t>
             </a:fld>
             <a:endParaRPr lang="zh-CN" altLang="en-US"/>
           </a:p>
@@ -29485,6 +29486,913 @@
     <p:extLst>
       <p:ext uri="{BB962C8B-B14F-4D97-AF65-F5344CB8AC3E}">
         <p14:creationId xmlns:p14="http://schemas.microsoft.com/office/powerpoint/2010/main" val="3920996944"/>
+      </p:ext>
+    </p:extLst>
+  </p:cSld>
+  <p:clrMapOvr>
+    <a:masterClrMapping/>
+  </p:clrMapOvr>
+</p:sld>
+</file>
+
+<file path=ppt/slides/slide28.xml><?xml version="1.0" encoding="utf-8"?>
+<p:sld xmlns:a="http://schemas.openxmlformats.org/drawingml/2006/main" xmlns:r="http://schemas.openxmlformats.org/officeDocument/2006/relationships" xmlns:p="http://schemas.openxmlformats.org/presentationml/2006/main">
+  <p:cSld>
+    <p:spTree>
+      <p:nvGrpSpPr>
+        <p:cNvPr id="1" name=""/>
+        <p:cNvGrpSpPr/>
+        <p:nvPr/>
+      </p:nvGrpSpPr>
+      <p:grpSpPr>
+        <a:xfrm>
+          <a:off x="0" y="0"/>
+          <a:ext cx="0" cy="0"/>
+          <a:chOff x="0" y="0"/>
+          <a:chExt cx="0" cy="0"/>
+        </a:xfrm>
+      </p:grpSpPr>
+      <p:sp>
+        <p:nvSpPr>
+          <p:cNvPr id="4" name="矩形: 圆角 3">
+            <a:extLst>
+              <a:ext uri="{FF2B5EF4-FFF2-40B4-BE49-F238E27FC236}">
+                <a16:creationId xmlns:a16="http://schemas.microsoft.com/office/drawing/2014/main" id="{A47270A6-710F-4C71-B2DB-B9C7C9383228}"/>
+              </a:ext>
+            </a:extLst>
+          </p:cNvPr>
+          <p:cNvSpPr/>
+          <p:nvPr/>
+        </p:nvSpPr>
+        <p:spPr>
+          <a:xfrm>
+            <a:off x="451576" y="669302"/>
+            <a:ext cx="7230360" cy="3864990"/>
+          </a:xfrm>
+          <a:prstGeom prst="roundRect">
+            <a:avLst/>
+          </a:prstGeom>
+          <a:noFill/>
+          <a:ln w="19050" cap="flat" cmpd="sng" algn="ctr">
+            <a:solidFill>
+              <a:schemeClr val="accent1"/>
+            </a:solidFill>
+            <a:prstDash val="solid"/>
+            <a:round/>
+            <a:headEnd type="none" w="med" len="med"/>
+            <a:tailEnd type="none" w="med" len="med"/>
+          </a:ln>
+        </p:spPr>
+        <p:style>
+          <a:lnRef idx="0">
+            <a:scrgbClr r="0" g="0" b="0"/>
+          </a:lnRef>
+          <a:fillRef idx="0">
+            <a:scrgbClr r="0" g="0" b="0"/>
+          </a:fillRef>
+          <a:effectRef idx="0">
+            <a:scrgbClr r="0" g="0" b="0"/>
+          </a:effectRef>
+          <a:fontRef idx="minor">
+            <a:schemeClr val="accent1"/>
+          </a:fontRef>
+        </p:style>
+        <p:txBody>
+          <a:bodyPr rtlCol="0" anchor="ctr"/>
+          <a:lstStyle/>
+          <a:p>
+            <a:pPr algn="ctr"/>
+            <a:endParaRPr lang="zh-CN" altLang="en-US"/>
+          </a:p>
+        </p:txBody>
+      </p:sp>
+      <p:sp>
+        <p:nvSpPr>
+          <p:cNvPr id="5" name="文本框 4">
+            <a:extLst>
+              <a:ext uri="{FF2B5EF4-FFF2-40B4-BE49-F238E27FC236}">
+                <a16:creationId xmlns:a16="http://schemas.microsoft.com/office/drawing/2014/main" id="{493FE9C1-106E-4B38-9110-E322D98C0E30}"/>
+              </a:ext>
+            </a:extLst>
+          </p:cNvPr>
+          <p:cNvSpPr txBox="1"/>
+          <p:nvPr/>
+        </p:nvSpPr>
+        <p:spPr>
+          <a:xfrm>
+            <a:off x="3520666" y="204040"/>
+            <a:ext cx="1273105" cy="369332"/>
+          </a:xfrm>
+          <a:prstGeom prst="rect">
+            <a:avLst/>
+          </a:prstGeom>
+          <a:noFill/>
+        </p:spPr>
+        <p:txBody>
+          <a:bodyPr wrap="none" rtlCol="0">
+            <a:spAutoFit/>
+          </a:bodyPr>
+          <a:lstStyle/>
+          <a:p>
+            <a:r>
+              <a:rPr lang="en-US" altLang="zh-CN"/>
+              <a:t>Client </a:t>
+            </a:r>
+            <a:r>
+              <a:rPr lang="zh-CN" altLang="en-US"/>
+              <a:t>进程</a:t>
+            </a:r>
+          </a:p>
+        </p:txBody>
+      </p:sp>
+      <p:sp>
+        <p:nvSpPr>
+          <p:cNvPr id="6" name="矩形: 圆角 5">
+            <a:extLst>
+              <a:ext uri="{FF2B5EF4-FFF2-40B4-BE49-F238E27FC236}">
+                <a16:creationId xmlns:a16="http://schemas.microsoft.com/office/drawing/2014/main" id="{595B4AB1-CCFF-405C-B813-AE52AF0DBF6C}"/>
+              </a:ext>
+            </a:extLst>
+          </p:cNvPr>
+          <p:cNvSpPr/>
+          <p:nvPr/>
+        </p:nvSpPr>
+        <p:spPr>
+          <a:xfrm>
+            <a:off x="942681" y="1131216"/>
+            <a:ext cx="2884602" cy="1809947"/>
+          </a:xfrm>
+          <a:prstGeom prst="roundRect">
+            <a:avLst/>
+          </a:prstGeom>
+          <a:solidFill>
+            <a:schemeClr val="accent6">
+              <a:alpha val="50000"/>
+            </a:schemeClr>
+          </a:solidFill>
+          <a:ln>
+            <a:noFill/>
+          </a:ln>
+        </p:spPr>
+        <p:style>
+          <a:lnRef idx="0">
+            <a:scrgbClr r="0" g="0" b="0"/>
+          </a:lnRef>
+          <a:fillRef idx="0">
+            <a:scrgbClr r="0" g="0" b="0"/>
+          </a:fillRef>
+          <a:effectRef idx="0">
+            <a:scrgbClr r="0" g="0" b="0"/>
+          </a:effectRef>
+          <a:fontRef idx="minor">
+            <a:schemeClr val="lt1"/>
+          </a:fontRef>
+        </p:style>
+        <p:txBody>
+          <a:bodyPr rtlCol="0" anchor="ctr"/>
+          <a:lstStyle/>
+          <a:p>
+            <a:pPr algn="ctr"/>
+            <a:endParaRPr lang="zh-CN" altLang="en-US"/>
+          </a:p>
+        </p:txBody>
+      </p:sp>
+      <p:sp>
+        <p:nvSpPr>
+          <p:cNvPr id="7" name="文本框 6">
+            <a:extLst>
+              <a:ext uri="{FF2B5EF4-FFF2-40B4-BE49-F238E27FC236}">
+                <a16:creationId xmlns:a16="http://schemas.microsoft.com/office/drawing/2014/main" id="{A8DC327B-AAD5-40F2-B135-34F551DA2EE4}"/>
+              </a:ext>
+            </a:extLst>
+          </p:cNvPr>
+          <p:cNvSpPr txBox="1"/>
+          <p:nvPr/>
+        </p:nvSpPr>
+        <p:spPr>
+          <a:xfrm>
+            <a:off x="1369319" y="2491702"/>
+            <a:ext cx="2031325" cy="369332"/>
+          </a:xfrm>
+          <a:prstGeom prst="rect">
+            <a:avLst/>
+          </a:prstGeom>
+          <a:noFill/>
+        </p:spPr>
+        <p:txBody>
+          <a:bodyPr wrap="none" rtlCol="0">
+            <a:spAutoFit/>
+          </a:bodyPr>
+          <a:lstStyle/>
+          <a:p>
+            <a:r>
+              <a:rPr lang="en-US" altLang="zh-CN"/>
+              <a:t>BpServiceManager</a:t>
+            </a:r>
+            <a:endParaRPr lang="zh-CN" altLang="en-US"/>
+          </a:p>
+        </p:txBody>
+      </p:sp>
+      <p:sp>
+        <p:nvSpPr>
+          <p:cNvPr id="9" name="矩形: 圆角 8">
+            <a:extLst>
+              <a:ext uri="{FF2B5EF4-FFF2-40B4-BE49-F238E27FC236}">
+                <a16:creationId xmlns:a16="http://schemas.microsoft.com/office/drawing/2014/main" id="{B1506B5E-2AB1-4E6D-97A7-CC41A1338927}"/>
+              </a:ext>
+            </a:extLst>
+          </p:cNvPr>
+          <p:cNvSpPr/>
+          <p:nvPr/>
+        </p:nvSpPr>
+        <p:spPr>
+          <a:xfrm>
+            <a:off x="1607271" y="1549866"/>
+            <a:ext cx="1555422" cy="603315"/>
+          </a:xfrm>
+          <a:prstGeom prst="roundRect">
+            <a:avLst/>
+          </a:prstGeom>
+          <a:ln/>
+        </p:spPr>
+        <p:style>
+          <a:lnRef idx="0">
+            <a:schemeClr val="accent2"/>
+          </a:lnRef>
+          <a:fillRef idx="3">
+            <a:schemeClr val="accent2"/>
+          </a:fillRef>
+          <a:effectRef idx="3">
+            <a:schemeClr val="accent2"/>
+          </a:effectRef>
+          <a:fontRef idx="minor">
+            <a:schemeClr val="lt1"/>
+          </a:fontRef>
+        </p:style>
+        <p:txBody>
+          <a:bodyPr rtlCol="0" anchor="ctr"/>
+          <a:lstStyle/>
+          <a:p>
+            <a:pPr algn="ctr"/>
+            <a:r>
+              <a:rPr lang="en-US" altLang="zh-CN"/>
+              <a:t>mRemote</a:t>
+            </a:r>
+            <a:endParaRPr lang="zh-CN" altLang="en-US"/>
+          </a:p>
+        </p:txBody>
+      </p:sp>
+      <p:sp>
+        <p:nvSpPr>
+          <p:cNvPr id="10" name="矩形: 圆角 9">
+            <a:extLst>
+              <a:ext uri="{FF2B5EF4-FFF2-40B4-BE49-F238E27FC236}">
+                <a16:creationId xmlns:a16="http://schemas.microsoft.com/office/drawing/2014/main" id="{A5F2FFEA-B0E2-4D6E-AC16-FE305E933D13}"/>
+              </a:ext>
+            </a:extLst>
+          </p:cNvPr>
+          <p:cNvSpPr/>
+          <p:nvPr/>
+        </p:nvSpPr>
+        <p:spPr>
+          <a:xfrm>
+            <a:off x="4699408" y="1131215"/>
+            <a:ext cx="2373125" cy="1809947"/>
+          </a:xfrm>
+          <a:prstGeom prst="roundRect">
+            <a:avLst/>
+          </a:prstGeom>
+          <a:solidFill>
+            <a:schemeClr val="accent6">
+              <a:alpha val="50000"/>
+            </a:schemeClr>
+          </a:solidFill>
+          <a:ln>
+            <a:noFill/>
+          </a:ln>
+        </p:spPr>
+        <p:style>
+          <a:lnRef idx="0">
+            <a:scrgbClr r="0" g="0" b="0"/>
+          </a:lnRef>
+          <a:fillRef idx="0">
+            <a:scrgbClr r="0" g="0" b="0"/>
+          </a:fillRef>
+          <a:effectRef idx="0">
+            <a:scrgbClr r="0" g="0" b="0"/>
+          </a:effectRef>
+          <a:fontRef idx="minor">
+            <a:schemeClr val="lt1"/>
+          </a:fontRef>
+        </p:style>
+        <p:txBody>
+          <a:bodyPr rtlCol="0" anchor="ctr"/>
+          <a:lstStyle/>
+          <a:p>
+            <a:pPr algn="ctr"/>
+            <a:endParaRPr lang="zh-CN" altLang="en-US"/>
+          </a:p>
+        </p:txBody>
+      </p:sp>
+      <p:sp>
+        <p:nvSpPr>
+          <p:cNvPr id="11" name="文本框 10">
+            <a:extLst>
+              <a:ext uri="{FF2B5EF4-FFF2-40B4-BE49-F238E27FC236}">
+                <a16:creationId xmlns:a16="http://schemas.microsoft.com/office/drawing/2014/main" id="{7D02FC5E-793B-4B25-829D-5DFF44117766}"/>
+              </a:ext>
+            </a:extLst>
+          </p:cNvPr>
+          <p:cNvSpPr txBox="1"/>
+          <p:nvPr/>
+        </p:nvSpPr>
+        <p:spPr>
+          <a:xfrm>
+            <a:off x="5436601" y="2498325"/>
+            <a:ext cx="1082348" cy="369332"/>
+          </a:xfrm>
+          <a:prstGeom prst="rect">
+            <a:avLst/>
+          </a:prstGeom>
+          <a:noFill/>
+        </p:spPr>
+        <p:txBody>
+          <a:bodyPr wrap="none" rtlCol="0">
+            <a:spAutoFit/>
+          </a:bodyPr>
+          <a:lstStyle/>
+          <a:p>
+            <a:r>
+              <a:rPr lang="en-US" altLang="zh-CN"/>
+              <a:t>BpBinder</a:t>
+            </a:r>
+            <a:endParaRPr lang="zh-CN" altLang="en-US"/>
+          </a:p>
+        </p:txBody>
+      </p:sp>
+      <p:sp>
+        <p:nvSpPr>
+          <p:cNvPr id="12" name="矩形: 圆角 11">
+            <a:extLst>
+              <a:ext uri="{FF2B5EF4-FFF2-40B4-BE49-F238E27FC236}">
+                <a16:creationId xmlns:a16="http://schemas.microsoft.com/office/drawing/2014/main" id="{8E95D906-0E0D-4932-B524-FAE09409C64E}"/>
+              </a:ext>
+            </a:extLst>
+          </p:cNvPr>
+          <p:cNvSpPr/>
+          <p:nvPr/>
+        </p:nvSpPr>
+        <p:spPr>
+          <a:xfrm>
+            <a:off x="5108259" y="1549865"/>
+            <a:ext cx="1555422" cy="603315"/>
+          </a:xfrm>
+          <a:prstGeom prst="roundRect">
+            <a:avLst/>
+          </a:prstGeom>
+          <a:ln/>
+        </p:spPr>
+        <p:style>
+          <a:lnRef idx="1">
+            <a:schemeClr val="accent6"/>
+          </a:lnRef>
+          <a:fillRef idx="3">
+            <a:schemeClr val="accent6"/>
+          </a:fillRef>
+          <a:effectRef idx="2">
+            <a:schemeClr val="accent6"/>
+          </a:effectRef>
+          <a:fontRef idx="minor">
+            <a:schemeClr val="lt1"/>
+          </a:fontRef>
+        </p:style>
+        <p:txBody>
+          <a:bodyPr rtlCol="0" anchor="ctr"/>
+          <a:lstStyle/>
+          <a:p>
+            <a:pPr algn="ctr"/>
+            <a:r>
+              <a:rPr lang="en-US" altLang="zh-CN">
+                <a:solidFill>
+                  <a:schemeClr val="tx1"/>
+                </a:solidFill>
+              </a:rPr>
+              <a:t>mHandle</a:t>
+            </a:r>
+            <a:endParaRPr lang="zh-CN" altLang="en-US">
+              <a:solidFill>
+                <a:schemeClr val="tx1"/>
+              </a:solidFill>
+            </a:endParaRPr>
+          </a:p>
+        </p:txBody>
+      </p:sp>
+      <p:sp>
+        <p:nvSpPr>
+          <p:cNvPr id="16" name="箭头: 右 15">
+            <a:extLst>
+              <a:ext uri="{FF2B5EF4-FFF2-40B4-BE49-F238E27FC236}">
+                <a16:creationId xmlns:a16="http://schemas.microsoft.com/office/drawing/2014/main" id="{4B063B65-ED0D-4BF7-BA28-A0D1B13F0142}"/>
+              </a:ext>
+            </a:extLst>
+          </p:cNvPr>
+          <p:cNvSpPr/>
+          <p:nvPr/>
+        </p:nvSpPr>
+        <p:spPr>
+          <a:xfrm>
+            <a:off x="3198101" y="1726195"/>
+            <a:ext cx="1462370" cy="250654"/>
+          </a:xfrm>
+          <a:prstGeom prst="rightArrow">
+            <a:avLst/>
+          </a:prstGeom>
+        </p:spPr>
+        <p:style>
+          <a:lnRef idx="1">
+            <a:schemeClr val="accent4"/>
+          </a:lnRef>
+          <a:fillRef idx="2">
+            <a:schemeClr val="accent4"/>
+          </a:fillRef>
+          <a:effectRef idx="1">
+            <a:schemeClr val="accent4"/>
+          </a:effectRef>
+          <a:fontRef idx="minor">
+            <a:schemeClr val="dk1"/>
+          </a:fontRef>
+        </p:style>
+        <p:txBody>
+          <a:bodyPr rtlCol="0" anchor="ctr"/>
+          <a:lstStyle/>
+          <a:p>
+            <a:pPr algn="ctr"/>
+            <a:endParaRPr lang="zh-CN" altLang="en-US"/>
+          </a:p>
+        </p:txBody>
+      </p:sp>
+      <p:sp>
+        <p:nvSpPr>
+          <p:cNvPr id="18" name="文本框 17">
+            <a:extLst>
+              <a:ext uri="{FF2B5EF4-FFF2-40B4-BE49-F238E27FC236}">
+                <a16:creationId xmlns:a16="http://schemas.microsoft.com/office/drawing/2014/main" id="{07455E97-1660-44BD-BD01-4DFD205C0C2A}"/>
+              </a:ext>
+            </a:extLst>
+          </p:cNvPr>
+          <p:cNvSpPr txBox="1"/>
+          <p:nvPr/>
+        </p:nvSpPr>
+        <p:spPr>
+          <a:xfrm>
+            <a:off x="4755932" y="673171"/>
+            <a:ext cx="2260076" cy="369332"/>
+          </a:xfrm>
+          <a:prstGeom prst="rect">
+            <a:avLst/>
+          </a:prstGeom>
+          <a:noFill/>
+        </p:spPr>
+        <p:txBody>
+          <a:bodyPr wrap="square">
+            <a:spAutoFit/>
+          </a:bodyPr>
+          <a:lstStyle/>
+          <a:p>
+            <a:pPr algn="ctr"/>
+            <a:r>
+              <a:rPr lang="zh-CN" altLang="en-US"/>
+              <a:t>这里的</a:t>
+            </a:r>
+            <a:r>
+              <a:rPr lang="en-US" altLang="zh-CN"/>
+              <a:t>mHandle</a:t>
+            </a:r>
+            <a:r>
+              <a:rPr lang="zh-CN" altLang="en-US"/>
+              <a:t>为</a:t>
+            </a:r>
+            <a:r>
+              <a:rPr lang="en-US" altLang="zh-CN"/>
+              <a:t>0</a:t>
+            </a:r>
+            <a:endParaRPr lang="zh-CN" altLang="en-US"/>
+          </a:p>
+        </p:txBody>
+      </p:sp>
+      <p:sp>
+        <p:nvSpPr>
+          <p:cNvPr id="20" name="矩形: 圆角 19">
+            <a:extLst>
+              <a:ext uri="{FF2B5EF4-FFF2-40B4-BE49-F238E27FC236}">
+                <a16:creationId xmlns:a16="http://schemas.microsoft.com/office/drawing/2014/main" id="{73252A29-0658-47DB-B383-BF98E7B82C86}"/>
+              </a:ext>
+            </a:extLst>
+          </p:cNvPr>
+          <p:cNvSpPr/>
+          <p:nvPr/>
+        </p:nvSpPr>
+        <p:spPr>
+          <a:xfrm>
+            <a:off x="4157219" y="3687516"/>
+            <a:ext cx="3026004" cy="621078"/>
+          </a:xfrm>
+          <a:prstGeom prst="roundRect">
+            <a:avLst/>
+          </a:prstGeom>
+        </p:spPr>
+        <p:style>
+          <a:lnRef idx="1">
+            <a:schemeClr val="accent2"/>
+          </a:lnRef>
+          <a:fillRef idx="2">
+            <a:schemeClr val="accent2"/>
+          </a:fillRef>
+          <a:effectRef idx="1">
+            <a:schemeClr val="accent2"/>
+          </a:effectRef>
+          <a:fontRef idx="minor">
+            <a:schemeClr val="dk1"/>
+          </a:fontRef>
+        </p:style>
+        <p:txBody>
+          <a:bodyPr rtlCol="0" anchor="ctr"/>
+          <a:lstStyle/>
+          <a:p>
+            <a:pPr algn="ctr"/>
+            <a:r>
+              <a:rPr lang="en-US" altLang="zh-CN"/>
+              <a:t>IPCThreadState</a:t>
+            </a:r>
+            <a:endParaRPr lang="zh-CN" altLang="en-US"/>
+          </a:p>
+        </p:txBody>
+      </p:sp>
+      <p:sp>
+        <p:nvSpPr>
+          <p:cNvPr id="21" name="箭头: 右 20">
+            <a:extLst>
+              <a:ext uri="{FF2B5EF4-FFF2-40B4-BE49-F238E27FC236}">
+                <a16:creationId xmlns:a16="http://schemas.microsoft.com/office/drawing/2014/main" id="{FB4717D6-8A17-42EA-A55A-2C9B9DF627A1}"/>
+              </a:ext>
+            </a:extLst>
+          </p:cNvPr>
+          <p:cNvSpPr/>
+          <p:nvPr/>
+        </p:nvSpPr>
+        <p:spPr>
+          <a:xfrm rot="5400000">
+            <a:off x="5667236" y="3184571"/>
+            <a:ext cx="621079" cy="304023"/>
+          </a:xfrm>
+          <a:prstGeom prst="rightArrow">
+            <a:avLst/>
+          </a:prstGeom>
+        </p:spPr>
+        <p:style>
+          <a:lnRef idx="1">
+            <a:schemeClr val="accent4"/>
+          </a:lnRef>
+          <a:fillRef idx="2">
+            <a:schemeClr val="accent4"/>
+          </a:fillRef>
+          <a:effectRef idx="1">
+            <a:schemeClr val="accent4"/>
+          </a:effectRef>
+          <a:fontRef idx="minor">
+            <a:schemeClr val="dk1"/>
+          </a:fontRef>
+        </p:style>
+        <p:txBody>
+          <a:bodyPr rtlCol="0" anchor="ctr"/>
+          <a:lstStyle/>
+          <a:p>
+            <a:pPr algn="ctr"/>
+            <a:endParaRPr lang="zh-CN" altLang="en-US"/>
+          </a:p>
+        </p:txBody>
+      </p:sp>
+      <p:sp>
+        <p:nvSpPr>
+          <p:cNvPr id="22" name="矩形: 圆角 21">
+            <a:extLst>
+              <a:ext uri="{FF2B5EF4-FFF2-40B4-BE49-F238E27FC236}">
+                <a16:creationId xmlns:a16="http://schemas.microsoft.com/office/drawing/2014/main" id="{7D8FC55B-6665-468A-A683-4146C224722E}"/>
+              </a:ext>
+            </a:extLst>
+          </p:cNvPr>
+          <p:cNvSpPr/>
+          <p:nvPr/>
+        </p:nvSpPr>
+        <p:spPr>
+          <a:xfrm>
+            <a:off x="463484" y="5711799"/>
+            <a:ext cx="11227324" cy="857839"/>
+          </a:xfrm>
+          <a:prstGeom prst="roundRect">
+            <a:avLst/>
+          </a:prstGeom>
+          <a:solidFill>
+            <a:schemeClr val="accent6">
+              <a:alpha val="50000"/>
+            </a:schemeClr>
+          </a:solidFill>
+          <a:ln>
+            <a:noFill/>
+          </a:ln>
+        </p:spPr>
+        <p:style>
+          <a:lnRef idx="0">
+            <a:scrgbClr r="0" g="0" b="0"/>
+          </a:lnRef>
+          <a:fillRef idx="0">
+            <a:scrgbClr r="0" g="0" b="0"/>
+          </a:fillRef>
+          <a:effectRef idx="0">
+            <a:scrgbClr r="0" g="0" b="0"/>
+          </a:effectRef>
+          <a:fontRef idx="minor">
+            <a:schemeClr val="lt1"/>
+          </a:fontRef>
+        </p:style>
+        <p:txBody>
+          <a:bodyPr rtlCol="0" anchor="ctr"/>
+          <a:lstStyle/>
+          <a:p>
+            <a:pPr algn="ctr"/>
+            <a:r>
+              <a:rPr lang="en-US" altLang="zh-CN">
+                <a:solidFill>
+                  <a:schemeClr val="tx1"/>
+                </a:solidFill>
+              </a:rPr>
+              <a:t>Binder Driver</a:t>
+            </a:r>
+            <a:endParaRPr lang="zh-CN" altLang="en-US">
+              <a:solidFill>
+                <a:schemeClr val="tx1"/>
+              </a:solidFill>
+            </a:endParaRPr>
+          </a:p>
+        </p:txBody>
+      </p:sp>
+      <p:sp>
+        <p:nvSpPr>
+          <p:cNvPr id="23" name="箭头: 右 22">
+            <a:extLst>
+              <a:ext uri="{FF2B5EF4-FFF2-40B4-BE49-F238E27FC236}">
+                <a16:creationId xmlns:a16="http://schemas.microsoft.com/office/drawing/2014/main" id="{F63E7833-F175-4BB6-A9D7-C976CE92CDF0}"/>
+              </a:ext>
+            </a:extLst>
+          </p:cNvPr>
+          <p:cNvSpPr/>
+          <p:nvPr/>
+        </p:nvSpPr>
+        <p:spPr>
+          <a:xfrm rot="5400000">
+            <a:off x="5448807" y="4820628"/>
+            <a:ext cx="1178348" cy="304023"/>
+          </a:xfrm>
+          <a:prstGeom prst="rightArrow">
+            <a:avLst/>
+          </a:prstGeom>
+        </p:spPr>
+        <p:style>
+          <a:lnRef idx="1">
+            <a:schemeClr val="accent4"/>
+          </a:lnRef>
+          <a:fillRef idx="2">
+            <a:schemeClr val="accent4"/>
+          </a:fillRef>
+          <a:effectRef idx="1">
+            <a:schemeClr val="accent4"/>
+          </a:effectRef>
+          <a:fontRef idx="minor">
+            <a:schemeClr val="dk1"/>
+          </a:fontRef>
+        </p:style>
+        <p:txBody>
+          <a:bodyPr rtlCol="0" anchor="ctr"/>
+          <a:lstStyle/>
+          <a:p>
+            <a:pPr algn="ctr"/>
+            <a:endParaRPr lang="zh-CN" altLang="en-US"/>
+          </a:p>
+        </p:txBody>
+      </p:sp>
+      <p:sp>
+        <p:nvSpPr>
+          <p:cNvPr id="25" name="文本框 24">
+            <a:extLst>
+              <a:ext uri="{FF2B5EF4-FFF2-40B4-BE49-F238E27FC236}">
+                <a16:creationId xmlns:a16="http://schemas.microsoft.com/office/drawing/2014/main" id="{FA3A1143-6B27-46A8-A50C-84B677563AC1}"/>
+              </a:ext>
+            </a:extLst>
+          </p:cNvPr>
+          <p:cNvSpPr txBox="1"/>
+          <p:nvPr/>
+        </p:nvSpPr>
+        <p:spPr>
+          <a:xfrm>
+            <a:off x="5885969" y="4859805"/>
+            <a:ext cx="941191" cy="369332"/>
+          </a:xfrm>
+          <a:prstGeom prst="rect">
+            <a:avLst/>
+          </a:prstGeom>
+          <a:noFill/>
+        </p:spPr>
+        <p:txBody>
+          <a:bodyPr wrap="square">
+            <a:spAutoFit/>
+          </a:bodyPr>
+          <a:lstStyle/>
+          <a:p>
+            <a:pPr algn="ctr"/>
+            <a:r>
+              <a:rPr lang="en-US" altLang="zh-CN"/>
+              <a:t>ioctl</a:t>
+            </a:r>
+          </a:p>
+        </p:txBody>
+      </p:sp>
+      <p:sp>
+        <p:nvSpPr>
+          <p:cNvPr id="26" name="矩形: 圆角 25">
+            <a:extLst>
+              <a:ext uri="{FF2B5EF4-FFF2-40B4-BE49-F238E27FC236}">
+                <a16:creationId xmlns:a16="http://schemas.microsoft.com/office/drawing/2014/main" id="{77A74BA0-0AEF-421D-BD5F-4A0722D6CF21}"/>
+              </a:ext>
+            </a:extLst>
+          </p:cNvPr>
+          <p:cNvSpPr/>
+          <p:nvPr/>
+        </p:nvSpPr>
+        <p:spPr>
+          <a:xfrm>
+            <a:off x="8536881" y="669302"/>
+            <a:ext cx="3327502" cy="3412505"/>
+          </a:xfrm>
+          <a:prstGeom prst="roundRect">
+            <a:avLst/>
+          </a:prstGeom>
+          <a:gradFill flip="none" rotWithShape="1">
+            <a:gsLst>
+              <a:gs pos="0">
+                <a:schemeClr val="accent4">
+                  <a:lumMod val="67000"/>
+                </a:schemeClr>
+              </a:gs>
+              <a:gs pos="48000">
+                <a:schemeClr val="accent4">
+                  <a:lumMod val="97000"/>
+                  <a:lumOff val="3000"/>
+                </a:schemeClr>
+              </a:gs>
+              <a:gs pos="100000">
+                <a:schemeClr val="accent4">
+                  <a:lumMod val="60000"/>
+                  <a:lumOff val="40000"/>
+                </a:schemeClr>
+              </a:gs>
+            </a:gsLst>
+            <a:lin ang="16200000" scaled="1"/>
+            <a:tileRect/>
+          </a:gradFill>
+          <a:ln>
+            <a:noFill/>
+          </a:ln>
+        </p:spPr>
+        <p:style>
+          <a:lnRef idx="0">
+            <a:scrgbClr r="0" g="0" b="0"/>
+          </a:lnRef>
+          <a:fillRef idx="0">
+            <a:scrgbClr r="0" g="0" b="0"/>
+          </a:fillRef>
+          <a:effectRef idx="0">
+            <a:scrgbClr r="0" g="0" b="0"/>
+          </a:effectRef>
+          <a:fontRef idx="minor">
+            <a:schemeClr val="lt1"/>
+          </a:fontRef>
+        </p:style>
+        <p:txBody>
+          <a:bodyPr rtlCol="0" anchor="ctr"/>
+          <a:lstStyle/>
+          <a:p>
+            <a:pPr algn="ctr"/>
+            <a:r>
+              <a:rPr lang="en-US" altLang="zh-CN">
+                <a:solidFill>
+                  <a:schemeClr val="tx1"/>
+                </a:solidFill>
+              </a:rPr>
+              <a:t>ServiceManager</a:t>
+            </a:r>
+            <a:endParaRPr lang="zh-CN" altLang="en-US">
+              <a:solidFill>
+                <a:schemeClr val="tx1"/>
+              </a:solidFill>
+            </a:endParaRPr>
+          </a:p>
+          <a:p>
+            <a:pPr algn="ctr"/>
+            <a:endParaRPr lang="zh-CN" altLang="en-US"/>
+          </a:p>
+        </p:txBody>
+      </p:sp>
+      <p:sp>
+        <p:nvSpPr>
+          <p:cNvPr id="27" name="箭头: 右 26">
+            <a:extLst>
+              <a:ext uri="{FF2B5EF4-FFF2-40B4-BE49-F238E27FC236}">
+                <a16:creationId xmlns:a16="http://schemas.microsoft.com/office/drawing/2014/main" id="{2A524713-53E6-4D4F-BA10-1AB2E5EA872C}"/>
+              </a:ext>
+            </a:extLst>
+          </p:cNvPr>
+          <p:cNvSpPr/>
+          <p:nvPr/>
+        </p:nvSpPr>
+        <p:spPr>
+          <a:xfrm rot="16200000">
+            <a:off x="9763470" y="4729282"/>
+            <a:ext cx="1178348" cy="304023"/>
+          </a:xfrm>
+          <a:prstGeom prst="rightArrow">
+            <a:avLst/>
+          </a:prstGeom>
+        </p:spPr>
+        <p:style>
+          <a:lnRef idx="1">
+            <a:schemeClr val="accent4"/>
+          </a:lnRef>
+          <a:fillRef idx="2">
+            <a:schemeClr val="accent4"/>
+          </a:fillRef>
+          <a:effectRef idx="1">
+            <a:schemeClr val="accent4"/>
+          </a:effectRef>
+          <a:fontRef idx="minor">
+            <a:schemeClr val="dk1"/>
+          </a:fontRef>
+        </p:style>
+        <p:txBody>
+          <a:bodyPr rtlCol="0" anchor="ctr"/>
+          <a:lstStyle/>
+          <a:p>
+            <a:pPr algn="ctr"/>
+            <a:endParaRPr lang="zh-CN" altLang="en-US"/>
+          </a:p>
+        </p:txBody>
+      </p:sp>
+      <p:sp>
+        <p:nvSpPr>
+          <p:cNvPr id="28" name="文本框 27">
+            <a:extLst>
+              <a:ext uri="{FF2B5EF4-FFF2-40B4-BE49-F238E27FC236}">
+                <a16:creationId xmlns:a16="http://schemas.microsoft.com/office/drawing/2014/main" id="{FF5BCBBA-E122-4618-BF93-2770CE5A4988}"/>
+              </a:ext>
+            </a:extLst>
+          </p:cNvPr>
+          <p:cNvSpPr txBox="1"/>
+          <p:nvPr/>
+        </p:nvSpPr>
+        <p:spPr>
+          <a:xfrm>
+            <a:off x="9150409" y="179305"/>
+            <a:ext cx="2404469" cy="369332"/>
+          </a:xfrm>
+          <a:prstGeom prst="rect">
+            <a:avLst/>
+          </a:prstGeom>
+          <a:noFill/>
+        </p:spPr>
+        <p:txBody>
+          <a:bodyPr wrap="square" rtlCol="0">
+            <a:spAutoFit/>
+          </a:bodyPr>
+          <a:lstStyle/>
+          <a:p>
+            <a:r>
+              <a:rPr lang="en-US" altLang="zh-CN">
+                <a:solidFill>
+                  <a:schemeClr val="tx1"/>
+                </a:solidFill>
+              </a:rPr>
+              <a:t>ServiceManager</a:t>
+            </a:r>
+            <a:r>
+              <a:rPr lang="zh-CN" altLang="en-US"/>
+              <a:t>进程</a:t>
+            </a:r>
+          </a:p>
+        </p:txBody>
+      </p:sp>
+    </p:spTree>
+    <p:extLst>
+      <p:ext uri="{BB962C8B-B14F-4D97-AF65-F5344CB8AC3E}">
+        <p14:creationId xmlns:p14="http://schemas.microsoft.com/office/powerpoint/2010/main" val="1867498033"/>
       </p:ext>
     </p:extLst>
   </p:cSld>

--- a/android/binder/binder.pptx
+++ b/android/binder/binder.pptx
@@ -5,7 +5,7 @@
     <p:sldMasterId id="2147483648" r:id="rId1"/>
   </p:sldMasterIdLst>
   <p:notesMasterIdLst>
-    <p:notesMasterId r:id="rId30"/>
+    <p:notesMasterId r:id="rId31"/>
   </p:notesMasterIdLst>
   <p:sldIdLst>
     <p:sldId id="256" r:id="rId2"/>
@@ -36,6 +36,7 @@
     <p:sldId id="287" r:id="rId27"/>
     <p:sldId id="288" r:id="rId28"/>
     <p:sldId id="289" r:id="rId29"/>
+    <p:sldId id="290" r:id="rId30"/>
   </p:sldIdLst>
   <p:sldSz cx="12192000" cy="6858000"/>
   <p:notesSz cx="6858000" cy="9144000"/>
@@ -224,7 +225,7 @@
           <a:p>
             <a:fld id="{A160B35D-958B-4D33-9D4A-C1889324031F}" type="datetimeFigureOut">
               <a:rPr lang="zh-CN" altLang="en-US" smtClean="0"/>
-              <a:t>2022/4/27</a:t>
+              <a:t>2022/4/28</a:t>
             </a:fld>
             <a:endParaRPr lang="zh-CN" altLang="en-US"/>
           </a:p>
@@ -638,7 +639,7 @@
           <a:p>
             <a:fld id="{94500C62-1B3F-4E84-BF94-3D5FB933429A}" type="datetimeFigureOut">
               <a:rPr lang="zh-CN" altLang="en-US" smtClean="0"/>
-              <a:t>2022/4/27</a:t>
+              <a:t>2022/4/28</a:t>
             </a:fld>
             <a:endParaRPr lang="zh-CN" altLang="en-US"/>
           </a:p>
@@ -836,7 +837,7 @@
           <a:p>
             <a:fld id="{94500C62-1B3F-4E84-BF94-3D5FB933429A}" type="datetimeFigureOut">
               <a:rPr lang="zh-CN" altLang="en-US" smtClean="0"/>
-              <a:t>2022/4/27</a:t>
+              <a:t>2022/4/28</a:t>
             </a:fld>
             <a:endParaRPr lang="zh-CN" altLang="en-US"/>
           </a:p>
@@ -1044,7 +1045,7 @@
           <a:p>
             <a:fld id="{94500C62-1B3F-4E84-BF94-3D5FB933429A}" type="datetimeFigureOut">
               <a:rPr lang="zh-CN" altLang="en-US" smtClean="0"/>
-              <a:t>2022/4/27</a:t>
+              <a:t>2022/4/28</a:t>
             </a:fld>
             <a:endParaRPr lang="zh-CN" altLang="en-US"/>
           </a:p>
@@ -1242,7 +1243,7 @@
           <a:p>
             <a:fld id="{94500C62-1B3F-4E84-BF94-3D5FB933429A}" type="datetimeFigureOut">
               <a:rPr lang="zh-CN" altLang="en-US" smtClean="0"/>
-              <a:t>2022/4/27</a:t>
+              <a:t>2022/4/28</a:t>
             </a:fld>
             <a:endParaRPr lang="zh-CN" altLang="en-US"/>
           </a:p>
@@ -1517,7 +1518,7 @@
           <a:p>
             <a:fld id="{94500C62-1B3F-4E84-BF94-3D5FB933429A}" type="datetimeFigureOut">
               <a:rPr lang="zh-CN" altLang="en-US" smtClean="0"/>
-              <a:t>2022/4/27</a:t>
+              <a:t>2022/4/28</a:t>
             </a:fld>
             <a:endParaRPr lang="zh-CN" altLang="en-US"/>
           </a:p>
@@ -1782,7 +1783,7 @@
           <a:p>
             <a:fld id="{94500C62-1B3F-4E84-BF94-3D5FB933429A}" type="datetimeFigureOut">
               <a:rPr lang="zh-CN" altLang="en-US" smtClean="0"/>
-              <a:t>2022/4/27</a:t>
+              <a:t>2022/4/28</a:t>
             </a:fld>
             <a:endParaRPr lang="zh-CN" altLang="en-US"/>
           </a:p>
@@ -2194,7 +2195,7 @@
           <a:p>
             <a:fld id="{94500C62-1B3F-4E84-BF94-3D5FB933429A}" type="datetimeFigureOut">
               <a:rPr lang="zh-CN" altLang="en-US" smtClean="0"/>
-              <a:t>2022/4/27</a:t>
+              <a:t>2022/4/28</a:t>
             </a:fld>
             <a:endParaRPr lang="zh-CN" altLang="en-US"/>
           </a:p>
@@ -2335,7 +2336,7 @@
           <a:p>
             <a:fld id="{94500C62-1B3F-4E84-BF94-3D5FB933429A}" type="datetimeFigureOut">
               <a:rPr lang="zh-CN" altLang="en-US" smtClean="0"/>
-              <a:t>2022/4/27</a:t>
+              <a:t>2022/4/28</a:t>
             </a:fld>
             <a:endParaRPr lang="zh-CN" altLang="en-US"/>
           </a:p>
@@ -2448,7 +2449,7 @@
           <a:p>
             <a:fld id="{94500C62-1B3F-4E84-BF94-3D5FB933429A}" type="datetimeFigureOut">
               <a:rPr lang="zh-CN" altLang="en-US" smtClean="0"/>
-              <a:t>2022/4/27</a:t>
+              <a:t>2022/4/28</a:t>
             </a:fld>
             <a:endParaRPr lang="zh-CN" altLang="en-US"/>
           </a:p>
@@ -2759,7 +2760,7 @@
           <a:p>
             <a:fld id="{94500C62-1B3F-4E84-BF94-3D5FB933429A}" type="datetimeFigureOut">
               <a:rPr lang="zh-CN" altLang="en-US" smtClean="0"/>
-              <a:t>2022/4/27</a:t>
+              <a:t>2022/4/28</a:t>
             </a:fld>
             <a:endParaRPr lang="zh-CN" altLang="en-US"/>
           </a:p>
@@ -3047,7 +3048,7 @@
           <a:p>
             <a:fld id="{94500C62-1B3F-4E84-BF94-3D5FB933429A}" type="datetimeFigureOut">
               <a:rPr lang="zh-CN" altLang="en-US" smtClean="0"/>
-              <a:t>2022/4/27</a:t>
+              <a:t>2022/4/28</a:t>
             </a:fld>
             <a:endParaRPr lang="zh-CN" altLang="en-US"/>
           </a:p>
@@ -3288,7 +3289,7 @@
           <a:p>
             <a:fld id="{94500C62-1B3F-4E84-BF94-3D5FB933429A}" type="datetimeFigureOut">
               <a:rPr lang="zh-CN" altLang="en-US" smtClean="0"/>
-              <a:t>2022/4/27</a:t>
+              <a:t>2022/4/28</a:t>
             </a:fld>
             <a:endParaRPr lang="zh-CN" altLang="en-US"/>
           </a:p>
@@ -30393,6 +30394,1033 @@
     <p:extLst>
       <p:ext uri="{BB962C8B-B14F-4D97-AF65-F5344CB8AC3E}">
         <p14:creationId xmlns:p14="http://schemas.microsoft.com/office/powerpoint/2010/main" val="1867498033"/>
+      </p:ext>
+    </p:extLst>
+  </p:cSld>
+  <p:clrMapOvr>
+    <a:masterClrMapping/>
+  </p:clrMapOvr>
+</p:sld>
+</file>
+
+<file path=ppt/slides/slide29.xml><?xml version="1.0" encoding="utf-8"?>
+<p:sld xmlns:a="http://schemas.openxmlformats.org/drawingml/2006/main" xmlns:r="http://schemas.openxmlformats.org/officeDocument/2006/relationships" xmlns:p="http://schemas.openxmlformats.org/presentationml/2006/main">
+  <p:cSld>
+    <p:spTree>
+      <p:nvGrpSpPr>
+        <p:cNvPr id="1" name=""/>
+        <p:cNvGrpSpPr/>
+        <p:nvPr/>
+      </p:nvGrpSpPr>
+      <p:grpSpPr>
+        <a:xfrm>
+          <a:off x="0" y="0"/>
+          <a:ext cx="0" cy="0"/>
+          <a:chOff x="0" y="0"/>
+          <a:chExt cx="0" cy="0"/>
+        </a:xfrm>
+      </p:grpSpPr>
+      <p:sp>
+        <p:nvSpPr>
+          <p:cNvPr id="4" name="矩形: 圆角 3">
+            <a:extLst>
+              <a:ext uri="{FF2B5EF4-FFF2-40B4-BE49-F238E27FC236}">
+                <a16:creationId xmlns:a16="http://schemas.microsoft.com/office/drawing/2014/main" id="{EFA0183E-1587-4B04-9326-6F8B357E4A1B}"/>
+              </a:ext>
+            </a:extLst>
+          </p:cNvPr>
+          <p:cNvSpPr/>
+          <p:nvPr/>
+        </p:nvSpPr>
+        <p:spPr>
+          <a:xfrm>
+            <a:off x="451576" y="669302"/>
+            <a:ext cx="7230360" cy="4534294"/>
+          </a:xfrm>
+          <a:prstGeom prst="roundRect">
+            <a:avLst/>
+          </a:prstGeom>
+          <a:noFill/>
+          <a:ln w="19050" cap="flat" cmpd="sng" algn="ctr">
+            <a:solidFill>
+              <a:schemeClr val="accent1"/>
+            </a:solidFill>
+            <a:prstDash val="solid"/>
+            <a:round/>
+            <a:headEnd type="none" w="med" len="med"/>
+            <a:tailEnd type="none" w="med" len="med"/>
+          </a:ln>
+        </p:spPr>
+        <p:style>
+          <a:lnRef idx="0">
+            <a:scrgbClr r="0" g="0" b="0"/>
+          </a:lnRef>
+          <a:fillRef idx="0">
+            <a:scrgbClr r="0" g="0" b="0"/>
+          </a:fillRef>
+          <a:effectRef idx="0">
+            <a:scrgbClr r="0" g="0" b="0"/>
+          </a:effectRef>
+          <a:fontRef idx="minor">
+            <a:schemeClr val="accent1"/>
+          </a:fontRef>
+        </p:style>
+        <p:txBody>
+          <a:bodyPr rtlCol="0" anchor="ctr"/>
+          <a:lstStyle/>
+          <a:p>
+            <a:pPr algn="ctr"/>
+            <a:endParaRPr lang="zh-CN" altLang="en-US"/>
+          </a:p>
+        </p:txBody>
+      </p:sp>
+      <p:sp>
+        <p:nvSpPr>
+          <p:cNvPr id="5" name="文本框 4">
+            <a:extLst>
+              <a:ext uri="{FF2B5EF4-FFF2-40B4-BE49-F238E27FC236}">
+                <a16:creationId xmlns:a16="http://schemas.microsoft.com/office/drawing/2014/main" id="{C4D3C46C-059D-4C1D-8675-336083AB9AF2}"/>
+              </a:ext>
+            </a:extLst>
+          </p:cNvPr>
+          <p:cNvSpPr txBox="1"/>
+          <p:nvPr/>
+        </p:nvSpPr>
+        <p:spPr>
+          <a:xfrm>
+            <a:off x="3520666" y="204040"/>
+            <a:ext cx="1273105" cy="369332"/>
+          </a:xfrm>
+          <a:prstGeom prst="rect">
+            <a:avLst/>
+          </a:prstGeom>
+          <a:noFill/>
+        </p:spPr>
+        <p:txBody>
+          <a:bodyPr wrap="none" rtlCol="0">
+            <a:spAutoFit/>
+          </a:bodyPr>
+          <a:lstStyle/>
+          <a:p>
+            <a:r>
+              <a:rPr lang="en-US" altLang="zh-CN"/>
+              <a:t>Client </a:t>
+            </a:r>
+            <a:r>
+              <a:rPr lang="zh-CN" altLang="en-US"/>
+              <a:t>进程</a:t>
+            </a:r>
+          </a:p>
+        </p:txBody>
+      </p:sp>
+      <p:sp>
+        <p:nvSpPr>
+          <p:cNvPr id="6" name="矩形: 圆角 5">
+            <a:extLst>
+              <a:ext uri="{FF2B5EF4-FFF2-40B4-BE49-F238E27FC236}">
+                <a16:creationId xmlns:a16="http://schemas.microsoft.com/office/drawing/2014/main" id="{F5579429-D3C8-4944-8CB7-2BC960ED9F39}"/>
+              </a:ext>
+            </a:extLst>
+          </p:cNvPr>
+          <p:cNvSpPr/>
+          <p:nvPr/>
+        </p:nvSpPr>
+        <p:spPr>
+          <a:xfrm>
+            <a:off x="942681" y="1131216"/>
+            <a:ext cx="2884602" cy="1809947"/>
+          </a:xfrm>
+          <a:prstGeom prst="roundRect">
+            <a:avLst/>
+          </a:prstGeom>
+          <a:solidFill>
+            <a:schemeClr val="accent6">
+              <a:alpha val="50000"/>
+            </a:schemeClr>
+          </a:solidFill>
+          <a:ln>
+            <a:noFill/>
+          </a:ln>
+        </p:spPr>
+        <p:style>
+          <a:lnRef idx="0">
+            <a:scrgbClr r="0" g="0" b="0"/>
+          </a:lnRef>
+          <a:fillRef idx="0">
+            <a:scrgbClr r="0" g="0" b="0"/>
+          </a:fillRef>
+          <a:effectRef idx="0">
+            <a:scrgbClr r="0" g="0" b="0"/>
+          </a:effectRef>
+          <a:fontRef idx="minor">
+            <a:schemeClr val="lt1"/>
+          </a:fontRef>
+        </p:style>
+        <p:txBody>
+          <a:bodyPr rtlCol="0" anchor="ctr"/>
+          <a:lstStyle/>
+          <a:p>
+            <a:pPr algn="ctr"/>
+            <a:endParaRPr lang="zh-CN" altLang="en-US"/>
+          </a:p>
+        </p:txBody>
+      </p:sp>
+      <p:sp>
+        <p:nvSpPr>
+          <p:cNvPr id="7" name="文本框 6">
+            <a:extLst>
+              <a:ext uri="{FF2B5EF4-FFF2-40B4-BE49-F238E27FC236}">
+                <a16:creationId xmlns:a16="http://schemas.microsoft.com/office/drawing/2014/main" id="{66A9518E-BBB1-4339-96C6-7B6E125F1B74}"/>
+              </a:ext>
+            </a:extLst>
+          </p:cNvPr>
+          <p:cNvSpPr txBox="1"/>
+          <p:nvPr/>
+        </p:nvSpPr>
+        <p:spPr>
+          <a:xfrm>
+            <a:off x="1226652" y="2491702"/>
+            <a:ext cx="2316660" cy="369332"/>
+          </a:xfrm>
+          <a:prstGeom prst="rect">
+            <a:avLst/>
+          </a:prstGeom>
+          <a:noFill/>
+        </p:spPr>
+        <p:txBody>
+          <a:bodyPr wrap="none" rtlCol="0">
+            <a:spAutoFit/>
+          </a:bodyPr>
+          <a:lstStyle/>
+          <a:p>
+            <a:r>
+              <a:rPr lang="en-US" altLang="zh-CN"/>
+              <a:t>ServiceManagerProxy</a:t>
+            </a:r>
+            <a:endParaRPr lang="zh-CN" altLang="en-US"/>
+          </a:p>
+        </p:txBody>
+      </p:sp>
+      <p:sp>
+        <p:nvSpPr>
+          <p:cNvPr id="8" name="矩形: 圆角 7">
+            <a:extLst>
+              <a:ext uri="{FF2B5EF4-FFF2-40B4-BE49-F238E27FC236}">
+                <a16:creationId xmlns:a16="http://schemas.microsoft.com/office/drawing/2014/main" id="{49E28D2C-6EED-4C15-9F55-0B3C6F21CB2C}"/>
+              </a:ext>
+            </a:extLst>
+          </p:cNvPr>
+          <p:cNvSpPr/>
+          <p:nvPr/>
+        </p:nvSpPr>
+        <p:spPr>
+          <a:xfrm>
+            <a:off x="1607271" y="1549866"/>
+            <a:ext cx="1555422" cy="603315"/>
+          </a:xfrm>
+          <a:prstGeom prst="roundRect">
+            <a:avLst/>
+          </a:prstGeom>
+          <a:ln/>
+        </p:spPr>
+        <p:style>
+          <a:lnRef idx="0">
+            <a:schemeClr val="accent2"/>
+          </a:lnRef>
+          <a:fillRef idx="3">
+            <a:schemeClr val="accent2"/>
+          </a:fillRef>
+          <a:effectRef idx="3">
+            <a:schemeClr val="accent2"/>
+          </a:effectRef>
+          <a:fontRef idx="minor">
+            <a:schemeClr val="lt1"/>
+          </a:fontRef>
+        </p:style>
+        <p:txBody>
+          <a:bodyPr rtlCol="0" anchor="ctr"/>
+          <a:lstStyle/>
+          <a:p>
+            <a:pPr algn="ctr"/>
+            <a:r>
+              <a:rPr lang="en-US" altLang="zh-CN"/>
+              <a:t>mRemote</a:t>
+            </a:r>
+            <a:endParaRPr lang="zh-CN" altLang="en-US"/>
+          </a:p>
+        </p:txBody>
+      </p:sp>
+      <p:sp>
+        <p:nvSpPr>
+          <p:cNvPr id="9" name="矩形: 圆角 8">
+            <a:extLst>
+              <a:ext uri="{FF2B5EF4-FFF2-40B4-BE49-F238E27FC236}">
+                <a16:creationId xmlns:a16="http://schemas.microsoft.com/office/drawing/2014/main" id="{51A90FA0-D529-4F09-BD40-2B3E1D81A25F}"/>
+              </a:ext>
+            </a:extLst>
+          </p:cNvPr>
+          <p:cNvSpPr/>
+          <p:nvPr/>
+        </p:nvSpPr>
+        <p:spPr>
+          <a:xfrm>
+            <a:off x="4699408" y="1131215"/>
+            <a:ext cx="2373125" cy="1809947"/>
+          </a:xfrm>
+          <a:prstGeom prst="roundRect">
+            <a:avLst/>
+          </a:prstGeom>
+          <a:solidFill>
+            <a:schemeClr val="accent6">
+              <a:alpha val="50000"/>
+            </a:schemeClr>
+          </a:solidFill>
+          <a:ln>
+            <a:noFill/>
+          </a:ln>
+        </p:spPr>
+        <p:style>
+          <a:lnRef idx="0">
+            <a:scrgbClr r="0" g="0" b="0"/>
+          </a:lnRef>
+          <a:fillRef idx="0">
+            <a:scrgbClr r="0" g="0" b="0"/>
+          </a:fillRef>
+          <a:effectRef idx="0">
+            <a:scrgbClr r="0" g="0" b="0"/>
+          </a:effectRef>
+          <a:fontRef idx="minor">
+            <a:schemeClr val="lt1"/>
+          </a:fontRef>
+        </p:style>
+        <p:txBody>
+          <a:bodyPr rtlCol="0" anchor="ctr"/>
+          <a:lstStyle/>
+          <a:p>
+            <a:pPr algn="ctr"/>
+            <a:endParaRPr lang="zh-CN" altLang="en-US"/>
+          </a:p>
+        </p:txBody>
+      </p:sp>
+      <p:cxnSp>
+        <p:nvCxnSpPr>
+          <p:cNvPr id="12" name="直接连接符 11">
+            <a:extLst>
+              <a:ext uri="{FF2B5EF4-FFF2-40B4-BE49-F238E27FC236}">
+                <a16:creationId xmlns:a16="http://schemas.microsoft.com/office/drawing/2014/main" id="{C7711CB8-F951-4FF2-AC6D-79A8032C17DD}"/>
+              </a:ext>
+            </a:extLst>
+          </p:cNvPr>
+          <p:cNvCxnSpPr/>
+          <p:nvPr/>
+        </p:nvCxnSpPr>
+        <p:spPr>
+          <a:xfrm>
+            <a:off x="782425" y="3516198"/>
+            <a:ext cx="6391373" cy="0"/>
+          </a:xfrm>
+          <a:prstGeom prst="line">
+            <a:avLst/>
+          </a:prstGeom>
+          <a:ln w="9525" cap="flat" cmpd="sng" algn="ctr">
+            <a:solidFill>
+              <a:schemeClr val="accent3"/>
+            </a:solidFill>
+            <a:prstDash val="dash"/>
+            <a:round/>
+            <a:headEnd type="none" w="med" len="med"/>
+            <a:tailEnd type="none" w="med" len="med"/>
+          </a:ln>
+        </p:spPr>
+        <p:style>
+          <a:lnRef idx="0">
+            <a:scrgbClr r="0" g="0" b="0"/>
+          </a:lnRef>
+          <a:fillRef idx="0">
+            <a:scrgbClr r="0" g="0" b="0"/>
+          </a:fillRef>
+          <a:effectRef idx="0">
+            <a:scrgbClr r="0" g="0" b="0"/>
+          </a:effectRef>
+          <a:fontRef idx="minor">
+            <a:schemeClr val="tx1"/>
+          </a:fontRef>
+        </p:style>
+      </p:cxnSp>
+      <p:sp>
+        <p:nvSpPr>
+          <p:cNvPr id="13" name="文本框 12">
+            <a:extLst>
+              <a:ext uri="{FF2B5EF4-FFF2-40B4-BE49-F238E27FC236}">
+                <a16:creationId xmlns:a16="http://schemas.microsoft.com/office/drawing/2014/main" id="{3B590466-2A25-46A6-A7CD-7E89CFE86502}"/>
+              </a:ext>
+            </a:extLst>
+          </p:cNvPr>
+          <p:cNvSpPr txBox="1"/>
+          <p:nvPr/>
+        </p:nvSpPr>
+        <p:spPr>
+          <a:xfrm>
+            <a:off x="3633784" y="3548347"/>
+            <a:ext cx="865943" cy="369332"/>
+          </a:xfrm>
+          <a:prstGeom prst="rect">
+            <a:avLst/>
+          </a:prstGeom>
+          <a:noFill/>
+        </p:spPr>
+        <p:txBody>
+          <a:bodyPr wrap="none" rtlCol="0">
+            <a:spAutoFit/>
+          </a:bodyPr>
+          <a:lstStyle/>
+          <a:p>
+            <a:r>
+              <a:rPr lang="en-US" altLang="zh-CN"/>
+              <a:t>C++</a:t>
+            </a:r>
+            <a:r>
+              <a:rPr lang="zh-CN" altLang="en-US"/>
+              <a:t>层</a:t>
+            </a:r>
+          </a:p>
+        </p:txBody>
+      </p:sp>
+      <p:sp>
+        <p:nvSpPr>
+          <p:cNvPr id="14" name="文本框 13">
+            <a:extLst>
+              <a:ext uri="{FF2B5EF4-FFF2-40B4-BE49-F238E27FC236}">
+                <a16:creationId xmlns:a16="http://schemas.microsoft.com/office/drawing/2014/main" id="{A50213F0-9800-49A8-A492-9B2FD1569ADB}"/>
+              </a:ext>
+            </a:extLst>
+          </p:cNvPr>
+          <p:cNvSpPr txBox="1"/>
+          <p:nvPr/>
+        </p:nvSpPr>
+        <p:spPr>
+          <a:xfrm>
+            <a:off x="3633784" y="3157136"/>
+            <a:ext cx="805029" cy="369332"/>
+          </a:xfrm>
+          <a:prstGeom prst="rect">
+            <a:avLst/>
+          </a:prstGeom>
+          <a:noFill/>
+        </p:spPr>
+        <p:txBody>
+          <a:bodyPr wrap="none" rtlCol="0">
+            <a:spAutoFit/>
+          </a:bodyPr>
+          <a:lstStyle/>
+          <a:p>
+            <a:r>
+              <a:rPr lang="en-US" altLang="zh-CN"/>
+              <a:t>java</a:t>
+            </a:r>
+            <a:r>
+              <a:rPr lang="zh-CN" altLang="en-US"/>
+              <a:t>层</a:t>
+            </a:r>
+          </a:p>
+        </p:txBody>
+      </p:sp>
+      <p:sp>
+        <p:nvSpPr>
+          <p:cNvPr id="15" name="矩形: 圆角 14">
+            <a:extLst>
+              <a:ext uri="{FF2B5EF4-FFF2-40B4-BE49-F238E27FC236}">
+                <a16:creationId xmlns:a16="http://schemas.microsoft.com/office/drawing/2014/main" id="{E135CA73-EED1-425C-835F-214ED918760A}"/>
+              </a:ext>
+            </a:extLst>
+          </p:cNvPr>
+          <p:cNvSpPr/>
+          <p:nvPr/>
+        </p:nvSpPr>
+        <p:spPr>
+          <a:xfrm>
+            <a:off x="5108259" y="1549865"/>
+            <a:ext cx="1555422" cy="603315"/>
+          </a:xfrm>
+          <a:prstGeom prst="roundRect">
+            <a:avLst/>
+          </a:prstGeom>
+          <a:ln/>
+        </p:spPr>
+        <p:style>
+          <a:lnRef idx="1">
+            <a:schemeClr val="accent6"/>
+          </a:lnRef>
+          <a:fillRef idx="3">
+            <a:schemeClr val="accent6"/>
+          </a:fillRef>
+          <a:effectRef idx="2">
+            <a:schemeClr val="accent6"/>
+          </a:effectRef>
+          <a:fontRef idx="minor">
+            <a:schemeClr val="lt1"/>
+          </a:fontRef>
+        </p:style>
+        <p:txBody>
+          <a:bodyPr rtlCol="0" anchor="ctr"/>
+          <a:lstStyle/>
+          <a:p>
+            <a:pPr algn="ctr"/>
+            <a:r>
+              <a:rPr lang="en-US" altLang="zh-CN">
+                <a:solidFill>
+                  <a:schemeClr val="tx1"/>
+                </a:solidFill>
+              </a:rPr>
+              <a:t>mObject</a:t>
+            </a:r>
+            <a:endParaRPr lang="zh-CN" altLang="en-US">
+              <a:solidFill>
+                <a:schemeClr val="tx1"/>
+              </a:solidFill>
+            </a:endParaRPr>
+          </a:p>
+        </p:txBody>
+      </p:sp>
+      <p:sp>
+        <p:nvSpPr>
+          <p:cNvPr id="16" name="矩形: 圆角 15">
+            <a:extLst>
+              <a:ext uri="{FF2B5EF4-FFF2-40B4-BE49-F238E27FC236}">
+                <a16:creationId xmlns:a16="http://schemas.microsoft.com/office/drawing/2014/main" id="{AD9F692C-8B6F-4302-91CC-5F7FE90B7132}"/>
+              </a:ext>
+            </a:extLst>
+          </p:cNvPr>
+          <p:cNvSpPr/>
+          <p:nvPr/>
+        </p:nvSpPr>
+        <p:spPr>
+          <a:xfrm>
+            <a:off x="4793771" y="3917679"/>
+            <a:ext cx="2380027" cy="974831"/>
+          </a:xfrm>
+          <a:prstGeom prst="roundRect">
+            <a:avLst/>
+          </a:prstGeom>
+          <a:solidFill>
+            <a:schemeClr val="accent4">
+              <a:alpha val="50000"/>
+            </a:schemeClr>
+          </a:solidFill>
+          <a:ln>
+            <a:noFill/>
+          </a:ln>
+        </p:spPr>
+        <p:style>
+          <a:lnRef idx="0">
+            <a:scrgbClr r="0" g="0" b="0"/>
+          </a:lnRef>
+          <a:fillRef idx="0">
+            <a:scrgbClr r="0" g="0" b="0"/>
+          </a:fillRef>
+          <a:effectRef idx="0">
+            <a:scrgbClr r="0" g="0" b="0"/>
+          </a:effectRef>
+          <a:fontRef idx="minor">
+            <a:schemeClr val="lt1"/>
+          </a:fontRef>
+        </p:style>
+        <p:txBody>
+          <a:bodyPr rtlCol="0" anchor="ctr"/>
+          <a:lstStyle/>
+          <a:p>
+            <a:pPr algn="ctr"/>
+            <a:endParaRPr lang="zh-CN" altLang="en-US"/>
+          </a:p>
+        </p:txBody>
+      </p:sp>
+      <p:sp>
+        <p:nvSpPr>
+          <p:cNvPr id="17" name="文本框 16">
+            <a:extLst>
+              <a:ext uri="{FF2B5EF4-FFF2-40B4-BE49-F238E27FC236}">
+                <a16:creationId xmlns:a16="http://schemas.microsoft.com/office/drawing/2014/main" id="{4204A02C-3848-4893-A2BD-6381A52E0AD6}"/>
+              </a:ext>
+            </a:extLst>
+          </p:cNvPr>
+          <p:cNvSpPr txBox="1"/>
+          <p:nvPr/>
+        </p:nvSpPr>
+        <p:spPr>
+          <a:xfrm>
+            <a:off x="5549910" y="4509038"/>
+            <a:ext cx="1082348" cy="369332"/>
+          </a:xfrm>
+          <a:prstGeom prst="rect">
+            <a:avLst/>
+          </a:prstGeom>
+          <a:noFill/>
+        </p:spPr>
+        <p:txBody>
+          <a:bodyPr wrap="none" rtlCol="0">
+            <a:spAutoFit/>
+          </a:bodyPr>
+          <a:lstStyle/>
+          <a:p>
+            <a:r>
+              <a:rPr lang="en-US" altLang="zh-CN"/>
+              <a:t>BpBinder</a:t>
+            </a:r>
+            <a:endParaRPr lang="zh-CN" altLang="en-US"/>
+          </a:p>
+        </p:txBody>
+      </p:sp>
+      <p:sp>
+        <p:nvSpPr>
+          <p:cNvPr id="18" name="矩形: 圆角 17">
+            <a:extLst>
+              <a:ext uri="{FF2B5EF4-FFF2-40B4-BE49-F238E27FC236}">
+                <a16:creationId xmlns:a16="http://schemas.microsoft.com/office/drawing/2014/main" id="{58F89296-5F8D-44FB-84E2-8FB5B5A759CD}"/>
+              </a:ext>
+            </a:extLst>
+          </p:cNvPr>
+          <p:cNvSpPr/>
+          <p:nvPr/>
+        </p:nvSpPr>
+        <p:spPr>
+          <a:xfrm>
+            <a:off x="5418677" y="4091234"/>
+            <a:ext cx="1213581" cy="369333"/>
+          </a:xfrm>
+          <a:prstGeom prst="roundRect">
+            <a:avLst/>
+          </a:prstGeom>
+          <a:ln/>
+        </p:spPr>
+        <p:style>
+          <a:lnRef idx="1">
+            <a:schemeClr val="accent6"/>
+          </a:lnRef>
+          <a:fillRef idx="3">
+            <a:schemeClr val="accent6"/>
+          </a:fillRef>
+          <a:effectRef idx="2">
+            <a:schemeClr val="accent6"/>
+          </a:effectRef>
+          <a:fontRef idx="minor">
+            <a:schemeClr val="lt1"/>
+          </a:fontRef>
+        </p:style>
+        <p:txBody>
+          <a:bodyPr rtlCol="0" anchor="ctr"/>
+          <a:lstStyle/>
+          <a:p>
+            <a:pPr algn="ctr"/>
+            <a:r>
+              <a:rPr lang="en-US" altLang="zh-CN">
+                <a:solidFill>
+                  <a:schemeClr val="tx1"/>
+                </a:solidFill>
+              </a:rPr>
+              <a:t>mHandle</a:t>
+            </a:r>
+            <a:endParaRPr lang="zh-CN" altLang="en-US">
+              <a:solidFill>
+                <a:schemeClr val="tx1"/>
+              </a:solidFill>
+            </a:endParaRPr>
+          </a:p>
+        </p:txBody>
+      </p:sp>
+      <p:sp>
+        <p:nvSpPr>
+          <p:cNvPr id="19" name="矩形: 圆角 18">
+            <a:extLst>
+              <a:ext uri="{FF2B5EF4-FFF2-40B4-BE49-F238E27FC236}">
+                <a16:creationId xmlns:a16="http://schemas.microsoft.com/office/drawing/2014/main" id="{3B07A03A-136A-4F93-A5E5-C94BC1C8F5D6}"/>
+              </a:ext>
+            </a:extLst>
+          </p:cNvPr>
+          <p:cNvSpPr/>
+          <p:nvPr/>
+        </p:nvSpPr>
+        <p:spPr>
+          <a:xfrm>
+            <a:off x="871980" y="4101503"/>
+            <a:ext cx="3026004" cy="621078"/>
+          </a:xfrm>
+          <a:prstGeom prst="roundRect">
+            <a:avLst/>
+          </a:prstGeom>
+        </p:spPr>
+        <p:style>
+          <a:lnRef idx="1">
+            <a:schemeClr val="accent2"/>
+          </a:lnRef>
+          <a:fillRef idx="2">
+            <a:schemeClr val="accent2"/>
+          </a:fillRef>
+          <a:effectRef idx="1">
+            <a:schemeClr val="accent2"/>
+          </a:effectRef>
+          <a:fontRef idx="minor">
+            <a:schemeClr val="dk1"/>
+          </a:fontRef>
+        </p:style>
+        <p:txBody>
+          <a:bodyPr rtlCol="0" anchor="ctr"/>
+          <a:lstStyle/>
+          <a:p>
+            <a:pPr algn="ctr"/>
+            <a:r>
+              <a:rPr lang="en-US" altLang="zh-CN"/>
+              <a:t>IPCThreadState</a:t>
+            </a:r>
+            <a:endParaRPr lang="zh-CN" altLang="en-US"/>
+          </a:p>
+        </p:txBody>
+      </p:sp>
+      <p:sp>
+        <p:nvSpPr>
+          <p:cNvPr id="20" name="箭头: 右 19">
+            <a:extLst>
+              <a:ext uri="{FF2B5EF4-FFF2-40B4-BE49-F238E27FC236}">
+                <a16:creationId xmlns:a16="http://schemas.microsoft.com/office/drawing/2014/main" id="{6D4479A0-260A-41F3-B362-6DFF02579D8F}"/>
+              </a:ext>
+            </a:extLst>
+          </p:cNvPr>
+          <p:cNvSpPr/>
+          <p:nvPr/>
+        </p:nvSpPr>
+        <p:spPr>
+          <a:xfrm>
+            <a:off x="3198101" y="1726195"/>
+            <a:ext cx="1462370" cy="250654"/>
+          </a:xfrm>
+          <a:prstGeom prst="rightArrow">
+            <a:avLst/>
+          </a:prstGeom>
+        </p:spPr>
+        <p:style>
+          <a:lnRef idx="1">
+            <a:schemeClr val="accent4"/>
+          </a:lnRef>
+          <a:fillRef idx="2">
+            <a:schemeClr val="accent4"/>
+          </a:fillRef>
+          <a:effectRef idx="1">
+            <a:schemeClr val="accent4"/>
+          </a:effectRef>
+          <a:fontRef idx="minor">
+            <a:schemeClr val="dk1"/>
+          </a:fontRef>
+        </p:style>
+        <p:txBody>
+          <a:bodyPr rtlCol="0" anchor="ctr"/>
+          <a:lstStyle/>
+          <a:p>
+            <a:pPr algn="ctr"/>
+            <a:endParaRPr lang="zh-CN" altLang="en-US"/>
+          </a:p>
+        </p:txBody>
+      </p:sp>
+      <p:sp>
+        <p:nvSpPr>
+          <p:cNvPr id="21" name="箭头: 右 20">
+            <a:extLst>
+              <a:ext uri="{FF2B5EF4-FFF2-40B4-BE49-F238E27FC236}">
+                <a16:creationId xmlns:a16="http://schemas.microsoft.com/office/drawing/2014/main" id="{F0CDF52A-39B3-4C02-83C9-3560AFE1FB4E}"/>
+              </a:ext>
+            </a:extLst>
+          </p:cNvPr>
+          <p:cNvSpPr/>
+          <p:nvPr/>
+        </p:nvSpPr>
+        <p:spPr>
+          <a:xfrm rot="5400000">
+            <a:off x="5116780" y="2929487"/>
+            <a:ext cx="1749023" cy="199078"/>
+          </a:xfrm>
+          <a:prstGeom prst="rightArrow">
+            <a:avLst/>
+          </a:prstGeom>
+        </p:spPr>
+        <p:style>
+          <a:lnRef idx="1">
+            <a:schemeClr val="accent4"/>
+          </a:lnRef>
+          <a:fillRef idx="2">
+            <a:schemeClr val="accent4"/>
+          </a:fillRef>
+          <a:effectRef idx="1">
+            <a:schemeClr val="accent4"/>
+          </a:effectRef>
+          <a:fontRef idx="minor">
+            <a:schemeClr val="dk1"/>
+          </a:fontRef>
+        </p:style>
+        <p:txBody>
+          <a:bodyPr rtlCol="0" anchor="ctr"/>
+          <a:lstStyle/>
+          <a:p>
+            <a:pPr algn="ctr"/>
+            <a:endParaRPr lang="zh-CN" altLang="en-US"/>
+          </a:p>
+        </p:txBody>
+      </p:sp>
+      <p:sp>
+        <p:nvSpPr>
+          <p:cNvPr id="10" name="文本框 9">
+            <a:extLst>
+              <a:ext uri="{FF2B5EF4-FFF2-40B4-BE49-F238E27FC236}">
+                <a16:creationId xmlns:a16="http://schemas.microsoft.com/office/drawing/2014/main" id="{56D45036-7A32-44A8-8AF1-7FAE565AEF81}"/>
+              </a:ext>
+            </a:extLst>
+          </p:cNvPr>
+          <p:cNvSpPr txBox="1"/>
+          <p:nvPr/>
+        </p:nvSpPr>
+        <p:spPr>
+          <a:xfrm>
+            <a:off x="5202129" y="2491702"/>
+            <a:ext cx="1367682" cy="369332"/>
+          </a:xfrm>
+          <a:prstGeom prst="rect">
+            <a:avLst/>
+          </a:prstGeom>
+          <a:noFill/>
+        </p:spPr>
+        <p:txBody>
+          <a:bodyPr wrap="none" rtlCol="0">
+            <a:spAutoFit/>
+          </a:bodyPr>
+          <a:lstStyle/>
+          <a:p>
+            <a:r>
+              <a:rPr lang="en-US" altLang="zh-CN"/>
+              <a:t>BinderProxy</a:t>
+            </a:r>
+            <a:endParaRPr lang="zh-CN" altLang="en-US"/>
+          </a:p>
+        </p:txBody>
+      </p:sp>
+      <p:sp>
+        <p:nvSpPr>
+          <p:cNvPr id="22" name="箭头: 右 21">
+            <a:extLst>
+              <a:ext uri="{FF2B5EF4-FFF2-40B4-BE49-F238E27FC236}">
+                <a16:creationId xmlns:a16="http://schemas.microsoft.com/office/drawing/2014/main" id="{E7A24BD9-DAE2-4BE1-A91F-49B912058228}"/>
+              </a:ext>
+            </a:extLst>
+          </p:cNvPr>
+          <p:cNvSpPr/>
+          <p:nvPr/>
+        </p:nvSpPr>
+        <p:spPr>
+          <a:xfrm rot="10800000">
+            <a:off x="4053526" y="4323339"/>
+            <a:ext cx="645882" cy="274455"/>
+          </a:xfrm>
+          <a:prstGeom prst="rightArrow">
+            <a:avLst/>
+          </a:prstGeom>
+        </p:spPr>
+        <p:style>
+          <a:lnRef idx="1">
+            <a:schemeClr val="accent4"/>
+          </a:lnRef>
+          <a:fillRef idx="2">
+            <a:schemeClr val="accent4"/>
+          </a:fillRef>
+          <a:effectRef idx="1">
+            <a:schemeClr val="accent4"/>
+          </a:effectRef>
+          <a:fontRef idx="minor">
+            <a:schemeClr val="dk1"/>
+          </a:fontRef>
+        </p:style>
+        <p:txBody>
+          <a:bodyPr rtlCol="0" anchor="ctr"/>
+          <a:lstStyle/>
+          <a:p>
+            <a:pPr algn="ctr"/>
+            <a:endParaRPr lang="zh-CN" altLang="en-US"/>
+          </a:p>
+        </p:txBody>
+      </p:sp>
+      <p:sp>
+        <p:nvSpPr>
+          <p:cNvPr id="23" name="矩形: 圆角 22">
+            <a:extLst>
+              <a:ext uri="{FF2B5EF4-FFF2-40B4-BE49-F238E27FC236}">
+                <a16:creationId xmlns:a16="http://schemas.microsoft.com/office/drawing/2014/main" id="{C4A49688-E946-4496-AB40-0C1495F4C4AB}"/>
+              </a:ext>
+            </a:extLst>
+          </p:cNvPr>
+          <p:cNvSpPr/>
+          <p:nvPr/>
+        </p:nvSpPr>
+        <p:spPr>
+          <a:xfrm>
+            <a:off x="477169" y="5796121"/>
+            <a:ext cx="11227324" cy="857839"/>
+          </a:xfrm>
+          <a:prstGeom prst="roundRect">
+            <a:avLst/>
+          </a:prstGeom>
+          <a:solidFill>
+            <a:schemeClr val="accent6">
+              <a:alpha val="50000"/>
+            </a:schemeClr>
+          </a:solidFill>
+          <a:ln>
+            <a:noFill/>
+          </a:ln>
+        </p:spPr>
+        <p:style>
+          <a:lnRef idx="0">
+            <a:scrgbClr r="0" g="0" b="0"/>
+          </a:lnRef>
+          <a:fillRef idx="0">
+            <a:scrgbClr r="0" g="0" b="0"/>
+          </a:fillRef>
+          <a:effectRef idx="0">
+            <a:scrgbClr r="0" g="0" b="0"/>
+          </a:effectRef>
+          <a:fontRef idx="minor">
+            <a:schemeClr val="lt1"/>
+          </a:fontRef>
+        </p:style>
+        <p:txBody>
+          <a:bodyPr rtlCol="0" anchor="ctr"/>
+          <a:lstStyle/>
+          <a:p>
+            <a:pPr algn="ctr"/>
+            <a:r>
+              <a:rPr lang="en-US" altLang="zh-CN">
+                <a:solidFill>
+                  <a:schemeClr val="tx1"/>
+                </a:solidFill>
+              </a:rPr>
+              <a:t>Binder Driver</a:t>
+            </a:r>
+            <a:endParaRPr lang="zh-CN" altLang="en-US">
+              <a:solidFill>
+                <a:schemeClr val="tx1"/>
+              </a:solidFill>
+            </a:endParaRPr>
+          </a:p>
+        </p:txBody>
+      </p:sp>
+      <p:sp>
+        <p:nvSpPr>
+          <p:cNvPr id="24" name="箭头: 右 23">
+            <a:extLst>
+              <a:ext uri="{FF2B5EF4-FFF2-40B4-BE49-F238E27FC236}">
+                <a16:creationId xmlns:a16="http://schemas.microsoft.com/office/drawing/2014/main" id="{5D5B302E-284F-423D-947A-C0915E06F940}"/>
+              </a:ext>
+            </a:extLst>
+          </p:cNvPr>
+          <p:cNvSpPr/>
+          <p:nvPr/>
+        </p:nvSpPr>
+        <p:spPr>
+          <a:xfrm rot="5400000">
+            <a:off x="1836643" y="5133651"/>
+            <a:ext cx="974832" cy="304023"/>
+          </a:xfrm>
+          <a:prstGeom prst="rightArrow">
+            <a:avLst/>
+          </a:prstGeom>
+        </p:spPr>
+        <p:style>
+          <a:lnRef idx="1">
+            <a:schemeClr val="accent4"/>
+          </a:lnRef>
+          <a:fillRef idx="2">
+            <a:schemeClr val="accent4"/>
+          </a:fillRef>
+          <a:effectRef idx="1">
+            <a:schemeClr val="accent4"/>
+          </a:effectRef>
+          <a:fontRef idx="minor">
+            <a:schemeClr val="dk1"/>
+          </a:fontRef>
+        </p:style>
+        <p:txBody>
+          <a:bodyPr rtlCol="0" anchor="ctr"/>
+          <a:lstStyle/>
+          <a:p>
+            <a:pPr algn="ctr"/>
+            <a:endParaRPr lang="zh-CN" altLang="en-US"/>
+          </a:p>
+        </p:txBody>
+      </p:sp>
+      <p:sp>
+        <p:nvSpPr>
+          <p:cNvPr id="25" name="文本框 24">
+            <a:extLst>
+              <a:ext uri="{FF2B5EF4-FFF2-40B4-BE49-F238E27FC236}">
+                <a16:creationId xmlns:a16="http://schemas.microsoft.com/office/drawing/2014/main" id="{FBC2B645-AA10-41DE-AD34-1CA77998DC9A}"/>
+              </a:ext>
+            </a:extLst>
+          </p:cNvPr>
+          <p:cNvSpPr txBox="1"/>
+          <p:nvPr/>
+        </p:nvSpPr>
+        <p:spPr>
+          <a:xfrm>
+            <a:off x="2256910" y="5236168"/>
+            <a:ext cx="941191" cy="369332"/>
+          </a:xfrm>
+          <a:prstGeom prst="rect">
+            <a:avLst/>
+          </a:prstGeom>
+          <a:noFill/>
+        </p:spPr>
+        <p:txBody>
+          <a:bodyPr wrap="square">
+            <a:spAutoFit/>
+          </a:bodyPr>
+          <a:lstStyle/>
+          <a:p>
+            <a:pPr algn="ctr"/>
+            <a:r>
+              <a:rPr lang="en-US" altLang="zh-CN"/>
+              <a:t>ioctl</a:t>
+            </a:r>
+          </a:p>
+        </p:txBody>
+      </p:sp>
+      <p:pic>
+        <p:nvPicPr>
+          <p:cNvPr id="33" name="图片 32">
+            <a:extLst>
+              <a:ext uri="{FF2B5EF4-FFF2-40B4-BE49-F238E27FC236}">
+                <a16:creationId xmlns:a16="http://schemas.microsoft.com/office/drawing/2014/main" id="{B7846959-33D0-4A74-875C-59347466246C}"/>
+              </a:ext>
+            </a:extLst>
+          </p:cNvPr>
+          <p:cNvPicPr>
+            <a:picLocks noChangeAspect="1"/>
+          </p:cNvPicPr>
+          <p:nvPr/>
+        </p:nvPicPr>
+        <p:blipFill>
+          <a:blip r:embed="rId2"/>
+          <a:stretch>
+            <a:fillRect/>
+          </a:stretch>
+        </p:blipFill>
+        <p:spPr>
+          <a:xfrm>
+            <a:off x="8436295" y="388706"/>
+            <a:ext cx="3328704" cy="5328366"/>
+          </a:xfrm>
+          <a:prstGeom prst="rect">
+            <a:avLst/>
+          </a:prstGeom>
+        </p:spPr>
+      </p:pic>
+    </p:spTree>
+    <p:extLst>
+      <p:ext uri="{BB962C8B-B14F-4D97-AF65-F5344CB8AC3E}">
+        <p14:creationId xmlns:p14="http://schemas.microsoft.com/office/powerpoint/2010/main" val="290695175"/>
       </p:ext>
     </p:extLst>
   </p:cSld>

--- a/android/binder/binder.pptx
+++ b/android/binder/binder.pptx
@@ -225,7 +225,7 @@
           <a:p>
             <a:fld id="{A160B35D-958B-4D33-9D4A-C1889324031F}" type="datetimeFigureOut">
               <a:rPr lang="zh-CN" altLang="en-US" smtClean="0"/>
-              <a:t>2022/4/28</a:t>
+              <a:t>2022/11/28</a:t>
             </a:fld>
             <a:endParaRPr lang="zh-CN" altLang="en-US"/>
           </a:p>
@@ -639,7 +639,7 @@
           <a:p>
             <a:fld id="{94500C62-1B3F-4E84-BF94-3D5FB933429A}" type="datetimeFigureOut">
               <a:rPr lang="zh-CN" altLang="en-US" smtClean="0"/>
-              <a:t>2022/4/28</a:t>
+              <a:t>2022/11/28</a:t>
             </a:fld>
             <a:endParaRPr lang="zh-CN" altLang="en-US"/>
           </a:p>
@@ -837,7 +837,7 @@
           <a:p>
             <a:fld id="{94500C62-1B3F-4E84-BF94-3D5FB933429A}" type="datetimeFigureOut">
               <a:rPr lang="zh-CN" altLang="en-US" smtClean="0"/>
-              <a:t>2022/4/28</a:t>
+              <a:t>2022/11/28</a:t>
             </a:fld>
             <a:endParaRPr lang="zh-CN" altLang="en-US"/>
           </a:p>
@@ -1045,7 +1045,7 @@
           <a:p>
             <a:fld id="{94500C62-1B3F-4E84-BF94-3D5FB933429A}" type="datetimeFigureOut">
               <a:rPr lang="zh-CN" altLang="en-US" smtClean="0"/>
-              <a:t>2022/4/28</a:t>
+              <a:t>2022/11/28</a:t>
             </a:fld>
             <a:endParaRPr lang="zh-CN" altLang="en-US"/>
           </a:p>
@@ -1243,7 +1243,7 @@
           <a:p>
             <a:fld id="{94500C62-1B3F-4E84-BF94-3D5FB933429A}" type="datetimeFigureOut">
               <a:rPr lang="zh-CN" altLang="en-US" smtClean="0"/>
-              <a:t>2022/4/28</a:t>
+              <a:t>2022/11/28</a:t>
             </a:fld>
             <a:endParaRPr lang="zh-CN" altLang="en-US"/>
           </a:p>
@@ -1518,7 +1518,7 @@
           <a:p>
             <a:fld id="{94500C62-1B3F-4E84-BF94-3D5FB933429A}" type="datetimeFigureOut">
               <a:rPr lang="zh-CN" altLang="en-US" smtClean="0"/>
-              <a:t>2022/4/28</a:t>
+              <a:t>2022/11/28</a:t>
             </a:fld>
             <a:endParaRPr lang="zh-CN" altLang="en-US"/>
           </a:p>
@@ -1783,7 +1783,7 @@
           <a:p>
             <a:fld id="{94500C62-1B3F-4E84-BF94-3D5FB933429A}" type="datetimeFigureOut">
               <a:rPr lang="zh-CN" altLang="en-US" smtClean="0"/>
-              <a:t>2022/4/28</a:t>
+              <a:t>2022/11/28</a:t>
             </a:fld>
             <a:endParaRPr lang="zh-CN" altLang="en-US"/>
           </a:p>
@@ -2195,7 +2195,7 @@
           <a:p>
             <a:fld id="{94500C62-1B3F-4E84-BF94-3D5FB933429A}" type="datetimeFigureOut">
               <a:rPr lang="zh-CN" altLang="en-US" smtClean="0"/>
-              <a:t>2022/4/28</a:t>
+              <a:t>2022/11/28</a:t>
             </a:fld>
             <a:endParaRPr lang="zh-CN" altLang="en-US"/>
           </a:p>
@@ -2336,7 +2336,7 @@
           <a:p>
             <a:fld id="{94500C62-1B3F-4E84-BF94-3D5FB933429A}" type="datetimeFigureOut">
               <a:rPr lang="zh-CN" altLang="en-US" smtClean="0"/>
-              <a:t>2022/4/28</a:t>
+              <a:t>2022/11/28</a:t>
             </a:fld>
             <a:endParaRPr lang="zh-CN" altLang="en-US"/>
           </a:p>
@@ -2449,7 +2449,7 @@
           <a:p>
             <a:fld id="{94500C62-1B3F-4E84-BF94-3D5FB933429A}" type="datetimeFigureOut">
               <a:rPr lang="zh-CN" altLang="en-US" smtClean="0"/>
-              <a:t>2022/4/28</a:t>
+              <a:t>2022/11/28</a:t>
             </a:fld>
             <a:endParaRPr lang="zh-CN" altLang="en-US"/>
           </a:p>
@@ -2760,7 +2760,7 @@
           <a:p>
             <a:fld id="{94500C62-1B3F-4E84-BF94-3D5FB933429A}" type="datetimeFigureOut">
               <a:rPr lang="zh-CN" altLang="en-US" smtClean="0"/>
-              <a:t>2022/4/28</a:t>
+              <a:t>2022/11/28</a:t>
             </a:fld>
             <a:endParaRPr lang="zh-CN" altLang="en-US"/>
           </a:p>
@@ -3048,7 +3048,7 @@
           <a:p>
             <a:fld id="{94500C62-1B3F-4E84-BF94-3D5FB933429A}" type="datetimeFigureOut">
               <a:rPr lang="zh-CN" altLang="en-US" smtClean="0"/>
-              <a:t>2022/4/28</a:t>
+              <a:t>2022/11/28</a:t>
             </a:fld>
             <a:endParaRPr lang="zh-CN" altLang="en-US"/>
           </a:p>
@@ -3289,7 +3289,7 @@
           <a:p>
             <a:fld id="{94500C62-1B3F-4E84-BF94-3D5FB933429A}" type="datetimeFigureOut">
               <a:rPr lang="zh-CN" altLang="en-US" smtClean="0"/>
-              <a:t>2022/4/28</a:t>
+              <a:t>2022/11/28</a:t>
             </a:fld>
             <a:endParaRPr lang="zh-CN" altLang="en-US"/>
           </a:p>
@@ -17958,8 +17958,8 @@
         </p:nvSpPr>
         <p:spPr>
           <a:xfrm>
-            <a:off x="895546" y="250927"/>
-            <a:ext cx="1998483" cy="1508288"/>
+            <a:off x="1545786" y="870687"/>
+            <a:ext cx="1998483" cy="1776688"/>
           </a:xfrm>
           <a:prstGeom prst="roundRect">
             <a:avLst/>
@@ -18010,7 +18010,7 @@
         </p:nvSpPr>
         <p:spPr>
           <a:xfrm>
-            <a:off x="1287937" y="547027"/>
+            <a:off x="1938177" y="974027"/>
             <a:ext cx="1213700" cy="369332"/>
           </a:xfrm>
           <a:prstGeom prst="rect">
@@ -18045,7 +18045,7 @@
         </p:nvSpPr>
         <p:spPr>
           <a:xfrm>
-            <a:off x="1287937" y="1025860"/>
+            <a:off x="1938177" y="1453962"/>
             <a:ext cx="1213700" cy="518474"/>
           </a:xfrm>
           <a:prstGeom prst="rect">
@@ -18081,31 +18081,253 @@
             <a:pPr algn="ctr"/>
             <a:r>
               <a:rPr lang="en-US" altLang="zh-CN"/>
-              <a:t>first</a:t>
+              <a:t>NULL</a:t>
             </a:r>
             <a:endParaRPr lang="zh-CN" altLang="en-US"/>
+          </a:p>
+        </p:txBody>
+      </p:sp>
+      <p:sp>
+        <p:nvSpPr>
+          <p:cNvPr id="13" name="文本框 12">
+            <a:extLst>
+              <a:ext uri="{FF2B5EF4-FFF2-40B4-BE49-F238E27FC236}">
+                <a16:creationId xmlns:a16="http://schemas.microsoft.com/office/drawing/2014/main" id="{749FD5AB-95FD-4225-9E4A-70EE49A3904C}"/>
+              </a:ext>
+            </a:extLst>
+          </p:cNvPr>
+          <p:cNvSpPr txBox="1"/>
+          <p:nvPr/>
+        </p:nvSpPr>
+        <p:spPr>
+          <a:xfrm>
+            <a:off x="7967797" y="865602"/>
+            <a:ext cx="2944043" cy="1384995"/>
+          </a:xfrm>
+          <a:prstGeom prst="rect">
+            <a:avLst/>
+          </a:prstGeom>
+          <a:noFill/>
+        </p:spPr>
+        <p:txBody>
+          <a:bodyPr wrap="square">
+            <a:spAutoFit/>
+          </a:bodyPr>
+          <a:lstStyle/>
+          <a:p>
+            <a:r>
+              <a:rPr lang="zh-CN" altLang="en-US" sz="1200"/>
+              <a:t>struct hlist_head {</a:t>
+            </a:r>
+          </a:p>
+          <a:p>
+            <a:r>
+              <a:rPr lang="en-US" altLang="zh-CN" sz="1200"/>
+              <a:t>       </a:t>
+            </a:r>
+            <a:r>
+              <a:rPr lang="zh-CN" altLang="en-US" sz="1200"/>
+              <a:t>struct hlist_node *first;</a:t>
+            </a:r>
+          </a:p>
+          <a:p>
+            <a:r>
+              <a:rPr lang="zh-CN" altLang="en-US" sz="1200"/>
+              <a:t>};</a:t>
+            </a:r>
+          </a:p>
+          <a:p>
+            <a:endParaRPr lang="zh-CN" altLang="en-US" sz="1200"/>
+          </a:p>
+          <a:p>
+            <a:r>
+              <a:rPr lang="zh-CN" altLang="en-US" sz="1200"/>
+              <a:t>struct hlist_node {</a:t>
+            </a:r>
+          </a:p>
+          <a:p>
+            <a:r>
+              <a:rPr lang="zh-CN" altLang="en-US" sz="1200"/>
+              <a:t>        struct hlist_node *next, **pprev;</a:t>
+            </a:r>
+          </a:p>
+          <a:p>
+            <a:r>
+              <a:rPr lang="zh-CN" altLang="en-US" sz="1200"/>
+              <a:t>};</a:t>
+            </a:r>
+          </a:p>
+        </p:txBody>
+      </p:sp>
+      <p:sp>
+        <p:nvSpPr>
+          <p:cNvPr id="14" name="矩形: 圆角 13">
+            <a:extLst>
+              <a:ext uri="{FF2B5EF4-FFF2-40B4-BE49-F238E27FC236}">
+                <a16:creationId xmlns:a16="http://schemas.microsoft.com/office/drawing/2014/main" id="{63852A17-46CB-4B99-A279-9C5DB9660941}"/>
+              </a:ext>
+            </a:extLst>
+          </p:cNvPr>
+          <p:cNvSpPr/>
+          <p:nvPr/>
+        </p:nvSpPr>
+        <p:spPr>
+          <a:xfrm>
+            <a:off x="1545786" y="3062873"/>
+            <a:ext cx="1998483" cy="1833820"/>
+          </a:xfrm>
+          <a:prstGeom prst="roundRect">
+            <a:avLst/>
+          </a:prstGeom>
+          <a:solidFill>
+            <a:srgbClr val="DD8EF2"/>
+          </a:solidFill>
+          <a:ln>
+            <a:noFill/>
+          </a:ln>
+        </p:spPr>
+        <p:style>
+          <a:lnRef idx="2">
+            <a:schemeClr val="accent1">
+              <a:shade val="50000"/>
+            </a:schemeClr>
+          </a:lnRef>
+          <a:fillRef idx="1">
+            <a:schemeClr val="accent1"/>
+          </a:fillRef>
+          <a:effectRef idx="0">
+            <a:schemeClr val="accent1"/>
+          </a:effectRef>
+          <a:fontRef idx="minor">
+            <a:schemeClr val="lt1"/>
+          </a:fontRef>
+        </p:style>
+        <p:txBody>
+          <a:bodyPr rtlCol="0" anchor="ctr"/>
+          <a:lstStyle/>
+          <a:p>
+            <a:pPr algn="ctr"/>
+            <a:endParaRPr lang="zh-CN" altLang="en-US"/>
+          </a:p>
+        </p:txBody>
+      </p:sp>
+      <p:sp>
+        <p:nvSpPr>
+          <p:cNvPr id="15" name="文本框 14">
+            <a:extLst>
+              <a:ext uri="{FF2B5EF4-FFF2-40B4-BE49-F238E27FC236}">
+                <a16:creationId xmlns:a16="http://schemas.microsoft.com/office/drawing/2014/main" id="{B3D207D4-88F4-4BE8-9061-F19CBD417042}"/>
+              </a:ext>
+            </a:extLst>
+          </p:cNvPr>
+          <p:cNvSpPr txBox="1"/>
+          <p:nvPr/>
+        </p:nvSpPr>
+        <p:spPr>
+          <a:xfrm>
+            <a:off x="1938177" y="3123188"/>
+            <a:ext cx="1213700" cy="369332"/>
+          </a:xfrm>
+          <a:prstGeom prst="rect">
+            <a:avLst/>
+          </a:prstGeom>
+          <a:noFill/>
+        </p:spPr>
+        <p:txBody>
+          <a:bodyPr wrap="square">
+            <a:spAutoFit/>
+          </a:bodyPr>
+          <a:lstStyle/>
+          <a:p>
+            <a:r>
+              <a:rPr lang="zh-CN" altLang="en-US"/>
+              <a:t>hlist_head</a:t>
+            </a:r>
+          </a:p>
+        </p:txBody>
+      </p:sp>
+      <p:sp>
+        <p:nvSpPr>
+          <p:cNvPr id="16" name="矩形 15">
+            <a:extLst>
+              <a:ext uri="{FF2B5EF4-FFF2-40B4-BE49-F238E27FC236}">
+                <a16:creationId xmlns:a16="http://schemas.microsoft.com/office/drawing/2014/main" id="{D18A374E-D682-47C2-8CD0-C0F8C1D567F2}"/>
+              </a:ext>
+            </a:extLst>
+          </p:cNvPr>
+          <p:cNvSpPr/>
+          <p:nvPr/>
+        </p:nvSpPr>
+        <p:spPr>
+          <a:xfrm>
+            <a:off x="1924983" y="3521225"/>
+            <a:ext cx="1213700" cy="518474"/>
+          </a:xfrm>
+          <a:prstGeom prst="rect">
+            <a:avLst/>
+          </a:prstGeom>
+          <a:solidFill>
+            <a:srgbClr val="C239E7"/>
+          </a:solidFill>
+          <a:ln>
+            <a:noFill/>
+          </a:ln>
+        </p:spPr>
+        <p:style>
+          <a:lnRef idx="2">
+            <a:schemeClr val="accent1">
+              <a:shade val="50000"/>
+            </a:schemeClr>
+          </a:lnRef>
+          <a:fillRef idx="1">
+            <a:schemeClr val="accent1"/>
+          </a:fillRef>
+          <a:effectRef idx="0">
+            <a:schemeClr val="accent1"/>
+          </a:effectRef>
+          <a:fontRef idx="minor">
+            <a:schemeClr val="lt1"/>
+          </a:fontRef>
+        </p:style>
+        <p:txBody>
+          <a:bodyPr rtlCol="0" anchor="ctr"/>
+          <a:lstStyle/>
+          <a:p>
+            <a:pPr algn="ctr"/>
+            <a:r>
+              <a:rPr lang="zh-CN" altLang="en-US" sz="1200"/>
+              <a:t>节点</a:t>
+            </a:r>
+            <a:r>
+              <a:rPr lang="en-US" altLang="zh-CN" sz="1200"/>
+              <a:t>1</a:t>
+            </a:r>
+            <a:r>
+              <a:rPr lang="zh-CN" altLang="en-US" sz="1200"/>
+              <a:t>的地址</a:t>
+            </a:r>
           </a:p>
         </p:txBody>
       </p:sp>
       <p:cxnSp>
         <p:nvCxnSpPr>
-          <p:cNvPr id="9" name="直接箭头连接符 8">
-            <a:extLst>
-              <a:ext uri="{FF2B5EF4-FFF2-40B4-BE49-F238E27FC236}">
-                <a16:creationId xmlns:a16="http://schemas.microsoft.com/office/drawing/2014/main" id="{D7C4A096-7C03-454F-84EB-F52861D99C30}"/>
+          <p:cNvPr id="17" name="直接箭头连接符 16">
+            <a:extLst>
+              <a:ext uri="{FF2B5EF4-FFF2-40B4-BE49-F238E27FC236}">
+                <a16:creationId xmlns:a16="http://schemas.microsoft.com/office/drawing/2014/main" id="{43B0C505-CB15-4C68-9342-5657FE343C75}"/>
               </a:ext>
             </a:extLst>
           </p:cNvPr>
           <p:cNvCxnSpPr>
             <a:cxnSpLocks/>
-            <a:stCxn id="7" idx="3"/>
+            <a:stCxn id="16" idx="3"/>
           </p:cNvCxnSpPr>
           <p:nvPr/>
         </p:nvCxnSpPr>
         <p:spPr>
           <a:xfrm>
-            <a:off x="2501637" y="1285097"/>
-            <a:ext cx="1052268" cy="0"/>
+            <a:off x="3138683" y="3780462"/>
+            <a:ext cx="1590279" cy="10286"/>
           </a:xfrm>
           <a:prstGeom prst="straightConnector1">
             <a:avLst/>
@@ -18132,263 +18354,6 @@
           </a:fontRef>
         </p:style>
       </p:cxnSp>
-      <p:sp>
-        <p:nvSpPr>
-          <p:cNvPr id="13" name="文本框 12">
-            <a:extLst>
-              <a:ext uri="{FF2B5EF4-FFF2-40B4-BE49-F238E27FC236}">
-                <a16:creationId xmlns:a16="http://schemas.microsoft.com/office/drawing/2014/main" id="{749FD5AB-95FD-4225-9E4A-70EE49A3904C}"/>
-              </a:ext>
-            </a:extLst>
-          </p:cNvPr>
-          <p:cNvSpPr txBox="1"/>
-          <p:nvPr/>
-        </p:nvSpPr>
-        <p:spPr>
-          <a:xfrm>
-            <a:off x="7317557" y="245842"/>
-            <a:ext cx="4805313" cy="1384995"/>
-          </a:xfrm>
-          <a:prstGeom prst="rect">
-            <a:avLst/>
-          </a:prstGeom>
-          <a:noFill/>
-        </p:spPr>
-        <p:txBody>
-          <a:bodyPr wrap="square">
-            <a:spAutoFit/>
-          </a:bodyPr>
-          <a:lstStyle/>
-          <a:p>
-            <a:r>
-              <a:rPr lang="zh-CN" altLang="en-US" sz="1200"/>
-              <a:t>struct hlist_head {</a:t>
-            </a:r>
-          </a:p>
-          <a:p>
-            <a:r>
-              <a:rPr lang="zh-CN" altLang="en-US" sz="1200"/>
-              <a:t>	struct hlist_node *first;</a:t>
-            </a:r>
-          </a:p>
-          <a:p>
-            <a:r>
-              <a:rPr lang="zh-CN" altLang="en-US" sz="1200"/>
-              <a:t>};</a:t>
-            </a:r>
-          </a:p>
-          <a:p>
-            <a:endParaRPr lang="zh-CN" altLang="en-US" sz="1200"/>
-          </a:p>
-          <a:p>
-            <a:r>
-              <a:rPr lang="zh-CN" altLang="en-US" sz="1200"/>
-              <a:t>struct hlist_node {</a:t>
-            </a:r>
-          </a:p>
-          <a:p>
-            <a:r>
-              <a:rPr lang="zh-CN" altLang="en-US" sz="1200"/>
-              <a:t>	struct hlist_node *next, **pprev;</a:t>
-            </a:r>
-          </a:p>
-          <a:p>
-            <a:r>
-              <a:rPr lang="zh-CN" altLang="en-US" sz="1200"/>
-              <a:t>};</a:t>
-            </a:r>
-          </a:p>
-        </p:txBody>
-      </p:sp>
-      <p:sp>
-        <p:nvSpPr>
-          <p:cNvPr id="14" name="矩形: 圆角 13">
-            <a:extLst>
-              <a:ext uri="{FF2B5EF4-FFF2-40B4-BE49-F238E27FC236}">
-                <a16:creationId xmlns:a16="http://schemas.microsoft.com/office/drawing/2014/main" id="{63852A17-46CB-4B99-A279-9C5DB9660941}"/>
-              </a:ext>
-            </a:extLst>
-          </p:cNvPr>
-          <p:cNvSpPr/>
-          <p:nvPr/>
-        </p:nvSpPr>
-        <p:spPr>
-          <a:xfrm>
-            <a:off x="895546" y="2443113"/>
-            <a:ext cx="1998483" cy="1833820"/>
-          </a:xfrm>
-          <a:prstGeom prst="roundRect">
-            <a:avLst/>
-          </a:prstGeom>
-          <a:solidFill>
-            <a:srgbClr val="DD8EF2"/>
-          </a:solidFill>
-          <a:ln>
-            <a:noFill/>
-          </a:ln>
-        </p:spPr>
-        <p:style>
-          <a:lnRef idx="2">
-            <a:schemeClr val="accent1">
-              <a:shade val="50000"/>
-            </a:schemeClr>
-          </a:lnRef>
-          <a:fillRef idx="1">
-            <a:schemeClr val="accent1"/>
-          </a:fillRef>
-          <a:effectRef idx="0">
-            <a:schemeClr val="accent1"/>
-          </a:effectRef>
-          <a:fontRef idx="minor">
-            <a:schemeClr val="lt1"/>
-          </a:fontRef>
-        </p:style>
-        <p:txBody>
-          <a:bodyPr rtlCol="0" anchor="ctr"/>
-          <a:lstStyle/>
-          <a:p>
-            <a:pPr algn="ctr"/>
-            <a:endParaRPr lang="zh-CN" altLang="en-US"/>
-          </a:p>
-        </p:txBody>
-      </p:sp>
-      <p:sp>
-        <p:nvSpPr>
-          <p:cNvPr id="15" name="文本框 14">
-            <a:extLst>
-              <a:ext uri="{FF2B5EF4-FFF2-40B4-BE49-F238E27FC236}">
-                <a16:creationId xmlns:a16="http://schemas.microsoft.com/office/drawing/2014/main" id="{B3D207D4-88F4-4BE8-9061-F19CBD417042}"/>
-              </a:ext>
-            </a:extLst>
-          </p:cNvPr>
-          <p:cNvSpPr txBox="1"/>
-          <p:nvPr/>
-        </p:nvSpPr>
-        <p:spPr>
-          <a:xfrm>
-            <a:off x="1287937" y="2739213"/>
-            <a:ext cx="1213700" cy="369332"/>
-          </a:xfrm>
-          <a:prstGeom prst="rect">
-            <a:avLst/>
-          </a:prstGeom>
-          <a:noFill/>
-        </p:spPr>
-        <p:txBody>
-          <a:bodyPr wrap="square">
-            <a:spAutoFit/>
-          </a:bodyPr>
-          <a:lstStyle/>
-          <a:p>
-            <a:r>
-              <a:rPr lang="zh-CN" altLang="en-US"/>
-              <a:t>hlist_head</a:t>
-            </a:r>
-          </a:p>
-        </p:txBody>
-      </p:sp>
-      <p:sp>
-        <p:nvSpPr>
-          <p:cNvPr id="16" name="矩形 15">
-            <a:extLst>
-              <a:ext uri="{FF2B5EF4-FFF2-40B4-BE49-F238E27FC236}">
-                <a16:creationId xmlns:a16="http://schemas.microsoft.com/office/drawing/2014/main" id="{D18A374E-D682-47C2-8CD0-C0F8C1D567F2}"/>
-              </a:ext>
-            </a:extLst>
-          </p:cNvPr>
-          <p:cNvSpPr/>
-          <p:nvPr/>
-        </p:nvSpPr>
-        <p:spPr>
-          <a:xfrm>
-            <a:off x="1287937" y="3218046"/>
-            <a:ext cx="1213700" cy="518474"/>
-          </a:xfrm>
-          <a:prstGeom prst="rect">
-            <a:avLst/>
-          </a:prstGeom>
-          <a:solidFill>
-            <a:srgbClr val="C239E7"/>
-          </a:solidFill>
-          <a:ln>
-            <a:noFill/>
-          </a:ln>
-        </p:spPr>
-        <p:style>
-          <a:lnRef idx="2">
-            <a:schemeClr val="accent1">
-              <a:shade val="50000"/>
-            </a:schemeClr>
-          </a:lnRef>
-          <a:fillRef idx="1">
-            <a:schemeClr val="accent1"/>
-          </a:fillRef>
-          <a:effectRef idx="0">
-            <a:schemeClr val="accent1"/>
-          </a:effectRef>
-          <a:fontRef idx="minor">
-            <a:schemeClr val="lt1"/>
-          </a:fontRef>
-        </p:style>
-        <p:txBody>
-          <a:bodyPr rtlCol="0" anchor="ctr"/>
-          <a:lstStyle/>
-          <a:p>
-            <a:pPr algn="ctr"/>
-            <a:r>
-              <a:rPr lang="en-US" altLang="zh-CN"/>
-              <a:t>first</a:t>
-            </a:r>
-            <a:endParaRPr lang="zh-CN" altLang="en-US"/>
-          </a:p>
-        </p:txBody>
-      </p:sp>
-      <p:cxnSp>
-        <p:nvCxnSpPr>
-          <p:cNvPr id="17" name="直接箭头连接符 16">
-            <a:extLst>
-              <a:ext uri="{FF2B5EF4-FFF2-40B4-BE49-F238E27FC236}">
-                <a16:creationId xmlns:a16="http://schemas.microsoft.com/office/drawing/2014/main" id="{43B0C505-CB15-4C68-9342-5657FE343C75}"/>
-              </a:ext>
-            </a:extLst>
-          </p:cNvPr>
-          <p:cNvCxnSpPr>
-            <a:cxnSpLocks/>
-            <a:stCxn id="16" idx="3"/>
-            <a:endCxn id="29" idx="1"/>
-          </p:cNvCxnSpPr>
-          <p:nvPr/>
-        </p:nvCxnSpPr>
-        <p:spPr>
-          <a:xfrm flipV="1">
-            <a:off x="2501637" y="3457587"/>
-            <a:ext cx="1645930" cy="19696"/>
-          </a:xfrm>
-          <a:prstGeom prst="straightConnector1">
-            <a:avLst/>
-          </a:prstGeom>
-          <a:ln>
-            <a:solidFill>
-              <a:srgbClr val="BB23E5"/>
-            </a:solidFill>
-            <a:tailEnd type="triangle"/>
-          </a:ln>
-        </p:spPr>
-        <p:style>
-          <a:lnRef idx="1">
-            <a:schemeClr val="accent1"/>
-          </a:lnRef>
-          <a:fillRef idx="0">
-            <a:schemeClr val="accent1"/>
-          </a:fillRef>
-          <a:effectRef idx="0">
-            <a:schemeClr val="accent1"/>
-          </a:effectRef>
-          <a:fontRef idx="minor">
-            <a:schemeClr val="tx1"/>
-          </a:fontRef>
-        </p:style>
-      </p:cxnSp>
       <p:grpSp>
         <p:nvGrpSpPr>
           <p:cNvPr id="25" name="组合 24">
@@ -18403,8 +18368,8 @@
         </p:nvGrpSpPr>
         <p:grpSpPr>
           <a:xfrm>
-            <a:off x="6551400" y="2638240"/>
-            <a:ext cx="1998483" cy="1638693"/>
+            <a:off x="4728962" y="2640235"/>
+            <a:ext cx="1998483" cy="2768841"/>
             <a:chOff x="4535863" y="2820184"/>
             <a:chExt cx="1998483" cy="1638693"/>
           </a:xfrm>
@@ -18510,7 +18475,63 @@
           </p:nvSpPr>
           <p:spPr>
             <a:xfrm>
-              <a:off x="4910188" y="3335881"/>
+              <a:off x="4882300" y="3188966"/>
+              <a:ext cx="1213700" cy="262631"/>
+            </a:xfrm>
+            <a:prstGeom prst="rect">
+              <a:avLst/>
+            </a:prstGeom>
+            <a:solidFill>
+              <a:srgbClr val="C239E7"/>
+            </a:solidFill>
+            <a:ln>
+              <a:noFill/>
+            </a:ln>
+          </p:spPr>
+          <p:style>
+            <a:lnRef idx="2">
+              <a:schemeClr val="accent1">
+                <a:shade val="50000"/>
+              </a:schemeClr>
+            </a:lnRef>
+            <a:fillRef idx="1">
+              <a:schemeClr val="accent1"/>
+            </a:fillRef>
+            <a:effectRef idx="0">
+              <a:schemeClr val="accent1"/>
+            </a:effectRef>
+            <a:fontRef idx="minor">
+              <a:schemeClr val="lt1"/>
+            </a:fontRef>
+          </p:style>
+          <p:txBody>
+            <a:bodyPr rtlCol="0" anchor="ctr"/>
+            <a:lstStyle/>
+            <a:p>
+              <a:pPr algn="ctr"/>
+              <a:r>
+                <a:rPr lang="en-US" altLang="zh-CN"/>
+                <a:t>0</a:t>
+              </a:r>
+              <a:endParaRPr lang="zh-CN" altLang="en-US"/>
+            </a:p>
+          </p:txBody>
+        </p:sp>
+        <p:sp>
+          <p:nvSpPr>
+            <p:cNvPr id="24" name="矩形 23">
+              <a:extLst>
+                <a:ext uri="{FF2B5EF4-FFF2-40B4-BE49-F238E27FC236}">
+                  <a16:creationId xmlns:a16="http://schemas.microsoft.com/office/drawing/2014/main" id="{F62E0807-1BBC-43BD-B649-22F0F7893CB6}"/>
+                </a:ext>
+              </a:extLst>
+            </p:cNvPr>
+            <p:cNvSpPr/>
+            <p:nvPr/>
+          </p:nvSpPr>
+          <p:spPr>
+            <a:xfrm>
+              <a:off x="4882300" y="3730782"/>
               <a:ext cx="1213700" cy="369332"/>
             </a:xfrm>
             <a:prstGeom prst="rect">
@@ -18545,91 +18566,37 @@
             <a:p>
               <a:pPr algn="ctr"/>
               <a:r>
-                <a:rPr lang="en-US" altLang="zh-CN"/>
-                <a:t>next</a:t>
+                <a:rPr lang="zh-CN" altLang="en-US" sz="1200"/>
+                <a:t>头节点地址</a:t>
               </a:r>
-              <a:endParaRPr lang="zh-CN" altLang="en-US"/>
-            </a:p>
-          </p:txBody>
-        </p:sp>
-        <p:sp>
-          <p:nvSpPr>
-            <p:cNvPr id="24" name="矩形 23">
-              <a:extLst>
-                <a:ext uri="{FF2B5EF4-FFF2-40B4-BE49-F238E27FC236}">
-                  <a16:creationId xmlns:a16="http://schemas.microsoft.com/office/drawing/2014/main" id="{F62E0807-1BBC-43BD-B649-22F0F7893CB6}"/>
-                </a:ext>
-              </a:extLst>
-            </p:cNvPr>
-            <p:cNvSpPr/>
-            <p:nvPr/>
-          </p:nvSpPr>
-          <p:spPr>
-            <a:xfrm>
-              <a:off x="4910188" y="3864874"/>
-              <a:ext cx="1213700" cy="369332"/>
-            </a:xfrm>
-            <a:prstGeom prst="rect">
-              <a:avLst/>
-            </a:prstGeom>
-            <a:solidFill>
-              <a:srgbClr val="C239E7"/>
-            </a:solidFill>
-            <a:ln>
-              <a:noFill/>
-            </a:ln>
-          </p:spPr>
-          <p:style>
-            <a:lnRef idx="2">
-              <a:schemeClr val="accent1">
-                <a:shade val="50000"/>
-              </a:schemeClr>
-            </a:lnRef>
-            <a:fillRef idx="1">
-              <a:schemeClr val="accent1"/>
-            </a:fillRef>
-            <a:effectRef idx="0">
-              <a:schemeClr val="accent1"/>
-            </a:effectRef>
-            <a:fontRef idx="minor">
-              <a:schemeClr val="lt1"/>
-            </a:fontRef>
-          </p:style>
-          <p:txBody>
-            <a:bodyPr rtlCol="0" anchor="ctr"/>
-            <a:lstStyle/>
-            <a:p>
-              <a:pPr algn="ctr"/>
-              <a:r>
-                <a:rPr lang="en-US" altLang="zh-CN"/>
-                <a:t>pprev</a:t>
-              </a:r>
-              <a:endParaRPr lang="zh-CN" altLang="en-US"/>
             </a:p>
           </p:txBody>
         </p:sp>
       </p:grpSp>
       <p:cxnSp>
         <p:nvCxnSpPr>
-          <p:cNvPr id="26" name="直接箭头连接符 25">
-            <a:extLst>
-              <a:ext uri="{FF2B5EF4-FFF2-40B4-BE49-F238E27FC236}">
-                <a16:creationId xmlns:a16="http://schemas.microsoft.com/office/drawing/2014/main" id="{8655F940-E562-479D-9514-0A987F1B6FC9}"/>
+          <p:cNvPr id="58" name="连接符: 肘形 57">
+            <a:extLst>
+              <a:ext uri="{FF2B5EF4-FFF2-40B4-BE49-F238E27FC236}">
+                <a16:creationId xmlns:a16="http://schemas.microsoft.com/office/drawing/2014/main" id="{0606EE83-A943-4A8C-B711-FDBDD9116E96}"/>
               </a:ext>
             </a:extLst>
           </p:cNvPr>
           <p:cNvCxnSpPr>
             <a:cxnSpLocks/>
+            <a:stCxn id="24" idx="1"/>
           </p:cNvCxnSpPr>
           <p:nvPr/>
         </p:nvCxnSpPr>
         <p:spPr>
-          <a:xfrm>
-            <a:off x="8149339" y="3358299"/>
-            <a:ext cx="1141232" cy="0"/>
-          </a:xfrm>
-          <a:prstGeom prst="straightConnector1">
-            <a:avLst/>
+          <a:xfrm rot="10800000">
+            <a:off x="3657601" y="4490864"/>
+            <a:ext cx="1417799" cy="1"/>
+          </a:xfrm>
+          <a:prstGeom prst="bentConnector3">
+            <a:avLst>
+              <a:gd name="adj1" fmla="val 50000"/>
+            </a:avLst>
           </a:prstGeom>
           <a:ln>
             <a:solidFill>
@@ -18655,159 +18622,10 @@
       </p:cxnSp>
       <p:sp>
         <p:nvSpPr>
-          <p:cNvPr id="29" name="矩形 28">
-            <a:extLst>
-              <a:ext uri="{FF2B5EF4-FFF2-40B4-BE49-F238E27FC236}">
-                <a16:creationId xmlns:a16="http://schemas.microsoft.com/office/drawing/2014/main" id="{9DE31BA6-CE9C-4B52-A7D4-B3097F04816A}"/>
-              </a:ext>
-            </a:extLst>
-          </p:cNvPr>
-          <p:cNvSpPr/>
-          <p:nvPr/>
-        </p:nvSpPr>
-        <p:spPr>
-          <a:xfrm>
-            <a:off x="4147567" y="3198350"/>
-            <a:ext cx="1213700" cy="518474"/>
-          </a:xfrm>
-          <a:prstGeom prst="rect">
-            <a:avLst/>
-          </a:prstGeom>
-          <a:solidFill>
-            <a:srgbClr val="C239E7"/>
-          </a:solidFill>
-          <a:ln>
-            <a:noFill/>
-          </a:ln>
-        </p:spPr>
-        <p:style>
-          <a:lnRef idx="2">
-            <a:schemeClr val="accent1">
-              <a:shade val="50000"/>
-            </a:schemeClr>
-          </a:lnRef>
-          <a:fillRef idx="1">
-            <a:schemeClr val="accent1"/>
-          </a:fillRef>
-          <a:effectRef idx="0">
-            <a:schemeClr val="accent1"/>
-          </a:effectRef>
-          <a:fontRef idx="minor">
-            <a:schemeClr val="lt1"/>
-          </a:fontRef>
-        </p:style>
-        <p:txBody>
-          <a:bodyPr rtlCol="0" anchor="ctr"/>
-          <a:lstStyle/>
-          <a:p>
-            <a:pPr algn="ctr"/>
-            <a:r>
-              <a:rPr lang="en-US" altLang="zh-CN"/>
-              <a:t>0x02324</a:t>
-            </a:r>
-            <a:endParaRPr lang="zh-CN" altLang="en-US"/>
-          </a:p>
-        </p:txBody>
-      </p:sp>
-      <p:cxnSp>
-        <p:nvCxnSpPr>
-          <p:cNvPr id="30" name="直接箭头连接符 29">
-            <a:extLst>
-              <a:ext uri="{FF2B5EF4-FFF2-40B4-BE49-F238E27FC236}">
-                <a16:creationId xmlns:a16="http://schemas.microsoft.com/office/drawing/2014/main" id="{0C739708-45A5-46FA-8C79-129BC4AF4EE6}"/>
-              </a:ext>
-            </a:extLst>
-          </p:cNvPr>
-          <p:cNvCxnSpPr>
-            <a:cxnSpLocks/>
-            <a:stCxn id="29" idx="3"/>
-            <a:endCxn id="19" idx="1"/>
-          </p:cNvCxnSpPr>
-          <p:nvPr/>
-        </p:nvCxnSpPr>
-        <p:spPr>
-          <a:xfrm>
-            <a:off x="5361267" y="3457587"/>
-            <a:ext cx="1190133" cy="0"/>
-          </a:xfrm>
-          <a:prstGeom prst="straightConnector1">
-            <a:avLst/>
-          </a:prstGeom>
-          <a:ln>
-            <a:solidFill>
-              <a:srgbClr val="BB23E5"/>
-            </a:solidFill>
-            <a:tailEnd type="triangle"/>
-          </a:ln>
-        </p:spPr>
-        <p:style>
-          <a:lnRef idx="1">
-            <a:schemeClr val="accent1"/>
-          </a:lnRef>
-          <a:fillRef idx="0">
-            <a:schemeClr val="accent1"/>
-          </a:fillRef>
-          <a:effectRef idx="0">
-            <a:schemeClr val="accent1"/>
-          </a:effectRef>
-          <a:fontRef idx="minor">
-            <a:schemeClr val="tx1"/>
-          </a:fontRef>
-        </p:style>
-      </p:cxnSp>
-      <p:cxnSp>
-        <p:nvCxnSpPr>
-          <p:cNvPr id="58" name="连接符: 肘形 57">
-            <a:extLst>
-              <a:ext uri="{FF2B5EF4-FFF2-40B4-BE49-F238E27FC236}">
-                <a16:creationId xmlns:a16="http://schemas.microsoft.com/office/drawing/2014/main" id="{0606EE83-A943-4A8C-B711-FDBDD9116E96}"/>
-              </a:ext>
-            </a:extLst>
-          </p:cNvPr>
-          <p:cNvCxnSpPr>
-            <a:stCxn id="24" idx="2"/>
-            <a:endCxn id="16" idx="2"/>
-          </p:cNvCxnSpPr>
-          <p:nvPr/>
-        </p:nvCxnSpPr>
-        <p:spPr>
-          <a:xfrm rot="5400000" flipH="1">
-            <a:off x="4555810" y="1075497"/>
-            <a:ext cx="315742" cy="5637788"/>
-          </a:xfrm>
-          <a:prstGeom prst="bentConnector3">
-            <a:avLst>
-              <a:gd name="adj1" fmla="val -161969"/>
-            </a:avLst>
-          </a:prstGeom>
-          <a:ln>
-            <a:solidFill>
-              <a:srgbClr val="BB23E5"/>
-            </a:solidFill>
-            <a:tailEnd type="triangle"/>
-          </a:ln>
-        </p:spPr>
-        <p:style>
-          <a:lnRef idx="1">
-            <a:schemeClr val="accent1"/>
-          </a:lnRef>
-          <a:fillRef idx="0">
-            <a:schemeClr val="accent1"/>
-          </a:fillRef>
-          <a:effectRef idx="0">
-            <a:schemeClr val="accent1"/>
-          </a:effectRef>
-          <a:fontRef idx="minor">
-            <a:schemeClr val="tx1"/>
-          </a:fontRef>
-        </p:style>
-      </p:cxnSp>
-      <p:sp>
-        <p:nvSpPr>
-          <p:cNvPr id="61" name="文本框 60">
-            <a:extLst>
-              <a:ext uri="{FF2B5EF4-FFF2-40B4-BE49-F238E27FC236}">
-                <a16:creationId xmlns:a16="http://schemas.microsoft.com/office/drawing/2014/main" id="{3095EA03-033E-438C-8091-0F793CFEBF07}"/>
+          <p:cNvPr id="5" name="文本框 4">
+            <a:extLst>
+              <a:ext uri="{FF2B5EF4-FFF2-40B4-BE49-F238E27FC236}">
+                <a16:creationId xmlns:a16="http://schemas.microsoft.com/office/drawing/2014/main" id="{3C4C2CAC-2A22-71B8-CDE8-1BEFBD8CA44F}"/>
               </a:ext>
             </a:extLst>
           </p:cNvPr>
@@ -18816,8 +18634,8 @@
         </p:nvSpPr>
         <p:spPr>
           <a:xfrm>
-            <a:off x="3661067" y="2522106"/>
-            <a:ext cx="2636037" cy="577081"/>
+            <a:off x="2250880" y="2032751"/>
+            <a:ext cx="588294" cy="369332"/>
           </a:xfrm>
           <a:prstGeom prst="rect">
             <a:avLst/>
@@ -18825,43 +18643,33 @@
           <a:noFill/>
         </p:spPr>
         <p:txBody>
-          <a:bodyPr wrap="square" rtlCol="0">
+          <a:bodyPr wrap="square">
             <a:spAutoFit/>
           </a:bodyPr>
           <a:lstStyle/>
           <a:p>
             <a:r>
-              <a:rPr lang="en-US" altLang="zh-CN" sz="1050"/>
+              <a:rPr lang="en-US" altLang="zh-CN">
+                <a:solidFill>
+                  <a:schemeClr val="bg1"/>
+                </a:solidFill>
+              </a:rPr>
               <a:t>first</a:t>
             </a:r>
-            <a:r>
-              <a:rPr lang="zh-CN" altLang="en-US" sz="1050"/>
-              <a:t>是一个指针，里面的内容假设是</a:t>
-            </a:r>
-            <a:r>
-              <a:rPr lang="en-US" altLang="zh-CN" sz="1050"/>
-              <a:t>0x02324</a:t>
-            </a:r>
-            <a:r>
-              <a:rPr lang="zh-CN" altLang="en-US" sz="1050"/>
-              <a:t>这个地址，</a:t>
-            </a:r>
-            <a:endParaRPr lang="en-US" altLang="zh-CN" sz="1050"/>
-          </a:p>
-          <a:p>
-            <a:r>
-              <a:rPr lang="zh-CN" altLang="en-US" sz="1050"/>
-              <a:t>这个地址指向的就是下一个节点</a:t>
-            </a:r>
-          </a:p>
-        </p:txBody>
-      </p:sp>
-      <p:sp>
-        <p:nvSpPr>
-          <p:cNvPr id="70" name="文本框 69">
-            <a:extLst>
-              <a:ext uri="{FF2B5EF4-FFF2-40B4-BE49-F238E27FC236}">
-                <a16:creationId xmlns:a16="http://schemas.microsoft.com/office/drawing/2014/main" id="{21AD0CCD-DEA7-42D7-ABF6-57FEC17950F7}"/>
+            <a:endParaRPr lang="zh-CN" altLang="en-US">
+              <a:solidFill>
+                <a:schemeClr val="bg1"/>
+              </a:solidFill>
+            </a:endParaRPr>
+          </a:p>
+        </p:txBody>
+      </p:sp>
+      <p:sp>
+        <p:nvSpPr>
+          <p:cNvPr id="10" name="文本框 9">
+            <a:extLst>
+              <a:ext uri="{FF2B5EF4-FFF2-40B4-BE49-F238E27FC236}">
+                <a16:creationId xmlns:a16="http://schemas.microsoft.com/office/drawing/2014/main" id="{8B6E9622-B462-F089-0805-F83FA0C5B979}"/>
               </a:ext>
             </a:extLst>
           </p:cNvPr>
@@ -18870,8 +18678,8 @@
         </p:nvSpPr>
         <p:spPr>
           <a:xfrm>
-            <a:off x="3553905" y="4052262"/>
-            <a:ext cx="2636037" cy="415498"/>
+            <a:off x="5339507" y="2270509"/>
+            <a:ext cx="777391" cy="369332"/>
           </a:xfrm>
           <a:prstGeom prst="rect">
             <a:avLst/>
@@ -18879,147 +18687,151 @@
           <a:noFill/>
         </p:spPr>
         <p:txBody>
-          <a:bodyPr wrap="square" rtlCol="0">
+          <a:bodyPr wrap="square">
             <a:spAutoFit/>
           </a:bodyPr>
           <a:lstStyle/>
           <a:p>
             <a:r>
-              <a:rPr lang="en-US" altLang="zh-CN" sz="1050"/>
+              <a:rPr lang="zh-CN" altLang="en-US"/>
+              <a:t>节点</a:t>
+            </a:r>
+            <a:r>
+              <a:rPr lang="en-US" altLang="zh-CN"/>
+              <a:t>1</a:t>
+            </a:r>
+          </a:p>
+        </p:txBody>
+      </p:sp>
+      <p:sp>
+        <p:nvSpPr>
+          <p:cNvPr id="12" name="文本框 11">
+            <a:extLst>
+              <a:ext uri="{FF2B5EF4-FFF2-40B4-BE49-F238E27FC236}">
+                <a16:creationId xmlns:a16="http://schemas.microsoft.com/office/drawing/2014/main" id="{A092538F-7303-F641-EB08-C16030B7A798}"/>
+              </a:ext>
+            </a:extLst>
+          </p:cNvPr>
+          <p:cNvSpPr txBox="1"/>
+          <p:nvPr/>
+        </p:nvSpPr>
+        <p:spPr>
+          <a:xfrm>
+            <a:off x="2208949" y="4068404"/>
+            <a:ext cx="588294" cy="369332"/>
+          </a:xfrm>
+          <a:prstGeom prst="rect">
+            <a:avLst/>
+          </a:prstGeom>
+          <a:noFill/>
+        </p:spPr>
+        <p:txBody>
+          <a:bodyPr wrap="square">
+            <a:spAutoFit/>
+          </a:bodyPr>
+          <a:lstStyle/>
+          <a:p>
+            <a:r>
+              <a:rPr lang="en-US" altLang="zh-CN">
+                <a:solidFill>
+                  <a:schemeClr val="bg1"/>
+                </a:solidFill>
+              </a:rPr>
+              <a:t>first</a:t>
+            </a:r>
+            <a:endParaRPr lang="zh-CN" altLang="en-US">
+              <a:solidFill>
+                <a:schemeClr val="bg1"/>
+              </a:solidFill>
+            </a:endParaRPr>
+          </a:p>
+        </p:txBody>
+      </p:sp>
+      <p:sp>
+        <p:nvSpPr>
+          <p:cNvPr id="35" name="文本框 34">
+            <a:extLst>
+              <a:ext uri="{FF2B5EF4-FFF2-40B4-BE49-F238E27FC236}">
+                <a16:creationId xmlns:a16="http://schemas.microsoft.com/office/drawing/2014/main" id="{AC6DC668-481D-D0AA-5B97-A0413C96D6A4}"/>
+              </a:ext>
+            </a:extLst>
+          </p:cNvPr>
+          <p:cNvSpPr txBox="1"/>
+          <p:nvPr/>
+        </p:nvSpPr>
+        <p:spPr>
+          <a:xfrm>
+            <a:off x="5393408" y="3670367"/>
+            <a:ext cx="669591" cy="369332"/>
+          </a:xfrm>
+          <a:prstGeom prst="rect">
+            <a:avLst/>
+          </a:prstGeom>
+          <a:noFill/>
+        </p:spPr>
+        <p:txBody>
+          <a:bodyPr wrap="square">
+            <a:spAutoFit/>
+          </a:bodyPr>
+          <a:lstStyle/>
+          <a:p>
+            <a:r>
+              <a:rPr lang="en-US" altLang="zh-CN">
+                <a:solidFill>
+                  <a:schemeClr val="bg1"/>
+                </a:solidFill>
+              </a:rPr>
+              <a:t>next</a:t>
+            </a:r>
+            <a:endParaRPr lang="zh-CN" altLang="en-US">
+              <a:solidFill>
+                <a:schemeClr val="bg1"/>
+              </a:solidFill>
+            </a:endParaRPr>
+          </a:p>
+        </p:txBody>
+      </p:sp>
+      <p:sp>
+        <p:nvSpPr>
+          <p:cNvPr id="37" name="文本框 36">
+            <a:extLst>
+              <a:ext uri="{FF2B5EF4-FFF2-40B4-BE49-F238E27FC236}">
+                <a16:creationId xmlns:a16="http://schemas.microsoft.com/office/drawing/2014/main" id="{19104B93-96EB-79F1-462E-0CBA21A06689}"/>
+              </a:ext>
+            </a:extLst>
+          </p:cNvPr>
+          <p:cNvSpPr txBox="1"/>
+          <p:nvPr/>
+        </p:nvSpPr>
+        <p:spPr>
+          <a:xfrm>
+            <a:off x="5356824" y="4802887"/>
+            <a:ext cx="807994" cy="369332"/>
+          </a:xfrm>
+          <a:prstGeom prst="rect">
+            <a:avLst/>
+          </a:prstGeom>
+          <a:noFill/>
+        </p:spPr>
+        <p:txBody>
+          <a:bodyPr wrap="square">
+            <a:spAutoFit/>
+          </a:bodyPr>
+          <a:lstStyle/>
+          <a:p>
+            <a:r>
+              <a:rPr lang="en-US" altLang="zh-CN">
+                <a:solidFill>
+                  <a:schemeClr val="bg1"/>
+                </a:solidFill>
+              </a:rPr>
               <a:t>pprev</a:t>
             </a:r>
-            <a:r>
-              <a:rPr lang="zh-CN" altLang="en-US" sz="1050"/>
-              <a:t>是一个二级指针，里面存的值是存</a:t>
-            </a:r>
-            <a:r>
-              <a:rPr lang="en-US" altLang="zh-CN" sz="1050"/>
-              <a:t>0x02324</a:t>
-            </a:r>
-            <a:r>
-              <a:rPr lang="zh-CN" altLang="en-US" sz="1050"/>
-              <a:t>这个内容的</a:t>
-            </a:r>
-            <a:r>
-              <a:rPr lang="en-US" altLang="zh-CN" sz="1050"/>
-              <a:t>first</a:t>
-            </a:r>
-            <a:r>
-              <a:rPr lang="zh-CN" altLang="en-US" sz="1050"/>
-              <a:t>的地址，</a:t>
-            </a:r>
-          </a:p>
-        </p:txBody>
-      </p:sp>
-      <p:sp>
-        <p:nvSpPr>
-          <p:cNvPr id="71" name="矩形 70">
-            <a:extLst>
-              <a:ext uri="{FF2B5EF4-FFF2-40B4-BE49-F238E27FC236}">
-                <a16:creationId xmlns:a16="http://schemas.microsoft.com/office/drawing/2014/main" id="{6392BC54-B5C0-472C-B283-5A6829AA2216}"/>
-              </a:ext>
-            </a:extLst>
-          </p:cNvPr>
-          <p:cNvSpPr/>
-          <p:nvPr/>
-        </p:nvSpPr>
-        <p:spPr>
-          <a:xfrm>
-            <a:off x="9466639" y="3119007"/>
-            <a:ext cx="1213700" cy="518474"/>
-          </a:xfrm>
-          <a:prstGeom prst="rect">
-            <a:avLst/>
-          </a:prstGeom>
-          <a:solidFill>
-            <a:srgbClr val="C239E7"/>
-          </a:solidFill>
-          <a:ln>
-            <a:noFill/>
-          </a:ln>
-        </p:spPr>
-        <p:style>
-          <a:lnRef idx="2">
-            <a:schemeClr val="accent1">
-              <a:shade val="50000"/>
-            </a:schemeClr>
-          </a:lnRef>
-          <a:fillRef idx="1">
-            <a:schemeClr val="accent1"/>
-          </a:fillRef>
-          <a:effectRef idx="0">
-            <a:schemeClr val="accent1"/>
-          </a:effectRef>
-          <a:fontRef idx="minor">
-            <a:schemeClr val="lt1"/>
-          </a:fontRef>
-        </p:style>
-        <p:txBody>
-          <a:bodyPr rtlCol="0" anchor="ctr"/>
-          <a:lstStyle/>
-          <a:p>
-            <a:pPr algn="ctr"/>
-            <a:r>
-              <a:rPr lang="en-US" altLang="zh-CN"/>
-              <a:t>0</a:t>
-            </a:r>
-            <a:endParaRPr lang="zh-CN" altLang="en-US"/>
-          </a:p>
-        </p:txBody>
-      </p:sp>
-      <p:sp>
-        <p:nvSpPr>
-          <p:cNvPr id="72" name="矩形 71">
-            <a:extLst>
-              <a:ext uri="{FF2B5EF4-FFF2-40B4-BE49-F238E27FC236}">
-                <a16:creationId xmlns:a16="http://schemas.microsoft.com/office/drawing/2014/main" id="{4E70E3E1-D474-46F1-9FF7-D6DC8DC1C398}"/>
-              </a:ext>
-            </a:extLst>
-          </p:cNvPr>
-          <p:cNvSpPr/>
-          <p:nvPr/>
-        </p:nvSpPr>
-        <p:spPr>
-          <a:xfrm>
-            <a:off x="3661067" y="1025860"/>
-            <a:ext cx="1213700" cy="518474"/>
-          </a:xfrm>
-          <a:prstGeom prst="rect">
-            <a:avLst/>
-          </a:prstGeom>
-          <a:solidFill>
-            <a:srgbClr val="C239E7"/>
-          </a:solidFill>
-          <a:ln>
-            <a:noFill/>
-          </a:ln>
-        </p:spPr>
-        <p:style>
-          <a:lnRef idx="2">
-            <a:schemeClr val="accent1">
-              <a:shade val="50000"/>
-            </a:schemeClr>
-          </a:lnRef>
-          <a:fillRef idx="1">
-            <a:schemeClr val="accent1"/>
-          </a:fillRef>
-          <a:effectRef idx="0">
-            <a:schemeClr val="accent1"/>
-          </a:effectRef>
-          <a:fontRef idx="minor">
-            <a:schemeClr val="lt1"/>
-          </a:fontRef>
-        </p:style>
-        <p:txBody>
-          <a:bodyPr rtlCol="0" anchor="ctr"/>
-          <a:lstStyle/>
-          <a:p>
-            <a:pPr algn="ctr"/>
-            <a:r>
-              <a:rPr lang="en-US" altLang="zh-CN"/>
-              <a:t>0</a:t>
-            </a:r>
-            <a:endParaRPr lang="zh-CN" altLang="en-US"/>
+            <a:endParaRPr lang="zh-CN" altLang="en-US">
+              <a:solidFill>
+                <a:schemeClr val="bg1"/>
+              </a:solidFill>
+            </a:endParaRPr>
           </a:p>
         </p:txBody>
       </p:sp>
@@ -19055,10 +18867,10 @@
       </p:grpSpPr>
       <p:sp>
         <p:nvSpPr>
-          <p:cNvPr id="14" name="矩形: 圆角 13">
-            <a:extLst>
-              <a:ext uri="{FF2B5EF4-FFF2-40B4-BE49-F238E27FC236}">
-                <a16:creationId xmlns:a16="http://schemas.microsoft.com/office/drawing/2014/main" id="{63852A17-46CB-4B99-A279-9C5DB9660941}"/>
+          <p:cNvPr id="6" name="矩形: 圆角 5">
+            <a:extLst>
+              <a:ext uri="{FF2B5EF4-FFF2-40B4-BE49-F238E27FC236}">
+                <a16:creationId xmlns:a16="http://schemas.microsoft.com/office/drawing/2014/main" id="{C86CACD7-3C33-6262-7FCA-208A74A3EC60}"/>
               </a:ext>
             </a:extLst>
           </p:cNvPr>
@@ -19067,8 +18879,8 @@
         </p:nvSpPr>
         <p:spPr>
           <a:xfrm>
-            <a:off x="443060" y="3565267"/>
-            <a:ext cx="1998483" cy="1638694"/>
+            <a:off x="1545786" y="3062873"/>
+            <a:ext cx="1998483" cy="1833820"/>
           </a:xfrm>
           <a:prstGeom prst="roundRect">
             <a:avLst/>
@@ -19107,10 +18919,10 @@
       </p:sp>
       <p:sp>
         <p:nvSpPr>
-          <p:cNvPr id="15" name="文本框 14">
-            <a:extLst>
-              <a:ext uri="{FF2B5EF4-FFF2-40B4-BE49-F238E27FC236}">
-                <a16:creationId xmlns:a16="http://schemas.microsoft.com/office/drawing/2014/main" id="{B3D207D4-88F4-4BE8-9061-F19CBD417042}"/>
+          <p:cNvPr id="7" name="文本框 6">
+            <a:extLst>
+              <a:ext uri="{FF2B5EF4-FFF2-40B4-BE49-F238E27FC236}">
+                <a16:creationId xmlns:a16="http://schemas.microsoft.com/office/drawing/2014/main" id="{814C9CEB-E9CB-8924-B945-7A7D3C94BD66}"/>
               </a:ext>
             </a:extLst>
           </p:cNvPr>
@@ -19119,7 +18931,7 @@
         </p:nvSpPr>
         <p:spPr>
           <a:xfrm>
-            <a:off x="835451" y="3776162"/>
+            <a:off x="1938177" y="3123188"/>
             <a:ext cx="1213700" cy="369332"/>
           </a:xfrm>
           <a:prstGeom prst="rect">
@@ -19142,10 +18954,10 @@
       </p:sp>
       <p:sp>
         <p:nvSpPr>
-          <p:cNvPr id="16" name="矩形 15">
-            <a:extLst>
-              <a:ext uri="{FF2B5EF4-FFF2-40B4-BE49-F238E27FC236}">
-                <a16:creationId xmlns:a16="http://schemas.microsoft.com/office/drawing/2014/main" id="{D18A374E-D682-47C2-8CD0-C0F8C1D567F2}"/>
+          <p:cNvPr id="8" name="矩形 7">
+            <a:extLst>
+              <a:ext uri="{FF2B5EF4-FFF2-40B4-BE49-F238E27FC236}">
+                <a16:creationId xmlns:a16="http://schemas.microsoft.com/office/drawing/2014/main" id="{A680B883-1212-F507-19A2-46DB1B7FAEB1}"/>
               </a:ext>
             </a:extLst>
           </p:cNvPr>
@@ -19154,7 +18966,7 @@
         </p:nvSpPr>
         <p:spPr>
           <a:xfrm>
-            <a:off x="835451" y="4254995"/>
+            <a:off x="1924983" y="3521225"/>
             <a:ext cx="1213700" cy="518474"/>
           </a:xfrm>
           <a:prstGeom prst="rect">
@@ -19189,19 +19001,71 @@
           <a:p>
             <a:pPr algn="ctr"/>
             <a:r>
-              <a:rPr lang="en-US" altLang="zh-CN"/>
-              <a:t>first</a:t>
-            </a:r>
-            <a:endParaRPr lang="zh-CN" altLang="en-US"/>
-          </a:p>
-        </p:txBody>
-      </p:sp>
+              <a:rPr lang="zh-CN" altLang="en-US" sz="1200"/>
+              <a:t>节点</a:t>
+            </a:r>
+            <a:r>
+              <a:rPr lang="en-US" altLang="zh-CN" sz="1200"/>
+              <a:t>1</a:t>
+            </a:r>
+            <a:r>
+              <a:rPr lang="zh-CN" altLang="en-US" sz="1200"/>
+              <a:t>的地址</a:t>
+            </a:r>
+          </a:p>
+        </p:txBody>
+      </p:sp>
+      <p:cxnSp>
+        <p:nvCxnSpPr>
+          <p:cNvPr id="9" name="直接箭头连接符 8">
+            <a:extLst>
+              <a:ext uri="{FF2B5EF4-FFF2-40B4-BE49-F238E27FC236}">
+                <a16:creationId xmlns:a16="http://schemas.microsoft.com/office/drawing/2014/main" id="{CEF48932-BBF8-00E3-60F8-B120D3D84C3E}"/>
+              </a:ext>
+            </a:extLst>
+          </p:cNvPr>
+          <p:cNvCxnSpPr>
+            <a:cxnSpLocks/>
+            <a:stCxn id="8" idx="3"/>
+          </p:cNvCxnSpPr>
+          <p:nvPr/>
+        </p:nvCxnSpPr>
+        <p:spPr>
+          <a:xfrm>
+            <a:off x="3138683" y="3780462"/>
+            <a:ext cx="1590279" cy="10286"/>
+          </a:xfrm>
+          <a:prstGeom prst="straightConnector1">
+            <a:avLst/>
+          </a:prstGeom>
+          <a:ln>
+            <a:solidFill>
+              <a:srgbClr val="BB23E5"/>
+            </a:solidFill>
+            <a:tailEnd type="triangle"/>
+          </a:ln>
+        </p:spPr>
+        <p:style>
+          <a:lnRef idx="1">
+            <a:schemeClr val="accent1"/>
+          </a:lnRef>
+          <a:fillRef idx="0">
+            <a:schemeClr val="accent1"/>
+          </a:fillRef>
+          <a:effectRef idx="0">
+            <a:schemeClr val="accent1"/>
+          </a:effectRef>
+          <a:fontRef idx="minor">
+            <a:schemeClr val="tx1"/>
+          </a:fontRef>
+        </p:style>
+      </p:cxnSp>
       <p:grpSp>
         <p:nvGrpSpPr>
-          <p:cNvPr id="25" name="组合 24">
-            <a:extLst>
-              <a:ext uri="{FF2B5EF4-FFF2-40B4-BE49-F238E27FC236}">
-                <a16:creationId xmlns:a16="http://schemas.microsoft.com/office/drawing/2014/main" id="{94227F8D-58F1-4357-A81B-AAAFC162DEC0}"/>
+          <p:cNvPr id="10" name="组合 9">
+            <a:extLst>
+              <a:ext uri="{FF2B5EF4-FFF2-40B4-BE49-F238E27FC236}">
+                <a16:creationId xmlns:a16="http://schemas.microsoft.com/office/drawing/2014/main" id="{C0234A9F-2C43-B484-F257-3210AA6FE609}"/>
               </a:ext>
             </a:extLst>
           </p:cNvPr>
@@ -19210,18 +19074,18 @@
         </p:nvGrpSpPr>
         <p:grpSpPr>
           <a:xfrm>
-            <a:off x="8878345" y="3446283"/>
-            <a:ext cx="1998483" cy="1638693"/>
+            <a:off x="4728962" y="2640235"/>
+            <a:ext cx="1998483" cy="2768841"/>
             <a:chOff x="4535863" y="2820184"/>
             <a:chExt cx="1998483" cy="1638693"/>
           </a:xfrm>
         </p:grpSpPr>
         <p:sp>
           <p:nvSpPr>
-            <p:cNvPr id="19" name="矩形: 圆角 18">
+            <p:cNvPr id="11" name="矩形: 圆角 10">
               <a:extLst>
                 <a:ext uri="{FF2B5EF4-FFF2-40B4-BE49-F238E27FC236}">
-                  <a16:creationId xmlns:a16="http://schemas.microsoft.com/office/drawing/2014/main" id="{BEDE745C-5095-429D-B95C-7394054F8D57}"/>
+                  <a16:creationId xmlns:a16="http://schemas.microsoft.com/office/drawing/2014/main" id="{6C5724DC-EF75-4CFB-437C-8B76E369327E}"/>
                 </a:ext>
               </a:extLst>
             </p:cNvPr>
@@ -19270,10 +19134,10 @@
         </p:sp>
         <p:sp>
           <p:nvSpPr>
-            <p:cNvPr id="21" name="文本框 20">
+            <p:cNvPr id="12" name="文本框 11">
               <a:extLst>
                 <a:ext uri="{FF2B5EF4-FFF2-40B4-BE49-F238E27FC236}">
-                  <a16:creationId xmlns:a16="http://schemas.microsoft.com/office/drawing/2014/main" id="{FAA120A7-E7A4-4827-8966-8E8DE117CB4E}"/>
+                  <a16:creationId xmlns:a16="http://schemas.microsoft.com/office/drawing/2014/main" id="{680E8588-05F7-5435-BE6C-255DC5DA0E70}"/>
                 </a:ext>
               </a:extLst>
             </p:cNvPr>
@@ -19305,10 +19169,10 @@
         </p:sp>
         <p:sp>
           <p:nvSpPr>
-            <p:cNvPr id="22" name="矩形 21">
+            <p:cNvPr id="13" name="矩形 12">
               <a:extLst>
                 <a:ext uri="{FF2B5EF4-FFF2-40B4-BE49-F238E27FC236}">
-                  <a16:creationId xmlns:a16="http://schemas.microsoft.com/office/drawing/2014/main" id="{C160B922-7697-43AE-95BF-EFC3539E30DD}"/>
+                  <a16:creationId xmlns:a16="http://schemas.microsoft.com/office/drawing/2014/main" id="{7A527A7E-6830-C530-B9E5-16F09C3EDBFC}"/>
                 </a:ext>
               </a:extLst>
             </p:cNvPr>
@@ -19317,7 +19181,70 @@
           </p:nvSpPr>
           <p:spPr>
             <a:xfrm>
-              <a:off x="4910188" y="3335881"/>
+              <a:off x="4882300" y="3188966"/>
+              <a:ext cx="1213700" cy="262631"/>
+            </a:xfrm>
+            <a:prstGeom prst="rect">
+              <a:avLst/>
+            </a:prstGeom>
+            <a:solidFill>
+              <a:srgbClr val="C239E7"/>
+            </a:solidFill>
+            <a:ln>
+              <a:noFill/>
+            </a:ln>
+          </p:spPr>
+          <p:style>
+            <a:lnRef idx="2">
+              <a:schemeClr val="accent1">
+                <a:shade val="50000"/>
+              </a:schemeClr>
+            </a:lnRef>
+            <a:fillRef idx="1">
+              <a:schemeClr val="accent1"/>
+            </a:fillRef>
+            <a:effectRef idx="0">
+              <a:schemeClr val="accent1"/>
+            </a:effectRef>
+            <a:fontRef idx="minor">
+              <a:schemeClr val="lt1"/>
+            </a:fontRef>
+          </p:style>
+          <p:txBody>
+            <a:bodyPr rtlCol="0" anchor="ctr"/>
+            <a:lstStyle/>
+            <a:p>
+              <a:pPr algn="ctr"/>
+              <a:r>
+                <a:rPr lang="zh-CN" altLang="en-US" sz="1200"/>
+                <a:t>节点</a:t>
+              </a:r>
+              <a:r>
+                <a:rPr lang="en-US" altLang="zh-CN" sz="1200"/>
+                <a:t>2</a:t>
+              </a:r>
+              <a:r>
+                <a:rPr lang="zh-CN" altLang="en-US" sz="1200"/>
+                <a:t>的地址</a:t>
+              </a:r>
+            </a:p>
+          </p:txBody>
+        </p:sp>
+        <p:sp>
+          <p:nvSpPr>
+            <p:cNvPr id="17" name="矩形 16">
+              <a:extLst>
+                <a:ext uri="{FF2B5EF4-FFF2-40B4-BE49-F238E27FC236}">
+                  <a16:creationId xmlns:a16="http://schemas.microsoft.com/office/drawing/2014/main" id="{90BFA7D0-AFB0-0048-B306-5F4005385196}"/>
+                </a:ext>
+              </a:extLst>
+            </p:cNvPr>
+            <p:cNvSpPr/>
+            <p:nvPr/>
+          </p:nvSpPr>
+          <p:spPr>
+            <a:xfrm>
+              <a:off x="4882300" y="3730782"/>
               <a:ext cx="1213700" cy="369332"/>
             </a:xfrm>
             <a:prstGeom prst="rect">
@@ -19352,132 +19279,281 @@
             <a:p>
               <a:pPr algn="ctr"/>
               <a:r>
-                <a:rPr lang="en-US" altLang="zh-CN"/>
-                <a:t>next</a:t>
+                <a:rPr lang="zh-CN" altLang="en-US" sz="1200"/>
+                <a:t>头节点地址</a:t>
               </a:r>
-              <a:endParaRPr lang="zh-CN" altLang="en-US"/>
-            </a:p>
-          </p:txBody>
-        </p:sp>
-        <p:sp>
-          <p:nvSpPr>
-            <p:cNvPr id="24" name="矩形 23">
-              <a:extLst>
-                <a:ext uri="{FF2B5EF4-FFF2-40B4-BE49-F238E27FC236}">
-                  <a16:creationId xmlns:a16="http://schemas.microsoft.com/office/drawing/2014/main" id="{F62E0807-1BBC-43BD-B649-22F0F7893CB6}"/>
-                </a:ext>
-              </a:extLst>
-            </p:cNvPr>
-            <p:cNvSpPr/>
-            <p:nvPr/>
-          </p:nvSpPr>
-          <p:spPr>
-            <a:xfrm>
-              <a:off x="4910188" y="3864874"/>
-              <a:ext cx="1213700" cy="369332"/>
-            </a:xfrm>
-            <a:prstGeom prst="rect">
-              <a:avLst/>
-            </a:prstGeom>
-            <a:solidFill>
-              <a:srgbClr val="C239E7"/>
-            </a:solidFill>
-            <a:ln>
-              <a:noFill/>
-            </a:ln>
-          </p:spPr>
-          <p:style>
-            <a:lnRef idx="2">
-              <a:schemeClr val="accent1">
-                <a:shade val="50000"/>
-              </a:schemeClr>
-            </a:lnRef>
-            <a:fillRef idx="1">
-              <a:schemeClr val="accent1"/>
-            </a:fillRef>
-            <a:effectRef idx="0">
-              <a:schemeClr val="accent1"/>
-            </a:effectRef>
-            <a:fontRef idx="minor">
-              <a:schemeClr val="lt1"/>
-            </a:fontRef>
-          </p:style>
-          <p:txBody>
-            <a:bodyPr rtlCol="0" anchor="ctr"/>
-            <a:lstStyle/>
-            <a:p>
-              <a:pPr algn="ctr"/>
-              <a:r>
-                <a:rPr lang="en-US" altLang="zh-CN"/>
-                <a:t>pprev</a:t>
-              </a:r>
-              <a:endParaRPr lang="zh-CN" altLang="en-US"/>
             </a:p>
           </p:txBody>
         </p:sp>
       </p:grpSp>
-      <p:sp>
-        <p:nvSpPr>
-          <p:cNvPr id="29" name="矩形 28">
-            <a:extLst>
-              <a:ext uri="{FF2B5EF4-FFF2-40B4-BE49-F238E27FC236}">
-                <a16:creationId xmlns:a16="http://schemas.microsoft.com/office/drawing/2014/main" id="{9DE31BA6-CE9C-4B52-A7D4-B3097F04816A}"/>
-              </a:ext>
-            </a:extLst>
-          </p:cNvPr>
-          <p:cNvSpPr/>
-          <p:nvPr/>
-        </p:nvSpPr>
-        <p:spPr>
-          <a:xfrm>
-            <a:off x="6989450" y="1597237"/>
-            <a:ext cx="1213700" cy="518474"/>
-          </a:xfrm>
-          <a:prstGeom prst="rect">
-            <a:avLst/>
-          </a:prstGeom>
-          <a:solidFill>
-            <a:srgbClr val="C239E7"/>
-          </a:solidFill>
+      <p:cxnSp>
+        <p:nvCxnSpPr>
+          <p:cNvPr id="18" name="连接符: 肘形 17">
+            <a:extLst>
+              <a:ext uri="{FF2B5EF4-FFF2-40B4-BE49-F238E27FC236}">
+                <a16:creationId xmlns:a16="http://schemas.microsoft.com/office/drawing/2014/main" id="{6A0F0224-072B-EB28-E3B9-E03140EA1E1C}"/>
+              </a:ext>
+            </a:extLst>
+          </p:cNvPr>
+          <p:cNvCxnSpPr>
+            <a:cxnSpLocks/>
+            <a:stCxn id="17" idx="1"/>
+          </p:cNvCxnSpPr>
+          <p:nvPr/>
+        </p:nvCxnSpPr>
+        <p:spPr>
+          <a:xfrm rot="10800000">
+            <a:off x="3657601" y="4490864"/>
+            <a:ext cx="1417799" cy="1"/>
+          </a:xfrm>
+          <a:prstGeom prst="bentConnector3">
+            <a:avLst>
+              <a:gd name="adj1" fmla="val 50000"/>
+            </a:avLst>
+          </a:prstGeom>
           <a:ln>
-            <a:noFill/>
+            <a:solidFill>
+              <a:srgbClr val="BB23E5"/>
+            </a:solidFill>
+            <a:tailEnd type="triangle"/>
           </a:ln>
         </p:spPr>
         <p:style>
-          <a:lnRef idx="2">
-            <a:schemeClr val="accent1">
-              <a:shade val="50000"/>
-            </a:schemeClr>
-          </a:lnRef>
-          <a:fillRef idx="1">
-            <a:schemeClr val="accent1"/>
-          </a:fillRef>
-          <a:effectRef idx="0">
-            <a:schemeClr val="accent1"/>
-          </a:effectRef>
-          <a:fontRef idx="minor">
-            <a:schemeClr val="lt1"/>
-          </a:fontRef>
-        </p:style>
-        <p:txBody>
-          <a:bodyPr rtlCol="0" anchor="ctr"/>
-          <a:lstStyle/>
-          <a:p>
-            <a:pPr algn="ctr"/>
+          <a:lnRef idx="1">
+            <a:schemeClr val="accent1"/>
+          </a:lnRef>
+          <a:fillRef idx="0">
+            <a:schemeClr val="accent1"/>
+          </a:fillRef>
+          <a:effectRef idx="0">
+            <a:schemeClr val="accent1"/>
+          </a:effectRef>
+          <a:fontRef idx="minor">
+            <a:schemeClr val="tx1"/>
+          </a:fontRef>
+        </p:style>
+      </p:cxnSp>
+      <p:sp>
+        <p:nvSpPr>
+          <p:cNvPr id="20" name="文本框 19">
+            <a:extLst>
+              <a:ext uri="{FF2B5EF4-FFF2-40B4-BE49-F238E27FC236}">
+                <a16:creationId xmlns:a16="http://schemas.microsoft.com/office/drawing/2014/main" id="{FDD1D542-4F9D-001D-6F7D-F5BF99746E84}"/>
+              </a:ext>
+            </a:extLst>
+          </p:cNvPr>
+          <p:cNvSpPr txBox="1"/>
+          <p:nvPr/>
+        </p:nvSpPr>
+        <p:spPr>
+          <a:xfrm>
+            <a:off x="2250880" y="2032751"/>
+            <a:ext cx="588294" cy="369332"/>
+          </a:xfrm>
+          <a:prstGeom prst="rect">
+            <a:avLst/>
+          </a:prstGeom>
+          <a:noFill/>
+        </p:spPr>
+        <p:txBody>
+          <a:bodyPr wrap="square">
+            <a:spAutoFit/>
+          </a:bodyPr>
+          <a:lstStyle/>
+          <a:p>
+            <a:r>
+              <a:rPr lang="en-US" altLang="zh-CN">
+                <a:solidFill>
+                  <a:schemeClr val="bg1"/>
+                </a:solidFill>
+              </a:rPr>
+              <a:t>first</a:t>
+            </a:r>
+            <a:endParaRPr lang="zh-CN" altLang="en-US">
+              <a:solidFill>
+                <a:schemeClr val="bg1"/>
+              </a:solidFill>
+            </a:endParaRPr>
+          </a:p>
+        </p:txBody>
+      </p:sp>
+      <p:sp>
+        <p:nvSpPr>
+          <p:cNvPr id="23" name="文本框 22">
+            <a:extLst>
+              <a:ext uri="{FF2B5EF4-FFF2-40B4-BE49-F238E27FC236}">
+                <a16:creationId xmlns:a16="http://schemas.microsoft.com/office/drawing/2014/main" id="{8364E80E-2511-4E69-B1E3-4ADB188AC1D3}"/>
+              </a:ext>
+            </a:extLst>
+          </p:cNvPr>
+          <p:cNvSpPr txBox="1"/>
+          <p:nvPr/>
+        </p:nvSpPr>
+        <p:spPr>
+          <a:xfrm>
+            <a:off x="5339507" y="2270509"/>
+            <a:ext cx="777391" cy="369332"/>
+          </a:xfrm>
+          <a:prstGeom prst="rect">
+            <a:avLst/>
+          </a:prstGeom>
+          <a:noFill/>
+        </p:spPr>
+        <p:txBody>
+          <a:bodyPr wrap="square">
+            <a:spAutoFit/>
+          </a:bodyPr>
+          <a:lstStyle/>
+          <a:p>
+            <a:r>
+              <a:rPr lang="zh-CN" altLang="en-US"/>
+              <a:t>节点</a:t>
+            </a:r>
             <a:r>
               <a:rPr lang="en-US" altLang="zh-CN"/>
-              <a:t>0x02324</a:t>
-            </a:r>
-            <a:endParaRPr lang="zh-CN" altLang="en-US"/>
+              <a:t>1</a:t>
+            </a:r>
+          </a:p>
+        </p:txBody>
+      </p:sp>
+      <p:sp>
+        <p:nvSpPr>
+          <p:cNvPr id="26" name="文本框 25">
+            <a:extLst>
+              <a:ext uri="{FF2B5EF4-FFF2-40B4-BE49-F238E27FC236}">
+                <a16:creationId xmlns:a16="http://schemas.microsoft.com/office/drawing/2014/main" id="{1003035D-11B1-79A4-E1EF-E9EE6347C38E}"/>
+              </a:ext>
+            </a:extLst>
+          </p:cNvPr>
+          <p:cNvSpPr txBox="1"/>
+          <p:nvPr/>
+        </p:nvSpPr>
+        <p:spPr>
+          <a:xfrm>
+            <a:off x="2208949" y="4068404"/>
+            <a:ext cx="588294" cy="369332"/>
+          </a:xfrm>
+          <a:prstGeom prst="rect">
+            <a:avLst/>
+          </a:prstGeom>
+          <a:noFill/>
+        </p:spPr>
+        <p:txBody>
+          <a:bodyPr wrap="square">
+            <a:spAutoFit/>
+          </a:bodyPr>
+          <a:lstStyle/>
+          <a:p>
+            <a:r>
+              <a:rPr lang="en-US" altLang="zh-CN">
+                <a:solidFill>
+                  <a:schemeClr val="bg1"/>
+                </a:solidFill>
+              </a:rPr>
+              <a:t>first</a:t>
+            </a:r>
+            <a:endParaRPr lang="zh-CN" altLang="en-US">
+              <a:solidFill>
+                <a:schemeClr val="bg1"/>
+              </a:solidFill>
+            </a:endParaRPr>
+          </a:p>
+        </p:txBody>
+      </p:sp>
+      <p:sp>
+        <p:nvSpPr>
+          <p:cNvPr id="30" name="文本框 29">
+            <a:extLst>
+              <a:ext uri="{FF2B5EF4-FFF2-40B4-BE49-F238E27FC236}">
+                <a16:creationId xmlns:a16="http://schemas.microsoft.com/office/drawing/2014/main" id="{A3A36CBF-9ADD-358F-0B7F-911BE9FBBC64}"/>
+              </a:ext>
+            </a:extLst>
+          </p:cNvPr>
+          <p:cNvSpPr txBox="1"/>
+          <p:nvPr/>
+        </p:nvSpPr>
+        <p:spPr>
+          <a:xfrm>
+            <a:off x="5393408" y="3670367"/>
+            <a:ext cx="669591" cy="369332"/>
+          </a:xfrm>
+          <a:prstGeom prst="rect">
+            <a:avLst/>
+          </a:prstGeom>
+          <a:noFill/>
+        </p:spPr>
+        <p:txBody>
+          <a:bodyPr wrap="square">
+            <a:spAutoFit/>
+          </a:bodyPr>
+          <a:lstStyle/>
+          <a:p>
+            <a:r>
+              <a:rPr lang="en-US" altLang="zh-CN">
+                <a:solidFill>
+                  <a:schemeClr val="bg1"/>
+                </a:solidFill>
+              </a:rPr>
+              <a:t>next</a:t>
+            </a:r>
+            <a:endParaRPr lang="zh-CN" altLang="en-US">
+              <a:solidFill>
+                <a:schemeClr val="bg1"/>
+              </a:solidFill>
+            </a:endParaRPr>
+          </a:p>
+        </p:txBody>
+      </p:sp>
+      <p:sp>
+        <p:nvSpPr>
+          <p:cNvPr id="34" name="文本框 33">
+            <a:extLst>
+              <a:ext uri="{FF2B5EF4-FFF2-40B4-BE49-F238E27FC236}">
+                <a16:creationId xmlns:a16="http://schemas.microsoft.com/office/drawing/2014/main" id="{B08D8C76-C619-57AA-CE88-411B60D845E6}"/>
+              </a:ext>
+            </a:extLst>
+          </p:cNvPr>
+          <p:cNvSpPr txBox="1"/>
+          <p:nvPr/>
+        </p:nvSpPr>
+        <p:spPr>
+          <a:xfrm>
+            <a:off x="5356824" y="4802887"/>
+            <a:ext cx="807994" cy="369332"/>
+          </a:xfrm>
+          <a:prstGeom prst="rect">
+            <a:avLst/>
+          </a:prstGeom>
+          <a:noFill/>
+        </p:spPr>
+        <p:txBody>
+          <a:bodyPr wrap="square">
+            <a:spAutoFit/>
+          </a:bodyPr>
+          <a:lstStyle/>
+          <a:p>
+            <a:r>
+              <a:rPr lang="en-US" altLang="zh-CN">
+                <a:solidFill>
+                  <a:schemeClr val="bg1"/>
+                </a:solidFill>
+              </a:rPr>
+              <a:t>pprev</a:t>
+            </a:r>
+            <a:endParaRPr lang="zh-CN" altLang="en-US">
+              <a:solidFill>
+                <a:schemeClr val="bg1"/>
+              </a:solidFill>
+            </a:endParaRPr>
           </a:p>
         </p:txBody>
       </p:sp>
       <p:grpSp>
         <p:nvGrpSpPr>
-          <p:cNvPr id="27" name="组合 26">
-            <a:extLst>
-              <a:ext uri="{FF2B5EF4-FFF2-40B4-BE49-F238E27FC236}">
-                <a16:creationId xmlns:a16="http://schemas.microsoft.com/office/drawing/2014/main" id="{515CD657-9898-4FA7-A491-50E0735A8BF2}"/>
+          <p:cNvPr id="35" name="组合 34">
+            <a:extLst>
+              <a:ext uri="{FF2B5EF4-FFF2-40B4-BE49-F238E27FC236}">
+                <a16:creationId xmlns:a16="http://schemas.microsoft.com/office/drawing/2014/main" id="{F8FED576-C672-50E3-05FD-397A787166B7}"/>
               </a:ext>
             </a:extLst>
           </p:cNvPr>
@@ -19486,18 +19562,18 @@
         </p:nvGrpSpPr>
         <p:grpSpPr>
           <a:xfrm>
-            <a:off x="4481267" y="3565267"/>
-            <a:ext cx="1998483" cy="1638693"/>
+            <a:off x="8345922" y="2683983"/>
+            <a:ext cx="1998483" cy="2768841"/>
             <a:chOff x="4535863" y="2820184"/>
             <a:chExt cx="1998483" cy="1638693"/>
           </a:xfrm>
         </p:grpSpPr>
         <p:sp>
           <p:nvSpPr>
-            <p:cNvPr id="28" name="矩形: 圆角 27">
+            <p:cNvPr id="36" name="矩形: 圆角 35">
               <a:extLst>
                 <a:ext uri="{FF2B5EF4-FFF2-40B4-BE49-F238E27FC236}">
-                  <a16:creationId xmlns:a16="http://schemas.microsoft.com/office/drawing/2014/main" id="{BD40EF2F-BBF9-4A9E-8AE3-EF0DD8CD2F46}"/>
+                  <a16:creationId xmlns:a16="http://schemas.microsoft.com/office/drawing/2014/main" id="{97C12FA2-8EA1-87CF-9576-42E6B5B4555E}"/>
                 </a:ext>
               </a:extLst>
             </p:cNvPr>
@@ -19546,10 +19622,10 @@
         </p:sp>
         <p:sp>
           <p:nvSpPr>
-            <p:cNvPr id="31" name="文本框 30">
+            <p:cNvPr id="37" name="文本框 36">
               <a:extLst>
                 <a:ext uri="{FF2B5EF4-FFF2-40B4-BE49-F238E27FC236}">
-                  <a16:creationId xmlns:a16="http://schemas.microsoft.com/office/drawing/2014/main" id="{091C7982-F138-49DA-A7CA-69E6D621D54F}"/>
+                  <a16:creationId xmlns:a16="http://schemas.microsoft.com/office/drawing/2014/main" id="{851D6ED8-9711-3A5B-D91A-95297274CDC6}"/>
                 </a:ext>
               </a:extLst>
             </p:cNvPr>
@@ -19581,10 +19657,10 @@
         </p:sp>
         <p:sp>
           <p:nvSpPr>
-            <p:cNvPr id="32" name="矩形 31">
+            <p:cNvPr id="39" name="矩形 38">
               <a:extLst>
                 <a:ext uri="{FF2B5EF4-FFF2-40B4-BE49-F238E27FC236}">
-                  <a16:creationId xmlns:a16="http://schemas.microsoft.com/office/drawing/2014/main" id="{6B22C1B1-630C-4455-AA93-E02F273BEE93}"/>
+                  <a16:creationId xmlns:a16="http://schemas.microsoft.com/office/drawing/2014/main" id="{60DBE10C-1455-B928-C215-3F99245A70C3}"/>
                 </a:ext>
               </a:extLst>
             </p:cNvPr>
@@ -19593,7 +19669,63 @@
           </p:nvSpPr>
           <p:spPr>
             <a:xfrm>
-              <a:off x="4910188" y="3335881"/>
+              <a:off x="4882300" y="3188966"/>
+              <a:ext cx="1213700" cy="262631"/>
+            </a:xfrm>
+            <a:prstGeom prst="rect">
+              <a:avLst/>
+            </a:prstGeom>
+            <a:solidFill>
+              <a:srgbClr val="C239E7"/>
+            </a:solidFill>
+            <a:ln>
+              <a:noFill/>
+            </a:ln>
+          </p:spPr>
+          <p:style>
+            <a:lnRef idx="2">
+              <a:schemeClr val="accent1">
+                <a:shade val="50000"/>
+              </a:schemeClr>
+            </a:lnRef>
+            <a:fillRef idx="1">
+              <a:schemeClr val="accent1"/>
+            </a:fillRef>
+            <a:effectRef idx="0">
+              <a:schemeClr val="accent1"/>
+            </a:effectRef>
+            <a:fontRef idx="minor">
+              <a:schemeClr val="lt1"/>
+            </a:fontRef>
+          </p:style>
+          <p:txBody>
+            <a:bodyPr rtlCol="0" anchor="ctr"/>
+            <a:lstStyle/>
+            <a:p>
+              <a:pPr algn="ctr"/>
+              <a:r>
+                <a:rPr lang="en-US" altLang="zh-CN"/>
+                <a:t>0</a:t>
+              </a:r>
+              <a:endParaRPr lang="zh-CN" altLang="en-US"/>
+            </a:p>
+          </p:txBody>
+        </p:sp>
+        <p:sp>
+          <p:nvSpPr>
+            <p:cNvPr id="40" name="矩形 39">
+              <a:extLst>
+                <a:ext uri="{FF2B5EF4-FFF2-40B4-BE49-F238E27FC236}">
+                  <a16:creationId xmlns:a16="http://schemas.microsoft.com/office/drawing/2014/main" id="{C18915DE-CC8C-6B63-B2B8-7C56674D78BF}"/>
+                </a:ext>
+              </a:extLst>
+            </p:cNvPr>
+            <p:cNvSpPr/>
+            <p:nvPr/>
+          </p:nvSpPr>
+          <p:spPr>
+            <a:xfrm>
+              <a:off x="4882300" y="3730782"/>
               <a:ext cx="1213700" cy="369332"/>
             </a:xfrm>
             <a:prstGeom prst="rect">
@@ -19628,148 +19760,86 @@
             <a:p>
               <a:pPr algn="ctr"/>
               <a:r>
-                <a:rPr lang="en-US" altLang="zh-CN"/>
-                <a:t>next</a:t>
+                <a:rPr lang="zh-CN" altLang="en-US" sz="1200"/>
+                <a:t>节点</a:t>
               </a:r>
-              <a:endParaRPr lang="zh-CN" altLang="en-US"/>
-            </a:p>
-          </p:txBody>
-        </p:sp>
-        <p:sp>
-          <p:nvSpPr>
-            <p:cNvPr id="33" name="矩形 32">
-              <a:extLst>
-                <a:ext uri="{FF2B5EF4-FFF2-40B4-BE49-F238E27FC236}">
-                  <a16:creationId xmlns:a16="http://schemas.microsoft.com/office/drawing/2014/main" id="{B5B81B77-12EC-4B68-9A1F-CBC634314ED4}"/>
-                </a:ext>
-              </a:extLst>
-            </p:cNvPr>
-            <p:cNvSpPr/>
-            <p:nvPr/>
-          </p:nvSpPr>
-          <p:spPr>
-            <a:xfrm>
-              <a:off x="4910188" y="3864874"/>
-              <a:ext cx="1213700" cy="369332"/>
-            </a:xfrm>
-            <a:prstGeom prst="rect">
-              <a:avLst/>
-            </a:prstGeom>
-            <a:solidFill>
-              <a:srgbClr val="C239E7"/>
-            </a:solidFill>
-            <a:ln>
-              <a:noFill/>
-            </a:ln>
-          </p:spPr>
-          <p:style>
-            <a:lnRef idx="2">
-              <a:schemeClr val="accent1">
-                <a:shade val="50000"/>
-              </a:schemeClr>
-            </a:lnRef>
-            <a:fillRef idx="1">
-              <a:schemeClr val="accent1"/>
-            </a:fillRef>
-            <a:effectRef idx="0">
-              <a:schemeClr val="accent1"/>
-            </a:effectRef>
-            <a:fontRef idx="minor">
-              <a:schemeClr val="lt1"/>
-            </a:fontRef>
-          </p:style>
-          <p:txBody>
-            <a:bodyPr rtlCol="0" anchor="ctr"/>
-            <a:lstStyle/>
-            <a:p>
-              <a:pPr algn="ctr"/>
               <a:r>
-                <a:rPr lang="en-US" altLang="zh-CN"/>
-                <a:t>pprev</a:t>
+                <a:rPr lang="en-US" altLang="zh-CN" sz="1200"/>
+                <a:t>1</a:t>
               </a:r>
-              <a:endParaRPr lang="zh-CN" altLang="en-US"/>
+              <a:r>
+                <a:rPr lang="zh-CN" altLang="en-US" sz="1200"/>
+                <a:t>地址</a:t>
+              </a:r>
             </a:p>
           </p:txBody>
         </p:sp>
       </p:grpSp>
+      <p:sp>
+        <p:nvSpPr>
+          <p:cNvPr id="41" name="文本框 40">
+            <a:extLst>
+              <a:ext uri="{FF2B5EF4-FFF2-40B4-BE49-F238E27FC236}">
+                <a16:creationId xmlns:a16="http://schemas.microsoft.com/office/drawing/2014/main" id="{D0CA1723-1F0D-2CE3-369B-03CADEC7013A}"/>
+              </a:ext>
+            </a:extLst>
+          </p:cNvPr>
+          <p:cNvSpPr txBox="1"/>
+          <p:nvPr/>
+        </p:nvSpPr>
+        <p:spPr>
+          <a:xfrm>
+            <a:off x="8956467" y="2218292"/>
+            <a:ext cx="777391" cy="369332"/>
+          </a:xfrm>
+          <a:prstGeom prst="rect">
+            <a:avLst/>
+          </a:prstGeom>
+          <a:noFill/>
+        </p:spPr>
+        <p:txBody>
+          <a:bodyPr wrap="square">
+            <a:spAutoFit/>
+          </a:bodyPr>
+          <a:lstStyle/>
+          <a:p>
+            <a:r>
+              <a:rPr lang="zh-CN" altLang="en-US"/>
+              <a:t>节点</a:t>
+            </a:r>
+            <a:r>
+              <a:rPr lang="en-US" altLang="zh-CN"/>
+              <a:t>2</a:t>
+            </a:r>
+          </a:p>
+        </p:txBody>
+      </p:sp>
       <p:cxnSp>
         <p:nvCxnSpPr>
-          <p:cNvPr id="58" name="连接符: 肘形 57">
-            <a:extLst>
-              <a:ext uri="{FF2B5EF4-FFF2-40B4-BE49-F238E27FC236}">
-                <a16:creationId xmlns:a16="http://schemas.microsoft.com/office/drawing/2014/main" id="{0606EE83-A943-4A8C-B711-FDBDD9116E96}"/>
+          <p:cNvPr id="43" name="直接箭头连接符 42">
+            <a:extLst>
+              <a:ext uri="{FF2B5EF4-FFF2-40B4-BE49-F238E27FC236}">
+                <a16:creationId xmlns:a16="http://schemas.microsoft.com/office/drawing/2014/main" id="{824BF184-295A-9BCA-13AF-73BAB34F0BBF}"/>
               </a:ext>
             </a:extLst>
           </p:cNvPr>
           <p:cNvCxnSpPr>
             <a:cxnSpLocks/>
-            <a:endCxn id="32" idx="1"/>
           </p:cNvCxnSpPr>
           <p:nvPr/>
         </p:nvCxnSpPr>
         <p:spPr>
-          <a:xfrm rot="10800000">
-            <a:off x="4855592" y="4265630"/>
-            <a:ext cx="4397078" cy="476660"/>
-          </a:xfrm>
-          <a:prstGeom prst="bentConnector3">
-            <a:avLst>
-              <a:gd name="adj1" fmla="val 105199"/>
-            </a:avLst>
-          </a:prstGeom>
-          <a:ln cap="flat" cmpd="dbl">
-            <a:solidFill>
-              <a:srgbClr val="BB23E5"/>
-            </a:solidFill>
-            <a:prstDash val="lgDash"/>
-            <a:headEnd w="lg" len="lg"/>
-            <a:tailEnd type="triangle" w="lg" len="lg"/>
-          </a:ln>
-        </p:spPr>
-        <p:style>
-          <a:lnRef idx="1">
-            <a:schemeClr val="accent1"/>
-          </a:lnRef>
-          <a:fillRef idx="0">
-            <a:schemeClr val="accent1"/>
-          </a:fillRef>
-          <a:effectRef idx="0">
-            <a:schemeClr val="accent1"/>
-          </a:effectRef>
-          <a:fontRef idx="minor">
-            <a:schemeClr val="tx1"/>
-          </a:fontRef>
-        </p:style>
-      </p:cxnSp>
-      <p:cxnSp>
-        <p:nvCxnSpPr>
-          <p:cNvPr id="38" name="连接符: 肘形 37">
-            <a:extLst>
-              <a:ext uri="{FF2B5EF4-FFF2-40B4-BE49-F238E27FC236}">
-                <a16:creationId xmlns:a16="http://schemas.microsoft.com/office/drawing/2014/main" id="{5C99BE2C-85D4-4E57-9C9A-07C842D6F525}"/>
-              </a:ext>
-            </a:extLst>
-          </p:cNvPr>
-          <p:cNvCxnSpPr>
-            <a:cxnSpLocks/>
-            <a:stCxn id="29" idx="3"/>
-            <a:endCxn id="19" idx="0"/>
-          </p:cNvCxnSpPr>
-          <p:nvPr/>
-        </p:nvCxnSpPr>
-        <p:spPr>
-          <a:xfrm>
-            <a:off x="8203150" y="1856474"/>
-            <a:ext cx="1674437" cy="1589809"/>
-          </a:xfrm>
-          <a:prstGeom prst="bentConnector2">
+          <a:xfrm>
+            <a:off x="6227436" y="3469953"/>
+            <a:ext cx="2118486" cy="22567"/>
+          </a:xfrm>
+          <a:prstGeom prst="straightConnector1">
             <a:avLst/>
           </a:prstGeom>
           <a:ln>
             <a:solidFill>
               <a:srgbClr val="BB23E5"/>
             </a:solidFill>
-            <a:prstDash val="lgDash"/>
             <a:tailEnd type="triangle"/>
           </a:ln>
         </p:spPr>
@@ -19790,33 +19860,33 @@
       </p:cxnSp>
       <p:cxnSp>
         <p:nvCxnSpPr>
-          <p:cNvPr id="42" name="连接符: 肘形 41">
-            <a:extLst>
-              <a:ext uri="{FF2B5EF4-FFF2-40B4-BE49-F238E27FC236}">
-                <a16:creationId xmlns:a16="http://schemas.microsoft.com/office/drawing/2014/main" id="{56746610-40E0-4104-92CC-48C8C5143B2C}"/>
+          <p:cNvPr id="45" name="连接符: 肘形 44">
+            <a:extLst>
+              <a:ext uri="{FF2B5EF4-FFF2-40B4-BE49-F238E27FC236}">
+                <a16:creationId xmlns:a16="http://schemas.microsoft.com/office/drawing/2014/main" id="{5A61C09B-7C4D-842F-4709-5B6D8FC9B8C5}"/>
               </a:ext>
             </a:extLst>
           </p:cNvPr>
           <p:cNvCxnSpPr>
             <a:cxnSpLocks/>
-            <a:stCxn id="32" idx="3"/>
-            <a:endCxn id="29" idx="2"/>
+            <a:stCxn id="40" idx="1"/>
           </p:cNvCxnSpPr>
           <p:nvPr/>
         </p:nvCxnSpPr>
         <p:spPr>
-          <a:xfrm flipV="1">
-            <a:off x="6069292" y="2115711"/>
-            <a:ext cx="1527008" cy="2149919"/>
-          </a:xfrm>
-          <a:prstGeom prst="bentConnector2">
-            <a:avLst/>
+          <a:xfrm rot="10800000">
+            <a:off x="6858001" y="4534612"/>
+            <a:ext cx="1834359" cy="1"/>
+          </a:xfrm>
+          <a:prstGeom prst="bentConnector3">
+            <a:avLst>
+              <a:gd name="adj1" fmla="val 50000"/>
+            </a:avLst>
           </a:prstGeom>
           <a:ln>
             <a:solidFill>
               <a:srgbClr val="BB23E5"/>
             </a:solidFill>
-            <a:prstDash val="lgDash"/>
             <a:tailEnd type="triangle"/>
           </a:ln>
         </p:spPr>
@@ -19837,160 +19907,10 @@
       </p:cxnSp>
       <p:sp>
         <p:nvSpPr>
-          <p:cNvPr id="51" name="矩形 50">
-            <a:extLst>
-              <a:ext uri="{FF2B5EF4-FFF2-40B4-BE49-F238E27FC236}">
-                <a16:creationId xmlns:a16="http://schemas.microsoft.com/office/drawing/2014/main" id="{52E7073F-9D13-4330-B16D-6080F02AB012}"/>
-              </a:ext>
-            </a:extLst>
-          </p:cNvPr>
-          <p:cNvSpPr/>
-          <p:nvPr/>
-        </p:nvSpPr>
-        <p:spPr>
-          <a:xfrm>
-            <a:off x="2791516" y="1597237"/>
-            <a:ext cx="1213700" cy="518474"/>
-          </a:xfrm>
-          <a:prstGeom prst="rect">
-            <a:avLst/>
-          </a:prstGeom>
-          <a:solidFill>
-            <a:srgbClr val="C239E7"/>
-          </a:solidFill>
-          <a:ln>
-            <a:noFill/>
-          </a:ln>
-        </p:spPr>
-        <p:style>
-          <a:lnRef idx="2">
-            <a:schemeClr val="accent1">
-              <a:shade val="50000"/>
-            </a:schemeClr>
-          </a:lnRef>
-          <a:fillRef idx="1">
-            <a:schemeClr val="accent1"/>
-          </a:fillRef>
-          <a:effectRef idx="0">
-            <a:schemeClr val="accent1"/>
-          </a:effectRef>
-          <a:fontRef idx="minor">
-            <a:schemeClr val="lt1"/>
-          </a:fontRef>
-        </p:style>
-        <p:txBody>
-          <a:bodyPr rtlCol="0" anchor="ctr"/>
-          <a:lstStyle/>
-          <a:p>
-            <a:pPr algn="ctr"/>
-            <a:r>
-              <a:rPr lang="en-US" altLang="zh-CN"/>
-              <a:t>0x02323</a:t>
-            </a:r>
-            <a:endParaRPr lang="zh-CN" altLang="en-US"/>
-          </a:p>
-        </p:txBody>
-      </p:sp>
-      <p:cxnSp>
-        <p:nvCxnSpPr>
-          <p:cNvPr id="52" name="连接符: 肘形 51">
-            <a:extLst>
-              <a:ext uri="{FF2B5EF4-FFF2-40B4-BE49-F238E27FC236}">
-                <a16:creationId xmlns:a16="http://schemas.microsoft.com/office/drawing/2014/main" id="{E2B31D29-FC5F-4735-AAD1-9F1E149738ED}"/>
-              </a:ext>
-            </a:extLst>
-          </p:cNvPr>
-          <p:cNvCxnSpPr>
-            <a:cxnSpLocks/>
-            <a:stCxn id="16" idx="3"/>
-            <a:endCxn id="51" idx="2"/>
-          </p:cNvCxnSpPr>
-          <p:nvPr/>
-        </p:nvCxnSpPr>
-        <p:spPr>
-          <a:xfrm flipV="1">
-            <a:off x="2049151" y="2115711"/>
-            <a:ext cx="1349215" cy="2398521"/>
-          </a:xfrm>
-          <a:prstGeom prst="bentConnector2">
-            <a:avLst/>
-          </a:prstGeom>
-          <a:ln>
-            <a:solidFill>
-              <a:srgbClr val="BB23E5"/>
-            </a:solidFill>
-            <a:prstDash val="lgDash"/>
-            <a:tailEnd type="triangle"/>
-          </a:ln>
-        </p:spPr>
-        <p:style>
-          <a:lnRef idx="1">
-            <a:schemeClr val="accent1"/>
-          </a:lnRef>
-          <a:fillRef idx="0">
-            <a:schemeClr val="accent1"/>
-          </a:fillRef>
-          <a:effectRef idx="0">
-            <a:schemeClr val="accent1"/>
-          </a:effectRef>
-          <a:fontRef idx="minor">
-            <a:schemeClr val="tx1"/>
-          </a:fontRef>
-        </p:style>
-      </p:cxnSp>
-      <p:cxnSp>
-        <p:nvCxnSpPr>
-          <p:cNvPr id="55" name="连接符: 肘形 54">
-            <a:extLst>
-              <a:ext uri="{FF2B5EF4-FFF2-40B4-BE49-F238E27FC236}">
-                <a16:creationId xmlns:a16="http://schemas.microsoft.com/office/drawing/2014/main" id="{F2AD9C50-81CA-4473-95AC-39AABFC3C3AB}"/>
-              </a:ext>
-            </a:extLst>
-          </p:cNvPr>
-          <p:cNvCxnSpPr>
-            <a:cxnSpLocks/>
-            <a:stCxn id="51" idx="3"/>
-            <a:endCxn id="28" idx="0"/>
-          </p:cNvCxnSpPr>
-          <p:nvPr/>
-        </p:nvCxnSpPr>
-        <p:spPr>
-          <a:xfrm>
-            <a:off x="4005216" y="1856474"/>
-            <a:ext cx="1475293" cy="1708793"/>
-          </a:xfrm>
-          <a:prstGeom prst="bentConnector2">
-            <a:avLst/>
-          </a:prstGeom>
-          <a:ln>
-            <a:solidFill>
-              <a:srgbClr val="BB23E5"/>
-            </a:solidFill>
-            <a:prstDash val="lgDash"/>
-            <a:tailEnd type="triangle"/>
-          </a:ln>
-        </p:spPr>
-        <p:style>
-          <a:lnRef idx="1">
-            <a:schemeClr val="accent1"/>
-          </a:lnRef>
-          <a:fillRef idx="0">
-            <a:schemeClr val="accent1"/>
-          </a:fillRef>
-          <a:effectRef idx="0">
-            <a:schemeClr val="accent1"/>
-          </a:effectRef>
-          <a:fontRef idx="minor">
-            <a:schemeClr val="tx1"/>
-          </a:fontRef>
-        </p:style>
-      </p:cxnSp>
-      <p:sp>
-        <p:nvSpPr>
-          <p:cNvPr id="65" name="文本框 64">
-            <a:extLst>
-              <a:ext uri="{FF2B5EF4-FFF2-40B4-BE49-F238E27FC236}">
-                <a16:creationId xmlns:a16="http://schemas.microsoft.com/office/drawing/2014/main" id="{0E4B0E14-24B7-41B5-9E86-C6E97D8386EF}"/>
+          <p:cNvPr id="54" name="文本框 53">
+            <a:extLst>
+              <a:ext uri="{FF2B5EF4-FFF2-40B4-BE49-F238E27FC236}">
+                <a16:creationId xmlns:a16="http://schemas.microsoft.com/office/drawing/2014/main" id="{D855429E-2F0C-4018-2EEC-B89BD9F9DFD0}"/>
               </a:ext>
             </a:extLst>
           </p:cNvPr>
@@ -19999,8 +19919,8 @@
         </p:nvSpPr>
         <p:spPr>
           <a:xfrm>
-            <a:off x="2580068" y="1218824"/>
-            <a:ext cx="1901199" cy="338554"/>
+            <a:off x="8956467" y="4855788"/>
+            <a:ext cx="807994" cy="369332"/>
           </a:xfrm>
           <a:prstGeom prst="rect">
             <a:avLst/>
@@ -20008,24 +19928,33 @@
           <a:noFill/>
         </p:spPr>
         <p:txBody>
-          <a:bodyPr wrap="square" rtlCol="0">
+          <a:bodyPr wrap="square">
             <a:spAutoFit/>
           </a:bodyPr>
           <a:lstStyle/>
           <a:p>
             <a:r>
-              <a:rPr lang="zh-CN" altLang="en-US" sz="1600"/>
-              <a:t>内存中存放的地址</a:t>
-            </a:r>
-          </a:p>
-        </p:txBody>
-      </p:sp>
-      <p:sp>
-        <p:nvSpPr>
-          <p:cNvPr id="66" name="文本框 65">
-            <a:extLst>
-              <a:ext uri="{FF2B5EF4-FFF2-40B4-BE49-F238E27FC236}">
-                <a16:creationId xmlns:a16="http://schemas.microsoft.com/office/drawing/2014/main" id="{7B99952D-17E0-40F1-A918-32B3B7087E9E}"/>
+              <a:rPr lang="en-US" altLang="zh-CN">
+                <a:solidFill>
+                  <a:schemeClr val="bg1"/>
+                </a:solidFill>
+              </a:rPr>
+              <a:t>pprev</a:t>
+            </a:r>
+            <a:endParaRPr lang="zh-CN" altLang="en-US">
+              <a:solidFill>
+                <a:schemeClr val="bg1"/>
+              </a:solidFill>
+            </a:endParaRPr>
+          </a:p>
+        </p:txBody>
+      </p:sp>
+      <p:sp>
+        <p:nvSpPr>
+          <p:cNvPr id="56" name="文本框 55">
+            <a:extLst>
+              <a:ext uri="{FF2B5EF4-FFF2-40B4-BE49-F238E27FC236}">
+                <a16:creationId xmlns:a16="http://schemas.microsoft.com/office/drawing/2014/main" id="{1CD1DB40-70CE-F385-8563-F864D8B9BE31}"/>
               </a:ext>
             </a:extLst>
           </p:cNvPr>
@@ -20034,8 +19963,8 @@
         </p:nvSpPr>
         <p:spPr>
           <a:xfrm>
-            <a:off x="6645700" y="1212711"/>
-            <a:ext cx="1901199" cy="338554"/>
+            <a:off x="8964413" y="3707111"/>
+            <a:ext cx="669591" cy="369332"/>
           </a:xfrm>
           <a:prstGeom prst="rect">
             <a:avLst/>
@@ -20043,172 +19972,27 @@
           <a:noFill/>
         </p:spPr>
         <p:txBody>
-          <a:bodyPr wrap="square" rtlCol="0">
+          <a:bodyPr wrap="square">
             <a:spAutoFit/>
           </a:bodyPr>
           <a:lstStyle/>
           <a:p>
             <a:r>
-              <a:rPr lang="zh-CN" altLang="en-US" sz="1600"/>
-              <a:t>内存中存放的地址</a:t>
-            </a:r>
-          </a:p>
-        </p:txBody>
-      </p:sp>
-      <p:sp>
-        <p:nvSpPr>
-          <p:cNvPr id="67" name="矩形 66">
-            <a:extLst>
-              <a:ext uri="{FF2B5EF4-FFF2-40B4-BE49-F238E27FC236}">
-                <a16:creationId xmlns:a16="http://schemas.microsoft.com/office/drawing/2014/main" id="{8E1A288E-0A0C-40F8-8195-D6B007B5E476}"/>
-              </a:ext>
-            </a:extLst>
-          </p:cNvPr>
-          <p:cNvSpPr/>
-          <p:nvPr/>
-        </p:nvSpPr>
-        <p:spPr>
-          <a:xfrm>
-            <a:off x="10498580" y="1598390"/>
-            <a:ext cx="1213700" cy="518474"/>
-          </a:xfrm>
-          <a:prstGeom prst="rect">
-            <a:avLst/>
-          </a:prstGeom>
-          <a:solidFill>
-            <a:srgbClr val="C239E7"/>
-          </a:solidFill>
-          <a:ln>
-            <a:noFill/>
-          </a:ln>
-        </p:spPr>
-        <p:style>
-          <a:lnRef idx="2">
-            <a:schemeClr val="accent1">
-              <a:shade val="50000"/>
-            </a:schemeClr>
-          </a:lnRef>
-          <a:fillRef idx="1">
-            <a:schemeClr val="accent1"/>
-          </a:fillRef>
-          <a:effectRef idx="0">
-            <a:schemeClr val="accent1"/>
-          </a:effectRef>
-          <a:fontRef idx="minor">
-            <a:schemeClr val="lt1"/>
-          </a:fontRef>
-        </p:style>
-        <p:txBody>
-          <a:bodyPr rtlCol="0" anchor="ctr"/>
-          <a:lstStyle/>
-          <a:p>
-            <a:pPr algn="ctr"/>
-            <a:r>
-              <a:rPr lang="en-US" altLang="zh-CN"/>
-              <a:t>0</a:t>
-            </a:r>
-            <a:endParaRPr lang="zh-CN" altLang="en-US"/>
-          </a:p>
-        </p:txBody>
-      </p:sp>
-      <p:cxnSp>
-        <p:nvCxnSpPr>
-          <p:cNvPr id="68" name="连接符: 肘形 67">
-            <a:extLst>
-              <a:ext uri="{FF2B5EF4-FFF2-40B4-BE49-F238E27FC236}">
-                <a16:creationId xmlns:a16="http://schemas.microsoft.com/office/drawing/2014/main" id="{14DEEB70-6A9B-4ADD-9B06-1BA6F65DC59A}"/>
-              </a:ext>
-            </a:extLst>
-          </p:cNvPr>
-          <p:cNvCxnSpPr>
-            <a:cxnSpLocks/>
-            <a:endCxn id="67" idx="2"/>
-          </p:cNvCxnSpPr>
-          <p:nvPr/>
-        </p:nvCxnSpPr>
-        <p:spPr>
-          <a:xfrm rot="5400000" flipH="1" flipV="1">
-            <a:off x="9926259" y="3067435"/>
-            <a:ext cx="2129742" cy="228600"/>
-          </a:xfrm>
-          <a:prstGeom prst="bentConnector3">
-            <a:avLst>
-              <a:gd name="adj1" fmla="val 868"/>
-            </a:avLst>
-          </a:prstGeom>
-          <a:ln>
-            <a:solidFill>
-              <a:srgbClr val="BB23E5"/>
-            </a:solidFill>
-            <a:prstDash val="lgDash"/>
-            <a:tailEnd type="triangle"/>
-          </a:ln>
-        </p:spPr>
-        <p:style>
-          <a:lnRef idx="1">
-            <a:schemeClr val="accent1"/>
-          </a:lnRef>
-          <a:fillRef idx="0">
-            <a:schemeClr val="accent1"/>
-          </a:fillRef>
-          <a:effectRef idx="0">
-            <a:schemeClr val="accent1"/>
-          </a:effectRef>
-          <a:fontRef idx="minor">
-            <a:schemeClr val="tx1"/>
-          </a:fontRef>
-        </p:style>
-      </p:cxnSp>
-      <p:cxnSp>
-        <p:nvCxnSpPr>
-          <p:cNvPr id="76" name="连接符: 肘形 75">
-            <a:extLst>
-              <a:ext uri="{FF2B5EF4-FFF2-40B4-BE49-F238E27FC236}">
-                <a16:creationId xmlns:a16="http://schemas.microsoft.com/office/drawing/2014/main" id="{B6E62B62-1199-4516-8581-6D4454B57C46}"/>
-              </a:ext>
-            </a:extLst>
-          </p:cNvPr>
-          <p:cNvCxnSpPr>
-            <a:cxnSpLocks/>
-            <a:stCxn id="33" idx="2"/>
-            <a:endCxn id="16" idx="2"/>
-          </p:cNvCxnSpPr>
-          <p:nvPr/>
-        </p:nvCxnSpPr>
-        <p:spPr>
-          <a:xfrm rot="5400000" flipH="1">
-            <a:off x="3349462" y="2866309"/>
-            <a:ext cx="205820" cy="4020141"/>
-          </a:xfrm>
-          <a:prstGeom prst="bentConnector3">
-            <a:avLst>
-              <a:gd name="adj1" fmla="val -207251"/>
-            </a:avLst>
-          </a:prstGeom>
-          <a:ln>
-            <a:solidFill>
-              <a:srgbClr val="BB23E5"/>
-            </a:solidFill>
-            <a:prstDash val="lgDash"/>
-            <a:headEnd w="lg" len="lg"/>
-            <a:tailEnd type="triangle" w="lg" len="lg"/>
-          </a:ln>
-        </p:spPr>
-        <p:style>
-          <a:lnRef idx="1">
-            <a:schemeClr val="accent1"/>
-          </a:lnRef>
-          <a:fillRef idx="0">
-            <a:schemeClr val="accent1"/>
-          </a:fillRef>
-          <a:effectRef idx="0">
-            <a:schemeClr val="accent1"/>
-          </a:effectRef>
-          <a:fontRef idx="minor">
-            <a:schemeClr val="tx1"/>
-          </a:fontRef>
-        </p:style>
-      </p:cxnSp>
+              <a:rPr lang="en-US" altLang="zh-CN">
+                <a:solidFill>
+                  <a:schemeClr val="bg1"/>
+                </a:solidFill>
+              </a:rPr>
+              <a:t>next</a:t>
+            </a:r>
+            <a:endParaRPr lang="zh-CN" altLang="en-US">
+              <a:solidFill>
+                <a:schemeClr val="bg1"/>
+              </a:solidFill>
+            </a:endParaRPr>
+          </a:p>
+        </p:txBody>
+      </p:sp>
     </p:spTree>
     <p:extLst>
       <p:ext uri="{BB962C8B-B14F-4D97-AF65-F5344CB8AC3E}">
@@ -21731,7 +21515,7 @@
         <p:spPr>
           <a:xfrm flipV="1">
             <a:off x="6153737" y="1678000"/>
-            <a:ext cx="2231400" cy="1"/>
+            <a:ext cx="1841763" cy="1"/>
           </a:xfrm>
           <a:prstGeom prst="bentConnector3">
             <a:avLst>
@@ -21778,9 +21562,9 @@
           <p:nvPr/>
         </p:nvCxnSpPr>
         <p:spPr>
-          <a:xfrm rot="10800000">
-            <a:off x="6189870" y="1798879"/>
-            <a:ext cx="2569594" cy="408115"/>
+          <a:xfrm rot="10800000" flipV="1">
+            <a:off x="6953838" y="2206992"/>
+            <a:ext cx="1805626" cy="1"/>
           </a:xfrm>
           <a:prstGeom prst="bentConnector3">
             <a:avLst>
@@ -21828,8 +21612,8 @@
         </p:nvCxnSpPr>
         <p:spPr>
           <a:xfrm rot="10800000">
-            <a:off x="2742019" y="1939958"/>
-            <a:ext cx="2198018" cy="267036"/>
+            <a:off x="3134411" y="2206992"/>
+            <a:ext cx="1805626" cy="2"/>
           </a:xfrm>
           <a:prstGeom prst="bentConnector3">
             <a:avLst>
@@ -21862,10 +21646,10 @@
       </p:cxnSp>
       <p:cxnSp>
         <p:nvCxnSpPr>
-          <p:cNvPr id="61" name="连接符: 肘形 60">
-            <a:extLst>
-              <a:ext uri="{FF2B5EF4-FFF2-40B4-BE49-F238E27FC236}">
-                <a16:creationId xmlns:a16="http://schemas.microsoft.com/office/drawing/2014/main" id="{453B184D-D953-4BAB-869C-C964BD549BBC}"/>
+          <p:cNvPr id="38" name="连接符: 肘形 37">
+            <a:extLst>
+              <a:ext uri="{FF2B5EF4-FFF2-40B4-BE49-F238E27FC236}">
+                <a16:creationId xmlns:a16="http://schemas.microsoft.com/office/drawing/2014/main" id="{A658D704-A3C7-070A-BCE8-42FB5B2B8FB9}"/>
               </a:ext>
             </a:extLst>
           </p:cNvPr>
@@ -21875,9 +21659,9 @@
           <p:nvPr/>
         </p:nvCxnSpPr>
         <p:spPr>
-          <a:xfrm flipV="1">
-            <a:off x="2743005" y="1655215"/>
-            <a:ext cx="2231400" cy="1"/>
+          <a:xfrm>
+            <a:off x="2734361" y="1711473"/>
+            <a:ext cx="1441708" cy="12700"/>
           </a:xfrm>
           <a:prstGeom prst="bentConnector3">
             <a:avLst>
